--- a/04. Apache Spark.pptx
+++ b/04. Apache Spark.pptx
@@ -5,24 +5,26 @@
     <p:sldMasterId id="2147483648" r:id="rId1"/>
   </p:sldMasterIdLst>
   <p:notesMasterIdLst>
-    <p:notesMasterId r:id="rId17"/>
+    <p:notesMasterId r:id="rId19"/>
   </p:notesMasterIdLst>
   <p:sldIdLst>
     <p:sldId id="272" r:id="rId2"/>
-    <p:sldId id="259" r:id="rId3"/>
-    <p:sldId id="258" r:id="rId4"/>
+    <p:sldId id="258" r:id="rId3"/>
+    <p:sldId id="259" r:id="rId4"/>
     <p:sldId id="260" r:id="rId5"/>
     <p:sldId id="261" r:id="rId6"/>
     <p:sldId id="262" r:id="rId7"/>
     <p:sldId id="263" r:id="rId8"/>
-    <p:sldId id="264" r:id="rId9"/>
-    <p:sldId id="265" r:id="rId10"/>
-    <p:sldId id="266" r:id="rId11"/>
-    <p:sldId id="270" r:id="rId12"/>
-    <p:sldId id="271" r:id="rId13"/>
-    <p:sldId id="269" r:id="rId14"/>
-    <p:sldId id="268" r:id="rId15"/>
-    <p:sldId id="267" r:id="rId16"/>
+    <p:sldId id="274" r:id="rId9"/>
+    <p:sldId id="273" r:id="rId10"/>
+    <p:sldId id="264" r:id="rId11"/>
+    <p:sldId id="265" r:id="rId12"/>
+    <p:sldId id="266" r:id="rId13"/>
+    <p:sldId id="270" r:id="rId14"/>
+    <p:sldId id="271" r:id="rId15"/>
+    <p:sldId id="269" r:id="rId16"/>
+    <p:sldId id="268" r:id="rId17"/>
+    <p:sldId id="267" r:id="rId18"/>
   </p:sldIdLst>
   <p:sldSz cx="12192000" cy="6858000"/>
   <p:notesSz cx="6858000" cy="9144000"/>
@@ -915,7 +917,7 @@
 <dgm:dataModel xmlns:dgm="http://schemas.openxmlformats.org/drawingml/2006/diagram" xmlns:a="http://schemas.openxmlformats.org/drawingml/2006/main">
   <dgm:ptLst>
     <dgm:pt modelId="{C337A70B-7720-4E1A-8663-7E71984D174D}" type="doc">
-      <dgm:prSet loTypeId="urn:microsoft.com/office/officeart/2005/8/layout/vList2" loCatId="list" qsTypeId="urn:microsoft.com/office/officeart/2005/8/quickstyle/simple1" qsCatId="simple" csTypeId="urn:microsoft.com/office/officeart/2005/8/colors/colorful5" csCatId="colorful"/>
+      <dgm:prSet loTypeId="urn:microsoft.com/office/officeart/2005/8/layout/vList2" loCatId="list" qsTypeId="urn:microsoft.com/office/officeart/2005/8/quickstyle/simple1" qsCatId="simple" csTypeId="urn:microsoft.com/office/officeart/2005/8/colors/colorful5" csCatId="colorful" phldr="1"/>
       <dgm:spPr/>
       <dgm:t>
         <a:bodyPr/>
@@ -994,26 +996,42 @@
         <a:lstStyle/>
         <a:p>
           <a:r>
-            <a:rPr lang="el-GR"/>
+            <a:rPr lang="el-GR" dirty="0"/>
             <a:t>Μπορεί να θεωρηθεί ως μηχανή επεξεργασίας (</a:t>
           </a:r>
           <a:r>
-            <a:rPr lang="en-US"/>
+            <a:rPr lang="en-US" dirty="0"/>
             <a:t>processing engine</a:t>
           </a:r>
           <a:r>
-            <a:rPr lang="el-GR"/>
+            <a:rPr lang="el-GR" dirty="0"/>
             <a:t>)</a:t>
           </a:r>
           <a:r>
-            <a:rPr lang="en-US"/>
+            <a:rPr lang="en-US" dirty="0"/>
             <a:t> </a:t>
           </a:r>
           <a:r>
-            <a:rPr lang="el-GR"/>
-            <a:t>που δίνει έμφαση σε: ταχύτητα, ευκολία χρήσης και σε προχωρημένη ανάλυση δεδομένων </a:t>
+            <a:rPr lang="el-GR" dirty="0"/>
+            <a:t>που δίνει έμφαση σε</a:t>
           </a:r>
-          <a:endParaRPr lang="en-US"/>
+          <a:r>
+            <a:rPr lang="en-US" dirty="0"/>
+            <a:t> </a:t>
+          </a:r>
+          <a:r>
+            <a:rPr lang="el-GR" dirty="0"/>
+            <a:t>ταχύτητα</a:t>
+          </a:r>
+          <a:r>
+            <a:rPr lang="en-US" dirty="0"/>
+            <a:t> </a:t>
+          </a:r>
+          <a:r>
+            <a:rPr lang="el-GR" dirty="0"/>
+            <a:t>και ευκολία χρήσης ενώ παράλληλα παρέχει δυνατότητες προχωρημένης ανάλυσης δεδομένων </a:t>
+          </a:r>
+          <a:endParaRPr lang="en-US" dirty="0"/>
         </a:p>
       </dgm:t>
     </dgm:pt>
@@ -1047,44 +1065,48 @@
         <a:lstStyle/>
         <a:p>
           <a:r>
-            <a:rPr lang="el-GR"/>
+            <a:rPr lang="el-GR" dirty="0"/>
             <a:t>Το </a:t>
           </a:r>
           <a:r>
-            <a:rPr lang="en-US"/>
+            <a:rPr lang="en-US" dirty="0"/>
             <a:t>Spark </a:t>
           </a:r>
           <a:r>
-            <a:rPr lang="el-GR"/>
+            <a:rPr lang="el-GR" dirty="0"/>
             <a:t>δημιουργήθηκε αρχικά στο </a:t>
           </a:r>
           <a:r>
-            <a:rPr lang="en-US"/>
-            <a:t>AMPLab </a:t>
+            <a:rPr lang="en-US" dirty="0" err="1"/>
+            <a:t>AMPLab</a:t>
           </a:r>
           <a:r>
-            <a:rPr lang="el-GR"/>
+            <a:rPr lang="en-US" dirty="0"/>
+            <a:t> </a:t>
+          </a:r>
+          <a:r>
+            <a:rPr lang="el-GR" dirty="0"/>
             <a:t>του </a:t>
           </a:r>
           <a:r>
-            <a:rPr lang="en-US"/>
+            <a:rPr lang="en-US" dirty="0"/>
             <a:t>UC Berkeley (2009) </a:t>
           </a:r>
           <a:r>
-            <a:rPr lang="el-GR"/>
+            <a:rPr lang="el-GR" dirty="0"/>
             <a:t>και από το 2010 είναι </a:t>
           </a:r>
           <a:r>
-            <a:rPr lang="en-US"/>
+            <a:rPr lang="en-US" dirty="0"/>
             <a:t>open source </a:t>
           </a:r>
           <a:r>
-            <a:rPr lang="el-GR"/>
+            <a:rPr lang="el-GR" dirty="0"/>
             <a:t>ως </a:t>
           </a:r>
           <a:r>
-            <a:rPr lang="en-US"/>
-            <a:t>Apache project </a:t>
+            <a:rPr lang="en-US" dirty="0"/>
+            <a:t>top level Apache project </a:t>
           </a:r>
         </a:p>
       </dgm:t>
@@ -1429,26 +1451,42 @@
             <a:buNone/>
           </a:pPr>
           <a:r>
-            <a:rPr lang="el-GR" sz="1700" kern="1200"/>
+            <a:rPr lang="el-GR" sz="1700" kern="1200" dirty="0"/>
             <a:t>Μπορεί να θεωρηθεί ως μηχανή επεξεργασίας (</a:t>
           </a:r>
           <a:r>
-            <a:rPr lang="en-US" sz="1700" kern="1200"/>
+            <a:rPr lang="en-US" sz="1700" kern="1200" dirty="0"/>
             <a:t>processing engine</a:t>
           </a:r>
           <a:r>
-            <a:rPr lang="el-GR" sz="1700" kern="1200"/>
+            <a:rPr lang="el-GR" sz="1700" kern="1200" dirty="0"/>
             <a:t>)</a:t>
           </a:r>
           <a:r>
-            <a:rPr lang="en-US" sz="1700" kern="1200"/>
+            <a:rPr lang="en-US" sz="1700" kern="1200" dirty="0"/>
             <a:t> </a:t>
           </a:r>
           <a:r>
-            <a:rPr lang="el-GR" sz="1700" kern="1200"/>
-            <a:t>που δίνει έμφαση σε: ταχύτητα, ευκολία χρήσης και σε προχωρημένη ανάλυση δεδομένων </a:t>
+            <a:rPr lang="el-GR" sz="1700" kern="1200" dirty="0"/>
+            <a:t>που δίνει έμφαση σε</a:t>
           </a:r>
-          <a:endParaRPr lang="en-US" sz="1700" kern="1200"/>
+          <a:r>
+            <a:rPr lang="en-US" sz="1700" kern="1200" dirty="0"/>
+            <a:t> </a:t>
+          </a:r>
+          <a:r>
+            <a:rPr lang="el-GR" sz="1700" kern="1200" dirty="0"/>
+            <a:t>ταχύτητα</a:t>
+          </a:r>
+          <a:r>
+            <a:rPr lang="en-US" sz="1700" kern="1200" dirty="0"/>
+            <a:t> </a:t>
+          </a:r>
+          <a:r>
+            <a:rPr lang="el-GR" sz="1700" kern="1200" dirty="0"/>
+            <a:t>και ευκολία χρήσης ενώ παράλληλα παρέχει δυνατότητες προχωρημένης ανάλυσης δεδομένων </a:t>
+          </a:r>
+          <a:endParaRPr lang="en-US" sz="1700" kern="1200" dirty="0"/>
         </a:p>
       </dsp:txBody>
       <dsp:txXfrm>
@@ -1524,44 +1562,48 @@
             <a:buNone/>
           </a:pPr>
           <a:r>
-            <a:rPr lang="el-GR" sz="1700" kern="1200"/>
+            <a:rPr lang="el-GR" sz="1700" kern="1200" dirty="0"/>
             <a:t>Το </a:t>
           </a:r>
           <a:r>
-            <a:rPr lang="en-US" sz="1700" kern="1200"/>
+            <a:rPr lang="en-US" sz="1700" kern="1200" dirty="0"/>
             <a:t>Spark </a:t>
           </a:r>
           <a:r>
-            <a:rPr lang="el-GR" sz="1700" kern="1200"/>
+            <a:rPr lang="el-GR" sz="1700" kern="1200" dirty="0"/>
             <a:t>δημιουργήθηκε αρχικά στο </a:t>
           </a:r>
           <a:r>
-            <a:rPr lang="en-US" sz="1700" kern="1200"/>
-            <a:t>AMPLab </a:t>
+            <a:rPr lang="en-US" sz="1700" kern="1200" dirty="0" err="1"/>
+            <a:t>AMPLab</a:t>
           </a:r>
           <a:r>
-            <a:rPr lang="el-GR" sz="1700" kern="1200"/>
+            <a:rPr lang="en-US" sz="1700" kern="1200" dirty="0"/>
+            <a:t> </a:t>
+          </a:r>
+          <a:r>
+            <a:rPr lang="el-GR" sz="1700" kern="1200" dirty="0"/>
             <a:t>του </a:t>
           </a:r>
           <a:r>
-            <a:rPr lang="en-US" sz="1700" kern="1200"/>
+            <a:rPr lang="en-US" sz="1700" kern="1200" dirty="0"/>
             <a:t>UC Berkeley (2009) </a:t>
           </a:r>
           <a:r>
-            <a:rPr lang="el-GR" sz="1700" kern="1200"/>
+            <a:rPr lang="el-GR" sz="1700" kern="1200" dirty="0"/>
             <a:t>και από το 2010 είναι </a:t>
           </a:r>
           <a:r>
-            <a:rPr lang="en-US" sz="1700" kern="1200"/>
+            <a:rPr lang="en-US" sz="1700" kern="1200" dirty="0"/>
             <a:t>open source </a:t>
           </a:r>
           <a:r>
-            <a:rPr lang="el-GR" sz="1700" kern="1200"/>
+            <a:rPr lang="el-GR" sz="1700" kern="1200" dirty="0"/>
             <a:t>ως </a:t>
           </a:r>
           <a:r>
-            <a:rPr lang="en-US" sz="1700" kern="1200"/>
-            <a:t>Apache project </a:t>
+            <a:rPr lang="en-US" sz="1700" kern="1200" dirty="0"/>
+            <a:t>top level Apache project </a:t>
           </a:r>
         </a:p>
       </dsp:txBody>
@@ -2952,7 +2994,7 @@
           <a:p>
             <a:fld id="{339FF9B1-BC6A-488D-9803-65420610ECB9}" type="datetimeFigureOut">
               <a:rPr lang="el-GR" smtClean="0"/>
-              <a:t>18/2/2019</a:t>
+              <a:t>17/5/2020</a:t>
             </a:fld>
             <a:endParaRPr lang="el-GR"/>
           </a:p>
@@ -3482,7 +3524,7 @@
           <a:p>
             <a:fld id="{5F9DBC74-475F-4A83-AC9D-9F7F396082E4}" type="slidenum">
               <a:rPr lang="el-GR" smtClean="0"/>
-              <a:t>3</a:t>
+              <a:t>2</a:t>
             </a:fld>
             <a:endParaRPr lang="el-GR"/>
           </a:p>
@@ -3842,7 +3884,7 @@
           <a:p>
             <a:fld id="{5F9DBC74-475F-4A83-AC9D-9F7F396082E4}" type="slidenum">
               <a:rPr lang="el-GR" smtClean="0"/>
-              <a:t>8</a:t>
+              <a:t>10</a:t>
             </a:fld>
             <a:endParaRPr lang="el-GR"/>
           </a:p>
@@ -4012,7 +4054,7 @@
           <a:p>
             <a:fld id="{5F9DBC74-475F-4A83-AC9D-9F7F396082E4}" type="slidenum">
               <a:rPr lang="el-GR" smtClean="0"/>
-              <a:t>14</a:t>
+              <a:t>16</a:t>
             </a:fld>
             <a:endParaRPr lang="el-GR"/>
           </a:p>
@@ -4096,7 +4138,7 @@
           <a:p>
             <a:fld id="{5F9DBC74-475F-4A83-AC9D-9F7F396082E4}" type="slidenum">
               <a:rPr lang="el-GR" smtClean="0"/>
-              <a:t>15</a:t>
+              <a:t>17</a:t>
             </a:fld>
             <a:endParaRPr lang="el-GR"/>
           </a:p>
@@ -4244,7 +4286,7 @@
           <a:p>
             <a:fld id="{B449E151-0877-461B-8BE5-DA5BD7170C9D}" type="datetimeFigureOut">
               <a:rPr lang="el-GR" smtClean="0"/>
-              <a:t>18/2/2019</a:t>
+              <a:t>17/5/2020</a:t>
             </a:fld>
             <a:endParaRPr lang="el-GR"/>
           </a:p>
@@ -4412,7 +4454,7 @@
           <a:p>
             <a:fld id="{B449E151-0877-461B-8BE5-DA5BD7170C9D}" type="datetimeFigureOut">
               <a:rPr lang="el-GR" smtClean="0"/>
-              <a:t>18/2/2019</a:t>
+              <a:t>17/5/2020</a:t>
             </a:fld>
             <a:endParaRPr lang="el-GR"/>
           </a:p>
@@ -4590,7 +4632,7 @@
           <a:p>
             <a:fld id="{B449E151-0877-461B-8BE5-DA5BD7170C9D}" type="datetimeFigureOut">
               <a:rPr lang="el-GR" smtClean="0"/>
-              <a:t>18/2/2019</a:t>
+              <a:t>17/5/2020</a:t>
             </a:fld>
             <a:endParaRPr lang="el-GR"/>
           </a:p>
@@ -4758,7 +4800,7 @@
           <a:p>
             <a:fld id="{B449E151-0877-461B-8BE5-DA5BD7170C9D}" type="datetimeFigureOut">
               <a:rPr lang="el-GR" smtClean="0"/>
-              <a:t>18/2/2019</a:t>
+              <a:t>17/5/2020</a:t>
             </a:fld>
             <a:endParaRPr lang="el-GR"/>
           </a:p>
@@ -5003,7 +5045,7 @@
           <a:p>
             <a:fld id="{B449E151-0877-461B-8BE5-DA5BD7170C9D}" type="datetimeFigureOut">
               <a:rPr lang="el-GR" smtClean="0"/>
-              <a:t>18/2/2019</a:t>
+              <a:t>17/5/2020</a:t>
             </a:fld>
             <a:endParaRPr lang="el-GR"/>
           </a:p>
@@ -5232,7 +5274,7 @@
           <a:p>
             <a:fld id="{B449E151-0877-461B-8BE5-DA5BD7170C9D}" type="datetimeFigureOut">
               <a:rPr lang="el-GR" smtClean="0"/>
-              <a:t>18/2/2019</a:t>
+              <a:t>17/5/2020</a:t>
             </a:fld>
             <a:endParaRPr lang="el-GR"/>
           </a:p>
@@ -5596,7 +5638,7 @@
           <a:p>
             <a:fld id="{B449E151-0877-461B-8BE5-DA5BD7170C9D}" type="datetimeFigureOut">
               <a:rPr lang="el-GR" smtClean="0"/>
-              <a:t>18/2/2019</a:t>
+              <a:t>17/5/2020</a:t>
             </a:fld>
             <a:endParaRPr lang="el-GR"/>
           </a:p>
@@ -5713,7 +5755,7 @@
           <a:p>
             <a:fld id="{B449E151-0877-461B-8BE5-DA5BD7170C9D}" type="datetimeFigureOut">
               <a:rPr lang="el-GR" smtClean="0"/>
-              <a:t>18/2/2019</a:t>
+              <a:t>17/5/2020</a:t>
             </a:fld>
             <a:endParaRPr lang="el-GR"/>
           </a:p>
@@ -5808,7 +5850,7 @@
           <a:p>
             <a:fld id="{B449E151-0877-461B-8BE5-DA5BD7170C9D}" type="datetimeFigureOut">
               <a:rPr lang="el-GR" smtClean="0"/>
-              <a:t>18/2/2019</a:t>
+              <a:t>17/5/2020</a:t>
             </a:fld>
             <a:endParaRPr lang="el-GR"/>
           </a:p>
@@ -6083,7 +6125,7 @@
           <a:p>
             <a:fld id="{B449E151-0877-461B-8BE5-DA5BD7170C9D}" type="datetimeFigureOut">
               <a:rPr lang="el-GR" smtClean="0"/>
-              <a:t>18/2/2019</a:t>
+              <a:t>17/5/2020</a:t>
             </a:fld>
             <a:endParaRPr lang="el-GR"/>
           </a:p>
@@ -6335,7 +6377,7 @@
           <a:p>
             <a:fld id="{B449E151-0877-461B-8BE5-DA5BD7170C9D}" type="datetimeFigureOut">
               <a:rPr lang="el-GR" smtClean="0"/>
-              <a:t>18/2/2019</a:t>
+              <a:t>17/5/2020</a:t>
             </a:fld>
             <a:endParaRPr lang="el-GR"/>
           </a:p>
@@ -6546,7 +6588,7 @@
           <a:p>
             <a:fld id="{B449E151-0877-461B-8BE5-DA5BD7170C9D}" type="datetimeFigureOut">
               <a:rPr lang="el-GR" smtClean="0"/>
-              <a:t>18/2/2019</a:t>
+              <a:t>17/5/2020</a:t>
             </a:fld>
             <a:endParaRPr lang="el-GR"/>
           </a:p>
@@ -7177,7 +7219,7 @@
                   <a:srgbClr val="000000"/>
                 </a:solidFill>
               </a:rPr>
-              <a:t>18/2/2019</a:t>
+              <a:t>11/5/2020</a:t>
             </a:r>
             <a:endParaRPr lang="en-US" dirty="0">
               <a:solidFill>
@@ -7294,6 +7336,2464 @@
       </p:grpSpPr>
       <p:sp>
         <p:nvSpPr>
+          <p:cNvPr id="10" name="Rectangle 9">
+            <a:extLst>
+              <a:ext uri="{FF2B5EF4-FFF2-40B4-BE49-F238E27FC236}">
+                <a16:creationId xmlns:a16="http://schemas.microsoft.com/office/drawing/2014/main" id="{4C608BEB-860E-4094-8511-78603564A75E}"/>
+              </a:ext>
+              <a:ext uri="{C183D7F6-B498-43B3-948B-1728B52AA6E4}">
+                <adec:decorative xmlns:adec="http://schemas.microsoft.com/office/drawing/2017/decorative" val="1"/>
+              </a:ext>
+            </a:extLst>
+          </p:cNvPr>
+          <p:cNvSpPr>
+            <a:spLocks noGrp="1" noRot="1" noChangeAspect="1" noMove="1" noResize="1" noEditPoints="1" noAdjustHandles="1" noChangeArrowheads="1" noChangeShapeType="1" noTextEdit="1"/>
+          </p:cNvSpPr>
+          <p:nvPr>
+            <p:extLst>
+              <p:ext uri="{386F3935-93C4-4BCD-93E2-E3B085C9AB24}">
+                <p16:designElem xmlns:p16="http://schemas.microsoft.com/office/powerpoint/2015/main" val="1"/>
+              </p:ext>
+            </p:extLst>
+          </p:nvPr>
+        </p:nvSpPr>
+        <p:spPr>
+          <a:xfrm>
+            <a:off x="0" y="0"/>
+            <a:ext cx="4059050" cy="6858000"/>
+          </a:xfrm>
+          <a:prstGeom prst="rect">
+            <a:avLst/>
+          </a:prstGeom>
+          <a:solidFill>
+            <a:srgbClr val="404040"/>
+          </a:solidFill>
+          <a:ln>
+            <a:noFill/>
+          </a:ln>
+        </p:spPr>
+        <p:style>
+          <a:lnRef idx="2">
+            <a:schemeClr val="accent1">
+              <a:shade val="50000"/>
+            </a:schemeClr>
+          </a:lnRef>
+          <a:fillRef idx="1">
+            <a:schemeClr val="accent1"/>
+          </a:fillRef>
+          <a:effectRef idx="0">
+            <a:schemeClr val="accent1"/>
+          </a:effectRef>
+          <a:fontRef idx="minor">
+            <a:schemeClr val="lt1"/>
+          </a:fontRef>
+        </p:style>
+        <p:txBody>
+          <a:bodyPr rtlCol="0" anchor="ctr"/>
+          <a:lstStyle/>
+          <a:p>
+            <a:pPr marL="0" marR="0" lvl="0" indent="0" algn="ctr" defTabSz="914400" rtl="0" eaLnBrk="1" fontAlgn="auto" latinLnBrk="0" hangingPunct="1">
+              <a:lnSpc>
+                <a:spcPct val="100000"/>
+              </a:lnSpc>
+              <a:spcBef>
+                <a:spcPts val="0"/>
+              </a:spcBef>
+              <a:spcAft>
+                <a:spcPts val="0"/>
+              </a:spcAft>
+              <a:buClrTx/>
+              <a:buSzTx/>
+              <a:buFontTx/>
+              <a:buNone/>
+              <a:tabLst/>
+              <a:defRPr/>
+            </a:pPr>
+            <a:endParaRPr kumimoji="0" lang="en-US" sz="1800" b="0" i="0" u="none" strike="noStrike" kern="1200" cap="none" spc="0" normalizeH="0" baseline="0" noProof="0">
+              <a:ln>
+                <a:noFill/>
+              </a:ln>
+              <a:solidFill>
+                <a:prstClr val="white"/>
+              </a:solidFill>
+              <a:effectLst/>
+              <a:uLnTx/>
+              <a:uFillTx/>
+              <a:latin typeface="Calibri" panose="020F0502020204030204"/>
+              <a:ea typeface="+mn-ea"/>
+              <a:cs typeface="+mn-cs"/>
+            </a:endParaRPr>
+          </a:p>
+        </p:txBody>
+      </p:sp>
+      <p:sp>
+        <p:nvSpPr>
+          <p:cNvPr id="2" name="Τίτλος 1"/>
+          <p:cNvSpPr>
+            <a:spLocks noGrp="1"/>
+          </p:cNvSpPr>
+          <p:nvPr>
+            <p:ph type="title"/>
+          </p:nvPr>
+        </p:nvSpPr>
+        <p:spPr>
+          <a:xfrm>
+            <a:off x="838200" y="1412488"/>
+            <a:ext cx="2899189" cy="4363844"/>
+          </a:xfrm>
+        </p:spPr>
+        <p:txBody>
+          <a:bodyPr anchor="t">
+            <a:normAutofit/>
+          </a:bodyPr>
+          <a:lstStyle/>
+          <a:p>
+            <a:r>
+              <a:rPr lang="en-US" sz="4000" b="1">
+                <a:solidFill>
+                  <a:srgbClr val="FFFFFF"/>
+                </a:solidFill>
+              </a:rPr>
+              <a:t>Resilient Distributed Datasets (RDDs)</a:t>
+            </a:r>
+            <a:endParaRPr lang="el-GR" sz="4000">
+              <a:solidFill>
+                <a:srgbClr val="FFFFFF"/>
+              </a:solidFill>
+            </a:endParaRPr>
+          </a:p>
+        </p:txBody>
+      </p:sp>
+      <p:sp>
+        <p:nvSpPr>
+          <p:cNvPr id="3" name="Θέση περιεχομένου 2"/>
+          <p:cNvSpPr>
+            <a:spLocks noGrp="1"/>
+          </p:cNvSpPr>
+          <p:nvPr>
+            <p:ph sz="half" idx="1"/>
+          </p:nvPr>
+        </p:nvSpPr>
+        <p:spPr>
+          <a:xfrm>
+            <a:off x="4380855" y="1412489"/>
+            <a:ext cx="3427283" cy="4363844"/>
+          </a:xfrm>
+        </p:spPr>
+        <p:txBody>
+          <a:bodyPr>
+            <a:normAutofit/>
+          </a:bodyPr>
+          <a:lstStyle/>
+          <a:p>
+            <a:r>
+              <a:rPr lang="el-GR" sz="2000"/>
+              <a:t>Τα </a:t>
+            </a:r>
+            <a:r>
+              <a:rPr lang="en-US" sz="2000"/>
+              <a:t>RDDs </a:t>
+            </a:r>
+            <a:r>
+              <a:rPr lang="el-GR" sz="2000"/>
+              <a:t>μοιάζουν με τους πίνακες των Βάσεων Δεδομένων</a:t>
+            </a:r>
+          </a:p>
+          <a:p>
+            <a:r>
+              <a:rPr lang="el-GR" sz="2000"/>
+              <a:t>Τα </a:t>
+            </a:r>
+            <a:r>
+              <a:rPr lang="en-US" sz="2000"/>
+              <a:t>RDDs </a:t>
+            </a:r>
+            <a:r>
+              <a:rPr lang="el-GR" sz="2000"/>
+              <a:t>είναι </a:t>
+            </a:r>
+            <a:r>
+              <a:rPr lang="en-US" sz="2000"/>
+              <a:t>immutable (</a:t>
+            </a:r>
+            <a:r>
+              <a:rPr lang="el-GR" sz="2000"/>
+              <a:t>ένα </a:t>
+            </a:r>
+            <a:r>
+              <a:rPr lang="en-US" sz="2000"/>
+              <a:t>RDD </a:t>
+            </a:r>
+            <a:r>
+              <a:rPr lang="el-GR" sz="2000"/>
+              <a:t>μπορεί να τροποποιηθεί μέσω ενός μετασχηματισμού αλλά σε αυτή την περίπτωση επιστρέφεται ένα νέο </a:t>
+            </a:r>
+            <a:r>
+              <a:rPr lang="en-US" sz="2000"/>
+              <a:t>RDD </a:t>
+            </a:r>
+            <a:r>
+              <a:rPr lang="el-GR" sz="2000"/>
+              <a:t>και το αρχικό </a:t>
+            </a:r>
+            <a:r>
+              <a:rPr lang="en-US" sz="2000"/>
+              <a:t>RDD </a:t>
+            </a:r>
+            <a:r>
+              <a:rPr lang="el-GR" sz="2000"/>
+              <a:t>παραμένει το ίδιο</a:t>
+            </a:r>
+            <a:r>
+              <a:rPr lang="en-US" sz="2000"/>
+              <a:t>)</a:t>
+            </a:r>
+          </a:p>
+          <a:p>
+            <a:pPr marL="457200" lvl="1" indent="0">
+              <a:buNone/>
+            </a:pPr>
+            <a:endParaRPr lang="el-GR" sz="2000"/>
+          </a:p>
+        </p:txBody>
+      </p:sp>
+      <p:cxnSp>
+        <p:nvCxnSpPr>
+          <p:cNvPr id="12" name="Straight Connector 11">
+            <a:extLst>
+              <a:ext uri="{FF2B5EF4-FFF2-40B4-BE49-F238E27FC236}">
+                <a16:creationId xmlns:a16="http://schemas.microsoft.com/office/drawing/2014/main" id="{1F16A8D4-FE87-4604-88B2-394B5D1EB437}"/>
+              </a:ext>
+              <a:ext uri="{C183D7F6-B498-43B3-948B-1728B52AA6E4}">
+                <adec:decorative xmlns:adec="http://schemas.microsoft.com/office/drawing/2017/decorative" val="1"/>
+              </a:ext>
+            </a:extLst>
+          </p:cNvPr>
+          <p:cNvCxnSpPr>
+            <a:cxnSpLocks noGrp="1" noRot="1" noChangeAspect="1" noMove="1" noResize="1" noEditPoints="1" noAdjustHandles="1" noChangeArrowheads="1" noChangeShapeType="1"/>
+          </p:cNvCxnSpPr>
+          <p:nvPr>
+            <p:extLst>
+              <p:ext uri="{386F3935-93C4-4BCD-93E2-E3B085C9AB24}">
+                <p16:designElem xmlns:p16="http://schemas.microsoft.com/office/powerpoint/2015/main" val="1"/>
+              </p:ext>
+            </p:extLst>
+          </p:nvPr>
+        </p:nvCxnSpPr>
+        <p:spPr>
+          <a:xfrm>
+            <a:off x="8129871" y="1412488"/>
+            <a:ext cx="0" cy="3657600"/>
+          </a:xfrm>
+          <a:prstGeom prst="line">
+            <a:avLst/>
+          </a:prstGeom>
+          <a:ln w="12700">
+            <a:solidFill>
+              <a:schemeClr val="tx1">
+                <a:lumMod val="50000"/>
+                <a:lumOff val="50000"/>
+              </a:schemeClr>
+            </a:solidFill>
+          </a:ln>
+        </p:spPr>
+        <p:style>
+          <a:lnRef idx="1">
+            <a:schemeClr val="accent1"/>
+          </a:lnRef>
+          <a:fillRef idx="0">
+            <a:schemeClr val="accent1"/>
+          </a:fillRef>
+          <a:effectRef idx="0">
+            <a:schemeClr val="accent1"/>
+          </a:effectRef>
+          <a:fontRef idx="minor">
+            <a:schemeClr val="tx1"/>
+          </a:fontRef>
+        </p:style>
+      </p:cxnSp>
+      <p:sp>
+        <p:nvSpPr>
+          <p:cNvPr id="4" name="Θέση περιεχομένου 3"/>
+          <p:cNvSpPr>
+            <a:spLocks noGrp="1"/>
+          </p:cNvSpPr>
+          <p:nvPr>
+            <p:ph sz="half" idx="2"/>
+          </p:nvPr>
+        </p:nvSpPr>
+        <p:spPr>
+          <a:xfrm>
+            <a:off x="8451604" y="1412489"/>
+            <a:ext cx="3197701" cy="4363844"/>
+          </a:xfrm>
+        </p:spPr>
+        <p:txBody>
+          <a:bodyPr>
+            <a:normAutofit/>
+          </a:bodyPr>
+          <a:lstStyle/>
+          <a:p>
+            <a:r>
+              <a:rPr lang="el-GR" sz="1900"/>
+              <a:t>Τα </a:t>
+            </a:r>
+            <a:r>
+              <a:rPr lang="en-US" sz="1900"/>
+              <a:t>RDDs </a:t>
+            </a:r>
+            <a:r>
+              <a:rPr lang="el-GR" sz="1900"/>
+              <a:t>υποστηρίζουν κατανεμημένη αποθήκευση δεδομένων στις μνήμες των μηχανημάτων ενός </a:t>
+            </a:r>
+            <a:r>
+              <a:rPr lang="en-US" sz="1900"/>
+              <a:t>cluster </a:t>
+            </a:r>
+            <a:r>
+              <a:rPr lang="el-GR" sz="1900"/>
+              <a:t>έτσι ώστε να επιτυγχάνεται </a:t>
+            </a:r>
+          </a:p>
+          <a:p>
+            <a:pPr lvl="1"/>
+            <a:r>
+              <a:rPr lang="el-GR" sz="1900" b="1"/>
+              <a:t>ανοχή σε σφάλματα: </a:t>
+            </a:r>
+            <a:r>
+              <a:rPr lang="el-GR" sz="1900"/>
+              <a:t>καταγράφοντας το ιστορικό των μετασχηματισμών που εφαρμόζονται στα δεδομένα </a:t>
+            </a:r>
+          </a:p>
+          <a:p>
+            <a:pPr lvl="1"/>
+            <a:r>
+              <a:rPr lang="el-GR" sz="1900" b="1"/>
+              <a:t>υψηλή απόδοση: </a:t>
+            </a:r>
+            <a:r>
+              <a:rPr lang="el-GR" sz="1900"/>
+              <a:t>Παραλληλισμός επεξεργασίας στους κόμβους του </a:t>
+            </a:r>
+            <a:r>
+              <a:rPr lang="en-US" sz="1900"/>
+              <a:t>cluster</a:t>
+            </a:r>
+            <a:endParaRPr lang="el-GR" sz="1900"/>
+          </a:p>
+          <a:p>
+            <a:endParaRPr lang="el-GR" sz="1900"/>
+          </a:p>
+        </p:txBody>
+      </p:sp>
+      <p:sp>
+        <p:nvSpPr>
+          <p:cNvPr id="5" name="Θέση αριθμού διαφάνειας 4"/>
+          <p:cNvSpPr>
+            <a:spLocks noGrp="1"/>
+          </p:cNvSpPr>
+          <p:nvPr>
+            <p:ph type="sldNum" sz="quarter" idx="12"/>
+          </p:nvPr>
+        </p:nvSpPr>
+        <p:spPr>
+          <a:xfrm>
+            <a:off x="9202366" y="6356350"/>
+            <a:ext cx="2151434" cy="365125"/>
+          </a:xfrm>
+        </p:spPr>
+        <p:txBody>
+          <a:bodyPr>
+            <a:normAutofit/>
+          </a:bodyPr>
+          <a:lstStyle/>
+          <a:p>
+            <a:pPr>
+              <a:spcAft>
+                <a:spcPts val="600"/>
+              </a:spcAft>
+            </a:pPr>
+            <a:fld id="{634CA47B-BB17-47C7-9E60-64B1219A2C73}" type="slidenum">
+              <a:rPr lang="el-GR" smtClean="0"/>
+              <a:pPr>
+                <a:spcAft>
+                  <a:spcPts val="600"/>
+                </a:spcAft>
+              </a:pPr>
+              <a:t>10</a:t>
+            </a:fld>
+            <a:endParaRPr lang="el-GR"/>
+          </a:p>
+        </p:txBody>
+      </p:sp>
+    </p:spTree>
+    <p:extLst>
+      <p:ext uri="{BB962C8B-B14F-4D97-AF65-F5344CB8AC3E}">
+        <p14:creationId xmlns:p14="http://schemas.microsoft.com/office/powerpoint/2010/main" val="1013356252"/>
+      </p:ext>
+    </p:extLst>
+  </p:cSld>
+  <p:clrMapOvr>
+    <a:masterClrMapping/>
+  </p:clrMapOvr>
+</p:sld>
+</file>
+
+<file path=ppt/slides/slide11.xml><?xml version="1.0" encoding="utf-8"?>
+<p:sld xmlns:a="http://schemas.openxmlformats.org/drawingml/2006/main" xmlns:r="http://schemas.openxmlformats.org/officeDocument/2006/relationships" xmlns:p="http://schemas.openxmlformats.org/presentationml/2006/main">
+  <p:cSld>
+    <p:bg>
+      <p:bgPr>
+        <a:solidFill>
+          <a:schemeClr val="bg1"/>
+        </a:solidFill>
+        <a:effectLst/>
+      </p:bgPr>
+    </p:bg>
+    <p:spTree>
+      <p:nvGrpSpPr>
+        <p:cNvPr id="1" name=""/>
+        <p:cNvGrpSpPr/>
+        <p:nvPr/>
+      </p:nvGrpSpPr>
+      <p:grpSpPr>
+        <a:xfrm>
+          <a:off x="0" y="0"/>
+          <a:ext cx="0" cy="0"/>
+          <a:chOff x="0" y="0"/>
+          <a:chExt cx="0" cy="0"/>
+        </a:xfrm>
+      </p:grpSpPr>
+      <p:sp useBgFill="1">
+        <p:nvSpPr>
+          <p:cNvPr id="33" name="Rectangle 8">
+            <a:extLst>
+              <a:ext uri="{FF2B5EF4-FFF2-40B4-BE49-F238E27FC236}">
+                <a16:creationId xmlns:a16="http://schemas.microsoft.com/office/drawing/2014/main" id="{15911E3A-C35B-4EF7-A355-B84E9A14AF4D}"/>
+              </a:ext>
+              <a:ext uri="{C183D7F6-B498-43B3-948B-1728B52AA6E4}">
+                <adec:decorative xmlns:adec="http://schemas.microsoft.com/office/drawing/2017/decorative" val="1"/>
+              </a:ext>
+            </a:extLst>
+          </p:cNvPr>
+          <p:cNvSpPr>
+            <a:spLocks noGrp="1" noRot="1" noChangeAspect="1" noMove="1" noResize="1" noEditPoints="1" noAdjustHandles="1" noChangeArrowheads="1" noChangeShapeType="1" noTextEdit="1"/>
+          </p:cNvSpPr>
+          <p:nvPr>
+            <p:extLst>
+              <p:ext uri="{386F3935-93C4-4BCD-93E2-E3B085C9AB24}">
+                <p16:designElem xmlns:p16="http://schemas.microsoft.com/office/powerpoint/2015/main" val="1"/>
+              </p:ext>
+            </p:extLst>
+          </p:nvPr>
+        </p:nvSpPr>
+        <p:spPr>
+          <a:xfrm>
+            <a:off x="0" y="-1"/>
+            <a:ext cx="12192000" cy="6858001"/>
+          </a:xfrm>
+          <a:prstGeom prst="rect">
+            <a:avLst/>
+          </a:prstGeom>
+          <a:ln>
+            <a:noFill/>
+          </a:ln>
+        </p:spPr>
+        <p:style>
+          <a:lnRef idx="2">
+            <a:schemeClr val="accent1">
+              <a:shade val="50000"/>
+            </a:schemeClr>
+          </a:lnRef>
+          <a:fillRef idx="1">
+            <a:schemeClr val="accent1"/>
+          </a:fillRef>
+          <a:effectRef idx="0">
+            <a:schemeClr val="accent1"/>
+          </a:effectRef>
+          <a:fontRef idx="minor">
+            <a:schemeClr val="lt1"/>
+          </a:fontRef>
+        </p:style>
+        <p:txBody>
+          <a:bodyPr rtlCol="0" anchor="ctr"/>
+          <a:lstStyle/>
+          <a:p>
+            <a:pPr marL="0" marR="0" lvl="0" indent="0" algn="ctr" defTabSz="914400" rtl="0" eaLnBrk="1" fontAlgn="auto" latinLnBrk="0" hangingPunct="1">
+              <a:lnSpc>
+                <a:spcPct val="100000"/>
+              </a:lnSpc>
+              <a:spcBef>
+                <a:spcPts val="0"/>
+              </a:spcBef>
+              <a:spcAft>
+                <a:spcPts val="0"/>
+              </a:spcAft>
+              <a:buClrTx/>
+              <a:buSzTx/>
+              <a:buFontTx/>
+              <a:buNone/>
+              <a:tabLst/>
+              <a:defRPr/>
+            </a:pPr>
+            <a:endParaRPr kumimoji="0" lang="en-US" sz="1800" b="0" i="0" u="none" strike="noStrike" kern="1200" cap="none" spc="0" normalizeH="0" baseline="0" noProof="0">
+              <a:ln>
+                <a:noFill/>
+              </a:ln>
+              <a:solidFill>
+                <a:prstClr val="white"/>
+              </a:solidFill>
+              <a:effectLst/>
+              <a:uLnTx/>
+              <a:uFillTx/>
+              <a:latin typeface="Calibri" panose="020F0502020204030204"/>
+              <a:ea typeface="+mn-ea"/>
+              <a:cs typeface="+mn-cs"/>
+            </a:endParaRPr>
+          </a:p>
+        </p:txBody>
+      </p:sp>
+      <p:grpSp>
+        <p:nvGrpSpPr>
+          <p:cNvPr id="38" name="Group 10">
+            <a:extLst>
+              <a:ext uri="{FF2B5EF4-FFF2-40B4-BE49-F238E27FC236}">
+                <a16:creationId xmlns:a16="http://schemas.microsoft.com/office/drawing/2014/main" id="{E21ADB3D-AD65-44B4-847D-5E90E90A5D16}"/>
+              </a:ext>
+              <a:ext uri="{C183D7F6-B498-43B3-948B-1728B52AA6E4}">
+                <adec:decorative xmlns:adec="http://schemas.microsoft.com/office/drawing/2017/decorative" val="1"/>
+              </a:ext>
+            </a:extLst>
+          </p:cNvPr>
+          <p:cNvGrpSpPr>
+            <a:grpSpLocks noGrp="1" noUngrp="1" noRot="1" noChangeAspect="1" noMove="1" noResize="1"/>
+          </p:cNvGrpSpPr>
+          <p:nvPr>
+            <p:extLst>
+              <p:ext uri="{386F3935-93C4-4BCD-93E2-E3B085C9AB24}">
+                <p16:designElem xmlns:p16="http://schemas.microsoft.com/office/powerpoint/2015/main" val="1"/>
+              </p:ext>
+            </p:extLst>
+          </p:nvPr>
+        </p:nvGrpSpPr>
+        <p:grpSpPr>
+          <a:xfrm>
+            <a:off x="-417513" y="0"/>
+            <a:ext cx="12584114" cy="6853238"/>
+            <a:chOff x="-417513" y="0"/>
+            <a:chExt cx="12584114" cy="6853238"/>
+          </a:xfrm>
+        </p:grpSpPr>
+        <p:sp>
+          <p:nvSpPr>
+            <p:cNvPr id="12" name="Freeform 5">
+              <a:extLst>
+                <a:ext uri="{FF2B5EF4-FFF2-40B4-BE49-F238E27FC236}">
+                  <a16:creationId xmlns:a16="http://schemas.microsoft.com/office/drawing/2014/main" id="{CF580C70-814C-4845-B645-919BFFBD16BA}"/>
+                </a:ext>
+                <a:ext uri="{C183D7F6-B498-43B3-948B-1728B52AA6E4}">
+                  <adec:decorative xmlns:adec="http://schemas.microsoft.com/office/drawing/2017/decorative" val="1"/>
+                </a:ext>
+              </a:extLst>
+            </p:cNvPr>
+            <p:cNvSpPr/>
+            <p:nvPr>
+              <p:extLst>
+                <p:ext uri="{386F3935-93C4-4BCD-93E2-E3B085C9AB24}">
+                  <p16:designElem xmlns:p16="http://schemas.microsoft.com/office/powerpoint/2015/main" val="1"/>
+                </p:ext>
+              </p:extLst>
+            </p:nvPr>
+          </p:nvSpPr>
+          <p:spPr bwMode="auto">
+            <a:xfrm>
+              <a:off x="1306513" y="0"/>
+              <a:ext cx="3862388" cy="6843713"/>
+            </a:xfrm>
+            <a:custGeom>
+              <a:avLst/>
+              <a:gdLst/>
+              <a:ahLst/>
+              <a:cxnLst/>
+              <a:rect l="0" t="0" r="r" b="b"/>
+              <a:pathLst>
+                <a:path w="813" h="1440">
+                  <a:moveTo>
+                    <a:pt x="813" y="0"/>
+                  </a:moveTo>
+                  <a:cubicBezTo>
+                    <a:pt x="331" y="221"/>
+                    <a:pt x="0" y="1039"/>
+                    <a:pt x="435" y="1440"/>
+                  </a:cubicBezTo>
+                </a:path>
+              </a:pathLst>
+            </a:custGeom>
+            <a:noFill/>
+            <a:ln w="9525" cap="flat">
+              <a:solidFill>
+                <a:schemeClr val="tx1">
+                  <a:alpha val="20000"/>
+                </a:schemeClr>
+              </a:solidFill>
+              <a:prstDash val="solid"/>
+              <a:miter lim="800000"/>
+              <a:headEnd/>
+              <a:tailEnd/>
+            </a:ln>
+            <a:extLst>
+              <a:ext uri="{909E8E84-426E-40DD-AFC4-6F175D3DCCD1}">
+                <a14:hiddenFill xmlns:a14="http://schemas.microsoft.com/office/drawing/2010/main">
+                  <a:solidFill>
+                    <a:srgbClr val="FFFFFF"/>
+                  </a:solidFill>
+                </a14:hiddenFill>
+              </a:ext>
+            </a:extLst>
+          </p:spPr>
+        </p:sp>
+        <p:sp>
+          <p:nvSpPr>
+            <p:cNvPr id="39" name="Freeform 6">
+              <a:extLst>
+                <a:ext uri="{FF2B5EF4-FFF2-40B4-BE49-F238E27FC236}">
+                  <a16:creationId xmlns:a16="http://schemas.microsoft.com/office/drawing/2014/main" id="{34D7BF57-4CAA-45B2-9EF0-0AA1FCF70B16}"/>
+                </a:ext>
+                <a:ext uri="{C183D7F6-B498-43B3-948B-1728B52AA6E4}">
+                  <adec:decorative xmlns:adec="http://schemas.microsoft.com/office/drawing/2017/decorative" val="1"/>
+                </a:ext>
+              </a:extLst>
+            </p:cNvPr>
+            <p:cNvSpPr/>
+            <p:nvPr>
+              <p:extLst>
+                <p:ext uri="{386F3935-93C4-4BCD-93E2-E3B085C9AB24}">
+                  <p16:designElem xmlns:p16="http://schemas.microsoft.com/office/powerpoint/2015/main" val="1"/>
+                </p:ext>
+              </p:extLst>
+            </p:nvPr>
+          </p:nvSpPr>
+          <p:spPr bwMode="auto">
+            <a:xfrm>
+              <a:off x="10626725" y="9525"/>
+              <a:ext cx="1539875" cy="555625"/>
+            </a:xfrm>
+            <a:custGeom>
+              <a:avLst/>
+              <a:gdLst/>
+              <a:ahLst/>
+              <a:cxnLst/>
+              <a:rect l="0" t="0" r="r" b="b"/>
+              <a:pathLst>
+                <a:path w="324" h="117">
+                  <a:moveTo>
+                    <a:pt x="324" y="117"/>
+                  </a:moveTo>
+                  <a:cubicBezTo>
+                    <a:pt x="223" y="64"/>
+                    <a:pt x="107" y="28"/>
+                    <a:pt x="0" y="0"/>
+                  </a:cubicBezTo>
+                </a:path>
+              </a:pathLst>
+            </a:custGeom>
+            <a:noFill/>
+            <a:ln w="9525" cap="flat">
+              <a:solidFill>
+                <a:schemeClr val="tx1">
+                  <a:alpha val="20000"/>
+                </a:schemeClr>
+              </a:solidFill>
+              <a:prstDash val="solid"/>
+              <a:miter lim="800000"/>
+              <a:headEnd/>
+              <a:tailEnd/>
+            </a:ln>
+            <a:extLst>
+              <a:ext uri="{909E8E84-426E-40DD-AFC4-6F175D3DCCD1}">
+                <a14:hiddenFill xmlns:a14="http://schemas.microsoft.com/office/drawing/2010/main">
+                  <a:solidFill>
+                    <a:srgbClr val="FFFFFF"/>
+                  </a:solidFill>
+                </a14:hiddenFill>
+              </a:ext>
+            </a:extLst>
+          </p:spPr>
+        </p:sp>
+        <p:sp>
+          <p:nvSpPr>
+            <p:cNvPr id="14" name="Freeform 7">
+              <a:extLst>
+                <a:ext uri="{FF2B5EF4-FFF2-40B4-BE49-F238E27FC236}">
+                  <a16:creationId xmlns:a16="http://schemas.microsoft.com/office/drawing/2014/main" id="{7886F306-C03A-40C6-8FD5-DCE3D4595D6D}"/>
+                </a:ext>
+                <a:ext uri="{C183D7F6-B498-43B3-948B-1728B52AA6E4}">
+                  <adec:decorative xmlns:adec="http://schemas.microsoft.com/office/drawing/2017/decorative" val="1"/>
+                </a:ext>
+              </a:extLst>
+            </p:cNvPr>
+            <p:cNvSpPr/>
+            <p:nvPr>
+              <p:extLst>
+                <p:ext uri="{386F3935-93C4-4BCD-93E2-E3B085C9AB24}">
+                  <p16:designElem xmlns:p16="http://schemas.microsoft.com/office/powerpoint/2015/main" val="1"/>
+                </p:ext>
+              </p:extLst>
+            </p:nvPr>
+          </p:nvSpPr>
+          <p:spPr bwMode="auto">
+            <a:xfrm>
+              <a:off x="10247313" y="5013325"/>
+              <a:ext cx="1919288" cy="1830388"/>
+            </a:xfrm>
+            <a:custGeom>
+              <a:avLst/>
+              <a:gdLst/>
+              <a:ahLst/>
+              <a:cxnLst/>
+              <a:rect l="0" t="0" r="r" b="b"/>
+              <a:pathLst>
+                <a:path w="404" h="385">
+                  <a:moveTo>
+                    <a:pt x="0" y="385"/>
+                  </a:moveTo>
+                  <a:cubicBezTo>
+                    <a:pt x="146" y="272"/>
+                    <a:pt x="285" y="142"/>
+                    <a:pt x="404" y="0"/>
+                  </a:cubicBezTo>
+                </a:path>
+              </a:pathLst>
+            </a:custGeom>
+            <a:noFill/>
+            <a:ln w="9525" cap="flat">
+              <a:solidFill>
+                <a:schemeClr val="tx1">
+                  <a:alpha val="20000"/>
+                </a:schemeClr>
+              </a:solidFill>
+              <a:prstDash val="solid"/>
+              <a:miter lim="800000"/>
+              <a:headEnd/>
+              <a:tailEnd/>
+            </a:ln>
+            <a:extLst>
+              <a:ext uri="{909E8E84-426E-40DD-AFC4-6F175D3DCCD1}">
+                <a14:hiddenFill xmlns:a14="http://schemas.microsoft.com/office/drawing/2010/main">
+                  <a:solidFill>
+                    <a:srgbClr val="FFFFFF"/>
+                  </a:solidFill>
+                </a14:hiddenFill>
+              </a:ext>
+            </a:extLst>
+          </p:spPr>
+        </p:sp>
+        <p:sp>
+          <p:nvSpPr>
+            <p:cNvPr id="15" name="Freeform 8">
+              <a:extLst>
+                <a:ext uri="{FF2B5EF4-FFF2-40B4-BE49-F238E27FC236}">
+                  <a16:creationId xmlns:a16="http://schemas.microsoft.com/office/drawing/2014/main" id="{2FDC9A36-C7C3-47D7-A64E-ED25C47EC704}"/>
+                </a:ext>
+                <a:ext uri="{C183D7F6-B498-43B3-948B-1728B52AA6E4}">
+                  <adec:decorative xmlns:adec="http://schemas.microsoft.com/office/drawing/2017/decorative" val="1"/>
+                </a:ext>
+              </a:extLst>
+            </p:cNvPr>
+            <p:cNvSpPr/>
+            <p:nvPr>
+              <p:extLst>
+                <p:ext uri="{386F3935-93C4-4BCD-93E2-E3B085C9AB24}">
+                  <p16:designElem xmlns:p16="http://schemas.microsoft.com/office/powerpoint/2015/main" val="1"/>
+                </p:ext>
+              </p:extLst>
+            </p:nvPr>
+          </p:nvSpPr>
+          <p:spPr bwMode="auto">
+            <a:xfrm>
+              <a:off x="1120775" y="0"/>
+              <a:ext cx="3676650" cy="6843713"/>
+            </a:xfrm>
+            <a:custGeom>
+              <a:avLst/>
+              <a:gdLst/>
+              <a:ahLst/>
+              <a:cxnLst/>
+              <a:rect l="0" t="0" r="r" b="b"/>
+              <a:pathLst>
+                <a:path w="774" h="1440">
+                  <a:moveTo>
+                    <a:pt x="774" y="0"/>
+                  </a:moveTo>
+                  <a:cubicBezTo>
+                    <a:pt x="312" y="240"/>
+                    <a:pt x="0" y="1034"/>
+                    <a:pt x="411" y="1440"/>
+                  </a:cubicBezTo>
+                </a:path>
+              </a:pathLst>
+            </a:custGeom>
+            <a:noFill/>
+            <a:ln w="9525" cap="flat">
+              <a:solidFill>
+                <a:schemeClr val="tx1">
+                  <a:alpha val="20000"/>
+                </a:schemeClr>
+              </a:solidFill>
+              <a:prstDash val="dash"/>
+              <a:miter lim="800000"/>
+              <a:headEnd/>
+              <a:tailEnd/>
+            </a:ln>
+            <a:extLst>
+              <a:ext uri="{909E8E84-426E-40DD-AFC4-6F175D3DCCD1}">
+                <a14:hiddenFill xmlns:a14="http://schemas.microsoft.com/office/drawing/2010/main">
+                  <a:solidFill>
+                    <a:srgbClr val="FFFFFF"/>
+                  </a:solidFill>
+                </a14:hiddenFill>
+              </a:ext>
+            </a:extLst>
+          </p:spPr>
+        </p:sp>
+        <p:sp>
+          <p:nvSpPr>
+            <p:cNvPr id="16" name="Freeform 9">
+              <a:extLst>
+                <a:ext uri="{FF2B5EF4-FFF2-40B4-BE49-F238E27FC236}">
+                  <a16:creationId xmlns:a16="http://schemas.microsoft.com/office/drawing/2014/main" id="{BB19BC37-158A-43DC-9A9E-E45CC71954DC}"/>
+                </a:ext>
+                <a:ext uri="{C183D7F6-B498-43B3-948B-1728B52AA6E4}">
+                  <adec:decorative xmlns:adec="http://schemas.microsoft.com/office/drawing/2017/decorative" val="1"/>
+                </a:ext>
+              </a:extLst>
+            </p:cNvPr>
+            <p:cNvSpPr/>
+            <p:nvPr>
+              <p:extLst>
+                <p:ext uri="{386F3935-93C4-4BCD-93E2-E3B085C9AB24}">
+                  <p16:designElem xmlns:p16="http://schemas.microsoft.com/office/powerpoint/2015/main" val="1"/>
+                </p:ext>
+              </p:extLst>
+            </p:nvPr>
+          </p:nvSpPr>
+          <p:spPr bwMode="auto">
+            <a:xfrm>
+              <a:off x="11202988" y="9525"/>
+              <a:ext cx="963613" cy="366713"/>
+            </a:xfrm>
+            <a:custGeom>
+              <a:avLst/>
+              <a:gdLst/>
+              <a:ahLst/>
+              <a:cxnLst/>
+              <a:rect l="0" t="0" r="r" b="b"/>
+              <a:pathLst>
+                <a:path w="203" h="77">
+                  <a:moveTo>
+                    <a:pt x="203" y="77"/>
+                  </a:moveTo>
+                  <a:cubicBezTo>
+                    <a:pt x="138" y="46"/>
+                    <a:pt x="68" y="21"/>
+                    <a:pt x="0" y="0"/>
+                  </a:cubicBezTo>
+                </a:path>
+              </a:pathLst>
+            </a:custGeom>
+            <a:noFill/>
+            <a:ln w="9525" cap="flat">
+              <a:solidFill>
+                <a:schemeClr val="tx1">
+                  <a:alpha val="20000"/>
+                </a:schemeClr>
+              </a:solidFill>
+              <a:prstDash val="dash"/>
+              <a:miter lim="800000"/>
+              <a:headEnd/>
+              <a:tailEnd/>
+            </a:ln>
+            <a:extLst>
+              <a:ext uri="{909E8E84-426E-40DD-AFC4-6F175D3DCCD1}">
+                <a14:hiddenFill xmlns:a14="http://schemas.microsoft.com/office/drawing/2010/main">
+                  <a:solidFill>
+                    <a:srgbClr val="FFFFFF"/>
+                  </a:solidFill>
+                </a14:hiddenFill>
+              </a:ext>
+            </a:extLst>
+          </p:spPr>
+        </p:sp>
+        <p:sp>
+          <p:nvSpPr>
+            <p:cNvPr id="17" name="Freeform 10">
+              <a:extLst>
+                <a:ext uri="{FF2B5EF4-FFF2-40B4-BE49-F238E27FC236}">
+                  <a16:creationId xmlns:a16="http://schemas.microsoft.com/office/drawing/2014/main" id="{077654CC-108F-48D5-B5E9-437F164F52A5}"/>
+                </a:ext>
+                <a:ext uri="{C183D7F6-B498-43B3-948B-1728B52AA6E4}">
+                  <adec:decorative xmlns:adec="http://schemas.microsoft.com/office/drawing/2017/decorative" val="1"/>
+                </a:ext>
+              </a:extLst>
+            </p:cNvPr>
+            <p:cNvSpPr/>
+            <p:nvPr>
+              <p:extLst>
+                <p:ext uri="{386F3935-93C4-4BCD-93E2-E3B085C9AB24}">
+                  <p16:designElem xmlns:p16="http://schemas.microsoft.com/office/powerpoint/2015/main" val="1"/>
+                </p:ext>
+              </p:extLst>
+            </p:nvPr>
+          </p:nvSpPr>
+          <p:spPr bwMode="auto">
+            <a:xfrm>
+              <a:off x="10494963" y="5275263"/>
+              <a:ext cx="1666875" cy="1577975"/>
+            </a:xfrm>
+            <a:custGeom>
+              <a:avLst/>
+              <a:gdLst/>
+              <a:ahLst/>
+              <a:cxnLst/>
+              <a:rect l="0" t="0" r="r" b="b"/>
+              <a:pathLst>
+                <a:path w="351" h="332">
+                  <a:moveTo>
+                    <a:pt x="0" y="332"/>
+                  </a:moveTo>
+                  <a:cubicBezTo>
+                    <a:pt x="125" y="232"/>
+                    <a:pt x="245" y="121"/>
+                    <a:pt x="351" y="0"/>
+                  </a:cubicBezTo>
+                </a:path>
+              </a:pathLst>
+            </a:custGeom>
+            <a:noFill/>
+            <a:ln w="9525" cap="flat">
+              <a:solidFill>
+                <a:schemeClr val="tx1">
+                  <a:alpha val="20000"/>
+                </a:schemeClr>
+              </a:solidFill>
+              <a:prstDash val="dash"/>
+              <a:miter lim="800000"/>
+              <a:headEnd/>
+              <a:tailEnd/>
+            </a:ln>
+            <a:extLst>
+              <a:ext uri="{909E8E84-426E-40DD-AFC4-6F175D3DCCD1}">
+                <a14:hiddenFill xmlns:a14="http://schemas.microsoft.com/office/drawing/2010/main">
+                  <a:solidFill>
+                    <a:srgbClr val="FFFFFF"/>
+                  </a:solidFill>
+                </a14:hiddenFill>
+              </a:ext>
+            </a:extLst>
+          </p:spPr>
+        </p:sp>
+        <p:sp>
+          <p:nvSpPr>
+            <p:cNvPr id="18" name="Freeform 11">
+              <a:extLst>
+                <a:ext uri="{FF2B5EF4-FFF2-40B4-BE49-F238E27FC236}">
+                  <a16:creationId xmlns:a16="http://schemas.microsoft.com/office/drawing/2014/main" id="{A3CF3A63-1C1E-4E85-A78A-FDC16431E3A0}"/>
+                </a:ext>
+                <a:ext uri="{C183D7F6-B498-43B3-948B-1728B52AA6E4}">
+                  <adec:decorative xmlns:adec="http://schemas.microsoft.com/office/drawing/2017/decorative" val="1"/>
+                </a:ext>
+              </a:extLst>
+            </p:cNvPr>
+            <p:cNvSpPr/>
+            <p:nvPr>
+              <p:extLst>
+                <p:ext uri="{386F3935-93C4-4BCD-93E2-E3B085C9AB24}">
+                  <p16:designElem xmlns:p16="http://schemas.microsoft.com/office/powerpoint/2015/main" val="1"/>
+                </p:ext>
+              </p:extLst>
+            </p:nvPr>
+          </p:nvSpPr>
+          <p:spPr bwMode="auto">
+            <a:xfrm>
+              <a:off x="1001713" y="0"/>
+              <a:ext cx="3621088" cy="6843713"/>
+            </a:xfrm>
+            <a:custGeom>
+              <a:avLst/>
+              <a:gdLst/>
+              <a:ahLst/>
+              <a:cxnLst/>
+              <a:rect l="0" t="0" r="r" b="b"/>
+              <a:pathLst>
+                <a:path w="762" h="1440">
+                  <a:moveTo>
+                    <a:pt x="762" y="0"/>
+                  </a:moveTo>
+                  <a:cubicBezTo>
+                    <a:pt x="308" y="245"/>
+                    <a:pt x="0" y="1033"/>
+                    <a:pt x="403" y="1440"/>
+                  </a:cubicBezTo>
+                </a:path>
+              </a:pathLst>
+            </a:custGeom>
+            <a:noFill/>
+            <a:ln w="9525" cap="flat">
+              <a:solidFill>
+                <a:schemeClr val="tx1">
+                  <a:alpha val="20000"/>
+                </a:schemeClr>
+              </a:solidFill>
+              <a:prstDash val="solid"/>
+              <a:miter lim="800000"/>
+              <a:headEnd/>
+              <a:tailEnd/>
+            </a:ln>
+            <a:extLst>
+              <a:ext uri="{909E8E84-426E-40DD-AFC4-6F175D3DCCD1}">
+                <a14:hiddenFill xmlns:a14="http://schemas.microsoft.com/office/drawing/2010/main">
+                  <a:solidFill>
+                    <a:srgbClr val="FFFFFF"/>
+                  </a:solidFill>
+                </a14:hiddenFill>
+              </a:ext>
+            </a:extLst>
+          </p:spPr>
+        </p:sp>
+        <p:sp>
+          <p:nvSpPr>
+            <p:cNvPr id="19" name="Freeform 12">
+              <a:extLst>
+                <a:ext uri="{FF2B5EF4-FFF2-40B4-BE49-F238E27FC236}">
+                  <a16:creationId xmlns:a16="http://schemas.microsoft.com/office/drawing/2014/main" id="{8740FC9A-72DD-4D9B-BA25-1CCED1352408}"/>
+                </a:ext>
+                <a:ext uri="{C183D7F6-B498-43B3-948B-1728B52AA6E4}">
+                  <adec:decorative xmlns:adec="http://schemas.microsoft.com/office/drawing/2017/decorative" val="1"/>
+                </a:ext>
+              </a:extLst>
+            </p:cNvPr>
+            <p:cNvSpPr/>
+            <p:nvPr>
+              <p:extLst>
+                <p:ext uri="{386F3935-93C4-4BCD-93E2-E3B085C9AB24}">
+                  <p16:designElem xmlns:p16="http://schemas.microsoft.com/office/powerpoint/2015/main" val="1"/>
+                </p:ext>
+              </p:extLst>
+            </p:nvPr>
+          </p:nvSpPr>
+          <p:spPr bwMode="auto">
+            <a:xfrm>
+              <a:off x="11501438" y="9525"/>
+              <a:ext cx="665163" cy="257175"/>
+            </a:xfrm>
+            <a:custGeom>
+              <a:avLst/>
+              <a:gdLst/>
+              <a:ahLst/>
+              <a:cxnLst/>
+              <a:rect l="0" t="0" r="r" b="b"/>
+              <a:pathLst>
+                <a:path w="140" h="54">
+                  <a:moveTo>
+                    <a:pt x="140" y="54"/>
+                  </a:moveTo>
+                  <a:cubicBezTo>
+                    <a:pt x="95" y="34"/>
+                    <a:pt x="48" y="16"/>
+                    <a:pt x="0" y="0"/>
+                  </a:cubicBezTo>
+                </a:path>
+              </a:pathLst>
+            </a:custGeom>
+            <a:noFill/>
+            <a:ln w="9525" cap="flat">
+              <a:solidFill>
+                <a:schemeClr val="tx1">
+                  <a:alpha val="20000"/>
+                </a:schemeClr>
+              </a:solidFill>
+              <a:prstDash val="solid"/>
+              <a:miter lim="800000"/>
+              <a:headEnd/>
+              <a:tailEnd/>
+            </a:ln>
+            <a:extLst>
+              <a:ext uri="{909E8E84-426E-40DD-AFC4-6F175D3DCCD1}">
+                <a14:hiddenFill xmlns:a14="http://schemas.microsoft.com/office/drawing/2010/main">
+                  <a:solidFill>
+                    <a:srgbClr val="FFFFFF"/>
+                  </a:solidFill>
+                </a14:hiddenFill>
+              </a:ext>
+            </a:extLst>
+          </p:spPr>
+        </p:sp>
+        <p:sp>
+          <p:nvSpPr>
+            <p:cNvPr id="20" name="Freeform 13">
+              <a:extLst>
+                <a:ext uri="{FF2B5EF4-FFF2-40B4-BE49-F238E27FC236}">
+                  <a16:creationId xmlns:a16="http://schemas.microsoft.com/office/drawing/2014/main" id="{7FBF5743-F2AE-4D0D-BCD1-01F7686D012A}"/>
+                </a:ext>
+                <a:ext uri="{C183D7F6-B498-43B3-948B-1728B52AA6E4}">
+                  <adec:decorative xmlns:adec="http://schemas.microsoft.com/office/drawing/2017/decorative" val="1"/>
+                </a:ext>
+              </a:extLst>
+            </p:cNvPr>
+            <p:cNvSpPr/>
+            <p:nvPr>
+              <p:extLst>
+                <p:ext uri="{386F3935-93C4-4BCD-93E2-E3B085C9AB24}">
+                  <p16:designElem xmlns:p16="http://schemas.microsoft.com/office/powerpoint/2015/main" val="1"/>
+                </p:ext>
+              </p:extLst>
+            </p:nvPr>
+          </p:nvSpPr>
+          <p:spPr bwMode="auto">
+            <a:xfrm>
+              <a:off x="10641013" y="5408613"/>
+              <a:ext cx="1525588" cy="1435100"/>
+            </a:xfrm>
+            <a:custGeom>
+              <a:avLst/>
+              <a:gdLst/>
+              <a:ahLst/>
+              <a:cxnLst/>
+              <a:rect l="0" t="0" r="r" b="b"/>
+              <a:pathLst>
+                <a:path w="321" h="302">
+                  <a:moveTo>
+                    <a:pt x="0" y="302"/>
+                  </a:moveTo>
+                  <a:cubicBezTo>
+                    <a:pt x="114" y="210"/>
+                    <a:pt x="223" y="109"/>
+                    <a:pt x="321" y="0"/>
+                  </a:cubicBezTo>
+                </a:path>
+              </a:pathLst>
+            </a:custGeom>
+            <a:noFill/>
+            <a:ln w="9525" cap="flat">
+              <a:solidFill>
+                <a:schemeClr val="tx1">
+                  <a:alpha val="20000"/>
+                </a:schemeClr>
+              </a:solidFill>
+              <a:prstDash val="solid"/>
+              <a:miter lim="800000"/>
+              <a:headEnd/>
+              <a:tailEnd/>
+            </a:ln>
+            <a:extLst>
+              <a:ext uri="{909E8E84-426E-40DD-AFC4-6F175D3DCCD1}">
+                <a14:hiddenFill xmlns:a14="http://schemas.microsoft.com/office/drawing/2010/main">
+                  <a:solidFill>
+                    <a:srgbClr val="FFFFFF"/>
+                  </a:solidFill>
+                </a14:hiddenFill>
+              </a:ext>
+            </a:extLst>
+          </p:spPr>
+        </p:sp>
+        <p:sp>
+          <p:nvSpPr>
+            <p:cNvPr id="21" name="Freeform 14">
+              <a:extLst>
+                <a:ext uri="{FF2B5EF4-FFF2-40B4-BE49-F238E27FC236}">
+                  <a16:creationId xmlns:a16="http://schemas.microsoft.com/office/drawing/2014/main" id="{CED32316-D4F7-4795-BBE0-DEBB60E27CE3}"/>
+                </a:ext>
+                <a:ext uri="{C183D7F6-B498-43B3-948B-1728B52AA6E4}">
+                  <adec:decorative xmlns:adec="http://schemas.microsoft.com/office/drawing/2017/decorative" val="1"/>
+                </a:ext>
+              </a:extLst>
+            </p:cNvPr>
+            <p:cNvSpPr/>
+            <p:nvPr>
+              <p:extLst>
+                <p:ext uri="{386F3935-93C4-4BCD-93E2-E3B085C9AB24}">
+                  <p16:designElem xmlns:p16="http://schemas.microsoft.com/office/powerpoint/2015/main" val="1"/>
+                </p:ext>
+              </p:extLst>
+            </p:nvPr>
+          </p:nvSpPr>
+          <p:spPr bwMode="auto">
+            <a:xfrm>
+              <a:off x="1001713" y="0"/>
+              <a:ext cx="3244850" cy="6843713"/>
+            </a:xfrm>
+            <a:custGeom>
+              <a:avLst/>
+              <a:gdLst/>
+              <a:ahLst/>
+              <a:cxnLst/>
+              <a:rect l="0" t="0" r="r" b="b"/>
+              <a:pathLst>
+                <a:path w="683" h="1440">
+                  <a:moveTo>
+                    <a:pt x="683" y="0"/>
+                  </a:moveTo>
+                  <a:cubicBezTo>
+                    <a:pt x="258" y="256"/>
+                    <a:pt x="0" y="1041"/>
+                    <a:pt x="355" y="1440"/>
+                  </a:cubicBezTo>
+                </a:path>
+              </a:pathLst>
+            </a:custGeom>
+            <a:noFill/>
+            <a:ln w="9525" cap="flat">
+              <a:solidFill>
+                <a:schemeClr val="tx1">
+                  <a:alpha val="20000"/>
+                </a:schemeClr>
+              </a:solidFill>
+              <a:prstDash val="solid"/>
+              <a:miter lim="800000"/>
+              <a:headEnd/>
+              <a:tailEnd/>
+            </a:ln>
+            <a:extLst>
+              <a:ext uri="{909E8E84-426E-40DD-AFC4-6F175D3DCCD1}">
+                <a14:hiddenFill xmlns:a14="http://schemas.microsoft.com/office/drawing/2010/main">
+                  <a:solidFill>
+                    <a:srgbClr val="FFFFFF"/>
+                  </a:solidFill>
+                </a14:hiddenFill>
+              </a:ext>
+            </a:extLst>
+          </p:spPr>
+        </p:sp>
+        <p:sp>
+          <p:nvSpPr>
+            <p:cNvPr id="22" name="Freeform 15">
+              <a:extLst>
+                <a:ext uri="{FF2B5EF4-FFF2-40B4-BE49-F238E27FC236}">
+                  <a16:creationId xmlns:a16="http://schemas.microsoft.com/office/drawing/2014/main" id="{583B23C9-B9B7-4E93-9538-CBE316F83FDD}"/>
+                </a:ext>
+                <a:ext uri="{C183D7F6-B498-43B3-948B-1728B52AA6E4}">
+                  <adec:decorative xmlns:adec="http://schemas.microsoft.com/office/drawing/2017/decorative" val="1"/>
+                </a:ext>
+              </a:extLst>
+            </p:cNvPr>
+            <p:cNvSpPr/>
+            <p:nvPr>
+              <p:extLst>
+                <p:ext uri="{386F3935-93C4-4BCD-93E2-E3B085C9AB24}">
+                  <p16:designElem xmlns:p16="http://schemas.microsoft.com/office/powerpoint/2015/main" val="1"/>
+                </p:ext>
+              </p:extLst>
+            </p:nvPr>
+          </p:nvSpPr>
+          <p:spPr bwMode="auto">
+            <a:xfrm>
+              <a:off x="10802938" y="5518150"/>
+              <a:ext cx="1363663" cy="1325563"/>
+            </a:xfrm>
+            <a:custGeom>
+              <a:avLst/>
+              <a:gdLst/>
+              <a:ahLst/>
+              <a:cxnLst/>
+              <a:rect l="0" t="0" r="r" b="b"/>
+              <a:pathLst>
+                <a:path w="287" h="279">
+                  <a:moveTo>
+                    <a:pt x="0" y="279"/>
+                  </a:moveTo>
+                  <a:cubicBezTo>
+                    <a:pt x="101" y="193"/>
+                    <a:pt x="198" y="100"/>
+                    <a:pt x="287" y="0"/>
+                  </a:cubicBezTo>
+                </a:path>
+              </a:pathLst>
+            </a:custGeom>
+            <a:noFill/>
+            <a:ln w="9525" cap="flat">
+              <a:solidFill>
+                <a:schemeClr val="tx1">
+                  <a:alpha val="20000"/>
+                </a:schemeClr>
+              </a:solidFill>
+              <a:prstDash val="solid"/>
+              <a:miter lim="800000"/>
+              <a:headEnd/>
+              <a:tailEnd/>
+            </a:ln>
+            <a:extLst>
+              <a:ext uri="{909E8E84-426E-40DD-AFC4-6F175D3DCCD1}">
+                <a14:hiddenFill xmlns:a14="http://schemas.microsoft.com/office/drawing/2010/main">
+                  <a:solidFill>
+                    <a:srgbClr val="FFFFFF"/>
+                  </a:solidFill>
+                </a14:hiddenFill>
+              </a:ext>
+            </a:extLst>
+          </p:spPr>
+        </p:sp>
+        <p:sp>
+          <p:nvSpPr>
+            <p:cNvPr id="23" name="Freeform 16">
+              <a:extLst>
+                <a:ext uri="{FF2B5EF4-FFF2-40B4-BE49-F238E27FC236}">
+                  <a16:creationId xmlns:a16="http://schemas.microsoft.com/office/drawing/2014/main" id="{5B144260-9F2C-4ADB-A37C-1CFB4B428B1B}"/>
+                </a:ext>
+                <a:ext uri="{C183D7F6-B498-43B3-948B-1728B52AA6E4}">
+                  <adec:decorative xmlns:adec="http://schemas.microsoft.com/office/drawing/2017/decorative" val="1"/>
+                </a:ext>
+              </a:extLst>
+            </p:cNvPr>
+            <p:cNvSpPr/>
+            <p:nvPr>
+              <p:extLst>
+                <p:ext uri="{386F3935-93C4-4BCD-93E2-E3B085C9AB24}">
+                  <p16:designElem xmlns:p16="http://schemas.microsoft.com/office/powerpoint/2015/main" val="1"/>
+                </p:ext>
+              </p:extLst>
+            </p:nvPr>
+          </p:nvSpPr>
+          <p:spPr bwMode="auto">
+            <a:xfrm>
+              <a:off x="889000" y="0"/>
+              <a:ext cx="3230563" cy="6843713"/>
+            </a:xfrm>
+            <a:custGeom>
+              <a:avLst/>
+              <a:gdLst/>
+              <a:ahLst/>
+              <a:cxnLst/>
+              <a:rect l="0" t="0" r="r" b="b"/>
+              <a:pathLst>
+                <a:path w="680" h="1440">
+                  <a:moveTo>
+                    <a:pt x="680" y="0"/>
+                  </a:moveTo>
+                  <a:cubicBezTo>
+                    <a:pt x="257" y="265"/>
+                    <a:pt x="0" y="1026"/>
+                    <a:pt x="337" y="1440"/>
+                  </a:cubicBezTo>
+                </a:path>
+              </a:pathLst>
+            </a:custGeom>
+            <a:noFill/>
+            <a:ln w="9525" cap="flat">
+              <a:solidFill>
+                <a:schemeClr val="tx1">
+                  <a:alpha val="20000"/>
+                </a:schemeClr>
+              </a:solidFill>
+              <a:prstDash val="solid"/>
+              <a:miter lim="800000"/>
+              <a:headEnd/>
+              <a:tailEnd/>
+            </a:ln>
+            <a:extLst>
+              <a:ext uri="{909E8E84-426E-40DD-AFC4-6F175D3DCCD1}">
+                <a14:hiddenFill xmlns:a14="http://schemas.microsoft.com/office/drawing/2010/main">
+                  <a:solidFill>
+                    <a:srgbClr val="FFFFFF"/>
+                  </a:solidFill>
+                </a14:hiddenFill>
+              </a:ext>
+            </a:extLst>
+          </p:spPr>
+        </p:sp>
+        <p:sp>
+          <p:nvSpPr>
+            <p:cNvPr id="24" name="Freeform 17">
+              <a:extLst>
+                <a:ext uri="{FF2B5EF4-FFF2-40B4-BE49-F238E27FC236}">
+                  <a16:creationId xmlns:a16="http://schemas.microsoft.com/office/drawing/2014/main" id="{53FF918D-79D3-4F55-A68C-0DD5880DABDF}"/>
+                </a:ext>
+                <a:ext uri="{C183D7F6-B498-43B3-948B-1728B52AA6E4}">
+                  <adec:decorative xmlns:adec="http://schemas.microsoft.com/office/drawing/2017/decorative" val="1"/>
+                </a:ext>
+              </a:extLst>
+            </p:cNvPr>
+            <p:cNvSpPr/>
+            <p:nvPr>
+              <p:extLst>
+                <p:ext uri="{386F3935-93C4-4BCD-93E2-E3B085C9AB24}">
+                  <p16:designElem xmlns:p16="http://schemas.microsoft.com/office/powerpoint/2015/main" val="1"/>
+                </p:ext>
+              </p:extLst>
+            </p:nvPr>
+          </p:nvSpPr>
+          <p:spPr bwMode="auto">
+            <a:xfrm>
+              <a:off x="10979150" y="5694363"/>
+              <a:ext cx="1187450" cy="1149350"/>
+            </a:xfrm>
+            <a:custGeom>
+              <a:avLst/>
+              <a:gdLst/>
+              <a:ahLst/>
+              <a:cxnLst/>
+              <a:rect l="0" t="0" r="r" b="b"/>
+              <a:pathLst>
+                <a:path w="250" h="242">
+                  <a:moveTo>
+                    <a:pt x="0" y="242"/>
+                  </a:moveTo>
+                  <a:cubicBezTo>
+                    <a:pt x="88" y="166"/>
+                    <a:pt x="172" y="85"/>
+                    <a:pt x="250" y="0"/>
+                  </a:cubicBezTo>
+                </a:path>
+              </a:pathLst>
+            </a:custGeom>
+            <a:noFill/>
+            <a:ln w="9525" cap="flat">
+              <a:solidFill>
+                <a:schemeClr val="tx1">
+                  <a:alpha val="20000"/>
+                </a:schemeClr>
+              </a:solidFill>
+              <a:prstDash val="solid"/>
+              <a:miter lim="800000"/>
+              <a:headEnd/>
+              <a:tailEnd/>
+            </a:ln>
+            <a:extLst>
+              <a:ext uri="{909E8E84-426E-40DD-AFC4-6F175D3DCCD1}">
+                <a14:hiddenFill xmlns:a14="http://schemas.microsoft.com/office/drawing/2010/main">
+                  <a:solidFill>
+                    <a:srgbClr val="FFFFFF"/>
+                  </a:solidFill>
+                </a14:hiddenFill>
+              </a:ext>
+            </a:extLst>
+          </p:spPr>
+        </p:sp>
+        <p:sp>
+          <p:nvSpPr>
+            <p:cNvPr id="25" name="Freeform 18">
+              <a:extLst>
+                <a:ext uri="{FF2B5EF4-FFF2-40B4-BE49-F238E27FC236}">
+                  <a16:creationId xmlns:a16="http://schemas.microsoft.com/office/drawing/2014/main" id="{B9FC1440-933F-44FE-8D77-4827DD0F99A5}"/>
+                </a:ext>
+                <a:ext uri="{C183D7F6-B498-43B3-948B-1728B52AA6E4}">
+                  <adec:decorative xmlns:adec="http://schemas.microsoft.com/office/drawing/2017/decorative" val="1"/>
+                </a:ext>
+              </a:extLst>
+            </p:cNvPr>
+            <p:cNvSpPr/>
+            <p:nvPr>
+              <p:extLst>
+                <p:ext uri="{386F3935-93C4-4BCD-93E2-E3B085C9AB24}">
+                  <p16:designElem xmlns:p16="http://schemas.microsoft.com/office/powerpoint/2015/main" val="1"/>
+                </p:ext>
+              </p:extLst>
+            </p:nvPr>
+          </p:nvSpPr>
+          <p:spPr bwMode="auto">
+            <a:xfrm>
+              <a:off x="484188" y="0"/>
+              <a:ext cx="3421063" cy="6843713"/>
+            </a:xfrm>
+            <a:custGeom>
+              <a:avLst/>
+              <a:gdLst/>
+              <a:ahLst/>
+              <a:cxnLst/>
+              <a:rect l="0" t="0" r="r" b="b"/>
+              <a:pathLst>
+                <a:path w="720" h="1440">
+                  <a:moveTo>
+                    <a:pt x="720" y="0"/>
+                  </a:moveTo>
+                  <a:cubicBezTo>
+                    <a:pt x="316" y="282"/>
+                    <a:pt x="0" y="1018"/>
+                    <a:pt x="362" y="1440"/>
+                  </a:cubicBezTo>
+                </a:path>
+              </a:pathLst>
+            </a:custGeom>
+            <a:noFill/>
+            <a:ln w="9525" cap="flat">
+              <a:solidFill>
+                <a:schemeClr val="tx1">
+                  <a:alpha val="20000"/>
+                </a:schemeClr>
+              </a:solidFill>
+              <a:prstDash val="solid"/>
+              <a:miter lim="800000"/>
+              <a:headEnd/>
+              <a:tailEnd/>
+            </a:ln>
+            <a:extLst>
+              <a:ext uri="{909E8E84-426E-40DD-AFC4-6F175D3DCCD1}">
+                <a14:hiddenFill xmlns:a14="http://schemas.microsoft.com/office/drawing/2010/main">
+                  <a:solidFill>
+                    <a:srgbClr val="FFFFFF"/>
+                  </a:solidFill>
+                </a14:hiddenFill>
+              </a:ext>
+            </a:extLst>
+          </p:spPr>
+        </p:sp>
+        <p:sp>
+          <p:nvSpPr>
+            <p:cNvPr id="26" name="Freeform 19">
+              <a:extLst>
+                <a:ext uri="{FF2B5EF4-FFF2-40B4-BE49-F238E27FC236}">
+                  <a16:creationId xmlns:a16="http://schemas.microsoft.com/office/drawing/2014/main" id="{0F67F308-A67C-4D2E-B081-59BB31D8EC50}"/>
+                </a:ext>
+                <a:ext uri="{C183D7F6-B498-43B3-948B-1728B52AA6E4}">
+                  <adec:decorative xmlns:adec="http://schemas.microsoft.com/office/drawing/2017/decorative" val="1"/>
+                </a:ext>
+              </a:extLst>
+            </p:cNvPr>
+            <p:cNvSpPr/>
+            <p:nvPr>
+              <p:extLst>
+                <p:ext uri="{386F3935-93C4-4BCD-93E2-E3B085C9AB24}">
+                  <p16:designElem xmlns:p16="http://schemas.microsoft.com/office/powerpoint/2015/main" val="1"/>
+                </p:ext>
+              </p:extLst>
+            </p:nvPr>
+          </p:nvSpPr>
+          <p:spPr bwMode="auto">
+            <a:xfrm>
+              <a:off x="11287125" y="6049963"/>
+              <a:ext cx="879475" cy="793750"/>
+            </a:xfrm>
+            <a:custGeom>
+              <a:avLst/>
+              <a:gdLst/>
+              <a:ahLst/>
+              <a:cxnLst/>
+              <a:rect l="0" t="0" r="r" b="b"/>
+              <a:pathLst>
+                <a:path w="185" h="167">
+                  <a:moveTo>
+                    <a:pt x="0" y="167"/>
+                  </a:moveTo>
+                  <a:cubicBezTo>
+                    <a:pt x="63" y="114"/>
+                    <a:pt x="125" y="58"/>
+                    <a:pt x="185" y="0"/>
+                  </a:cubicBezTo>
+                </a:path>
+              </a:pathLst>
+            </a:custGeom>
+            <a:noFill/>
+            <a:ln w="9525" cap="flat">
+              <a:solidFill>
+                <a:schemeClr val="tx1">
+                  <a:alpha val="20000"/>
+                </a:schemeClr>
+              </a:solidFill>
+              <a:prstDash val="solid"/>
+              <a:miter lim="800000"/>
+              <a:headEnd/>
+              <a:tailEnd/>
+            </a:ln>
+            <a:extLst>
+              <a:ext uri="{909E8E84-426E-40DD-AFC4-6F175D3DCCD1}">
+                <a14:hiddenFill xmlns:a14="http://schemas.microsoft.com/office/drawing/2010/main">
+                  <a:solidFill>
+                    <a:srgbClr val="FFFFFF"/>
+                  </a:solidFill>
+                </a14:hiddenFill>
+              </a:ext>
+            </a:extLst>
+          </p:spPr>
+        </p:sp>
+        <p:sp>
+          <p:nvSpPr>
+            <p:cNvPr id="27" name="Freeform 20">
+              <a:extLst>
+                <a:ext uri="{FF2B5EF4-FFF2-40B4-BE49-F238E27FC236}">
+                  <a16:creationId xmlns:a16="http://schemas.microsoft.com/office/drawing/2014/main" id="{80112F01-90EB-4AEC-A39C-5C6875FFB99B}"/>
+                </a:ext>
+                <a:ext uri="{C183D7F6-B498-43B3-948B-1728B52AA6E4}">
+                  <adec:decorative xmlns:adec="http://schemas.microsoft.com/office/drawing/2017/decorative" val="1"/>
+                </a:ext>
+              </a:extLst>
+            </p:cNvPr>
+            <p:cNvSpPr/>
+            <p:nvPr>
+              <p:extLst>
+                <p:ext uri="{386F3935-93C4-4BCD-93E2-E3B085C9AB24}">
+                  <p16:designElem xmlns:p16="http://schemas.microsoft.com/office/powerpoint/2015/main" val="1"/>
+                </p:ext>
+              </p:extLst>
+            </p:nvPr>
+          </p:nvSpPr>
+          <p:spPr bwMode="auto">
+            <a:xfrm>
+              <a:off x="598488" y="0"/>
+              <a:ext cx="2717800" cy="6843713"/>
+            </a:xfrm>
+            <a:custGeom>
+              <a:avLst/>
+              <a:gdLst/>
+              <a:ahLst/>
+              <a:cxnLst/>
+              <a:rect l="0" t="0" r="r" b="b"/>
+              <a:pathLst>
+                <a:path w="572" h="1440">
+                  <a:moveTo>
+                    <a:pt x="572" y="0"/>
+                  </a:moveTo>
+                  <a:cubicBezTo>
+                    <a:pt x="213" y="320"/>
+                    <a:pt x="0" y="979"/>
+                    <a:pt x="164" y="1440"/>
+                  </a:cubicBezTo>
+                </a:path>
+              </a:pathLst>
+            </a:custGeom>
+            <a:noFill/>
+            <a:ln w="12700" cap="flat">
+              <a:solidFill>
+                <a:schemeClr val="tx1">
+                  <a:alpha val="20000"/>
+                </a:schemeClr>
+              </a:solidFill>
+              <a:prstDash val="dashDot"/>
+              <a:miter lim="800000"/>
+              <a:headEnd/>
+              <a:tailEnd/>
+            </a:ln>
+            <a:extLst>
+              <a:ext uri="{909E8E84-426E-40DD-AFC4-6F175D3DCCD1}">
+                <a14:hiddenFill xmlns:a14="http://schemas.microsoft.com/office/drawing/2010/main">
+                  <a:solidFill>
+                    <a:srgbClr val="FFFFFF"/>
+                  </a:solidFill>
+                </a14:hiddenFill>
+              </a:ext>
+            </a:extLst>
+          </p:spPr>
+        </p:sp>
+        <p:sp>
+          <p:nvSpPr>
+            <p:cNvPr id="28" name="Freeform 21">
+              <a:extLst>
+                <a:ext uri="{FF2B5EF4-FFF2-40B4-BE49-F238E27FC236}">
+                  <a16:creationId xmlns:a16="http://schemas.microsoft.com/office/drawing/2014/main" id="{893F6B05-90EB-4C75-A0F0-C7247553BD81}"/>
+                </a:ext>
+                <a:ext uri="{C183D7F6-B498-43B3-948B-1728B52AA6E4}">
+                  <adec:decorative xmlns:adec="http://schemas.microsoft.com/office/drawing/2017/decorative" val="1"/>
+                </a:ext>
+              </a:extLst>
+            </p:cNvPr>
+            <p:cNvSpPr/>
+            <p:nvPr>
+              <p:extLst>
+                <p:ext uri="{386F3935-93C4-4BCD-93E2-E3B085C9AB24}">
+                  <p16:designElem xmlns:p16="http://schemas.microsoft.com/office/powerpoint/2015/main" val="1"/>
+                </p:ext>
+              </p:extLst>
+            </p:nvPr>
+          </p:nvSpPr>
+          <p:spPr bwMode="auto">
+            <a:xfrm>
+              <a:off x="261938" y="0"/>
+              <a:ext cx="2944813" cy="6843713"/>
+            </a:xfrm>
+            <a:custGeom>
+              <a:avLst/>
+              <a:gdLst/>
+              <a:ahLst/>
+              <a:cxnLst/>
+              <a:rect l="0" t="0" r="r" b="b"/>
+              <a:pathLst>
+                <a:path w="620" h="1440">
+                  <a:moveTo>
+                    <a:pt x="620" y="0"/>
+                  </a:moveTo>
+                  <a:cubicBezTo>
+                    <a:pt x="248" y="325"/>
+                    <a:pt x="0" y="960"/>
+                    <a:pt x="186" y="1440"/>
+                  </a:cubicBezTo>
+                </a:path>
+              </a:pathLst>
+            </a:custGeom>
+            <a:noFill/>
+            <a:ln w="9525" cap="flat">
+              <a:solidFill>
+                <a:schemeClr val="tx1">
+                  <a:alpha val="20000"/>
+                </a:schemeClr>
+              </a:solidFill>
+              <a:prstDash val="lgDash"/>
+              <a:miter lim="800000"/>
+              <a:headEnd/>
+              <a:tailEnd/>
+            </a:ln>
+            <a:extLst>
+              <a:ext uri="{909E8E84-426E-40DD-AFC4-6F175D3DCCD1}">
+                <a14:hiddenFill xmlns:a14="http://schemas.microsoft.com/office/drawing/2010/main">
+                  <a:solidFill>
+                    <a:srgbClr val="FFFFFF"/>
+                  </a:solidFill>
+                </a14:hiddenFill>
+              </a:ext>
+            </a:extLst>
+          </p:spPr>
+        </p:sp>
+        <p:sp>
+          <p:nvSpPr>
+            <p:cNvPr id="29" name="Freeform 22">
+              <a:extLst>
+                <a:ext uri="{FF2B5EF4-FFF2-40B4-BE49-F238E27FC236}">
+                  <a16:creationId xmlns:a16="http://schemas.microsoft.com/office/drawing/2014/main" id="{227B563B-E0C0-4D81-966D-B5E2DBAAE8B5}"/>
+                </a:ext>
+                <a:ext uri="{C183D7F6-B498-43B3-948B-1728B52AA6E4}">
+                  <adec:decorative xmlns:adec="http://schemas.microsoft.com/office/drawing/2017/decorative" val="1"/>
+                </a:ext>
+              </a:extLst>
+            </p:cNvPr>
+            <p:cNvSpPr/>
+            <p:nvPr>
+              <p:extLst>
+                <p:ext uri="{386F3935-93C4-4BCD-93E2-E3B085C9AB24}">
+                  <p16:designElem xmlns:p16="http://schemas.microsoft.com/office/powerpoint/2015/main" val="1"/>
+                </p:ext>
+              </p:extLst>
+            </p:nvPr>
+          </p:nvSpPr>
+          <p:spPr bwMode="auto">
+            <a:xfrm>
+              <a:off x="-417513" y="0"/>
+              <a:ext cx="2403475" cy="6843713"/>
+            </a:xfrm>
+            <a:custGeom>
+              <a:avLst/>
+              <a:gdLst/>
+              <a:ahLst/>
+              <a:cxnLst/>
+              <a:rect l="0" t="0" r="r" b="b"/>
+              <a:pathLst>
+                <a:path w="506" h="1440">
+                  <a:moveTo>
+                    <a:pt x="506" y="0"/>
+                  </a:moveTo>
+                  <a:cubicBezTo>
+                    <a:pt x="109" y="356"/>
+                    <a:pt x="0" y="943"/>
+                    <a:pt x="171" y="1440"/>
+                  </a:cubicBezTo>
+                </a:path>
+              </a:pathLst>
+            </a:custGeom>
+            <a:noFill/>
+            <a:ln w="9525" cap="flat">
+              <a:solidFill>
+                <a:schemeClr val="tx1">
+                  <a:alpha val="20000"/>
+                </a:schemeClr>
+              </a:solidFill>
+              <a:prstDash val="solid"/>
+              <a:miter lim="800000"/>
+              <a:headEnd/>
+              <a:tailEnd/>
+            </a:ln>
+            <a:extLst>
+              <a:ext uri="{909E8E84-426E-40DD-AFC4-6F175D3DCCD1}">
+                <a14:hiddenFill xmlns:a14="http://schemas.microsoft.com/office/drawing/2010/main">
+                  <a:solidFill>
+                    <a:srgbClr val="FFFFFF"/>
+                  </a:solidFill>
+                </a14:hiddenFill>
+              </a:ext>
+            </a:extLst>
+          </p:spPr>
+        </p:sp>
+        <p:sp>
+          <p:nvSpPr>
+            <p:cNvPr id="30" name="Freeform 23">
+              <a:extLst>
+                <a:ext uri="{FF2B5EF4-FFF2-40B4-BE49-F238E27FC236}">
+                  <a16:creationId xmlns:a16="http://schemas.microsoft.com/office/drawing/2014/main" id="{130DF93D-D1FF-477A-BDCE-C8B01C3B476C}"/>
+                </a:ext>
+                <a:ext uri="{C183D7F6-B498-43B3-948B-1728B52AA6E4}">
+                  <adec:decorative xmlns:adec="http://schemas.microsoft.com/office/drawing/2017/decorative" val="1"/>
+                </a:ext>
+              </a:extLst>
+            </p:cNvPr>
+            <p:cNvSpPr/>
+            <p:nvPr>
+              <p:extLst>
+                <p:ext uri="{386F3935-93C4-4BCD-93E2-E3B085C9AB24}">
+                  <p16:designElem xmlns:p16="http://schemas.microsoft.com/office/powerpoint/2015/main" val="1"/>
+                </p:ext>
+              </p:extLst>
+            </p:nvPr>
+          </p:nvSpPr>
+          <p:spPr bwMode="auto">
+            <a:xfrm>
+              <a:off x="14288" y="9525"/>
+              <a:ext cx="1771650" cy="3198813"/>
+            </a:xfrm>
+            <a:custGeom>
+              <a:avLst/>
+              <a:gdLst/>
+              <a:ahLst/>
+              <a:cxnLst/>
+              <a:rect l="0" t="0" r="r" b="b"/>
+              <a:pathLst>
+                <a:path w="373" h="673">
+                  <a:moveTo>
+                    <a:pt x="373" y="0"/>
+                  </a:moveTo>
+                  <a:cubicBezTo>
+                    <a:pt x="175" y="183"/>
+                    <a:pt x="51" y="409"/>
+                    <a:pt x="0" y="673"/>
+                  </a:cubicBezTo>
+                </a:path>
+              </a:pathLst>
+            </a:custGeom>
+            <a:noFill/>
+            <a:ln w="9525" cap="flat">
+              <a:solidFill>
+                <a:schemeClr val="tx1">
+                  <a:alpha val="20000"/>
+                </a:schemeClr>
+              </a:solidFill>
+              <a:prstDash val="solid"/>
+              <a:miter lim="800000"/>
+              <a:headEnd/>
+              <a:tailEnd/>
+            </a:ln>
+            <a:extLst>
+              <a:ext uri="{909E8E84-426E-40DD-AFC4-6F175D3DCCD1}">
+                <a14:hiddenFill xmlns:a14="http://schemas.microsoft.com/office/drawing/2010/main">
+                  <a:solidFill>
+                    <a:srgbClr val="FFFFFF"/>
+                  </a:solidFill>
+                </a14:hiddenFill>
+              </a:ext>
+            </a:extLst>
+          </p:spPr>
+        </p:sp>
+        <p:sp>
+          <p:nvSpPr>
+            <p:cNvPr id="31" name="Freeform 24">
+              <a:extLst>
+                <a:ext uri="{FF2B5EF4-FFF2-40B4-BE49-F238E27FC236}">
+                  <a16:creationId xmlns:a16="http://schemas.microsoft.com/office/drawing/2014/main" id="{44ED67A1-C6FE-4AC8-8473-11DAC03DCD33}"/>
+                </a:ext>
+                <a:ext uri="{C183D7F6-B498-43B3-948B-1728B52AA6E4}">
+                  <adec:decorative xmlns:adec="http://schemas.microsoft.com/office/drawing/2017/decorative" val="1"/>
+                </a:ext>
+              </a:extLst>
+            </p:cNvPr>
+            <p:cNvSpPr/>
+            <p:nvPr>
+              <p:extLst>
+                <p:ext uri="{386F3935-93C4-4BCD-93E2-E3B085C9AB24}">
+                  <p16:designElem xmlns:p16="http://schemas.microsoft.com/office/powerpoint/2015/main" val="1"/>
+                </p:ext>
+              </p:extLst>
+            </p:nvPr>
+          </p:nvSpPr>
+          <p:spPr bwMode="auto">
+            <a:xfrm>
+              <a:off x="4763" y="6016625"/>
+              <a:ext cx="214313" cy="827088"/>
+            </a:xfrm>
+            <a:custGeom>
+              <a:avLst/>
+              <a:gdLst/>
+              <a:ahLst/>
+              <a:cxnLst/>
+              <a:rect l="0" t="0" r="r" b="b"/>
+              <a:pathLst>
+                <a:path w="45" h="174">
+                  <a:moveTo>
+                    <a:pt x="0" y="0"/>
+                  </a:moveTo>
+                  <a:cubicBezTo>
+                    <a:pt x="11" y="59"/>
+                    <a:pt x="26" y="118"/>
+                    <a:pt x="45" y="174"/>
+                  </a:cubicBezTo>
+                </a:path>
+              </a:pathLst>
+            </a:custGeom>
+            <a:noFill/>
+            <a:ln w="9525" cap="flat">
+              <a:solidFill>
+                <a:schemeClr val="tx1">
+                  <a:alpha val="20000"/>
+                </a:schemeClr>
+              </a:solidFill>
+              <a:prstDash val="solid"/>
+              <a:miter lim="800000"/>
+              <a:headEnd/>
+              <a:tailEnd/>
+            </a:ln>
+            <a:extLst>
+              <a:ext uri="{909E8E84-426E-40DD-AFC4-6F175D3DCCD1}">
+                <a14:hiddenFill xmlns:a14="http://schemas.microsoft.com/office/drawing/2010/main">
+                  <a:solidFill>
+                    <a:srgbClr val="FFFFFF"/>
+                  </a:solidFill>
+                </a14:hiddenFill>
+              </a:ext>
+            </a:extLst>
+          </p:spPr>
+        </p:sp>
+        <p:sp>
+          <p:nvSpPr>
+            <p:cNvPr id="32" name="Freeform 25">
+              <a:extLst>
+                <a:ext uri="{FF2B5EF4-FFF2-40B4-BE49-F238E27FC236}">
+                  <a16:creationId xmlns:a16="http://schemas.microsoft.com/office/drawing/2014/main" id="{213A54F3-15FA-4C8F-8ABF-CE77E7219658}"/>
+                </a:ext>
+                <a:ext uri="{C183D7F6-B498-43B3-948B-1728B52AA6E4}">
+                  <adec:decorative xmlns:adec="http://schemas.microsoft.com/office/drawing/2017/decorative" val="1"/>
+                </a:ext>
+              </a:extLst>
+            </p:cNvPr>
+            <p:cNvSpPr/>
+            <p:nvPr>
+              <p:extLst>
+                <p:ext uri="{386F3935-93C4-4BCD-93E2-E3B085C9AB24}">
+                  <p16:designElem xmlns:p16="http://schemas.microsoft.com/office/powerpoint/2015/main" val="1"/>
+                </p:ext>
+              </p:extLst>
+            </p:nvPr>
+          </p:nvSpPr>
+          <p:spPr bwMode="auto">
+            <a:xfrm>
+              <a:off x="14288" y="0"/>
+              <a:ext cx="1562100" cy="2228850"/>
+            </a:xfrm>
+            <a:custGeom>
+              <a:avLst/>
+              <a:gdLst/>
+              <a:ahLst/>
+              <a:cxnLst/>
+              <a:rect l="0" t="0" r="r" b="b"/>
+              <a:pathLst>
+                <a:path w="329" h="469">
+                  <a:moveTo>
+                    <a:pt x="329" y="0"/>
+                  </a:moveTo>
+                  <a:cubicBezTo>
+                    <a:pt x="189" y="133"/>
+                    <a:pt x="69" y="288"/>
+                    <a:pt x="0" y="469"/>
+                  </a:cubicBezTo>
+                </a:path>
+              </a:pathLst>
+            </a:custGeom>
+            <a:noFill/>
+            <a:ln w="9525" cap="flat">
+              <a:solidFill>
+                <a:schemeClr val="tx1">
+                  <a:alpha val="20000"/>
+                </a:schemeClr>
+              </a:solidFill>
+              <a:prstDash val="solid"/>
+              <a:miter lim="800000"/>
+              <a:headEnd/>
+              <a:tailEnd/>
+            </a:ln>
+            <a:extLst>
+              <a:ext uri="{909E8E84-426E-40DD-AFC4-6F175D3DCCD1}">
+                <a14:hiddenFill xmlns:a14="http://schemas.microsoft.com/office/drawing/2010/main">
+                  <a:solidFill>
+                    <a:srgbClr val="FFFFFF"/>
+                  </a:solidFill>
+                </a14:hiddenFill>
+              </a:ext>
+            </a:extLst>
+          </p:spPr>
+        </p:sp>
+      </p:grpSp>
+      <p:grpSp>
+        <p:nvGrpSpPr>
+          <p:cNvPr id="34" name="Group 33">
+            <a:extLst>
+              <a:ext uri="{FF2B5EF4-FFF2-40B4-BE49-F238E27FC236}">
+                <a16:creationId xmlns:a16="http://schemas.microsoft.com/office/drawing/2014/main" id="{5F8A7F7F-DD1A-4F41-98AC-B9CE2A620CDC}"/>
+              </a:ext>
+              <a:ext uri="{C183D7F6-B498-43B3-948B-1728B52AA6E4}">
+                <adec:decorative xmlns:adec="http://schemas.microsoft.com/office/drawing/2017/decorative" val="1"/>
+              </a:ext>
+            </a:extLst>
+          </p:cNvPr>
+          <p:cNvGrpSpPr>
+            <a:grpSpLocks noGrp="1" noUngrp="1" noRot="1" noChangeAspect="1" noMove="1" noResize="1"/>
+          </p:cNvGrpSpPr>
+          <p:nvPr>
+            <p:extLst>
+              <p:ext uri="{386F3935-93C4-4BCD-93E2-E3B085C9AB24}">
+                <p16:designElem xmlns:p16="http://schemas.microsoft.com/office/powerpoint/2015/main" val="1"/>
+              </p:ext>
+            </p:extLst>
+          </p:nvPr>
+        </p:nvGrpSpPr>
+        <p:grpSpPr>
+          <a:xfrm>
+            <a:off x="800144" y="1699589"/>
+            <a:ext cx="3674476" cy="3470421"/>
+            <a:chOff x="697883" y="1816768"/>
+            <a:chExt cx="3674476" cy="3470421"/>
+          </a:xfrm>
+        </p:grpSpPr>
+        <p:sp>
+          <p:nvSpPr>
+            <p:cNvPr id="35" name="Rectangle 34">
+              <a:extLst>
+                <a:ext uri="{FF2B5EF4-FFF2-40B4-BE49-F238E27FC236}">
+                  <a16:creationId xmlns:a16="http://schemas.microsoft.com/office/drawing/2014/main" id="{CEF47228-EB7C-4EBA-BE01-DA6CB2410289}"/>
+                </a:ext>
+                <a:ext uri="{C183D7F6-B498-43B3-948B-1728B52AA6E4}">
+                  <adec:decorative xmlns:adec="http://schemas.microsoft.com/office/drawing/2017/decorative" val="1"/>
+                </a:ext>
+              </a:extLst>
+            </p:cNvPr>
+            <p:cNvSpPr/>
+            <p:nvPr>
+              <p:extLst>
+                <p:ext uri="{386F3935-93C4-4BCD-93E2-E3B085C9AB24}">
+                  <p16:designElem xmlns:p16="http://schemas.microsoft.com/office/powerpoint/2015/main" val="1"/>
+                </p:ext>
+              </p:extLst>
+            </p:nvPr>
+          </p:nvSpPr>
+          <p:spPr>
+            <a:xfrm>
+              <a:off x="697883" y="1816768"/>
+              <a:ext cx="3674476" cy="502920"/>
+            </a:xfrm>
+            <a:prstGeom prst="rect">
+              <a:avLst/>
+            </a:prstGeom>
+            <a:solidFill>
+              <a:schemeClr val="accent1"/>
+            </a:solidFill>
+            <a:ln>
+              <a:noFill/>
+            </a:ln>
+          </p:spPr>
+          <p:style>
+            <a:lnRef idx="2">
+              <a:schemeClr val="accent1">
+                <a:shade val="50000"/>
+              </a:schemeClr>
+            </a:lnRef>
+            <a:fillRef idx="1">
+              <a:schemeClr val="accent1"/>
+            </a:fillRef>
+            <a:effectRef idx="0">
+              <a:schemeClr val="accent1"/>
+            </a:effectRef>
+            <a:fontRef idx="minor">
+              <a:schemeClr val="lt1"/>
+            </a:fontRef>
+          </p:style>
+        </p:sp>
+        <p:sp>
+          <p:nvSpPr>
+            <p:cNvPr id="36" name="Isosceles Triangle 22">
+              <a:extLst>
+                <a:ext uri="{FF2B5EF4-FFF2-40B4-BE49-F238E27FC236}">
+                  <a16:creationId xmlns:a16="http://schemas.microsoft.com/office/drawing/2014/main" id="{3D2FD25A-EFFD-4F5C-9258-981F5907DE21}"/>
+                </a:ext>
+                <a:ext uri="{C183D7F6-B498-43B3-948B-1728B52AA6E4}">
+                  <adec:decorative xmlns:adec="http://schemas.microsoft.com/office/drawing/2017/decorative" val="1"/>
+                </a:ext>
+              </a:extLst>
+            </p:cNvPr>
+            <p:cNvSpPr/>
+            <p:nvPr>
+              <p:extLst>
+                <p:ext uri="{386F3935-93C4-4BCD-93E2-E3B085C9AB24}">
+                  <p16:designElem xmlns:p16="http://schemas.microsoft.com/office/powerpoint/2015/main" val="1"/>
+                </p:ext>
+              </p:extLst>
+            </p:nvPr>
+          </p:nvSpPr>
+          <p:spPr>
+            <a:xfrm rot="10800000">
+              <a:off x="2380224" y="5014786"/>
+              <a:ext cx="315988" cy="272403"/>
+            </a:xfrm>
+            <a:prstGeom prst="triangle">
+              <a:avLst/>
+            </a:prstGeom>
+            <a:solidFill>
+              <a:schemeClr val="accent1"/>
+            </a:solidFill>
+            <a:ln>
+              <a:noFill/>
+            </a:ln>
+          </p:spPr>
+          <p:style>
+            <a:lnRef idx="2">
+              <a:schemeClr val="accent1">
+                <a:shade val="50000"/>
+              </a:schemeClr>
+            </a:lnRef>
+            <a:fillRef idx="1">
+              <a:schemeClr val="accent1"/>
+            </a:fillRef>
+            <a:effectRef idx="0">
+              <a:schemeClr val="accent1"/>
+            </a:effectRef>
+            <a:fontRef idx="minor">
+              <a:schemeClr val="lt1"/>
+            </a:fontRef>
+          </p:style>
+        </p:sp>
+        <p:sp>
+          <p:nvSpPr>
+            <p:cNvPr id="37" name="Rectangle 36">
+              <a:extLst>
+                <a:ext uri="{FF2B5EF4-FFF2-40B4-BE49-F238E27FC236}">
+                  <a16:creationId xmlns:a16="http://schemas.microsoft.com/office/drawing/2014/main" id="{DCF573BC-A06F-4036-A3A8-9D07DDE62253}"/>
+                </a:ext>
+                <a:ext uri="{C183D7F6-B498-43B3-948B-1728B52AA6E4}">
+                  <adec:decorative xmlns:adec="http://schemas.microsoft.com/office/drawing/2017/decorative" val="1"/>
+                </a:ext>
+              </a:extLst>
+            </p:cNvPr>
+            <p:cNvSpPr/>
+            <p:nvPr>
+              <p:extLst>
+                <p:ext uri="{386F3935-93C4-4BCD-93E2-E3B085C9AB24}">
+                  <p16:designElem xmlns:p16="http://schemas.microsoft.com/office/powerpoint/2015/main" val="1"/>
+                </p:ext>
+              </p:extLst>
+            </p:nvPr>
+          </p:nvSpPr>
+          <p:spPr>
+            <a:xfrm>
+              <a:off x="704075" y="2392840"/>
+              <a:ext cx="3668284" cy="2624327"/>
+            </a:xfrm>
+            <a:prstGeom prst="rect">
+              <a:avLst/>
+            </a:prstGeom>
+            <a:solidFill>
+              <a:schemeClr val="accent1"/>
+            </a:solidFill>
+            <a:ln>
+              <a:noFill/>
+            </a:ln>
+          </p:spPr>
+          <p:style>
+            <a:lnRef idx="2">
+              <a:schemeClr val="accent1">
+                <a:shade val="50000"/>
+              </a:schemeClr>
+            </a:lnRef>
+            <a:fillRef idx="1">
+              <a:schemeClr val="accent1"/>
+            </a:fillRef>
+            <a:effectRef idx="0">
+              <a:schemeClr val="accent1"/>
+            </a:effectRef>
+            <a:fontRef idx="minor">
+              <a:schemeClr val="lt1"/>
+            </a:fontRef>
+          </p:style>
+        </p:sp>
+      </p:grpSp>
+      <p:sp>
+        <p:nvSpPr>
+          <p:cNvPr id="2" name="Τίτλος 1"/>
+          <p:cNvSpPr>
+            <a:spLocks noGrp="1"/>
+          </p:cNvSpPr>
+          <p:nvPr>
+            <p:ph type="title"/>
+          </p:nvPr>
+        </p:nvSpPr>
+        <p:spPr>
+          <a:xfrm>
+            <a:off x="904877" y="2415322"/>
+            <a:ext cx="3451730" cy="2399869"/>
+          </a:xfrm>
+        </p:spPr>
+        <p:txBody>
+          <a:bodyPr>
+            <a:normAutofit/>
+          </a:bodyPr>
+          <a:lstStyle/>
+          <a:p>
+            <a:pPr algn="ctr"/>
+            <a:r>
+              <a:rPr lang="en-US" sz="3700" b="1">
+                <a:solidFill>
+                  <a:srgbClr val="FFFFFF"/>
+                </a:solidFill>
+              </a:rPr>
+              <a:t>RDDs: Transformations - Actions</a:t>
+            </a:r>
+            <a:endParaRPr lang="el-GR" sz="3700">
+              <a:solidFill>
+                <a:srgbClr val="FFFFFF"/>
+              </a:solidFill>
+            </a:endParaRPr>
+          </a:p>
+        </p:txBody>
+      </p:sp>
+      <p:sp>
+        <p:nvSpPr>
+          <p:cNvPr id="4" name="Θέση αριθμού διαφάνειας 3"/>
+          <p:cNvSpPr>
+            <a:spLocks noGrp="1"/>
+          </p:cNvSpPr>
+          <p:nvPr>
+            <p:ph type="sldNum" sz="quarter" idx="12"/>
+          </p:nvPr>
+        </p:nvSpPr>
+        <p:spPr>
+          <a:xfrm>
+            <a:off x="10469880" y="320040"/>
+            <a:ext cx="914400" cy="320040"/>
+          </a:xfrm>
+        </p:spPr>
+        <p:txBody>
+          <a:bodyPr>
+            <a:normAutofit/>
+          </a:bodyPr>
+          <a:lstStyle/>
+          <a:p>
+            <a:pPr>
+              <a:spcAft>
+                <a:spcPts val="600"/>
+              </a:spcAft>
+            </a:pPr>
+            <a:fld id="{634CA47B-BB17-47C7-9E60-64B1219A2C73}" type="slidenum">
+              <a:rPr lang="el-GR">
+                <a:solidFill>
+                  <a:schemeClr val="tx1">
+                    <a:lumMod val="50000"/>
+                    <a:lumOff val="50000"/>
+                  </a:schemeClr>
+                </a:solidFill>
+              </a:rPr>
+              <a:pPr>
+                <a:spcAft>
+                  <a:spcPts val="600"/>
+                </a:spcAft>
+              </a:pPr>
+              <a:t>11</a:t>
+            </a:fld>
+            <a:endParaRPr lang="el-GR">
+              <a:solidFill>
+                <a:schemeClr val="tx1">
+                  <a:lumMod val="50000"/>
+                  <a:lumOff val="50000"/>
+                </a:schemeClr>
+              </a:solidFill>
+            </a:endParaRPr>
+          </a:p>
+        </p:txBody>
+      </p:sp>
+      <p:sp>
+        <p:nvSpPr>
+          <p:cNvPr id="3" name="Θέση περιεχομένου 2"/>
+          <p:cNvSpPr>
+            <a:spLocks noGrp="1"/>
+          </p:cNvSpPr>
+          <p:nvPr>
+            <p:ph idx="1"/>
+          </p:nvPr>
+        </p:nvSpPr>
+        <p:spPr>
+          <a:xfrm>
+            <a:off x="5120640" y="804672"/>
+            <a:ext cx="6281928" cy="5248656"/>
+          </a:xfrm>
+        </p:spPr>
+        <p:txBody>
+          <a:bodyPr anchor="ctr">
+            <a:normAutofit/>
+          </a:bodyPr>
+          <a:lstStyle/>
+          <a:p>
+            <a:pPr marL="0" indent="0">
+              <a:buNone/>
+            </a:pPr>
+            <a:r>
+              <a:rPr lang="el-GR" sz="2000"/>
+              <a:t>Από τη στιγμή που έχει δημιουργηθεί ένα </a:t>
+            </a:r>
+            <a:r>
+              <a:rPr lang="en-US" sz="2000"/>
+              <a:t>RDD </a:t>
+            </a:r>
+            <a:r>
+              <a:rPr lang="el-GR" sz="2000"/>
+              <a:t>δύο βασικοί τύποι λειτουργιών μπορούν να γίνουν:</a:t>
+            </a:r>
+          </a:p>
+          <a:p>
+            <a:pPr lvl="1"/>
+            <a:r>
+              <a:rPr lang="el-GR" sz="2000" b="1"/>
+              <a:t>Μετασχηματισμοί (</a:t>
+            </a:r>
+            <a:r>
+              <a:rPr lang="en-US" sz="2000" b="1"/>
+              <a:t>tranformations</a:t>
+            </a:r>
+            <a:r>
+              <a:rPr lang="el-GR" sz="2000" b="1"/>
+              <a:t>)</a:t>
+            </a:r>
+            <a:endParaRPr lang="en-US" sz="2000"/>
+          </a:p>
+          <a:p>
+            <a:pPr lvl="2"/>
+            <a:r>
+              <a:rPr lang="el-GR"/>
+              <a:t>δημιουργούν ένα νέο </a:t>
+            </a:r>
+            <a:r>
+              <a:rPr lang="en-US"/>
+              <a:t>RDD </a:t>
+            </a:r>
+            <a:r>
+              <a:rPr lang="el-GR"/>
+              <a:t>αλλάζοντας το αρχικό (π.χ. </a:t>
+            </a:r>
+            <a:r>
+              <a:rPr lang="en-US"/>
+              <a:t>map, filter, flatMap, groupByKey, reduceByKey, aggregateByKey, pipe, coalesce</a:t>
+            </a:r>
+            <a:r>
+              <a:rPr lang="el-GR"/>
+              <a:t>)</a:t>
+            </a:r>
+            <a:endParaRPr lang="en-US"/>
+          </a:p>
+          <a:p>
+            <a:pPr lvl="2"/>
+            <a:r>
+              <a:rPr lang="el-GR"/>
+              <a:t>οι μετασχηματισμοί δεν επιστρέφουν μια απλή τιμή αλλά ένα νέο </a:t>
+            </a:r>
+            <a:r>
+              <a:rPr lang="en-US"/>
+              <a:t>RDD</a:t>
+            </a:r>
+            <a:r>
+              <a:rPr lang="el-GR"/>
+              <a:t> (</a:t>
+            </a:r>
+            <a:r>
+              <a:rPr lang="en-US"/>
+              <a:t>lazy evaluation</a:t>
+            </a:r>
+            <a:r>
+              <a:rPr lang="el-GR"/>
+              <a:t>) </a:t>
+            </a:r>
+            <a:r>
+              <a:rPr lang="en-US"/>
+              <a:t> </a:t>
+            </a:r>
+          </a:p>
+          <a:p>
+            <a:pPr lvl="1"/>
+            <a:r>
+              <a:rPr lang="el-GR" sz="2000" b="1"/>
+              <a:t>Ενέργειες</a:t>
+            </a:r>
+            <a:r>
+              <a:rPr lang="en-US" sz="2000" b="1"/>
+              <a:t> (actions)</a:t>
+            </a:r>
+            <a:endParaRPr lang="en-US" sz="2000"/>
+          </a:p>
+          <a:p>
+            <a:pPr lvl="2"/>
+            <a:r>
+              <a:rPr lang="el-GR"/>
+              <a:t>υπολογίζουν μια ποσότητα αλλά δεν αλλάζουν τα δεδομένα (π.χ. </a:t>
+            </a:r>
+            <a:r>
+              <a:rPr lang="en-US"/>
+              <a:t>reduce, collect, count, first, take, countByKey, foreach</a:t>
+            </a:r>
+            <a:r>
+              <a:rPr lang="el-GR"/>
+              <a:t>) </a:t>
+            </a:r>
+          </a:p>
+          <a:p>
+            <a:pPr lvl="2"/>
+            <a:r>
+              <a:rPr lang="el-GR"/>
+              <a:t>όταν καλείται μια ενέργεια σε ένα </a:t>
+            </a:r>
+            <a:r>
+              <a:rPr lang="en-US"/>
+              <a:t>RDD, </a:t>
+            </a:r>
+            <a:r>
+              <a:rPr lang="el-GR"/>
+              <a:t>τότε εκτελούνται όλοι οι μετασχηματισμοί και επιστρέφεται το αποτέλεσμα</a:t>
+            </a:r>
+            <a:endParaRPr lang="en-US"/>
+          </a:p>
+          <a:p>
+            <a:endParaRPr lang="el-GR" sz="2000"/>
+          </a:p>
+          <a:p>
+            <a:endParaRPr lang="el-GR" sz="2000"/>
+          </a:p>
+        </p:txBody>
+      </p:sp>
+    </p:spTree>
+    <p:extLst>
+      <p:ext uri="{BB962C8B-B14F-4D97-AF65-F5344CB8AC3E}">
+        <p14:creationId xmlns:p14="http://schemas.microsoft.com/office/powerpoint/2010/main" val="1850933374"/>
+      </p:ext>
+    </p:extLst>
+  </p:cSld>
+  <p:clrMapOvr>
+    <a:masterClrMapping/>
+  </p:clrMapOvr>
+</p:sld>
+</file>
+
+<file path=ppt/slides/slide12.xml><?xml version="1.0" encoding="utf-8"?>
+<p:sld xmlns:a="http://schemas.openxmlformats.org/drawingml/2006/main" xmlns:r="http://schemas.openxmlformats.org/officeDocument/2006/relationships" xmlns:p="http://schemas.openxmlformats.org/presentationml/2006/main">
+  <p:cSld>
+    <p:bg>
+      <p:bgPr>
+        <a:solidFill>
+          <a:schemeClr val="bg1"/>
+        </a:solidFill>
+        <a:effectLst/>
+      </p:bgPr>
+    </p:bg>
+    <p:spTree>
+      <p:nvGrpSpPr>
+        <p:cNvPr id="1" name=""/>
+        <p:cNvGrpSpPr/>
+        <p:nvPr/>
+      </p:nvGrpSpPr>
+      <p:grpSpPr>
+        <a:xfrm>
+          <a:off x="0" y="0"/>
+          <a:ext cx="0" cy="0"/>
+          <a:chOff x="0" y="0"/>
+          <a:chExt cx="0" cy="0"/>
+        </a:xfrm>
+      </p:grpSpPr>
+      <p:sp>
+        <p:nvSpPr>
           <p:cNvPr id="11" name="Rectangle 10">
             <a:extLst>
               <a:ext uri="{FF2B5EF4-FFF2-40B4-BE49-F238E27FC236}">
@@ -7522,7 +10022,7 @@
                   <a:spcPts val="600"/>
                 </a:spcAft>
               </a:pPr>
-              <a:t>10</a:t>
+              <a:t>12</a:t>
             </a:fld>
             <a:endParaRPr lang="en-US">
               <a:solidFill>
@@ -7547,7 +10047,7 @@
 </p:sld>
 </file>
 
-<file path=ppt/slides/slide11.xml><?xml version="1.0" encoding="utf-8"?>
+<file path=ppt/slides/slide13.xml><?xml version="1.0" encoding="utf-8"?>
 <p:sld xmlns:a="http://schemas.openxmlformats.org/drawingml/2006/main" xmlns:r="http://schemas.openxmlformats.org/officeDocument/2006/relationships" xmlns:p="http://schemas.openxmlformats.org/presentationml/2006/main">
   <p:cSld>
     <p:bg>
@@ -7941,7 +10441,7 @@
 </p:sld>
 </file>
 
-<file path=ppt/slides/slide12.xml><?xml version="1.0" encoding="utf-8"?>
+<file path=ppt/slides/slide14.xml><?xml version="1.0" encoding="utf-8"?>
 <p:sld xmlns:a="http://schemas.openxmlformats.org/drawingml/2006/main" xmlns:r="http://schemas.openxmlformats.org/officeDocument/2006/relationships" xmlns:p="http://schemas.openxmlformats.org/presentationml/2006/main">
   <p:cSld>
     <p:bg>
@@ -8323,7 +10823,7 @@
 </p:sld>
 </file>
 
-<file path=ppt/slides/slide13.xml><?xml version="1.0" encoding="utf-8"?>
+<file path=ppt/slides/slide15.xml><?xml version="1.0" encoding="utf-8"?>
 <p:sld xmlns:a="http://schemas.openxmlformats.org/drawingml/2006/main" xmlns:r="http://schemas.openxmlformats.org/officeDocument/2006/relationships" xmlns:p="http://schemas.openxmlformats.org/presentationml/2006/main">
   <p:cSld>
     <p:bg>
@@ -10174,66 +12674,86 @@
           <a:lstStyle/>
           <a:p>
             <a:r>
-              <a:rPr lang="en-US" sz="2000"/>
-              <a:t>RDD</a:t>
-            </a:r>
-          </a:p>
-          <a:p>
-            <a:r>
-              <a:rPr lang="en-US" sz="2000"/>
+              <a:rPr lang="en-US" sz="2000" dirty="0"/>
+              <a:t>RDD (Resilient Distributed Datasets)</a:t>
+            </a:r>
+          </a:p>
+          <a:p>
+            <a:r>
+              <a:rPr lang="en-US" sz="2000" dirty="0"/>
               <a:t>Spark 1.3 </a:t>
             </a:r>
             <a:r>
-              <a:rPr lang="en-US" sz="2000">
+              <a:rPr lang="en-US" sz="2000" dirty="0">
                 <a:sym typeface="Wingdings" panose="05000000000000000000" pitchFamily="2" charset="2"/>
               </a:rPr>
               <a:t></a:t>
             </a:r>
             <a:r>
-              <a:rPr lang="en-US" sz="2000"/>
-              <a:t> DataFrame API (</a:t>
-            </a:r>
-            <a:r>
-              <a:rPr lang="el-GR" sz="2000"/>
-              <a:t>χρησιμοποιεί γλώσσα ερωτημάτων για να χειρίζεται τα δεδομένα ταχύτερα σε σχέση με τα </a:t>
-            </a:r>
-            <a:r>
-              <a:rPr lang="en-US" sz="2000"/>
+              <a:rPr lang="en-US" sz="2000" dirty="0"/>
+              <a:t> </a:t>
+            </a:r>
+            <a:r>
+              <a:rPr lang="en-US" sz="2000" dirty="0" err="1"/>
+              <a:t>DataFrame</a:t>
+            </a:r>
+            <a:r>
+              <a:rPr lang="en-US" sz="2000" dirty="0"/>
+              <a:t> API (</a:t>
+            </a:r>
+            <a:r>
+              <a:rPr lang="el-GR" sz="2000" dirty="0"/>
+              <a:t>χρησιμοποιεί γλώσσα ερωτημάτων </a:t>
+            </a:r>
+            <a:r>
+              <a:rPr lang="en-US" sz="2000" dirty="0"/>
+              <a:t>– query language – </a:t>
+            </a:r>
+            <a:r>
+              <a:rPr lang="el-GR" sz="2000" dirty="0"/>
+              <a:t>για να χειρίζεται τα δεδομένα ταχύτερα σε σχέση με τα </a:t>
+            </a:r>
+            <a:r>
+              <a:rPr lang="en-US" sz="2000" dirty="0"/>
               <a:t>RDD)</a:t>
             </a:r>
           </a:p>
           <a:p>
             <a:r>
-              <a:rPr lang="en-US" sz="2000"/>
+              <a:rPr lang="en-US" sz="2000" dirty="0"/>
               <a:t>Spark 1.6 </a:t>
             </a:r>
             <a:r>
-              <a:rPr lang="en-US" sz="2000">
+              <a:rPr lang="en-US" sz="2000" dirty="0">
                 <a:sym typeface="Wingdings" panose="05000000000000000000" pitchFamily="2" charset="2"/>
               </a:rPr>
               <a:t> </a:t>
             </a:r>
             <a:r>
-              <a:rPr lang="en-US" sz="2000"/>
-              <a:t>DataSet API (</a:t>
-            </a:r>
-            <a:r>
-              <a:rPr lang="el-GR" sz="2000"/>
+              <a:rPr lang="en-US" sz="2000" dirty="0" err="1"/>
+              <a:t>DataSet</a:t>
+            </a:r>
+            <a:r>
+              <a:rPr lang="en-US" sz="2000" dirty="0"/>
+              <a:t> API (</a:t>
+            </a:r>
+            <a:r>
+              <a:rPr lang="el-GR" sz="2000" dirty="0"/>
               <a:t>δημιουργεί </a:t>
             </a:r>
             <a:r>
-              <a:rPr lang="en-US" sz="2000"/>
+              <a:rPr lang="en-US" sz="2000" dirty="0"/>
               <a:t>query plans </a:t>
             </a:r>
             <a:r>
-              <a:rPr lang="el-GR" sz="2000"/>
+              <a:rPr lang="el-GR" sz="2000" dirty="0"/>
               <a:t>για την εκτέλεση των ερωτημάτων, ταχύτερο σε σχέση με τα </a:t>
             </a:r>
             <a:r>
-              <a:rPr lang="en-US" sz="2000"/>
+              <a:rPr lang="en-US" sz="2000" dirty="0"/>
               <a:t>RDDs)</a:t>
             </a:r>
-            <a:endParaRPr lang="el-GR" sz="2000"/>
+            <a:endParaRPr lang="el-GR" sz="2000" dirty="0"/>
           </a:p>
         </p:txBody>
       </p:sp>
@@ -10250,7 +12770,7 @@
 </p:sld>
 </file>
 
-<file path=ppt/slides/slide14.xml><?xml version="1.0" encoding="utf-8"?>
+<file path=ppt/slides/slide16.xml><?xml version="1.0" encoding="utf-8"?>
 <p:sld xmlns:a="http://schemas.openxmlformats.org/drawingml/2006/main" xmlns:r="http://schemas.openxmlformats.org/officeDocument/2006/relationships" xmlns:p="http://schemas.openxmlformats.org/presentationml/2006/main">
   <p:cSld>
     <p:spTree>
@@ -10502,7 +13022,7 @@
           <a:p>
             <a:fld id="{634CA47B-BB17-47C7-9E60-64B1219A2C73}" type="slidenum">
               <a:rPr lang="el-GR" smtClean="0"/>
-              <a:t>14</a:t>
+              <a:t>16</a:t>
             </a:fld>
             <a:endParaRPr lang="el-GR"/>
           </a:p>
@@ -10521,7 +13041,7 @@
 </p:sld>
 </file>
 
-<file path=ppt/slides/slide15.xml><?xml version="1.0" encoding="utf-8"?>
+<file path=ppt/slides/slide17.xml><?xml version="1.0" encoding="utf-8"?>
 <p:sld xmlns:a="http://schemas.openxmlformats.org/drawingml/2006/main" xmlns:r="http://schemas.openxmlformats.org/officeDocument/2006/relationships" xmlns:p="http://schemas.openxmlformats.org/presentationml/2006/main">
   <p:cSld>
     <p:spTree>
@@ -10992,7 +13512,7 @@
           <a:p>
             <a:fld id="{634CA47B-BB17-47C7-9E60-64B1219A2C73}" type="slidenum">
               <a:rPr lang="el-GR" smtClean="0"/>
-              <a:t>15</a:t>
+              <a:t>17</a:t>
             </a:fld>
             <a:endParaRPr lang="el-GR"/>
           </a:p>
@@ -11012,6 +13532,302 @@
 </file>
 
 <file path=ppt/slides/slide2.xml><?xml version="1.0" encoding="utf-8"?>
+<p:sld xmlns:a="http://schemas.openxmlformats.org/drawingml/2006/main" xmlns:r="http://schemas.openxmlformats.org/officeDocument/2006/relationships" xmlns:p="http://schemas.openxmlformats.org/presentationml/2006/main">
+  <p:cSld>
+    <p:bg>
+      <p:bgPr>
+        <a:solidFill>
+          <a:srgbClr val="FFFFFF"/>
+        </a:solidFill>
+        <a:effectLst/>
+      </p:bgPr>
+    </p:bg>
+    <p:spTree>
+      <p:nvGrpSpPr>
+        <p:cNvPr id="1" name=""/>
+        <p:cNvGrpSpPr/>
+        <p:nvPr/>
+      </p:nvGrpSpPr>
+      <p:grpSpPr>
+        <a:xfrm>
+          <a:off x="0" y="0"/>
+          <a:ext cx="0" cy="0"/>
+          <a:chOff x="0" y="0"/>
+          <a:chExt cx="0" cy="0"/>
+        </a:xfrm>
+      </p:grpSpPr>
+      <p:sp>
+        <p:nvSpPr>
+          <p:cNvPr id="12" name="Rectangle 11">
+            <a:extLst>
+              <a:ext uri="{FF2B5EF4-FFF2-40B4-BE49-F238E27FC236}">
+                <a16:creationId xmlns:a16="http://schemas.microsoft.com/office/drawing/2014/main" id="{0499AD7B-99D4-4755-8966-F7BA0426904B}"/>
+              </a:ext>
+              <a:ext uri="{C183D7F6-B498-43B3-948B-1728B52AA6E4}">
+                <adec:decorative xmlns:adec="http://schemas.microsoft.com/office/drawing/2017/decorative" val="1"/>
+              </a:ext>
+            </a:extLst>
+          </p:cNvPr>
+          <p:cNvSpPr>
+            <a:spLocks noGrp="1" noRot="1" noChangeAspect="1" noMove="1" noResize="1" noEditPoints="1" noAdjustHandles="1" noChangeArrowheads="1" noChangeShapeType="1" noTextEdit="1"/>
+          </p:cNvSpPr>
+          <p:nvPr>
+            <p:extLst>
+              <p:ext uri="{386F3935-93C4-4BCD-93E2-E3B085C9AB24}">
+                <p16:designElem xmlns:p16="http://schemas.microsoft.com/office/powerpoint/2015/main" val="1"/>
+              </p:ext>
+            </p:extLst>
+          </p:nvPr>
+        </p:nvSpPr>
+        <p:spPr>
+          <a:xfrm>
+            <a:off x="0" y="0"/>
+            <a:ext cx="5446920" cy="6858000"/>
+          </a:xfrm>
+          <a:prstGeom prst="rect">
+            <a:avLst/>
+          </a:prstGeom>
+          <a:gradFill>
+            <a:gsLst>
+              <a:gs pos="0">
+                <a:schemeClr val="accent1">
+                  <a:lumMod val="90000"/>
+                </a:schemeClr>
+              </a:gs>
+              <a:gs pos="25000">
+                <a:schemeClr val="accent1">
+                  <a:lumMod val="90000"/>
+                </a:schemeClr>
+              </a:gs>
+              <a:gs pos="94000">
+                <a:schemeClr val="bg2">
+                  <a:lumMod val="25000"/>
+                </a:schemeClr>
+              </a:gs>
+              <a:gs pos="100000">
+                <a:schemeClr val="bg2">
+                  <a:lumMod val="25000"/>
+                </a:schemeClr>
+              </a:gs>
+            </a:gsLst>
+            <a:lin ang="4200000" scaled="0"/>
+          </a:gradFill>
+          <a:ln>
+            <a:noFill/>
+          </a:ln>
+        </p:spPr>
+        <p:style>
+          <a:lnRef idx="2">
+            <a:schemeClr val="accent1">
+              <a:shade val="50000"/>
+            </a:schemeClr>
+          </a:lnRef>
+          <a:fillRef idx="1">
+            <a:schemeClr val="accent1"/>
+          </a:fillRef>
+          <a:effectRef idx="0">
+            <a:schemeClr val="accent1"/>
+          </a:effectRef>
+          <a:fontRef idx="minor">
+            <a:schemeClr val="lt1"/>
+          </a:fontRef>
+        </p:style>
+        <p:txBody>
+          <a:bodyPr rtlCol="0" anchor="ctr"/>
+          <a:lstStyle/>
+          <a:p>
+            <a:pPr algn="ctr"/>
+            <a:endParaRPr lang="en-US"/>
+          </a:p>
+        </p:txBody>
+      </p:sp>
+      <p:pic>
+        <p:nvPicPr>
+          <p:cNvPr id="14" name="Picture 13">
+            <a:extLst>
+              <a:ext uri="{FF2B5EF4-FFF2-40B4-BE49-F238E27FC236}">
+                <a16:creationId xmlns:a16="http://schemas.microsoft.com/office/drawing/2014/main" id="{1A06F89A-489D-4383-94C5-42F7FF2E9A63}"/>
+              </a:ext>
+              <a:ext uri="{C183D7F6-B498-43B3-948B-1728B52AA6E4}">
+                <adec:decorative xmlns:adec="http://schemas.microsoft.com/office/drawing/2017/decorative" val="1"/>
+              </a:ext>
+            </a:extLst>
+          </p:cNvPr>
+          <p:cNvPicPr>
+            <a:picLocks noGrp="1" noRot="1" noChangeAspect="1" noMove="1" noResize="1" noEditPoints="1" noAdjustHandles="1" noChangeArrowheads="1" noChangeShapeType="1" noCrop="1"/>
+          </p:cNvPicPr>
+          <p:nvPr>
+            <p:extLst>
+              <p:ext uri="{386F3935-93C4-4BCD-93E2-E3B085C9AB24}">
+                <p16:designElem xmlns:p16="http://schemas.microsoft.com/office/powerpoint/2015/main" val="1"/>
+              </p:ext>
+            </p:extLst>
+          </p:nvPr>
+        </p:nvPicPr>
+        <p:blipFill>
+          <a:blip r:embed="rId3">
+            <a:extLst>
+              <a:ext uri="{28A0092B-C50C-407E-A947-70E740481C1C}">
+                <a14:useLocalDpi xmlns:a14="http://schemas.microsoft.com/office/drawing/2010/main" val="0"/>
+              </a:ext>
+            </a:extLst>
+          </a:blip>
+          <a:stretch>
+            <a:fillRect/>
+          </a:stretch>
+        </p:blipFill>
+        <p:spPr>
+          <a:xfrm>
+            <a:off x="0" y="0"/>
+            <a:ext cx="12192000" cy="6858000"/>
+          </a:xfrm>
+          <a:prstGeom prst="rect">
+            <a:avLst/>
+          </a:prstGeom>
+        </p:spPr>
+      </p:pic>
+      <p:sp>
+        <p:nvSpPr>
+          <p:cNvPr id="4" name="Τίτλος 3"/>
+          <p:cNvSpPr>
+            <a:spLocks noGrp="1"/>
+          </p:cNvSpPr>
+          <p:nvPr>
+            <p:ph type="title"/>
+          </p:nvPr>
+        </p:nvSpPr>
+        <p:spPr>
+          <a:xfrm>
+            <a:off x="640079" y="2023236"/>
+            <a:ext cx="3659777" cy="2820908"/>
+          </a:xfrm>
+        </p:spPr>
+        <p:txBody>
+          <a:bodyPr>
+            <a:normAutofit/>
+          </a:bodyPr>
+          <a:lstStyle/>
+          <a:p>
+            <a:r>
+              <a:rPr lang="el-GR" sz="4000">
+                <a:solidFill>
+                  <a:srgbClr val="FFFFFF"/>
+                </a:solidFill>
+              </a:rPr>
+              <a:t>Τι είναι το </a:t>
+            </a:r>
+            <a:r>
+              <a:rPr lang="en-US" sz="4000">
+                <a:solidFill>
+                  <a:srgbClr val="FFFFFF"/>
+                </a:solidFill>
+              </a:rPr>
+              <a:t>Apache Spark</a:t>
+            </a:r>
+            <a:r>
+              <a:rPr lang="el-GR" sz="4000">
+                <a:solidFill>
+                  <a:srgbClr val="FFFFFF"/>
+                </a:solidFill>
+              </a:rPr>
+              <a:t>;</a:t>
+            </a:r>
+          </a:p>
+        </p:txBody>
+      </p:sp>
+      <p:sp>
+        <p:nvSpPr>
+          <p:cNvPr id="2" name="Θέση αριθμού διαφάνειας 1"/>
+          <p:cNvSpPr>
+            <a:spLocks noGrp="1"/>
+          </p:cNvSpPr>
+          <p:nvPr>
+            <p:ph type="sldNum" sz="quarter" idx="12"/>
+          </p:nvPr>
+        </p:nvSpPr>
+        <p:spPr>
+          <a:xfrm>
+            <a:off x="10825930" y="6223702"/>
+            <a:ext cx="570728" cy="314067"/>
+          </a:xfrm>
+        </p:spPr>
+        <p:txBody>
+          <a:bodyPr>
+            <a:normAutofit/>
+          </a:bodyPr>
+          <a:lstStyle/>
+          <a:p>
+            <a:pPr>
+              <a:spcAft>
+                <a:spcPts val="600"/>
+              </a:spcAft>
+            </a:pPr>
+            <a:fld id="{634CA47B-BB17-47C7-9E60-64B1219A2C73}" type="slidenum">
+              <a:rPr lang="el-GR" sz="1000">
+                <a:solidFill>
+                  <a:srgbClr val="898989"/>
+                </a:solidFill>
+              </a:rPr>
+              <a:pPr>
+                <a:spcAft>
+                  <a:spcPts val="600"/>
+                </a:spcAft>
+              </a:pPr>
+              <a:t>2</a:t>
+            </a:fld>
+            <a:endParaRPr lang="el-GR" sz="1000">
+              <a:solidFill>
+                <a:srgbClr val="898989"/>
+              </a:solidFill>
+            </a:endParaRPr>
+          </a:p>
+        </p:txBody>
+      </p:sp>
+      <p:graphicFrame>
+        <p:nvGraphicFramePr>
+          <p:cNvPr id="7" name="Θέση περιεχομένου 4">
+            <a:extLst>
+              <a:ext uri="{FF2B5EF4-FFF2-40B4-BE49-F238E27FC236}">
+                <a16:creationId xmlns:a16="http://schemas.microsoft.com/office/drawing/2014/main" id="{9100E79B-B62A-45F0-B8DC-1C45EB804899}"/>
+              </a:ext>
+            </a:extLst>
+          </p:cNvPr>
+          <p:cNvGraphicFramePr>
+            <a:graphicFrameLocks noGrp="1"/>
+          </p:cNvGraphicFramePr>
+          <p:nvPr>
+            <p:ph idx="1"/>
+            <p:extLst>
+              <p:ext uri="{D42A27DB-BD31-4B8C-83A1-F6EECF244321}">
+                <p14:modId xmlns:p14="http://schemas.microsoft.com/office/powerpoint/2010/main" val="1531401554"/>
+              </p:ext>
+            </p:extLst>
+          </p:nvPr>
+        </p:nvGraphicFramePr>
+        <p:xfrm>
+          <a:off x="6091238" y="955653"/>
+          <a:ext cx="5115491" cy="4947818"/>
+        </p:xfrm>
+        <a:graphic>
+          <a:graphicData uri="http://schemas.openxmlformats.org/drawingml/2006/diagram">
+            <dgm:relIds xmlns:dgm="http://schemas.openxmlformats.org/drawingml/2006/diagram" xmlns:r="http://schemas.openxmlformats.org/officeDocument/2006/relationships" r:dm="rId4" r:lo="rId5" r:qs="rId6" r:cs="rId7"/>
+          </a:graphicData>
+        </a:graphic>
+      </p:graphicFrame>
+    </p:spTree>
+    <p:extLst>
+      <p:ext uri="{BB962C8B-B14F-4D97-AF65-F5344CB8AC3E}">
+        <p14:creationId xmlns:p14="http://schemas.microsoft.com/office/powerpoint/2010/main" val="3707030466"/>
+      </p:ext>
+    </p:extLst>
+  </p:cSld>
+  <p:clrMapOvr>
+    <a:masterClrMapping/>
+  </p:clrMapOvr>
+</p:sld>
+</file>
+
+<file path=ppt/slides/slide3.xml><?xml version="1.0" encoding="utf-8"?>
 <p:sld xmlns:a="http://schemas.openxmlformats.org/drawingml/2006/main" xmlns:r="http://schemas.openxmlformats.org/officeDocument/2006/relationships" xmlns:p="http://schemas.openxmlformats.org/presentationml/2006/main">
   <p:cSld>
     <p:spTree>
@@ -11045,7 +13861,15 @@
           <a:p>
             <a:r>
               <a:rPr lang="en-US" dirty="0"/>
-              <a:t>Apache Spark Stack</a:t>
+              <a:t>To Stack </a:t>
+            </a:r>
+            <a:r>
+              <a:rPr lang="el-GR" dirty="0"/>
+              <a:t>του </a:t>
+            </a:r>
+            <a:r>
+              <a:rPr lang="en-US" dirty="0"/>
+              <a:t>Apache Spark</a:t>
             </a:r>
             <a:endParaRPr lang="el-GR" dirty="0"/>
           </a:p>
@@ -11163,6 +13987,14 @@
             <a:r>
               <a:rPr lang="el-GR" dirty="0"/>
               <a:t>ανάλυση κύριων συνιστωσών</a:t>
+            </a:r>
+            <a:r>
+              <a:rPr lang="en-US" dirty="0"/>
+              <a:t> </a:t>
+            </a:r>
+            <a:r>
+              <a:rPr lang="el-GR" dirty="0"/>
+              <a:t>κ.α.</a:t>
             </a:r>
           </a:p>
           <a:p>
@@ -11262,9 +14094,9 @@
           <a:p>
             <a:fld id="{634CA47B-BB17-47C7-9E60-64B1219A2C73}" type="slidenum">
               <a:rPr lang="el-GR" smtClean="0"/>
-              <a:t>2</a:t>
+              <a:t>3</a:t>
             </a:fld>
-            <a:endParaRPr lang="el-GR"/>
+            <a:endParaRPr lang="el-GR" dirty="0"/>
           </a:p>
         </p:txBody>
       </p:sp>
@@ -11328,302 +14160,6 @@
 </p:sld>
 </file>
 
-<file path=ppt/slides/slide3.xml><?xml version="1.0" encoding="utf-8"?>
-<p:sld xmlns:a="http://schemas.openxmlformats.org/drawingml/2006/main" xmlns:r="http://schemas.openxmlformats.org/officeDocument/2006/relationships" xmlns:p="http://schemas.openxmlformats.org/presentationml/2006/main">
-  <p:cSld>
-    <p:bg>
-      <p:bgPr>
-        <a:solidFill>
-          <a:srgbClr val="FFFFFF"/>
-        </a:solidFill>
-        <a:effectLst/>
-      </p:bgPr>
-    </p:bg>
-    <p:spTree>
-      <p:nvGrpSpPr>
-        <p:cNvPr id="1" name=""/>
-        <p:cNvGrpSpPr/>
-        <p:nvPr/>
-      </p:nvGrpSpPr>
-      <p:grpSpPr>
-        <a:xfrm>
-          <a:off x="0" y="0"/>
-          <a:ext cx="0" cy="0"/>
-          <a:chOff x="0" y="0"/>
-          <a:chExt cx="0" cy="0"/>
-        </a:xfrm>
-      </p:grpSpPr>
-      <p:sp>
-        <p:nvSpPr>
-          <p:cNvPr id="12" name="Rectangle 11">
-            <a:extLst>
-              <a:ext uri="{FF2B5EF4-FFF2-40B4-BE49-F238E27FC236}">
-                <a16:creationId xmlns:a16="http://schemas.microsoft.com/office/drawing/2014/main" id="{0499AD7B-99D4-4755-8966-F7BA0426904B}"/>
-              </a:ext>
-              <a:ext uri="{C183D7F6-B498-43B3-948B-1728B52AA6E4}">
-                <adec:decorative xmlns:adec="http://schemas.microsoft.com/office/drawing/2017/decorative" val="1"/>
-              </a:ext>
-            </a:extLst>
-          </p:cNvPr>
-          <p:cNvSpPr>
-            <a:spLocks noGrp="1" noRot="1" noChangeAspect="1" noMove="1" noResize="1" noEditPoints="1" noAdjustHandles="1" noChangeArrowheads="1" noChangeShapeType="1" noTextEdit="1"/>
-          </p:cNvSpPr>
-          <p:nvPr>
-            <p:extLst>
-              <p:ext uri="{386F3935-93C4-4BCD-93E2-E3B085C9AB24}">
-                <p16:designElem xmlns:p16="http://schemas.microsoft.com/office/powerpoint/2015/main" val="1"/>
-              </p:ext>
-            </p:extLst>
-          </p:nvPr>
-        </p:nvSpPr>
-        <p:spPr>
-          <a:xfrm>
-            <a:off x="0" y="0"/>
-            <a:ext cx="5446920" cy="6858000"/>
-          </a:xfrm>
-          <a:prstGeom prst="rect">
-            <a:avLst/>
-          </a:prstGeom>
-          <a:gradFill>
-            <a:gsLst>
-              <a:gs pos="0">
-                <a:schemeClr val="accent1">
-                  <a:lumMod val="90000"/>
-                </a:schemeClr>
-              </a:gs>
-              <a:gs pos="25000">
-                <a:schemeClr val="accent1">
-                  <a:lumMod val="90000"/>
-                </a:schemeClr>
-              </a:gs>
-              <a:gs pos="94000">
-                <a:schemeClr val="bg2">
-                  <a:lumMod val="25000"/>
-                </a:schemeClr>
-              </a:gs>
-              <a:gs pos="100000">
-                <a:schemeClr val="bg2">
-                  <a:lumMod val="25000"/>
-                </a:schemeClr>
-              </a:gs>
-            </a:gsLst>
-            <a:lin ang="4200000" scaled="0"/>
-          </a:gradFill>
-          <a:ln>
-            <a:noFill/>
-          </a:ln>
-        </p:spPr>
-        <p:style>
-          <a:lnRef idx="2">
-            <a:schemeClr val="accent1">
-              <a:shade val="50000"/>
-            </a:schemeClr>
-          </a:lnRef>
-          <a:fillRef idx="1">
-            <a:schemeClr val="accent1"/>
-          </a:fillRef>
-          <a:effectRef idx="0">
-            <a:schemeClr val="accent1"/>
-          </a:effectRef>
-          <a:fontRef idx="minor">
-            <a:schemeClr val="lt1"/>
-          </a:fontRef>
-        </p:style>
-        <p:txBody>
-          <a:bodyPr rtlCol="0" anchor="ctr"/>
-          <a:lstStyle/>
-          <a:p>
-            <a:pPr algn="ctr"/>
-            <a:endParaRPr lang="en-US"/>
-          </a:p>
-        </p:txBody>
-      </p:sp>
-      <p:pic>
-        <p:nvPicPr>
-          <p:cNvPr id="14" name="Picture 13">
-            <a:extLst>
-              <a:ext uri="{FF2B5EF4-FFF2-40B4-BE49-F238E27FC236}">
-                <a16:creationId xmlns:a16="http://schemas.microsoft.com/office/drawing/2014/main" id="{1A06F89A-489D-4383-94C5-42F7FF2E9A63}"/>
-              </a:ext>
-              <a:ext uri="{C183D7F6-B498-43B3-948B-1728B52AA6E4}">
-                <adec:decorative xmlns:adec="http://schemas.microsoft.com/office/drawing/2017/decorative" val="1"/>
-              </a:ext>
-            </a:extLst>
-          </p:cNvPr>
-          <p:cNvPicPr>
-            <a:picLocks noGrp="1" noRot="1" noChangeAspect="1" noMove="1" noResize="1" noEditPoints="1" noAdjustHandles="1" noChangeArrowheads="1" noChangeShapeType="1" noCrop="1"/>
-          </p:cNvPicPr>
-          <p:nvPr>
-            <p:extLst>
-              <p:ext uri="{386F3935-93C4-4BCD-93E2-E3B085C9AB24}">
-                <p16:designElem xmlns:p16="http://schemas.microsoft.com/office/powerpoint/2015/main" val="1"/>
-              </p:ext>
-            </p:extLst>
-          </p:nvPr>
-        </p:nvPicPr>
-        <p:blipFill>
-          <a:blip r:embed="rId3">
-            <a:extLst>
-              <a:ext uri="{28A0092B-C50C-407E-A947-70E740481C1C}">
-                <a14:useLocalDpi xmlns:a14="http://schemas.microsoft.com/office/drawing/2010/main" val="0"/>
-              </a:ext>
-            </a:extLst>
-          </a:blip>
-          <a:stretch>
-            <a:fillRect/>
-          </a:stretch>
-        </p:blipFill>
-        <p:spPr>
-          <a:xfrm>
-            <a:off x="0" y="0"/>
-            <a:ext cx="12192000" cy="6858000"/>
-          </a:xfrm>
-          <a:prstGeom prst="rect">
-            <a:avLst/>
-          </a:prstGeom>
-        </p:spPr>
-      </p:pic>
-      <p:sp>
-        <p:nvSpPr>
-          <p:cNvPr id="4" name="Τίτλος 3"/>
-          <p:cNvSpPr>
-            <a:spLocks noGrp="1"/>
-          </p:cNvSpPr>
-          <p:nvPr>
-            <p:ph type="title"/>
-          </p:nvPr>
-        </p:nvSpPr>
-        <p:spPr>
-          <a:xfrm>
-            <a:off x="640079" y="2023236"/>
-            <a:ext cx="3659777" cy="2820908"/>
-          </a:xfrm>
-        </p:spPr>
-        <p:txBody>
-          <a:bodyPr>
-            <a:normAutofit/>
-          </a:bodyPr>
-          <a:lstStyle/>
-          <a:p>
-            <a:r>
-              <a:rPr lang="el-GR" sz="4000">
-                <a:solidFill>
-                  <a:srgbClr val="FFFFFF"/>
-                </a:solidFill>
-              </a:rPr>
-              <a:t>Τι είναι το </a:t>
-            </a:r>
-            <a:r>
-              <a:rPr lang="en-US" sz="4000">
-                <a:solidFill>
-                  <a:srgbClr val="FFFFFF"/>
-                </a:solidFill>
-              </a:rPr>
-              <a:t>Apache Spark</a:t>
-            </a:r>
-            <a:r>
-              <a:rPr lang="el-GR" sz="4000">
-                <a:solidFill>
-                  <a:srgbClr val="FFFFFF"/>
-                </a:solidFill>
-              </a:rPr>
-              <a:t>;</a:t>
-            </a:r>
-          </a:p>
-        </p:txBody>
-      </p:sp>
-      <p:sp>
-        <p:nvSpPr>
-          <p:cNvPr id="2" name="Θέση αριθμού διαφάνειας 1"/>
-          <p:cNvSpPr>
-            <a:spLocks noGrp="1"/>
-          </p:cNvSpPr>
-          <p:nvPr>
-            <p:ph type="sldNum" sz="quarter" idx="12"/>
-          </p:nvPr>
-        </p:nvSpPr>
-        <p:spPr>
-          <a:xfrm>
-            <a:off x="10825930" y="6223702"/>
-            <a:ext cx="570728" cy="314067"/>
-          </a:xfrm>
-        </p:spPr>
-        <p:txBody>
-          <a:bodyPr>
-            <a:normAutofit/>
-          </a:bodyPr>
-          <a:lstStyle/>
-          <a:p>
-            <a:pPr>
-              <a:spcAft>
-                <a:spcPts val="600"/>
-              </a:spcAft>
-            </a:pPr>
-            <a:fld id="{634CA47B-BB17-47C7-9E60-64B1219A2C73}" type="slidenum">
-              <a:rPr lang="el-GR" sz="1000">
-                <a:solidFill>
-                  <a:srgbClr val="898989"/>
-                </a:solidFill>
-              </a:rPr>
-              <a:pPr>
-                <a:spcAft>
-                  <a:spcPts val="600"/>
-                </a:spcAft>
-              </a:pPr>
-              <a:t>3</a:t>
-            </a:fld>
-            <a:endParaRPr lang="el-GR" sz="1000">
-              <a:solidFill>
-                <a:srgbClr val="898989"/>
-              </a:solidFill>
-            </a:endParaRPr>
-          </a:p>
-        </p:txBody>
-      </p:sp>
-      <p:graphicFrame>
-        <p:nvGraphicFramePr>
-          <p:cNvPr id="7" name="Θέση περιεχομένου 4">
-            <a:extLst>
-              <a:ext uri="{FF2B5EF4-FFF2-40B4-BE49-F238E27FC236}">
-                <a16:creationId xmlns:a16="http://schemas.microsoft.com/office/drawing/2014/main" id="{9100E79B-B62A-45F0-B8DC-1C45EB804899}"/>
-              </a:ext>
-            </a:extLst>
-          </p:cNvPr>
-          <p:cNvGraphicFramePr>
-            <a:graphicFrameLocks noGrp="1"/>
-          </p:cNvGraphicFramePr>
-          <p:nvPr>
-            <p:ph idx="1"/>
-            <p:extLst>
-              <p:ext uri="{D42A27DB-BD31-4B8C-83A1-F6EECF244321}">
-                <p14:modId xmlns:p14="http://schemas.microsoft.com/office/powerpoint/2010/main" val="1424273829"/>
-              </p:ext>
-            </p:extLst>
-          </p:nvPr>
-        </p:nvGraphicFramePr>
-        <p:xfrm>
-          <a:off x="6091238" y="955653"/>
-          <a:ext cx="5115491" cy="4947818"/>
-        </p:xfrm>
-        <a:graphic>
-          <a:graphicData uri="http://schemas.openxmlformats.org/drawingml/2006/diagram">
-            <dgm:relIds xmlns:dgm="http://schemas.openxmlformats.org/drawingml/2006/diagram" xmlns:r="http://schemas.openxmlformats.org/officeDocument/2006/relationships" r:dm="rId4" r:lo="rId5" r:qs="rId6" r:cs="rId7"/>
-          </a:graphicData>
-        </a:graphic>
-      </p:graphicFrame>
-    </p:spTree>
-    <p:extLst>
-      <p:ext uri="{BB962C8B-B14F-4D97-AF65-F5344CB8AC3E}">
-        <p14:creationId xmlns:p14="http://schemas.microsoft.com/office/powerpoint/2010/main" val="3707030466"/>
-      </p:ext>
-    </p:extLst>
-  </p:cSld>
-  <p:clrMapOvr>
-    <a:masterClrMapping/>
-  </p:clrMapOvr>
-</p:sld>
-</file>
-
 <file path=ppt/slides/slide4.xml><?xml version="1.0" encoding="utf-8"?>
 <p:sld xmlns:a="http://schemas.openxmlformats.org/drawingml/2006/main" xmlns:r="http://schemas.openxmlformats.org/officeDocument/2006/relationships" xmlns:p="http://schemas.openxmlformats.org/presentationml/2006/main">
   <p:cSld>
@@ -11778,44 +14314,118 @@
           </a:bodyPr>
           <a:lstStyle/>
           <a:p>
-            <a:pPr marL="0"/>
-            <a:r>
-              <a:rPr lang="en-US" sz="1900">
+            <a:pPr marL="0" indent="0">
+              <a:buNone/>
+            </a:pPr>
+            <a:r>
+              <a:rPr lang="en-US" sz="2000" dirty="0" err="1">
                 <a:solidFill>
                   <a:schemeClr val="bg1"/>
                 </a:solidFill>
               </a:rPr>
-              <a:t>Το Spark είναι κατάλληλο για:</a:t>
-            </a:r>
-          </a:p>
-          <a:p>
-            <a:r>
-              <a:rPr lang="en-US" sz="1900">
+              <a:t>Το</a:t>
+            </a:r>
+            <a:r>
+              <a:rPr lang="en-US" sz="2000" dirty="0">
                 <a:solidFill>
                   <a:schemeClr val="bg1"/>
                 </a:solidFill>
               </a:rPr>
-              <a:t>Διαδραστικά ερωτήματα σε μεγάλα δεδομένα </a:t>
-            </a:r>
-          </a:p>
-          <a:p>
-            <a:r>
-              <a:rPr lang="en-US" sz="1900">
+              <a:t> Spark </a:t>
+            </a:r>
+            <a:r>
+              <a:rPr lang="en-US" sz="2000" dirty="0" err="1">
                 <a:solidFill>
                   <a:schemeClr val="bg1"/>
                 </a:solidFill>
               </a:rPr>
-              <a:t>Επεξεργασία streaming μεγάλων δεδομένων από αισθητήρες ή από άλλες πηγές</a:t>
-            </a:r>
-          </a:p>
-          <a:p>
-            <a:r>
-              <a:rPr lang="en-US" sz="1900">
+              <a:t>είν</a:t>
+            </a:r>
+            <a:r>
+              <a:rPr lang="en-US" sz="2000" dirty="0">
                 <a:solidFill>
                   <a:schemeClr val="bg1"/>
                 </a:solidFill>
               </a:rPr>
-              <a:t>Εκτέλεση εργασιών μηχανικής μάθησης σε μεγάλα δεδομένα </a:t>
+              <a:t>αι κατάλληλο για:</a:t>
+            </a:r>
+          </a:p>
+          <a:p>
+            <a:r>
+              <a:rPr lang="en-US" sz="2000" dirty="0" err="1">
+                <a:solidFill>
+                  <a:schemeClr val="bg1"/>
+                </a:solidFill>
+              </a:rPr>
+              <a:t>Δι</a:t>
+            </a:r>
+            <a:r>
+              <a:rPr lang="en-US" sz="2000" dirty="0">
+                <a:solidFill>
+                  <a:schemeClr val="bg1"/>
+                </a:solidFill>
+              </a:rPr>
+              <a:t>αδραστικά ερωτήματα σε μεγάλα δεδομένα </a:t>
+            </a:r>
+          </a:p>
+          <a:p>
+            <a:r>
+              <a:rPr lang="en-US" sz="2000" dirty="0">
+                <a:solidFill>
+                  <a:schemeClr val="bg1"/>
+                </a:solidFill>
+              </a:rPr>
+              <a:t>Επ</a:t>
+            </a:r>
+            <a:r>
+              <a:rPr lang="en-US" sz="2000" dirty="0" err="1">
+                <a:solidFill>
+                  <a:schemeClr val="bg1"/>
+                </a:solidFill>
+              </a:rPr>
+              <a:t>εξεργ</a:t>
+            </a:r>
+            <a:r>
+              <a:rPr lang="en-US" sz="2000" dirty="0">
+                <a:solidFill>
+                  <a:schemeClr val="bg1"/>
+                </a:solidFill>
+              </a:rPr>
+              <a:t>ασία streaming μεγάλων δεδομένων από αισθητήρες ή από άλλες πηγές</a:t>
+            </a:r>
+          </a:p>
+          <a:p>
+            <a:r>
+              <a:rPr lang="en-US" sz="2000" dirty="0" err="1">
+                <a:solidFill>
+                  <a:schemeClr val="bg1"/>
+                </a:solidFill>
+              </a:rPr>
+              <a:t>Εκτέλεση</a:t>
+            </a:r>
+            <a:r>
+              <a:rPr lang="en-US" sz="2000" dirty="0">
+                <a:solidFill>
+                  <a:schemeClr val="bg1"/>
+                </a:solidFill>
+              </a:rPr>
+              <a:t> </a:t>
+            </a:r>
+            <a:r>
+              <a:rPr lang="en-US" sz="2000" dirty="0" err="1">
+                <a:solidFill>
+                  <a:schemeClr val="bg1"/>
+                </a:solidFill>
+              </a:rPr>
+              <a:t>εργ</a:t>
+            </a:r>
+            <a:r>
+              <a:rPr lang="en-US" sz="2000" dirty="0">
+                <a:solidFill>
+                  <a:schemeClr val="bg1"/>
+                </a:solidFill>
+              </a:rPr>
+              <a:t>ασιών μηχανικής μάθησης σε μεγάλα δεδομένα </a:t>
             </a:r>
           </a:p>
         </p:txBody>
@@ -12309,32 +14919,32 @@
           <a:lstStyle/>
           <a:p>
             <a:r>
-              <a:rPr lang="el-GR" sz="2000"/>
+              <a:rPr lang="el-GR" sz="2000" dirty="0"/>
               <a:t>Έχει σχεδιαστεί ως </a:t>
             </a:r>
             <a:r>
-              <a:rPr lang="el-GR" sz="2000" b="1"/>
+              <a:rPr lang="el-GR" sz="2000" b="1" dirty="0"/>
               <a:t>μηχανισμός εκτέλεσης εφαρμογών τόσο στη μνήμη όσο και στο δίσκο</a:t>
             </a:r>
             <a:r>
-              <a:rPr lang="el-GR" sz="2000"/>
+              <a:rPr lang="el-GR" sz="2000" dirty="0"/>
               <a:t> (όταν η μνήμη δεν επαρκεί</a:t>
             </a:r>
             <a:r>
-              <a:rPr lang="en-US" sz="2000"/>
+              <a:rPr lang="en-US" sz="2000" dirty="0"/>
               <a:t>,</a:t>
             </a:r>
             <a:r>
-              <a:rPr lang="el-GR" sz="2000"/>
+              <a:rPr lang="el-GR" sz="2000" dirty="0"/>
               <a:t> οι λειτουργίες του </a:t>
             </a:r>
             <a:r>
-              <a:rPr lang="en-US" sz="2000"/>
+              <a:rPr lang="en-US" sz="2000" dirty="0"/>
               <a:t>Spark </a:t>
             </a:r>
             <a:r>
-              <a:rPr lang="el-GR" sz="2000"/>
-              <a:t>χρησιμοποιούν τους δίσκους)</a:t>
+              <a:rPr lang="el-GR" sz="2000" dirty="0"/>
+              <a:t>χρησιμοποιούν διαθέσιμες δευτερεύουσες μονάδες αποθήκευσης)</a:t>
             </a:r>
           </a:p>
         </p:txBody>
@@ -12896,15 +15506,7 @@
             </a:r>
             <a:r>
               <a:rPr lang="en-US" dirty="0"/>
-              <a:t>Read </a:t>
-            </a:r>
-            <a:r>
-              <a:rPr lang="en-US" dirty="0" err="1"/>
-              <a:t>Eval</a:t>
-            </a:r>
-            <a:r>
-              <a:rPr lang="en-US" dirty="0"/>
-              <a:t> Print Loop</a:t>
+              <a:t>Read Evaluate Print Loop</a:t>
             </a:r>
             <a:r>
               <a:rPr lang="el-GR" dirty="0"/>
@@ -12944,20 +15546,85 @@
               <a:rPr lang="en-US" dirty="0"/>
               <a:t>Python notebooks</a:t>
             </a:r>
+          </a:p>
+          <a:p>
+            <a:r>
+              <a:rPr lang="en-US" dirty="0"/>
+              <a:t>R notebooks</a:t>
+            </a:r>
             <a:endParaRPr lang="el-GR" dirty="0"/>
+          </a:p>
+        </p:txBody>
+      </p:sp>
+      <p:sp>
+        <p:nvSpPr>
+          <p:cNvPr id="5" name="Θέση αριθμού διαφάνειας 4"/>
+          <p:cNvSpPr>
+            <a:spLocks noGrp="1"/>
+          </p:cNvSpPr>
+          <p:nvPr>
+            <p:ph type="sldNum" sz="quarter" idx="12"/>
+          </p:nvPr>
+        </p:nvSpPr>
+        <p:spPr/>
+        <p:txBody>
+          <a:bodyPr/>
+          <a:lstStyle/>
+          <a:p>
+            <a:fld id="{634CA47B-BB17-47C7-9E60-64B1219A2C73}" type="slidenum">
+              <a:rPr lang="el-GR" smtClean="0"/>
+              <a:t>7</a:t>
+            </a:fld>
+            <a:endParaRPr lang="el-GR"/>
           </a:p>
         </p:txBody>
       </p:sp>
       <p:pic>
         <p:nvPicPr>
-          <p:cNvPr id="1026" name="Picture 2" descr="pyspark_shell"/>
+          <p:cNvPr id="6" name="Εικόνα 5">
+            <a:extLst>
+              <a:ext uri="{FF2B5EF4-FFF2-40B4-BE49-F238E27FC236}">
+                <a16:creationId xmlns:a16="http://schemas.microsoft.com/office/drawing/2014/main" id="{6A12D967-B3EA-4769-86FE-2B4414DAEE9A}"/>
+              </a:ext>
+            </a:extLst>
+          </p:cNvPr>
+          <p:cNvPicPr>
+            <a:picLocks noChangeAspect="1"/>
+          </p:cNvPicPr>
+          <p:nvPr/>
+        </p:nvPicPr>
+        <p:blipFill>
+          <a:blip r:embed="rId3"/>
+          <a:stretch>
+            <a:fillRect/>
+          </a:stretch>
+        </p:blipFill>
+        <p:spPr>
+          <a:xfrm>
+            <a:off x="436478" y="3917992"/>
+            <a:ext cx="5985043" cy="2279805"/>
+          </a:xfrm>
+          <a:prstGeom prst="rect">
+            <a:avLst/>
+          </a:prstGeom>
+        </p:spPr>
+      </p:pic>
+      <p:pic>
+        <p:nvPicPr>
+          <p:cNvPr id="9" name="Picture 2" descr="Get Started with PySpark and Jupyter Notebook in 3 Minutes">
+            <a:extLst>
+              <a:ext uri="{FF2B5EF4-FFF2-40B4-BE49-F238E27FC236}">
+                <a16:creationId xmlns:a16="http://schemas.microsoft.com/office/drawing/2014/main" id="{EBFFE88E-8134-4A29-A484-3CF9C9A3B8EC}"/>
+              </a:ext>
+            </a:extLst>
+          </p:cNvPr>
           <p:cNvPicPr>
             <a:picLocks noChangeAspect="1" noChangeArrowheads="1"/>
           </p:cNvPicPr>
           <p:nvPr/>
         </p:nvPicPr>
         <p:blipFill>
-          <a:blip r:embed="rId3">
+          <a:blip r:embed="rId4" cstate="print">
             <a:extLst>
               <a:ext uri="{28A0092B-C50C-407E-A947-70E740481C1C}">
                 <a14:useLocalDpi xmlns:a14="http://schemas.microsoft.com/office/drawing/2010/main" val="0"/>
@@ -12971,8 +15638,8 @@
         </p:blipFill>
         <p:spPr bwMode="auto">
           <a:xfrm>
-            <a:off x="4902741" y="3443279"/>
-            <a:ext cx="6817873" cy="1933154"/>
+            <a:off x="6709683" y="3759441"/>
+            <a:ext cx="4975694" cy="2596909"/>
           </a:xfrm>
           <a:prstGeom prst="rect">
             <a:avLst/>
@@ -12989,29 +15656,6 @@
           </a:extLst>
         </p:spPr>
       </p:pic>
-      <p:sp>
-        <p:nvSpPr>
-          <p:cNvPr id="5" name="Θέση αριθμού διαφάνειας 4"/>
-          <p:cNvSpPr>
-            <a:spLocks noGrp="1"/>
-          </p:cNvSpPr>
-          <p:nvPr>
-            <p:ph type="sldNum" sz="quarter" idx="12"/>
-          </p:nvPr>
-        </p:nvSpPr>
-        <p:spPr/>
-        <p:txBody>
-          <a:bodyPr/>
-          <a:lstStyle/>
-          <a:p>
-            <a:fld id="{634CA47B-BB17-47C7-9E60-64B1219A2C73}" type="slidenum">
-              <a:rPr lang="el-GR" smtClean="0"/>
-              <a:t>7</a:t>
-            </a:fld>
-            <a:endParaRPr lang="el-GR"/>
-          </a:p>
-        </p:txBody>
-      </p:sp>
     </p:spTree>
     <p:extLst>
       <p:ext uri="{BB962C8B-B14F-4D97-AF65-F5344CB8AC3E}">
@@ -13028,14 +15672,6 @@
 <file path=ppt/slides/slide8.xml><?xml version="1.0" encoding="utf-8"?>
 <p:sld xmlns:a="http://schemas.openxmlformats.org/drawingml/2006/main" xmlns:r="http://schemas.openxmlformats.org/officeDocument/2006/relationships" xmlns:p="http://schemas.openxmlformats.org/presentationml/2006/main">
   <p:cSld>
-    <p:bg>
-      <p:bgPr>
-        <a:solidFill>
-          <a:schemeClr val="bg1"/>
-        </a:solidFill>
-        <a:effectLst/>
-      </p:bgPr>
-    </p:bg>
     <p:spTree>
       <p:nvGrpSpPr>
         <p:cNvPr id="1" name=""/>
@@ -13052,401 +15688,101 @@
       </p:grpSpPr>
       <p:sp>
         <p:nvSpPr>
-          <p:cNvPr id="10" name="Rectangle 9">
+          <p:cNvPr id="2" name="Τίτλος 1">
             <a:extLst>
               <a:ext uri="{FF2B5EF4-FFF2-40B4-BE49-F238E27FC236}">
-                <a16:creationId xmlns:a16="http://schemas.microsoft.com/office/drawing/2014/main" id="{4C608BEB-860E-4094-8511-78603564A75E}"/>
-              </a:ext>
-              <a:ext uri="{C183D7F6-B498-43B3-948B-1728B52AA6E4}">
-                <adec:decorative xmlns:adec="http://schemas.microsoft.com/office/drawing/2017/decorative" val="1"/>
+                <a16:creationId xmlns:a16="http://schemas.microsoft.com/office/drawing/2014/main" id="{A643752E-6740-4DE8-BC78-C55B9490178D}"/>
               </a:ext>
             </a:extLst>
           </p:cNvPr>
           <p:cNvSpPr>
-            <a:spLocks noGrp="1" noRot="1" noChangeAspect="1" noMove="1" noResize="1" noEditPoints="1" noAdjustHandles="1" noChangeArrowheads="1" noChangeShapeType="1" noTextEdit="1"/>
+            <a:spLocks noGrp="1"/>
           </p:cNvSpPr>
           <p:nvPr>
-            <p:extLst>
-              <p:ext uri="{386F3935-93C4-4BCD-93E2-E3B085C9AB24}">
-                <p16:designElem xmlns:p16="http://schemas.microsoft.com/office/powerpoint/2015/main" val="1"/>
-              </p:ext>
-            </p:extLst>
+            <p:ph type="title"/>
           </p:nvPr>
         </p:nvSpPr>
+        <p:spPr/>
+        <p:txBody>
+          <a:bodyPr/>
+          <a:lstStyle/>
+          <a:p>
+            <a:r>
+              <a:rPr lang="en-US" dirty="0"/>
+              <a:t>Python REPL</a:t>
+            </a:r>
+            <a:endParaRPr lang="el-GR" dirty="0"/>
+          </a:p>
+        </p:txBody>
+      </p:sp>
+      <p:pic>
+        <p:nvPicPr>
+          <p:cNvPr id="6" name="Θέση περιεχομένου 5">
+            <a:extLst>
+              <a:ext uri="{FF2B5EF4-FFF2-40B4-BE49-F238E27FC236}">
+                <a16:creationId xmlns:a16="http://schemas.microsoft.com/office/drawing/2014/main" id="{0FFC187A-4D85-4999-BE27-7B5EC5285817}"/>
+              </a:ext>
+            </a:extLst>
+          </p:cNvPr>
+          <p:cNvPicPr>
+            <a:picLocks noGrp="1" noChangeAspect="1"/>
+          </p:cNvPicPr>
+          <p:nvPr>
+            <p:ph sz="half" idx="2"/>
+          </p:nvPr>
+        </p:nvPicPr>
+        <p:blipFill>
+          <a:blip r:embed="rId2"/>
+          <a:stretch>
+            <a:fillRect/>
+          </a:stretch>
+        </p:blipFill>
         <p:spPr>
           <a:xfrm>
-            <a:off x="0" y="0"/>
-            <a:ext cx="4059050" cy="6858000"/>
+            <a:off x="6172200" y="3170247"/>
+            <a:ext cx="5181600" cy="1662094"/>
           </a:xfrm>
           <a:prstGeom prst="rect">
             <a:avLst/>
           </a:prstGeom>
-          <a:solidFill>
-            <a:srgbClr val="404040"/>
-          </a:solidFill>
-          <a:ln>
-            <a:noFill/>
-          </a:ln>
         </p:spPr>
-        <p:style>
-          <a:lnRef idx="2">
-            <a:schemeClr val="accent1">
-              <a:shade val="50000"/>
-            </a:schemeClr>
-          </a:lnRef>
-          <a:fillRef idx="1">
-            <a:schemeClr val="accent1"/>
-          </a:fillRef>
-          <a:effectRef idx="0">
-            <a:schemeClr val="accent1"/>
-          </a:effectRef>
-          <a:fontRef idx="minor">
-            <a:schemeClr val="lt1"/>
-          </a:fontRef>
-        </p:style>
-        <p:txBody>
-          <a:bodyPr rtlCol="0" anchor="ctr"/>
-          <a:lstStyle/>
-          <a:p>
-            <a:pPr marL="0" marR="0" lvl="0" indent="0" algn="ctr" defTabSz="914400" rtl="0" eaLnBrk="1" fontAlgn="auto" latinLnBrk="0" hangingPunct="1">
-              <a:lnSpc>
-                <a:spcPct val="100000"/>
-              </a:lnSpc>
-              <a:spcBef>
-                <a:spcPts val="0"/>
-              </a:spcBef>
-              <a:spcAft>
-                <a:spcPts val="0"/>
-              </a:spcAft>
-              <a:buClrTx/>
-              <a:buSzTx/>
-              <a:buFontTx/>
-              <a:buNone/>
-              <a:tabLst/>
-              <a:defRPr/>
-            </a:pPr>
-            <a:endParaRPr kumimoji="0" lang="en-US" sz="1800" b="0" i="0" u="none" strike="noStrike" kern="1200" cap="none" spc="0" normalizeH="0" baseline="0" noProof="0">
-              <a:ln>
-                <a:noFill/>
-              </a:ln>
-              <a:solidFill>
-                <a:prstClr val="white"/>
-              </a:solidFill>
-              <a:effectLst/>
-              <a:uLnTx/>
-              <a:uFillTx/>
-              <a:latin typeface="Calibri" panose="020F0502020204030204"/>
-              <a:ea typeface="+mn-ea"/>
-              <a:cs typeface="+mn-cs"/>
-            </a:endParaRPr>
-          </a:p>
-        </p:txBody>
-      </p:sp>
-      <p:sp>
-        <p:nvSpPr>
-          <p:cNvPr id="2" name="Τίτλος 1"/>
-          <p:cNvSpPr>
-            <a:spLocks noGrp="1"/>
-          </p:cNvSpPr>
-          <p:nvPr>
-            <p:ph type="title"/>
-          </p:nvPr>
-        </p:nvSpPr>
-        <p:spPr>
-          <a:xfrm>
-            <a:off x="838200" y="1412488"/>
-            <a:ext cx="2899189" cy="4363844"/>
-          </a:xfrm>
-        </p:spPr>
-        <p:txBody>
-          <a:bodyPr anchor="t">
-            <a:normAutofit/>
-          </a:bodyPr>
-          <a:lstStyle/>
-          <a:p>
-            <a:r>
-              <a:rPr lang="en-US" sz="4000" b="1">
-                <a:solidFill>
-                  <a:srgbClr val="FFFFFF"/>
-                </a:solidFill>
-              </a:rPr>
-              <a:t>Resilient Distributed Datasets (RDDs)</a:t>
-            </a:r>
-            <a:endParaRPr lang="el-GR" sz="4000">
-              <a:solidFill>
-                <a:srgbClr val="FFFFFF"/>
-              </a:solidFill>
-            </a:endParaRPr>
-          </a:p>
-        </p:txBody>
-      </p:sp>
-      <p:sp>
-        <p:nvSpPr>
-          <p:cNvPr id="3" name="Θέση περιεχομένου 2"/>
-          <p:cNvSpPr>
-            <a:spLocks noGrp="1"/>
-          </p:cNvSpPr>
-          <p:nvPr>
-            <p:ph sz="half" idx="1"/>
-          </p:nvPr>
-        </p:nvSpPr>
-        <p:spPr>
-          <a:xfrm>
-            <a:off x="4380855" y="1412489"/>
-            <a:ext cx="3427283" cy="4363844"/>
-          </a:xfrm>
-        </p:spPr>
-        <p:txBody>
-          <a:bodyPr>
-            <a:normAutofit/>
-          </a:bodyPr>
-          <a:lstStyle/>
-          <a:p>
-            <a:r>
-              <a:rPr lang="el-GR" sz="2000"/>
-              <a:t>Τα </a:t>
-            </a:r>
-            <a:r>
-              <a:rPr lang="en-US" sz="2000"/>
-              <a:t>RDDs </a:t>
-            </a:r>
-            <a:r>
-              <a:rPr lang="el-GR" sz="2000"/>
-              <a:t>μοιάζουν με τους πίνακες των Βάσεων Δεδομένων</a:t>
-            </a:r>
-          </a:p>
-          <a:p>
-            <a:r>
-              <a:rPr lang="el-GR" sz="2000"/>
-              <a:t>Τα </a:t>
-            </a:r>
-            <a:r>
-              <a:rPr lang="en-US" sz="2000"/>
-              <a:t>RDDs </a:t>
-            </a:r>
-            <a:r>
-              <a:rPr lang="el-GR" sz="2000"/>
-              <a:t>είναι </a:t>
-            </a:r>
-            <a:r>
-              <a:rPr lang="en-US" sz="2000"/>
-              <a:t>immutable (</a:t>
-            </a:r>
-            <a:r>
-              <a:rPr lang="el-GR" sz="2000"/>
-              <a:t>ένα </a:t>
-            </a:r>
-            <a:r>
-              <a:rPr lang="en-US" sz="2000"/>
-              <a:t>RDD </a:t>
-            </a:r>
-            <a:r>
-              <a:rPr lang="el-GR" sz="2000"/>
-              <a:t>μπορεί να τροποποιηθεί μέσω ενός μετασχηματισμού αλλά σε αυτή την περίπτωση επιστρέφεται ένα νέο </a:t>
-            </a:r>
-            <a:r>
-              <a:rPr lang="en-US" sz="2000"/>
-              <a:t>RDD </a:t>
-            </a:r>
-            <a:r>
-              <a:rPr lang="el-GR" sz="2000"/>
-              <a:t>και το αρχικό </a:t>
-            </a:r>
-            <a:r>
-              <a:rPr lang="en-US" sz="2000"/>
-              <a:t>RDD </a:t>
-            </a:r>
-            <a:r>
-              <a:rPr lang="el-GR" sz="2000"/>
-              <a:t>παραμένει το ίδιο</a:t>
-            </a:r>
-            <a:r>
-              <a:rPr lang="en-US" sz="2000"/>
-              <a:t>)</a:t>
-            </a:r>
-          </a:p>
-          <a:p>
-            <a:pPr marL="457200" lvl="1" indent="0">
-              <a:buNone/>
-            </a:pPr>
-            <a:endParaRPr lang="el-GR" sz="2000"/>
-          </a:p>
-        </p:txBody>
-      </p:sp>
-      <p:cxnSp>
-        <p:nvCxnSpPr>
-          <p:cNvPr id="12" name="Straight Connector 11">
+      </p:pic>
+      <p:pic>
+        <p:nvPicPr>
+          <p:cNvPr id="5" name="Θέση περιεχομένου 4">
             <a:extLst>
               <a:ext uri="{FF2B5EF4-FFF2-40B4-BE49-F238E27FC236}">
-                <a16:creationId xmlns:a16="http://schemas.microsoft.com/office/drawing/2014/main" id="{1F16A8D4-FE87-4604-88B2-394B5D1EB437}"/>
-              </a:ext>
-              <a:ext uri="{C183D7F6-B498-43B3-948B-1728B52AA6E4}">
-                <adec:decorative xmlns:adec="http://schemas.microsoft.com/office/drawing/2017/decorative" val="1"/>
+                <a16:creationId xmlns:a16="http://schemas.microsoft.com/office/drawing/2014/main" id="{816E81BF-0978-4FA0-9696-FBF2E846FF14}"/>
               </a:ext>
             </a:extLst>
           </p:cNvPr>
-          <p:cNvCxnSpPr>
-            <a:cxnSpLocks noGrp="1" noRot="1" noChangeAspect="1" noMove="1" noResize="1" noEditPoints="1" noAdjustHandles="1" noChangeArrowheads="1" noChangeShapeType="1"/>
-          </p:cNvCxnSpPr>
-          <p:nvPr>
-            <p:extLst>
-              <p:ext uri="{386F3935-93C4-4BCD-93E2-E3B085C9AB24}">
-                <p16:designElem xmlns:p16="http://schemas.microsoft.com/office/powerpoint/2015/main" val="1"/>
-              </p:ext>
-            </p:extLst>
-          </p:nvPr>
-        </p:nvCxnSpPr>
+          <p:cNvPicPr>
+            <a:picLocks noGrp="1" noChangeAspect="1"/>
+          </p:cNvPicPr>
+          <p:nvPr>
+            <p:ph sz="half" idx="1"/>
+          </p:nvPr>
+        </p:nvPicPr>
+        <p:blipFill>
+          <a:blip r:embed="rId3"/>
+          <a:stretch>
+            <a:fillRect/>
+          </a:stretch>
+        </p:blipFill>
         <p:spPr>
           <a:xfrm>
-            <a:off x="8129871" y="1412488"/>
-            <a:ext cx="0" cy="3657600"/>
+            <a:off x="838200" y="3156971"/>
+            <a:ext cx="5181600" cy="1688646"/>
           </a:xfrm>
-          <a:prstGeom prst="line">
+          <a:prstGeom prst="rect">
             <a:avLst/>
           </a:prstGeom>
-          <a:ln w="12700">
-            <a:solidFill>
-              <a:schemeClr val="tx1">
-                <a:lumMod val="50000"/>
-                <a:lumOff val="50000"/>
-              </a:schemeClr>
-            </a:solidFill>
-          </a:ln>
         </p:spPr>
-        <p:style>
-          <a:lnRef idx="1">
-            <a:schemeClr val="accent1"/>
-          </a:lnRef>
-          <a:fillRef idx="0">
-            <a:schemeClr val="accent1"/>
-          </a:fillRef>
-          <a:effectRef idx="0">
-            <a:schemeClr val="accent1"/>
-          </a:effectRef>
-          <a:fontRef idx="minor">
-            <a:schemeClr val="tx1"/>
-          </a:fontRef>
-        </p:style>
-      </p:cxnSp>
-      <p:sp>
-        <p:nvSpPr>
-          <p:cNvPr id="4" name="Θέση περιεχομένου 3"/>
-          <p:cNvSpPr>
-            <a:spLocks noGrp="1"/>
-          </p:cNvSpPr>
-          <p:nvPr>
-            <p:ph sz="half" idx="2"/>
-          </p:nvPr>
-        </p:nvSpPr>
-        <p:spPr>
-          <a:xfrm>
-            <a:off x="8451604" y="1412489"/>
-            <a:ext cx="3197701" cy="4363844"/>
-          </a:xfrm>
-        </p:spPr>
-        <p:txBody>
-          <a:bodyPr>
-            <a:normAutofit/>
-          </a:bodyPr>
-          <a:lstStyle/>
-          <a:p>
-            <a:r>
-              <a:rPr lang="el-GR" sz="1900"/>
-              <a:t>Τα </a:t>
-            </a:r>
-            <a:r>
-              <a:rPr lang="en-US" sz="1900"/>
-              <a:t>RDDs </a:t>
-            </a:r>
-            <a:r>
-              <a:rPr lang="el-GR" sz="1900"/>
-              <a:t>υποστηρίζουν κατανεμημένη αποθήκευση δεδομένων στις μνήμες των μηχανημάτων ενός </a:t>
-            </a:r>
-            <a:r>
-              <a:rPr lang="en-US" sz="1900"/>
-              <a:t>cluster </a:t>
-            </a:r>
-            <a:r>
-              <a:rPr lang="el-GR" sz="1900"/>
-              <a:t>έτσι ώστε να επιτυγχάνεται </a:t>
-            </a:r>
-          </a:p>
-          <a:p>
-            <a:pPr lvl="1"/>
-            <a:r>
-              <a:rPr lang="el-GR" sz="1900" b="1"/>
-              <a:t>ανοχή σε σφάλματα: </a:t>
-            </a:r>
-            <a:r>
-              <a:rPr lang="el-GR" sz="1900"/>
-              <a:t>καταγράφοντας το ιστορικό των μετασχηματισμών που εφαρμόζονται στα δεδομένα </a:t>
-            </a:r>
-          </a:p>
-          <a:p>
-            <a:pPr lvl="1"/>
-            <a:r>
-              <a:rPr lang="el-GR" sz="1900" b="1"/>
-              <a:t>υψηλή απόδοση: </a:t>
-            </a:r>
-            <a:r>
-              <a:rPr lang="el-GR" sz="1900"/>
-              <a:t>Παραλληλισμός επεξεργασίας στους κόμβους του </a:t>
-            </a:r>
-            <a:r>
-              <a:rPr lang="en-US" sz="1900"/>
-              <a:t>cluster</a:t>
-            </a:r>
-            <a:endParaRPr lang="el-GR" sz="1900"/>
-          </a:p>
-          <a:p>
-            <a:endParaRPr lang="el-GR" sz="1900"/>
-          </a:p>
-        </p:txBody>
-      </p:sp>
-      <p:sp>
-        <p:nvSpPr>
-          <p:cNvPr id="5" name="Θέση αριθμού διαφάνειας 4"/>
-          <p:cNvSpPr>
-            <a:spLocks noGrp="1"/>
-          </p:cNvSpPr>
-          <p:nvPr>
-            <p:ph type="sldNum" sz="quarter" idx="12"/>
-          </p:nvPr>
-        </p:nvSpPr>
-        <p:spPr>
-          <a:xfrm>
-            <a:off x="9202366" y="6356350"/>
-            <a:ext cx="2151434" cy="365125"/>
-          </a:xfrm>
-        </p:spPr>
-        <p:txBody>
-          <a:bodyPr>
-            <a:normAutofit/>
-          </a:bodyPr>
-          <a:lstStyle/>
-          <a:p>
-            <a:pPr>
-              <a:spcAft>
-                <a:spcPts val="600"/>
-              </a:spcAft>
-            </a:pPr>
-            <a:fld id="{634CA47B-BB17-47C7-9E60-64B1219A2C73}" type="slidenum">
-              <a:rPr lang="el-GR" smtClean="0"/>
-              <a:pPr>
-                <a:spcAft>
-                  <a:spcPts val="600"/>
-                </a:spcAft>
-              </a:pPr>
-              <a:t>8</a:t>
-            </a:fld>
-            <a:endParaRPr lang="el-GR"/>
-          </a:p>
-        </p:txBody>
-      </p:sp>
+      </p:pic>
     </p:spTree>
     <p:extLst>
       <p:ext uri="{BB962C8B-B14F-4D97-AF65-F5344CB8AC3E}">
-        <p14:creationId xmlns:p14="http://schemas.microsoft.com/office/powerpoint/2010/main" val="1013356252"/>
+        <p14:creationId xmlns:p14="http://schemas.microsoft.com/office/powerpoint/2010/main" val="1611420149"/>
       </p:ext>
     </p:extLst>
   </p:cSld>
@@ -13459,14 +15795,6 @@
 <file path=ppt/slides/slide9.xml><?xml version="1.0" encoding="utf-8"?>
 <p:sld xmlns:a="http://schemas.openxmlformats.org/drawingml/2006/main" xmlns:r="http://schemas.openxmlformats.org/officeDocument/2006/relationships" xmlns:p="http://schemas.openxmlformats.org/presentationml/2006/main">
   <p:cSld>
-    <p:bg>
-      <p:bgPr>
-        <a:solidFill>
-          <a:schemeClr val="bg1"/>
-        </a:solidFill>
-        <a:effectLst/>
-      </p:bgPr>
-    </p:bg>
     <p:spTree>
       <p:nvGrpSpPr>
         <p:cNvPr id="1" name=""/>
@@ -13481,1999 +15809,71 @@
           <a:chExt cx="0" cy="0"/>
         </a:xfrm>
       </p:grpSpPr>
-      <p:sp useBgFill="1">
+      <p:sp>
         <p:nvSpPr>
-          <p:cNvPr id="33" name="Rectangle 8">
+          <p:cNvPr id="2" name="Τίτλος 1">
             <a:extLst>
               <a:ext uri="{FF2B5EF4-FFF2-40B4-BE49-F238E27FC236}">
-                <a16:creationId xmlns:a16="http://schemas.microsoft.com/office/drawing/2014/main" id="{15911E3A-C35B-4EF7-A355-B84E9A14AF4D}"/>
-              </a:ext>
-              <a:ext uri="{C183D7F6-B498-43B3-948B-1728B52AA6E4}">
-                <adec:decorative xmlns:adec="http://schemas.microsoft.com/office/drawing/2017/decorative" val="1"/>
+                <a16:creationId xmlns:a16="http://schemas.microsoft.com/office/drawing/2014/main" id="{FEFEC80A-9FA2-453B-8C07-746AB638AA29}"/>
               </a:ext>
             </a:extLst>
           </p:cNvPr>
           <p:cNvSpPr>
-            <a:spLocks noGrp="1" noRot="1" noChangeAspect="1" noMove="1" noResize="1" noEditPoints="1" noAdjustHandles="1" noChangeArrowheads="1" noChangeShapeType="1" noTextEdit="1"/>
+            <a:spLocks noGrp="1"/>
           </p:cNvSpPr>
           <p:nvPr>
-            <p:extLst>
-              <p:ext uri="{386F3935-93C4-4BCD-93E2-E3B085C9AB24}">
-                <p16:designElem xmlns:p16="http://schemas.microsoft.com/office/powerpoint/2015/main" val="1"/>
-              </p:ext>
-            </p:extLst>
+            <p:ph type="title"/>
           </p:nvPr>
         </p:nvSpPr>
+        <p:spPr/>
+        <p:txBody>
+          <a:bodyPr/>
+          <a:lstStyle/>
+          <a:p>
+            <a:r>
+              <a:rPr lang="en-US" dirty="0"/>
+              <a:t>R REPL</a:t>
+            </a:r>
+            <a:endParaRPr lang="el-GR" dirty="0"/>
+          </a:p>
+        </p:txBody>
+      </p:sp>
+      <p:pic>
+        <p:nvPicPr>
+          <p:cNvPr id="6" name="Θέση περιεχομένου 5">
+            <a:extLst>
+              <a:ext uri="{FF2B5EF4-FFF2-40B4-BE49-F238E27FC236}">
+                <a16:creationId xmlns:a16="http://schemas.microsoft.com/office/drawing/2014/main" id="{CA30DB56-9FE4-4033-AEE7-46B21C830B01}"/>
+              </a:ext>
+            </a:extLst>
+          </p:cNvPr>
+          <p:cNvPicPr>
+            <a:picLocks noGrp="1" noChangeAspect="1"/>
+          </p:cNvPicPr>
+          <p:nvPr>
+            <p:ph idx="1"/>
+          </p:nvPr>
+        </p:nvPicPr>
+        <p:blipFill>
+          <a:blip r:embed="rId2"/>
+          <a:stretch>
+            <a:fillRect/>
+          </a:stretch>
+        </p:blipFill>
         <p:spPr>
           <a:xfrm>
-            <a:off x="0" y="-1"/>
-            <a:ext cx="12192000" cy="6858001"/>
+            <a:off x="2799458" y="1825625"/>
+            <a:ext cx="6593084" cy="4351338"/>
           </a:xfrm>
           <a:prstGeom prst="rect">
             <a:avLst/>
           </a:prstGeom>
-          <a:ln>
-            <a:noFill/>
-          </a:ln>
         </p:spPr>
-        <p:style>
-          <a:lnRef idx="2">
-            <a:schemeClr val="accent1">
-              <a:shade val="50000"/>
-            </a:schemeClr>
-          </a:lnRef>
-          <a:fillRef idx="1">
-            <a:schemeClr val="accent1"/>
-          </a:fillRef>
-          <a:effectRef idx="0">
-            <a:schemeClr val="accent1"/>
-          </a:effectRef>
-          <a:fontRef idx="minor">
-            <a:schemeClr val="lt1"/>
-          </a:fontRef>
-        </p:style>
-        <p:txBody>
-          <a:bodyPr rtlCol="0" anchor="ctr"/>
-          <a:lstStyle/>
-          <a:p>
-            <a:pPr marL="0" marR="0" lvl="0" indent="0" algn="ctr" defTabSz="914400" rtl="0" eaLnBrk="1" fontAlgn="auto" latinLnBrk="0" hangingPunct="1">
-              <a:lnSpc>
-                <a:spcPct val="100000"/>
-              </a:lnSpc>
-              <a:spcBef>
-                <a:spcPts val="0"/>
-              </a:spcBef>
-              <a:spcAft>
-                <a:spcPts val="0"/>
-              </a:spcAft>
-              <a:buClrTx/>
-              <a:buSzTx/>
-              <a:buFontTx/>
-              <a:buNone/>
-              <a:tabLst/>
-              <a:defRPr/>
-            </a:pPr>
-            <a:endParaRPr kumimoji="0" lang="en-US" sz="1800" b="0" i="0" u="none" strike="noStrike" kern="1200" cap="none" spc="0" normalizeH="0" baseline="0" noProof="0">
-              <a:ln>
-                <a:noFill/>
-              </a:ln>
-              <a:solidFill>
-                <a:prstClr val="white"/>
-              </a:solidFill>
-              <a:effectLst/>
-              <a:uLnTx/>
-              <a:uFillTx/>
-              <a:latin typeface="Calibri" panose="020F0502020204030204"/>
-              <a:ea typeface="+mn-ea"/>
-              <a:cs typeface="+mn-cs"/>
-            </a:endParaRPr>
-          </a:p>
-        </p:txBody>
-      </p:sp>
-      <p:grpSp>
-        <p:nvGrpSpPr>
-          <p:cNvPr id="38" name="Group 10">
-            <a:extLst>
-              <a:ext uri="{FF2B5EF4-FFF2-40B4-BE49-F238E27FC236}">
-                <a16:creationId xmlns:a16="http://schemas.microsoft.com/office/drawing/2014/main" id="{E21ADB3D-AD65-44B4-847D-5E90E90A5D16}"/>
-              </a:ext>
-              <a:ext uri="{C183D7F6-B498-43B3-948B-1728B52AA6E4}">
-                <adec:decorative xmlns:adec="http://schemas.microsoft.com/office/drawing/2017/decorative" val="1"/>
-              </a:ext>
-            </a:extLst>
-          </p:cNvPr>
-          <p:cNvGrpSpPr>
-            <a:grpSpLocks noGrp="1" noUngrp="1" noRot="1" noChangeAspect="1" noMove="1" noResize="1"/>
-          </p:cNvGrpSpPr>
-          <p:nvPr>
-            <p:extLst>
-              <p:ext uri="{386F3935-93C4-4BCD-93E2-E3B085C9AB24}">
-                <p16:designElem xmlns:p16="http://schemas.microsoft.com/office/powerpoint/2015/main" val="1"/>
-              </p:ext>
-            </p:extLst>
-          </p:nvPr>
-        </p:nvGrpSpPr>
-        <p:grpSpPr>
-          <a:xfrm>
-            <a:off x="-417513" y="0"/>
-            <a:ext cx="12584114" cy="6853238"/>
-            <a:chOff x="-417513" y="0"/>
-            <a:chExt cx="12584114" cy="6853238"/>
-          </a:xfrm>
-        </p:grpSpPr>
-        <p:sp>
-          <p:nvSpPr>
-            <p:cNvPr id="12" name="Freeform 5">
-              <a:extLst>
-                <a:ext uri="{FF2B5EF4-FFF2-40B4-BE49-F238E27FC236}">
-                  <a16:creationId xmlns:a16="http://schemas.microsoft.com/office/drawing/2014/main" id="{CF580C70-814C-4845-B645-919BFFBD16BA}"/>
-                </a:ext>
-                <a:ext uri="{C183D7F6-B498-43B3-948B-1728B52AA6E4}">
-                  <adec:decorative xmlns:adec="http://schemas.microsoft.com/office/drawing/2017/decorative" val="1"/>
-                </a:ext>
-              </a:extLst>
-            </p:cNvPr>
-            <p:cNvSpPr/>
-            <p:nvPr>
-              <p:extLst>
-                <p:ext uri="{386F3935-93C4-4BCD-93E2-E3B085C9AB24}">
-                  <p16:designElem xmlns:p16="http://schemas.microsoft.com/office/powerpoint/2015/main" val="1"/>
-                </p:ext>
-              </p:extLst>
-            </p:nvPr>
-          </p:nvSpPr>
-          <p:spPr bwMode="auto">
-            <a:xfrm>
-              <a:off x="1306513" y="0"/>
-              <a:ext cx="3862388" cy="6843713"/>
-            </a:xfrm>
-            <a:custGeom>
-              <a:avLst/>
-              <a:gdLst/>
-              <a:ahLst/>
-              <a:cxnLst/>
-              <a:rect l="0" t="0" r="r" b="b"/>
-              <a:pathLst>
-                <a:path w="813" h="1440">
-                  <a:moveTo>
-                    <a:pt x="813" y="0"/>
-                  </a:moveTo>
-                  <a:cubicBezTo>
-                    <a:pt x="331" y="221"/>
-                    <a:pt x="0" y="1039"/>
-                    <a:pt x="435" y="1440"/>
-                  </a:cubicBezTo>
-                </a:path>
-              </a:pathLst>
-            </a:custGeom>
-            <a:noFill/>
-            <a:ln w="9525" cap="flat">
-              <a:solidFill>
-                <a:schemeClr val="tx1">
-                  <a:alpha val="20000"/>
-                </a:schemeClr>
-              </a:solidFill>
-              <a:prstDash val="solid"/>
-              <a:miter lim="800000"/>
-              <a:headEnd/>
-              <a:tailEnd/>
-            </a:ln>
-            <a:extLst>
-              <a:ext uri="{909E8E84-426E-40DD-AFC4-6F175D3DCCD1}">
-                <a14:hiddenFill xmlns:a14="http://schemas.microsoft.com/office/drawing/2010/main">
-                  <a:solidFill>
-                    <a:srgbClr val="FFFFFF"/>
-                  </a:solidFill>
-                </a14:hiddenFill>
-              </a:ext>
-            </a:extLst>
-          </p:spPr>
-        </p:sp>
-        <p:sp>
-          <p:nvSpPr>
-            <p:cNvPr id="39" name="Freeform 6">
-              <a:extLst>
-                <a:ext uri="{FF2B5EF4-FFF2-40B4-BE49-F238E27FC236}">
-                  <a16:creationId xmlns:a16="http://schemas.microsoft.com/office/drawing/2014/main" id="{34D7BF57-4CAA-45B2-9EF0-0AA1FCF70B16}"/>
-                </a:ext>
-                <a:ext uri="{C183D7F6-B498-43B3-948B-1728B52AA6E4}">
-                  <adec:decorative xmlns:adec="http://schemas.microsoft.com/office/drawing/2017/decorative" val="1"/>
-                </a:ext>
-              </a:extLst>
-            </p:cNvPr>
-            <p:cNvSpPr/>
-            <p:nvPr>
-              <p:extLst>
-                <p:ext uri="{386F3935-93C4-4BCD-93E2-E3B085C9AB24}">
-                  <p16:designElem xmlns:p16="http://schemas.microsoft.com/office/powerpoint/2015/main" val="1"/>
-                </p:ext>
-              </p:extLst>
-            </p:nvPr>
-          </p:nvSpPr>
-          <p:spPr bwMode="auto">
-            <a:xfrm>
-              <a:off x="10626725" y="9525"/>
-              <a:ext cx="1539875" cy="555625"/>
-            </a:xfrm>
-            <a:custGeom>
-              <a:avLst/>
-              <a:gdLst/>
-              <a:ahLst/>
-              <a:cxnLst/>
-              <a:rect l="0" t="0" r="r" b="b"/>
-              <a:pathLst>
-                <a:path w="324" h="117">
-                  <a:moveTo>
-                    <a:pt x="324" y="117"/>
-                  </a:moveTo>
-                  <a:cubicBezTo>
-                    <a:pt x="223" y="64"/>
-                    <a:pt x="107" y="28"/>
-                    <a:pt x="0" y="0"/>
-                  </a:cubicBezTo>
-                </a:path>
-              </a:pathLst>
-            </a:custGeom>
-            <a:noFill/>
-            <a:ln w="9525" cap="flat">
-              <a:solidFill>
-                <a:schemeClr val="tx1">
-                  <a:alpha val="20000"/>
-                </a:schemeClr>
-              </a:solidFill>
-              <a:prstDash val="solid"/>
-              <a:miter lim="800000"/>
-              <a:headEnd/>
-              <a:tailEnd/>
-            </a:ln>
-            <a:extLst>
-              <a:ext uri="{909E8E84-426E-40DD-AFC4-6F175D3DCCD1}">
-                <a14:hiddenFill xmlns:a14="http://schemas.microsoft.com/office/drawing/2010/main">
-                  <a:solidFill>
-                    <a:srgbClr val="FFFFFF"/>
-                  </a:solidFill>
-                </a14:hiddenFill>
-              </a:ext>
-            </a:extLst>
-          </p:spPr>
-        </p:sp>
-        <p:sp>
-          <p:nvSpPr>
-            <p:cNvPr id="14" name="Freeform 7">
-              <a:extLst>
-                <a:ext uri="{FF2B5EF4-FFF2-40B4-BE49-F238E27FC236}">
-                  <a16:creationId xmlns:a16="http://schemas.microsoft.com/office/drawing/2014/main" id="{7886F306-C03A-40C6-8FD5-DCE3D4595D6D}"/>
-                </a:ext>
-                <a:ext uri="{C183D7F6-B498-43B3-948B-1728B52AA6E4}">
-                  <adec:decorative xmlns:adec="http://schemas.microsoft.com/office/drawing/2017/decorative" val="1"/>
-                </a:ext>
-              </a:extLst>
-            </p:cNvPr>
-            <p:cNvSpPr/>
-            <p:nvPr>
-              <p:extLst>
-                <p:ext uri="{386F3935-93C4-4BCD-93E2-E3B085C9AB24}">
-                  <p16:designElem xmlns:p16="http://schemas.microsoft.com/office/powerpoint/2015/main" val="1"/>
-                </p:ext>
-              </p:extLst>
-            </p:nvPr>
-          </p:nvSpPr>
-          <p:spPr bwMode="auto">
-            <a:xfrm>
-              <a:off x="10247313" y="5013325"/>
-              <a:ext cx="1919288" cy="1830388"/>
-            </a:xfrm>
-            <a:custGeom>
-              <a:avLst/>
-              <a:gdLst/>
-              <a:ahLst/>
-              <a:cxnLst/>
-              <a:rect l="0" t="0" r="r" b="b"/>
-              <a:pathLst>
-                <a:path w="404" h="385">
-                  <a:moveTo>
-                    <a:pt x="0" y="385"/>
-                  </a:moveTo>
-                  <a:cubicBezTo>
-                    <a:pt x="146" y="272"/>
-                    <a:pt x="285" y="142"/>
-                    <a:pt x="404" y="0"/>
-                  </a:cubicBezTo>
-                </a:path>
-              </a:pathLst>
-            </a:custGeom>
-            <a:noFill/>
-            <a:ln w="9525" cap="flat">
-              <a:solidFill>
-                <a:schemeClr val="tx1">
-                  <a:alpha val="20000"/>
-                </a:schemeClr>
-              </a:solidFill>
-              <a:prstDash val="solid"/>
-              <a:miter lim="800000"/>
-              <a:headEnd/>
-              <a:tailEnd/>
-            </a:ln>
-            <a:extLst>
-              <a:ext uri="{909E8E84-426E-40DD-AFC4-6F175D3DCCD1}">
-                <a14:hiddenFill xmlns:a14="http://schemas.microsoft.com/office/drawing/2010/main">
-                  <a:solidFill>
-                    <a:srgbClr val="FFFFFF"/>
-                  </a:solidFill>
-                </a14:hiddenFill>
-              </a:ext>
-            </a:extLst>
-          </p:spPr>
-        </p:sp>
-        <p:sp>
-          <p:nvSpPr>
-            <p:cNvPr id="15" name="Freeform 8">
-              <a:extLst>
-                <a:ext uri="{FF2B5EF4-FFF2-40B4-BE49-F238E27FC236}">
-                  <a16:creationId xmlns:a16="http://schemas.microsoft.com/office/drawing/2014/main" id="{2FDC9A36-C7C3-47D7-A64E-ED25C47EC704}"/>
-                </a:ext>
-                <a:ext uri="{C183D7F6-B498-43B3-948B-1728B52AA6E4}">
-                  <adec:decorative xmlns:adec="http://schemas.microsoft.com/office/drawing/2017/decorative" val="1"/>
-                </a:ext>
-              </a:extLst>
-            </p:cNvPr>
-            <p:cNvSpPr/>
-            <p:nvPr>
-              <p:extLst>
-                <p:ext uri="{386F3935-93C4-4BCD-93E2-E3B085C9AB24}">
-                  <p16:designElem xmlns:p16="http://schemas.microsoft.com/office/powerpoint/2015/main" val="1"/>
-                </p:ext>
-              </p:extLst>
-            </p:nvPr>
-          </p:nvSpPr>
-          <p:spPr bwMode="auto">
-            <a:xfrm>
-              <a:off x="1120775" y="0"/>
-              <a:ext cx="3676650" cy="6843713"/>
-            </a:xfrm>
-            <a:custGeom>
-              <a:avLst/>
-              <a:gdLst/>
-              <a:ahLst/>
-              <a:cxnLst/>
-              <a:rect l="0" t="0" r="r" b="b"/>
-              <a:pathLst>
-                <a:path w="774" h="1440">
-                  <a:moveTo>
-                    <a:pt x="774" y="0"/>
-                  </a:moveTo>
-                  <a:cubicBezTo>
-                    <a:pt x="312" y="240"/>
-                    <a:pt x="0" y="1034"/>
-                    <a:pt x="411" y="1440"/>
-                  </a:cubicBezTo>
-                </a:path>
-              </a:pathLst>
-            </a:custGeom>
-            <a:noFill/>
-            <a:ln w="9525" cap="flat">
-              <a:solidFill>
-                <a:schemeClr val="tx1">
-                  <a:alpha val="20000"/>
-                </a:schemeClr>
-              </a:solidFill>
-              <a:prstDash val="dash"/>
-              <a:miter lim="800000"/>
-              <a:headEnd/>
-              <a:tailEnd/>
-            </a:ln>
-            <a:extLst>
-              <a:ext uri="{909E8E84-426E-40DD-AFC4-6F175D3DCCD1}">
-                <a14:hiddenFill xmlns:a14="http://schemas.microsoft.com/office/drawing/2010/main">
-                  <a:solidFill>
-                    <a:srgbClr val="FFFFFF"/>
-                  </a:solidFill>
-                </a14:hiddenFill>
-              </a:ext>
-            </a:extLst>
-          </p:spPr>
-        </p:sp>
-        <p:sp>
-          <p:nvSpPr>
-            <p:cNvPr id="16" name="Freeform 9">
-              <a:extLst>
-                <a:ext uri="{FF2B5EF4-FFF2-40B4-BE49-F238E27FC236}">
-                  <a16:creationId xmlns:a16="http://schemas.microsoft.com/office/drawing/2014/main" id="{BB19BC37-158A-43DC-9A9E-E45CC71954DC}"/>
-                </a:ext>
-                <a:ext uri="{C183D7F6-B498-43B3-948B-1728B52AA6E4}">
-                  <adec:decorative xmlns:adec="http://schemas.microsoft.com/office/drawing/2017/decorative" val="1"/>
-                </a:ext>
-              </a:extLst>
-            </p:cNvPr>
-            <p:cNvSpPr/>
-            <p:nvPr>
-              <p:extLst>
-                <p:ext uri="{386F3935-93C4-4BCD-93E2-E3B085C9AB24}">
-                  <p16:designElem xmlns:p16="http://schemas.microsoft.com/office/powerpoint/2015/main" val="1"/>
-                </p:ext>
-              </p:extLst>
-            </p:nvPr>
-          </p:nvSpPr>
-          <p:spPr bwMode="auto">
-            <a:xfrm>
-              <a:off x="11202988" y="9525"/>
-              <a:ext cx="963613" cy="366713"/>
-            </a:xfrm>
-            <a:custGeom>
-              <a:avLst/>
-              <a:gdLst/>
-              <a:ahLst/>
-              <a:cxnLst/>
-              <a:rect l="0" t="0" r="r" b="b"/>
-              <a:pathLst>
-                <a:path w="203" h="77">
-                  <a:moveTo>
-                    <a:pt x="203" y="77"/>
-                  </a:moveTo>
-                  <a:cubicBezTo>
-                    <a:pt x="138" y="46"/>
-                    <a:pt x="68" y="21"/>
-                    <a:pt x="0" y="0"/>
-                  </a:cubicBezTo>
-                </a:path>
-              </a:pathLst>
-            </a:custGeom>
-            <a:noFill/>
-            <a:ln w="9525" cap="flat">
-              <a:solidFill>
-                <a:schemeClr val="tx1">
-                  <a:alpha val="20000"/>
-                </a:schemeClr>
-              </a:solidFill>
-              <a:prstDash val="dash"/>
-              <a:miter lim="800000"/>
-              <a:headEnd/>
-              <a:tailEnd/>
-            </a:ln>
-            <a:extLst>
-              <a:ext uri="{909E8E84-426E-40DD-AFC4-6F175D3DCCD1}">
-                <a14:hiddenFill xmlns:a14="http://schemas.microsoft.com/office/drawing/2010/main">
-                  <a:solidFill>
-                    <a:srgbClr val="FFFFFF"/>
-                  </a:solidFill>
-                </a14:hiddenFill>
-              </a:ext>
-            </a:extLst>
-          </p:spPr>
-        </p:sp>
-        <p:sp>
-          <p:nvSpPr>
-            <p:cNvPr id="17" name="Freeform 10">
-              <a:extLst>
-                <a:ext uri="{FF2B5EF4-FFF2-40B4-BE49-F238E27FC236}">
-                  <a16:creationId xmlns:a16="http://schemas.microsoft.com/office/drawing/2014/main" id="{077654CC-108F-48D5-B5E9-437F164F52A5}"/>
-                </a:ext>
-                <a:ext uri="{C183D7F6-B498-43B3-948B-1728B52AA6E4}">
-                  <adec:decorative xmlns:adec="http://schemas.microsoft.com/office/drawing/2017/decorative" val="1"/>
-                </a:ext>
-              </a:extLst>
-            </p:cNvPr>
-            <p:cNvSpPr/>
-            <p:nvPr>
-              <p:extLst>
-                <p:ext uri="{386F3935-93C4-4BCD-93E2-E3B085C9AB24}">
-                  <p16:designElem xmlns:p16="http://schemas.microsoft.com/office/powerpoint/2015/main" val="1"/>
-                </p:ext>
-              </p:extLst>
-            </p:nvPr>
-          </p:nvSpPr>
-          <p:spPr bwMode="auto">
-            <a:xfrm>
-              <a:off x="10494963" y="5275263"/>
-              <a:ext cx="1666875" cy="1577975"/>
-            </a:xfrm>
-            <a:custGeom>
-              <a:avLst/>
-              <a:gdLst/>
-              <a:ahLst/>
-              <a:cxnLst/>
-              <a:rect l="0" t="0" r="r" b="b"/>
-              <a:pathLst>
-                <a:path w="351" h="332">
-                  <a:moveTo>
-                    <a:pt x="0" y="332"/>
-                  </a:moveTo>
-                  <a:cubicBezTo>
-                    <a:pt x="125" y="232"/>
-                    <a:pt x="245" y="121"/>
-                    <a:pt x="351" y="0"/>
-                  </a:cubicBezTo>
-                </a:path>
-              </a:pathLst>
-            </a:custGeom>
-            <a:noFill/>
-            <a:ln w="9525" cap="flat">
-              <a:solidFill>
-                <a:schemeClr val="tx1">
-                  <a:alpha val="20000"/>
-                </a:schemeClr>
-              </a:solidFill>
-              <a:prstDash val="dash"/>
-              <a:miter lim="800000"/>
-              <a:headEnd/>
-              <a:tailEnd/>
-            </a:ln>
-            <a:extLst>
-              <a:ext uri="{909E8E84-426E-40DD-AFC4-6F175D3DCCD1}">
-                <a14:hiddenFill xmlns:a14="http://schemas.microsoft.com/office/drawing/2010/main">
-                  <a:solidFill>
-                    <a:srgbClr val="FFFFFF"/>
-                  </a:solidFill>
-                </a14:hiddenFill>
-              </a:ext>
-            </a:extLst>
-          </p:spPr>
-        </p:sp>
-        <p:sp>
-          <p:nvSpPr>
-            <p:cNvPr id="18" name="Freeform 11">
-              <a:extLst>
-                <a:ext uri="{FF2B5EF4-FFF2-40B4-BE49-F238E27FC236}">
-                  <a16:creationId xmlns:a16="http://schemas.microsoft.com/office/drawing/2014/main" id="{A3CF3A63-1C1E-4E85-A78A-FDC16431E3A0}"/>
-                </a:ext>
-                <a:ext uri="{C183D7F6-B498-43B3-948B-1728B52AA6E4}">
-                  <adec:decorative xmlns:adec="http://schemas.microsoft.com/office/drawing/2017/decorative" val="1"/>
-                </a:ext>
-              </a:extLst>
-            </p:cNvPr>
-            <p:cNvSpPr/>
-            <p:nvPr>
-              <p:extLst>
-                <p:ext uri="{386F3935-93C4-4BCD-93E2-E3B085C9AB24}">
-                  <p16:designElem xmlns:p16="http://schemas.microsoft.com/office/powerpoint/2015/main" val="1"/>
-                </p:ext>
-              </p:extLst>
-            </p:nvPr>
-          </p:nvSpPr>
-          <p:spPr bwMode="auto">
-            <a:xfrm>
-              <a:off x="1001713" y="0"/>
-              <a:ext cx="3621088" cy="6843713"/>
-            </a:xfrm>
-            <a:custGeom>
-              <a:avLst/>
-              <a:gdLst/>
-              <a:ahLst/>
-              <a:cxnLst/>
-              <a:rect l="0" t="0" r="r" b="b"/>
-              <a:pathLst>
-                <a:path w="762" h="1440">
-                  <a:moveTo>
-                    <a:pt x="762" y="0"/>
-                  </a:moveTo>
-                  <a:cubicBezTo>
-                    <a:pt x="308" y="245"/>
-                    <a:pt x="0" y="1033"/>
-                    <a:pt x="403" y="1440"/>
-                  </a:cubicBezTo>
-                </a:path>
-              </a:pathLst>
-            </a:custGeom>
-            <a:noFill/>
-            <a:ln w="9525" cap="flat">
-              <a:solidFill>
-                <a:schemeClr val="tx1">
-                  <a:alpha val="20000"/>
-                </a:schemeClr>
-              </a:solidFill>
-              <a:prstDash val="solid"/>
-              <a:miter lim="800000"/>
-              <a:headEnd/>
-              <a:tailEnd/>
-            </a:ln>
-            <a:extLst>
-              <a:ext uri="{909E8E84-426E-40DD-AFC4-6F175D3DCCD1}">
-                <a14:hiddenFill xmlns:a14="http://schemas.microsoft.com/office/drawing/2010/main">
-                  <a:solidFill>
-                    <a:srgbClr val="FFFFFF"/>
-                  </a:solidFill>
-                </a14:hiddenFill>
-              </a:ext>
-            </a:extLst>
-          </p:spPr>
-        </p:sp>
-        <p:sp>
-          <p:nvSpPr>
-            <p:cNvPr id="19" name="Freeform 12">
-              <a:extLst>
-                <a:ext uri="{FF2B5EF4-FFF2-40B4-BE49-F238E27FC236}">
-                  <a16:creationId xmlns:a16="http://schemas.microsoft.com/office/drawing/2014/main" id="{8740FC9A-72DD-4D9B-BA25-1CCED1352408}"/>
-                </a:ext>
-                <a:ext uri="{C183D7F6-B498-43B3-948B-1728B52AA6E4}">
-                  <adec:decorative xmlns:adec="http://schemas.microsoft.com/office/drawing/2017/decorative" val="1"/>
-                </a:ext>
-              </a:extLst>
-            </p:cNvPr>
-            <p:cNvSpPr/>
-            <p:nvPr>
-              <p:extLst>
-                <p:ext uri="{386F3935-93C4-4BCD-93E2-E3B085C9AB24}">
-                  <p16:designElem xmlns:p16="http://schemas.microsoft.com/office/powerpoint/2015/main" val="1"/>
-                </p:ext>
-              </p:extLst>
-            </p:nvPr>
-          </p:nvSpPr>
-          <p:spPr bwMode="auto">
-            <a:xfrm>
-              <a:off x="11501438" y="9525"/>
-              <a:ext cx="665163" cy="257175"/>
-            </a:xfrm>
-            <a:custGeom>
-              <a:avLst/>
-              <a:gdLst/>
-              <a:ahLst/>
-              <a:cxnLst/>
-              <a:rect l="0" t="0" r="r" b="b"/>
-              <a:pathLst>
-                <a:path w="140" h="54">
-                  <a:moveTo>
-                    <a:pt x="140" y="54"/>
-                  </a:moveTo>
-                  <a:cubicBezTo>
-                    <a:pt x="95" y="34"/>
-                    <a:pt x="48" y="16"/>
-                    <a:pt x="0" y="0"/>
-                  </a:cubicBezTo>
-                </a:path>
-              </a:pathLst>
-            </a:custGeom>
-            <a:noFill/>
-            <a:ln w="9525" cap="flat">
-              <a:solidFill>
-                <a:schemeClr val="tx1">
-                  <a:alpha val="20000"/>
-                </a:schemeClr>
-              </a:solidFill>
-              <a:prstDash val="solid"/>
-              <a:miter lim="800000"/>
-              <a:headEnd/>
-              <a:tailEnd/>
-            </a:ln>
-            <a:extLst>
-              <a:ext uri="{909E8E84-426E-40DD-AFC4-6F175D3DCCD1}">
-                <a14:hiddenFill xmlns:a14="http://schemas.microsoft.com/office/drawing/2010/main">
-                  <a:solidFill>
-                    <a:srgbClr val="FFFFFF"/>
-                  </a:solidFill>
-                </a14:hiddenFill>
-              </a:ext>
-            </a:extLst>
-          </p:spPr>
-        </p:sp>
-        <p:sp>
-          <p:nvSpPr>
-            <p:cNvPr id="20" name="Freeform 13">
-              <a:extLst>
-                <a:ext uri="{FF2B5EF4-FFF2-40B4-BE49-F238E27FC236}">
-                  <a16:creationId xmlns:a16="http://schemas.microsoft.com/office/drawing/2014/main" id="{7FBF5743-F2AE-4D0D-BCD1-01F7686D012A}"/>
-                </a:ext>
-                <a:ext uri="{C183D7F6-B498-43B3-948B-1728B52AA6E4}">
-                  <adec:decorative xmlns:adec="http://schemas.microsoft.com/office/drawing/2017/decorative" val="1"/>
-                </a:ext>
-              </a:extLst>
-            </p:cNvPr>
-            <p:cNvSpPr/>
-            <p:nvPr>
-              <p:extLst>
-                <p:ext uri="{386F3935-93C4-4BCD-93E2-E3B085C9AB24}">
-                  <p16:designElem xmlns:p16="http://schemas.microsoft.com/office/powerpoint/2015/main" val="1"/>
-                </p:ext>
-              </p:extLst>
-            </p:nvPr>
-          </p:nvSpPr>
-          <p:spPr bwMode="auto">
-            <a:xfrm>
-              <a:off x="10641013" y="5408613"/>
-              <a:ext cx="1525588" cy="1435100"/>
-            </a:xfrm>
-            <a:custGeom>
-              <a:avLst/>
-              <a:gdLst/>
-              <a:ahLst/>
-              <a:cxnLst/>
-              <a:rect l="0" t="0" r="r" b="b"/>
-              <a:pathLst>
-                <a:path w="321" h="302">
-                  <a:moveTo>
-                    <a:pt x="0" y="302"/>
-                  </a:moveTo>
-                  <a:cubicBezTo>
-                    <a:pt x="114" y="210"/>
-                    <a:pt x="223" y="109"/>
-                    <a:pt x="321" y="0"/>
-                  </a:cubicBezTo>
-                </a:path>
-              </a:pathLst>
-            </a:custGeom>
-            <a:noFill/>
-            <a:ln w="9525" cap="flat">
-              <a:solidFill>
-                <a:schemeClr val="tx1">
-                  <a:alpha val="20000"/>
-                </a:schemeClr>
-              </a:solidFill>
-              <a:prstDash val="solid"/>
-              <a:miter lim="800000"/>
-              <a:headEnd/>
-              <a:tailEnd/>
-            </a:ln>
-            <a:extLst>
-              <a:ext uri="{909E8E84-426E-40DD-AFC4-6F175D3DCCD1}">
-                <a14:hiddenFill xmlns:a14="http://schemas.microsoft.com/office/drawing/2010/main">
-                  <a:solidFill>
-                    <a:srgbClr val="FFFFFF"/>
-                  </a:solidFill>
-                </a14:hiddenFill>
-              </a:ext>
-            </a:extLst>
-          </p:spPr>
-        </p:sp>
-        <p:sp>
-          <p:nvSpPr>
-            <p:cNvPr id="21" name="Freeform 14">
-              <a:extLst>
-                <a:ext uri="{FF2B5EF4-FFF2-40B4-BE49-F238E27FC236}">
-                  <a16:creationId xmlns:a16="http://schemas.microsoft.com/office/drawing/2014/main" id="{CED32316-D4F7-4795-BBE0-DEBB60E27CE3}"/>
-                </a:ext>
-                <a:ext uri="{C183D7F6-B498-43B3-948B-1728B52AA6E4}">
-                  <adec:decorative xmlns:adec="http://schemas.microsoft.com/office/drawing/2017/decorative" val="1"/>
-                </a:ext>
-              </a:extLst>
-            </p:cNvPr>
-            <p:cNvSpPr/>
-            <p:nvPr>
-              <p:extLst>
-                <p:ext uri="{386F3935-93C4-4BCD-93E2-E3B085C9AB24}">
-                  <p16:designElem xmlns:p16="http://schemas.microsoft.com/office/powerpoint/2015/main" val="1"/>
-                </p:ext>
-              </p:extLst>
-            </p:nvPr>
-          </p:nvSpPr>
-          <p:spPr bwMode="auto">
-            <a:xfrm>
-              <a:off x="1001713" y="0"/>
-              <a:ext cx="3244850" cy="6843713"/>
-            </a:xfrm>
-            <a:custGeom>
-              <a:avLst/>
-              <a:gdLst/>
-              <a:ahLst/>
-              <a:cxnLst/>
-              <a:rect l="0" t="0" r="r" b="b"/>
-              <a:pathLst>
-                <a:path w="683" h="1440">
-                  <a:moveTo>
-                    <a:pt x="683" y="0"/>
-                  </a:moveTo>
-                  <a:cubicBezTo>
-                    <a:pt x="258" y="256"/>
-                    <a:pt x="0" y="1041"/>
-                    <a:pt x="355" y="1440"/>
-                  </a:cubicBezTo>
-                </a:path>
-              </a:pathLst>
-            </a:custGeom>
-            <a:noFill/>
-            <a:ln w="9525" cap="flat">
-              <a:solidFill>
-                <a:schemeClr val="tx1">
-                  <a:alpha val="20000"/>
-                </a:schemeClr>
-              </a:solidFill>
-              <a:prstDash val="solid"/>
-              <a:miter lim="800000"/>
-              <a:headEnd/>
-              <a:tailEnd/>
-            </a:ln>
-            <a:extLst>
-              <a:ext uri="{909E8E84-426E-40DD-AFC4-6F175D3DCCD1}">
-                <a14:hiddenFill xmlns:a14="http://schemas.microsoft.com/office/drawing/2010/main">
-                  <a:solidFill>
-                    <a:srgbClr val="FFFFFF"/>
-                  </a:solidFill>
-                </a14:hiddenFill>
-              </a:ext>
-            </a:extLst>
-          </p:spPr>
-        </p:sp>
-        <p:sp>
-          <p:nvSpPr>
-            <p:cNvPr id="22" name="Freeform 15">
-              <a:extLst>
-                <a:ext uri="{FF2B5EF4-FFF2-40B4-BE49-F238E27FC236}">
-                  <a16:creationId xmlns:a16="http://schemas.microsoft.com/office/drawing/2014/main" id="{583B23C9-B9B7-4E93-9538-CBE316F83FDD}"/>
-                </a:ext>
-                <a:ext uri="{C183D7F6-B498-43B3-948B-1728B52AA6E4}">
-                  <adec:decorative xmlns:adec="http://schemas.microsoft.com/office/drawing/2017/decorative" val="1"/>
-                </a:ext>
-              </a:extLst>
-            </p:cNvPr>
-            <p:cNvSpPr/>
-            <p:nvPr>
-              <p:extLst>
-                <p:ext uri="{386F3935-93C4-4BCD-93E2-E3B085C9AB24}">
-                  <p16:designElem xmlns:p16="http://schemas.microsoft.com/office/powerpoint/2015/main" val="1"/>
-                </p:ext>
-              </p:extLst>
-            </p:nvPr>
-          </p:nvSpPr>
-          <p:spPr bwMode="auto">
-            <a:xfrm>
-              <a:off x="10802938" y="5518150"/>
-              <a:ext cx="1363663" cy="1325563"/>
-            </a:xfrm>
-            <a:custGeom>
-              <a:avLst/>
-              <a:gdLst/>
-              <a:ahLst/>
-              <a:cxnLst/>
-              <a:rect l="0" t="0" r="r" b="b"/>
-              <a:pathLst>
-                <a:path w="287" h="279">
-                  <a:moveTo>
-                    <a:pt x="0" y="279"/>
-                  </a:moveTo>
-                  <a:cubicBezTo>
-                    <a:pt x="101" y="193"/>
-                    <a:pt x="198" y="100"/>
-                    <a:pt x="287" y="0"/>
-                  </a:cubicBezTo>
-                </a:path>
-              </a:pathLst>
-            </a:custGeom>
-            <a:noFill/>
-            <a:ln w="9525" cap="flat">
-              <a:solidFill>
-                <a:schemeClr val="tx1">
-                  <a:alpha val="20000"/>
-                </a:schemeClr>
-              </a:solidFill>
-              <a:prstDash val="solid"/>
-              <a:miter lim="800000"/>
-              <a:headEnd/>
-              <a:tailEnd/>
-            </a:ln>
-            <a:extLst>
-              <a:ext uri="{909E8E84-426E-40DD-AFC4-6F175D3DCCD1}">
-                <a14:hiddenFill xmlns:a14="http://schemas.microsoft.com/office/drawing/2010/main">
-                  <a:solidFill>
-                    <a:srgbClr val="FFFFFF"/>
-                  </a:solidFill>
-                </a14:hiddenFill>
-              </a:ext>
-            </a:extLst>
-          </p:spPr>
-        </p:sp>
-        <p:sp>
-          <p:nvSpPr>
-            <p:cNvPr id="23" name="Freeform 16">
-              <a:extLst>
-                <a:ext uri="{FF2B5EF4-FFF2-40B4-BE49-F238E27FC236}">
-                  <a16:creationId xmlns:a16="http://schemas.microsoft.com/office/drawing/2014/main" id="{5B144260-9F2C-4ADB-A37C-1CFB4B428B1B}"/>
-                </a:ext>
-                <a:ext uri="{C183D7F6-B498-43B3-948B-1728B52AA6E4}">
-                  <adec:decorative xmlns:adec="http://schemas.microsoft.com/office/drawing/2017/decorative" val="1"/>
-                </a:ext>
-              </a:extLst>
-            </p:cNvPr>
-            <p:cNvSpPr/>
-            <p:nvPr>
-              <p:extLst>
-                <p:ext uri="{386F3935-93C4-4BCD-93E2-E3B085C9AB24}">
-                  <p16:designElem xmlns:p16="http://schemas.microsoft.com/office/powerpoint/2015/main" val="1"/>
-                </p:ext>
-              </p:extLst>
-            </p:nvPr>
-          </p:nvSpPr>
-          <p:spPr bwMode="auto">
-            <a:xfrm>
-              <a:off x="889000" y="0"/>
-              <a:ext cx="3230563" cy="6843713"/>
-            </a:xfrm>
-            <a:custGeom>
-              <a:avLst/>
-              <a:gdLst/>
-              <a:ahLst/>
-              <a:cxnLst/>
-              <a:rect l="0" t="0" r="r" b="b"/>
-              <a:pathLst>
-                <a:path w="680" h="1440">
-                  <a:moveTo>
-                    <a:pt x="680" y="0"/>
-                  </a:moveTo>
-                  <a:cubicBezTo>
-                    <a:pt x="257" y="265"/>
-                    <a:pt x="0" y="1026"/>
-                    <a:pt x="337" y="1440"/>
-                  </a:cubicBezTo>
-                </a:path>
-              </a:pathLst>
-            </a:custGeom>
-            <a:noFill/>
-            <a:ln w="9525" cap="flat">
-              <a:solidFill>
-                <a:schemeClr val="tx1">
-                  <a:alpha val="20000"/>
-                </a:schemeClr>
-              </a:solidFill>
-              <a:prstDash val="solid"/>
-              <a:miter lim="800000"/>
-              <a:headEnd/>
-              <a:tailEnd/>
-            </a:ln>
-            <a:extLst>
-              <a:ext uri="{909E8E84-426E-40DD-AFC4-6F175D3DCCD1}">
-                <a14:hiddenFill xmlns:a14="http://schemas.microsoft.com/office/drawing/2010/main">
-                  <a:solidFill>
-                    <a:srgbClr val="FFFFFF"/>
-                  </a:solidFill>
-                </a14:hiddenFill>
-              </a:ext>
-            </a:extLst>
-          </p:spPr>
-        </p:sp>
-        <p:sp>
-          <p:nvSpPr>
-            <p:cNvPr id="24" name="Freeform 17">
-              <a:extLst>
-                <a:ext uri="{FF2B5EF4-FFF2-40B4-BE49-F238E27FC236}">
-                  <a16:creationId xmlns:a16="http://schemas.microsoft.com/office/drawing/2014/main" id="{53FF918D-79D3-4F55-A68C-0DD5880DABDF}"/>
-                </a:ext>
-                <a:ext uri="{C183D7F6-B498-43B3-948B-1728B52AA6E4}">
-                  <adec:decorative xmlns:adec="http://schemas.microsoft.com/office/drawing/2017/decorative" val="1"/>
-                </a:ext>
-              </a:extLst>
-            </p:cNvPr>
-            <p:cNvSpPr/>
-            <p:nvPr>
-              <p:extLst>
-                <p:ext uri="{386F3935-93C4-4BCD-93E2-E3B085C9AB24}">
-                  <p16:designElem xmlns:p16="http://schemas.microsoft.com/office/powerpoint/2015/main" val="1"/>
-                </p:ext>
-              </p:extLst>
-            </p:nvPr>
-          </p:nvSpPr>
-          <p:spPr bwMode="auto">
-            <a:xfrm>
-              <a:off x="10979150" y="5694363"/>
-              <a:ext cx="1187450" cy="1149350"/>
-            </a:xfrm>
-            <a:custGeom>
-              <a:avLst/>
-              <a:gdLst/>
-              <a:ahLst/>
-              <a:cxnLst/>
-              <a:rect l="0" t="0" r="r" b="b"/>
-              <a:pathLst>
-                <a:path w="250" h="242">
-                  <a:moveTo>
-                    <a:pt x="0" y="242"/>
-                  </a:moveTo>
-                  <a:cubicBezTo>
-                    <a:pt x="88" y="166"/>
-                    <a:pt x="172" y="85"/>
-                    <a:pt x="250" y="0"/>
-                  </a:cubicBezTo>
-                </a:path>
-              </a:pathLst>
-            </a:custGeom>
-            <a:noFill/>
-            <a:ln w="9525" cap="flat">
-              <a:solidFill>
-                <a:schemeClr val="tx1">
-                  <a:alpha val="20000"/>
-                </a:schemeClr>
-              </a:solidFill>
-              <a:prstDash val="solid"/>
-              <a:miter lim="800000"/>
-              <a:headEnd/>
-              <a:tailEnd/>
-            </a:ln>
-            <a:extLst>
-              <a:ext uri="{909E8E84-426E-40DD-AFC4-6F175D3DCCD1}">
-                <a14:hiddenFill xmlns:a14="http://schemas.microsoft.com/office/drawing/2010/main">
-                  <a:solidFill>
-                    <a:srgbClr val="FFFFFF"/>
-                  </a:solidFill>
-                </a14:hiddenFill>
-              </a:ext>
-            </a:extLst>
-          </p:spPr>
-        </p:sp>
-        <p:sp>
-          <p:nvSpPr>
-            <p:cNvPr id="25" name="Freeform 18">
-              <a:extLst>
-                <a:ext uri="{FF2B5EF4-FFF2-40B4-BE49-F238E27FC236}">
-                  <a16:creationId xmlns:a16="http://schemas.microsoft.com/office/drawing/2014/main" id="{B9FC1440-933F-44FE-8D77-4827DD0F99A5}"/>
-                </a:ext>
-                <a:ext uri="{C183D7F6-B498-43B3-948B-1728B52AA6E4}">
-                  <adec:decorative xmlns:adec="http://schemas.microsoft.com/office/drawing/2017/decorative" val="1"/>
-                </a:ext>
-              </a:extLst>
-            </p:cNvPr>
-            <p:cNvSpPr/>
-            <p:nvPr>
-              <p:extLst>
-                <p:ext uri="{386F3935-93C4-4BCD-93E2-E3B085C9AB24}">
-                  <p16:designElem xmlns:p16="http://schemas.microsoft.com/office/powerpoint/2015/main" val="1"/>
-                </p:ext>
-              </p:extLst>
-            </p:nvPr>
-          </p:nvSpPr>
-          <p:spPr bwMode="auto">
-            <a:xfrm>
-              <a:off x="484188" y="0"/>
-              <a:ext cx="3421063" cy="6843713"/>
-            </a:xfrm>
-            <a:custGeom>
-              <a:avLst/>
-              <a:gdLst/>
-              <a:ahLst/>
-              <a:cxnLst/>
-              <a:rect l="0" t="0" r="r" b="b"/>
-              <a:pathLst>
-                <a:path w="720" h="1440">
-                  <a:moveTo>
-                    <a:pt x="720" y="0"/>
-                  </a:moveTo>
-                  <a:cubicBezTo>
-                    <a:pt x="316" y="282"/>
-                    <a:pt x="0" y="1018"/>
-                    <a:pt x="362" y="1440"/>
-                  </a:cubicBezTo>
-                </a:path>
-              </a:pathLst>
-            </a:custGeom>
-            <a:noFill/>
-            <a:ln w="9525" cap="flat">
-              <a:solidFill>
-                <a:schemeClr val="tx1">
-                  <a:alpha val="20000"/>
-                </a:schemeClr>
-              </a:solidFill>
-              <a:prstDash val="solid"/>
-              <a:miter lim="800000"/>
-              <a:headEnd/>
-              <a:tailEnd/>
-            </a:ln>
-            <a:extLst>
-              <a:ext uri="{909E8E84-426E-40DD-AFC4-6F175D3DCCD1}">
-                <a14:hiddenFill xmlns:a14="http://schemas.microsoft.com/office/drawing/2010/main">
-                  <a:solidFill>
-                    <a:srgbClr val="FFFFFF"/>
-                  </a:solidFill>
-                </a14:hiddenFill>
-              </a:ext>
-            </a:extLst>
-          </p:spPr>
-        </p:sp>
-        <p:sp>
-          <p:nvSpPr>
-            <p:cNvPr id="26" name="Freeform 19">
-              <a:extLst>
-                <a:ext uri="{FF2B5EF4-FFF2-40B4-BE49-F238E27FC236}">
-                  <a16:creationId xmlns:a16="http://schemas.microsoft.com/office/drawing/2014/main" id="{0F67F308-A67C-4D2E-B081-59BB31D8EC50}"/>
-                </a:ext>
-                <a:ext uri="{C183D7F6-B498-43B3-948B-1728B52AA6E4}">
-                  <adec:decorative xmlns:adec="http://schemas.microsoft.com/office/drawing/2017/decorative" val="1"/>
-                </a:ext>
-              </a:extLst>
-            </p:cNvPr>
-            <p:cNvSpPr/>
-            <p:nvPr>
-              <p:extLst>
-                <p:ext uri="{386F3935-93C4-4BCD-93E2-E3B085C9AB24}">
-                  <p16:designElem xmlns:p16="http://schemas.microsoft.com/office/powerpoint/2015/main" val="1"/>
-                </p:ext>
-              </p:extLst>
-            </p:nvPr>
-          </p:nvSpPr>
-          <p:spPr bwMode="auto">
-            <a:xfrm>
-              <a:off x="11287125" y="6049963"/>
-              <a:ext cx="879475" cy="793750"/>
-            </a:xfrm>
-            <a:custGeom>
-              <a:avLst/>
-              <a:gdLst/>
-              <a:ahLst/>
-              <a:cxnLst/>
-              <a:rect l="0" t="0" r="r" b="b"/>
-              <a:pathLst>
-                <a:path w="185" h="167">
-                  <a:moveTo>
-                    <a:pt x="0" y="167"/>
-                  </a:moveTo>
-                  <a:cubicBezTo>
-                    <a:pt x="63" y="114"/>
-                    <a:pt x="125" y="58"/>
-                    <a:pt x="185" y="0"/>
-                  </a:cubicBezTo>
-                </a:path>
-              </a:pathLst>
-            </a:custGeom>
-            <a:noFill/>
-            <a:ln w="9525" cap="flat">
-              <a:solidFill>
-                <a:schemeClr val="tx1">
-                  <a:alpha val="20000"/>
-                </a:schemeClr>
-              </a:solidFill>
-              <a:prstDash val="solid"/>
-              <a:miter lim="800000"/>
-              <a:headEnd/>
-              <a:tailEnd/>
-            </a:ln>
-            <a:extLst>
-              <a:ext uri="{909E8E84-426E-40DD-AFC4-6F175D3DCCD1}">
-                <a14:hiddenFill xmlns:a14="http://schemas.microsoft.com/office/drawing/2010/main">
-                  <a:solidFill>
-                    <a:srgbClr val="FFFFFF"/>
-                  </a:solidFill>
-                </a14:hiddenFill>
-              </a:ext>
-            </a:extLst>
-          </p:spPr>
-        </p:sp>
-        <p:sp>
-          <p:nvSpPr>
-            <p:cNvPr id="27" name="Freeform 20">
-              <a:extLst>
-                <a:ext uri="{FF2B5EF4-FFF2-40B4-BE49-F238E27FC236}">
-                  <a16:creationId xmlns:a16="http://schemas.microsoft.com/office/drawing/2014/main" id="{80112F01-90EB-4AEC-A39C-5C6875FFB99B}"/>
-                </a:ext>
-                <a:ext uri="{C183D7F6-B498-43B3-948B-1728B52AA6E4}">
-                  <adec:decorative xmlns:adec="http://schemas.microsoft.com/office/drawing/2017/decorative" val="1"/>
-                </a:ext>
-              </a:extLst>
-            </p:cNvPr>
-            <p:cNvSpPr/>
-            <p:nvPr>
-              <p:extLst>
-                <p:ext uri="{386F3935-93C4-4BCD-93E2-E3B085C9AB24}">
-                  <p16:designElem xmlns:p16="http://schemas.microsoft.com/office/powerpoint/2015/main" val="1"/>
-                </p:ext>
-              </p:extLst>
-            </p:nvPr>
-          </p:nvSpPr>
-          <p:spPr bwMode="auto">
-            <a:xfrm>
-              <a:off x="598488" y="0"/>
-              <a:ext cx="2717800" cy="6843713"/>
-            </a:xfrm>
-            <a:custGeom>
-              <a:avLst/>
-              <a:gdLst/>
-              <a:ahLst/>
-              <a:cxnLst/>
-              <a:rect l="0" t="0" r="r" b="b"/>
-              <a:pathLst>
-                <a:path w="572" h="1440">
-                  <a:moveTo>
-                    <a:pt x="572" y="0"/>
-                  </a:moveTo>
-                  <a:cubicBezTo>
-                    <a:pt x="213" y="320"/>
-                    <a:pt x="0" y="979"/>
-                    <a:pt x="164" y="1440"/>
-                  </a:cubicBezTo>
-                </a:path>
-              </a:pathLst>
-            </a:custGeom>
-            <a:noFill/>
-            <a:ln w="12700" cap="flat">
-              <a:solidFill>
-                <a:schemeClr val="tx1">
-                  <a:alpha val="20000"/>
-                </a:schemeClr>
-              </a:solidFill>
-              <a:prstDash val="dashDot"/>
-              <a:miter lim="800000"/>
-              <a:headEnd/>
-              <a:tailEnd/>
-            </a:ln>
-            <a:extLst>
-              <a:ext uri="{909E8E84-426E-40DD-AFC4-6F175D3DCCD1}">
-                <a14:hiddenFill xmlns:a14="http://schemas.microsoft.com/office/drawing/2010/main">
-                  <a:solidFill>
-                    <a:srgbClr val="FFFFFF"/>
-                  </a:solidFill>
-                </a14:hiddenFill>
-              </a:ext>
-            </a:extLst>
-          </p:spPr>
-        </p:sp>
-        <p:sp>
-          <p:nvSpPr>
-            <p:cNvPr id="28" name="Freeform 21">
-              <a:extLst>
-                <a:ext uri="{FF2B5EF4-FFF2-40B4-BE49-F238E27FC236}">
-                  <a16:creationId xmlns:a16="http://schemas.microsoft.com/office/drawing/2014/main" id="{893F6B05-90EB-4C75-A0F0-C7247553BD81}"/>
-                </a:ext>
-                <a:ext uri="{C183D7F6-B498-43B3-948B-1728B52AA6E4}">
-                  <adec:decorative xmlns:adec="http://schemas.microsoft.com/office/drawing/2017/decorative" val="1"/>
-                </a:ext>
-              </a:extLst>
-            </p:cNvPr>
-            <p:cNvSpPr/>
-            <p:nvPr>
-              <p:extLst>
-                <p:ext uri="{386F3935-93C4-4BCD-93E2-E3B085C9AB24}">
-                  <p16:designElem xmlns:p16="http://schemas.microsoft.com/office/powerpoint/2015/main" val="1"/>
-                </p:ext>
-              </p:extLst>
-            </p:nvPr>
-          </p:nvSpPr>
-          <p:spPr bwMode="auto">
-            <a:xfrm>
-              <a:off x="261938" y="0"/>
-              <a:ext cx="2944813" cy="6843713"/>
-            </a:xfrm>
-            <a:custGeom>
-              <a:avLst/>
-              <a:gdLst/>
-              <a:ahLst/>
-              <a:cxnLst/>
-              <a:rect l="0" t="0" r="r" b="b"/>
-              <a:pathLst>
-                <a:path w="620" h="1440">
-                  <a:moveTo>
-                    <a:pt x="620" y="0"/>
-                  </a:moveTo>
-                  <a:cubicBezTo>
-                    <a:pt x="248" y="325"/>
-                    <a:pt x="0" y="960"/>
-                    <a:pt x="186" y="1440"/>
-                  </a:cubicBezTo>
-                </a:path>
-              </a:pathLst>
-            </a:custGeom>
-            <a:noFill/>
-            <a:ln w="9525" cap="flat">
-              <a:solidFill>
-                <a:schemeClr val="tx1">
-                  <a:alpha val="20000"/>
-                </a:schemeClr>
-              </a:solidFill>
-              <a:prstDash val="lgDash"/>
-              <a:miter lim="800000"/>
-              <a:headEnd/>
-              <a:tailEnd/>
-            </a:ln>
-            <a:extLst>
-              <a:ext uri="{909E8E84-426E-40DD-AFC4-6F175D3DCCD1}">
-                <a14:hiddenFill xmlns:a14="http://schemas.microsoft.com/office/drawing/2010/main">
-                  <a:solidFill>
-                    <a:srgbClr val="FFFFFF"/>
-                  </a:solidFill>
-                </a14:hiddenFill>
-              </a:ext>
-            </a:extLst>
-          </p:spPr>
-        </p:sp>
-        <p:sp>
-          <p:nvSpPr>
-            <p:cNvPr id="29" name="Freeform 22">
-              <a:extLst>
-                <a:ext uri="{FF2B5EF4-FFF2-40B4-BE49-F238E27FC236}">
-                  <a16:creationId xmlns:a16="http://schemas.microsoft.com/office/drawing/2014/main" id="{227B563B-E0C0-4D81-966D-B5E2DBAAE8B5}"/>
-                </a:ext>
-                <a:ext uri="{C183D7F6-B498-43B3-948B-1728B52AA6E4}">
-                  <adec:decorative xmlns:adec="http://schemas.microsoft.com/office/drawing/2017/decorative" val="1"/>
-                </a:ext>
-              </a:extLst>
-            </p:cNvPr>
-            <p:cNvSpPr/>
-            <p:nvPr>
-              <p:extLst>
-                <p:ext uri="{386F3935-93C4-4BCD-93E2-E3B085C9AB24}">
-                  <p16:designElem xmlns:p16="http://schemas.microsoft.com/office/powerpoint/2015/main" val="1"/>
-                </p:ext>
-              </p:extLst>
-            </p:nvPr>
-          </p:nvSpPr>
-          <p:spPr bwMode="auto">
-            <a:xfrm>
-              <a:off x="-417513" y="0"/>
-              <a:ext cx="2403475" cy="6843713"/>
-            </a:xfrm>
-            <a:custGeom>
-              <a:avLst/>
-              <a:gdLst/>
-              <a:ahLst/>
-              <a:cxnLst/>
-              <a:rect l="0" t="0" r="r" b="b"/>
-              <a:pathLst>
-                <a:path w="506" h="1440">
-                  <a:moveTo>
-                    <a:pt x="506" y="0"/>
-                  </a:moveTo>
-                  <a:cubicBezTo>
-                    <a:pt x="109" y="356"/>
-                    <a:pt x="0" y="943"/>
-                    <a:pt x="171" y="1440"/>
-                  </a:cubicBezTo>
-                </a:path>
-              </a:pathLst>
-            </a:custGeom>
-            <a:noFill/>
-            <a:ln w="9525" cap="flat">
-              <a:solidFill>
-                <a:schemeClr val="tx1">
-                  <a:alpha val="20000"/>
-                </a:schemeClr>
-              </a:solidFill>
-              <a:prstDash val="solid"/>
-              <a:miter lim="800000"/>
-              <a:headEnd/>
-              <a:tailEnd/>
-            </a:ln>
-            <a:extLst>
-              <a:ext uri="{909E8E84-426E-40DD-AFC4-6F175D3DCCD1}">
-                <a14:hiddenFill xmlns:a14="http://schemas.microsoft.com/office/drawing/2010/main">
-                  <a:solidFill>
-                    <a:srgbClr val="FFFFFF"/>
-                  </a:solidFill>
-                </a14:hiddenFill>
-              </a:ext>
-            </a:extLst>
-          </p:spPr>
-        </p:sp>
-        <p:sp>
-          <p:nvSpPr>
-            <p:cNvPr id="30" name="Freeform 23">
-              <a:extLst>
-                <a:ext uri="{FF2B5EF4-FFF2-40B4-BE49-F238E27FC236}">
-                  <a16:creationId xmlns:a16="http://schemas.microsoft.com/office/drawing/2014/main" id="{130DF93D-D1FF-477A-BDCE-C8B01C3B476C}"/>
-                </a:ext>
-                <a:ext uri="{C183D7F6-B498-43B3-948B-1728B52AA6E4}">
-                  <adec:decorative xmlns:adec="http://schemas.microsoft.com/office/drawing/2017/decorative" val="1"/>
-                </a:ext>
-              </a:extLst>
-            </p:cNvPr>
-            <p:cNvSpPr/>
-            <p:nvPr>
-              <p:extLst>
-                <p:ext uri="{386F3935-93C4-4BCD-93E2-E3B085C9AB24}">
-                  <p16:designElem xmlns:p16="http://schemas.microsoft.com/office/powerpoint/2015/main" val="1"/>
-                </p:ext>
-              </p:extLst>
-            </p:nvPr>
-          </p:nvSpPr>
-          <p:spPr bwMode="auto">
-            <a:xfrm>
-              <a:off x="14288" y="9525"/>
-              <a:ext cx="1771650" cy="3198813"/>
-            </a:xfrm>
-            <a:custGeom>
-              <a:avLst/>
-              <a:gdLst/>
-              <a:ahLst/>
-              <a:cxnLst/>
-              <a:rect l="0" t="0" r="r" b="b"/>
-              <a:pathLst>
-                <a:path w="373" h="673">
-                  <a:moveTo>
-                    <a:pt x="373" y="0"/>
-                  </a:moveTo>
-                  <a:cubicBezTo>
-                    <a:pt x="175" y="183"/>
-                    <a:pt x="51" y="409"/>
-                    <a:pt x="0" y="673"/>
-                  </a:cubicBezTo>
-                </a:path>
-              </a:pathLst>
-            </a:custGeom>
-            <a:noFill/>
-            <a:ln w="9525" cap="flat">
-              <a:solidFill>
-                <a:schemeClr val="tx1">
-                  <a:alpha val="20000"/>
-                </a:schemeClr>
-              </a:solidFill>
-              <a:prstDash val="solid"/>
-              <a:miter lim="800000"/>
-              <a:headEnd/>
-              <a:tailEnd/>
-            </a:ln>
-            <a:extLst>
-              <a:ext uri="{909E8E84-426E-40DD-AFC4-6F175D3DCCD1}">
-                <a14:hiddenFill xmlns:a14="http://schemas.microsoft.com/office/drawing/2010/main">
-                  <a:solidFill>
-                    <a:srgbClr val="FFFFFF"/>
-                  </a:solidFill>
-                </a14:hiddenFill>
-              </a:ext>
-            </a:extLst>
-          </p:spPr>
-        </p:sp>
-        <p:sp>
-          <p:nvSpPr>
-            <p:cNvPr id="31" name="Freeform 24">
-              <a:extLst>
-                <a:ext uri="{FF2B5EF4-FFF2-40B4-BE49-F238E27FC236}">
-                  <a16:creationId xmlns:a16="http://schemas.microsoft.com/office/drawing/2014/main" id="{44ED67A1-C6FE-4AC8-8473-11DAC03DCD33}"/>
-                </a:ext>
-                <a:ext uri="{C183D7F6-B498-43B3-948B-1728B52AA6E4}">
-                  <adec:decorative xmlns:adec="http://schemas.microsoft.com/office/drawing/2017/decorative" val="1"/>
-                </a:ext>
-              </a:extLst>
-            </p:cNvPr>
-            <p:cNvSpPr/>
-            <p:nvPr>
-              <p:extLst>
-                <p:ext uri="{386F3935-93C4-4BCD-93E2-E3B085C9AB24}">
-                  <p16:designElem xmlns:p16="http://schemas.microsoft.com/office/powerpoint/2015/main" val="1"/>
-                </p:ext>
-              </p:extLst>
-            </p:nvPr>
-          </p:nvSpPr>
-          <p:spPr bwMode="auto">
-            <a:xfrm>
-              <a:off x="4763" y="6016625"/>
-              <a:ext cx="214313" cy="827088"/>
-            </a:xfrm>
-            <a:custGeom>
-              <a:avLst/>
-              <a:gdLst/>
-              <a:ahLst/>
-              <a:cxnLst/>
-              <a:rect l="0" t="0" r="r" b="b"/>
-              <a:pathLst>
-                <a:path w="45" h="174">
-                  <a:moveTo>
-                    <a:pt x="0" y="0"/>
-                  </a:moveTo>
-                  <a:cubicBezTo>
-                    <a:pt x="11" y="59"/>
-                    <a:pt x="26" y="118"/>
-                    <a:pt x="45" y="174"/>
-                  </a:cubicBezTo>
-                </a:path>
-              </a:pathLst>
-            </a:custGeom>
-            <a:noFill/>
-            <a:ln w="9525" cap="flat">
-              <a:solidFill>
-                <a:schemeClr val="tx1">
-                  <a:alpha val="20000"/>
-                </a:schemeClr>
-              </a:solidFill>
-              <a:prstDash val="solid"/>
-              <a:miter lim="800000"/>
-              <a:headEnd/>
-              <a:tailEnd/>
-            </a:ln>
-            <a:extLst>
-              <a:ext uri="{909E8E84-426E-40DD-AFC4-6F175D3DCCD1}">
-                <a14:hiddenFill xmlns:a14="http://schemas.microsoft.com/office/drawing/2010/main">
-                  <a:solidFill>
-                    <a:srgbClr val="FFFFFF"/>
-                  </a:solidFill>
-                </a14:hiddenFill>
-              </a:ext>
-            </a:extLst>
-          </p:spPr>
-        </p:sp>
-        <p:sp>
-          <p:nvSpPr>
-            <p:cNvPr id="32" name="Freeform 25">
-              <a:extLst>
-                <a:ext uri="{FF2B5EF4-FFF2-40B4-BE49-F238E27FC236}">
-                  <a16:creationId xmlns:a16="http://schemas.microsoft.com/office/drawing/2014/main" id="{213A54F3-15FA-4C8F-8ABF-CE77E7219658}"/>
-                </a:ext>
-                <a:ext uri="{C183D7F6-B498-43B3-948B-1728B52AA6E4}">
-                  <adec:decorative xmlns:adec="http://schemas.microsoft.com/office/drawing/2017/decorative" val="1"/>
-                </a:ext>
-              </a:extLst>
-            </p:cNvPr>
-            <p:cNvSpPr/>
-            <p:nvPr>
-              <p:extLst>
-                <p:ext uri="{386F3935-93C4-4BCD-93E2-E3B085C9AB24}">
-                  <p16:designElem xmlns:p16="http://schemas.microsoft.com/office/powerpoint/2015/main" val="1"/>
-                </p:ext>
-              </p:extLst>
-            </p:nvPr>
-          </p:nvSpPr>
-          <p:spPr bwMode="auto">
-            <a:xfrm>
-              <a:off x="14288" y="0"/>
-              <a:ext cx="1562100" cy="2228850"/>
-            </a:xfrm>
-            <a:custGeom>
-              <a:avLst/>
-              <a:gdLst/>
-              <a:ahLst/>
-              <a:cxnLst/>
-              <a:rect l="0" t="0" r="r" b="b"/>
-              <a:pathLst>
-                <a:path w="329" h="469">
-                  <a:moveTo>
-                    <a:pt x="329" y="0"/>
-                  </a:moveTo>
-                  <a:cubicBezTo>
-                    <a:pt x="189" y="133"/>
-                    <a:pt x="69" y="288"/>
-                    <a:pt x="0" y="469"/>
-                  </a:cubicBezTo>
-                </a:path>
-              </a:pathLst>
-            </a:custGeom>
-            <a:noFill/>
-            <a:ln w="9525" cap="flat">
-              <a:solidFill>
-                <a:schemeClr val="tx1">
-                  <a:alpha val="20000"/>
-                </a:schemeClr>
-              </a:solidFill>
-              <a:prstDash val="solid"/>
-              <a:miter lim="800000"/>
-              <a:headEnd/>
-              <a:tailEnd/>
-            </a:ln>
-            <a:extLst>
-              <a:ext uri="{909E8E84-426E-40DD-AFC4-6F175D3DCCD1}">
-                <a14:hiddenFill xmlns:a14="http://schemas.microsoft.com/office/drawing/2010/main">
-                  <a:solidFill>
-                    <a:srgbClr val="FFFFFF"/>
-                  </a:solidFill>
-                </a14:hiddenFill>
-              </a:ext>
-            </a:extLst>
-          </p:spPr>
-        </p:sp>
-      </p:grpSp>
-      <p:grpSp>
-        <p:nvGrpSpPr>
-          <p:cNvPr id="34" name="Group 33">
-            <a:extLst>
-              <a:ext uri="{FF2B5EF4-FFF2-40B4-BE49-F238E27FC236}">
-                <a16:creationId xmlns:a16="http://schemas.microsoft.com/office/drawing/2014/main" id="{5F8A7F7F-DD1A-4F41-98AC-B9CE2A620CDC}"/>
-              </a:ext>
-              <a:ext uri="{C183D7F6-B498-43B3-948B-1728B52AA6E4}">
-                <adec:decorative xmlns:adec="http://schemas.microsoft.com/office/drawing/2017/decorative" val="1"/>
-              </a:ext>
-            </a:extLst>
-          </p:cNvPr>
-          <p:cNvGrpSpPr>
-            <a:grpSpLocks noGrp="1" noUngrp="1" noRot="1" noChangeAspect="1" noMove="1" noResize="1"/>
-          </p:cNvGrpSpPr>
-          <p:nvPr>
-            <p:extLst>
-              <p:ext uri="{386F3935-93C4-4BCD-93E2-E3B085C9AB24}">
-                <p16:designElem xmlns:p16="http://schemas.microsoft.com/office/powerpoint/2015/main" val="1"/>
-              </p:ext>
-            </p:extLst>
-          </p:nvPr>
-        </p:nvGrpSpPr>
-        <p:grpSpPr>
-          <a:xfrm>
-            <a:off x="800144" y="1699589"/>
-            <a:ext cx="3674476" cy="3470421"/>
-            <a:chOff x="697883" y="1816768"/>
-            <a:chExt cx="3674476" cy="3470421"/>
-          </a:xfrm>
-        </p:grpSpPr>
-        <p:sp>
-          <p:nvSpPr>
-            <p:cNvPr id="35" name="Rectangle 34">
-              <a:extLst>
-                <a:ext uri="{FF2B5EF4-FFF2-40B4-BE49-F238E27FC236}">
-                  <a16:creationId xmlns:a16="http://schemas.microsoft.com/office/drawing/2014/main" id="{CEF47228-EB7C-4EBA-BE01-DA6CB2410289}"/>
-                </a:ext>
-                <a:ext uri="{C183D7F6-B498-43B3-948B-1728B52AA6E4}">
-                  <adec:decorative xmlns:adec="http://schemas.microsoft.com/office/drawing/2017/decorative" val="1"/>
-                </a:ext>
-              </a:extLst>
-            </p:cNvPr>
-            <p:cNvSpPr/>
-            <p:nvPr>
-              <p:extLst>
-                <p:ext uri="{386F3935-93C4-4BCD-93E2-E3B085C9AB24}">
-                  <p16:designElem xmlns:p16="http://schemas.microsoft.com/office/powerpoint/2015/main" val="1"/>
-                </p:ext>
-              </p:extLst>
-            </p:nvPr>
-          </p:nvSpPr>
-          <p:spPr>
-            <a:xfrm>
-              <a:off x="697883" y="1816768"/>
-              <a:ext cx="3674476" cy="502920"/>
-            </a:xfrm>
-            <a:prstGeom prst="rect">
-              <a:avLst/>
-            </a:prstGeom>
-            <a:solidFill>
-              <a:schemeClr val="accent1"/>
-            </a:solidFill>
-            <a:ln>
-              <a:noFill/>
-            </a:ln>
-          </p:spPr>
-          <p:style>
-            <a:lnRef idx="2">
-              <a:schemeClr val="accent1">
-                <a:shade val="50000"/>
-              </a:schemeClr>
-            </a:lnRef>
-            <a:fillRef idx="1">
-              <a:schemeClr val="accent1"/>
-            </a:fillRef>
-            <a:effectRef idx="0">
-              <a:schemeClr val="accent1"/>
-            </a:effectRef>
-            <a:fontRef idx="minor">
-              <a:schemeClr val="lt1"/>
-            </a:fontRef>
-          </p:style>
-        </p:sp>
-        <p:sp>
-          <p:nvSpPr>
-            <p:cNvPr id="36" name="Isosceles Triangle 22">
-              <a:extLst>
-                <a:ext uri="{FF2B5EF4-FFF2-40B4-BE49-F238E27FC236}">
-                  <a16:creationId xmlns:a16="http://schemas.microsoft.com/office/drawing/2014/main" id="{3D2FD25A-EFFD-4F5C-9258-981F5907DE21}"/>
-                </a:ext>
-                <a:ext uri="{C183D7F6-B498-43B3-948B-1728B52AA6E4}">
-                  <adec:decorative xmlns:adec="http://schemas.microsoft.com/office/drawing/2017/decorative" val="1"/>
-                </a:ext>
-              </a:extLst>
-            </p:cNvPr>
-            <p:cNvSpPr/>
-            <p:nvPr>
-              <p:extLst>
-                <p:ext uri="{386F3935-93C4-4BCD-93E2-E3B085C9AB24}">
-                  <p16:designElem xmlns:p16="http://schemas.microsoft.com/office/powerpoint/2015/main" val="1"/>
-                </p:ext>
-              </p:extLst>
-            </p:nvPr>
-          </p:nvSpPr>
-          <p:spPr>
-            <a:xfrm rot="10800000">
-              <a:off x="2380224" y="5014786"/>
-              <a:ext cx="315988" cy="272403"/>
-            </a:xfrm>
-            <a:prstGeom prst="triangle">
-              <a:avLst/>
-            </a:prstGeom>
-            <a:solidFill>
-              <a:schemeClr val="accent1"/>
-            </a:solidFill>
-            <a:ln>
-              <a:noFill/>
-            </a:ln>
-          </p:spPr>
-          <p:style>
-            <a:lnRef idx="2">
-              <a:schemeClr val="accent1">
-                <a:shade val="50000"/>
-              </a:schemeClr>
-            </a:lnRef>
-            <a:fillRef idx="1">
-              <a:schemeClr val="accent1"/>
-            </a:fillRef>
-            <a:effectRef idx="0">
-              <a:schemeClr val="accent1"/>
-            </a:effectRef>
-            <a:fontRef idx="minor">
-              <a:schemeClr val="lt1"/>
-            </a:fontRef>
-          </p:style>
-        </p:sp>
-        <p:sp>
-          <p:nvSpPr>
-            <p:cNvPr id="37" name="Rectangle 36">
-              <a:extLst>
-                <a:ext uri="{FF2B5EF4-FFF2-40B4-BE49-F238E27FC236}">
-                  <a16:creationId xmlns:a16="http://schemas.microsoft.com/office/drawing/2014/main" id="{DCF573BC-A06F-4036-A3A8-9D07DDE62253}"/>
-                </a:ext>
-                <a:ext uri="{C183D7F6-B498-43B3-948B-1728B52AA6E4}">
-                  <adec:decorative xmlns:adec="http://schemas.microsoft.com/office/drawing/2017/decorative" val="1"/>
-                </a:ext>
-              </a:extLst>
-            </p:cNvPr>
-            <p:cNvSpPr/>
-            <p:nvPr>
-              <p:extLst>
-                <p:ext uri="{386F3935-93C4-4BCD-93E2-E3B085C9AB24}">
-                  <p16:designElem xmlns:p16="http://schemas.microsoft.com/office/powerpoint/2015/main" val="1"/>
-                </p:ext>
-              </p:extLst>
-            </p:nvPr>
-          </p:nvSpPr>
-          <p:spPr>
-            <a:xfrm>
-              <a:off x="704075" y="2392840"/>
-              <a:ext cx="3668284" cy="2624327"/>
-            </a:xfrm>
-            <a:prstGeom prst="rect">
-              <a:avLst/>
-            </a:prstGeom>
-            <a:solidFill>
-              <a:schemeClr val="accent1"/>
-            </a:solidFill>
-            <a:ln>
-              <a:noFill/>
-            </a:ln>
-          </p:spPr>
-          <p:style>
-            <a:lnRef idx="2">
-              <a:schemeClr val="accent1">
-                <a:shade val="50000"/>
-              </a:schemeClr>
-            </a:lnRef>
-            <a:fillRef idx="1">
-              <a:schemeClr val="accent1"/>
-            </a:fillRef>
-            <a:effectRef idx="0">
-              <a:schemeClr val="accent1"/>
-            </a:effectRef>
-            <a:fontRef idx="minor">
-              <a:schemeClr val="lt1"/>
-            </a:fontRef>
-          </p:style>
-        </p:sp>
-      </p:grpSp>
-      <p:sp>
-        <p:nvSpPr>
-          <p:cNvPr id="2" name="Τίτλος 1"/>
-          <p:cNvSpPr>
-            <a:spLocks noGrp="1"/>
-          </p:cNvSpPr>
-          <p:nvPr>
-            <p:ph type="title"/>
-          </p:nvPr>
-        </p:nvSpPr>
-        <p:spPr>
-          <a:xfrm>
-            <a:off x="904877" y="2415322"/>
-            <a:ext cx="3451730" cy="2399869"/>
-          </a:xfrm>
-        </p:spPr>
-        <p:txBody>
-          <a:bodyPr>
-            <a:normAutofit/>
-          </a:bodyPr>
-          <a:lstStyle/>
-          <a:p>
-            <a:pPr algn="ctr"/>
-            <a:r>
-              <a:rPr lang="en-US" sz="3700" b="1">
-                <a:solidFill>
-                  <a:srgbClr val="FFFFFF"/>
-                </a:solidFill>
-              </a:rPr>
-              <a:t>RDDs: Transformations - Actions</a:t>
-            </a:r>
-            <a:endParaRPr lang="el-GR" sz="3700">
-              <a:solidFill>
-                <a:srgbClr val="FFFFFF"/>
-              </a:solidFill>
-            </a:endParaRPr>
-          </a:p>
-        </p:txBody>
-      </p:sp>
-      <p:sp>
-        <p:nvSpPr>
-          <p:cNvPr id="4" name="Θέση αριθμού διαφάνειας 3"/>
-          <p:cNvSpPr>
-            <a:spLocks noGrp="1"/>
-          </p:cNvSpPr>
-          <p:nvPr>
-            <p:ph type="sldNum" sz="quarter" idx="12"/>
-          </p:nvPr>
-        </p:nvSpPr>
-        <p:spPr>
-          <a:xfrm>
-            <a:off x="10469880" y="320040"/>
-            <a:ext cx="914400" cy="320040"/>
-          </a:xfrm>
-        </p:spPr>
-        <p:txBody>
-          <a:bodyPr>
-            <a:normAutofit/>
-          </a:bodyPr>
-          <a:lstStyle/>
-          <a:p>
-            <a:pPr>
-              <a:spcAft>
-                <a:spcPts val="600"/>
-              </a:spcAft>
-            </a:pPr>
-            <a:fld id="{634CA47B-BB17-47C7-9E60-64B1219A2C73}" type="slidenum">
-              <a:rPr lang="el-GR">
-                <a:solidFill>
-                  <a:schemeClr val="tx1">
-                    <a:lumMod val="50000"/>
-                    <a:lumOff val="50000"/>
-                  </a:schemeClr>
-                </a:solidFill>
-              </a:rPr>
-              <a:pPr>
-                <a:spcAft>
-                  <a:spcPts val="600"/>
-                </a:spcAft>
-              </a:pPr>
-              <a:t>9</a:t>
-            </a:fld>
-            <a:endParaRPr lang="el-GR">
-              <a:solidFill>
-                <a:schemeClr val="tx1">
-                  <a:lumMod val="50000"/>
-                  <a:lumOff val="50000"/>
-                </a:schemeClr>
-              </a:solidFill>
-            </a:endParaRPr>
-          </a:p>
-        </p:txBody>
-      </p:sp>
-      <p:sp>
-        <p:nvSpPr>
-          <p:cNvPr id="3" name="Θέση περιεχομένου 2"/>
-          <p:cNvSpPr>
-            <a:spLocks noGrp="1"/>
-          </p:cNvSpPr>
-          <p:nvPr>
-            <p:ph idx="1"/>
-          </p:nvPr>
-        </p:nvSpPr>
-        <p:spPr>
-          <a:xfrm>
-            <a:off x="5120640" y="804672"/>
-            <a:ext cx="6281928" cy="5248656"/>
-          </a:xfrm>
-        </p:spPr>
-        <p:txBody>
-          <a:bodyPr anchor="ctr">
-            <a:normAutofit/>
-          </a:bodyPr>
-          <a:lstStyle/>
-          <a:p>
-            <a:pPr marL="0" indent="0">
-              <a:buNone/>
-            </a:pPr>
-            <a:r>
-              <a:rPr lang="el-GR" sz="2000"/>
-              <a:t>Από τη στιγμή που έχει δημιουργηθεί ένα </a:t>
-            </a:r>
-            <a:r>
-              <a:rPr lang="en-US" sz="2000"/>
-              <a:t>RDD </a:t>
-            </a:r>
-            <a:r>
-              <a:rPr lang="el-GR" sz="2000"/>
-              <a:t>δύο βασικοί τύποι λειτουργιών μπορούν να γίνουν:</a:t>
-            </a:r>
-          </a:p>
-          <a:p>
-            <a:pPr lvl="1"/>
-            <a:r>
-              <a:rPr lang="el-GR" sz="2000" b="1"/>
-              <a:t>Μετασχηματισμοί (</a:t>
-            </a:r>
-            <a:r>
-              <a:rPr lang="en-US" sz="2000" b="1"/>
-              <a:t>tranformations</a:t>
-            </a:r>
-            <a:r>
-              <a:rPr lang="el-GR" sz="2000" b="1"/>
-              <a:t>)</a:t>
-            </a:r>
-            <a:endParaRPr lang="en-US" sz="2000"/>
-          </a:p>
-          <a:p>
-            <a:pPr lvl="2"/>
-            <a:r>
-              <a:rPr lang="el-GR"/>
-              <a:t>δημιουργούν ένα νέο </a:t>
-            </a:r>
-            <a:r>
-              <a:rPr lang="en-US"/>
-              <a:t>RDD </a:t>
-            </a:r>
-            <a:r>
-              <a:rPr lang="el-GR"/>
-              <a:t>αλλάζοντας το αρχικό (π.χ. </a:t>
-            </a:r>
-            <a:r>
-              <a:rPr lang="en-US"/>
-              <a:t>map, filter, flatMap, groupByKey, reduceByKey, aggregateByKey, pipe, coalesce</a:t>
-            </a:r>
-            <a:r>
-              <a:rPr lang="el-GR"/>
-              <a:t>)</a:t>
-            </a:r>
-            <a:endParaRPr lang="en-US"/>
-          </a:p>
-          <a:p>
-            <a:pPr lvl="2"/>
-            <a:r>
-              <a:rPr lang="el-GR"/>
-              <a:t>οι μετασχηματισμοί δεν επιστρέφουν μια απλή τιμή αλλά ένα νέο </a:t>
-            </a:r>
-            <a:r>
-              <a:rPr lang="en-US"/>
-              <a:t>RDD</a:t>
-            </a:r>
-            <a:r>
-              <a:rPr lang="el-GR"/>
-              <a:t> (</a:t>
-            </a:r>
-            <a:r>
-              <a:rPr lang="en-US"/>
-              <a:t>lazy evaluation</a:t>
-            </a:r>
-            <a:r>
-              <a:rPr lang="el-GR"/>
-              <a:t>) </a:t>
-            </a:r>
-            <a:r>
-              <a:rPr lang="en-US"/>
-              <a:t> </a:t>
-            </a:r>
-          </a:p>
-          <a:p>
-            <a:pPr lvl="1"/>
-            <a:r>
-              <a:rPr lang="el-GR" sz="2000" b="1"/>
-              <a:t>Ενέργειες</a:t>
-            </a:r>
-            <a:r>
-              <a:rPr lang="en-US" sz="2000" b="1"/>
-              <a:t> (actions)</a:t>
-            </a:r>
-            <a:endParaRPr lang="en-US" sz="2000"/>
-          </a:p>
-          <a:p>
-            <a:pPr lvl="2"/>
-            <a:r>
-              <a:rPr lang="el-GR"/>
-              <a:t>υπολογίζουν μια ποσότητα αλλά δεν αλλάζουν τα δεδομένα (π.χ. </a:t>
-            </a:r>
-            <a:r>
-              <a:rPr lang="en-US"/>
-              <a:t>reduce, collect, count, first, take, countByKey, foreach</a:t>
-            </a:r>
-            <a:r>
-              <a:rPr lang="el-GR"/>
-              <a:t>) </a:t>
-            </a:r>
-          </a:p>
-          <a:p>
-            <a:pPr lvl="2"/>
-            <a:r>
-              <a:rPr lang="el-GR"/>
-              <a:t>όταν καλείται μια ενέργεια σε ένα </a:t>
-            </a:r>
-            <a:r>
-              <a:rPr lang="en-US"/>
-              <a:t>RDD, </a:t>
-            </a:r>
-            <a:r>
-              <a:rPr lang="el-GR"/>
-              <a:t>τότε εκτελούνται όλοι οι μετασχηματισμοί και επιστρέφεται το αποτέλεσμα</a:t>
-            </a:r>
-            <a:endParaRPr lang="en-US"/>
-          </a:p>
-          <a:p>
-            <a:endParaRPr lang="el-GR" sz="2000"/>
-          </a:p>
-          <a:p>
-            <a:endParaRPr lang="el-GR" sz="2000"/>
-          </a:p>
-        </p:txBody>
-      </p:sp>
+      </p:pic>
     </p:spTree>
     <p:extLst>
       <p:ext uri="{BB962C8B-B14F-4D97-AF65-F5344CB8AC3E}">
-        <p14:creationId xmlns:p14="http://schemas.microsoft.com/office/powerpoint/2010/main" val="1850933374"/>
+        <p14:creationId xmlns:p14="http://schemas.microsoft.com/office/powerpoint/2010/main" val="4239495160"/>
       </p:ext>
     </p:extLst>
   </p:cSld>

--- a/04. Apache Spark.pptx
+++ b/04. Apache Spark.pptx
@@ -5,26 +5,31 @@
     <p:sldMasterId id="2147483648" r:id="rId1"/>
   </p:sldMasterIdLst>
   <p:notesMasterIdLst>
-    <p:notesMasterId r:id="rId19"/>
+    <p:notesMasterId r:id="rId24"/>
   </p:notesMasterIdLst>
   <p:sldIdLst>
     <p:sldId id="272" r:id="rId2"/>
     <p:sldId id="258" r:id="rId3"/>
-    <p:sldId id="259" r:id="rId4"/>
-    <p:sldId id="260" r:id="rId5"/>
-    <p:sldId id="261" r:id="rId6"/>
-    <p:sldId id="262" r:id="rId7"/>
-    <p:sldId id="263" r:id="rId8"/>
-    <p:sldId id="274" r:id="rId9"/>
-    <p:sldId id="273" r:id="rId10"/>
-    <p:sldId id="264" r:id="rId11"/>
-    <p:sldId id="265" r:id="rId12"/>
-    <p:sldId id="266" r:id="rId13"/>
-    <p:sldId id="270" r:id="rId14"/>
-    <p:sldId id="271" r:id="rId15"/>
-    <p:sldId id="269" r:id="rId16"/>
-    <p:sldId id="268" r:id="rId17"/>
-    <p:sldId id="267" r:id="rId18"/>
+    <p:sldId id="275" r:id="rId4"/>
+    <p:sldId id="277" r:id="rId5"/>
+    <p:sldId id="278" r:id="rId6"/>
+    <p:sldId id="259" r:id="rId7"/>
+    <p:sldId id="260" r:id="rId8"/>
+    <p:sldId id="261" r:id="rId9"/>
+    <p:sldId id="262" r:id="rId10"/>
+    <p:sldId id="263" r:id="rId11"/>
+    <p:sldId id="274" r:id="rId12"/>
+    <p:sldId id="273" r:id="rId13"/>
+    <p:sldId id="264" r:id="rId14"/>
+    <p:sldId id="265" r:id="rId15"/>
+    <p:sldId id="266" r:id="rId16"/>
+    <p:sldId id="270" r:id="rId17"/>
+    <p:sldId id="271" r:id="rId18"/>
+    <p:sldId id="269" r:id="rId19"/>
+    <p:sldId id="279" r:id="rId20"/>
+    <p:sldId id="276" r:id="rId21"/>
+    <p:sldId id="268" r:id="rId22"/>
+    <p:sldId id="267" r:id="rId23"/>
   </p:sldIdLst>
   <p:sldSz cx="12192000" cy="6858000"/>
   <p:notesSz cx="6858000" cy="9144000"/>
@@ -913,6 +918,753 @@
 </dgm:colorsDef>
 </file>
 
+<file path=ppt/diagrams/colors2.xml><?xml version="1.0" encoding="utf-8"?>
+<dgm:colorsDef xmlns:dgm="http://schemas.openxmlformats.org/drawingml/2006/diagram" xmlns:a="http://schemas.openxmlformats.org/drawingml/2006/main" uniqueId="urn:microsoft.com/office/officeart/2005/8/colors/accent1_2">
+  <dgm:title val=""/>
+  <dgm:desc val=""/>
+  <dgm:catLst>
+    <dgm:cat type="accent1" pri="11200"/>
+  </dgm:catLst>
+  <dgm:styleLbl name="node0">
+    <dgm:fillClrLst meth="repeat">
+      <a:schemeClr val="accent1"/>
+    </dgm:fillClrLst>
+    <dgm:linClrLst meth="repeat">
+      <a:schemeClr val="lt1"/>
+    </dgm:linClrLst>
+    <dgm:effectClrLst/>
+    <dgm:txLinClrLst/>
+    <dgm:txFillClrLst/>
+    <dgm:txEffectClrLst/>
+  </dgm:styleLbl>
+  <dgm:styleLbl name="alignNode1">
+    <dgm:fillClrLst meth="repeat">
+      <a:schemeClr val="accent1"/>
+    </dgm:fillClrLst>
+    <dgm:linClrLst meth="repeat">
+      <a:schemeClr val="accent1"/>
+    </dgm:linClrLst>
+    <dgm:effectClrLst/>
+    <dgm:txLinClrLst/>
+    <dgm:txFillClrLst/>
+    <dgm:txEffectClrLst/>
+  </dgm:styleLbl>
+  <dgm:styleLbl name="node1">
+    <dgm:fillClrLst meth="repeat">
+      <a:schemeClr val="accent1"/>
+    </dgm:fillClrLst>
+    <dgm:linClrLst meth="repeat">
+      <a:schemeClr val="lt1"/>
+    </dgm:linClrLst>
+    <dgm:effectClrLst/>
+    <dgm:txLinClrLst/>
+    <dgm:txFillClrLst/>
+    <dgm:txEffectClrLst/>
+  </dgm:styleLbl>
+  <dgm:styleLbl name="lnNode1">
+    <dgm:fillClrLst meth="repeat">
+      <a:schemeClr val="accent1"/>
+    </dgm:fillClrLst>
+    <dgm:linClrLst meth="repeat">
+      <a:schemeClr val="lt1"/>
+    </dgm:linClrLst>
+    <dgm:effectClrLst/>
+    <dgm:txLinClrLst/>
+    <dgm:txFillClrLst/>
+    <dgm:txEffectClrLst/>
+  </dgm:styleLbl>
+  <dgm:styleLbl name="vennNode1">
+    <dgm:fillClrLst meth="repeat">
+      <a:schemeClr val="accent1">
+        <a:alpha val="50000"/>
+      </a:schemeClr>
+    </dgm:fillClrLst>
+    <dgm:linClrLst meth="repeat">
+      <a:schemeClr val="lt1"/>
+    </dgm:linClrLst>
+    <dgm:effectClrLst/>
+    <dgm:txLinClrLst/>
+    <dgm:txFillClrLst/>
+    <dgm:txEffectClrLst/>
+  </dgm:styleLbl>
+  <dgm:styleLbl name="node2">
+    <dgm:fillClrLst meth="repeat">
+      <a:schemeClr val="accent1"/>
+    </dgm:fillClrLst>
+    <dgm:linClrLst meth="repeat">
+      <a:schemeClr val="lt1"/>
+    </dgm:linClrLst>
+    <dgm:effectClrLst/>
+    <dgm:txLinClrLst/>
+    <dgm:txFillClrLst/>
+    <dgm:txEffectClrLst/>
+  </dgm:styleLbl>
+  <dgm:styleLbl name="node3">
+    <dgm:fillClrLst meth="repeat">
+      <a:schemeClr val="accent1"/>
+    </dgm:fillClrLst>
+    <dgm:linClrLst meth="repeat">
+      <a:schemeClr val="lt1"/>
+    </dgm:linClrLst>
+    <dgm:effectClrLst/>
+    <dgm:txLinClrLst/>
+    <dgm:txFillClrLst/>
+    <dgm:txEffectClrLst/>
+  </dgm:styleLbl>
+  <dgm:styleLbl name="node4">
+    <dgm:fillClrLst meth="repeat">
+      <a:schemeClr val="accent1"/>
+    </dgm:fillClrLst>
+    <dgm:linClrLst meth="repeat">
+      <a:schemeClr val="lt1"/>
+    </dgm:linClrLst>
+    <dgm:effectClrLst/>
+    <dgm:txLinClrLst/>
+    <dgm:txFillClrLst/>
+    <dgm:txEffectClrLst/>
+  </dgm:styleLbl>
+  <dgm:styleLbl name="fgImgPlace1">
+    <dgm:fillClrLst meth="repeat">
+      <a:schemeClr val="accent1">
+        <a:tint val="50000"/>
+      </a:schemeClr>
+    </dgm:fillClrLst>
+    <dgm:linClrLst meth="repeat">
+      <a:schemeClr val="lt1"/>
+    </dgm:linClrLst>
+    <dgm:effectClrLst/>
+    <dgm:txLinClrLst/>
+    <dgm:txFillClrLst meth="repeat">
+      <a:schemeClr val="lt1"/>
+    </dgm:txFillClrLst>
+    <dgm:txEffectClrLst/>
+  </dgm:styleLbl>
+  <dgm:styleLbl name="alignImgPlace1">
+    <dgm:fillClrLst meth="repeat">
+      <a:schemeClr val="accent1">
+        <a:tint val="50000"/>
+      </a:schemeClr>
+    </dgm:fillClrLst>
+    <dgm:linClrLst meth="repeat">
+      <a:schemeClr val="lt1"/>
+    </dgm:linClrLst>
+    <dgm:effectClrLst/>
+    <dgm:txLinClrLst/>
+    <dgm:txFillClrLst meth="repeat">
+      <a:schemeClr val="lt1"/>
+    </dgm:txFillClrLst>
+    <dgm:txEffectClrLst/>
+  </dgm:styleLbl>
+  <dgm:styleLbl name="bgImgPlace1">
+    <dgm:fillClrLst meth="repeat">
+      <a:schemeClr val="accent1">
+        <a:tint val="50000"/>
+      </a:schemeClr>
+    </dgm:fillClrLst>
+    <dgm:linClrLst meth="repeat">
+      <a:schemeClr val="lt1"/>
+    </dgm:linClrLst>
+    <dgm:effectClrLst/>
+    <dgm:txLinClrLst/>
+    <dgm:txFillClrLst meth="repeat">
+      <a:schemeClr val="lt1"/>
+    </dgm:txFillClrLst>
+    <dgm:txEffectClrLst/>
+  </dgm:styleLbl>
+  <dgm:styleLbl name="sibTrans2D1">
+    <dgm:fillClrLst meth="repeat">
+      <a:schemeClr val="accent1">
+        <a:tint val="60000"/>
+      </a:schemeClr>
+    </dgm:fillClrLst>
+    <dgm:linClrLst meth="repeat">
+      <a:schemeClr val="accent1">
+        <a:tint val="60000"/>
+      </a:schemeClr>
+    </dgm:linClrLst>
+    <dgm:effectClrLst/>
+    <dgm:txLinClrLst/>
+    <dgm:txFillClrLst/>
+    <dgm:txEffectClrLst/>
+  </dgm:styleLbl>
+  <dgm:styleLbl name="fgSibTrans2D1">
+    <dgm:fillClrLst meth="repeat">
+      <a:schemeClr val="accent1">
+        <a:tint val="60000"/>
+      </a:schemeClr>
+    </dgm:fillClrLst>
+    <dgm:linClrLst meth="repeat">
+      <a:schemeClr val="accent1">
+        <a:tint val="60000"/>
+      </a:schemeClr>
+    </dgm:linClrLst>
+    <dgm:effectClrLst/>
+    <dgm:txLinClrLst/>
+    <dgm:txFillClrLst/>
+    <dgm:txEffectClrLst/>
+  </dgm:styleLbl>
+  <dgm:styleLbl name="bgSibTrans2D1">
+    <dgm:fillClrLst meth="repeat">
+      <a:schemeClr val="accent1">
+        <a:tint val="60000"/>
+      </a:schemeClr>
+    </dgm:fillClrLst>
+    <dgm:linClrLst meth="repeat">
+      <a:schemeClr val="accent1">
+        <a:tint val="60000"/>
+      </a:schemeClr>
+    </dgm:linClrLst>
+    <dgm:effectClrLst/>
+    <dgm:txLinClrLst/>
+    <dgm:txFillClrLst/>
+    <dgm:txEffectClrLst/>
+  </dgm:styleLbl>
+  <dgm:styleLbl name="sibTrans1D1">
+    <dgm:fillClrLst meth="repeat">
+      <a:schemeClr val="accent1"/>
+    </dgm:fillClrLst>
+    <dgm:linClrLst meth="repeat">
+      <a:schemeClr val="accent1"/>
+    </dgm:linClrLst>
+    <dgm:effectClrLst/>
+    <dgm:txLinClrLst/>
+    <dgm:txFillClrLst meth="repeat">
+      <a:schemeClr val="tx1"/>
+    </dgm:txFillClrLst>
+    <dgm:txEffectClrLst/>
+  </dgm:styleLbl>
+  <dgm:styleLbl name="callout">
+    <dgm:fillClrLst meth="repeat">
+      <a:schemeClr val="accent1"/>
+    </dgm:fillClrLst>
+    <dgm:linClrLst meth="repeat">
+      <a:schemeClr val="accent1">
+        <a:tint val="50000"/>
+      </a:schemeClr>
+    </dgm:linClrLst>
+    <dgm:effectClrLst/>
+    <dgm:txLinClrLst/>
+    <dgm:txFillClrLst meth="repeat">
+      <a:schemeClr val="tx1"/>
+    </dgm:txFillClrLst>
+    <dgm:txEffectClrLst/>
+  </dgm:styleLbl>
+  <dgm:styleLbl name="asst0">
+    <dgm:fillClrLst meth="repeat">
+      <a:schemeClr val="accent1"/>
+    </dgm:fillClrLst>
+    <dgm:linClrLst meth="repeat">
+      <a:schemeClr val="lt1"/>
+    </dgm:linClrLst>
+    <dgm:effectClrLst/>
+    <dgm:txLinClrLst/>
+    <dgm:txFillClrLst/>
+    <dgm:txEffectClrLst/>
+  </dgm:styleLbl>
+  <dgm:styleLbl name="asst1">
+    <dgm:fillClrLst meth="repeat">
+      <a:schemeClr val="accent1"/>
+    </dgm:fillClrLst>
+    <dgm:linClrLst meth="repeat">
+      <a:schemeClr val="lt1"/>
+    </dgm:linClrLst>
+    <dgm:effectClrLst/>
+    <dgm:txLinClrLst/>
+    <dgm:txFillClrLst/>
+    <dgm:txEffectClrLst/>
+  </dgm:styleLbl>
+  <dgm:styleLbl name="asst2">
+    <dgm:fillClrLst meth="repeat">
+      <a:schemeClr val="accent1"/>
+    </dgm:fillClrLst>
+    <dgm:linClrLst meth="repeat">
+      <a:schemeClr val="lt1"/>
+    </dgm:linClrLst>
+    <dgm:effectClrLst/>
+    <dgm:txLinClrLst/>
+    <dgm:txFillClrLst/>
+    <dgm:txEffectClrLst/>
+  </dgm:styleLbl>
+  <dgm:styleLbl name="asst3">
+    <dgm:fillClrLst meth="repeat">
+      <a:schemeClr val="accent1"/>
+    </dgm:fillClrLst>
+    <dgm:linClrLst meth="repeat">
+      <a:schemeClr val="lt1"/>
+    </dgm:linClrLst>
+    <dgm:effectClrLst/>
+    <dgm:txLinClrLst/>
+    <dgm:txFillClrLst/>
+    <dgm:txEffectClrLst/>
+  </dgm:styleLbl>
+  <dgm:styleLbl name="asst4">
+    <dgm:fillClrLst meth="repeat">
+      <a:schemeClr val="accent1"/>
+    </dgm:fillClrLst>
+    <dgm:linClrLst meth="repeat">
+      <a:schemeClr val="lt1"/>
+    </dgm:linClrLst>
+    <dgm:effectClrLst/>
+    <dgm:txLinClrLst/>
+    <dgm:txFillClrLst/>
+    <dgm:txEffectClrLst/>
+  </dgm:styleLbl>
+  <dgm:styleLbl name="parChTrans2D1">
+    <dgm:fillClrLst meth="repeat">
+      <a:schemeClr val="accent1">
+        <a:tint val="60000"/>
+      </a:schemeClr>
+    </dgm:fillClrLst>
+    <dgm:linClrLst meth="repeat">
+      <a:schemeClr val="accent1">
+        <a:tint val="60000"/>
+      </a:schemeClr>
+    </dgm:linClrLst>
+    <dgm:effectClrLst/>
+    <dgm:txLinClrLst/>
+    <dgm:txFillClrLst meth="repeat">
+      <a:schemeClr val="lt1"/>
+    </dgm:txFillClrLst>
+    <dgm:txEffectClrLst/>
+  </dgm:styleLbl>
+  <dgm:styleLbl name="parChTrans2D2">
+    <dgm:fillClrLst meth="repeat">
+      <a:schemeClr val="accent1"/>
+    </dgm:fillClrLst>
+    <dgm:linClrLst meth="repeat">
+      <a:schemeClr val="accent1"/>
+    </dgm:linClrLst>
+    <dgm:effectClrLst/>
+    <dgm:txLinClrLst/>
+    <dgm:txFillClrLst meth="repeat">
+      <a:schemeClr val="lt1"/>
+    </dgm:txFillClrLst>
+    <dgm:txEffectClrLst/>
+  </dgm:styleLbl>
+  <dgm:styleLbl name="parChTrans2D3">
+    <dgm:fillClrLst meth="repeat">
+      <a:schemeClr val="accent1"/>
+    </dgm:fillClrLst>
+    <dgm:linClrLst meth="repeat">
+      <a:schemeClr val="accent1"/>
+    </dgm:linClrLst>
+    <dgm:effectClrLst/>
+    <dgm:txLinClrLst/>
+    <dgm:txFillClrLst meth="repeat">
+      <a:schemeClr val="lt1"/>
+    </dgm:txFillClrLst>
+    <dgm:txEffectClrLst/>
+  </dgm:styleLbl>
+  <dgm:styleLbl name="parChTrans2D4">
+    <dgm:fillClrLst meth="repeat">
+      <a:schemeClr val="accent1"/>
+    </dgm:fillClrLst>
+    <dgm:linClrLst meth="repeat">
+      <a:schemeClr val="accent1"/>
+    </dgm:linClrLst>
+    <dgm:effectClrLst/>
+    <dgm:txLinClrLst/>
+    <dgm:txFillClrLst meth="repeat">
+      <a:schemeClr val="lt1"/>
+    </dgm:txFillClrLst>
+    <dgm:txEffectClrLst/>
+  </dgm:styleLbl>
+  <dgm:styleLbl name="parChTrans1D1">
+    <dgm:fillClrLst meth="repeat">
+      <a:schemeClr val="accent1"/>
+    </dgm:fillClrLst>
+    <dgm:linClrLst meth="repeat">
+      <a:schemeClr val="accent1">
+        <a:shade val="60000"/>
+      </a:schemeClr>
+    </dgm:linClrLst>
+    <dgm:effectClrLst/>
+    <dgm:txLinClrLst/>
+    <dgm:txFillClrLst meth="repeat">
+      <a:schemeClr val="tx1"/>
+    </dgm:txFillClrLst>
+    <dgm:txEffectClrLst/>
+  </dgm:styleLbl>
+  <dgm:styleLbl name="parChTrans1D2">
+    <dgm:fillClrLst meth="repeat">
+      <a:schemeClr val="accent1"/>
+    </dgm:fillClrLst>
+    <dgm:linClrLst meth="repeat">
+      <a:schemeClr val="accent1">
+        <a:shade val="60000"/>
+      </a:schemeClr>
+    </dgm:linClrLst>
+    <dgm:effectClrLst/>
+    <dgm:txLinClrLst/>
+    <dgm:txFillClrLst meth="repeat">
+      <a:schemeClr val="tx1"/>
+    </dgm:txFillClrLst>
+    <dgm:txEffectClrLst/>
+  </dgm:styleLbl>
+  <dgm:styleLbl name="parChTrans1D3">
+    <dgm:fillClrLst meth="repeat">
+      <a:schemeClr val="accent1"/>
+    </dgm:fillClrLst>
+    <dgm:linClrLst meth="repeat">
+      <a:schemeClr val="accent1">
+        <a:shade val="80000"/>
+      </a:schemeClr>
+    </dgm:linClrLst>
+    <dgm:effectClrLst/>
+    <dgm:txLinClrLst/>
+    <dgm:txFillClrLst meth="repeat">
+      <a:schemeClr val="tx1"/>
+    </dgm:txFillClrLst>
+    <dgm:txEffectClrLst/>
+  </dgm:styleLbl>
+  <dgm:styleLbl name="parChTrans1D4">
+    <dgm:fillClrLst meth="repeat">
+      <a:schemeClr val="accent1"/>
+    </dgm:fillClrLst>
+    <dgm:linClrLst meth="repeat">
+      <a:schemeClr val="accent1">
+        <a:shade val="80000"/>
+      </a:schemeClr>
+    </dgm:linClrLst>
+    <dgm:effectClrLst/>
+    <dgm:txLinClrLst/>
+    <dgm:txFillClrLst meth="repeat">
+      <a:schemeClr val="tx1"/>
+    </dgm:txFillClrLst>
+    <dgm:txEffectClrLst/>
+  </dgm:styleLbl>
+  <dgm:styleLbl name="fgAcc1">
+    <dgm:fillClrLst meth="repeat">
+      <a:schemeClr val="lt1">
+        <a:alpha val="90000"/>
+      </a:schemeClr>
+    </dgm:fillClrLst>
+    <dgm:linClrLst meth="repeat">
+      <a:schemeClr val="accent1"/>
+    </dgm:linClrLst>
+    <dgm:effectClrLst/>
+    <dgm:txLinClrLst/>
+    <dgm:txFillClrLst meth="repeat">
+      <a:schemeClr val="dk1"/>
+    </dgm:txFillClrLst>
+    <dgm:txEffectClrLst/>
+  </dgm:styleLbl>
+  <dgm:styleLbl name="conFgAcc1">
+    <dgm:fillClrLst meth="repeat">
+      <a:schemeClr val="lt1">
+        <a:alpha val="90000"/>
+      </a:schemeClr>
+    </dgm:fillClrLst>
+    <dgm:linClrLst meth="repeat">
+      <a:schemeClr val="accent1"/>
+    </dgm:linClrLst>
+    <dgm:effectClrLst/>
+    <dgm:txLinClrLst/>
+    <dgm:txFillClrLst meth="repeat">
+      <a:schemeClr val="dk1"/>
+    </dgm:txFillClrLst>
+    <dgm:txEffectClrLst/>
+  </dgm:styleLbl>
+  <dgm:styleLbl name="alignAcc1">
+    <dgm:fillClrLst meth="repeat">
+      <a:schemeClr val="lt1">
+        <a:alpha val="90000"/>
+      </a:schemeClr>
+    </dgm:fillClrLst>
+    <dgm:linClrLst meth="repeat">
+      <a:schemeClr val="accent1"/>
+    </dgm:linClrLst>
+    <dgm:effectClrLst/>
+    <dgm:txLinClrLst/>
+    <dgm:txFillClrLst meth="repeat">
+      <a:schemeClr val="dk1"/>
+    </dgm:txFillClrLst>
+    <dgm:txEffectClrLst/>
+  </dgm:styleLbl>
+  <dgm:styleLbl name="trAlignAcc1">
+    <dgm:fillClrLst meth="repeat">
+      <a:schemeClr val="lt1">
+        <a:alpha val="40000"/>
+      </a:schemeClr>
+    </dgm:fillClrLst>
+    <dgm:linClrLst meth="repeat">
+      <a:schemeClr val="accent1"/>
+    </dgm:linClrLst>
+    <dgm:effectClrLst/>
+    <dgm:txLinClrLst/>
+    <dgm:txFillClrLst meth="repeat">
+      <a:schemeClr val="dk1"/>
+    </dgm:txFillClrLst>
+    <dgm:txEffectClrLst/>
+  </dgm:styleLbl>
+  <dgm:styleLbl name="bgAcc1">
+    <dgm:fillClrLst meth="repeat">
+      <a:schemeClr val="lt1">
+        <a:alpha val="90000"/>
+      </a:schemeClr>
+    </dgm:fillClrLst>
+    <dgm:linClrLst meth="repeat">
+      <a:schemeClr val="accent1"/>
+    </dgm:linClrLst>
+    <dgm:effectClrLst/>
+    <dgm:txLinClrLst/>
+    <dgm:txFillClrLst meth="repeat">
+      <a:schemeClr val="dk1"/>
+    </dgm:txFillClrLst>
+    <dgm:txEffectClrLst/>
+  </dgm:styleLbl>
+  <dgm:styleLbl name="solidFgAcc1">
+    <dgm:fillClrLst meth="repeat">
+      <a:schemeClr val="lt1"/>
+    </dgm:fillClrLst>
+    <dgm:linClrLst meth="repeat">
+      <a:schemeClr val="accent1"/>
+    </dgm:linClrLst>
+    <dgm:effectClrLst/>
+    <dgm:txLinClrLst/>
+    <dgm:txFillClrLst meth="repeat">
+      <a:schemeClr val="dk1"/>
+    </dgm:txFillClrLst>
+    <dgm:txEffectClrLst/>
+  </dgm:styleLbl>
+  <dgm:styleLbl name="solidAlignAcc1">
+    <dgm:fillClrLst meth="repeat">
+      <a:schemeClr val="lt1"/>
+    </dgm:fillClrLst>
+    <dgm:linClrLst meth="repeat">
+      <a:schemeClr val="accent1"/>
+    </dgm:linClrLst>
+    <dgm:effectClrLst/>
+    <dgm:txLinClrLst/>
+    <dgm:txFillClrLst meth="repeat">
+      <a:schemeClr val="dk1"/>
+    </dgm:txFillClrLst>
+    <dgm:txEffectClrLst/>
+  </dgm:styleLbl>
+  <dgm:styleLbl name="solidBgAcc1">
+    <dgm:fillClrLst meth="repeat">
+      <a:schemeClr val="lt1"/>
+    </dgm:fillClrLst>
+    <dgm:linClrLst meth="repeat">
+      <a:schemeClr val="accent1"/>
+    </dgm:linClrLst>
+    <dgm:effectClrLst/>
+    <dgm:txLinClrLst/>
+    <dgm:txFillClrLst meth="repeat">
+      <a:schemeClr val="dk1"/>
+    </dgm:txFillClrLst>
+    <dgm:txEffectClrLst/>
+  </dgm:styleLbl>
+  <dgm:styleLbl name="fgAccFollowNode1">
+    <dgm:fillClrLst meth="repeat">
+      <a:schemeClr val="accent1">
+        <a:alpha val="90000"/>
+        <a:tint val="40000"/>
+      </a:schemeClr>
+    </dgm:fillClrLst>
+    <dgm:linClrLst meth="repeat">
+      <a:schemeClr val="accent1">
+        <a:alpha val="90000"/>
+        <a:tint val="40000"/>
+      </a:schemeClr>
+    </dgm:linClrLst>
+    <dgm:effectClrLst/>
+    <dgm:txLinClrLst/>
+    <dgm:txFillClrLst meth="repeat">
+      <a:schemeClr val="dk1"/>
+    </dgm:txFillClrLst>
+    <dgm:txEffectClrLst/>
+  </dgm:styleLbl>
+  <dgm:styleLbl name="alignAccFollowNode1">
+    <dgm:fillClrLst meth="repeat">
+      <a:schemeClr val="accent1">
+        <a:alpha val="90000"/>
+        <a:tint val="40000"/>
+      </a:schemeClr>
+    </dgm:fillClrLst>
+    <dgm:linClrLst meth="repeat">
+      <a:schemeClr val="accent1">
+        <a:alpha val="90000"/>
+        <a:tint val="40000"/>
+      </a:schemeClr>
+    </dgm:linClrLst>
+    <dgm:effectClrLst/>
+    <dgm:txLinClrLst/>
+    <dgm:txFillClrLst meth="repeat">
+      <a:schemeClr val="dk1"/>
+    </dgm:txFillClrLst>
+    <dgm:txEffectClrLst/>
+  </dgm:styleLbl>
+  <dgm:styleLbl name="bgAccFollowNode1">
+    <dgm:fillClrLst meth="repeat">
+      <a:schemeClr val="accent1">
+        <a:alpha val="90000"/>
+        <a:tint val="40000"/>
+      </a:schemeClr>
+    </dgm:fillClrLst>
+    <dgm:linClrLst meth="repeat">
+      <a:schemeClr val="accent1">
+        <a:alpha val="90000"/>
+        <a:tint val="40000"/>
+      </a:schemeClr>
+    </dgm:linClrLst>
+    <dgm:effectClrLst/>
+    <dgm:txLinClrLst/>
+    <dgm:txFillClrLst meth="repeat">
+      <a:schemeClr val="dk1"/>
+    </dgm:txFillClrLst>
+    <dgm:txEffectClrLst/>
+  </dgm:styleLbl>
+  <dgm:styleLbl name="fgAcc0">
+    <dgm:fillClrLst meth="repeat">
+      <a:schemeClr val="lt1">
+        <a:alpha val="90000"/>
+      </a:schemeClr>
+    </dgm:fillClrLst>
+    <dgm:linClrLst meth="repeat">
+      <a:schemeClr val="accent1"/>
+    </dgm:linClrLst>
+    <dgm:effectClrLst/>
+    <dgm:txLinClrLst/>
+    <dgm:txFillClrLst meth="repeat">
+      <a:schemeClr val="dk1"/>
+    </dgm:txFillClrLst>
+    <dgm:txEffectClrLst/>
+  </dgm:styleLbl>
+  <dgm:styleLbl name="fgAcc2">
+    <dgm:fillClrLst meth="repeat">
+      <a:schemeClr val="lt1">
+        <a:alpha val="90000"/>
+      </a:schemeClr>
+    </dgm:fillClrLst>
+    <dgm:linClrLst meth="repeat">
+      <a:schemeClr val="accent1"/>
+    </dgm:linClrLst>
+    <dgm:effectClrLst/>
+    <dgm:txLinClrLst/>
+    <dgm:txFillClrLst meth="repeat">
+      <a:schemeClr val="dk1"/>
+    </dgm:txFillClrLst>
+    <dgm:txEffectClrLst/>
+  </dgm:styleLbl>
+  <dgm:styleLbl name="fgAcc3">
+    <dgm:fillClrLst meth="repeat">
+      <a:schemeClr val="lt1">
+        <a:alpha val="90000"/>
+      </a:schemeClr>
+    </dgm:fillClrLst>
+    <dgm:linClrLst meth="repeat">
+      <a:schemeClr val="accent1"/>
+    </dgm:linClrLst>
+    <dgm:effectClrLst/>
+    <dgm:txLinClrLst/>
+    <dgm:txFillClrLst meth="repeat">
+      <a:schemeClr val="dk1"/>
+    </dgm:txFillClrLst>
+    <dgm:txEffectClrLst/>
+  </dgm:styleLbl>
+  <dgm:styleLbl name="fgAcc4">
+    <dgm:fillClrLst meth="repeat">
+      <a:schemeClr val="lt1">
+        <a:alpha val="90000"/>
+      </a:schemeClr>
+    </dgm:fillClrLst>
+    <dgm:linClrLst meth="repeat">
+      <a:schemeClr val="accent1"/>
+    </dgm:linClrLst>
+    <dgm:effectClrLst/>
+    <dgm:txLinClrLst/>
+    <dgm:txFillClrLst meth="repeat">
+      <a:schemeClr val="dk1"/>
+    </dgm:txFillClrLst>
+    <dgm:txEffectClrLst/>
+  </dgm:styleLbl>
+  <dgm:styleLbl name="bgShp">
+    <dgm:fillClrLst meth="repeat">
+      <a:schemeClr val="accent1">
+        <a:tint val="40000"/>
+      </a:schemeClr>
+    </dgm:fillClrLst>
+    <dgm:linClrLst meth="repeat">
+      <a:schemeClr val="accent1"/>
+    </dgm:linClrLst>
+    <dgm:effectClrLst/>
+    <dgm:txLinClrLst/>
+    <dgm:txFillClrLst meth="repeat">
+      <a:schemeClr val="dk1"/>
+    </dgm:txFillClrLst>
+    <dgm:txEffectClrLst/>
+  </dgm:styleLbl>
+  <dgm:styleLbl name="dkBgShp">
+    <dgm:fillClrLst meth="repeat">
+      <a:schemeClr val="accent1">
+        <a:shade val="80000"/>
+      </a:schemeClr>
+    </dgm:fillClrLst>
+    <dgm:linClrLst meth="repeat">
+      <a:schemeClr val="accent1"/>
+    </dgm:linClrLst>
+    <dgm:effectClrLst/>
+    <dgm:txLinClrLst/>
+    <dgm:txFillClrLst meth="repeat">
+      <a:schemeClr val="lt1"/>
+    </dgm:txFillClrLst>
+    <dgm:txEffectClrLst/>
+  </dgm:styleLbl>
+  <dgm:styleLbl name="trBgShp">
+    <dgm:fillClrLst meth="repeat">
+      <a:schemeClr val="accent1">
+        <a:tint val="50000"/>
+        <a:alpha val="40000"/>
+      </a:schemeClr>
+    </dgm:fillClrLst>
+    <dgm:linClrLst meth="repeat">
+      <a:schemeClr val="accent1"/>
+    </dgm:linClrLst>
+    <dgm:effectClrLst/>
+    <dgm:txLinClrLst/>
+    <dgm:txFillClrLst meth="repeat">
+      <a:schemeClr val="lt1"/>
+    </dgm:txFillClrLst>
+    <dgm:txEffectClrLst/>
+  </dgm:styleLbl>
+  <dgm:styleLbl name="fgShp">
+    <dgm:fillClrLst meth="repeat">
+      <a:schemeClr val="accent1">
+        <a:tint val="60000"/>
+      </a:schemeClr>
+    </dgm:fillClrLst>
+    <dgm:linClrLst meth="repeat">
+      <a:schemeClr val="lt1"/>
+    </dgm:linClrLst>
+    <dgm:effectClrLst/>
+    <dgm:txLinClrLst/>
+    <dgm:txFillClrLst meth="repeat">
+      <a:schemeClr val="dk1"/>
+    </dgm:txFillClrLst>
+    <dgm:txEffectClrLst/>
+  </dgm:styleLbl>
+  <dgm:styleLbl name="revTx">
+    <dgm:fillClrLst meth="repeat">
+      <a:schemeClr val="lt1">
+        <a:alpha val="0"/>
+      </a:schemeClr>
+    </dgm:fillClrLst>
+    <dgm:linClrLst meth="repeat">
+      <a:schemeClr val="dk1">
+        <a:alpha val="0"/>
+      </a:schemeClr>
+    </dgm:linClrLst>
+    <dgm:effectClrLst/>
+    <dgm:txLinClrLst/>
+    <dgm:txFillClrLst meth="repeat">
+      <a:schemeClr val="tx1"/>
+    </dgm:txFillClrLst>
+    <dgm:txEffectClrLst/>
+  </dgm:styleLbl>
+</dgm:colorsDef>
+</file>
+
 <file path=ppt/diagrams/data1.xml><?xml version="1.0" encoding="utf-8"?>
 <dgm:dataModel xmlns:dgm="http://schemas.openxmlformats.org/drawingml/2006/diagram" xmlns:a="http://schemas.openxmlformats.org/drawingml/2006/main">
   <dgm:ptLst>
@@ -1057,82 +1809,6 @@
         </a:p>
       </dgm:t>
     </dgm:pt>
-    <dgm:pt modelId="{5DC192B2-7511-416A-A6BF-F35A05834B6D}">
-      <dgm:prSet/>
-      <dgm:spPr/>
-      <dgm:t>
-        <a:bodyPr/>
-        <a:lstStyle/>
-        <a:p>
-          <a:r>
-            <a:rPr lang="el-GR" dirty="0"/>
-            <a:t>Το </a:t>
-          </a:r>
-          <a:r>
-            <a:rPr lang="en-US" dirty="0"/>
-            <a:t>Spark </a:t>
-          </a:r>
-          <a:r>
-            <a:rPr lang="el-GR" dirty="0"/>
-            <a:t>δημιουργήθηκε αρχικά στο </a:t>
-          </a:r>
-          <a:r>
-            <a:rPr lang="en-US" dirty="0" err="1"/>
-            <a:t>AMPLab</a:t>
-          </a:r>
-          <a:r>
-            <a:rPr lang="en-US" dirty="0"/>
-            <a:t> </a:t>
-          </a:r>
-          <a:r>
-            <a:rPr lang="el-GR" dirty="0"/>
-            <a:t>του </a:t>
-          </a:r>
-          <a:r>
-            <a:rPr lang="en-US" dirty="0"/>
-            <a:t>UC Berkeley (2009) </a:t>
-          </a:r>
-          <a:r>
-            <a:rPr lang="el-GR" dirty="0"/>
-            <a:t>και από το 2010 είναι </a:t>
-          </a:r>
-          <a:r>
-            <a:rPr lang="en-US" dirty="0"/>
-            <a:t>open source </a:t>
-          </a:r>
-          <a:r>
-            <a:rPr lang="el-GR" dirty="0"/>
-            <a:t>ως </a:t>
-          </a:r>
-          <a:r>
-            <a:rPr lang="en-US" dirty="0"/>
-            <a:t>top level Apache project </a:t>
-          </a:r>
-        </a:p>
-      </dgm:t>
-    </dgm:pt>
-    <dgm:pt modelId="{0D57CA5F-A47E-4513-9EDC-8A70811458BE}" type="parTrans" cxnId="{15686EF6-6251-49B5-B1C2-B80819302F89}">
-      <dgm:prSet/>
-      <dgm:spPr/>
-      <dgm:t>
-        <a:bodyPr/>
-        <a:lstStyle/>
-        <a:p>
-          <a:endParaRPr lang="en-US"/>
-        </a:p>
-      </dgm:t>
-    </dgm:pt>
-    <dgm:pt modelId="{A551F00F-4FEC-411D-9F75-504D3D0B17C2}" type="sibTrans" cxnId="{15686EF6-6251-49B5-B1C2-B80819302F89}">
-      <dgm:prSet/>
-      <dgm:spPr/>
-      <dgm:t>
-        <a:bodyPr/>
-        <a:lstStyle/>
-        <a:p>
-          <a:endParaRPr lang="en-US"/>
-        </a:p>
-      </dgm:t>
-    </dgm:pt>
     <dgm:pt modelId="{138AF52F-AC2B-4AE5-9A39-3B14AE9F8A15}">
       <dgm:prSet/>
       <dgm:spPr/>
@@ -1196,7 +1872,7 @@
       <dgm:spPr/>
     </dgm:pt>
     <dgm:pt modelId="{68AA8234-9BEB-4A03-89C6-0B1E35A43FED}" type="pres">
-      <dgm:prSet presAssocID="{8B731230-EFA6-4F76-8CA4-962A1C07FD15}" presName="parentText" presStyleLbl="node1" presStyleIdx="0" presStyleCnt="4">
+      <dgm:prSet presAssocID="{8B731230-EFA6-4F76-8CA4-962A1C07FD15}" presName="parentText" presStyleLbl="node1" presStyleIdx="0" presStyleCnt="3">
         <dgm:presLayoutVars>
           <dgm:chMax val="0"/>
           <dgm:bulletEnabled val="1"/>
@@ -1209,7 +1885,7 @@
       <dgm:spPr/>
     </dgm:pt>
     <dgm:pt modelId="{DE9D0AD1-5A98-46C6-8312-0F1FDAB512F7}" type="pres">
-      <dgm:prSet presAssocID="{BC4A6DC5-6726-41E9-9246-0031FD35A47A}" presName="parentText" presStyleLbl="node1" presStyleIdx="1" presStyleCnt="4">
+      <dgm:prSet presAssocID="{BC4A6DC5-6726-41E9-9246-0031FD35A47A}" presName="parentText" presStyleLbl="node1" presStyleIdx="1" presStyleCnt="3">
         <dgm:presLayoutVars>
           <dgm:chMax val="0"/>
           <dgm:bulletEnabled val="1"/>
@@ -1221,21 +1897,8 @@
       <dgm:prSet presAssocID="{20879A4D-EEC8-426D-8618-599FF2A11A6C}" presName="spacer" presStyleCnt="0"/>
       <dgm:spPr/>
     </dgm:pt>
-    <dgm:pt modelId="{B3F23B6D-EEEF-47FF-8D07-247AAEDF046C}" type="pres">
-      <dgm:prSet presAssocID="{5DC192B2-7511-416A-A6BF-F35A05834B6D}" presName="parentText" presStyleLbl="node1" presStyleIdx="2" presStyleCnt="4">
-        <dgm:presLayoutVars>
-          <dgm:chMax val="0"/>
-          <dgm:bulletEnabled val="1"/>
-        </dgm:presLayoutVars>
-      </dgm:prSet>
-      <dgm:spPr/>
-    </dgm:pt>
-    <dgm:pt modelId="{832D4555-F1DE-4139-940C-B895771709DB}" type="pres">
-      <dgm:prSet presAssocID="{A551F00F-4FEC-411D-9F75-504D3D0B17C2}" presName="spacer" presStyleCnt="0"/>
-      <dgm:spPr/>
-    </dgm:pt>
     <dgm:pt modelId="{106B9A47-956E-4D9B-A6C1-3BE81A1025D3}" type="pres">
-      <dgm:prSet presAssocID="{138AF52F-AC2B-4AE5-9A39-3B14AE9F8A15}" presName="parentText" presStyleLbl="node1" presStyleIdx="3" presStyleCnt="4">
+      <dgm:prSet presAssocID="{138AF52F-AC2B-4AE5-9A39-3B14AE9F8A15}" presName="parentText" presStyleLbl="node1" presStyleIdx="2" presStyleCnt="3">
         <dgm:presLayoutVars>
           <dgm:chMax val="0"/>
           <dgm:bulletEnabled val="1"/>
@@ -1248,25 +1911,319 @@
     <dgm:cxn modelId="{3F426E07-F290-4037-9BF2-655176DE44A0}" type="presOf" srcId="{BC4A6DC5-6726-41E9-9246-0031FD35A47A}" destId="{DE9D0AD1-5A98-46C6-8312-0F1FDAB512F7}" srcOrd="0" destOrd="0" presId="urn:microsoft.com/office/officeart/2005/8/layout/vList2"/>
     <dgm:cxn modelId="{586CE124-9FFF-4284-8716-D97CFDEA37D7}" type="presOf" srcId="{C337A70B-7720-4E1A-8663-7E71984D174D}" destId="{62707C1A-B076-463F-BB0E-6A72107A7171}" srcOrd="0" destOrd="0" presId="urn:microsoft.com/office/officeart/2005/8/layout/vList2"/>
     <dgm:cxn modelId="{0B1E803E-A79D-4A61-80F0-72CEE9B2DC0F}" type="presOf" srcId="{8B731230-EFA6-4F76-8CA4-962A1C07FD15}" destId="{68AA8234-9BEB-4A03-89C6-0B1E35A43FED}" srcOrd="0" destOrd="0" presId="urn:microsoft.com/office/officeart/2005/8/layout/vList2"/>
-    <dgm:cxn modelId="{9885F543-A7D5-45D1-A594-CC4F453857B5}" srcId="{C337A70B-7720-4E1A-8663-7E71984D174D}" destId="{138AF52F-AC2B-4AE5-9A39-3B14AE9F8A15}" srcOrd="3" destOrd="0" parTransId="{5D970BA1-5301-4CDD-9AC2-F9B5DFE989A1}" sibTransId="{7F8424C4-CC79-48EE-A18C-325F3596821A}"/>
+    <dgm:cxn modelId="{9885F543-A7D5-45D1-A594-CC4F453857B5}" srcId="{C337A70B-7720-4E1A-8663-7E71984D174D}" destId="{138AF52F-AC2B-4AE5-9A39-3B14AE9F8A15}" srcOrd="2" destOrd="0" parTransId="{5D970BA1-5301-4CDD-9AC2-F9B5DFE989A1}" sibTransId="{7F8424C4-CC79-48EE-A18C-325F3596821A}"/>
     <dgm:cxn modelId="{4CEDC64E-D369-41F5-8365-FDE606266421}" srcId="{C337A70B-7720-4E1A-8663-7E71984D174D}" destId="{BC4A6DC5-6726-41E9-9246-0031FD35A47A}" srcOrd="1" destOrd="0" parTransId="{F87867E2-FAA4-4DB9-AB7D-AA979F6EA990}" sibTransId="{20879A4D-EEC8-426D-8618-599FF2A11A6C}"/>
     <dgm:cxn modelId="{F17016B3-7624-4EB2-9324-3F29F2E5889B}" srcId="{C337A70B-7720-4E1A-8663-7E71984D174D}" destId="{8B731230-EFA6-4F76-8CA4-962A1C07FD15}" srcOrd="0" destOrd="0" parTransId="{FAF0F7E2-3868-464C-882F-779EF66B82DB}" sibTransId="{15D10394-9523-45AD-806B-0F1E085F3707}"/>
-    <dgm:cxn modelId="{5A3DCCEA-C945-4300-AB95-7E361B872132}" type="presOf" srcId="{5DC192B2-7511-416A-A6BF-F35A05834B6D}" destId="{B3F23B6D-EEEF-47FF-8D07-247AAEDF046C}" srcOrd="0" destOrd="0" presId="urn:microsoft.com/office/officeart/2005/8/layout/vList2"/>
-    <dgm:cxn modelId="{15686EF6-6251-49B5-B1C2-B80819302F89}" srcId="{C337A70B-7720-4E1A-8663-7E71984D174D}" destId="{5DC192B2-7511-416A-A6BF-F35A05834B6D}" srcOrd="2" destOrd="0" parTransId="{0D57CA5F-A47E-4513-9EDC-8A70811458BE}" sibTransId="{A551F00F-4FEC-411D-9F75-504D3D0B17C2}"/>
     <dgm:cxn modelId="{36D4D6F8-0C5B-4B53-BDD6-B3255CA2B0A8}" type="presOf" srcId="{138AF52F-AC2B-4AE5-9A39-3B14AE9F8A15}" destId="{106B9A47-956E-4D9B-A6C1-3BE81A1025D3}" srcOrd="0" destOrd="0" presId="urn:microsoft.com/office/officeart/2005/8/layout/vList2"/>
     <dgm:cxn modelId="{303B1D93-0E69-4956-A1E0-13E099CF6578}" type="presParOf" srcId="{62707C1A-B076-463F-BB0E-6A72107A7171}" destId="{68AA8234-9BEB-4A03-89C6-0B1E35A43FED}" srcOrd="0" destOrd="0" presId="urn:microsoft.com/office/officeart/2005/8/layout/vList2"/>
     <dgm:cxn modelId="{EC5E62A9-B3CA-4F86-A746-DD35FE0CEBF2}" type="presParOf" srcId="{62707C1A-B076-463F-BB0E-6A72107A7171}" destId="{FF429240-089F-4BAA-81E3-0EC030251471}" srcOrd="1" destOrd="0" presId="urn:microsoft.com/office/officeart/2005/8/layout/vList2"/>
     <dgm:cxn modelId="{A9D2FE05-C76E-407B-A66A-F96718700742}" type="presParOf" srcId="{62707C1A-B076-463F-BB0E-6A72107A7171}" destId="{DE9D0AD1-5A98-46C6-8312-0F1FDAB512F7}" srcOrd="2" destOrd="0" presId="urn:microsoft.com/office/officeart/2005/8/layout/vList2"/>
     <dgm:cxn modelId="{465E205C-BD13-4FB0-8EE9-29D40A0F6F87}" type="presParOf" srcId="{62707C1A-B076-463F-BB0E-6A72107A7171}" destId="{4C0BE1F5-D6C6-4F70-B2F6-58F63DD1D4E3}" srcOrd="3" destOrd="0" presId="urn:microsoft.com/office/officeart/2005/8/layout/vList2"/>
-    <dgm:cxn modelId="{EC79E905-6F6E-4CAB-B022-7C9CDF30DF00}" type="presParOf" srcId="{62707C1A-B076-463F-BB0E-6A72107A7171}" destId="{B3F23B6D-EEEF-47FF-8D07-247AAEDF046C}" srcOrd="4" destOrd="0" presId="urn:microsoft.com/office/officeart/2005/8/layout/vList2"/>
-    <dgm:cxn modelId="{CB06FD56-1EAD-4D3A-9577-A7CC2329C509}" type="presParOf" srcId="{62707C1A-B076-463F-BB0E-6A72107A7171}" destId="{832D4555-F1DE-4139-940C-B895771709DB}" srcOrd="5" destOrd="0" presId="urn:microsoft.com/office/officeart/2005/8/layout/vList2"/>
-    <dgm:cxn modelId="{39EE19F9-6EC6-46B5-9423-57B3C25B1BBA}" type="presParOf" srcId="{62707C1A-B076-463F-BB0E-6A72107A7171}" destId="{106B9A47-956E-4D9B-A6C1-3BE81A1025D3}" srcOrd="6" destOrd="0" presId="urn:microsoft.com/office/officeart/2005/8/layout/vList2"/>
+    <dgm:cxn modelId="{39EE19F9-6EC6-46B5-9423-57B3C25B1BBA}" type="presParOf" srcId="{62707C1A-B076-463F-BB0E-6A72107A7171}" destId="{106B9A47-956E-4D9B-A6C1-3BE81A1025D3}" srcOrd="4" destOrd="0" presId="urn:microsoft.com/office/officeart/2005/8/layout/vList2"/>
   </dgm:cxnLst>
   <dgm:bg/>
   <dgm:whole/>
   <dgm:extLst>
     <a:ext uri="http://schemas.microsoft.com/office/drawing/2008/diagram">
       <dsp:dataModelExt xmlns:dsp="http://schemas.microsoft.com/office/drawing/2008/diagram" relId="rId8" minVer="http://schemas.openxmlformats.org/drawingml/2006/diagram"/>
+    </a:ext>
+  </dgm:extLst>
+</dgm:dataModel>
+</file>
+
+<file path=ppt/diagrams/data2.xml><?xml version="1.0" encoding="utf-8"?>
+<dgm:dataModel xmlns:dgm="http://schemas.openxmlformats.org/drawingml/2006/diagram" xmlns:a="http://schemas.openxmlformats.org/drawingml/2006/main">
+  <dgm:ptLst>
+    <dgm:pt modelId="{D3D39235-59DC-4496-AC6B-C23120AB77B1}" type="doc">
+      <dgm:prSet loTypeId="urn:microsoft.com/office/officeart/2005/8/layout/orgChart1" loCatId="hierarchy" qsTypeId="urn:microsoft.com/office/officeart/2005/8/quickstyle/simple1" qsCatId="simple" csTypeId="urn:microsoft.com/office/officeart/2005/8/colors/accent1_2" csCatId="accent1" phldr="1"/>
+      <dgm:spPr/>
+      <dgm:t>
+        <a:bodyPr/>
+        <a:lstStyle/>
+        <a:p>
+          <a:endParaRPr lang="el-GR"/>
+        </a:p>
+      </dgm:t>
+    </dgm:pt>
+    <dgm:pt modelId="{95545E03-A2D8-4CF3-9915-2E1B875EF6A7}">
+      <dgm:prSet phldrT="[Κείμενο]"/>
+      <dgm:spPr/>
+      <dgm:t>
+        <a:bodyPr/>
+        <a:lstStyle/>
+        <a:p>
+          <a:r>
+            <a:rPr lang="el-GR" dirty="0"/>
+            <a:t>Διαθέσιμα </a:t>
+          </a:r>
+          <a:r>
+            <a:rPr lang="en-US" dirty="0"/>
+            <a:t>APIs</a:t>
+          </a:r>
+          <a:endParaRPr lang="el-GR" dirty="0"/>
+        </a:p>
+      </dgm:t>
+    </dgm:pt>
+    <dgm:pt modelId="{D2DFC27B-B878-4331-8F64-897F6C5B7CF8}" type="parTrans" cxnId="{B0A2D4CB-833D-4ABE-AB33-4E309CB653C4}">
+      <dgm:prSet/>
+      <dgm:spPr/>
+      <dgm:t>
+        <a:bodyPr/>
+        <a:lstStyle/>
+        <a:p>
+          <a:endParaRPr lang="el-GR"/>
+        </a:p>
+      </dgm:t>
+    </dgm:pt>
+    <dgm:pt modelId="{02D4F349-CCF4-4F25-B755-9B831CF7EF6C}" type="sibTrans" cxnId="{B0A2D4CB-833D-4ABE-AB33-4E309CB653C4}">
+      <dgm:prSet/>
+      <dgm:spPr/>
+      <dgm:t>
+        <a:bodyPr/>
+        <a:lstStyle/>
+        <a:p>
+          <a:endParaRPr lang="el-GR"/>
+        </a:p>
+      </dgm:t>
+    </dgm:pt>
+    <dgm:pt modelId="{F47F1B28-5665-4156-927B-3DA95109F416}">
+      <dgm:prSet phldrT="[Κείμενο]"/>
+      <dgm:spPr/>
+      <dgm:t>
+        <a:bodyPr/>
+        <a:lstStyle/>
+        <a:p>
+          <a:r>
+            <a:rPr lang="el-GR" dirty="0"/>
+            <a:t>Χαμηλού επιπέδου</a:t>
+          </a:r>
+          <a:endParaRPr lang="en-US" dirty="0"/>
+        </a:p>
+      </dgm:t>
+    </dgm:pt>
+    <dgm:pt modelId="{BDA5FA99-6710-41CC-8C73-5FE13D2FAA85}" type="parTrans" cxnId="{45099A1B-DC71-41CF-83C0-795112220B76}">
+      <dgm:prSet/>
+      <dgm:spPr/>
+      <dgm:t>
+        <a:bodyPr/>
+        <a:lstStyle/>
+        <a:p>
+          <a:endParaRPr lang="el-GR"/>
+        </a:p>
+      </dgm:t>
+    </dgm:pt>
+    <dgm:pt modelId="{3CC06136-B2A8-4D06-AFC5-3D2C850C5EFF}" type="sibTrans" cxnId="{45099A1B-DC71-41CF-83C0-795112220B76}">
+      <dgm:prSet/>
+      <dgm:spPr/>
+      <dgm:t>
+        <a:bodyPr/>
+        <a:lstStyle/>
+        <a:p>
+          <a:endParaRPr lang="el-GR"/>
+        </a:p>
+      </dgm:t>
+    </dgm:pt>
+    <dgm:pt modelId="{E67E1245-B117-4CF9-A866-39CB6ADE58AD}">
+      <dgm:prSet phldrT="[Κείμενο]"/>
+      <dgm:spPr/>
+      <dgm:t>
+        <a:bodyPr/>
+        <a:lstStyle/>
+        <a:p>
+          <a:r>
+            <a:rPr lang="el-GR" dirty="0"/>
+            <a:t>Υψηλού επιπέδου</a:t>
+          </a:r>
+          <a:endParaRPr lang="en-US" dirty="0"/>
+        </a:p>
+        <a:p>
+          <a:r>
+            <a:rPr lang="en-US" dirty="0"/>
+            <a:t>	</a:t>
+          </a:r>
+          <a:endParaRPr lang="el-GR" dirty="0"/>
+        </a:p>
+      </dgm:t>
+    </dgm:pt>
+    <dgm:pt modelId="{540C4DCC-0290-459D-9C81-D33B5600F415}" type="parTrans" cxnId="{595C8285-1788-42CC-A78D-7F28019CE6F8}">
+      <dgm:prSet/>
+      <dgm:spPr/>
+      <dgm:t>
+        <a:bodyPr/>
+        <a:lstStyle/>
+        <a:p>
+          <a:endParaRPr lang="el-GR"/>
+        </a:p>
+      </dgm:t>
+    </dgm:pt>
+    <dgm:pt modelId="{B683686E-9BE5-4672-BFB4-F2E69F8471E1}" type="sibTrans" cxnId="{595C8285-1788-42CC-A78D-7F28019CE6F8}">
+      <dgm:prSet/>
+      <dgm:spPr/>
+      <dgm:t>
+        <a:bodyPr/>
+        <a:lstStyle/>
+        <a:p>
+          <a:endParaRPr lang="el-GR"/>
+        </a:p>
+      </dgm:t>
+    </dgm:pt>
+    <dgm:pt modelId="{1F8BAD0F-DAAF-45AF-BE44-E6A20867BC3D}" type="pres">
+      <dgm:prSet presAssocID="{D3D39235-59DC-4496-AC6B-C23120AB77B1}" presName="hierChild1" presStyleCnt="0">
+        <dgm:presLayoutVars>
+          <dgm:orgChart val="1"/>
+          <dgm:chPref val="1"/>
+          <dgm:dir/>
+          <dgm:animOne val="branch"/>
+          <dgm:animLvl val="lvl"/>
+          <dgm:resizeHandles/>
+        </dgm:presLayoutVars>
+      </dgm:prSet>
+      <dgm:spPr/>
+    </dgm:pt>
+    <dgm:pt modelId="{3D9FF9CA-1F65-4EFE-A5DF-07D8BF87A1EB}" type="pres">
+      <dgm:prSet presAssocID="{95545E03-A2D8-4CF3-9915-2E1B875EF6A7}" presName="hierRoot1" presStyleCnt="0">
+        <dgm:presLayoutVars>
+          <dgm:hierBranch val="init"/>
+        </dgm:presLayoutVars>
+      </dgm:prSet>
+      <dgm:spPr/>
+    </dgm:pt>
+    <dgm:pt modelId="{DC90CDF7-1870-46FC-9563-FDDF8DAAA1AF}" type="pres">
+      <dgm:prSet presAssocID="{95545E03-A2D8-4CF3-9915-2E1B875EF6A7}" presName="rootComposite1" presStyleCnt="0"/>
+      <dgm:spPr/>
+    </dgm:pt>
+    <dgm:pt modelId="{45AECB02-0310-4C43-B7F2-815CCB4341C3}" type="pres">
+      <dgm:prSet presAssocID="{95545E03-A2D8-4CF3-9915-2E1B875EF6A7}" presName="rootText1" presStyleLbl="node0" presStyleIdx="0" presStyleCnt="1">
+        <dgm:presLayoutVars>
+          <dgm:chPref val="3"/>
+        </dgm:presLayoutVars>
+      </dgm:prSet>
+      <dgm:spPr/>
+    </dgm:pt>
+    <dgm:pt modelId="{A141FB49-1E82-4CF8-88A4-9199B5A90FD6}" type="pres">
+      <dgm:prSet presAssocID="{95545E03-A2D8-4CF3-9915-2E1B875EF6A7}" presName="rootConnector1" presStyleLbl="node1" presStyleIdx="0" presStyleCnt="0"/>
+      <dgm:spPr/>
+    </dgm:pt>
+    <dgm:pt modelId="{6617985B-7F18-40D4-B222-4098AED8207E}" type="pres">
+      <dgm:prSet presAssocID="{95545E03-A2D8-4CF3-9915-2E1B875EF6A7}" presName="hierChild2" presStyleCnt="0"/>
+      <dgm:spPr/>
+    </dgm:pt>
+    <dgm:pt modelId="{2F306DC7-42AC-427A-9AD2-7BA8409DD164}" type="pres">
+      <dgm:prSet presAssocID="{BDA5FA99-6710-41CC-8C73-5FE13D2FAA85}" presName="Name37" presStyleLbl="parChTrans1D2" presStyleIdx="0" presStyleCnt="2"/>
+      <dgm:spPr/>
+    </dgm:pt>
+    <dgm:pt modelId="{4AFD7B28-9C1C-44AC-A36D-6EF6360681D6}" type="pres">
+      <dgm:prSet presAssocID="{F47F1B28-5665-4156-927B-3DA95109F416}" presName="hierRoot2" presStyleCnt="0">
+        <dgm:presLayoutVars>
+          <dgm:hierBranch val="init"/>
+        </dgm:presLayoutVars>
+      </dgm:prSet>
+      <dgm:spPr/>
+    </dgm:pt>
+    <dgm:pt modelId="{DABCABCD-EA42-4BC7-AF8E-E1D1FFAAAD5B}" type="pres">
+      <dgm:prSet presAssocID="{F47F1B28-5665-4156-927B-3DA95109F416}" presName="rootComposite" presStyleCnt="0"/>
+      <dgm:spPr/>
+    </dgm:pt>
+    <dgm:pt modelId="{3C93C9CD-C57F-4FDC-A8B0-01DF461EA04E}" type="pres">
+      <dgm:prSet presAssocID="{F47F1B28-5665-4156-927B-3DA95109F416}" presName="rootText" presStyleLbl="node2" presStyleIdx="0" presStyleCnt="2">
+        <dgm:presLayoutVars>
+          <dgm:chPref val="3"/>
+        </dgm:presLayoutVars>
+      </dgm:prSet>
+      <dgm:spPr/>
+    </dgm:pt>
+    <dgm:pt modelId="{CAE717DF-088E-4817-8265-6070F322BC76}" type="pres">
+      <dgm:prSet presAssocID="{F47F1B28-5665-4156-927B-3DA95109F416}" presName="rootConnector" presStyleLbl="node2" presStyleIdx="0" presStyleCnt="2"/>
+      <dgm:spPr/>
+    </dgm:pt>
+    <dgm:pt modelId="{6B4439E5-C8EE-4B32-ADBB-7C497410AC41}" type="pres">
+      <dgm:prSet presAssocID="{F47F1B28-5665-4156-927B-3DA95109F416}" presName="hierChild4" presStyleCnt="0"/>
+      <dgm:spPr/>
+    </dgm:pt>
+    <dgm:pt modelId="{257B750C-4DA6-418F-B606-8E6CB5B5CCA5}" type="pres">
+      <dgm:prSet presAssocID="{F47F1B28-5665-4156-927B-3DA95109F416}" presName="hierChild5" presStyleCnt="0"/>
+      <dgm:spPr/>
+    </dgm:pt>
+    <dgm:pt modelId="{0AA918FC-ED84-441A-902E-2A548AE46E7D}" type="pres">
+      <dgm:prSet presAssocID="{540C4DCC-0290-459D-9C81-D33B5600F415}" presName="Name37" presStyleLbl="parChTrans1D2" presStyleIdx="1" presStyleCnt="2"/>
+      <dgm:spPr/>
+    </dgm:pt>
+    <dgm:pt modelId="{EA853DC0-195A-4212-B25D-0313D2E4371B}" type="pres">
+      <dgm:prSet presAssocID="{E67E1245-B117-4CF9-A866-39CB6ADE58AD}" presName="hierRoot2" presStyleCnt="0">
+        <dgm:presLayoutVars>
+          <dgm:hierBranch val="init"/>
+        </dgm:presLayoutVars>
+      </dgm:prSet>
+      <dgm:spPr/>
+    </dgm:pt>
+    <dgm:pt modelId="{AED0C7C8-B815-4CD8-BFBF-C030B08C57AA}" type="pres">
+      <dgm:prSet presAssocID="{E67E1245-B117-4CF9-A866-39CB6ADE58AD}" presName="rootComposite" presStyleCnt="0"/>
+      <dgm:spPr/>
+    </dgm:pt>
+    <dgm:pt modelId="{E5A8F928-5979-45B9-8516-E7AD3549656C}" type="pres">
+      <dgm:prSet presAssocID="{E67E1245-B117-4CF9-A866-39CB6ADE58AD}" presName="rootText" presStyleLbl="node2" presStyleIdx="1" presStyleCnt="2">
+        <dgm:presLayoutVars>
+          <dgm:chPref val="3"/>
+        </dgm:presLayoutVars>
+      </dgm:prSet>
+      <dgm:spPr/>
+    </dgm:pt>
+    <dgm:pt modelId="{CEE8AFDB-D28D-49FF-90FD-0160DC5C28C3}" type="pres">
+      <dgm:prSet presAssocID="{E67E1245-B117-4CF9-A866-39CB6ADE58AD}" presName="rootConnector" presStyleLbl="node2" presStyleIdx="1" presStyleCnt="2"/>
+      <dgm:spPr/>
+    </dgm:pt>
+    <dgm:pt modelId="{2189233D-20D8-480A-9968-8396DFBBD5AE}" type="pres">
+      <dgm:prSet presAssocID="{E67E1245-B117-4CF9-A866-39CB6ADE58AD}" presName="hierChild4" presStyleCnt="0"/>
+      <dgm:spPr/>
+    </dgm:pt>
+    <dgm:pt modelId="{596281C2-F4A8-4E22-926C-16546AE79C35}" type="pres">
+      <dgm:prSet presAssocID="{E67E1245-B117-4CF9-A866-39CB6ADE58AD}" presName="hierChild5" presStyleCnt="0"/>
+      <dgm:spPr/>
+    </dgm:pt>
+    <dgm:pt modelId="{615ED63C-B93A-4B5F-9933-881FC0BCB631}" type="pres">
+      <dgm:prSet presAssocID="{95545E03-A2D8-4CF3-9915-2E1B875EF6A7}" presName="hierChild3" presStyleCnt="0"/>
+      <dgm:spPr/>
+    </dgm:pt>
+  </dgm:ptLst>
+  <dgm:cxnLst>
+    <dgm:cxn modelId="{18847902-9C47-43DC-85ED-08C619278F96}" type="presOf" srcId="{95545E03-A2D8-4CF3-9915-2E1B875EF6A7}" destId="{A141FB49-1E82-4CF8-88A4-9199B5A90FD6}" srcOrd="1" destOrd="0" presId="urn:microsoft.com/office/officeart/2005/8/layout/orgChart1"/>
+    <dgm:cxn modelId="{45099A1B-DC71-41CF-83C0-795112220B76}" srcId="{95545E03-A2D8-4CF3-9915-2E1B875EF6A7}" destId="{F47F1B28-5665-4156-927B-3DA95109F416}" srcOrd="0" destOrd="0" parTransId="{BDA5FA99-6710-41CC-8C73-5FE13D2FAA85}" sibTransId="{3CC06136-B2A8-4D06-AFC5-3D2C850C5EFF}"/>
+    <dgm:cxn modelId="{30ED3B26-9923-473E-AF66-378A815131E3}" type="presOf" srcId="{540C4DCC-0290-459D-9C81-D33B5600F415}" destId="{0AA918FC-ED84-441A-902E-2A548AE46E7D}" srcOrd="0" destOrd="0" presId="urn:microsoft.com/office/officeart/2005/8/layout/orgChart1"/>
+    <dgm:cxn modelId="{3664FE35-7756-4CA1-9B42-59A39DAC4A8A}" type="presOf" srcId="{95545E03-A2D8-4CF3-9915-2E1B875EF6A7}" destId="{45AECB02-0310-4C43-B7F2-815CCB4341C3}" srcOrd="0" destOrd="0" presId="urn:microsoft.com/office/officeart/2005/8/layout/orgChart1"/>
+    <dgm:cxn modelId="{595C8285-1788-42CC-A78D-7F28019CE6F8}" srcId="{95545E03-A2D8-4CF3-9915-2E1B875EF6A7}" destId="{E67E1245-B117-4CF9-A866-39CB6ADE58AD}" srcOrd="1" destOrd="0" parTransId="{540C4DCC-0290-459D-9C81-D33B5600F415}" sibTransId="{B683686E-9BE5-4672-BFB4-F2E69F8471E1}"/>
+    <dgm:cxn modelId="{03932A87-3A6C-4CF8-8EE4-45A82125D197}" type="presOf" srcId="{F47F1B28-5665-4156-927B-3DA95109F416}" destId="{3C93C9CD-C57F-4FDC-A8B0-01DF461EA04E}" srcOrd="0" destOrd="0" presId="urn:microsoft.com/office/officeart/2005/8/layout/orgChart1"/>
+    <dgm:cxn modelId="{84729D87-18F8-41B3-957D-8443F95E56BA}" type="presOf" srcId="{F47F1B28-5665-4156-927B-3DA95109F416}" destId="{CAE717DF-088E-4817-8265-6070F322BC76}" srcOrd="1" destOrd="0" presId="urn:microsoft.com/office/officeart/2005/8/layout/orgChart1"/>
+    <dgm:cxn modelId="{3ED17BBA-0019-4C1B-AFE3-0A360108D97A}" type="presOf" srcId="{E67E1245-B117-4CF9-A866-39CB6ADE58AD}" destId="{E5A8F928-5979-45B9-8516-E7AD3549656C}" srcOrd="0" destOrd="0" presId="urn:microsoft.com/office/officeart/2005/8/layout/orgChart1"/>
+    <dgm:cxn modelId="{039390C1-2796-4269-8C27-91F13A3B1FCB}" type="presOf" srcId="{E67E1245-B117-4CF9-A866-39CB6ADE58AD}" destId="{CEE8AFDB-D28D-49FF-90FD-0160DC5C28C3}" srcOrd="1" destOrd="0" presId="urn:microsoft.com/office/officeart/2005/8/layout/orgChart1"/>
+    <dgm:cxn modelId="{B0A2D4CB-833D-4ABE-AB33-4E309CB653C4}" srcId="{D3D39235-59DC-4496-AC6B-C23120AB77B1}" destId="{95545E03-A2D8-4CF3-9915-2E1B875EF6A7}" srcOrd="0" destOrd="0" parTransId="{D2DFC27B-B878-4331-8F64-897F6C5B7CF8}" sibTransId="{02D4F349-CCF4-4F25-B755-9B831CF7EF6C}"/>
+    <dgm:cxn modelId="{C21242DB-791B-4187-B5FE-F182E32C023A}" type="presOf" srcId="{D3D39235-59DC-4496-AC6B-C23120AB77B1}" destId="{1F8BAD0F-DAAF-45AF-BE44-E6A20867BC3D}" srcOrd="0" destOrd="0" presId="urn:microsoft.com/office/officeart/2005/8/layout/orgChart1"/>
+    <dgm:cxn modelId="{9884D1DD-8FE0-4128-A12E-2D5D34F25828}" type="presOf" srcId="{BDA5FA99-6710-41CC-8C73-5FE13D2FAA85}" destId="{2F306DC7-42AC-427A-9AD2-7BA8409DD164}" srcOrd="0" destOrd="0" presId="urn:microsoft.com/office/officeart/2005/8/layout/orgChart1"/>
+    <dgm:cxn modelId="{0BB05E32-5E91-44CD-B71A-3C076190D41D}" type="presParOf" srcId="{1F8BAD0F-DAAF-45AF-BE44-E6A20867BC3D}" destId="{3D9FF9CA-1F65-4EFE-A5DF-07D8BF87A1EB}" srcOrd="0" destOrd="0" presId="urn:microsoft.com/office/officeart/2005/8/layout/orgChart1"/>
+    <dgm:cxn modelId="{77B0E3D6-FF71-40D6-8CF4-2B87162F0B98}" type="presParOf" srcId="{3D9FF9CA-1F65-4EFE-A5DF-07D8BF87A1EB}" destId="{DC90CDF7-1870-46FC-9563-FDDF8DAAA1AF}" srcOrd="0" destOrd="0" presId="urn:microsoft.com/office/officeart/2005/8/layout/orgChart1"/>
+    <dgm:cxn modelId="{52432837-1ADE-477E-A60C-4D4E1747DA93}" type="presParOf" srcId="{DC90CDF7-1870-46FC-9563-FDDF8DAAA1AF}" destId="{45AECB02-0310-4C43-B7F2-815CCB4341C3}" srcOrd="0" destOrd="0" presId="urn:microsoft.com/office/officeart/2005/8/layout/orgChart1"/>
+    <dgm:cxn modelId="{19AC96D6-E833-45CC-8C9B-D224D6107328}" type="presParOf" srcId="{DC90CDF7-1870-46FC-9563-FDDF8DAAA1AF}" destId="{A141FB49-1E82-4CF8-88A4-9199B5A90FD6}" srcOrd="1" destOrd="0" presId="urn:microsoft.com/office/officeart/2005/8/layout/orgChart1"/>
+    <dgm:cxn modelId="{E6D9EA00-43F3-4AD4-961A-9D04C24B26C3}" type="presParOf" srcId="{3D9FF9CA-1F65-4EFE-A5DF-07D8BF87A1EB}" destId="{6617985B-7F18-40D4-B222-4098AED8207E}" srcOrd="1" destOrd="0" presId="urn:microsoft.com/office/officeart/2005/8/layout/orgChart1"/>
+    <dgm:cxn modelId="{299CE4E1-D90E-40CE-9F1C-B8E557C487B5}" type="presParOf" srcId="{6617985B-7F18-40D4-B222-4098AED8207E}" destId="{2F306DC7-42AC-427A-9AD2-7BA8409DD164}" srcOrd="0" destOrd="0" presId="urn:microsoft.com/office/officeart/2005/8/layout/orgChart1"/>
+    <dgm:cxn modelId="{DBB262DE-8C04-467E-9409-03C87680BE03}" type="presParOf" srcId="{6617985B-7F18-40D4-B222-4098AED8207E}" destId="{4AFD7B28-9C1C-44AC-A36D-6EF6360681D6}" srcOrd="1" destOrd="0" presId="urn:microsoft.com/office/officeart/2005/8/layout/orgChart1"/>
+    <dgm:cxn modelId="{251CBF50-6676-40D8-B09D-7D22FD6ACA73}" type="presParOf" srcId="{4AFD7B28-9C1C-44AC-A36D-6EF6360681D6}" destId="{DABCABCD-EA42-4BC7-AF8E-E1D1FFAAAD5B}" srcOrd="0" destOrd="0" presId="urn:microsoft.com/office/officeart/2005/8/layout/orgChart1"/>
+    <dgm:cxn modelId="{A5829EE2-3A46-491B-8815-1AE78CB5C3FC}" type="presParOf" srcId="{DABCABCD-EA42-4BC7-AF8E-E1D1FFAAAD5B}" destId="{3C93C9CD-C57F-4FDC-A8B0-01DF461EA04E}" srcOrd="0" destOrd="0" presId="urn:microsoft.com/office/officeart/2005/8/layout/orgChart1"/>
+    <dgm:cxn modelId="{862A9746-4642-46C2-90F8-F78B03800F55}" type="presParOf" srcId="{DABCABCD-EA42-4BC7-AF8E-E1D1FFAAAD5B}" destId="{CAE717DF-088E-4817-8265-6070F322BC76}" srcOrd="1" destOrd="0" presId="urn:microsoft.com/office/officeart/2005/8/layout/orgChart1"/>
+    <dgm:cxn modelId="{336C429E-4552-4296-920C-1648B847163E}" type="presParOf" srcId="{4AFD7B28-9C1C-44AC-A36D-6EF6360681D6}" destId="{6B4439E5-C8EE-4B32-ADBB-7C497410AC41}" srcOrd="1" destOrd="0" presId="urn:microsoft.com/office/officeart/2005/8/layout/orgChart1"/>
+    <dgm:cxn modelId="{63DACEC1-A4EA-47FE-8B62-BB71C19E31D7}" type="presParOf" srcId="{4AFD7B28-9C1C-44AC-A36D-6EF6360681D6}" destId="{257B750C-4DA6-418F-B606-8E6CB5B5CCA5}" srcOrd="2" destOrd="0" presId="urn:microsoft.com/office/officeart/2005/8/layout/orgChart1"/>
+    <dgm:cxn modelId="{CAD46C3D-368B-4D74-9274-D4D8E2DD1C4F}" type="presParOf" srcId="{6617985B-7F18-40D4-B222-4098AED8207E}" destId="{0AA918FC-ED84-441A-902E-2A548AE46E7D}" srcOrd="2" destOrd="0" presId="urn:microsoft.com/office/officeart/2005/8/layout/orgChart1"/>
+    <dgm:cxn modelId="{0C4FEFDA-5959-4512-90C7-A64EA822B5C0}" type="presParOf" srcId="{6617985B-7F18-40D4-B222-4098AED8207E}" destId="{EA853DC0-195A-4212-B25D-0313D2E4371B}" srcOrd="3" destOrd="0" presId="urn:microsoft.com/office/officeart/2005/8/layout/orgChart1"/>
+    <dgm:cxn modelId="{45D9BD52-886B-4442-8776-A9B7E1DB860A}" type="presParOf" srcId="{EA853DC0-195A-4212-B25D-0313D2E4371B}" destId="{AED0C7C8-B815-4CD8-BFBF-C030B08C57AA}" srcOrd="0" destOrd="0" presId="urn:microsoft.com/office/officeart/2005/8/layout/orgChart1"/>
+    <dgm:cxn modelId="{01CAEB64-DDF5-4C83-A865-5C76978B158C}" type="presParOf" srcId="{AED0C7C8-B815-4CD8-BFBF-C030B08C57AA}" destId="{E5A8F928-5979-45B9-8516-E7AD3549656C}" srcOrd="0" destOrd="0" presId="urn:microsoft.com/office/officeart/2005/8/layout/orgChart1"/>
+    <dgm:cxn modelId="{A9622618-C6CC-4EF2-B0CC-666EF999E3AE}" type="presParOf" srcId="{AED0C7C8-B815-4CD8-BFBF-C030B08C57AA}" destId="{CEE8AFDB-D28D-49FF-90FD-0160DC5C28C3}" srcOrd="1" destOrd="0" presId="urn:microsoft.com/office/officeart/2005/8/layout/orgChart1"/>
+    <dgm:cxn modelId="{DE84F96B-7DEA-4590-BB4E-9DEA8CC0754F}" type="presParOf" srcId="{EA853DC0-195A-4212-B25D-0313D2E4371B}" destId="{2189233D-20D8-480A-9968-8396DFBBD5AE}" srcOrd="1" destOrd="0" presId="urn:microsoft.com/office/officeart/2005/8/layout/orgChart1"/>
+    <dgm:cxn modelId="{7656333A-2F61-4014-AE3F-C9120D1E0097}" type="presParOf" srcId="{EA853DC0-195A-4212-B25D-0313D2E4371B}" destId="{596281C2-F4A8-4E22-926C-16546AE79C35}" srcOrd="2" destOrd="0" presId="urn:microsoft.com/office/officeart/2005/8/layout/orgChart1"/>
+    <dgm:cxn modelId="{1BDA2DEA-D48E-4232-84E6-B65D6CDC2D54}" type="presParOf" srcId="{3D9FF9CA-1F65-4EFE-A5DF-07D8BF87A1EB}" destId="{615ED63C-B93A-4B5F-9933-881FC0BCB631}" srcOrd="2" destOrd="0" presId="urn:microsoft.com/office/officeart/2005/8/layout/orgChart1"/>
+  </dgm:cxnLst>
+  <dgm:bg/>
+  <dgm:whole/>
+  <dgm:extLst>
+    <a:ext uri="http://schemas.microsoft.com/office/drawing/2008/diagram">
+      <dsp:dataModelExt xmlns:dsp="http://schemas.microsoft.com/office/drawing/2008/diagram" relId="rId6" minVer="http://schemas.openxmlformats.org/drawingml/2006/diagram"/>
     </a:ext>
   </dgm:extLst>
 </dgm:dataModel>
@@ -1287,8 +2244,8 @@
       </dsp:nvSpPr>
       <dsp:spPr>
         <a:xfrm>
-          <a:off x="0" y="4967"/>
-          <a:ext cx="5115491" cy="1197750"/>
+          <a:off x="0" y="519758"/>
+          <a:ext cx="5115491" cy="1268206"/>
         </a:xfrm>
         <a:prstGeom prst="roundRect">
           <a:avLst/>
@@ -1330,12 +2287,12 @@
         </a:fontRef>
       </dsp:style>
       <dsp:txBody>
-        <a:bodyPr spcFirstLastPara="0" vert="horz" wrap="square" lIns="64770" tIns="64770" rIns="64770" bIns="64770" numCol="1" spcCol="1270" anchor="ctr" anchorCtr="0">
+        <a:bodyPr spcFirstLastPara="0" vert="horz" wrap="square" lIns="68580" tIns="68580" rIns="68580" bIns="68580" numCol="1" spcCol="1270" anchor="ctr" anchorCtr="0">
           <a:noAutofit/>
         </a:bodyPr>
         <a:lstStyle/>
         <a:p>
-          <a:pPr marL="0" lvl="0" indent="0" algn="l" defTabSz="755650">
+          <a:pPr marL="0" lvl="0" indent="0" algn="l" defTabSz="800100">
             <a:lnSpc>
               <a:spcPct val="90000"/>
             </a:lnSpc>
@@ -1348,39 +2305,39 @@
             <a:buNone/>
           </a:pPr>
           <a:r>
-            <a:rPr lang="el-GR" sz="1700" kern="1200"/>
+            <a:rPr lang="el-GR" sz="1800" kern="1200"/>
             <a:t>Το </a:t>
           </a:r>
           <a:r>
-            <a:rPr lang="en-US" sz="1700" kern="1200"/>
+            <a:rPr lang="en-US" sz="1800" kern="1200"/>
             <a:t>Apache Spark </a:t>
           </a:r>
           <a:r>
-            <a:rPr lang="el-GR" sz="1700" kern="1200"/>
+            <a:rPr lang="el-GR" sz="1800" kern="1200"/>
             <a:t>είναι ένα </a:t>
           </a:r>
           <a:r>
-            <a:rPr lang="en-US" sz="1700" kern="1200"/>
+            <a:rPr lang="en-US" sz="1800" kern="1200"/>
             <a:t>framework </a:t>
           </a:r>
           <a:r>
-            <a:rPr lang="el-GR" sz="1700" kern="1200"/>
+            <a:rPr lang="el-GR" sz="1800" kern="1200"/>
             <a:t>γενικού σκοπού που επιτρέπει κατανεμημένη</a:t>
           </a:r>
           <a:r>
-            <a:rPr lang="en-US" sz="1700" kern="1200"/>
+            <a:rPr lang="en-US" sz="1800" kern="1200"/>
             <a:t> </a:t>
           </a:r>
           <a:r>
-            <a:rPr lang="el-GR" sz="1700" kern="1200"/>
+            <a:rPr lang="el-GR" sz="1800" kern="1200"/>
             <a:t>επεξεργασία σε ομάδες υπολογιστών</a:t>
           </a:r>
-          <a:endParaRPr lang="en-US" sz="1700" kern="1200"/>
+          <a:endParaRPr lang="en-US" sz="1800" kern="1200"/>
         </a:p>
       </dsp:txBody>
       <dsp:txXfrm>
-        <a:off x="58469" y="63436"/>
-        <a:ext cx="4998553" cy="1080812"/>
+        <a:off x="61909" y="581667"/>
+        <a:ext cx="4991673" cy="1144388"/>
       </dsp:txXfrm>
     </dsp:sp>
     <dsp:sp modelId="{DE9D0AD1-5A98-46C6-8312-0F1FDAB512F7}">
@@ -1390,17 +2347,17 @@
       </dsp:nvSpPr>
       <dsp:spPr>
         <a:xfrm>
-          <a:off x="0" y="1251678"/>
-          <a:ext cx="5115491" cy="1197750"/>
+          <a:off x="0" y="1839805"/>
+          <a:ext cx="5115491" cy="1268206"/>
         </a:xfrm>
         <a:prstGeom prst="roundRect">
           <a:avLst/>
         </a:prstGeom>
         <a:solidFill>
           <a:schemeClr val="accent5">
-            <a:hueOff val="-2451115"/>
-            <a:satOff val="-3409"/>
-            <a:lumOff val="-1307"/>
+            <a:hueOff val="-3676672"/>
+            <a:satOff val="-5114"/>
+            <a:lumOff val="-1961"/>
             <a:alphaOff val="0"/>
           </a:schemeClr>
         </a:solidFill>
@@ -1433,12 +2390,12 @@
         </a:fontRef>
       </dsp:style>
       <dsp:txBody>
-        <a:bodyPr spcFirstLastPara="0" vert="horz" wrap="square" lIns="64770" tIns="64770" rIns="64770" bIns="64770" numCol="1" spcCol="1270" anchor="ctr" anchorCtr="0">
+        <a:bodyPr spcFirstLastPara="0" vert="horz" wrap="square" lIns="68580" tIns="68580" rIns="68580" bIns="68580" numCol="1" spcCol="1270" anchor="ctr" anchorCtr="0">
           <a:noAutofit/>
         </a:bodyPr>
         <a:lstStyle/>
         <a:p>
-          <a:pPr marL="0" lvl="0" indent="0" algn="l" defTabSz="755650">
+          <a:pPr marL="0" lvl="0" indent="0" algn="l" defTabSz="800100">
             <a:lnSpc>
               <a:spcPct val="90000"/>
             </a:lnSpc>
@@ -1451,165 +2408,47 @@
             <a:buNone/>
           </a:pPr>
           <a:r>
-            <a:rPr lang="el-GR" sz="1700" kern="1200" dirty="0"/>
+            <a:rPr lang="el-GR" sz="1800" kern="1200" dirty="0"/>
             <a:t>Μπορεί να θεωρηθεί ως μηχανή επεξεργασίας (</a:t>
           </a:r>
           <a:r>
-            <a:rPr lang="en-US" sz="1700" kern="1200" dirty="0"/>
+            <a:rPr lang="en-US" sz="1800" kern="1200" dirty="0"/>
             <a:t>processing engine</a:t>
           </a:r>
           <a:r>
-            <a:rPr lang="el-GR" sz="1700" kern="1200" dirty="0"/>
+            <a:rPr lang="el-GR" sz="1800" kern="1200" dirty="0"/>
             <a:t>)</a:t>
           </a:r>
           <a:r>
-            <a:rPr lang="en-US" sz="1700" kern="1200" dirty="0"/>
+            <a:rPr lang="en-US" sz="1800" kern="1200" dirty="0"/>
             <a:t> </a:t>
           </a:r>
           <a:r>
-            <a:rPr lang="el-GR" sz="1700" kern="1200" dirty="0"/>
+            <a:rPr lang="el-GR" sz="1800" kern="1200" dirty="0"/>
             <a:t>που δίνει έμφαση σε</a:t>
           </a:r>
           <a:r>
-            <a:rPr lang="en-US" sz="1700" kern="1200" dirty="0"/>
+            <a:rPr lang="en-US" sz="1800" kern="1200" dirty="0"/>
             <a:t> </a:t>
           </a:r>
           <a:r>
-            <a:rPr lang="el-GR" sz="1700" kern="1200" dirty="0"/>
+            <a:rPr lang="el-GR" sz="1800" kern="1200" dirty="0"/>
             <a:t>ταχύτητα</a:t>
           </a:r>
           <a:r>
-            <a:rPr lang="en-US" sz="1700" kern="1200" dirty="0"/>
+            <a:rPr lang="en-US" sz="1800" kern="1200" dirty="0"/>
             <a:t> </a:t>
           </a:r>
           <a:r>
-            <a:rPr lang="el-GR" sz="1700" kern="1200" dirty="0"/>
+            <a:rPr lang="el-GR" sz="1800" kern="1200" dirty="0"/>
             <a:t>και ευκολία χρήσης ενώ παράλληλα παρέχει δυνατότητες προχωρημένης ανάλυσης δεδομένων </a:t>
           </a:r>
-          <a:endParaRPr lang="en-US" sz="1700" kern="1200" dirty="0"/>
+          <a:endParaRPr lang="en-US" sz="1800" kern="1200" dirty="0"/>
         </a:p>
       </dsp:txBody>
       <dsp:txXfrm>
-        <a:off x="58469" y="1310147"/>
-        <a:ext cx="4998553" cy="1080812"/>
-      </dsp:txXfrm>
-    </dsp:sp>
-    <dsp:sp modelId="{B3F23B6D-EEEF-47FF-8D07-247AAEDF046C}">
-      <dsp:nvSpPr>
-        <dsp:cNvPr id="0" name=""/>
-        <dsp:cNvSpPr/>
-      </dsp:nvSpPr>
-      <dsp:spPr>
-        <a:xfrm>
-          <a:off x="0" y="2498389"/>
-          <a:ext cx="5115491" cy="1197750"/>
-        </a:xfrm>
-        <a:prstGeom prst="roundRect">
-          <a:avLst/>
-        </a:prstGeom>
-        <a:solidFill>
-          <a:schemeClr val="accent5">
-            <a:hueOff val="-4902230"/>
-            <a:satOff val="-6819"/>
-            <a:lumOff val="-2615"/>
-            <a:alphaOff val="0"/>
-          </a:schemeClr>
-        </a:solidFill>
-        <a:ln w="12700" cap="flat" cmpd="sng" algn="ctr">
-          <a:solidFill>
-            <a:schemeClr val="lt1">
-              <a:hueOff val="0"/>
-              <a:satOff val="0"/>
-              <a:lumOff val="0"/>
-              <a:alphaOff val="0"/>
-            </a:schemeClr>
-          </a:solidFill>
-          <a:prstDash val="solid"/>
-          <a:miter lim="800000"/>
-        </a:ln>
-        <a:effectLst/>
-      </dsp:spPr>
-      <dsp:style>
-        <a:lnRef idx="2">
-          <a:scrgbClr r="0" g="0" b="0"/>
-        </a:lnRef>
-        <a:fillRef idx="1">
-          <a:scrgbClr r="0" g="0" b="0"/>
-        </a:fillRef>
-        <a:effectRef idx="0">
-          <a:scrgbClr r="0" g="0" b="0"/>
-        </a:effectRef>
-        <a:fontRef idx="minor">
-          <a:schemeClr val="lt1"/>
-        </a:fontRef>
-      </dsp:style>
-      <dsp:txBody>
-        <a:bodyPr spcFirstLastPara="0" vert="horz" wrap="square" lIns="64770" tIns="64770" rIns="64770" bIns="64770" numCol="1" spcCol="1270" anchor="ctr" anchorCtr="0">
-          <a:noAutofit/>
-        </a:bodyPr>
-        <a:lstStyle/>
-        <a:p>
-          <a:pPr marL="0" lvl="0" indent="0" algn="l" defTabSz="755650">
-            <a:lnSpc>
-              <a:spcPct val="90000"/>
-            </a:lnSpc>
-            <a:spcBef>
-              <a:spcPct val="0"/>
-            </a:spcBef>
-            <a:spcAft>
-              <a:spcPct val="35000"/>
-            </a:spcAft>
-            <a:buNone/>
-          </a:pPr>
-          <a:r>
-            <a:rPr lang="el-GR" sz="1700" kern="1200" dirty="0"/>
-            <a:t>Το </a:t>
-          </a:r>
-          <a:r>
-            <a:rPr lang="en-US" sz="1700" kern="1200" dirty="0"/>
-            <a:t>Spark </a:t>
-          </a:r>
-          <a:r>
-            <a:rPr lang="el-GR" sz="1700" kern="1200" dirty="0"/>
-            <a:t>δημιουργήθηκε αρχικά στο </a:t>
-          </a:r>
-          <a:r>
-            <a:rPr lang="en-US" sz="1700" kern="1200" dirty="0" err="1"/>
-            <a:t>AMPLab</a:t>
-          </a:r>
-          <a:r>
-            <a:rPr lang="en-US" sz="1700" kern="1200" dirty="0"/>
-            <a:t> </a:t>
-          </a:r>
-          <a:r>
-            <a:rPr lang="el-GR" sz="1700" kern="1200" dirty="0"/>
-            <a:t>του </a:t>
-          </a:r>
-          <a:r>
-            <a:rPr lang="en-US" sz="1700" kern="1200" dirty="0"/>
-            <a:t>UC Berkeley (2009) </a:t>
-          </a:r>
-          <a:r>
-            <a:rPr lang="el-GR" sz="1700" kern="1200" dirty="0"/>
-            <a:t>και από το 2010 είναι </a:t>
-          </a:r>
-          <a:r>
-            <a:rPr lang="en-US" sz="1700" kern="1200" dirty="0"/>
-            <a:t>open source </a:t>
-          </a:r>
-          <a:r>
-            <a:rPr lang="el-GR" sz="1700" kern="1200" dirty="0"/>
-            <a:t>ως </a:t>
-          </a:r>
-          <a:r>
-            <a:rPr lang="en-US" sz="1700" kern="1200" dirty="0"/>
-            <a:t>top level Apache project </a:t>
-          </a:r>
-        </a:p>
-      </dsp:txBody>
-      <dsp:txXfrm>
-        <a:off x="58469" y="2556858"/>
-        <a:ext cx="4998553" cy="1080812"/>
+        <a:off x="61909" y="1901714"/>
+        <a:ext cx="4991673" cy="1144388"/>
       </dsp:txXfrm>
     </dsp:sp>
     <dsp:sp modelId="{106B9A47-956E-4D9B-A6C1-3BE81A1025D3}">
@@ -1619,8 +2458,8 @@
       </dsp:nvSpPr>
       <dsp:spPr>
         <a:xfrm>
-          <a:off x="0" y="3745099"/>
-          <a:ext cx="5115491" cy="1197750"/>
+          <a:off x="0" y="3159852"/>
+          <a:ext cx="5115491" cy="1268206"/>
         </a:xfrm>
         <a:prstGeom prst="roundRect">
           <a:avLst/>
@@ -1662,12 +2501,12 @@
         </a:fontRef>
       </dsp:style>
       <dsp:txBody>
-        <a:bodyPr spcFirstLastPara="0" vert="horz" wrap="square" lIns="64770" tIns="64770" rIns="64770" bIns="64770" numCol="1" spcCol="1270" anchor="ctr" anchorCtr="0">
+        <a:bodyPr spcFirstLastPara="0" vert="horz" wrap="square" lIns="68580" tIns="68580" rIns="68580" bIns="68580" numCol="1" spcCol="1270" anchor="ctr" anchorCtr="0">
           <a:noAutofit/>
         </a:bodyPr>
         <a:lstStyle/>
         <a:p>
-          <a:pPr marL="0" lvl="0" indent="0" algn="l" defTabSz="755650">
+          <a:pPr marL="0" lvl="0" indent="0" algn="l" defTabSz="800100">
             <a:lnSpc>
               <a:spcPct val="90000"/>
             </a:lnSpc>
@@ -1680,31 +2519,427 @@
             <a:buNone/>
           </a:pPr>
           <a:r>
-            <a:rPr lang="el-GR" sz="1700" kern="1200" dirty="0"/>
+            <a:rPr lang="el-GR" sz="1800" kern="1200" dirty="0"/>
             <a:t>Δίνει έμφαση στη διατήρηση δεδομένων στη μνήμη (100</a:t>
           </a:r>
           <a:r>
-            <a:rPr lang="en-US" sz="1700" kern="1200" dirty="0"/>
+            <a:rPr lang="en-US" sz="1800" kern="1200" dirty="0"/>
             <a:t>x</a:t>
           </a:r>
           <a:r>
-            <a:rPr lang="el-GR" sz="1700" kern="1200" dirty="0"/>
+            <a:rPr lang="el-GR" sz="1800" kern="1200" dirty="0"/>
             <a:t> ταχύτερο από το </a:t>
           </a:r>
           <a:r>
-            <a:rPr lang="en-US" sz="1700" kern="1200" dirty="0"/>
+            <a:rPr lang="en-US" sz="1800" kern="1200" dirty="0"/>
             <a:t>Hadoop MapReduce </a:t>
           </a:r>
           <a:r>
-            <a:rPr lang="el-GR" sz="1700" kern="1200" dirty="0"/>
+            <a:rPr lang="el-GR" sz="1800" kern="1200" dirty="0"/>
             <a:t>για συγκεκριμένες εργασίες)</a:t>
           </a:r>
-          <a:endParaRPr lang="en-US" sz="1700" kern="1200" dirty="0"/>
+          <a:endParaRPr lang="en-US" sz="1800" kern="1200" dirty="0"/>
         </a:p>
       </dsp:txBody>
       <dsp:txXfrm>
-        <a:off x="58469" y="3803568"/>
-        <a:ext cx="4998553" cy="1080812"/>
+        <a:off x="61909" y="3221761"/>
+        <a:ext cx="4991673" cy="1144388"/>
+      </dsp:txXfrm>
+    </dsp:sp>
+  </dsp:spTree>
+</dsp:drawing>
+</file>
+
+<file path=ppt/diagrams/drawing2.xml><?xml version="1.0" encoding="utf-8"?>
+<dsp:drawing xmlns:dgm="http://schemas.openxmlformats.org/drawingml/2006/diagram" xmlns:dsp="http://schemas.microsoft.com/office/drawing/2008/diagram" xmlns:a="http://schemas.openxmlformats.org/drawingml/2006/main">
+  <dsp:spTree>
+    <dsp:nvGrpSpPr>
+      <dsp:cNvPr id="0" name=""/>
+      <dsp:cNvGrpSpPr/>
+    </dsp:nvGrpSpPr>
+    <dsp:grpSpPr/>
+    <dsp:sp modelId="{0AA918FC-ED84-441A-902E-2A548AE46E7D}">
+      <dsp:nvSpPr>
+        <dsp:cNvPr id="0" name=""/>
+        <dsp:cNvSpPr/>
+      </dsp:nvSpPr>
+      <dsp:spPr>
+        <a:xfrm>
+          <a:off x="5257800" y="1798278"/>
+          <a:ext cx="2174490" cy="754781"/>
+        </a:xfrm>
+        <a:custGeom>
+          <a:avLst/>
+          <a:gdLst/>
+          <a:ahLst/>
+          <a:cxnLst/>
+          <a:rect l="0" t="0" r="0" b="0"/>
+          <a:pathLst>
+            <a:path>
+              <a:moveTo>
+                <a:pt x="0" y="0"/>
+              </a:moveTo>
+              <a:lnTo>
+                <a:pt x="0" y="377390"/>
+              </a:lnTo>
+              <a:lnTo>
+                <a:pt x="2174490" y="377390"/>
+              </a:lnTo>
+              <a:lnTo>
+                <a:pt x="2174490" y="754781"/>
+              </a:lnTo>
+            </a:path>
+          </a:pathLst>
+        </a:custGeom>
+        <a:noFill/>
+        <a:ln w="12700" cap="flat" cmpd="sng" algn="ctr">
+          <a:solidFill>
+            <a:schemeClr val="accent1">
+              <a:shade val="60000"/>
+              <a:hueOff val="0"/>
+              <a:satOff val="0"/>
+              <a:lumOff val="0"/>
+              <a:alphaOff val="0"/>
+            </a:schemeClr>
+          </a:solidFill>
+          <a:prstDash val="solid"/>
+          <a:miter lim="800000"/>
+        </a:ln>
+        <a:effectLst/>
+      </dsp:spPr>
+      <dsp:style>
+        <a:lnRef idx="2">
+          <a:scrgbClr r="0" g="0" b="0"/>
+        </a:lnRef>
+        <a:fillRef idx="0">
+          <a:scrgbClr r="0" g="0" b="0"/>
+        </a:fillRef>
+        <a:effectRef idx="0">
+          <a:scrgbClr r="0" g="0" b="0"/>
+        </a:effectRef>
+        <a:fontRef idx="minor"/>
+      </dsp:style>
+    </dsp:sp>
+    <dsp:sp modelId="{2F306DC7-42AC-427A-9AD2-7BA8409DD164}">
+      <dsp:nvSpPr>
+        <dsp:cNvPr id="0" name=""/>
+        <dsp:cNvSpPr/>
+      </dsp:nvSpPr>
+      <dsp:spPr>
+        <a:xfrm>
+          <a:off x="3083309" y="1798278"/>
+          <a:ext cx="2174490" cy="754781"/>
+        </a:xfrm>
+        <a:custGeom>
+          <a:avLst/>
+          <a:gdLst/>
+          <a:ahLst/>
+          <a:cxnLst/>
+          <a:rect l="0" t="0" r="0" b="0"/>
+          <a:pathLst>
+            <a:path>
+              <a:moveTo>
+                <a:pt x="2174490" y="0"/>
+              </a:moveTo>
+              <a:lnTo>
+                <a:pt x="2174490" y="377390"/>
+              </a:lnTo>
+              <a:lnTo>
+                <a:pt x="0" y="377390"/>
+              </a:lnTo>
+              <a:lnTo>
+                <a:pt x="0" y="754781"/>
+              </a:lnTo>
+            </a:path>
+          </a:pathLst>
+        </a:custGeom>
+        <a:noFill/>
+        <a:ln w="12700" cap="flat" cmpd="sng" algn="ctr">
+          <a:solidFill>
+            <a:schemeClr val="accent1">
+              <a:shade val="60000"/>
+              <a:hueOff val="0"/>
+              <a:satOff val="0"/>
+              <a:lumOff val="0"/>
+              <a:alphaOff val="0"/>
+            </a:schemeClr>
+          </a:solidFill>
+          <a:prstDash val="solid"/>
+          <a:miter lim="800000"/>
+        </a:ln>
+        <a:effectLst/>
+      </dsp:spPr>
+      <dsp:style>
+        <a:lnRef idx="2">
+          <a:scrgbClr r="0" g="0" b="0"/>
+        </a:lnRef>
+        <a:fillRef idx="0">
+          <a:scrgbClr r="0" g="0" b="0"/>
+        </a:fillRef>
+        <a:effectRef idx="0">
+          <a:scrgbClr r="0" g="0" b="0"/>
+        </a:effectRef>
+        <a:fontRef idx="minor"/>
+      </dsp:style>
+    </dsp:sp>
+    <dsp:sp modelId="{45AECB02-0310-4C43-B7F2-815CCB4341C3}">
+      <dsp:nvSpPr>
+        <dsp:cNvPr id="0" name=""/>
+        <dsp:cNvSpPr/>
+      </dsp:nvSpPr>
+      <dsp:spPr>
+        <a:xfrm>
+          <a:off x="3460700" y="1178"/>
+          <a:ext cx="3594199" cy="1797099"/>
+        </a:xfrm>
+        <a:prstGeom prst="rect">
+          <a:avLst/>
+        </a:prstGeom>
+        <a:solidFill>
+          <a:schemeClr val="accent1">
+            <a:hueOff val="0"/>
+            <a:satOff val="0"/>
+            <a:lumOff val="0"/>
+            <a:alphaOff val="0"/>
+          </a:schemeClr>
+        </a:solidFill>
+        <a:ln w="12700" cap="flat" cmpd="sng" algn="ctr">
+          <a:solidFill>
+            <a:schemeClr val="lt1">
+              <a:hueOff val="0"/>
+              <a:satOff val="0"/>
+              <a:lumOff val="0"/>
+              <a:alphaOff val="0"/>
+            </a:schemeClr>
+          </a:solidFill>
+          <a:prstDash val="solid"/>
+          <a:miter lim="800000"/>
+        </a:ln>
+        <a:effectLst/>
+      </dsp:spPr>
+      <dsp:style>
+        <a:lnRef idx="2">
+          <a:scrgbClr r="0" g="0" b="0"/>
+        </a:lnRef>
+        <a:fillRef idx="1">
+          <a:scrgbClr r="0" g="0" b="0"/>
+        </a:fillRef>
+        <a:effectRef idx="0">
+          <a:scrgbClr r="0" g="0" b="0"/>
+        </a:effectRef>
+        <a:fontRef idx="minor">
+          <a:schemeClr val="lt1"/>
+        </a:fontRef>
+      </dsp:style>
+      <dsp:txBody>
+        <a:bodyPr spcFirstLastPara="0" vert="horz" wrap="square" lIns="23495" tIns="23495" rIns="23495" bIns="23495" numCol="1" spcCol="1270" anchor="ctr" anchorCtr="0">
+          <a:noAutofit/>
+        </a:bodyPr>
+        <a:lstStyle/>
+        <a:p>
+          <a:pPr marL="0" lvl="0" indent="0" algn="ctr" defTabSz="1644650">
+            <a:lnSpc>
+              <a:spcPct val="90000"/>
+            </a:lnSpc>
+            <a:spcBef>
+              <a:spcPct val="0"/>
+            </a:spcBef>
+            <a:spcAft>
+              <a:spcPct val="35000"/>
+            </a:spcAft>
+            <a:buNone/>
+          </a:pPr>
+          <a:r>
+            <a:rPr lang="el-GR" sz="3700" kern="1200" dirty="0"/>
+            <a:t>Διαθέσιμα </a:t>
+          </a:r>
+          <a:r>
+            <a:rPr lang="en-US" sz="3700" kern="1200" dirty="0"/>
+            <a:t>APIs</a:t>
+          </a:r>
+          <a:endParaRPr lang="el-GR" sz="3700" kern="1200" dirty="0"/>
+        </a:p>
+      </dsp:txBody>
+      <dsp:txXfrm>
+        <a:off x="3460700" y="1178"/>
+        <a:ext cx="3594199" cy="1797099"/>
+      </dsp:txXfrm>
+    </dsp:sp>
+    <dsp:sp modelId="{3C93C9CD-C57F-4FDC-A8B0-01DF461EA04E}">
+      <dsp:nvSpPr>
+        <dsp:cNvPr id="0" name=""/>
+        <dsp:cNvSpPr/>
+      </dsp:nvSpPr>
+      <dsp:spPr>
+        <a:xfrm>
+          <a:off x="1286209" y="2553059"/>
+          <a:ext cx="3594199" cy="1797099"/>
+        </a:xfrm>
+        <a:prstGeom prst="rect">
+          <a:avLst/>
+        </a:prstGeom>
+        <a:solidFill>
+          <a:schemeClr val="accent1">
+            <a:hueOff val="0"/>
+            <a:satOff val="0"/>
+            <a:lumOff val="0"/>
+            <a:alphaOff val="0"/>
+          </a:schemeClr>
+        </a:solidFill>
+        <a:ln w="12700" cap="flat" cmpd="sng" algn="ctr">
+          <a:solidFill>
+            <a:schemeClr val="lt1">
+              <a:hueOff val="0"/>
+              <a:satOff val="0"/>
+              <a:lumOff val="0"/>
+              <a:alphaOff val="0"/>
+            </a:schemeClr>
+          </a:solidFill>
+          <a:prstDash val="solid"/>
+          <a:miter lim="800000"/>
+        </a:ln>
+        <a:effectLst/>
+      </dsp:spPr>
+      <dsp:style>
+        <a:lnRef idx="2">
+          <a:scrgbClr r="0" g="0" b="0"/>
+        </a:lnRef>
+        <a:fillRef idx="1">
+          <a:scrgbClr r="0" g="0" b="0"/>
+        </a:fillRef>
+        <a:effectRef idx="0">
+          <a:scrgbClr r="0" g="0" b="0"/>
+        </a:effectRef>
+        <a:fontRef idx="minor">
+          <a:schemeClr val="lt1"/>
+        </a:fontRef>
+      </dsp:style>
+      <dsp:txBody>
+        <a:bodyPr spcFirstLastPara="0" vert="horz" wrap="square" lIns="23495" tIns="23495" rIns="23495" bIns="23495" numCol="1" spcCol="1270" anchor="ctr" anchorCtr="0">
+          <a:noAutofit/>
+        </a:bodyPr>
+        <a:lstStyle/>
+        <a:p>
+          <a:pPr marL="0" lvl="0" indent="0" algn="ctr" defTabSz="1644650">
+            <a:lnSpc>
+              <a:spcPct val="90000"/>
+            </a:lnSpc>
+            <a:spcBef>
+              <a:spcPct val="0"/>
+            </a:spcBef>
+            <a:spcAft>
+              <a:spcPct val="35000"/>
+            </a:spcAft>
+            <a:buNone/>
+          </a:pPr>
+          <a:r>
+            <a:rPr lang="el-GR" sz="3700" kern="1200" dirty="0"/>
+            <a:t>Χαμηλού επιπέδου</a:t>
+          </a:r>
+          <a:endParaRPr lang="en-US" sz="3700" kern="1200" dirty="0"/>
+        </a:p>
+      </dsp:txBody>
+      <dsp:txXfrm>
+        <a:off x="1286209" y="2553059"/>
+        <a:ext cx="3594199" cy="1797099"/>
+      </dsp:txXfrm>
+    </dsp:sp>
+    <dsp:sp modelId="{E5A8F928-5979-45B9-8516-E7AD3549656C}">
+      <dsp:nvSpPr>
+        <dsp:cNvPr id="0" name=""/>
+        <dsp:cNvSpPr/>
+      </dsp:nvSpPr>
+      <dsp:spPr>
+        <a:xfrm>
+          <a:off x="5635190" y="2553059"/>
+          <a:ext cx="3594199" cy="1797099"/>
+        </a:xfrm>
+        <a:prstGeom prst="rect">
+          <a:avLst/>
+        </a:prstGeom>
+        <a:solidFill>
+          <a:schemeClr val="accent1">
+            <a:hueOff val="0"/>
+            <a:satOff val="0"/>
+            <a:lumOff val="0"/>
+            <a:alphaOff val="0"/>
+          </a:schemeClr>
+        </a:solidFill>
+        <a:ln w="12700" cap="flat" cmpd="sng" algn="ctr">
+          <a:solidFill>
+            <a:schemeClr val="lt1">
+              <a:hueOff val="0"/>
+              <a:satOff val="0"/>
+              <a:lumOff val="0"/>
+              <a:alphaOff val="0"/>
+            </a:schemeClr>
+          </a:solidFill>
+          <a:prstDash val="solid"/>
+          <a:miter lim="800000"/>
+        </a:ln>
+        <a:effectLst/>
+      </dsp:spPr>
+      <dsp:style>
+        <a:lnRef idx="2">
+          <a:scrgbClr r="0" g="0" b="0"/>
+        </a:lnRef>
+        <a:fillRef idx="1">
+          <a:scrgbClr r="0" g="0" b="0"/>
+        </a:fillRef>
+        <a:effectRef idx="0">
+          <a:scrgbClr r="0" g="0" b="0"/>
+        </a:effectRef>
+        <a:fontRef idx="minor">
+          <a:schemeClr val="lt1"/>
+        </a:fontRef>
+      </dsp:style>
+      <dsp:txBody>
+        <a:bodyPr spcFirstLastPara="0" vert="horz" wrap="square" lIns="23495" tIns="23495" rIns="23495" bIns="23495" numCol="1" spcCol="1270" anchor="ctr" anchorCtr="0">
+          <a:noAutofit/>
+        </a:bodyPr>
+        <a:lstStyle/>
+        <a:p>
+          <a:pPr marL="0" lvl="0" indent="0" algn="ctr" defTabSz="1644650">
+            <a:lnSpc>
+              <a:spcPct val="90000"/>
+            </a:lnSpc>
+            <a:spcBef>
+              <a:spcPct val="0"/>
+            </a:spcBef>
+            <a:spcAft>
+              <a:spcPct val="35000"/>
+            </a:spcAft>
+            <a:buNone/>
+          </a:pPr>
+          <a:r>
+            <a:rPr lang="el-GR" sz="3700" kern="1200" dirty="0"/>
+            <a:t>Υψηλού επιπέδου</a:t>
+          </a:r>
+          <a:endParaRPr lang="en-US" sz="3700" kern="1200" dirty="0"/>
+        </a:p>
+        <a:p>
+          <a:pPr marL="0" lvl="0" indent="0" algn="ctr" defTabSz="1644650">
+            <a:lnSpc>
+              <a:spcPct val="90000"/>
+            </a:lnSpc>
+            <a:spcBef>
+              <a:spcPct val="0"/>
+            </a:spcBef>
+            <a:spcAft>
+              <a:spcPct val="35000"/>
+            </a:spcAft>
+            <a:buNone/>
+          </a:pPr>
+          <a:r>
+            <a:rPr lang="en-US" sz="3700" kern="1200" dirty="0"/>
+            <a:t>	</a:t>
+          </a:r>
+          <a:endParaRPr lang="el-GR" sz="3700" kern="1200" dirty="0"/>
+        </a:p>
+      </dsp:txBody>
+      <dsp:txXfrm>
+        <a:off x="5635190" y="2553059"/>
+        <a:ext cx="3594199" cy="1797099"/>
       </dsp:txXfrm>
     </dsp:sp>
   </dsp:spTree>
@@ -1878,7 +3113,2187 @@
 </dgm:layoutDef>
 </file>
 
+<file path=ppt/diagrams/layout2.xml><?xml version="1.0" encoding="utf-8"?>
+<dgm:layoutDef xmlns:dgm="http://schemas.openxmlformats.org/drawingml/2006/diagram" xmlns:a="http://schemas.openxmlformats.org/drawingml/2006/main" uniqueId="urn:microsoft.com/office/officeart/2005/8/layout/orgChart1">
+  <dgm:title val=""/>
+  <dgm:desc val=""/>
+  <dgm:catLst>
+    <dgm:cat type="hierarchy" pri="1000"/>
+    <dgm:cat type="convert" pri="6000"/>
+  </dgm:catLst>
+  <dgm:sampData>
+    <dgm:dataModel>
+      <dgm:ptLst>
+        <dgm:pt modelId="0" type="doc"/>
+        <dgm:pt modelId="1">
+          <dgm:prSet phldr="1"/>
+        </dgm:pt>
+        <dgm:pt modelId="2" type="asst">
+          <dgm:prSet phldr="1"/>
+        </dgm:pt>
+        <dgm:pt modelId="3">
+          <dgm:prSet phldr="1"/>
+        </dgm:pt>
+        <dgm:pt modelId="4">
+          <dgm:prSet phldr="1"/>
+        </dgm:pt>
+        <dgm:pt modelId="5">
+          <dgm:prSet phldr="1"/>
+        </dgm:pt>
+      </dgm:ptLst>
+      <dgm:cxnLst>
+        <dgm:cxn modelId="5" srcId="0" destId="1" srcOrd="0" destOrd="0"/>
+        <dgm:cxn modelId="6" srcId="1" destId="2" srcOrd="0" destOrd="0"/>
+        <dgm:cxn modelId="7" srcId="1" destId="3" srcOrd="1" destOrd="0"/>
+        <dgm:cxn modelId="8" srcId="1" destId="4" srcOrd="2" destOrd="0"/>
+        <dgm:cxn modelId="9" srcId="1" destId="5" srcOrd="3" destOrd="0"/>
+      </dgm:cxnLst>
+      <dgm:bg/>
+      <dgm:whole/>
+    </dgm:dataModel>
+  </dgm:sampData>
+  <dgm:styleData>
+    <dgm:dataModel>
+      <dgm:ptLst>
+        <dgm:pt modelId="0" type="doc"/>
+        <dgm:pt modelId="1"/>
+        <dgm:pt modelId="12"/>
+        <dgm:pt modelId="13"/>
+      </dgm:ptLst>
+      <dgm:cxnLst>
+        <dgm:cxn modelId="2" srcId="0" destId="1" srcOrd="0" destOrd="0"/>
+        <dgm:cxn modelId="16" srcId="1" destId="12" srcOrd="1" destOrd="0"/>
+        <dgm:cxn modelId="17" srcId="1" destId="13" srcOrd="2" destOrd="0"/>
+      </dgm:cxnLst>
+      <dgm:bg/>
+      <dgm:whole/>
+    </dgm:dataModel>
+  </dgm:styleData>
+  <dgm:clrData>
+    <dgm:dataModel>
+      <dgm:ptLst>
+        <dgm:pt modelId="0" type="doc"/>
+        <dgm:pt modelId="1"/>
+        <dgm:pt modelId="11" type="asst"/>
+        <dgm:pt modelId="12"/>
+        <dgm:pt modelId="13"/>
+        <dgm:pt modelId="14"/>
+      </dgm:ptLst>
+      <dgm:cxnLst>
+        <dgm:cxn modelId="2" srcId="0" destId="1" srcOrd="0" destOrd="0"/>
+        <dgm:cxn modelId="15" srcId="1" destId="11" srcOrd="0" destOrd="0"/>
+        <dgm:cxn modelId="16" srcId="1" destId="12" srcOrd="1" destOrd="0"/>
+        <dgm:cxn modelId="17" srcId="1" destId="13" srcOrd="2" destOrd="0"/>
+        <dgm:cxn modelId="18" srcId="1" destId="14" srcOrd="2" destOrd="0"/>
+      </dgm:cxnLst>
+      <dgm:bg/>
+      <dgm:whole/>
+    </dgm:dataModel>
+  </dgm:clrData>
+  <dgm:layoutNode name="hierChild1">
+    <dgm:varLst>
+      <dgm:orgChart val="1"/>
+      <dgm:chPref val="1"/>
+      <dgm:dir/>
+      <dgm:animOne val="branch"/>
+      <dgm:animLvl val="lvl"/>
+      <dgm:resizeHandles/>
+    </dgm:varLst>
+    <dgm:choose name="Name0">
+      <dgm:if name="Name1" func="var" arg="dir" op="equ" val="norm">
+        <dgm:alg type="hierChild">
+          <dgm:param type="linDir" val="fromL"/>
+        </dgm:alg>
+      </dgm:if>
+      <dgm:else name="Name2">
+        <dgm:alg type="hierChild">
+          <dgm:param type="linDir" val="fromR"/>
+        </dgm:alg>
+      </dgm:else>
+    </dgm:choose>
+    <dgm:shape xmlns:r="http://schemas.openxmlformats.org/officeDocument/2006/relationships" r:blip="">
+      <dgm:adjLst/>
+    </dgm:shape>
+    <dgm:presOf/>
+    <dgm:constrLst>
+      <dgm:constr type="w" for="des" forName="rootComposite1" refType="w" fact="10"/>
+      <dgm:constr type="h" for="des" forName="rootComposite1" refType="w" refFor="des" refForName="rootComposite1" fact="0.5"/>
+      <dgm:constr type="w" for="des" forName="rootComposite" refType="w" fact="10"/>
+      <dgm:constr type="h" for="des" forName="rootComposite" refType="w" refFor="des" refForName="rootComposite1" fact="0.5"/>
+      <dgm:constr type="w" for="des" forName="rootComposite3" refType="w" fact="10"/>
+      <dgm:constr type="h" for="des" forName="rootComposite3" refType="w" refFor="des" refForName="rootComposite1" fact="0.5"/>
+      <dgm:constr type="primFontSz" for="des" ptType="node" op="equ"/>
+      <dgm:constr type="sp" for="des" op="equ"/>
+      <dgm:constr type="sp" for="des" forName="hierRoot1" refType="w" refFor="des" refForName="rootComposite1" fact="0.21"/>
+      <dgm:constr type="sp" for="des" forName="hierRoot2" refType="sp" refFor="des" refForName="hierRoot1"/>
+      <dgm:constr type="sp" for="des" forName="hierRoot3" refType="sp" refFor="des" refForName="hierRoot1"/>
+      <dgm:constr type="sibSp" refType="w" refFor="des" refForName="rootComposite1" fact="0.21"/>
+      <dgm:constr type="sibSp" for="des" forName="hierChild2" refType="sibSp"/>
+      <dgm:constr type="sibSp" for="des" forName="hierChild3" refType="sibSp"/>
+      <dgm:constr type="sibSp" for="des" forName="hierChild4" refType="sibSp"/>
+      <dgm:constr type="sibSp" for="des" forName="hierChild5" refType="sibSp"/>
+      <dgm:constr type="sibSp" for="des" forName="hierChild6" refType="sibSp"/>
+      <dgm:constr type="sibSp" for="des" forName="hierChild7" refType="sibSp"/>
+      <dgm:constr type="secSibSp" refType="w" refFor="des" refForName="rootComposite1" fact="0.21"/>
+      <dgm:constr type="secSibSp" for="des" forName="hierChild2" refType="secSibSp"/>
+      <dgm:constr type="secSibSp" for="des" forName="hierChild3" refType="secSibSp"/>
+      <dgm:constr type="secSibSp" for="des" forName="hierChild4" refType="secSibSp"/>
+      <dgm:constr type="secSibSp" for="des" forName="hierChild5" refType="secSibSp"/>
+      <dgm:constr type="secSibSp" for="des" forName="hierChild6" refType="secSibSp"/>
+      <dgm:constr type="secSibSp" for="des" forName="hierChild7" refType="secSibSp"/>
+    </dgm:constrLst>
+    <dgm:ruleLst/>
+    <dgm:forEach name="Name3" axis="ch">
+      <dgm:forEach name="Name4" axis="self" ptType="node">
+        <dgm:layoutNode name="hierRoot1">
+          <dgm:varLst>
+            <dgm:hierBranch val="init"/>
+          </dgm:varLst>
+          <dgm:choose name="Name5">
+            <dgm:if name="Name6" func="var" arg="hierBranch" op="equ" val="l">
+              <dgm:choose name="Name7">
+                <dgm:if name="Name8" axis="ch" ptType="asst" func="cnt" op="gte" val="1">
+                  <dgm:alg type="hierRoot">
+                    <dgm:param type="hierAlign" val="tR"/>
+                  </dgm:alg>
+                  <dgm:constrLst>
+                    <dgm:constr type="alignOff" val="0.65"/>
+                  </dgm:constrLst>
+                </dgm:if>
+                <dgm:else name="Name9">
+                  <dgm:alg type="hierRoot">
+                    <dgm:param type="hierAlign" val="tR"/>
+                  </dgm:alg>
+                  <dgm:constrLst>
+                    <dgm:constr type="alignOff" val="0.25"/>
+                  </dgm:constrLst>
+                </dgm:else>
+              </dgm:choose>
+            </dgm:if>
+            <dgm:if name="Name10" func="var" arg="hierBranch" op="equ" val="r">
+              <dgm:choose name="Name11">
+                <dgm:if name="Name12" axis="ch" ptType="asst" func="cnt" op="gte" val="1">
+                  <dgm:alg type="hierRoot">
+                    <dgm:param type="hierAlign" val="tL"/>
+                  </dgm:alg>
+                  <dgm:constrLst>
+                    <dgm:constr type="alignOff" val="0.65"/>
+                  </dgm:constrLst>
+                </dgm:if>
+                <dgm:else name="Name13">
+                  <dgm:alg type="hierRoot">
+                    <dgm:param type="hierAlign" val="tL"/>
+                  </dgm:alg>
+                  <dgm:constrLst>
+                    <dgm:constr type="alignOff" val="0.25"/>
+                  </dgm:constrLst>
+                </dgm:else>
+              </dgm:choose>
+            </dgm:if>
+            <dgm:if name="Name14" func="var" arg="hierBranch" op="equ" val="hang">
+              <dgm:alg type="hierRoot"/>
+              <dgm:constrLst>
+                <dgm:constr type="alignOff" val="0.65"/>
+              </dgm:constrLst>
+            </dgm:if>
+            <dgm:else name="Name15">
+              <dgm:alg type="hierRoot"/>
+              <dgm:constrLst>
+                <dgm:constr type="alignOff"/>
+                <dgm:constr type="bendDist" for="des" ptType="parTrans" refType="sp" fact="0.5"/>
+              </dgm:constrLst>
+            </dgm:else>
+          </dgm:choose>
+          <dgm:shape xmlns:r="http://schemas.openxmlformats.org/officeDocument/2006/relationships" r:blip="">
+            <dgm:adjLst/>
+          </dgm:shape>
+          <dgm:presOf/>
+          <dgm:ruleLst/>
+          <dgm:layoutNode name="rootComposite1">
+            <dgm:alg type="composite"/>
+            <dgm:shape xmlns:r="http://schemas.openxmlformats.org/officeDocument/2006/relationships" r:blip="">
+              <dgm:adjLst/>
+            </dgm:shape>
+            <dgm:presOf axis="self" ptType="node" cnt="1"/>
+            <dgm:choose name="Name16">
+              <dgm:if name="Name17" func="var" arg="hierBranch" op="equ" val="init">
+                <dgm:constrLst>
+                  <dgm:constr type="l" for="ch" forName="rootText1"/>
+                  <dgm:constr type="t" for="ch" forName="rootText1"/>
+                  <dgm:constr type="w" for="ch" forName="rootText1" refType="w"/>
+                  <dgm:constr type="h" for="ch" forName="rootText1" refType="h"/>
+                  <dgm:constr type="l" for="ch" forName="rootConnector1"/>
+                  <dgm:constr type="t" for="ch" forName="rootConnector1"/>
+                  <dgm:constr type="w" for="ch" forName="rootConnector1" refType="w" refFor="ch" refForName="rootText1" fact="0.2"/>
+                  <dgm:constr type="h" for="ch" forName="rootConnector1" refType="h" refFor="ch" refForName="rootText1"/>
+                </dgm:constrLst>
+              </dgm:if>
+              <dgm:if name="Name18" func="var" arg="hierBranch" op="equ" val="l">
+                <dgm:constrLst>
+                  <dgm:constr type="l" for="ch" forName="rootText1"/>
+                  <dgm:constr type="t" for="ch" forName="rootText1"/>
+                  <dgm:constr type="w" for="ch" forName="rootText1" refType="w"/>
+                  <dgm:constr type="h" for="ch" forName="rootText1" refType="h"/>
+                  <dgm:constr type="r" for="ch" forName="rootConnector1" refType="w"/>
+                  <dgm:constr type="t" for="ch" forName="rootConnector1"/>
+                  <dgm:constr type="w" for="ch" forName="rootConnector1" refType="w" refFor="ch" refForName="rootText1" fact="0.2"/>
+                  <dgm:constr type="h" for="ch" forName="rootConnector1" refType="h" refFor="ch" refForName="rootText1"/>
+                </dgm:constrLst>
+              </dgm:if>
+              <dgm:if name="Name19" func="var" arg="hierBranch" op="equ" val="r">
+                <dgm:constrLst>
+                  <dgm:constr type="l" for="ch" forName="rootText1"/>
+                  <dgm:constr type="t" for="ch" forName="rootText1"/>
+                  <dgm:constr type="w" for="ch" forName="rootText1" refType="w"/>
+                  <dgm:constr type="h" for="ch" forName="rootText1" refType="h"/>
+                  <dgm:constr type="l" for="ch" forName="rootConnector1"/>
+                  <dgm:constr type="t" for="ch" forName="rootConnector1"/>
+                  <dgm:constr type="w" for="ch" forName="rootConnector1" refType="w" refFor="ch" refForName="rootText1" fact="0.2"/>
+                  <dgm:constr type="h" for="ch" forName="rootConnector1" refType="h" refFor="ch" refForName="rootText1"/>
+                </dgm:constrLst>
+              </dgm:if>
+              <dgm:else name="Name20">
+                <dgm:constrLst>
+                  <dgm:constr type="l" for="ch" forName="rootText1"/>
+                  <dgm:constr type="t" for="ch" forName="rootText1"/>
+                  <dgm:constr type="w" for="ch" forName="rootText1" refType="w"/>
+                  <dgm:constr type="h" for="ch" forName="rootText1" refType="h"/>
+                  <dgm:constr type="r" for="ch" forName="rootConnector1" refType="w"/>
+                  <dgm:constr type="t" for="ch" forName="rootConnector1"/>
+                  <dgm:constr type="w" for="ch" forName="rootConnector1" refType="w" refFor="ch" refForName="rootText1" fact="0.2"/>
+                  <dgm:constr type="h" for="ch" forName="rootConnector1" refType="h" refFor="ch" refForName="rootText1"/>
+                </dgm:constrLst>
+              </dgm:else>
+            </dgm:choose>
+            <dgm:ruleLst/>
+            <dgm:layoutNode name="rootText1" styleLbl="node0">
+              <dgm:varLst>
+                <dgm:chPref val="3"/>
+              </dgm:varLst>
+              <dgm:alg type="tx"/>
+              <dgm:shape xmlns:r="http://schemas.openxmlformats.org/officeDocument/2006/relationships" type="rect" r:blip="">
+                <dgm:adjLst/>
+              </dgm:shape>
+              <dgm:presOf axis="self" ptType="node" cnt="1"/>
+              <dgm:constrLst>
+                <dgm:constr type="primFontSz" val="65"/>
+                <dgm:constr type="lMarg" refType="primFontSz" fact="0.05"/>
+                <dgm:constr type="rMarg" refType="primFontSz" fact="0.05"/>
+                <dgm:constr type="tMarg" refType="primFontSz" fact="0.05"/>
+                <dgm:constr type="bMarg" refType="primFontSz" fact="0.05"/>
+              </dgm:constrLst>
+              <dgm:ruleLst>
+                <dgm:rule type="primFontSz" val="5" fact="NaN" max="NaN"/>
+              </dgm:ruleLst>
+            </dgm:layoutNode>
+            <dgm:layoutNode name="rootConnector1" moveWith="rootText1">
+              <dgm:alg type="sp"/>
+              <dgm:shape xmlns:r="http://schemas.openxmlformats.org/officeDocument/2006/relationships" type="rect" r:blip="" hideGeom="1">
+                <dgm:adjLst/>
+              </dgm:shape>
+              <dgm:presOf axis="self" ptType="node" cnt="1"/>
+              <dgm:constrLst/>
+              <dgm:ruleLst/>
+            </dgm:layoutNode>
+          </dgm:layoutNode>
+          <dgm:layoutNode name="hierChild2">
+            <dgm:choose name="Name21">
+              <dgm:if name="Name22" func="var" arg="hierBranch" op="equ" val="l">
+                <dgm:alg type="hierChild">
+                  <dgm:param type="chAlign" val="r"/>
+                  <dgm:param type="linDir" val="fromT"/>
+                </dgm:alg>
+              </dgm:if>
+              <dgm:if name="Name23" func="var" arg="hierBranch" op="equ" val="r">
+                <dgm:alg type="hierChild">
+                  <dgm:param type="chAlign" val="l"/>
+                  <dgm:param type="linDir" val="fromT"/>
+                </dgm:alg>
+              </dgm:if>
+              <dgm:if name="Name24" func="var" arg="hierBranch" op="equ" val="hang">
+                <dgm:choose name="Name25">
+                  <dgm:if name="Name26" func="var" arg="dir" op="equ" val="norm">
+                    <dgm:alg type="hierChild">
+                      <dgm:param type="chAlign" val="l"/>
+                      <dgm:param type="linDir" val="fromL"/>
+                      <dgm:param type="secChAlign" val="t"/>
+                      <dgm:param type="secLinDir" val="fromT"/>
+                    </dgm:alg>
+                  </dgm:if>
+                  <dgm:else name="Name27">
+                    <dgm:alg type="hierChild">
+                      <dgm:param type="chAlign" val="l"/>
+                      <dgm:param type="linDir" val="fromR"/>
+                      <dgm:param type="secChAlign" val="t"/>
+                      <dgm:param type="secLinDir" val="fromT"/>
+                    </dgm:alg>
+                  </dgm:else>
+                </dgm:choose>
+              </dgm:if>
+              <dgm:else name="Name28">
+                <dgm:choose name="Name29">
+                  <dgm:if name="Name30" func="var" arg="dir" op="equ" val="norm">
+                    <dgm:alg type="hierChild"/>
+                  </dgm:if>
+                  <dgm:else name="Name31">
+                    <dgm:alg type="hierChild">
+                      <dgm:param type="linDir" val="fromR"/>
+                    </dgm:alg>
+                  </dgm:else>
+                </dgm:choose>
+              </dgm:else>
+            </dgm:choose>
+            <dgm:shape xmlns:r="http://schemas.openxmlformats.org/officeDocument/2006/relationships" r:blip="">
+              <dgm:adjLst/>
+            </dgm:shape>
+            <dgm:presOf/>
+            <dgm:constrLst/>
+            <dgm:ruleLst/>
+            <dgm:forEach name="rep2a" axis="ch" ptType="nonAsst">
+              <dgm:forEach name="Name32" axis="precedSib" ptType="parTrans" st="-1" cnt="1">
+                <dgm:choose name="Name33">
+                  <dgm:if name="Name34" func="var" arg="hierBranch" op="equ" val="std">
+                    <dgm:layoutNode name="Name35">
+                      <dgm:alg type="conn">
+                        <dgm:param type="connRout" val="bend"/>
+                        <dgm:param type="dim" val="1D"/>
+                        <dgm:param type="endSty" val="noArr"/>
+                        <dgm:param type="begPts" val="bCtr"/>
+                        <dgm:param type="endPts" val="tCtr"/>
+                        <dgm:param type="bendPt" val="end"/>
+                      </dgm:alg>
+                      <dgm:shape xmlns:r="http://schemas.openxmlformats.org/officeDocument/2006/relationships" type="conn" r:blip="" zOrderOff="-99999">
+                        <dgm:adjLst/>
+                      </dgm:shape>
+                      <dgm:presOf axis="self"/>
+                      <dgm:constrLst>
+                        <dgm:constr type="begPad"/>
+                        <dgm:constr type="endPad"/>
+                      </dgm:constrLst>
+                      <dgm:ruleLst/>
+                    </dgm:layoutNode>
+                  </dgm:if>
+                  <dgm:if name="Name36" func="var" arg="hierBranch" op="equ" val="init">
+                    <dgm:layoutNode name="Name37">
+                      <dgm:choose name="Name38">
+                        <dgm:if name="Name39" axis="self" func="depth" op="lte" val="2">
+                          <dgm:alg type="conn">
+                            <dgm:param type="connRout" val="bend"/>
+                            <dgm:param type="dim" val="1D"/>
+                            <dgm:param type="endSty" val="noArr"/>
+                            <dgm:param type="begPts" val="bCtr"/>
+                            <dgm:param type="endPts" val="tCtr"/>
+                            <dgm:param type="bendPt" val="end"/>
+                          </dgm:alg>
+                        </dgm:if>
+                        <dgm:else name="Name40">
+                          <dgm:choose name="Name41">
+                            <dgm:if name="Name42" axis="par des" func="maxDepth" op="lte" val="1">
+                              <dgm:choose name="Name43">
+                                <dgm:if name="Name44" axis="par ch" ptType="node asst" func="cnt" op="gte" val="1">
+                                  <dgm:alg type="conn">
+                                    <dgm:param type="connRout" val="bend"/>
+                                    <dgm:param type="dim" val="1D"/>
+                                    <dgm:param type="endSty" val="noArr"/>
+                                    <dgm:param type="begPts" val="bCtr"/>
+                                    <dgm:param type="endPts" val="midL midR"/>
+                                  </dgm:alg>
+                                </dgm:if>
+                                <dgm:else name="Name45">
+                                  <dgm:alg type="conn">
+                                    <dgm:param type="connRout" val="bend"/>
+                                    <dgm:param type="dim" val="1D"/>
+                                    <dgm:param type="endSty" val="noArr"/>
+                                    <dgm:param type="begPts" val="bCtr"/>
+                                    <dgm:param type="endPts" val="midL midR"/>
+                                    <dgm:param type="srcNode" val="rootConnector"/>
+                                  </dgm:alg>
+                                </dgm:else>
+                              </dgm:choose>
+                            </dgm:if>
+                            <dgm:else name="Name46">
+                              <dgm:alg type="conn">
+                                <dgm:param type="connRout" val="bend"/>
+                                <dgm:param type="dim" val="1D"/>
+                                <dgm:param type="endSty" val="noArr"/>
+                                <dgm:param type="begPts" val="bCtr"/>
+                                <dgm:param type="endPts" val="tCtr"/>
+                                <dgm:param type="bendPt" val="end"/>
+                              </dgm:alg>
+                            </dgm:else>
+                          </dgm:choose>
+                        </dgm:else>
+                      </dgm:choose>
+                      <dgm:shape xmlns:r="http://schemas.openxmlformats.org/officeDocument/2006/relationships" type="conn" r:blip="" zOrderOff="-99999">
+                        <dgm:adjLst/>
+                      </dgm:shape>
+                      <dgm:presOf axis="self"/>
+                      <dgm:constrLst>
+                        <dgm:constr type="begPad"/>
+                        <dgm:constr type="endPad"/>
+                      </dgm:constrLst>
+                      <dgm:ruleLst/>
+                    </dgm:layoutNode>
+                  </dgm:if>
+                  <dgm:if name="Name47" func="var" arg="hierBranch" op="equ" val="hang">
+                    <dgm:layoutNode name="Name48">
+                      <dgm:alg type="conn">
+                        <dgm:param type="connRout" val="bend"/>
+                        <dgm:param type="dim" val="1D"/>
+                        <dgm:param type="endSty" val="noArr"/>
+                        <dgm:param type="begPts" val="bCtr"/>
+                        <dgm:param type="endPts" val="midL midR"/>
+                      </dgm:alg>
+                      <dgm:shape xmlns:r="http://schemas.openxmlformats.org/officeDocument/2006/relationships" type="conn" r:blip="" zOrderOff="-99999">
+                        <dgm:adjLst/>
+                      </dgm:shape>
+                      <dgm:presOf axis="self"/>
+                      <dgm:constrLst>
+                        <dgm:constr type="begPad"/>
+                        <dgm:constr type="endPad"/>
+                      </dgm:constrLst>
+                      <dgm:ruleLst/>
+                    </dgm:layoutNode>
+                  </dgm:if>
+                  <dgm:else name="Name49">
+                    <dgm:layoutNode name="Name50">
+                      <dgm:choose name="Name51">
+                        <dgm:if name="Name52" axis="self" func="depth" op="lte" val="2">
+                          <dgm:choose name="Name53">
+                            <dgm:if name="Name54" axis="par ch" ptType="node asst" func="cnt" op="gte" val="1">
+                              <dgm:alg type="conn">
+                                <dgm:param type="connRout" val="bend"/>
+                                <dgm:param type="dim" val="1D"/>
+                                <dgm:param type="endSty" val="noArr"/>
+                                <dgm:param type="begPts" val="bCtr"/>
+                                <dgm:param type="endPts" val="midL midR"/>
+                              </dgm:alg>
+                            </dgm:if>
+                            <dgm:else name="Name55">
+                              <dgm:alg type="conn">
+                                <dgm:param type="connRout" val="bend"/>
+                                <dgm:param type="dim" val="1D"/>
+                                <dgm:param type="endSty" val="noArr"/>
+                                <dgm:param type="begPts" val="bCtr"/>
+                                <dgm:param type="endPts" val="midL midR"/>
+                                <dgm:param type="srcNode" val="rootConnector1"/>
+                              </dgm:alg>
+                            </dgm:else>
+                          </dgm:choose>
+                        </dgm:if>
+                        <dgm:else name="Name56">
+                          <dgm:choose name="Name57">
+                            <dgm:if name="Name58" axis="par ch" ptType="node asst" func="cnt" op="gte" val="1">
+                              <dgm:alg type="conn">
+                                <dgm:param type="connRout" val="bend"/>
+                                <dgm:param type="dim" val="1D"/>
+                                <dgm:param type="endSty" val="noArr"/>
+                                <dgm:param type="begPts" val="bCtr"/>
+                                <dgm:param type="endPts" val="midL midR"/>
+                              </dgm:alg>
+                            </dgm:if>
+                            <dgm:else name="Name59">
+                              <dgm:alg type="conn">
+                                <dgm:param type="connRout" val="bend"/>
+                                <dgm:param type="dim" val="1D"/>
+                                <dgm:param type="endSty" val="noArr"/>
+                                <dgm:param type="begPts" val="bCtr"/>
+                                <dgm:param type="endPts" val="midL midR"/>
+                                <dgm:param type="srcNode" val="rootConnector"/>
+                              </dgm:alg>
+                            </dgm:else>
+                          </dgm:choose>
+                        </dgm:else>
+                      </dgm:choose>
+                      <dgm:shape xmlns:r="http://schemas.openxmlformats.org/officeDocument/2006/relationships" type="conn" r:blip="" zOrderOff="-99999">
+                        <dgm:adjLst/>
+                      </dgm:shape>
+                      <dgm:presOf axis="self"/>
+                      <dgm:constrLst>
+                        <dgm:constr type="begPad"/>
+                        <dgm:constr type="endPad"/>
+                      </dgm:constrLst>
+                      <dgm:ruleLst/>
+                    </dgm:layoutNode>
+                  </dgm:else>
+                </dgm:choose>
+              </dgm:forEach>
+              <dgm:layoutNode name="hierRoot2">
+                <dgm:varLst>
+                  <dgm:hierBranch val="init"/>
+                </dgm:varLst>
+                <dgm:choose name="Name60">
+                  <dgm:if name="Name61" func="var" arg="hierBranch" op="equ" val="l">
+                    <dgm:choose name="Name62">
+                      <dgm:if name="Name63" axis="ch" ptType="asst" func="cnt" op="gte" val="1">
+                        <dgm:alg type="hierRoot">
+                          <dgm:param type="hierAlign" val="tR"/>
+                        </dgm:alg>
+                        <dgm:shape xmlns:r="http://schemas.openxmlformats.org/officeDocument/2006/relationships" r:blip="">
+                          <dgm:adjLst/>
+                        </dgm:shape>
+                        <dgm:presOf/>
+                        <dgm:constrLst>
+                          <dgm:constr type="alignOff" val="0.65"/>
+                        </dgm:constrLst>
+                      </dgm:if>
+                      <dgm:else name="Name64">
+                        <dgm:alg type="hierRoot">
+                          <dgm:param type="hierAlign" val="tR"/>
+                        </dgm:alg>
+                        <dgm:shape xmlns:r="http://schemas.openxmlformats.org/officeDocument/2006/relationships" r:blip="">
+                          <dgm:adjLst/>
+                        </dgm:shape>
+                        <dgm:presOf/>
+                        <dgm:constrLst>
+                          <dgm:constr type="alignOff" val="0.25"/>
+                        </dgm:constrLst>
+                      </dgm:else>
+                    </dgm:choose>
+                  </dgm:if>
+                  <dgm:if name="Name65" func="var" arg="hierBranch" op="equ" val="r">
+                    <dgm:choose name="Name66">
+                      <dgm:if name="Name67" axis="ch" ptType="asst" func="cnt" op="gte" val="1">
+                        <dgm:alg type="hierRoot">
+                          <dgm:param type="hierAlign" val="tL"/>
+                        </dgm:alg>
+                        <dgm:shape xmlns:r="http://schemas.openxmlformats.org/officeDocument/2006/relationships" r:blip="">
+                          <dgm:adjLst/>
+                        </dgm:shape>
+                        <dgm:presOf/>
+                        <dgm:constrLst>
+                          <dgm:constr type="alignOff" val="0.65"/>
+                        </dgm:constrLst>
+                      </dgm:if>
+                      <dgm:else name="Name68">
+                        <dgm:alg type="hierRoot">
+                          <dgm:param type="hierAlign" val="tL"/>
+                        </dgm:alg>
+                        <dgm:shape xmlns:r="http://schemas.openxmlformats.org/officeDocument/2006/relationships" r:blip="">
+                          <dgm:adjLst/>
+                        </dgm:shape>
+                        <dgm:presOf/>
+                        <dgm:constrLst>
+                          <dgm:constr type="alignOff" val="0.25"/>
+                        </dgm:constrLst>
+                      </dgm:else>
+                    </dgm:choose>
+                  </dgm:if>
+                  <dgm:if name="Name69" func="var" arg="hierBranch" op="equ" val="std">
+                    <dgm:alg type="hierRoot"/>
+                    <dgm:shape xmlns:r="http://schemas.openxmlformats.org/officeDocument/2006/relationships" r:blip="">
+                      <dgm:adjLst/>
+                    </dgm:shape>
+                    <dgm:presOf/>
+                    <dgm:constrLst>
+                      <dgm:constr type="alignOff"/>
+                      <dgm:constr type="bendDist" for="des" ptType="parTrans" refType="sp" fact="0.5"/>
+                    </dgm:constrLst>
+                  </dgm:if>
+                  <dgm:if name="Name70" func="var" arg="hierBranch" op="equ" val="init">
+                    <dgm:choose name="Name71">
+                      <dgm:if name="Name72" axis="des" func="maxDepth" op="lte" val="1">
+                        <dgm:choose name="Name73">
+                          <dgm:if name="Name74" axis="ch" ptType="asst" func="cnt" op="gte" val="1">
+                            <dgm:alg type="hierRoot">
+                              <dgm:param type="hierAlign" val="tL"/>
+                            </dgm:alg>
+                            <dgm:shape xmlns:r="http://schemas.openxmlformats.org/officeDocument/2006/relationships" r:blip="">
+                              <dgm:adjLst/>
+                            </dgm:shape>
+                            <dgm:presOf/>
+                            <dgm:constrLst>
+                              <dgm:constr type="alignOff" val="0.65"/>
+                            </dgm:constrLst>
+                          </dgm:if>
+                          <dgm:else name="Name75">
+                            <dgm:alg type="hierRoot">
+                              <dgm:param type="hierAlign" val="tL"/>
+                            </dgm:alg>
+                            <dgm:shape xmlns:r="http://schemas.openxmlformats.org/officeDocument/2006/relationships" r:blip="">
+                              <dgm:adjLst/>
+                            </dgm:shape>
+                            <dgm:presOf/>
+                            <dgm:constrLst>
+                              <dgm:constr type="alignOff" val="0.25"/>
+                            </dgm:constrLst>
+                          </dgm:else>
+                        </dgm:choose>
+                      </dgm:if>
+                      <dgm:else name="Name76">
+                        <dgm:alg type="hierRoot"/>
+                        <dgm:shape xmlns:r="http://schemas.openxmlformats.org/officeDocument/2006/relationships" r:blip="">
+                          <dgm:adjLst/>
+                        </dgm:shape>
+                        <dgm:presOf/>
+                        <dgm:constrLst>
+                          <dgm:constr type="alignOff"/>
+                          <dgm:constr type="bendDist" for="des" ptType="parTrans" refType="sp" fact="0.5"/>
+                        </dgm:constrLst>
+                      </dgm:else>
+                    </dgm:choose>
+                  </dgm:if>
+                  <dgm:else name="Name77">
+                    <dgm:alg type="hierRoot"/>
+                    <dgm:shape xmlns:r="http://schemas.openxmlformats.org/officeDocument/2006/relationships" r:blip="">
+                      <dgm:adjLst/>
+                    </dgm:shape>
+                    <dgm:presOf/>
+                    <dgm:constrLst>
+                      <dgm:constr type="alignOff" val="0.65"/>
+                    </dgm:constrLst>
+                  </dgm:else>
+                </dgm:choose>
+                <dgm:ruleLst/>
+                <dgm:layoutNode name="rootComposite">
+                  <dgm:alg type="composite"/>
+                  <dgm:shape xmlns:r="http://schemas.openxmlformats.org/officeDocument/2006/relationships" r:blip="">
+                    <dgm:adjLst/>
+                  </dgm:shape>
+                  <dgm:presOf axis="self" ptType="node" cnt="1"/>
+                  <dgm:choose name="Name78">
+                    <dgm:if name="Name79" func="var" arg="hierBranch" op="equ" val="init">
+                      <dgm:constrLst>
+                        <dgm:constr type="l" for="ch" forName="rootText"/>
+                        <dgm:constr type="t" for="ch" forName="rootText"/>
+                        <dgm:constr type="w" for="ch" forName="rootText" refType="w"/>
+                        <dgm:constr type="h" for="ch" forName="rootText" refType="h"/>
+                        <dgm:constr type="l" for="ch" forName="rootConnector"/>
+                        <dgm:constr type="t" for="ch" forName="rootConnector"/>
+                        <dgm:constr type="w" for="ch" forName="rootConnector" refType="w" refFor="ch" refForName="rootText" fact="0.2"/>
+                        <dgm:constr type="h" for="ch" forName="rootConnector" refType="h" refFor="ch" refForName="rootText"/>
+                      </dgm:constrLst>
+                    </dgm:if>
+                    <dgm:if name="Name80" func="var" arg="hierBranch" op="equ" val="l">
+                      <dgm:constrLst>
+                        <dgm:constr type="l" for="ch" forName="rootText"/>
+                        <dgm:constr type="t" for="ch" forName="rootText"/>
+                        <dgm:constr type="w" for="ch" forName="rootText" refType="w"/>
+                        <dgm:constr type="h" for="ch" forName="rootText" refType="h"/>
+                        <dgm:constr type="r" for="ch" forName="rootConnector" refType="w"/>
+                        <dgm:constr type="t" for="ch" forName="rootConnector"/>
+                        <dgm:constr type="w" for="ch" forName="rootConnector" refType="w" refFor="ch" refForName="rootText" fact="0.2"/>
+                        <dgm:constr type="h" for="ch" forName="rootConnector" refType="h" refFor="ch" refForName="rootText"/>
+                      </dgm:constrLst>
+                    </dgm:if>
+                    <dgm:if name="Name81" func="var" arg="hierBranch" op="equ" val="r">
+                      <dgm:constrLst>
+                        <dgm:constr type="l" for="ch" forName="rootText"/>
+                        <dgm:constr type="t" for="ch" forName="rootText"/>
+                        <dgm:constr type="w" for="ch" forName="rootText" refType="w"/>
+                        <dgm:constr type="h" for="ch" forName="rootText" refType="h"/>
+                        <dgm:constr type="l" for="ch" forName="rootConnector"/>
+                        <dgm:constr type="t" for="ch" forName="rootConnector"/>
+                        <dgm:constr type="w" for="ch" forName="rootConnector" refType="w" refFor="ch" refForName="rootText" fact="0.2"/>
+                        <dgm:constr type="h" for="ch" forName="rootConnector" refType="h" refFor="ch" refForName="rootText"/>
+                      </dgm:constrLst>
+                    </dgm:if>
+                    <dgm:else name="Name82">
+                      <dgm:constrLst>
+                        <dgm:constr type="l" for="ch" forName="rootText"/>
+                        <dgm:constr type="t" for="ch" forName="rootText"/>
+                        <dgm:constr type="w" for="ch" forName="rootText" refType="w"/>
+                        <dgm:constr type="h" for="ch" forName="rootText" refType="h"/>
+                        <dgm:constr type="r" for="ch" forName="rootConnector" refType="w"/>
+                        <dgm:constr type="t" for="ch" forName="rootConnector"/>
+                        <dgm:constr type="w" for="ch" forName="rootConnector" refType="w" refFor="ch" refForName="rootText" fact="0.2"/>
+                        <dgm:constr type="h" for="ch" forName="rootConnector" refType="h" refFor="ch" refForName="rootText"/>
+                      </dgm:constrLst>
+                    </dgm:else>
+                  </dgm:choose>
+                  <dgm:ruleLst/>
+                  <dgm:layoutNode name="rootText">
+                    <dgm:varLst>
+                      <dgm:chPref val="3"/>
+                    </dgm:varLst>
+                    <dgm:alg type="tx"/>
+                    <dgm:shape xmlns:r="http://schemas.openxmlformats.org/officeDocument/2006/relationships" type="rect" r:blip="">
+                      <dgm:adjLst/>
+                    </dgm:shape>
+                    <dgm:presOf axis="self" ptType="node" cnt="1"/>
+                    <dgm:constrLst>
+                      <dgm:constr type="primFontSz" val="65"/>
+                      <dgm:constr type="lMarg" refType="primFontSz" fact="0.05"/>
+                      <dgm:constr type="rMarg" refType="primFontSz" fact="0.05"/>
+                      <dgm:constr type="tMarg" refType="primFontSz" fact="0.05"/>
+                      <dgm:constr type="bMarg" refType="primFontSz" fact="0.05"/>
+                    </dgm:constrLst>
+                    <dgm:ruleLst>
+                      <dgm:rule type="primFontSz" val="5" fact="NaN" max="NaN"/>
+                    </dgm:ruleLst>
+                  </dgm:layoutNode>
+                  <dgm:layoutNode name="rootConnector" moveWith="rootText">
+                    <dgm:alg type="sp"/>
+                    <dgm:shape xmlns:r="http://schemas.openxmlformats.org/officeDocument/2006/relationships" type="rect" r:blip="" hideGeom="1">
+                      <dgm:adjLst/>
+                    </dgm:shape>
+                    <dgm:presOf axis="self" ptType="node" cnt="1"/>
+                    <dgm:constrLst/>
+                    <dgm:ruleLst/>
+                  </dgm:layoutNode>
+                </dgm:layoutNode>
+                <dgm:layoutNode name="hierChild4">
+                  <dgm:choose name="Name83">
+                    <dgm:if name="Name84" func="var" arg="hierBranch" op="equ" val="l">
+                      <dgm:alg type="hierChild">
+                        <dgm:param type="chAlign" val="r"/>
+                        <dgm:param type="linDir" val="fromT"/>
+                      </dgm:alg>
+                    </dgm:if>
+                    <dgm:if name="Name85" func="var" arg="hierBranch" op="equ" val="r">
+                      <dgm:alg type="hierChild">
+                        <dgm:param type="chAlign" val="l"/>
+                        <dgm:param type="linDir" val="fromT"/>
+                      </dgm:alg>
+                    </dgm:if>
+                    <dgm:if name="Name86" func="var" arg="hierBranch" op="equ" val="hang">
+                      <dgm:choose name="Name87">
+                        <dgm:if name="Name88" func="var" arg="dir" op="equ" val="norm">
+                          <dgm:alg type="hierChild">
+                            <dgm:param type="chAlign" val="l"/>
+                            <dgm:param type="linDir" val="fromL"/>
+                            <dgm:param type="secChAlign" val="t"/>
+                            <dgm:param type="secLinDir" val="fromT"/>
+                          </dgm:alg>
+                        </dgm:if>
+                        <dgm:else name="Name89">
+                          <dgm:alg type="hierChild">
+                            <dgm:param type="chAlign" val="l"/>
+                            <dgm:param type="linDir" val="fromR"/>
+                            <dgm:param type="secChAlign" val="t"/>
+                            <dgm:param type="secLinDir" val="fromT"/>
+                          </dgm:alg>
+                        </dgm:else>
+                      </dgm:choose>
+                    </dgm:if>
+                    <dgm:if name="Name90" func="var" arg="hierBranch" op="equ" val="std">
+                      <dgm:choose name="Name91">
+                        <dgm:if name="Name92" func="var" arg="dir" op="equ" val="norm">
+                          <dgm:alg type="hierChild"/>
+                        </dgm:if>
+                        <dgm:else name="Name93">
+                          <dgm:alg type="hierChild">
+                            <dgm:param type="linDir" val="fromR"/>
+                          </dgm:alg>
+                        </dgm:else>
+                      </dgm:choose>
+                    </dgm:if>
+                    <dgm:if name="Name94" func="var" arg="hierBranch" op="equ" val="init">
+                      <dgm:choose name="Name95">
+                        <dgm:if name="Name96" axis="des" func="maxDepth" op="lte" val="1">
+                          <dgm:alg type="hierChild">
+                            <dgm:param type="chAlign" val="l"/>
+                            <dgm:param type="linDir" val="fromT"/>
+                          </dgm:alg>
+                        </dgm:if>
+                        <dgm:else name="Name97">
+                          <dgm:choose name="Name98">
+                            <dgm:if name="Name99" func="var" arg="dir" op="equ" val="norm">
+                              <dgm:alg type="hierChild"/>
+                            </dgm:if>
+                            <dgm:else name="Name100">
+                              <dgm:alg type="hierChild">
+                                <dgm:param type="linDir" val="fromR"/>
+                              </dgm:alg>
+                            </dgm:else>
+                          </dgm:choose>
+                        </dgm:else>
+                      </dgm:choose>
+                    </dgm:if>
+                    <dgm:else name="Name101"/>
+                  </dgm:choose>
+                  <dgm:shape xmlns:r="http://schemas.openxmlformats.org/officeDocument/2006/relationships" r:blip="">
+                    <dgm:adjLst/>
+                  </dgm:shape>
+                  <dgm:presOf/>
+                  <dgm:constrLst/>
+                  <dgm:ruleLst/>
+                  <dgm:forEach name="Name102" ref="rep2a"/>
+                </dgm:layoutNode>
+                <dgm:layoutNode name="hierChild5">
+                  <dgm:choose name="Name103">
+                    <dgm:if name="Name104" func="var" arg="dir" op="equ" val="norm">
+                      <dgm:alg type="hierChild">
+                        <dgm:param type="chAlign" val="l"/>
+                        <dgm:param type="linDir" val="fromL"/>
+                        <dgm:param type="secChAlign" val="t"/>
+                        <dgm:param type="secLinDir" val="fromT"/>
+                      </dgm:alg>
+                    </dgm:if>
+                    <dgm:else name="Name105">
+                      <dgm:alg type="hierChild">
+                        <dgm:param type="chAlign" val="l"/>
+                        <dgm:param type="linDir" val="fromR"/>
+                        <dgm:param type="secChAlign" val="t"/>
+                        <dgm:param type="secLinDir" val="fromT"/>
+                      </dgm:alg>
+                    </dgm:else>
+                  </dgm:choose>
+                  <dgm:shape xmlns:r="http://schemas.openxmlformats.org/officeDocument/2006/relationships" r:blip="">
+                    <dgm:adjLst/>
+                  </dgm:shape>
+                  <dgm:presOf/>
+                  <dgm:constrLst/>
+                  <dgm:ruleLst/>
+                  <dgm:forEach name="Name106" ref="rep2b"/>
+                </dgm:layoutNode>
+              </dgm:layoutNode>
+            </dgm:forEach>
+          </dgm:layoutNode>
+          <dgm:layoutNode name="hierChild3">
+            <dgm:choose name="Name107">
+              <dgm:if name="Name108" func="var" arg="dir" op="equ" val="norm">
+                <dgm:alg type="hierChild">
+                  <dgm:param type="chAlign" val="l"/>
+                  <dgm:param type="linDir" val="fromL"/>
+                  <dgm:param type="secChAlign" val="t"/>
+                  <dgm:param type="secLinDir" val="fromT"/>
+                </dgm:alg>
+              </dgm:if>
+              <dgm:else name="Name109">
+                <dgm:alg type="hierChild">
+                  <dgm:param type="chAlign" val="l"/>
+                  <dgm:param type="linDir" val="fromR"/>
+                  <dgm:param type="secChAlign" val="t"/>
+                  <dgm:param type="secLinDir" val="fromT"/>
+                </dgm:alg>
+              </dgm:else>
+            </dgm:choose>
+            <dgm:shape xmlns:r="http://schemas.openxmlformats.org/officeDocument/2006/relationships" r:blip="">
+              <dgm:adjLst/>
+            </dgm:shape>
+            <dgm:presOf/>
+            <dgm:constrLst/>
+            <dgm:ruleLst/>
+            <dgm:forEach name="rep2b" axis="ch" ptType="asst">
+              <dgm:forEach name="Name110" axis="precedSib" ptType="parTrans" st="-1" cnt="1">
+                <dgm:layoutNode name="Name111">
+                  <dgm:alg type="conn">
+                    <dgm:param type="connRout" val="bend"/>
+                    <dgm:param type="dim" val="1D"/>
+                    <dgm:param type="endSty" val="noArr"/>
+                    <dgm:param type="begPts" val="bCtr"/>
+                    <dgm:param type="endPts" val="midL midR"/>
+                  </dgm:alg>
+                  <dgm:shape xmlns:r="http://schemas.openxmlformats.org/officeDocument/2006/relationships" type="conn" r:blip="" zOrderOff="-99999">
+                    <dgm:adjLst/>
+                  </dgm:shape>
+                  <dgm:presOf axis="self"/>
+                  <dgm:constrLst>
+                    <dgm:constr type="begPad"/>
+                    <dgm:constr type="endPad"/>
+                  </dgm:constrLst>
+                  <dgm:ruleLst/>
+                </dgm:layoutNode>
+              </dgm:forEach>
+              <dgm:layoutNode name="hierRoot3">
+                <dgm:varLst>
+                  <dgm:hierBranch val="init"/>
+                </dgm:varLst>
+                <dgm:choose name="Name112">
+                  <dgm:if name="Name113" func="var" arg="hierBranch" op="equ" val="l">
+                    <dgm:alg type="hierRoot">
+                      <dgm:param type="hierAlign" val="tR"/>
+                    </dgm:alg>
+                    <dgm:shape xmlns:r="http://schemas.openxmlformats.org/officeDocument/2006/relationships" r:blip="">
+                      <dgm:adjLst/>
+                    </dgm:shape>
+                    <dgm:presOf/>
+                    <dgm:constrLst>
+                      <dgm:constr type="alignOff" val="0.65"/>
+                    </dgm:constrLst>
+                  </dgm:if>
+                  <dgm:if name="Name114" func="var" arg="hierBranch" op="equ" val="r">
+                    <dgm:alg type="hierRoot">
+                      <dgm:param type="hierAlign" val="tL"/>
+                    </dgm:alg>
+                    <dgm:shape xmlns:r="http://schemas.openxmlformats.org/officeDocument/2006/relationships" r:blip="">
+                      <dgm:adjLst/>
+                    </dgm:shape>
+                    <dgm:presOf/>
+                    <dgm:constrLst>
+                      <dgm:constr type="alignOff" val="0.65"/>
+                    </dgm:constrLst>
+                  </dgm:if>
+                  <dgm:if name="Name115" func="var" arg="hierBranch" op="equ" val="hang">
+                    <dgm:alg type="hierRoot"/>
+                    <dgm:shape xmlns:r="http://schemas.openxmlformats.org/officeDocument/2006/relationships" r:blip="">
+                      <dgm:adjLst/>
+                    </dgm:shape>
+                    <dgm:presOf/>
+                    <dgm:constrLst>
+                      <dgm:constr type="alignOff" val="0.65"/>
+                    </dgm:constrLst>
+                  </dgm:if>
+                  <dgm:if name="Name116" func="var" arg="hierBranch" op="equ" val="std">
+                    <dgm:alg type="hierRoot"/>
+                    <dgm:shape xmlns:r="http://schemas.openxmlformats.org/officeDocument/2006/relationships" r:blip="">
+                      <dgm:adjLst/>
+                    </dgm:shape>
+                    <dgm:presOf/>
+                    <dgm:constrLst>
+                      <dgm:constr type="alignOff"/>
+                      <dgm:constr type="bendDist" for="des" ptType="parTrans" refType="sp" fact="0.5"/>
+                    </dgm:constrLst>
+                  </dgm:if>
+                  <dgm:if name="Name117" func="var" arg="hierBranch" op="equ" val="init">
+                    <dgm:choose name="Name118">
+                      <dgm:if name="Name119" axis="des" func="maxDepth" op="lte" val="1">
+                        <dgm:alg type="hierRoot">
+                          <dgm:param type="hierAlign" val="tL"/>
+                        </dgm:alg>
+                        <dgm:shape xmlns:r="http://schemas.openxmlformats.org/officeDocument/2006/relationships" r:blip="">
+                          <dgm:adjLst/>
+                        </dgm:shape>
+                        <dgm:presOf/>
+                        <dgm:constrLst>
+                          <dgm:constr type="alignOff" val="0.65"/>
+                        </dgm:constrLst>
+                      </dgm:if>
+                      <dgm:else name="Name120">
+                        <dgm:alg type="hierRoot"/>
+                        <dgm:shape xmlns:r="http://schemas.openxmlformats.org/officeDocument/2006/relationships" r:blip="">
+                          <dgm:adjLst/>
+                        </dgm:shape>
+                        <dgm:presOf/>
+                        <dgm:constrLst>
+                          <dgm:constr type="alignOff"/>
+                          <dgm:constr type="bendDist" for="des" ptType="parTrans" refType="sp" fact="0.5"/>
+                        </dgm:constrLst>
+                      </dgm:else>
+                    </dgm:choose>
+                  </dgm:if>
+                  <dgm:else name="Name121"/>
+                </dgm:choose>
+                <dgm:ruleLst/>
+                <dgm:layoutNode name="rootComposite3">
+                  <dgm:alg type="composite"/>
+                  <dgm:shape xmlns:r="http://schemas.openxmlformats.org/officeDocument/2006/relationships" r:blip="">
+                    <dgm:adjLst/>
+                  </dgm:shape>
+                  <dgm:presOf axis="self" ptType="node" cnt="1"/>
+                  <dgm:choose name="Name122">
+                    <dgm:if name="Name123" func="var" arg="hierBranch" op="equ" val="init">
+                      <dgm:constrLst>
+                        <dgm:constr type="l" for="ch" forName="rootText3"/>
+                        <dgm:constr type="t" for="ch" forName="rootText3"/>
+                        <dgm:constr type="w" for="ch" forName="rootText3" refType="w"/>
+                        <dgm:constr type="h" for="ch" forName="rootText3" refType="h"/>
+                        <dgm:constr type="l" for="ch" forName="rootConnector3"/>
+                        <dgm:constr type="t" for="ch" forName="rootConnector3"/>
+                        <dgm:constr type="w" for="ch" forName="rootConnector3" refType="w" refFor="ch" refForName="rootText3" fact="0.2"/>
+                        <dgm:constr type="h" for="ch" forName="rootConnector3" refType="h" refFor="ch" refForName="rootText3"/>
+                      </dgm:constrLst>
+                    </dgm:if>
+                    <dgm:if name="Name124" func="var" arg="hierBranch" op="equ" val="l">
+                      <dgm:constrLst>
+                        <dgm:constr type="l" for="ch" forName="rootText3"/>
+                        <dgm:constr type="t" for="ch" forName="rootText3"/>
+                        <dgm:constr type="w" for="ch" forName="rootText3" refType="w"/>
+                        <dgm:constr type="h" for="ch" forName="rootText3" refType="h"/>
+                        <dgm:constr type="r" for="ch" forName="rootConnector3" refType="w"/>
+                        <dgm:constr type="t" for="ch" forName="rootConnector3"/>
+                        <dgm:constr type="w" for="ch" forName="rootConnector3" refType="w" refFor="ch" refForName="rootText3" fact="0.2"/>
+                        <dgm:constr type="h" for="ch" forName="rootConnector3" refType="h" refFor="ch" refForName="rootText3"/>
+                      </dgm:constrLst>
+                    </dgm:if>
+                    <dgm:if name="Name125" func="var" arg="hierBranch" op="equ" val="r">
+                      <dgm:constrLst>
+                        <dgm:constr type="l" for="ch" forName="rootText3"/>
+                        <dgm:constr type="t" for="ch" forName="rootText3"/>
+                        <dgm:constr type="w" for="ch" forName="rootText3" refType="w"/>
+                        <dgm:constr type="h" for="ch" forName="rootText3" refType="h"/>
+                        <dgm:constr type="l" for="ch" forName="rootConnector3"/>
+                        <dgm:constr type="t" for="ch" forName="rootConnector3"/>
+                        <dgm:constr type="w" for="ch" forName="rootConnector3" refType="w" refFor="ch" refForName="rootText3" fact="0.2"/>
+                        <dgm:constr type="h" for="ch" forName="rootConnector3" refType="h" refFor="ch" refForName="rootText3"/>
+                      </dgm:constrLst>
+                    </dgm:if>
+                    <dgm:else name="Name126">
+                      <dgm:constrLst>
+                        <dgm:constr type="l" for="ch" forName="rootText3"/>
+                        <dgm:constr type="t" for="ch" forName="rootText3"/>
+                        <dgm:constr type="w" for="ch" forName="rootText3" refType="w"/>
+                        <dgm:constr type="h" for="ch" forName="rootText3" refType="h"/>
+                        <dgm:constr type="r" for="ch" forName="rootConnector3" refType="w"/>
+                        <dgm:constr type="t" for="ch" forName="rootConnector3"/>
+                        <dgm:constr type="w" for="ch" forName="rootConnector3" refType="w" refFor="ch" refForName="rootText3" fact="0.2"/>
+                        <dgm:constr type="h" for="ch" forName="rootConnector3" refType="h" refFor="ch" refForName="rootText3"/>
+                      </dgm:constrLst>
+                    </dgm:else>
+                  </dgm:choose>
+                  <dgm:ruleLst/>
+                  <dgm:layoutNode name="rootText3">
+                    <dgm:varLst>
+                      <dgm:chPref val="3"/>
+                    </dgm:varLst>
+                    <dgm:alg type="tx"/>
+                    <dgm:shape xmlns:r="http://schemas.openxmlformats.org/officeDocument/2006/relationships" type="rect" r:blip="">
+                      <dgm:adjLst/>
+                    </dgm:shape>
+                    <dgm:presOf axis="self" ptType="node" cnt="1"/>
+                    <dgm:constrLst>
+                      <dgm:constr type="primFontSz" val="65"/>
+                      <dgm:constr type="lMarg" refType="primFontSz" fact="0.05"/>
+                      <dgm:constr type="rMarg" refType="primFontSz" fact="0.05"/>
+                      <dgm:constr type="tMarg" refType="primFontSz" fact="0.05"/>
+                      <dgm:constr type="bMarg" refType="primFontSz" fact="0.05"/>
+                    </dgm:constrLst>
+                    <dgm:ruleLst>
+                      <dgm:rule type="primFontSz" val="5" fact="NaN" max="NaN"/>
+                    </dgm:ruleLst>
+                  </dgm:layoutNode>
+                  <dgm:layoutNode name="rootConnector3" moveWith="rootText1">
+                    <dgm:alg type="sp"/>
+                    <dgm:shape xmlns:r="http://schemas.openxmlformats.org/officeDocument/2006/relationships" type="rect" r:blip="" hideGeom="1">
+                      <dgm:adjLst/>
+                    </dgm:shape>
+                    <dgm:presOf axis="self" ptType="node" cnt="1"/>
+                    <dgm:constrLst/>
+                    <dgm:ruleLst/>
+                  </dgm:layoutNode>
+                </dgm:layoutNode>
+                <dgm:layoutNode name="hierChild6">
+                  <dgm:choose name="Name127">
+                    <dgm:if name="Name128" func="var" arg="hierBranch" op="equ" val="l">
+                      <dgm:alg type="hierChild">
+                        <dgm:param type="chAlign" val="r"/>
+                        <dgm:param type="linDir" val="fromT"/>
+                      </dgm:alg>
+                    </dgm:if>
+                    <dgm:if name="Name129" func="var" arg="hierBranch" op="equ" val="r">
+                      <dgm:alg type="hierChild">
+                        <dgm:param type="chAlign" val="l"/>
+                        <dgm:param type="linDir" val="fromT"/>
+                      </dgm:alg>
+                    </dgm:if>
+                    <dgm:if name="Name130" func="var" arg="hierBranch" op="equ" val="hang">
+                      <dgm:choose name="Name131">
+                        <dgm:if name="Name132" func="var" arg="dir" op="equ" val="norm">
+                          <dgm:alg type="hierChild">
+                            <dgm:param type="chAlign" val="l"/>
+                            <dgm:param type="linDir" val="fromL"/>
+                            <dgm:param type="secChAlign" val="t"/>
+                            <dgm:param type="secLinDir" val="fromT"/>
+                          </dgm:alg>
+                        </dgm:if>
+                        <dgm:else name="Name133">
+                          <dgm:alg type="hierChild">
+                            <dgm:param type="chAlign" val="l"/>
+                            <dgm:param type="linDir" val="fromR"/>
+                            <dgm:param type="secChAlign" val="t"/>
+                            <dgm:param type="secLinDir" val="fromT"/>
+                          </dgm:alg>
+                        </dgm:else>
+                      </dgm:choose>
+                    </dgm:if>
+                    <dgm:if name="Name134" func="var" arg="hierBranch" op="equ" val="std">
+                      <dgm:choose name="Name135">
+                        <dgm:if name="Name136" func="var" arg="dir" op="equ" val="norm">
+                          <dgm:alg type="hierChild"/>
+                        </dgm:if>
+                        <dgm:else name="Name137">
+                          <dgm:alg type="hierChild">
+                            <dgm:param type="linDir" val="fromR"/>
+                          </dgm:alg>
+                        </dgm:else>
+                      </dgm:choose>
+                    </dgm:if>
+                    <dgm:if name="Name138" func="var" arg="hierBranch" op="equ" val="init">
+                      <dgm:choose name="Name139">
+                        <dgm:if name="Name140" axis="des" func="maxDepth" op="lte" val="1">
+                          <dgm:alg type="hierChild">
+                            <dgm:param type="chAlign" val="l"/>
+                            <dgm:param type="linDir" val="fromT"/>
+                          </dgm:alg>
+                        </dgm:if>
+                        <dgm:else name="Name141">
+                          <dgm:alg type="hierChild"/>
+                        </dgm:else>
+                      </dgm:choose>
+                    </dgm:if>
+                    <dgm:else name="Name142"/>
+                  </dgm:choose>
+                  <dgm:shape xmlns:r="http://schemas.openxmlformats.org/officeDocument/2006/relationships" r:blip="">
+                    <dgm:adjLst/>
+                  </dgm:shape>
+                  <dgm:presOf/>
+                  <dgm:constrLst/>
+                  <dgm:ruleLst/>
+                  <dgm:forEach name="Name143" ref="rep2a"/>
+                </dgm:layoutNode>
+                <dgm:layoutNode name="hierChild7">
+                  <dgm:choose name="Name144">
+                    <dgm:if name="Name145" func="var" arg="dir" op="equ" val="norm">
+                      <dgm:alg type="hierChild">
+                        <dgm:param type="chAlign" val="l"/>
+                        <dgm:param type="linDir" val="fromL"/>
+                        <dgm:param type="secChAlign" val="t"/>
+                        <dgm:param type="secLinDir" val="fromT"/>
+                      </dgm:alg>
+                    </dgm:if>
+                    <dgm:else name="Name146">
+                      <dgm:alg type="hierChild">
+                        <dgm:param type="chAlign" val="l"/>
+                        <dgm:param type="linDir" val="fromR"/>
+                        <dgm:param type="secChAlign" val="t"/>
+                        <dgm:param type="secLinDir" val="fromT"/>
+                      </dgm:alg>
+                    </dgm:else>
+                  </dgm:choose>
+                  <dgm:shape xmlns:r="http://schemas.openxmlformats.org/officeDocument/2006/relationships" r:blip="">
+                    <dgm:adjLst/>
+                  </dgm:shape>
+                  <dgm:presOf/>
+                  <dgm:constrLst/>
+                  <dgm:ruleLst/>
+                  <dgm:forEach name="Name147" ref="rep2b"/>
+                </dgm:layoutNode>
+              </dgm:layoutNode>
+            </dgm:forEach>
+          </dgm:layoutNode>
+        </dgm:layoutNode>
+      </dgm:forEach>
+    </dgm:forEach>
+  </dgm:layoutNode>
+</dgm:layoutDef>
+</file>
+
 <file path=ppt/diagrams/quickStyle1.xml><?xml version="1.0" encoding="utf-8"?>
+<dgm:styleDef xmlns:dgm="http://schemas.openxmlformats.org/drawingml/2006/diagram" xmlns:a="http://schemas.openxmlformats.org/drawingml/2006/main" uniqueId="urn:microsoft.com/office/officeart/2005/8/quickstyle/simple1">
+  <dgm:title val=""/>
+  <dgm:desc val=""/>
+  <dgm:catLst>
+    <dgm:cat type="simple" pri="10100"/>
+  </dgm:catLst>
+  <dgm:scene3d>
+    <a:camera prst="orthographicFront"/>
+    <a:lightRig rig="threePt" dir="t"/>
+  </dgm:scene3d>
+  <dgm:styleLbl name="node0">
+    <dgm:scene3d>
+      <a:camera prst="orthographicFront"/>
+      <a:lightRig rig="threePt" dir="t"/>
+    </dgm:scene3d>
+    <dgm:sp3d/>
+    <dgm:txPr/>
+    <dgm:style>
+      <a:lnRef idx="2">
+        <a:scrgbClr r="0" g="0" b="0"/>
+      </a:lnRef>
+      <a:fillRef idx="1">
+        <a:scrgbClr r="0" g="0" b="0"/>
+      </a:fillRef>
+      <a:effectRef idx="0">
+        <a:scrgbClr r="0" g="0" b="0"/>
+      </a:effectRef>
+      <a:fontRef idx="minor">
+        <a:schemeClr val="lt1"/>
+      </a:fontRef>
+    </dgm:style>
+  </dgm:styleLbl>
+  <dgm:styleLbl name="lnNode1">
+    <dgm:scene3d>
+      <a:camera prst="orthographicFront"/>
+      <a:lightRig rig="threePt" dir="t"/>
+    </dgm:scene3d>
+    <dgm:sp3d/>
+    <dgm:txPr/>
+    <dgm:style>
+      <a:lnRef idx="2">
+        <a:scrgbClr r="0" g="0" b="0"/>
+      </a:lnRef>
+      <a:fillRef idx="1">
+        <a:scrgbClr r="0" g="0" b="0"/>
+      </a:fillRef>
+      <a:effectRef idx="0">
+        <a:scrgbClr r="0" g="0" b="0"/>
+      </a:effectRef>
+      <a:fontRef idx="minor">
+        <a:schemeClr val="lt1"/>
+      </a:fontRef>
+    </dgm:style>
+  </dgm:styleLbl>
+  <dgm:styleLbl name="vennNode1">
+    <dgm:scene3d>
+      <a:camera prst="orthographicFront"/>
+      <a:lightRig rig="threePt" dir="t"/>
+    </dgm:scene3d>
+    <dgm:sp3d/>
+    <dgm:txPr/>
+    <dgm:style>
+      <a:lnRef idx="2">
+        <a:scrgbClr r="0" g="0" b="0"/>
+      </a:lnRef>
+      <a:fillRef idx="1">
+        <a:scrgbClr r="0" g="0" b="0"/>
+      </a:fillRef>
+      <a:effectRef idx="0">
+        <a:scrgbClr r="0" g="0" b="0"/>
+      </a:effectRef>
+      <a:fontRef idx="minor">
+        <a:schemeClr val="tx1"/>
+      </a:fontRef>
+    </dgm:style>
+  </dgm:styleLbl>
+  <dgm:styleLbl name="alignNode1">
+    <dgm:scene3d>
+      <a:camera prst="orthographicFront"/>
+      <a:lightRig rig="threePt" dir="t"/>
+    </dgm:scene3d>
+    <dgm:sp3d/>
+    <dgm:txPr/>
+    <dgm:style>
+      <a:lnRef idx="2">
+        <a:scrgbClr r="0" g="0" b="0"/>
+      </a:lnRef>
+      <a:fillRef idx="1">
+        <a:scrgbClr r="0" g="0" b="0"/>
+      </a:fillRef>
+      <a:effectRef idx="0">
+        <a:scrgbClr r="0" g="0" b="0"/>
+      </a:effectRef>
+      <a:fontRef idx="minor">
+        <a:schemeClr val="lt1"/>
+      </a:fontRef>
+    </dgm:style>
+  </dgm:styleLbl>
+  <dgm:styleLbl name="node1">
+    <dgm:scene3d>
+      <a:camera prst="orthographicFront"/>
+      <a:lightRig rig="threePt" dir="t"/>
+    </dgm:scene3d>
+    <dgm:sp3d/>
+    <dgm:txPr/>
+    <dgm:style>
+      <a:lnRef idx="2">
+        <a:scrgbClr r="0" g="0" b="0"/>
+      </a:lnRef>
+      <a:fillRef idx="1">
+        <a:scrgbClr r="0" g="0" b="0"/>
+      </a:fillRef>
+      <a:effectRef idx="0">
+        <a:scrgbClr r="0" g="0" b="0"/>
+      </a:effectRef>
+      <a:fontRef idx="minor">
+        <a:schemeClr val="lt1"/>
+      </a:fontRef>
+    </dgm:style>
+  </dgm:styleLbl>
+  <dgm:styleLbl name="node2">
+    <dgm:scene3d>
+      <a:camera prst="orthographicFront"/>
+      <a:lightRig rig="threePt" dir="t"/>
+    </dgm:scene3d>
+    <dgm:sp3d/>
+    <dgm:txPr/>
+    <dgm:style>
+      <a:lnRef idx="2">
+        <a:scrgbClr r="0" g="0" b="0"/>
+      </a:lnRef>
+      <a:fillRef idx="1">
+        <a:scrgbClr r="0" g="0" b="0"/>
+      </a:fillRef>
+      <a:effectRef idx="0">
+        <a:scrgbClr r="0" g="0" b="0"/>
+      </a:effectRef>
+      <a:fontRef idx="minor">
+        <a:schemeClr val="lt1"/>
+      </a:fontRef>
+    </dgm:style>
+  </dgm:styleLbl>
+  <dgm:styleLbl name="node3">
+    <dgm:scene3d>
+      <a:camera prst="orthographicFront"/>
+      <a:lightRig rig="threePt" dir="t"/>
+    </dgm:scene3d>
+    <dgm:sp3d/>
+    <dgm:txPr/>
+    <dgm:style>
+      <a:lnRef idx="2">
+        <a:scrgbClr r="0" g="0" b="0"/>
+      </a:lnRef>
+      <a:fillRef idx="1">
+        <a:scrgbClr r="0" g="0" b="0"/>
+      </a:fillRef>
+      <a:effectRef idx="0">
+        <a:scrgbClr r="0" g="0" b="0"/>
+      </a:effectRef>
+      <a:fontRef idx="minor">
+        <a:schemeClr val="lt1"/>
+      </a:fontRef>
+    </dgm:style>
+  </dgm:styleLbl>
+  <dgm:styleLbl name="node4">
+    <dgm:scene3d>
+      <a:camera prst="orthographicFront"/>
+      <a:lightRig rig="threePt" dir="t"/>
+    </dgm:scene3d>
+    <dgm:sp3d/>
+    <dgm:txPr/>
+    <dgm:style>
+      <a:lnRef idx="2">
+        <a:scrgbClr r="0" g="0" b="0"/>
+      </a:lnRef>
+      <a:fillRef idx="1">
+        <a:scrgbClr r="0" g="0" b="0"/>
+      </a:fillRef>
+      <a:effectRef idx="0">
+        <a:scrgbClr r="0" g="0" b="0"/>
+      </a:effectRef>
+      <a:fontRef idx="minor">
+        <a:schemeClr val="lt1"/>
+      </a:fontRef>
+    </dgm:style>
+  </dgm:styleLbl>
+  <dgm:styleLbl name="fgImgPlace1">
+    <dgm:scene3d>
+      <a:camera prst="orthographicFront"/>
+      <a:lightRig rig="threePt" dir="t"/>
+    </dgm:scene3d>
+    <dgm:sp3d/>
+    <dgm:txPr/>
+    <dgm:style>
+      <a:lnRef idx="2">
+        <a:scrgbClr r="0" g="0" b="0"/>
+      </a:lnRef>
+      <a:fillRef idx="1">
+        <a:scrgbClr r="0" g="0" b="0"/>
+      </a:fillRef>
+      <a:effectRef idx="0">
+        <a:scrgbClr r="0" g="0" b="0"/>
+      </a:effectRef>
+      <a:fontRef idx="minor"/>
+    </dgm:style>
+  </dgm:styleLbl>
+  <dgm:styleLbl name="alignImgPlace1">
+    <dgm:scene3d>
+      <a:camera prst="orthographicFront"/>
+      <a:lightRig rig="threePt" dir="t"/>
+    </dgm:scene3d>
+    <dgm:sp3d/>
+    <dgm:txPr/>
+    <dgm:style>
+      <a:lnRef idx="2">
+        <a:scrgbClr r="0" g="0" b="0"/>
+      </a:lnRef>
+      <a:fillRef idx="1">
+        <a:scrgbClr r="0" g="0" b="0"/>
+      </a:fillRef>
+      <a:effectRef idx="0">
+        <a:scrgbClr r="0" g="0" b="0"/>
+      </a:effectRef>
+      <a:fontRef idx="minor"/>
+    </dgm:style>
+  </dgm:styleLbl>
+  <dgm:styleLbl name="bgImgPlace1">
+    <dgm:scene3d>
+      <a:camera prst="orthographicFront"/>
+      <a:lightRig rig="threePt" dir="t"/>
+    </dgm:scene3d>
+    <dgm:sp3d/>
+    <dgm:txPr/>
+    <dgm:style>
+      <a:lnRef idx="2">
+        <a:scrgbClr r="0" g="0" b="0"/>
+      </a:lnRef>
+      <a:fillRef idx="1">
+        <a:scrgbClr r="0" g="0" b="0"/>
+      </a:fillRef>
+      <a:effectRef idx="0">
+        <a:scrgbClr r="0" g="0" b="0"/>
+      </a:effectRef>
+      <a:fontRef idx="minor"/>
+    </dgm:style>
+  </dgm:styleLbl>
+  <dgm:styleLbl name="sibTrans2D1">
+    <dgm:scene3d>
+      <a:camera prst="orthographicFront"/>
+      <a:lightRig rig="threePt" dir="t"/>
+    </dgm:scene3d>
+    <dgm:sp3d/>
+    <dgm:txPr/>
+    <dgm:style>
+      <a:lnRef idx="0">
+        <a:scrgbClr r="0" g="0" b="0"/>
+      </a:lnRef>
+      <a:fillRef idx="1">
+        <a:scrgbClr r="0" g="0" b="0"/>
+      </a:fillRef>
+      <a:effectRef idx="0">
+        <a:scrgbClr r="0" g="0" b="0"/>
+      </a:effectRef>
+      <a:fontRef idx="minor">
+        <a:schemeClr val="lt1"/>
+      </a:fontRef>
+    </dgm:style>
+  </dgm:styleLbl>
+  <dgm:styleLbl name="fgSibTrans2D1">
+    <dgm:scene3d>
+      <a:camera prst="orthographicFront"/>
+      <a:lightRig rig="threePt" dir="t"/>
+    </dgm:scene3d>
+    <dgm:sp3d/>
+    <dgm:txPr/>
+    <dgm:style>
+      <a:lnRef idx="0">
+        <a:scrgbClr r="0" g="0" b="0"/>
+      </a:lnRef>
+      <a:fillRef idx="1">
+        <a:scrgbClr r="0" g="0" b="0"/>
+      </a:fillRef>
+      <a:effectRef idx="0">
+        <a:scrgbClr r="0" g="0" b="0"/>
+      </a:effectRef>
+      <a:fontRef idx="minor">
+        <a:schemeClr val="lt1"/>
+      </a:fontRef>
+    </dgm:style>
+  </dgm:styleLbl>
+  <dgm:styleLbl name="bgSibTrans2D1">
+    <dgm:scene3d>
+      <a:camera prst="orthographicFront"/>
+      <a:lightRig rig="threePt" dir="t"/>
+    </dgm:scene3d>
+    <dgm:sp3d/>
+    <dgm:txPr/>
+    <dgm:style>
+      <a:lnRef idx="0">
+        <a:scrgbClr r="0" g="0" b="0"/>
+      </a:lnRef>
+      <a:fillRef idx="1">
+        <a:scrgbClr r="0" g="0" b="0"/>
+      </a:fillRef>
+      <a:effectRef idx="0">
+        <a:scrgbClr r="0" g="0" b="0"/>
+      </a:effectRef>
+      <a:fontRef idx="minor">
+        <a:schemeClr val="lt1"/>
+      </a:fontRef>
+    </dgm:style>
+  </dgm:styleLbl>
+  <dgm:styleLbl name="sibTrans1D1">
+    <dgm:scene3d>
+      <a:camera prst="orthographicFront"/>
+      <a:lightRig rig="threePt" dir="t"/>
+    </dgm:scene3d>
+    <dgm:sp3d/>
+    <dgm:txPr/>
+    <dgm:style>
+      <a:lnRef idx="1">
+        <a:scrgbClr r="0" g="0" b="0"/>
+      </a:lnRef>
+      <a:fillRef idx="0">
+        <a:scrgbClr r="0" g="0" b="0"/>
+      </a:fillRef>
+      <a:effectRef idx="0">
+        <a:scrgbClr r="0" g="0" b="0"/>
+      </a:effectRef>
+      <a:fontRef idx="minor"/>
+    </dgm:style>
+  </dgm:styleLbl>
+  <dgm:styleLbl name="callout">
+    <dgm:scene3d>
+      <a:camera prst="orthographicFront"/>
+      <a:lightRig rig="threePt" dir="t"/>
+    </dgm:scene3d>
+    <dgm:sp3d/>
+    <dgm:txPr/>
+    <dgm:style>
+      <a:lnRef idx="2">
+        <a:scrgbClr r="0" g="0" b="0"/>
+      </a:lnRef>
+      <a:fillRef idx="1">
+        <a:scrgbClr r="0" g="0" b="0"/>
+      </a:fillRef>
+      <a:effectRef idx="0">
+        <a:scrgbClr r="0" g="0" b="0"/>
+      </a:effectRef>
+      <a:fontRef idx="minor"/>
+    </dgm:style>
+  </dgm:styleLbl>
+  <dgm:styleLbl name="asst0">
+    <dgm:scene3d>
+      <a:camera prst="orthographicFront"/>
+      <a:lightRig rig="threePt" dir="t"/>
+    </dgm:scene3d>
+    <dgm:sp3d/>
+    <dgm:txPr/>
+    <dgm:style>
+      <a:lnRef idx="2">
+        <a:scrgbClr r="0" g="0" b="0"/>
+      </a:lnRef>
+      <a:fillRef idx="1">
+        <a:scrgbClr r="0" g="0" b="0"/>
+      </a:fillRef>
+      <a:effectRef idx="0">
+        <a:scrgbClr r="0" g="0" b="0"/>
+      </a:effectRef>
+      <a:fontRef idx="minor">
+        <a:schemeClr val="lt1"/>
+      </a:fontRef>
+    </dgm:style>
+  </dgm:styleLbl>
+  <dgm:styleLbl name="asst1">
+    <dgm:scene3d>
+      <a:camera prst="orthographicFront"/>
+      <a:lightRig rig="threePt" dir="t"/>
+    </dgm:scene3d>
+    <dgm:sp3d/>
+    <dgm:txPr/>
+    <dgm:style>
+      <a:lnRef idx="2">
+        <a:scrgbClr r="0" g="0" b="0"/>
+      </a:lnRef>
+      <a:fillRef idx="1">
+        <a:scrgbClr r="0" g="0" b="0"/>
+      </a:fillRef>
+      <a:effectRef idx="0">
+        <a:scrgbClr r="0" g="0" b="0"/>
+      </a:effectRef>
+      <a:fontRef idx="minor">
+        <a:schemeClr val="lt1"/>
+      </a:fontRef>
+    </dgm:style>
+  </dgm:styleLbl>
+  <dgm:styleLbl name="asst2">
+    <dgm:scene3d>
+      <a:camera prst="orthographicFront"/>
+      <a:lightRig rig="threePt" dir="t"/>
+    </dgm:scene3d>
+    <dgm:sp3d/>
+    <dgm:txPr/>
+    <dgm:style>
+      <a:lnRef idx="2">
+        <a:scrgbClr r="0" g="0" b="0"/>
+      </a:lnRef>
+      <a:fillRef idx="1">
+        <a:scrgbClr r="0" g="0" b="0"/>
+      </a:fillRef>
+      <a:effectRef idx="0">
+        <a:scrgbClr r="0" g="0" b="0"/>
+      </a:effectRef>
+      <a:fontRef idx="minor">
+        <a:schemeClr val="lt1"/>
+      </a:fontRef>
+    </dgm:style>
+  </dgm:styleLbl>
+  <dgm:styleLbl name="asst3">
+    <dgm:scene3d>
+      <a:camera prst="orthographicFront"/>
+      <a:lightRig rig="threePt" dir="t"/>
+    </dgm:scene3d>
+    <dgm:sp3d/>
+    <dgm:txPr/>
+    <dgm:style>
+      <a:lnRef idx="2">
+        <a:scrgbClr r="0" g="0" b="0"/>
+      </a:lnRef>
+      <a:fillRef idx="1">
+        <a:scrgbClr r="0" g="0" b="0"/>
+      </a:fillRef>
+      <a:effectRef idx="0">
+        <a:scrgbClr r="0" g="0" b="0"/>
+      </a:effectRef>
+      <a:fontRef idx="minor">
+        <a:schemeClr val="lt1"/>
+      </a:fontRef>
+    </dgm:style>
+  </dgm:styleLbl>
+  <dgm:styleLbl name="asst4">
+    <dgm:scene3d>
+      <a:camera prst="orthographicFront"/>
+      <a:lightRig rig="threePt" dir="t"/>
+    </dgm:scene3d>
+    <dgm:sp3d/>
+    <dgm:txPr/>
+    <dgm:style>
+      <a:lnRef idx="2">
+        <a:scrgbClr r="0" g="0" b="0"/>
+      </a:lnRef>
+      <a:fillRef idx="1">
+        <a:scrgbClr r="0" g="0" b="0"/>
+      </a:fillRef>
+      <a:effectRef idx="0">
+        <a:scrgbClr r="0" g="0" b="0"/>
+      </a:effectRef>
+      <a:fontRef idx="minor">
+        <a:schemeClr val="lt1"/>
+      </a:fontRef>
+    </dgm:style>
+  </dgm:styleLbl>
+  <dgm:styleLbl name="parChTrans2D1">
+    <dgm:scene3d>
+      <a:camera prst="orthographicFront"/>
+      <a:lightRig rig="threePt" dir="t"/>
+    </dgm:scene3d>
+    <dgm:sp3d/>
+    <dgm:txPr/>
+    <dgm:style>
+      <a:lnRef idx="2">
+        <a:scrgbClr r="0" g="0" b="0"/>
+      </a:lnRef>
+      <a:fillRef idx="1">
+        <a:scrgbClr r="0" g="0" b="0"/>
+      </a:fillRef>
+      <a:effectRef idx="0">
+        <a:scrgbClr r="0" g="0" b="0"/>
+      </a:effectRef>
+      <a:fontRef idx="minor">
+        <a:schemeClr val="lt1"/>
+      </a:fontRef>
+    </dgm:style>
+  </dgm:styleLbl>
+  <dgm:styleLbl name="parChTrans2D2">
+    <dgm:scene3d>
+      <a:camera prst="orthographicFront"/>
+      <a:lightRig rig="threePt" dir="t"/>
+    </dgm:scene3d>
+    <dgm:sp3d/>
+    <dgm:txPr/>
+    <dgm:style>
+      <a:lnRef idx="2">
+        <a:scrgbClr r="0" g="0" b="0"/>
+      </a:lnRef>
+      <a:fillRef idx="1">
+        <a:scrgbClr r="0" g="0" b="0"/>
+      </a:fillRef>
+      <a:effectRef idx="0">
+        <a:scrgbClr r="0" g="0" b="0"/>
+      </a:effectRef>
+      <a:fontRef idx="minor">
+        <a:schemeClr val="lt1"/>
+      </a:fontRef>
+    </dgm:style>
+  </dgm:styleLbl>
+  <dgm:styleLbl name="parChTrans2D3">
+    <dgm:scene3d>
+      <a:camera prst="orthographicFront"/>
+      <a:lightRig rig="threePt" dir="t"/>
+    </dgm:scene3d>
+    <dgm:sp3d/>
+    <dgm:txPr/>
+    <dgm:style>
+      <a:lnRef idx="2">
+        <a:scrgbClr r="0" g="0" b="0"/>
+      </a:lnRef>
+      <a:fillRef idx="1">
+        <a:scrgbClr r="0" g="0" b="0"/>
+      </a:fillRef>
+      <a:effectRef idx="0">
+        <a:scrgbClr r="0" g="0" b="0"/>
+      </a:effectRef>
+      <a:fontRef idx="minor">
+        <a:schemeClr val="lt1"/>
+      </a:fontRef>
+    </dgm:style>
+  </dgm:styleLbl>
+  <dgm:styleLbl name="parChTrans2D4">
+    <dgm:scene3d>
+      <a:camera prst="orthographicFront"/>
+      <a:lightRig rig="threePt" dir="t"/>
+    </dgm:scene3d>
+    <dgm:sp3d/>
+    <dgm:txPr/>
+    <dgm:style>
+      <a:lnRef idx="2">
+        <a:scrgbClr r="0" g="0" b="0"/>
+      </a:lnRef>
+      <a:fillRef idx="1">
+        <a:scrgbClr r="0" g="0" b="0"/>
+      </a:fillRef>
+      <a:effectRef idx="0">
+        <a:scrgbClr r="0" g="0" b="0"/>
+      </a:effectRef>
+      <a:fontRef idx="minor">
+        <a:schemeClr val="lt1"/>
+      </a:fontRef>
+    </dgm:style>
+  </dgm:styleLbl>
+  <dgm:styleLbl name="parChTrans1D1">
+    <dgm:scene3d>
+      <a:camera prst="orthographicFront"/>
+      <a:lightRig rig="threePt" dir="t"/>
+    </dgm:scene3d>
+    <dgm:sp3d/>
+    <dgm:txPr/>
+    <dgm:style>
+      <a:lnRef idx="2">
+        <a:scrgbClr r="0" g="0" b="0"/>
+      </a:lnRef>
+      <a:fillRef idx="0">
+        <a:scrgbClr r="0" g="0" b="0"/>
+      </a:fillRef>
+      <a:effectRef idx="0">
+        <a:scrgbClr r="0" g="0" b="0"/>
+      </a:effectRef>
+      <a:fontRef idx="minor"/>
+    </dgm:style>
+  </dgm:styleLbl>
+  <dgm:styleLbl name="parChTrans1D2">
+    <dgm:scene3d>
+      <a:camera prst="orthographicFront"/>
+      <a:lightRig rig="threePt" dir="t"/>
+    </dgm:scene3d>
+    <dgm:sp3d/>
+    <dgm:txPr/>
+    <dgm:style>
+      <a:lnRef idx="2">
+        <a:scrgbClr r="0" g="0" b="0"/>
+      </a:lnRef>
+      <a:fillRef idx="0">
+        <a:scrgbClr r="0" g="0" b="0"/>
+      </a:fillRef>
+      <a:effectRef idx="0">
+        <a:scrgbClr r="0" g="0" b="0"/>
+      </a:effectRef>
+      <a:fontRef idx="minor"/>
+    </dgm:style>
+  </dgm:styleLbl>
+  <dgm:styleLbl name="parChTrans1D3">
+    <dgm:scene3d>
+      <a:camera prst="orthographicFront"/>
+      <a:lightRig rig="threePt" dir="t"/>
+    </dgm:scene3d>
+    <dgm:sp3d/>
+    <dgm:txPr/>
+    <dgm:style>
+      <a:lnRef idx="2">
+        <a:scrgbClr r="0" g="0" b="0"/>
+      </a:lnRef>
+      <a:fillRef idx="0">
+        <a:scrgbClr r="0" g="0" b="0"/>
+      </a:fillRef>
+      <a:effectRef idx="0">
+        <a:scrgbClr r="0" g="0" b="0"/>
+      </a:effectRef>
+      <a:fontRef idx="minor"/>
+    </dgm:style>
+  </dgm:styleLbl>
+  <dgm:styleLbl name="parChTrans1D4">
+    <dgm:scene3d>
+      <a:camera prst="orthographicFront"/>
+      <a:lightRig rig="threePt" dir="t"/>
+    </dgm:scene3d>
+    <dgm:sp3d/>
+    <dgm:txPr/>
+    <dgm:style>
+      <a:lnRef idx="2">
+        <a:scrgbClr r="0" g="0" b="0"/>
+      </a:lnRef>
+      <a:fillRef idx="0">
+        <a:scrgbClr r="0" g="0" b="0"/>
+      </a:fillRef>
+      <a:effectRef idx="0">
+        <a:scrgbClr r="0" g="0" b="0"/>
+      </a:effectRef>
+      <a:fontRef idx="minor"/>
+    </dgm:style>
+  </dgm:styleLbl>
+  <dgm:styleLbl name="fgAcc1">
+    <dgm:scene3d>
+      <a:camera prst="orthographicFront"/>
+      <a:lightRig rig="threePt" dir="t"/>
+    </dgm:scene3d>
+    <dgm:sp3d/>
+    <dgm:txPr/>
+    <dgm:style>
+      <a:lnRef idx="2">
+        <a:scrgbClr r="0" g="0" b="0"/>
+      </a:lnRef>
+      <a:fillRef idx="1">
+        <a:scrgbClr r="0" g="0" b="0"/>
+      </a:fillRef>
+      <a:effectRef idx="0">
+        <a:scrgbClr r="0" g="0" b="0"/>
+      </a:effectRef>
+      <a:fontRef idx="minor"/>
+    </dgm:style>
+  </dgm:styleLbl>
+  <dgm:styleLbl name="conFgAcc1">
+    <dgm:scene3d>
+      <a:camera prst="orthographicFront"/>
+      <a:lightRig rig="threePt" dir="t"/>
+    </dgm:scene3d>
+    <dgm:sp3d/>
+    <dgm:txPr/>
+    <dgm:style>
+      <a:lnRef idx="2">
+        <a:scrgbClr r="0" g="0" b="0"/>
+      </a:lnRef>
+      <a:fillRef idx="1">
+        <a:scrgbClr r="0" g="0" b="0"/>
+      </a:fillRef>
+      <a:effectRef idx="0">
+        <a:scrgbClr r="0" g="0" b="0"/>
+      </a:effectRef>
+      <a:fontRef idx="minor"/>
+    </dgm:style>
+  </dgm:styleLbl>
+  <dgm:styleLbl name="alignAcc1">
+    <dgm:scene3d>
+      <a:camera prst="orthographicFront"/>
+      <a:lightRig rig="threePt" dir="t"/>
+    </dgm:scene3d>
+    <dgm:sp3d/>
+    <dgm:txPr/>
+    <dgm:style>
+      <a:lnRef idx="2">
+        <a:scrgbClr r="0" g="0" b="0"/>
+      </a:lnRef>
+      <a:fillRef idx="1">
+        <a:scrgbClr r="0" g="0" b="0"/>
+      </a:fillRef>
+      <a:effectRef idx="0">
+        <a:scrgbClr r="0" g="0" b="0"/>
+      </a:effectRef>
+      <a:fontRef idx="minor"/>
+    </dgm:style>
+  </dgm:styleLbl>
+  <dgm:styleLbl name="trAlignAcc1">
+    <dgm:scene3d>
+      <a:camera prst="orthographicFront"/>
+      <a:lightRig rig="threePt" dir="t"/>
+    </dgm:scene3d>
+    <dgm:sp3d/>
+    <dgm:txPr/>
+    <dgm:style>
+      <a:lnRef idx="1">
+        <a:scrgbClr r="0" g="0" b="0"/>
+      </a:lnRef>
+      <a:fillRef idx="1">
+        <a:scrgbClr r="0" g="0" b="0"/>
+      </a:fillRef>
+      <a:effectRef idx="0">
+        <a:scrgbClr r="0" g="0" b="0"/>
+      </a:effectRef>
+      <a:fontRef idx="minor"/>
+    </dgm:style>
+  </dgm:styleLbl>
+  <dgm:styleLbl name="bgAcc1">
+    <dgm:scene3d>
+      <a:camera prst="orthographicFront"/>
+      <a:lightRig rig="threePt" dir="t"/>
+    </dgm:scene3d>
+    <dgm:sp3d/>
+    <dgm:txPr/>
+    <dgm:style>
+      <a:lnRef idx="2">
+        <a:scrgbClr r="0" g="0" b="0"/>
+      </a:lnRef>
+      <a:fillRef idx="1">
+        <a:scrgbClr r="0" g="0" b="0"/>
+      </a:fillRef>
+      <a:effectRef idx="0">
+        <a:scrgbClr r="0" g="0" b="0"/>
+      </a:effectRef>
+      <a:fontRef idx="minor"/>
+    </dgm:style>
+  </dgm:styleLbl>
+  <dgm:styleLbl name="solidFgAcc1">
+    <dgm:scene3d>
+      <a:camera prst="orthographicFront"/>
+      <a:lightRig rig="threePt" dir="t"/>
+    </dgm:scene3d>
+    <dgm:sp3d/>
+    <dgm:txPr/>
+    <dgm:style>
+      <a:lnRef idx="2">
+        <a:scrgbClr r="0" g="0" b="0"/>
+      </a:lnRef>
+      <a:fillRef idx="1">
+        <a:scrgbClr r="0" g="0" b="0"/>
+      </a:fillRef>
+      <a:effectRef idx="0">
+        <a:scrgbClr r="0" g="0" b="0"/>
+      </a:effectRef>
+      <a:fontRef idx="minor"/>
+    </dgm:style>
+  </dgm:styleLbl>
+  <dgm:styleLbl name="solidAlignAcc1">
+    <dgm:scene3d>
+      <a:camera prst="orthographicFront"/>
+      <a:lightRig rig="threePt" dir="t"/>
+    </dgm:scene3d>
+    <dgm:sp3d/>
+    <dgm:txPr/>
+    <dgm:style>
+      <a:lnRef idx="2">
+        <a:scrgbClr r="0" g="0" b="0"/>
+      </a:lnRef>
+      <a:fillRef idx="1">
+        <a:scrgbClr r="0" g="0" b="0"/>
+      </a:fillRef>
+      <a:effectRef idx="0">
+        <a:scrgbClr r="0" g="0" b="0"/>
+      </a:effectRef>
+      <a:fontRef idx="minor"/>
+    </dgm:style>
+  </dgm:styleLbl>
+  <dgm:styleLbl name="solidBgAcc1">
+    <dgm:scene3d>
+      <a:camera prst="orthographicFront"/>
+      <a:lightRig rig="threePt" dir="t"/>
+    </dgm:scene3d>
+    <dgm:sp3d/>
+    <dgm:txPr/>
+    <dgm:style>
+      <a:lnRef idx="2">
+        <a:scrgbClr r="0" g="0" b="0"/>
+      </a:lnRef>
+      <a:fillRef idx="1">
+        <a:scrgbClr r="0" g="0" b="0"/>
+      </a:fillRef>
+      <a:effectRef idx="0">
+        <a:scrgbClr r="0" g="0" b="0"/>
+      </a:effectRef>
+      <a:fontRef idx="minor"/>
+    </dgm:style>
+  </dgm:styleLbl>
+  <dgm:styleLbl name="fgAccFollowNode1">
+    <dgm:scene3d>
+      <a:camera prst="orthographicFront"/>
+      <a:lightRig rig="threePt" dir="t"/>
+    </dgm:scene3d>
+    <dgm:sp3d/>
+    <dgm:txPr/>
+    <dgm:style>
+      <a:lnRef idx="2">
+        <a:scrgbClr r="0" g="0" b="0"/>
+      </a:lnRef>
+      <a:fillRef idx="1">
+        <a:scrgbClr r="0" g="0" b="0"/>
+      </a:fillRef>
+      <a:effectRef idx="0">
+        <a:scrgbClr r="0" g="0" b="0"/>
+      </a:effectRef>
+      <a:fontRef idx="minor"/>
+    </dgm:style>
+  </dgm:styleLbl>
+  <dgm:styleLbl name="alignAccFollowNode1">
+    <dgm:scene3d>
+      <a:camera prst="orthographicFront"/>
+      <a:lightRig rig="threePt" dir="t"/>
+    </dgm:scene3d>
+    <dgm:sp3d/>
+    <dgm:txPr/>
+    <dgm:style>
+      <a:lnRef idx="2">
+        <a:scrgbClr r="0" g="0" b="0"/>
+      </a:lnRef>
+      <a:fillRef idx="1">
+        <a:scrgbClr r="0" g="0" b="0"/>
+      </a:fillRef>
+      <a:effectRef idx="0">
+        <a:scrgbClr r="0" g="0" b="0"/>
+      </a:effectRef>
+      <a:fontRef idx="minor"/>
+    </dgm:style>
+  </dgm:styleLbl>
+  <dgm:styleLbl name="bgAccFollowNode1">
+    <dgm:scene3d>
+      <a:camera prst="orthographicFront"/>
+      <a:lightRig rig="threePt" dir="t"/>
+    </dgm:scene3d>
+    <dgm:sp3d/>
+    <dgm:txPr/>
+    <dgm:style>
+      <a:lnRef idx="2">
+        <a:scrgbClr r="0" g="0" b="0"/>
+      </a:lnRef>
+      <a:fillRef idx="1">
+        <a:scrgbClr r="0" g="0" b="0"/>
+      </a:fillRef>
+      <a:effectRef idx="0">
+        <a:scrgbClr r="0" g="0" b="0"/>
+      </a:effectRef>
+      <a:fontRef idx="minor"/>
+    </dgm:style>
+  </dgm:styleLbl>
+  <dgm:styleLbl name="fgAcc0">
+    <dgm:scene3d>
+      <a:camera prst="orthographicFront"/>
+      <a:lightRig rig="threePt" dir="t"/>
+    </dgm:scene3d>
+    <dgm:sp3d/>
+    <dgm:txPr/>
+    <dgm:style>
+      <a:lnRef idx="2">
+        <a:scrgbClr r="0" g="0" b="0"/>
+      </a:lnRef>
+      <a:fillRef idx="1">
+        <a:scrgbClr r="0" g="0" b="0"/>
+      </a:fillRef>
+      <a:effectRef idx="0">
+        <a:scrgbClr r="0" g="0" b="0"/>
+      </a:effectRef>
+      <a:fontRef idx="minor"/>
+    </dgm:style>
+  </dgm:styleLbl>
+  <dgm:styleLbl name="fgAcc2">
+    <dgm:scene3d>
+      <a:camera prst="orthographicFront"/>
+      <a:lightRig rig="threePt" dir="t"/>
+    </dgm:scene3d>
+    <dgm:sp3d/>
+    <dgm:txPr/>
+    <dgm:style>
+      <a:lnRef idx="2">
+        <a:scrgbClr r="0" g="0" b="0"/>
+      </a:lnRef>
+      <a:fillRef idx="1">
+        <a:scrgbClr r="0" g="0" b="0"/>
+      </a:fillRef>
+      <a:effectRef idx="0">
+        <a:scrgbClr r="0" g="0" b="0"/>
+      </a:effectRef>
+      <a:fontRef idx="minor"/>
+    </dgm:style>
+  </dgm:styleLbl>
+  <dgm:styleLbl name="fgAcc3">
+    <dgm:scene3d>
+      <a:camera prst="orthographicFront"/>
+      <a:lightRig rig="threePt" dir="t"/>
+    </dgm:scene3d>
+    <dgm:sp3d/>
+    <dgm:txPr/>
+    <dgm:style>
+      <a:lnRef idx="2">
+        <a:scrgbClr r="0" g="0" b="0"/>
+      </a:lnRef>
+      <a:fillRef idx="1">
+        <a:scrgbClr r="0" g="0" b="0"/>
+      </a:fillRef>
+      <a:effectRef idx="0">
+        <a:scrgbClr r="0" g="0" b="0"/>
+      </a:effectRef>
+      <a:fontRef idx="minor"/>
+    </dgm:style>
+  </dgm:styleLbl>
+  <dgm:styleLbl name="fgAcc4">
+    <dgm:scene3d>
+      <a:camera prst="orthographicFront"/>
+      <a:lightRig rig="threePt" dir="t"/>
+    </dgm:scene3d>
+    <dgm:sp3d/>
+    <dgm:txPr/>
+    <dgm:style>
+      <a:lnRef idx="2">
+        <a:scrgbClr r="0" g="0" b="0"/>
+      </a:lnRef>
+      <a:fillRef idx="1">
+        <a:scrgbClr r="0" g="0" b="0"/>
+      </a:fillRef>
+      <a:effectRef idx="0">
+        <a:scrgbClr r="0" g="0" b="0"/>
+      </a:effectRef>
+      <a:fontRef idx="minor"/>
+    </dgm:style>
+  </dgm:styleLbl>
+  <dgm:styleLbl name="bgShp">
+    <dgm:scene3d>
+      <a:camera prst="orthographicFront"/>
+      <a:lightRig rig="threePt" dir="t"/>
+    </dgm:scene3d>
+    <dgm:sp3d/>
+    <dgm:txPr/>
+    <dgm:style>
+      <a:lnRef idx="0">
+        <a:scrgbClr r="0" g="0" b="0"/>
+      </a:lnRef>
+      <a:fillRef idx="1">
+        <a:scrgbClr r="0" g="0" b="0"/>
+      </a:fillRef>
+      <a:effectRef idx="0">
+        <a:scrgbClr r="0" g="0" b="0"/>
+      </a:effectRef>
+      <a:fontRef idx="minor"/>
+    </dgm:style>
+  </dgm:styleLbl>
+  <dgm:styleLbl name="dkBgShp">
+    <dgm:scene3d>
+      <a:camera prst="orthographicFront"/>
+      <a:lightRig rig="threePt" dir="t"/>
+    </dgm:scene3d>
+    <dgm:sp3d/>
+    <dgm:txPr/>
+    <dgm:style>
+      <a:lnRef idx="0">
+        <a:scrgbClr r="0" g="0" b="0"/>
+      </a:lnRef>
+      <a:fillRef idx="1">
+        <a:scrgbClr r="0" g="0" b="0"/>
+      </a:fillRef>
+      <a:effectRef idx="0">
+        <a:scrgbClr r="0" g="0" b="0"/>
+      </a:effectRef>
+      <a:fontRef idx="minor"/>
+    </dgm:style>
+  </dgm:styleLbl>
+  <dgm:styleLbl name="trBgShp">
+    <dgm:scene3d>
+      <a:camera prst="orthographicFront"/>
+      <a:lightRig rig="threePt" dir="t"/>
+    </dgm:scene3d>
+    <dgm:sp3d/>
+    <dgm:txPr/>
+    <dgm:style>
+      <a:lnRef idx="0">
+        <a:scrgbClr r="0" g="0" b="0"/>
+      </a:lnRef>
+      <a:fillRef idx="1">
+        <a:scrgbClr r="0" g="0" b="0"/>
+      </a:fillRef>
+      <a:effectRef idx="0">
+        <a:scrgbClr r="0" g="0" b="0"/>
+      </a:effectRef>
+      <a:fontRef idx="minor"/>
+    </dgm:style>
+  </dgm:styleLbl>
+  <dgm:styleLbl name="fgShp">
+    <dgm:scene3d>
+      <a:camera prst="orthographicFront"/>
+      <a:lightRig rig="threePt" dir="t"/>
+    </dgm:scene3d>
+    <dgm:sp3d/>
+    <dgm:txPr/>
+    <dgm:style>
+      <a:lnRef idx="2">
+        <a:scrgbClr r="0" g="0" b="0"/>
+      </a:lnRef>
+      <a:fillRef idx="1">
+        <a:scrgbClr r="0" g="0" b="0"/>
+      </a:fillRef>
+      <a:effectRef idx="0">
+        <a:scrgbClr r="0" g="0" b="0"/>
+      </a:effectRef>
+      <a:fontRef idx="minor"/>
+    </dgm:style>
+  </dgm:styleLbl>
+  <dgm:styleLbl name="revTx">
+    <dgm:scene3d>
+      <a:camera prst="orthographicFront"/>
+      <a:lightRig rig="threePt" dir="t"/>
+    </dgm:scene3d>
+    <dgm:sp3d/>
+    <dgm:txPr/>
+    <dgm:style>
+      <a:lnRef idx="0">
+        <a:scrgbClr r="0" g="0" b="0"/>
+      </a:lnRef>
+      <a:fillRef idx="0">
+        <a:scrgbClr r="0" g="0" b="0"/>
+      </a:fillRef>
+      <a:effectRef idx="0">
+        <a:scrgbClr r="0" g="0" b="0"/>
+      </a:effectRef>
+      <a:fontRef idx="minor"/>
+    </dgm:style>
+  </dgm:styleLbl>
+</dgm:styleDef>
+</file>
+
+<file path=ppt/diagrams/quickStyle2.xml><?xml version="1.0" encoding="utf-8"?>
 <dgm:styleDef xmlns:dgm="http://schemas.openxmlformats.org/drawingml/2006/diagram" xmlns:a="http://schemas.openxmlformats.org/drawingml/2006/main" uniqueId="urn:microsoft.com/office/officeart/2005/8/quickstyle/simple1">
   <dgm:title val=""/>
   <dgm:desc val=""/>
@@ -2994,7 +6409,7 @@
           <a:p>
             <a:fld id="{339FF9B1-BC6A-488D-9803-65420610ECB9}" type="datetimeFigureOut">
               <a:rPr lang="el-GR" smtClean="0"/>
-              <a:t>17/5/2020</a:t>
+              <a:t>23/11/2020</a:t>
             </a:fld>
             <a:endParaRPr lang="el-GR"/>
           </a:p>
@@ -3598,7 +7013,7 @@
             <a:spLocks noGrp="1"/>
           </p:cNvSpPr>
           <p:nvPr>
-            <p:ph type="sldNum" sz="quarter" idx="10"/>
+            <p:ph type="sldNum" sz="quarter" idx="5"/>
           </p:nvPr>
         </p:nvSpPr>
         <p:spPr/>
@@ -3606,9 +7021,9 @@
           <a:bodyPr/>
           <a:lstStyle/>
           <a:p>
-            <a:fld id="{BE70A1E2-1EEA-4342-A128-5F40CC54FD76}" type="slidenum">
+            <a:fld id="{F65C95F2-2AB4-44CC-909A-30EA08F0882A}" type="slidenum">
               <a:rPr lang="el-GR" smtClean="0"/>
-              <a:t>4</a:t>
+              <a:t>5</a:t>
             </a:fld>
             <a:endParaRPr lang="el-GR"/>
           </a:p>
@@ -3617,7 +7032,7 @@
     </p:spTree>
     <p:extLst>
       <p:ext uri="{BB962C8B-B14F-4D97-AF65-F5344CB8AC3E}">
-        <p14:creationId xmlns:p14="http://schemas.microsoft.com/office/powerpoint/2010/main" val="1033855217"/>
+        <p14:creationId xmlns:p14="http://schemas.microsoft.com/office/powerpoint/2010/main" val="363689597"/>
       </p:ext>
     </p:extLst>
   </p:cSld>
@@ -3671,14 +7086,6 @@
           <a:bodyPr/>
           <a:lstStyle/>
           <a:p>
-            <a:r>
-              <a:rPr lang="en-US" dirty="0"/>
-              <a:t>apache</a:t>
-            </a:r>
-            <a:r>
-              <a:rPr lang="en-US" baseline="0" dirty="0"/>
-              <a:t> spark standalone</a:t>
-            </a:r>
             <a:endParaRPr lang="el-GR" dirty="0"/>
           </a:p>
         </p:txBody>
@@ -3698,9 +7105,9 @@
           <a:bodyPr/>
           <a:lstStyle/>
           <a:p>
-            <a:fld id="{5F9DBC74-475F-4A83-AC9D-9F7F396082E4}" type="slidenum">
+            <a:fld id="{BE70A1E2-1EEA-4342-A128-5F40CC54FD76}" type="slidenum">
               <a:rPr lang="el-GR" smtClean="0"/>
-              <a:t>6</a:t>
+              <a:t>7</a:t>
             </a:fld>
             <a:endParaRPr lang="el-GR"/>
           </a:p>
@@ -3709,7 +7116,7 @@
     </p:spTree>
     <p:extLst>
       <p:ext uri="{BB962C8B-B14F-4D97-AF65-F5344CB8AC3E}">
-        <p14:creationId xmlns:p14="http://schemas.microsoft.com/office/powerpoint/2010/main" val="39320882"/>
+        <p14:creationId xmlns:p14="http://schemas.microsoft.com/office/powerpoint/2010/main" val="1033855217"/>
       </p:ext>
     </p:extLst>
   </p:cSld>
@@ -3765,19 +7172,11 @@
           <a:p>
             <a:r>
               <a:rPr lang="en-US" dirty="0"/>
-              <a:t>REPL</a:t>
+              <a:t>apache</a:t>
             </a:r>
             <a:r>
               <a:rPr lang="en-US" baseline="0" dirty="0"/>
-              <a:t> = Read </a:t>
-            </a:r>
-            <a:r>
-              <a:rPr lang="en-US" baseline="0" dirty="0" err="1"/>
-              <a:t>Eval</a:t>
-            </a:r>
-            <a:r>
-              <a:rPr lang="en-US" baseline="0" dirty="0"/>
-              <a:t> Print Loop</a:t>
+              <a:t> spark standalone</a:t>
             </a:r>
             <a:endParaRPr lang="el-GR" dirty="0"/>
           </a:p>
@@ -3798,9 +7197,9 @@
           <a:bodyPr/>
           <a:lstStyle/>
           <a:p>
-            <a:fld id="{F200BDD6-31CB-4377-8AFD-B96789C2112A}" type="slidenum">
+            <a:fld id="{5F9DBC74-475F-4A83-AC9D-9F7F396082E4}" type="slidenum">
               <a:rPr lang="el-GR" smtClean="0"/>
-              <a:t>7</a:t>
+              <a:t>9</a:t>
             </a:fld>
             <a:endParaRPr lang="el-GR"/>
           </a:p>
@@ -3809,7 +7208,7 @@
     </p:spTree>
     <p:extLst>
       <p:ext uri="{BB962C8B-B14F-4D97-AF65-F5344CB8AC3E}">
-        <p14:creationId xmlns:p14="http://schemas.microsoft.com/office/powerpoint/2010/main" val="888232300"/>
+        <p14:creationId xmlns:p14="http://schemas.microsoft.com/office/powerpoint/2010/main" val="39320882"/>
       </p:ext>
     </p:extLst>
   </p:cSld>
@@ -3863,6 +7262,22 @@
           <a:bodyPr/>
           <a:lstStyle/>
           <a:p>
+            <a:r>
+              <a:rPr lang="en-US" dirty="0"/>
+              <a:t>REPL</a:t>
+            </a:r>
+            <a:r>
+              <a:rPr lang="en-US" baseline="0" dirty="0"/>
+              <a:t> = Read </a:t>
+            </a:r>
+            <a:r>
+              <a:rPr lang="en-US" baseline="0" dirty="0" err="1"/>
+              <a:t>Eval</a:t>
+            </a:r>
+            <a:r>
+              <a:rPr lang="en-US" baseline="0" dirty="0"/>
+              <a:t> Print Loop</a:t>
+            </a:r>
             <a:endParaRPr lang="el-GR" dirty="0"/>
           </a:p>
         </p:txBody>
@@ -3882,7 +7297,7 @@
           <a:bodyPr/>
           <a:lstStyle/>
           <a:p>
-            <a:fld id="{5F9DBC74-475F-4A83-AC9D-9F7F396082E4}" type="slidenum">
+            <a:fld id="{F200BDD6-31CB-4377-8AFD-B96789C2112A}" type="slidenum">
               <a:rPr lang="el-GR" smtClean="0"/>
               <a:t>10</a:t>
             </a:fld>
@@ -3893,7 +7308,7 @@
     </p:spTree>
     <p:extLst>
       <p:ext uri="{BB962C8B-B14F-4D97-AF65-F5344CB8AC3E}">
-        <p14:creationId xmlns:p14="http://schemas.microsoft.com/office/powerpoint/2010/main" val="3777172503"/>
+        <p14:creationId xmlns:p14="http://schemas.microsoft.com/office/powerpoint/2010/main" val="888232300"/>
       </p:ext>
     </p:extLst>
   </p:cSld>
@@ -3947,92 +7362,6 @@
           <a:bodyPr/>
           <a:lstStyle/>
           <a:p>
-            <a:pPr fontAlgn="t"/>
-            <a:r>
-              <a:rPr lang="en-US" b="0" dirty="0" err="1">
-                <a:effectLst/>
-              </a:rPr>
-              <a:t>GraySort</a:t>
-            </a:r>
-            <a:r>
-              <a:rPr lang="en-US" sz="1200" b="0" kern="1200" dirty="0" err="1">
-                <a:solidFill>
-                  <a:schemeClr val="tx1"/>
-                </a:solidFill>
-                <a:effectLst/>
-                <a:latin typeface="+mn-lt"/>
-                <a:ea typeface="+mn-ea"/>
-                <a:cs typeface="+mn-cs"/>
-              </a:rPr>
-              <a:t>Metric</a:t>
-            </a:r>
-            <a:r>
-              <a:rPr lang="en-US" sz="1200" b="0" kern="1200" dirty="0">
-                <a:solidFill>
-                  <a:schemeClr val="tx1"/>
-                </a:solidFill>
-                <a:effectLst/>
-                <a:latin typeface="+mn-lt"/>
-                <a:ea typeface="+mn-ea"/>
-                <a:cs typeface="+mn-cs"/>
-              </a:rPr>
-              <a:t>: Sort rate (TBs / minute) achieved while sorting a very large amount of data (currently 100 TB minimum).</a:t>
-            </a:r>
-          </a:p>
-          <a:p>
-            <a:pPr fontAlgn="t"/>
-            <a:r>
-              <a:rPr lang="en-US" b="0" dirty="0" err="1">
-                <a:effectLst/>
-              </a:rPr>
-              <a:t>CloudSort</a:t>
-            </a:r>
-            <a:r>
-              <a:rPr lang="en-US" sz="1200" b="0" kern="1200" dirty="0" err="1">
-                <a:solidFill>
-                  <a:schemeClr val="tx1"/>
-                </a:solidFill>
-                <a:effectLst/>
-                <a:latin typeface="+mn-lt"/>
-                <a:ea typeface="+mn-ea"/>
-                <a:cs typeface="+mn-cs"/>
-              </a:rPr>
-              <a:t>Metric</a:t>
-            </a:r>
-            <a:r>
-              <a:rPr lang="en-US" sz="1200" b="0" kern="1200" dirty="0">
-                <a:solidFill>
-                  <a:schemeClr val="tx1"/>
-                </a:solidFill>
-                <a:effectLst/>
-                <a:latin typeface="+mn-lt"/>
-                <a:ea typeface="+mn-ea"/>
-                <a:cs typeface="+mn-cs"/>
-              </a:rPr>
-              <a:t>: Minimum cost for sorting a very large amount of data on a public cloud. (currently 100 TB). </a:t>
-            </a:r>
-            <a:br>
-              <a:rPr lang="en-US" sz="1200" b="0" kern="1200" dirty="0">
-                <a:solidFill>
-                  <a:schemeClr val="tx1"/>
-                </a:solidFill>
-                <a:effectLst/>
-                <a:latin typeface="+mn-lt"/>
-                <a:ea typeface="+mn-ea"/>
-                <a:cs typeface="+mn-cs"/>
-              </a:rPr>
-            </a:br>
-            <a:endParaRPr lang="en-US" sz="1200" b="0" kern="1200" dirty="0">
-              <a:solidFill>
-                <a:schemeClr val="tx1"/>
-              </a:solidFill>
-              <a:effectLst/>
-              <a:latin typeface="+mn-lt"/>
-              <a:ea typeface="+mn-ea"/>
-              <a:cs typeface="+mn-cs"/>
-            </a:endParaRPr>
-          </a:p>
-          <a:p>
             <a:endParaRPr lang="el-GR" dirty="0"/>
           </a:p>
         </p:txBody>
@@ -4054,7 +7383,7 @@
           <a:p>
             <a:fld id="{5F9DBC74-475F-4A83-AC9D-9F7F396082E4}" type="slidenum">
               <a:rPr lang="el-GR" smtClean="0"/>
-              <a:t>16</a:t>
+              <a:t>13</a:t>
             </a:fld>
             <a:endParaRPr lang="el-GR"/>
           </a:p>
@@ -4063,7 +7392,7 @@
     </p:spTree>
     <p:extLst>
       <p:ext uri="{BB962C8B-B14F-4D97-AF65-F5344CB8AC3E}">
-        <p14:creationId xmlns:p14="http://schemas.microsoft.com/office/powerpoint/2010/main" val="3974542160"/>
+        <p14:creationId xmlns:p14="http://schemas.microsoft.com/office/powerpoint/2010/main" val="3777172503"/>
       </p:ext>
     </p:extLst>
   </p:cSld>
@@ -4117,6 +7446,92 @@
           <a:bodyPr/>
           <a:lstStyle/>
           <a:p>
+            <a:pPr fontAlgn="t"/>
+            <a:r>
+              <a:rPr lang="en-US" b="0" dirty="0" err="1">
+                <a:effectLst/>
+              </a:rPr>
+              <a:t>GraySort</a:t>
+            </a:r>
+            <a:r>
+              <a:rPr lang="en-US" sz="1200" b="0" kern="1200" dirty="0" err="1">
+                <a:solidFill>
+                  <a:schemeClr val="tx1"/>
+                </a:solidFill>
+                <a:effectLst/>
+                <a:latin typeface="+mn-lt"/>
+                <a:ea typeface="+mn-ea"/>
+                <a:cs typeface="+mn-cs"/>
+              </a:rPr>
+              <a:t>Metric</a:t>
+            </a:r>
+            <a:r>
+              <a:rPr lang="en-US" sz="1200" b="0" kern="1200" dirty="0">
+                <a:solidFill>
+                  <a:schemeClr val="tx1"/>
+                </a:solidFill>
+                <a:effectLst/>
+                <a:latin typeface="+mn-lt"/>
+                <a:ea typeface="+mn-ea"/>
+                <a:cs typeface="+mn-cs"/>
+              </a:rPr>
+              <a:t>: Sort rate (TBs / minute) achieved while sorting a very large amount of data (currently 100 TB minimum).</a:t>
+            </a:r>
+          </a:p>
+          <a:p>
+            <a:pPr fontAlgn="t"/>
+            <a:r>
+              <a:rPr lang="en-US" b="0" dirty="0" err="1">
+                <a:effectLst/>
+              </a:rPr>
+              <a:t>CloudSort</a:t>
+            </a:r>
+            <a:r>
+              <a:rPr lang="en-US" sz="1200" b="0" kern="1200" dirty="0" err="1">
+                <a:solidFill>
+                  <a:schemeClr val="tx1"/>
+                </a:solidFill>
+                <a:effectLst/>
+                <a:latin typeface="+mn-lt"/>
+                <a:ea typeface="+mn-ea"/>
+                <a:cs typeface="+mn-cs"/>
+              </a:rPr>
+              <a:t>Metric</a:t>
+            </a:r>
+            <a:r>
+              <a:rPr lang="en-US" sz="1200" b="0" kern="1200" dirty="0">
+                <a:solidFill>
+                  <a:schemeClr val="tx1"/>
+                </a:solidFill>
+                <a:effectLst/>
+                <a:latin typeface="+mn-lt"/>
+                <a:ea typeface="+mn-ea"/>
+                <a:cs typeface="+mn-cs"/>
+              </a:rPr>
+              <a:t>: Minimum cost for sorting a very large amount of data on a public cloud. (currently 100 TB). </a:t>
+            </a:r>
+            <a:br>
+              <a:rPr lang="en-US" sz="1200" b="0" kern="1200" dirty="0">
+                <a:solidFill>
+                  <a:schemeClr val="tx1"/>
+                </a:solidFill>
+                <a:effectLst/>
+                <a:latin typeface="+mn-lt"/>
+                <a:ea typeface="+mn-ea"/>
+                <a:cs typeface="+mn-cs"/>
+              </a:rPr>
+            </a:br>
+            <a:endParaRPr lang="en-US" sz="1200" b="0" kern="1200" dirty="0">
+              <a:solidFill>
+                <a:schemeClr val="tx1"/>
+              </a:solidFill>
+              <a:effectLst/>
+              <a:latin typeface="+mn-lt"/>
+              <a:ea typeface="+mn-ea"/>
+              <a:cs typeface="+mn-cs"/>
+            </a:endParaRPr>
+          </a:p>
+          <a:p>
             <a:endParaRPr lang="el-GR" dirty="0"/>
           </a:p>
         </p:txBody>
@@ -4138,7 +7553,91 @@
           <a:p>
             <a:fld id="{5F9DBC74-475F-4A83-AC9D-9F7F396082E4}" type="slidenum">
               <a:rPr lang="el-GR" smtClean="0"/>
-              <a:t>17</a:t>
+              <a:t>21</a:t>
+            </a:fld>
+            <a:endParaRPr lang="el-GR"/>
+          </a:p>
+        </p:txBody>
+      </p:sp>
+    </p:spTree>
+    <p:extLst>
+      <p:ext uri="{BB962C8B-B14F-4D97-AF65-F5344CB8AC3E}">
+        <p14:creationId xmlns:p14="http://schemas.microsoft.com/office/powerpoint/2010/main" val="3974542160"/>
+      </p:ext>
+    </p:extLst>
+  </p:cSld>
+  <p:clrMapOvr>
+    <a:masterClrMapping/>
+  </p:clrMapOvr>
+</p:notes>
+</file>
+
+<file path=ppt/notesSlides/notesSlide9.xml><?xml version="1.0" encoding="utf-8"?>
+<p:notes xmlns:a="http://schemas.openxmlformats.org/drawingml/2006/main" xmlns:r="http://schemas.openxmlformats.org/officeDocument/2006/relationships" xmlns:p="http://schemas.openxmlformats.org/presentationml/2006/main">
+  <p:cSld>
+    <p:spTree>
+      <p:nvGrpSpPr>
+        <p:cNvPr id="1" name=""/>
+        <p:cNvGrpSpPr/>
+        <p:nvPr/>
+      </p:nvGrpSpPr>
+      <p:grpSpPr>
+        <a:xfrm>
+          <a:off x="0" y="0"/>
+          <a:ext cx="0" cy="0"/>
+          <a:chOff x="0" y="0"/>
+          <a:chExt cx="0" cy="0"/>
+        </a:xfrm>
+      </p:grpSpPr>
+      <p:sp>
+        <p:nvSpPr>
+          <p:cNvPr id="2" name="Θέση εικόνας διαφάνειας 1"/>
+          <p:cNvSpPr>
+            <a:spLocks noGrp="1" noRot="1" noChangeAspect="1"/>
+          </p:cNvSpPr>
+          <p:nvPr>
+            <p:ph type="sldImg"/>
+          </p:nvPr>
+        </p:nvSpPr>
+        <p:spPr/>
+      </p:sp>
+      <p:sp>
+        <p:nvSpPr>
+          <p:cNvPr id="3" name="Θέση σημειώσεων 2"/>
+          <p:cNvSpPr>
+            <a:spLocks noGrp="1"/>
+          </p:cNvSpPr>
+          <p:nvPr>
+            <p:ph type="body" idx="1"/>
+          </p:nvPr>
+        </p:nvSpPr>
+        <p:spPr/>
+        <p:txBody>
+          <a:bodyPr/>
+          <a:lstStyle/>
+          <a:p>
+            <a:endParaRPr lang="el-GR" dirty="0"/>
+          </a:p>
+        </p:txBody>
+      </p:sp>
+      <p:sp>
+        <p:nvSpPr>
+          <p:cNvPr id="4" name="Θέση αριθμού διαφάνειας 3"/>
+          <p:cNvSpPr>
+            <a:spLocks noGrp="1"/>
+          </p:cNvSpPr>
+          <p:nvPr>
+            <p:ph type="sldNum" sz="quarter" idx="10"/>
+          </p:nvPr>
+        </p:nvSpPr>
+        <p:spPr/>
+        <p:txBody>
+          <a:bodyPr/>
+          <a:lstStyle/>
+          <a:p>
+            <a:fld id="{5F9DBC74-475F-4A83-AC9D-9F7F396082E4}" type="slidenum">
+              <a:rPr lang="el-GR" smtClean="0"/>
+              <a:t>22</a:t>
             </a:fld>
             <a:endParaRPr lang="el-GR"/>
           </a:p>
@@ -4286,7 +7785,7 @@
           <a:p>
             <a:fld id="{B449E151-0877-461B-8BE5-DA5BD7170C9D}" type="datetimeFigureOut">
               <a:rPr lang="el-GR" smtClean="0"/>
-              <a:t>17/5/2020</a:t>
+              <a:t>23/11/2020</a:t>
             </a:fld>
             <a:endParaRPr lang="el-GR"/>
           </a:p>
@@ -4454,7 +7953,7 @@
           <a:p>
             <a:fld id="{B449E151-0877-461B-8BE5-DA5BD7170C9D}" type="datetimeFigureOut">
               <a:rPr lang="el-GR" smtClean="0"/>
-              <a:t>17/5/2020</a:t>
+              <a:t>23/11/2020</a:t>
             </a:fld>
             <a:endParaRPr lang="el-GR"/>
           </a:p>
@@ -4632,7 +8131,7 @@
           <a:p>
             <a:fld id="{B449E151-0877-461B-8BE5-DA5BD7170C9D}" type="datetimeFigureOut">
               <a:rPr lang="el-GR" smtClean="0"/>
-              <a:t>17/5/2020</a:t>
+              <a:t>23/11/2020</a:t>
             </a:fld>
             <a:endParaRPr lang="el-GR"/>
           </a:p>
@@ -4800,7 +8299,7 @@
           <a:p>
             <a:fld id="{B449E151-0877-461B-8BE5-DA5BD7170C9D}" type="datetimeFigureOut">
               <a:rPr lang="el-GR" smtClean="0"/>
-              <a:t>17/5/2020</a:t>
+              <a:t>23/11/2020</a:t>
             </a:fld>
             <a:endParaRPr lang="el-GR"/>
           </a:p>
@@ -5045,7 +8544,7 @@
           <a:p>
             <a:fld id="{B449E151-0877-461B-8BE5-DA5BD7170C9D}" type="datetimeFigureOut">
               <a:rPr lang="el-GR" smtClean="0"/>
-              <a:t>17/5/2020</a:t>
+              <a:t>23/11/2020</a:t>
             </a:fld>
             <a:endParaRPr lang="el-GR"/>
           </a:p>
@@ -5274,7 +8773,7 @@
           <a:p>
             <a:fld id="{B449E151-0877-461B-8BE5-DA5BD7170C9D}" type="datetimeFigureOut">
               <a:rPr lang="el-GR" smtClean="0"/>
-              <a:t>17/5/2020</a:t>
+              <a:t>23/11/2020</a:t>
             </a:fld>
             <a:endParaRPr lang="el-GR"/>
           </a:p>
@@ -5638,7 +9137,7 @@
           <a:p>
             <a:fld id="{B449E151-0877-461B-8BE5-DA5BD7170C9D}" type="datetimeFigureOut">
               <a:rPr lang="el-GR" smtClean="0"/>
-              <a:t>17/5/2020</a:t>
+              <a:t>23/11/2020</a:t>
             </a:fld>
             <a:endParaRPr lang="el-GR"/>
           </a:p>
@@ -5755,7 +9254,7 @@
           <a:p>
             <a:fld id="{B449E151-0877-461B-8BE5-DA5BD7170C9D}" type="datetimeFigureOut">
               <a:rPr lang="el-GR" smtClean="0"/>
-              <a:t>17/5/2020</a:t>
+              <a:t>23/11/2020</a:t>
             </a:fld>
             <a:endParaRPr lang="el-GR"/>
           </a:p>
@@ -5850,7 +9349,7 @@
           <a:p>
             <a:fld id="{B449E151-0877-461B-8BE5-DA5BD7170C9D}" type="datetimeFigureOut">
               <a:rPr lang="el-GR" smtClean="0"/>
-              <a:t>17/5/2020</a:t>
+              <a:t>23/11/2020</a:t>
             </a:fld>
             <a:endParaRPr lang="el-GR"/>
           </a:p>
@@ -6125,7 +9624,7 @@
           <a:p>
             <a:fld id="{B449E151-0877-461B-8BE5-DA5BD7170C9D}" type="datetimeFigureOut">
               <a:rPr lang="el-GR" smtClean="0"/>
-              <a:t>17/5/2020</a:t>
+              <a:t>23/11/2020</a:t>
             </a:fld>
             <a:endParaRPr lang="el-GR"/>
           </a:p>
@@ -6377,7 +9876,7 @@
           <a:p>
             <a:fld id="{B449E151-0877-461B-8BE5-DA5BD7170C9D}" type="datetimeFigureOut">
               <a:rPr lang="el-GR" smtClean="0"/>
-              <a:t>17/5/2020</a:t>
+              <a:t>23/11/2020</a:t>
             </a:fld>
             <a:endParaRPr lang="el-GR"/>
           </a:p>
@@ -6588,7 +10087,7 @@
           <a:p>
             <a:fld id="{B449E151-0877-461B-8BE5-DA5BD7170C9D}" type="datetimeFigureOut">
               <a:rPr lang="el-GR" smtClean="0"/>
-              <a:t>17/5/2020</a:t>
+              <a:t>23/11/2020</a:t>
             </a:fld>
             <a:endParaRPr lang="el-GR"/>
           </a:p>
@@ -7219,7 +10718,7 @@
                   <a:srgbClr val="000000"/>
                 </a:solidFill>
               </a:rPr>
-              <a:t>11/5/2020</a:t>
+              <a:t>24/11/2020</a:t>
             </a:r>
             <a:endParaRPr lang="en-US" dirty="0">
               <a:solidFill>
@@ -7310,6 +10809,501 @@
 </file>
 
 <file path=ppt/slides/slide10.xml><?xml version="1.0" encoding="utf-8"?>
+<p:sld xmlns:a="http://schemas.openxmlformats.org/drawingml/2006/main" xmlns:r="http://schemas.openxmlformats.org/officeDocument/2006/relationships" xmlns:p="http://schemas.openxmlformats.org/presentationml/2006/main">
+  <p:cSld>
+    <p:spTree>
+      <p:nvGrpSpPr>
+        <p:cNvPr id="1" name=""/>
+        <p:cNvGrpSpPr/>
+        <p:nvPr/>
+      </p:nvGrpSpPr>
+      <p:grpSpPr>
+        <a:xfrm>
+          <a:off x="0" y="0"/>
+          <a:ext cx="0" cy="0"/>
+          <a:chOff x="0" y="0"/>
+          <a:chExt cx="0" cy="0"/>
+        </a:xfrm>
+      </p:grpSpPr>
+      <p:sp>
+        <p:nvSpPr>
+          <p:cNvPr id="2" name="Τίτλος 1"/>
+          <p:cNvSpPr>
+            <a:spLocks noGrp="1"/>
+          </p:cNvSpPr>
+          <p:nvPr>
+            <p:ph type="title"/>
+          </p:nvPr>
+        </p:nvSpPr>
+        <p:spPr/>
+        <p:txBody>
+          <a:bodyPr/>
+          <a:lstStyle/>
+          <a:p>
+            <a:r>
+              <a:rPr lang="el-GR" dirty="0"/>
+              <a:t>Γλώσσες που υποστηρίζει το </a:t>
+            </a:r>
+            <a:r>
+              <a:rPr lang="en-US" dirty="0"/>
+              <a:t>Spark</a:t>
+            </a:r>
+            <a:endParaRPr lang="el-GR" dirty="0"/>
+          </a:p>
+        </p:txBody>
+      </p:sp>
+      <p:sp>
+        <p:nvSpPr>
+          <p:cNvPr id="3" name="Θέση περιεχομένου 2"/>
+          <p:cNvSpPr>
+            <a:spLocks noGrp="1"/>
+          </p:cNvSpPr>
+          <p:nvPr>
+            <p:ph sz="half" idx="1"/>
+          </p:nvPr>
+        </p:nvSpPr>
+        <p:spPr/>
+        <p:txBody>
+          <a:bodyPr/>
+          <a:lstStyle/>
+          <a:p>
+            <a:r>
+              <a:rPr lang="en-US" dirty="0"/>
+              <a:t>Scala</a:t>
+            </a:r>
+          </a:p>
+          <a:p>
+            <a:r>
+              <a:rPr lang="en-US" dirty="0"/>
+              <a:t>Java</a:t>
+            </a:r>
+          </a:p>
+          <a:p>
+            <a:r>
+              <a:rPr lang="en-US" dirty="0"/>
+              <a:t>Python</a:t>
+            </a:r>
+          </a:p>
+          <a:p>
+            <a:r>
+              <a:rPr lang="en-US" dirty="0"/>
+              <a:t>R</a:t>
+            </a:r>
+          </a:p>
+        </p:txBody>
+      </p:sp>
+      <p:sp>
+        <p:nvSpPr>
+          <p:cNvPr id="4" name="Θέση περιεχομένου 3"/>
+          <p:cNvSpPr>
+            <a:spLocks noGrp="1"/>
+          </p:cNvSpPr>
+          <p:nvPr>
+            <p:ph sz="half" idx="2"/>
+          </p:nvPr>
+        </p:nvSpPr>
+        <p:spPr>
+          <a:xfrm>
+            <a:off x="4838330" y="1825625"/>
+            <a:ext cx="6515470" cy="4351338"/>
+          </a:xfrm>
+        </p:spPr>
+        <p:txBody>
+          <a:bodyPr/>
+          <a:lstStyle/>
+          <a:p>
+            <a:r>
+              <a:rPr lang="el-GR" dirty="0"/>
+              <a:t>Διαθέτει </a:t>
+            </a:r>
+            <a:r>
+              <a:rPr lang="en-US" dirty="0"/>
+              <a:t>REPL</a:t>
+            </a:r>
+            <a:r>
+              <a:rPr lang="el-GR" dirty="0"/>
+              <a:t> (</a:t>
+            </a:r>
+            <a:r>
+              <a:rPr lang="en-US" dirty="0"/>
+              <a:t>Read Evaluate Print Loop</a:t>
+            </a:r>
+            <a:r>
+              <a:rPr lang="el-GR" dirty="0"/>
+              <a:t>)</a:t>
+            </a:r>
+            <a:r>
+              <a:rPr lang="en-US" dirty="0"/>
+              <a:t> </a:t>
+            </a:r>
+            <a:r>
+              <a:rPr lang="el-GR" dirty="0"/>
+              <a:t>για: </a:t>
+            </a:r>
+            <a:r>
+              <a:rPr lang="en-US" dirty="0"/>
+              <a:t>Scala</a:t>
+            </a:r>
+            <a:r>
+              <a:rPr lang="el-GR" dirty="0"/>
+              <a:t>, </a:t>
+            </a:r>
+            <a:r>
+              <a:rPr lang="en-US" dirty="0"/>
+              <a:t>Python</a:t>
+            </a:r>
+            <a:r>
+              <a:rPr lang="el-GR" dirty="0"/>
+              <a:t>, </a:t>
+            </a:r>
+            <a:r>
+              <a:rPr lang="en-US" dirty="0"/>
+              <a:t>R</a:t>
+            </a:r>
+          </a:p>
+          <a:p>
+            <a:r>
+              <a:rPr lang="en-US" dirty="0"/>
+              <a:t>Python notebooks</a:t>
+            </a:r>
+          </a:p>
+          <a:p>
+            <a:r>
+              <a:rPr lang="en-US" dirty="0"/>
+              <a:t>R notebooks</a:t>
+            </a:r>
+            <a:endParaRPr lang="el-GR" dirty="0"/>
+          </a:p>
+        </p:txBody>
+      </p:sp>
+      <p:sp>
+        <p:nvSpPr>
+          <p:cNvPr id="5" name="Θέση αριθμού διαφάνειας 4"/>
+          <p:cNvSpPr>
+            <a:spLocks noGrp="1"/>
+          </p:cNvSpPr>
+          <p:nvPr>
+            <p:ph type="sldNum" sz="quarter" idx="12"/>
+          </p:nvPr>
+        </p:nvSpPr>
+        <p:spPr/>
+        <p:txBody>
+          <a:bodyPr/>
+          <a:lstStyle/>
+          <a:p>
+            <a:fld id="{634CA47B-BB17-47C7-9E60-64B1219A2C73}" type="slidenum">
+              <a:rPr lang="el-GR" smtClean="0"/>
+              <a:t>10</a:t>
+            </a:fld>
+            <a:endParaRPr lang="el-GR"/>
+          </a:p>
+        </p:txBody>
+      </p:sp>
+      <p:pic>
+        <p:nvPicPr>
+          <p:cNvPr id="6" name="Εικόνα 5">
+            <a:extLst>
+              <a:ext uri="{FF2B5EF4-FFF2-40B4-BE49-F238E27FC236}">
+                <a16:creationId xmlns:a16="http://schemas.microsoft.com/office/drawing/2014/main" id="{6A12D967-B3EA-4769-86FE-2B4414DAEE9A}"/>
+              </a:ext>
+            </a:extLst>
+          </p:cNvPr>
+          <p:cNvPicPr>
+            <a:picLocks noChangeAspect="1"/>
+          </p:cNvPicPr>
+          <p:nvPr/>
+        </p:nvPicPr>
+        <p:blipFill>
+          <a:blip r:embed="rId3"/>
+          <a:stretch>
+            <a:fillRect/>
+          </a:stretch>
+        </p:blipFill>
+        <p:spPr>
+          <a:xfrm>
+            <a:off x="436478" y="3917992"/>
+            <a:ext cx="5985043" cy="2279805"/>
+          </a:xfrm>
+          <a:prstGeom prst="rect">
+            <a:avLst/>
+          </a:prstGeom>
+        </p:spPr>
+      </p:pic>
+      <p:pic>
+        <p:nvPicPr>
+          <p:cNvPr id="9" name="Picture 2" descr="Get Started with PySpark and Jupyter Notebook in 3 Minutes">
+            <a:extLst>
+              <a:ext uri="{FF2B5EF4-FFF2-40B4-BE49-F238E27FC236}">
+                <a16:creationId xmlns:a16="http://schemas.microsoft.com/office/drawing/2014/main" id="{EBFFE88E-8134-4A29-A484-3CF9C9A3B8EC}"/>
+              </a:ext>
+            </a:extLst>
+          </p:cNvPr>
+          <p:cNvPicPr>
+            <a:picLocks noChangeAspect="1" noChangeArrowheads="1"/>
+          </p:cNvPicPr>
+          <p:nvPr/>
+        </p:nvPicPr>
+        <p:blipFill>
+          <a:blip r:embed="rId4" cstate="print">
+            <a:extLst>
+              <a:ext uri="{28A0092B-C50C-407E-A947-70E740481C1C}">
+                <a14:useLocalDpi xmlns:a14="http://schemas.microsoft.com/office/drawing/2010/main" val="0"/>
+              </a:ext>
+            </a:extLst>
+          </a:blip>
+          <a:srcRect/>
+          <a:stretch>
+            <a:fillRect/>
+          </a:stretch>
+        </p:blipFill>
+        <p:spPr bwMode="auto">
+          <a:xfrm>
+            <a:off x="6709683" y="3759441"/>
+            <a:ext cx="4975694" cy="2596909"/>
+          </a:xfrm>
+          <a:prstGeom prst="rect">
+            <a:avLst/>
+          </a:prstGeom>
+          <a:noFill/>
+          <a:extLst>
+            <a:ext uri="{909E8E84-426E-40DD-AFC4-6F175D3DCCD1}">
+              <a14:hiddenFill xmlns:a14="http://schemas.microsoft.com/office/drawing/2010/main">
+                <a:solidFill>
+                  <a:srgbClr val="FFFFFF"/>
+                </a:solidFill>
+              </a14:hiddenFill>
+            </a:ext>
+          </a:extLst>
+        </p:spPr>
+      </p:pic>
+    </p:spTree>
+    <p:extLst>
+      <p:ext uri="{BB962C8B-B14F-4D97-AF65-F5344CB8AC3E}">
+        <p14:creationId xmlns:p14="http://schemas.microsoft.com/office/powerpoint/2010/main" val="1241952852"/>
+      </p:ext>
+    </p:extLst>
+  </p:cSld>
+  <p:clrMapOvr>
+    <a:masterClrMapping/>
+  </p:clrMapOvr>
+</p:sld>
+</file>
+
+<file path=ppt/slides/slide11.xml><?xml version="1.0" encoding="utf-8"?>
+<p:sld xmlns:a="http://schemas.openxmlformats.org/drawingml/2006/main" xmlns:r="http://schemas.openxmlformats.org/officeDocument/2006/relationships" xmlns:p="http://schemas.openxmlformats.org/presentationml/2006/main">
+  <p:cSld>
+    <p:spTree>
+      <p:nvGrpSpPr>
+        <p:cNvPr id="1" name=""/>
+        <p:cNvGrpSpPr/>
+        <p:nvPr/>
+      </p:nvGrpSpPr>
+      <p:grpSpPr>
+        <a:xfrm>
+          <a:off x="0" y="0"/>
+          <a:ext cx="0" cy="0"/>
+          <a:chOff x="0" y="0"/>
+          <a:chExt cx="0" cy="0"/>
+        </a:xfrm>
+      </p:grpSpPr>
+      <p:sp>
+        <p:nvSpPr>
+          <p:cNvPr id="2" name="Τίτλος 1">
+            <a:extLst>
+              <a:ext uri="{FF2B5EF4-FFF2-40B4-BE49-F238E27FC236}">
+                <a16:creationId xmlns:a16="http://schemas.microsoft.com/office/drawing/2014/main" id="{A643752E-6740-4DE8-BC78-C55B9490178D}"/>
+              </a:ext>
+            </a:extLst>
+          </p:cNvPr>
+          <p:cNvSpPr>
+            <a:spLocks noGrp="1"/>
+          </p:cNvSpPr>
+          <p:nvPr>
+            <p:ph type="title"/>
+          </p:nvPr>
+        </p:nvSpPr>
+        <p:spPr/>
+        <p:txBody>
+          <a:bodyPr/>
+          <a:lstStyle/>
+          <a:p>
+            <a:r>
+              <a:rPr lang="en-US" dirty="0"/>
+              <a:t>Python REPL</a:t>
+            </a:r>
+            <a:endParaRPr lang="el-GR" dirty="0"/>
+          </a:p>
+        </p:txBody>
+      </p:sp>
+      <p:pic>
+        <p:nvPicPr>
+          <p:cNvPr id="6" name="Θέση περιεχομένου 5">
+            <a:extLst>
+              <a:ext uri="{FF2B5EF4-FFF2-40B4-BE49-F238E27FC236}">
+                <a16:creationId xmlns:a16="http://schemas.microsoft.com/office/drawing/2014/main" id="{0FFC187A-4D85-4999-BE27-7B5EC5285817}"/>
+              </a:ext>
+            </a:extLst>
+          </p:cNvPr>
+          <p:cNvPicPr>
+            <a:picLocks noGrp="1" noChangeAspect="1"/>
+          </p:cNvPicPr>
+          <p:nvPr>
+            <p:ph sz="half" idx="2"/>
+          </p:nvPr>
+        </p:nvPicPr>
+        <p:blipFill>
+          <a:blip r:embed="rId2"/>
+          <a:stretch>
+            <a:fillRect/>
+          </a:stretch>
+        </p:blipFill>
+        <p:spPr>
+          <a:xfrm>
+            <a:off x="6172200" y="3170247"/>
+            <a:ext cx="5181600" cy="1662094"/>
+          </a:xfrm>
+          <a:prstGeom prst="rect">
+            <a:avLst/>
+          </a:prstGeom>
+        </p:spPr>
+      </p:pic>
+      <p:pic>
+        <p:nvPicPr>
+          <p:cNvPr id="5" name="Θέση περιεχομένου 4">
+            <a:extLst>
+              <a:ext uri="{FF2B5EF4-FFF2-40B4-BE49-F238E27FC236}">
+                <a16:creationId xmlns:a16="http://schemas.microsoft.com/office/drawing/2014/main" id="{816E81BF-0978-4FA0-9696-FBF2E846FF14}"/>
+              </a:ext>
+            </a:extLst>
+          </p:cNvPr>
+          <p:cNvPicPr>
+            <a:picLocks noGrp="1" noChangeAspect="1"/>
+          </p:cNvPicPr>
+          <p:nvPr>
+            <p:ph sz="half" idx="1"/>
+          </p:nvPr>
+        </p:nvPicPr>
+        <p:blipFill>
+          <a:blip r:embed="rId3"/>
+          <a:stretch>
+            <a:fillRect/>
+          </a:stretch>
+        </p:blipFill>
+        <p:spPr>
+          <a:xfrm>
+            <a:off x="838200" y="3156971"/>
+            <a:ext cx="5181600" cy="1688646"/>
+          </a:xfrm>
+          <a:prstGeom prst="rect">
+            <a:avLst/>
+          </a:prstGeom>
+        </p:spPr>
+      </p:pic>
+    </p:spTree>
+    <p:extLst>
+      <p:ext uri="{BB962C8B-B14F-4D97-AF65-F5344CB8AC3E}">
+        <p14:creationId xmlns:p14="http://schemas.microsoft.com/office/powerpoint/2010/main" val="1611420149"/>
+      </p:ext>
+    </p:extLst>
+  </p:cSld>
+  <p:clrMapOvr>
+    <a:masterClrMapping/>
+  </p:clrMapOvr>
+</p:sld>
+</file>
+
+<file path=ppt/slides/slide12.xml><?xml version="1.0" encoding="utf-8"?>
+<p:sld xmlns:a="http://schemas.openxmlformats.org/drawingml/2006/main" xmlns:r="http://schemas.openxmlformats.org/officeDocument/2006/relationships" xmlns:p="http://schemas.openxmlformats.org/presentationml/2006/main">
+  <p:cSld>
+    <p:spTree>
+      <p:nvGrpSpPr>
+        <p:cNvPr id="1" name=""/>
+        <p:cNvGrpSpPr/>
+        <p:nvPr/>
+      </p:nvGrpSpPr>
+      <p:grpSpPr>
+        <a:xfrm>
+          <a:off x="0" y="0"/>
+          <a:ext cx="0" cy="0"/>
+          <a:chOff x="0" y="0"/>
+          <a:chExt cx="0" cy="0"/>
+        </a:xfrm>
+      </p:grpSpPr>
+      <p:sp>
+        <p:nvSpPr>
+          <p:cNvPr id="2" name="Τίτλος 1">
+            <a:extLst>
+              <a:ext uri="{FF2B5EF4-FFF2-40B4-BE49-F238E27FC236}">
+                <a16:creationId xmlns:a16="http://schemas.microsoft.com/office/drawing/2014/main" id="{FEFEC80A-9FA2-453B-8C07-746AB638AA29}"/>
+              </a:ext>
+            </a:extLst>
+          </p:cNvPr>
+          <p:cNvSpPr>
+            <a:spLocks noGrp="1"/>
+          </p:cNvSpPr>
+          <p:nvPr>
+            <p:ph type="title"/>
+          </p:nvPr>
+        </p:nvSpPr>
+        <p:spPr/>
+        <p:txBody>
+          <a:bodyPr/>
+          <a:lstStyle/>
+          <a:p>
+            <a:r>
+              <a:rPr lang="en-US" dirty="0"/>
+              <a:t>R REPL</a:t>
+            </a:r>
+            <a:endParaRPr lang="el-GR" dirty="0"/>
+          </a:p>
+        </p:txBody>
+      </p:sp>
+      <p:pic>
+        <p:nvPicPr>
+          <p:cNvPr id="6" name="Θέση περιεχομένου 5">
+            <a:extLst>
+              <a:ext uri="{FF2B5EF4-FFF2-40B4-BE49-F238E27FC236}">
+                <a16:creationId xmlns:a16="http://schemas.microsoft.com/office/drawing/2014/main" id="{CA30DB56-9FE4-4033-AEE7-46B21C830B01}"/>
+              </a:ext>
+            </a:extLst>
+          </p:cNvPr>
+          <p:cNvPicPr>
+            <a:picLocks noGrp="1" noChangeAspect="1"/>
+          </p:cNvPicPr>
+          <p:nvPr>
+            <p:ph idx="1"/>
+          </p:nvPr>
+        </p:nvPicPr>
+        <p:blipFill>
+          <a:blip r:embed="rId2"/>
+          <a:stretch>
+            <a:fillRect/>
+          </a:stretch>
+        </p:blipFill>
+        <p:spPr>
+          <a:xfrm>
+            <a:off x="2799458" y="1825625"/>
+            <a:ext cx="6593084" cy="4351338"/>
+          </a:xfrm>
+          <a:prstGeom prst="rect">
+            <a:avLst/>
+          </a:prstGeom>
+        </p:spPr>
+      </p:pic>
+    </p:spTree>
+    <p:extLst>
+      <p:ext uri="{BB962C8B-B14F-4D97-AF65-F5344CB8AC3E}">
+        <p14:creationId xmlns:p14="http://schemas.microsoft.com/office/powerpoint/2010/main" val="4239495160"/>
+      </p:ext>
+    </p:extLst>
+  </p:cSld>
+  <p:clrMapOvr>
+    <a:masterClrMapping/>
+  </p:clrMapOvr>
+</p:sld>
+</file>
+
+<file path=ppt/slides/slide13.xml><?xml version="1.0" encoding="utf-8"?>
 <p:sld xmlns:a="http://schemas.openxmlformats.org/drawingml/2006/main" xmlns:r="http://schemas.openxmlformats.org/officeDocument/2006/relationships" xmlns:p="http://schemas.openxmlformats.org/presentationml/2006/main">
   <p:cSld>
     <p:bg>
@@ -7721,7 +11715,7 @@
                   <a:spcPts val="600"/>
                 </a:spcAft>
               </a:pPr>
-              <a:t>10</a:t>
+              <a:t>13</a:t>
             </a:fld>
             <a:endParaRPr lang="el-GR"/>
           </a:p>
@@ -7740,7 +11734,7 @@
 </p:sld>
 </file>
 
-<file path=ppt/slides/slide11.xml><?xml version="1.0" encoding="utf-8"?>
+<file path=ppt/slides/slide14.xml><?xml version="1.0" encoding="utf-8"?>
 <p:sld xmlns:a="http://schemas.openxmlformats.org/drawingml/2006/main" xmlns:r="http://schemas.openxmlformats.org/officeDocument/2006/relationships" xmlns:p="http://schemas.openxmlformats.org/presentationml/2006/main">
   <p:cSld>
     <p:bg>
@@ -9585,7 +13579,7 @@
                   <a:spcPts val="600"/>
                 </a:spcAft>
               </a:pPr>
-              <a:t>11</a:t>
+              <a:t>14</a:t>
             </a:fld>
             <a:endParaRPr lang="el-GR">
               <a:solidFill>
@@ -9767,7 +13761,7 @@
 </p:sld>
 </file>
 
-<file path=ppt/slides/slide12.xml><?xml version="1.0" encoding="utf-8"?>
+<file path=ppt/slides/slide15.xml><?xml version="1.0" encoding="utf-8"?>
 <p:sld xmlns:a="http://schemas.openxmlformats.org/drawingml/2006/main" xmlns:r="http://schemas.openxmlformats.org/officeDocument/2006/relationships" xmlns:p="http://schemas.openxmlformats.org/presentationml/2006/main">
   <p:cSld>
     <p:bg>
@@ -10022,7 +14016,7 @@
                   <a:spcPts val="600"/>
                 </a:spcAft>
               </a:pPr>
-              <a:t>12</a:t>
+              <a:t>15</a:t>
             </a:fld>
             <a:endParaRPr lang="en-US">
               <a:solidFill>
@@ -10047,7 +14041,7 @@
 </p:sld>
 </file>
 
-<file path=ppt/slides/slide13.xml><?xml version="1.0" encoding="utf-8"?>
+<file path=ppt/slides/slide16.xml><?xml version="1.0" encoding="utf-8"?>
 <p:sld xmlns:a="http://schemas.openxmlformats.org/drawingml/2006/main" xmlns:r="http://schemas.openxmlformats.org/officeDocument/2006/relationships" xmlns:p="http://schemas.openxmlformats.org/presentationml/2006/main">
   <p:cSld>
     <p:bg>
@@ -10441,7 +14435,7 @@
 </p:sld>
 </file>
 
-<file path=ppt/slides/slide14.xml><?xml version="1.0" encoding="utf-8"?>
+<file path=ppt/slides/slide17.xml><?xml version="1.0" encoding="utf-8"?>
 <p:sld xmlns:a="http://schemas.openxmlformats.org/drawingml/2006/main" xmlns:r="http://schemas.openxmlformats.org/officeDocument/2006/relationships" xmlns:p="http://schemas.openxmlformats.org/presentationml/2006/main">
   <p:cSld>
     <p:bg>
@@ -10823,7 +14817,7 @@
 </p:sld>
 </file>
 
-<file path=ppt/slides/slide15.xml><?xml version="1.0" encoding="utf-8"?>
+<file path=ppt/slides/slide18.xml><?xml version="1.0" encoding="utf-8"?>
 <p:sld xmlns:a="http://schemas.openxmlformats.org/drawingml/2006/main" xmlns:r="http://schemas.openxmlformats.org/officeDocument/2006/relationships" xmlns:p="http://schemas.openxmlformats.org/presentationml/2006/main">
   <p:cSld>
     <p:bg>
@@ -12770,7 +16764,7 @@
 </p:sld>
 </file>
 
-<file path=ppt/slides/slide16.xml><?xml version="1.0" encoding="utf-8"?>
+<file path=ppt/slides/slide19.xml><?xml version="1.0" encoding="utf-8"?>
 <p:sld xmlns:a="http://schemas.openxmlformats.org/drawingml/2006/main" xmlns:r="http://schemas.openxmlformats.org/officeDocument/2006/relationships" xmlns:p="http://schemas.openxmlformats.org/presentationml/2006/main">
   <p:cSld>
     <p:spTree>
@@ -12789,7 +16783,13 @@
       </p:grpSpPr>
       <p:sp>
         <p:nvSpPr>
-          <p:cNvPr id="2" name="Τίτλος 1"/>
+          <p:cNvPr id="2" name="Τίτλος 1">
+            <a:extLst>
+              <a:ext uri="{FF2B5EF4-FFF2-40B4-BE49-F238E27FC236}">
+                <a16:creationId xmlns:a16="http://schemas.microsoft.com/office/drawing/2014/main" id="{9E6A387E-7BF2-4A78-913E-E5D9A861C193}"/>
+              </a:ext>
+            </a:extLst>
+          </p:cNvPr>
           <p:cNvSpPr>
             <a:spLocks noGrp="1"/>
           </p:cNvSpPr>
@@ -12803,725 +16803,48 @@
           <a:lstStyle/>
           <a:p>
             <a:r>
-              <a:rPr lang="el-GR" dirty="0"/>
-              <a:t>Απόδοση του </a:t>
-            </a:r>
-            <a:r>
               <a:rPr lang="en-US" dirty="0"/>
-              <a:t>Apache Spark (</a:t>
-            </a:r>
-            <a:r>
-              <a:rPr lang="en-US" dirty="0" err="1"/>
-              <a:t>GraySortMetric</a:t>
-            </a:r>
-            <a:r>
-              <a:rPr lang="en-US" dirty="0"/>
-              <a:t>, </a:t>
-            </a:r>
-            <a:r>
-              <a:rPr lang="en-US" dirty="0" err="1"/>
-              <a:t>CloudSortMetric</a:t>
-            </a:r>
-            <a:r>
-              <a:rPr lang="en-US" dirty="0"/>
-              <a:t>)</a:t>
+              <a:t>Spark’s APIs</a:t>
             </a:r>
             <a:endParaRPr lang="el-GR" dirty="0"/>
           </a:p>
         </p:txBody>
       </p:sp>
-      <p:pic>
-        <p:nvPicPr>
-          <p:cNvPr id="5" name="Θέση περιεχομένου 4"/>
-          <p:cNvPicPr>
-            <a:picLocks noGrp="1" noChangeAspect="1"/>
-          </p:cNvPicPr>
+      <p:graphicFrame>
+        <p:nvGraphicFramePr>
+          <p:cNvPr id="4" name="Θέση περιεχομένου 3">
+            <a:extLst>
+              <a:ext uri="{FF2B5EF4-FFF2-40B4-BE49-F238E27FC236}">
+                <a16:creationId xmlns:a16="http://schemas.microsoft.com/office/drawing/2014/main" id="{E08E23AC-5111-47D1-87DD-8DCCB0ECF829}"/>
+              </a:ext>
+            </a:extLst>
+          </p:cNvPr>
+          <p:cNvGraphicFramePr>
+            <a:graphicFrameLocks noGrp="1"/>
+          </p:cNvGraphicFramePr>
           <p:nvPr>
-            <p:ph sz="half" idx="1"/>
+            <p:ph idx="1"/>
+            <p:extLst>
+              <p:ext uri="{D42A27DB-BD31-4B8C-83A1-F6EECF244321}">
+                <p14:modId xmlns:p14="http://schemas.microsoft.com/office/powerpoint/2010/main" val="2043942394"/>
+              </p:ext>
+            </p:extLst>
           </p:nvPr>
-        </p:nvPicPr>
-        <p:blipFill>
-          <a:blip r:embed="rId3"/>
-          <a:stretch>
-            <a:fillRect/>
-          </a:stretch>
-        </p:blipFill>
-        <p:spPr>
-          <a:xfrm>
-            <a:off x="1725569" y="1690688"/>
-            <a:ext cx="3406861" cy="4351338"/>
-          </a:xfrm>
-          <a:prstGeom prst="rect">
-            <a:avLst/>
-          </a:prstGeom>
-        </p:spPr>
-      </p:pic>
-      <p:pic>
-        <p:nvPicPr>
-          <p:cNvPr id="7" name="Θέση περιεχομένου 6"/>
-          <p:cNvPicPr>
-            <a:picLocks noGrp="1" noChangeAspect="1"/>
-          </p:cNvPicPr>
-          <p:nvPr>
-            <p:ph sz="half" idx="2"/>
-          </p:nvPr>
-        </p:nvPicPr>
-        <p:blipFill>
-          <a:blip r:embed="rId4"/>
-          <a:stretch>
-            <a:fillRect/>
-          </a:stretch>
-        </p:blipFill>
-        <p:spPr>
-          <a:xfrm>
-            <a:off x="6172200" y="2397899"/>
-            <a:ext cx="5181600" cy="2558240"/>
-          </a:xfrm>
-          <a:prstGeom prst="rect">
-            <a:avLst/>
-          </a:prstGeom>
-        </p:spPr>
-      </p:pic>
-      <p:sp>
-        <p:nvSpPr>
-          <p:cNvPr id="6" name="Ορθογώνιο 5"/>
-          <p:cNvSpPr/>
-          <p:nvPr/>
-        </p:nvSpPr>
-        <p:spPr>
-          <a:xfrm>
-            <a:off x="380999" y="6181095"/>
-            <a:ext cx="6096000" cy="261610"/>
-          </a:xfrm>
-          <a:prstGeom prst="rect">
-            <a:avLst/>
-          </a:prstGeom>
-        </p:spPr>
-        <p:txBody>
-          <a:bodyPr>
-            <a:spAutoFit/>
-          </a:bodyPr>
-          <a:lstStyle/>
-          <a:p>
-            <a:r>
-              <a:rPr lang="el-GR" sz="1100" dirty="0">
-                <a:hlinkClick r:id="rId5"/>
-              </a:rPr>
-              <a:t>https://databricks.com/blog/2014/11/05/spark-officially-sets-a-new-record-in-large-scale-sorting.html</a:t>
-            </a:r>
-            <a:r>
-              <a:rPr lang="en-US" sz="1100" dirty="0"/>
-              <a:t> </a:t>
-            </a:r>
-            <a:endParaRPr lang="el-GR" sz="1100" dirty="0"/>
-          </a:p>
-        </p:txBody>
-      </p:sp>
-      <p:sp>
-        <p:nvSpPr>
-          <p:cNvPr id="8" name="Ορθογώνιο 7"/>
-          <p:cNvSpPr/>
-          <p:nvPr/>
-        </p:nvSpPr>
-        <p:spPr>
-          <a:xfrm>
-            <a:off x="5969296" y="5330543"/>
-            <a:ext cx="5587408" cy="276999"/>
-          </a:xfrm>
-          <a:prstGeom prst="rect">
-            <a:avLst/>
-          </a:prstGeom>
-        </p:spPr>
-        <p:txBody>
-          <a:bodyPr wrap="square">
-            <a:spAutoFit/>
-          </a:bodyPr>
-          <a:lstStyle/>
-          <a:p>
-            <a:pPr algn="ctr"/>
-            <a:r>
-              <a:rPr lang="el-GR" sz="1200" dirty="0">
-                <a:hlinkClick r:id="rId6"/>
-              </a:rPr>
-              <a:t>https://databricks.com/blog/2016/11/14/setting-new-world-record-apache-spark.html</a:t>
-            </a:r>
-            <a:r>
-              <a:rPr lang="en-US" sz="1200" dirty="0"/>
-              <a:t> </a:t>
-            </a:r>
-            <a:endParaRPr lang="el-GR" sz="1200" dirty="0"/>
-          </a:p>
-        </p:txBody>
-      </p:sp>
-      <p:sp>
-        <p:nvSpPr>
-          <p:cNvPr id="9" name="TextBox 8"/>
-          <p:cNvSpPr txBox="1"/>
-          <p:nvPr/>
-        </p:nvSpPr>
-        <p:spPr>
-          <a:xfrm>
-            <a:off x="1725569" y="1829757"/>
-            <a:ext cx="1180214" cy="276999"/>
-          </a:xfrm>
-          <a:prstGeom prst="rect">
-            <a:avLst/>
-          </a:prstGeom>
-          <a:noFill/>
-        </p:spPr>
-        <p:txBody>
-          <a:bodyPr wrap="square" rtlCol="0">
-            <a:spAutoFit/>
-          </a:bodyPr>
-          <a:lstStyle/>
-          <a:p>
-            <a:r>
-              <a:rPr lang="en-US" sz="1200" dirty="0" err="1">
-                <a:solidFill>
-                  <a:schemeClr val="bg1">
-                    <a:lumMod val="50000"/>
-                  </a:schemeClr>
-                </a:solidFill>
-              </a:rPr>
-              <a:t>GraySort</a:t>
-            </a:r>
-            <a:r>
-              <a:rPr lang="en-US" sz="1200" dirty="0">
-                <a:solidFill>
-                  <a:schemeClr val="bg1">
-                    <a:lumMod val="50000"/>
-                  </a:schemeClr>
-                </a:solidFill>
-              </a:rPr>
-              <a:t> 2014</a:t>
-            </a:r>
-            <a:endParaRPr lang="el-GR" sz="1200" dirty="0">
-              <a:solidFill>
-                <a:schemeClr val="bg1">
-                  <a:lumMod val="50000"/>
-                </a:schemeClr>
-              </a:solidFill>
-            </a:endParaRPr>
-          </a:p>
-        </p:txBody>
-      </p:sp>
-      <p:sp>
-        <p:nvSpPr>
-          <p:cNvPr id="10" name="Θέση αριθμού διαφάνειας 9"/>
-          <p:cNvSpPr>
-            <a:spLocks noGrp="1"/>
-          </p:cNvSpPr>
-          <p:nvPr>
-            <p:ph type="sldNum" sz="quarter" idx="12"/>
-          </p:nvPr>
-        </p:nvSpPr>
-        <p:spPr/>
-        <p:txBody>
-          <a:bodyPr/>
-          <a:lstStyle/>
-          <a:p>
-            <a:fld id="{634CA47B-BB17-47C7-9E60-64B1219A2C73}" type="slidenum">
-              <a:rPr lang="el-GR" smtClean="0"/>
-              <a:t>16</a:t>
-            </a:fld>
-            <a:endParaRPr lang="el-GR"/>
-          </a:p>
-        </p:txBody>
-      </p:sp>
+        </p:nvGraphicFramePr>
+        <p:xfrm>
+          <a:off x="838200" y="1825625"/>
+          <a:ext cx="10515600" cy="4351338"/>
+        </p:xfrm>
+        <a:graphic>
+          <a:graphicData uri="http://schemas.openxmlformats.org/drawingml/2006/diagram">
+            <dgm:relIds xmlns:dgm="http://schemas.openxmlformats.org/drawingml/2006/diagram" xmlns:r="http://schemas.openxmlformats.org/officeDocument/2006/relationships" r:dm="rId2" r:lo="rId3" r:qs="rId4" r:cs="rId5"/>
+          </a:graphicData>
+        </a:graphic>
+      </p:graphicFrame>
     </p:spTree>
     <p:extLst>
       <p:ext uri="{BB962C8B-B14F-4D97-AF65-F5344CB8AC3E}">
-        <p14:creationId xmlns:p14="http://schemas.microsoft.com/office/powerpoint/2010/main" val="3063638878"/>
-      </p:ext>
-    </p:extLst>
-  </p:cSld>
-  <p:clrMapOvr>
-    <a:masterClrMapping/>
-  </p:clrMapOvr>
-</p:sld>
-</file>
-
-<file path=ppt/slides/slide17.xml><?xml version="1.0" encoding="utf-8"?>
-<p:sld xmlns:a="http://schemas.openxmlformats.org/drawingml/2006/main" xmlns:r="http://schemas.openxmlformats.org/officeDocument/2006/relationships" xmlns:p="http://schemas.openxmlformats.org/presentationml/2006/main">
-  <p:cSld>
-    <p:spTree>
-      <p:nvGrpSpPr>
-        <p:cNvPr id="1" name=""/>
-        <p:cNvGrpSpPr/>
-        <p:nvPr/>
-      </p:nvGrpSpPr>
-      <p:grpSpPr>
-        <a:xfrm>
-          <a:off x="0" y="0"/>
-          <a:ext cx="0" cy="0"/>
-          <a:chOff x="0" y="0"/>
-          <a:chExt cx="0" cy="0"/>
-        </a:xfrm>
-      </p:grpSpPr>
-      <p:sp>
-        <p:nvSpPr>
-          <p:cNvPr id="2" name="Τίτλος 1"/>
-          <p:cNvSpPr>
-            <a:spLocks noGrp="1"/>
-          </p:cNvSpPr>
-          <p:nvPr>
-            <p:ph type="title"/>
-          </p:nvPr>
-        </p:nvSpPr>
-        <p:spPr/>
-        <p:txBody>
-          <a:bodyPr/>
-          <a:lstStyle/>
-          <a:p>
-            <a:r>
-              <a:rPr lang="en-US" dirty="0"/>
-              <a:t>Demo: </a:t>
-            </a:r>
-            <a:r>
-              <a:rPr lang="el-GR" dirty="0"/>
-              <a:t>παράδειγμα επεξεργασίας με το </a:t>
-            </a:r>
-            <a:r>
-              <a:rPr lang="en-US" dirty="0"/>
-              <a:t>Apache Spark</a:t>
-            </a:r>
-            <a:endParaRPr lang="el-GR" dirty="0"/>
-          </a:p>
-        </p:txBody>
-      </p:sp>
-      <p:sp>
-        <p:nvSpPr>
-          <p:cNvPr id="3" name="Θέση περιεχομένου 2"/>
-          <p:cNvSpPr>
-            <a:spLocks noGrp="1"/>
-          </p:cNvSpPr>
-          <p:nvPr>
-            <p:ph sz="half" idx="1"/>
-          </p:nvPr>
-        </p:nvSpPr>
-        <p:spPr/>
-        <p:txBody>
-          <a:bodyPr/>
-          <a:lstStyle/>
-          <a:p>
-            <a:r>
-              <a:rPr lang="el-GR" dirty="0"/>
-              <a:t>Υπολογισμός πλήθους μοναδικών επισκεπτών ιστοσελίδας </a:t>
-            </a:r>
-          </a:p>
-          <a:p>
-            <a:r>
-              <a:rPr lang="el-GR" dirty="0"/>
-              <a:t>Εύρεση </a:t>
-            </a:r>
-            <a:r>
-              <a:rPr lang="en-US" dirty="0"/>
-              <a:t>IP </a:t>
-            </a:r>
-            <a:r>
-              <a:rPr lang="el-GR" dirty="0"/>
-              <a:t>διευθύνσεων από τις οποίες συνδέθηκε ο κάθε μοναδικός χρήστης</a:t>
-            </a:r>
-          </a:p>
-          <a:p>
-            <a:r>
-              <a:rPr lang="el-GR" dirty="0"/>
-              <a:t>Χρήση αρχείων καταγραφής - </a:t>
-            </a:r>
-            <a:r>
-              <a:rPr lang="en-US" dirty="0"/>
-              <a:t>weblogs</a:t>
-            </a:r>
-            <a:r>
-              <a:rPr lang="el-GR" dirty="0"/>
-              <a:t> (82.9ΜΒ)</a:t>
-            </a:r>
-            <a:endParaRPr lang="en-US" dirty="0"/>
-          </a:p>
-          <a:p>
-            <a:endParaRPr lang="en-US" dirty="0"/>
-          </a:p>
-          <a:p>
-            <a:endParaRPr lang="el-GR" dirty="0"/>
-          </a:p>
-        </p:txBody>
-      </p:sp>
-      <p:sp>
-        <p:nvSpPr>
-          <p:cNvPr id="5" name="TextBox 4"/>
-          <p:cNvSpPr txBox="1"/>
-          <p:nvPr/>
-        </p:nvSpPr>
-        <p:spPr>
-          <a:xfrm>
-            <a:off x="6631172" y="3087804"/>
-            <a:ext cx="5092995" cy="923330"/>
-          </a:xfrm>
-          <a:prstGeom prst="rect">
-            <a:avLst/>
-          </a:prstGeom>
-        </p:spPr>
-        <p:style>
-          <a:lnRef idx="2">
-            <a:schemeClr val="accent6">
-              <a:shade val="50000"/>
-            </a:schemeClr>
-          </a:lnRef>
-          <a:fillRef idx="1">
-            <a:schemeClr val="accent6"/>
-          </a:fillRef>
-          <a:effectRef idx="0">
-            <a:schemeClr val="accent6"/>
-          </a:effectRef>
-          <a:fontRef idx="minor">
-            <a:schemeClr val="lt1"/>
-          </a:fontRef>
-        </p:style>
-        <p:txBody>
-          <a:bodyPr wrap="square" rtlCol="0">
-            <a:spAutoFit/>
-          </a:bodyPr>
-          <a:lstStyle/>
-          <a:p>
-            <a:r>
-              <a:rPr lang="en-US" dirty="0"/>
-              <a:t>Java magazine May/June 2016</a:t>
-            </a:r>
-          </a:p>
-          <a:p>
-            <a:r>
-              <a:rPr lang="en-US" dirty="0"/>
-              <a:t>Apache Spark 101: Getting up to speed on the popular big data engine</a:t>
-            </a:r>
-            <a:endParaRPr lang="el-GR" dirty="0"/>
-          </a:p>
-        </p:txBody>
-      </p:sp>
-      <p:sp>
-        <p:nvSpPr>
-          <p:cNvPr id="6" name="Ορθογώνιο 5"/>
-          <p:cNvSpPr/>
-          <p:nvPr/>
-        </p:nvSpPr>
-        <p:spPr>
-          <a:xfrm>
-            <a:off x="6826101" y="4084656"/>
-            <a:ext cx="4527699" cy="307777"/>
-          </a:xfrm>
-          <a:prstGeom prst="rect">
-            <a:avLst/>
-          </a:prstGeom>
-        </p:spPr>
-        <p:txBody>
-          <a:bodyPr wrap="square">
-            <a:spAutoFit/>
-          </a:bodyPr>
-          <a:lstStyle/>
-          <a:p>
-            <a:pPr algn="ctr"/>
-            <a:r>
-              <a:rPr lang="el-GR" sz="1400" dirty="0">
-                <a:hlinkClick r:id="rId3"/>
-              </a:rPr>
-              <a:t>http://www.oracle.com/technetwork/java/javamagazine</a:t>
-            </a:r>
-            <a:r>
-              <a:rPr lang="en-US" sz="1400" dirty="0"/>
-              <a:t> </a:t>
-            </a:r>
-            <a:endParaRPr lang="el-GR" sz="1400" dirty="0"/>
-          </a:p>
-        </p:txBody>
-      </p:sp>
-      <p:pic>
-        <p:nvPicPr>
-          <p:cNvPr id="7" name="Εικόνα 6"/>
-          <p:cNvPicPr>
-            <a:picLocks noChangeAspect="1"/>
-          </p:cNvPicPr>
-          <p:nvPr/>
-        </p:nvPicPr>
-        <p:blipFill>
-          <a:blip r:embed="rId4"/>
-          <a:stretch>
-            <a:fillRect/>
-          </a:stretch>
-        </p:blipFill>
-        <p:spPr>
-          <a:xfrm>
-            <a:off x="6192800" y="4993094"/>
-            <a:ext cx="4591050" cy="933450"/>
-          </a:xfrm>
-          <a:prstGeom prst="rect">
-            <a:avLst/>
-          </a:prstGeom>
-        </p:spPr>
-      </p:pic>
-      <p:sp>
-        <p:nvSpPr>
-          <p:cNvPr id="8" name="Οβάλ 7"/>
-          <p:cNvSpPr/>
-          <p:nvPr/>
-        </p:nvSpPr>
-        <p:spPr>
-          <a:xfrm>
-            <a:off x="6096000" y="4993093"/>
-            <a:ext cx="1070344" cy="259391"/>
-          </a:xfrm>
-          <a:prstGeom prst="ellipse">
-            <a:avLst/>
-          </a:prstGeom>
-          <a:noFill/>
-          <a:ln w="28575">
-            <a:solidFill>
-              <a:srgbClr val="FF0000"/>
-            </a:solidFill>
-            <a:prstDash val="sysDash"/>
-          </a:ln>
-        </p:spPr>
-        <p:style>
-          <a:lnRef idx="2">
-            <a:schemeClr val="accent1">
-              <a:shade val="50000"/>
-            </a:schemeClr>
-          </a:lnRef>
-          <a:fillRef idx="1">
-            <a:schemeClr val="accent1"/>
-          </a:fillRef>
-          <a:effectRef idx="0">
-            <a:schemeClr val="accent1"/>
-          </a:effectRef>
-          <a:fontRef idx="minor">
-            <a:schemeClr val="lt1"/>
-          </a:fontRef>
-        </p:style>
-        <p:txBody>
-          <a:bodyPr rtlCol="0" anchor="ctr"/>
-          <a:lstStyle/>
-          <a:p>
-            <a:pPr algn="ctr"/>
-            <a:endParaRPr lang="el-GR"/>
-          </a:p>
-        </p:txBody>
-      </p:sp>
-      <p:sp>
-        <p:nvSpPr>
-          <p:cNvPr id="9" name="Οβάλ 8"/>
-          <p:cNvSpPr/>
-          <p:nvPr/>
-        </p:nvSpPr>
-        <p:spPr>
-          <a:xfrm>
-            <a:off x="7339344" y="4993092"/>
-            <a:ext cx="592544" cy="259391"/>
-          </a:xfrm>
-          <a:prstGeom prst="ellipse">
-            <a:avLst/>
-          </a:prstGeom>
-          <a:noFill/>
-          <a:ln w="28575">
-            <a:solidFill>
-              <a:srgbClr val="FF0000"/>
-            </a:solidFill>
-            <a:prstDash val="sysDash"/>
-          </a:ln>
-        </p:spPr>
-        <p:style>
-          <a:lnRef idx="2">
-            <a:schemeClr val="accent1">
-              <a:shade val="50000"/>
-            </a:schemeClr>
-          </a:lnRef>
-          <a:fillRef idx="1">
-            <a:schemeClr val="accent1"/>
-          </a:fillRef>
-          <a:effectRef idx="0">
-            <a:schemeClr val="accent1"/>
-          </a:effectRef>
-          <a:fontRef idx="minor">
-            <a:schemeClr val="lt1"/>
-          </a:fontRef>
-        </p:style>
-        <p:txBody>
-          <a:bodyPr rtlCol="0" anchor="ctr"/>
-          <a:lstStyle/>
-          <a:p>
-            <a:pPr algn="ctr"/>
-            <a:endParaRPr lang="el-GR"/>
-          </a:p>
-        </p:txBody>
-      </p:sp>
-      <p:sp>
-        <p:nvSpPr>
-          <p:cNvPr id="10" name="TextBox 9"/>
-          <p:cNvSpPr txBox="1"/>
-          <p:nvPr/>
-        </p:nvSpPr>
-        <p:spPr>
-          <a:xfrm>
-            <a:off x="4040372" y="5730949"/>
-            <a:ext cx="1437060" cy="369332"/>
-          </a:xfrm>
-          <a:prstGeom prst="rect">
-            <a:avLst/>
-          </a:prstGeom>
-          <a:noFill/>
-        </p:spPr>
-        <p:txBody>
-          <a:bodyPr wrap="none" rtlCol="0">
-            <a:spAutoFit/>
-          </a:bodyPr>
-          <a:lstStyle/>
-          <a:p>
-            <a:r>
-              <a:rPr lang="en-US" dirty="0"/>
-              <a:t>IP </a:t>
-            </a:r>
-            <a:r>
-              <a:rPr lang="el-GR" dirty="0"/>
-              <a:t>Διεύθυνση</a:t>
-            </a:r>
-          </a:p>
-        </p:txBody>
-      </p:sp>
-      <p:sp>
-        <p:nvSpPr>
-          <p:cNvPr id="11" name="TextBox 10"/>
-          <p:cNvSpPr txBox="1"/>
-          <p:nvPr/>
-        </p:nvSpPr>
-        <p:spPr>
-          <a:xfrm>
-            <a:off x="8211879" y="4427486"/>
-            <a:ext cx="1095364" cy="369332"/>
-          </a:xfrm>
-          <a:prstGeom prst="rect">
-            <a:avLst/>
-          </a:prstGeom>
-          <a:noFill/>
-        </p:spPr>
-        <p:txBody>
-          <a:bodyPr wrap="none" rtlCol="0">
-            <a:spAutoFit/>
-          </a:bodyPr>
-          <a:lstStyle/>
-          <a:p>
-            <a:r>
-              <a:rPr lang="en-US" dirty="0"/>
-              <a:t>id </a:t>
-            </a:r>
-            <a:r>
-              <a:rPr lang="el-GR" dirty="0"/>
-              <a:t>πελάτη</a:t>
-            </a:r>
-          </a:p>
-        </p:txBody>
-      </p:sp>
-      <p:cxnSp>
-        <p:nvCxnSpPr>
-          <p:cNvPr id="13" name="Ευθύγραμμο βέλος σύνδεσης 12"/>
-          <p:cNvCxnSpPr>
-            <a:stCxn id="10" idx="0"/>
-            <a:endCxn id="8" idx="2"/>
-          </p:cNvCxnSpPr>
-          <p:nvPr/>
-        </p:nvCxnSpPr>
-        <p:spPr>
-          <a:xfrm flipV="1">
-            <a:off x="4758902" y="5122789"/>
-            <a:ext cx="1337098" cy="608160"/>
-          </a:xfrm>
-          <a:prstGeom prst="straightConnector1">
-            <a:avLst/>
-          </a:prstGeom>
-          <a:ln w="28575">
-            <a:solidFill>
-              <a:schemeClr val="tx1"/>
-            </a:solidFill>
-            <a:tailEnd type="triangle"/>
-          </a:ln>
-        </p:spPr>
-        <p:style>
-          <a:lnRef idx="1">
-            <a:schemeClr val="accent1"/>
-          </a:lnRef>
-          <a:fillRef idx="0">
-            <a:schemeClr val="accent1"/>
-          </a:fillRef>
-          <a:effectRef idx="0">
-            <a:schemeClr val="accent1"/>
-          </a:effectRef>
-          <a:fontRef idx="minor">
-            <a:schemeClr val="tx1"/>
-          </a:fontRef>
-        </p:style>
-      </p:cxnSp>
-      <p:cxnSp>
-        <p:nvCxnSpPr>
-          <p:cNvPr id="14" name="Ευθύγραμμο βέλος σύνδεσης 13"/>
-          <p:cNvCxnSpPr>
-            <a:stCxn id="11" idx="1"/>
-            <a:endCxn id="9" idx="0"/>
-          </p:cNvCxnSpPr>
-          <p:nvPr/>
-        </p:nvCxnSpPr>
-        <p:spPr>
-          <a:xfrm flipH="1">
-            <a:off x="7635616" y="4612152"/>
-            <a:ext cx="576263" cy="380940"/>
-          </a:xfrm>
-          <a:prstGeom prst="straightConnector1">
-            <a:avLst/>
-          </a:prstGeom>
-          <a:ln w="28575">
-            <a:solidFill>
-              <a:schemeClr val="tx1"/>
-            </a:solidFill>
-            <a:tailEnd type="triangle"/>
-          </a:ln>
-        </p:spPr>
-        <p:style>
-          <a:lnRef idx="1">
-            <a:schemeClr val="accent1"/>
-          </a:lnRef>
-          <a:fillRef idx="0">
-            <a:schemeClr val="accent1"/>
-          </a:fillRef>
-          <a:effectRef idx="0">
-            <a:schemeClr val="accent1"/>
-          </a:effectRef>
-          <a:fontRef idx="minor">
-            <a:schemeClr val="tx1"/>
-          </a:fontRef>
-        </p:style>
-      </p:cxnSp>
-      <p:sp>
-        <p:nvSpPr>
-          <p:cNvPr id="4" name="Θέση αριθμού διαφάνειας 3"/>
-          <p:cNvSpPr>
-            <a:spLocks noGrp="1"/>
-          </p:cNvSpPr>
-          <p:nvPr>
-            <p:ph type="sldNum" sz="quarter" idx="12"/>
-          </p:nvPr>
-        </p:nvSpPr>
-        <p:spPr/>
-        <p:txBody>
-          <a:bodyPr/>
-          <a:lstStyle/>
-          <a:p>
-            <a:fld id="{634CA47B-BB17-47C7-9E60-64B1219A2C73}" type="slidenum">
-              <a:rPr lang="el-GR" smtClean="0"/>
-              <a:t>17</a:t>
-            </a:fld>
-            <a:endParaRPr lang="el-GR"/>
-          </a:p>
-        </p:txBody>
-      </p:sp>
-    </p:spTree>
-    <p:extLst>
-      <p:ext uri="{BB962C8B-B14F-4D97-AF65-F5344CB8AC3E}">
-        <p14:creationId xmlns:p14="http://schemas.microsoft.com/office/powerpoint/2010/main" val="1889286271"/>
+        <p14:creationId xmlns:p14="http://schemas.microsoft.com/office/powerpoint/2010/main" val="844239524"/>
       </p:ext>
     </p:extLst>
   </p:cSld>
@@ -13709,7 +17032,7 @@
           <a:lstStyle/>
           <a:p>
             <a:r>
-              <a:rPr lang="el-GR" sz="4000">
+              <a:rPr lang="el-GR" sz="4000" dirty="0">
                 <a:solidFill>
                   <a:srgbClr val="FFFFFF"/>
                 </a:solidFill>
@@ -13717,7 +17040,7 @@
               <a:t>Τι είναι το </a:t>
             </a:r>
             <a:r>
-              <a:rPr lang="en-US" sz="4000">
+              <a:rPr lang="en-US" sz="4000" dirty="0">
                 <a:solidFill>
                   <a:srgbClr val="FFFFFF"/>
                 </a:solidFill>
@@ -13725,7 +17048,7 @@
               <a:t>Apache Spark</a:t>
             </a:r>
             <a:r>
-              <a:rPr lang="el-GR" sz="4000">
+              <a:rPr lang="el-GR" sz="4000" dirty="0">
                 <a:solidFill>
                   <a:srgbClr val="FFFFFF"/>
                 </a:solidFill>
@@ -13799,7 +17122,7 @@
             <p:ph idx="1"/>
             <p:extLst>
               <p:ext uri="{D42A27DB-BD31-4B8C-83A1-F6EECF244321}">
-                <p14:modId xmlns:p14="http://schemas.microsoft.com/office/powerpoint/2010/main" val="1531401554"/>
+                <p14:modId xmlns:p14="http://schemas.microsoft.com/office/powerpoint/2010/main" val="3995096896"/>
               </p:ext>
             </p:extLst>
           </p:nvPr>
@@ -13827,7 +17150,1827 @@
 </p:sld>
 </file>
 
+<file path=ppt/slides/slide20.xml><?xml version="1.0" encoding="utf-8"?>
+<p:sld xmlns:a="http://schemas.openxmlformats.org/drawingml/2006/main" xmlns:r="http://schemas.openxmlformats.org/officeDocument/2006/relationships" xmlns:p="http://schemas.openxmlformats.org/presentationml/2006/main">
+  <p:cSld>
+    <p:spTree>
+      <p:nvGrpSpPr>
+        <p:cNvPr id="1" name=""/>
+        <p:cNvGrpSpPr/>
+        <p:nvPr/>
+      </p:nvGrpSpPr>
+      <p:grpSpPr>
+        <a:xfrm>
+          <a:off x="0" y="0"/>
+          <a:ext cx="0" cy="0"/>
+          <a:chOff x="0" y="0"/>
+          <a:chExt cx="0" cy="0"/>
+        </a:xfrm>
+      </p:grpSpPr>
+      <p:sp>
+        <p:nvSpPr>
+          <p:cNvPr id="2" name="Τίτλος 1">
+            <a:extLst>
+              <a:ext uri="{FF2B5EF4-FFF2-40B4-BE49-F238E27FC236}">
+                <a16:creationId xmlns:a16="http://schemas.microsoft.com/office/drawing/2014/main" id="{5F7B8475-E872-41E8-82BA-7D326A776CEA}"/>
+              </a:ext>
+            </a:extLst>
+          </p:cNvPr>
+          <p:cNvSpPr>
+            <a:spLocks noGrp="1"/>
+          </p:cNvSpPr>
+          <p:nvPr>
+            <p:ph type="title"/>
+          </p:nvPr>
+        </p:nvSpPr>
+        <p:spPr/>
+        <p:txBody>
+          <a:bodyPr/>
+          <a:lstStyle/>
+          <a:p>
+            <a:r>
+              <a:rPr lang="en-US" dirty="0"/>
+              <a:t>Spark 2.0 – Structured APIs</a:t>
+            </a:r>
+            <a:endParaRPr lang="el-GR" dirty="0"/>
+          </a:p>
+        </p:txBody>
+      </p:sp>
+      <p:sp>
+        <p:nvSpPr>
+          <p:cNvPr id="3" name="Θέση περιεχομένου 2">
+            <a:extLst>
+              <a:ext uri="{FF2B5EF4-FFF2-40B4-BE49-F238E27FC236}">
+                <a16:creationId xmlns:a16="http://schemas.microsoft.com/office/drawing/2014/main" id="{F74840B3-82D1-44E8-B185-0DF1D3430FD1}"/>
+              </a:ext>
+            </a:extLst>
+          </p:cNvPr>
+          <p:cNvSpPr>
+            <a:spLocks noGrp="1"/>
+          </p:cNvSpPr>
+          <p:nvPr>
+            <p:ph idx="1"/>
+          </p:nvPr>
+        </p:nvSpPr>
+        <p:spPr/>
+        <p:txBody>
+          <a:bodyPr/>
+          <a:lstStyle/>
+          <a:p>
+            <a:endParaRPr lang="el-GR"/>
+          </a:p>
+        </p:txBody>
+      </p:sp>
+    </p:spTree>
+    <p:extLst>
+      <p:ext uri="{BB962C8B-B14F-4D97-AF65-F5344CB8AC3E}">
+        <p14:creationId xmlns:p14="http://schemas.microsoft.com/office/powerpoint/2010/main" val="1860623151"/>
+      </p:ext>
+    </p:extLst>
+  </p:cSld>
+  <p:clrMapOvr>
+    <a:masterClrMapping/>
+  </p:clrMapOvr>
+</p:sld>
+</file>
+
+<file path=ppt/slides/slide21.xml><?xml version="1.0" encoding="utf-8"?>
+<p:sld xmlns:a="http://schemas.openxmlformats.org/drawingml/2006/main" xmlns:r="http://schemas.openxmlformats.org/officeDocument/2006/relationships" xmlns:p="http://schemas.openxmlformats.org/presentationml/2006/main">
+  <p:cSld>
+    <p:spTree>
+      <p:nvGrpSpPr>
+        <p:cNvPr id="1" name=""/>
+        <p:cNvGrpSpPr/>
+        <p:nvPr/>
+      </p:nvGrpSpPr>
+      <p:grpSpPr>
+        <a:xfrm>
+          <a:off x="0" y="0"/>
+          <a:ext cx="0" cy="0"/>
+          <a:chOff x="0" y="0"/>
+          <a:chExt cx="0" cy="0"/>
+        </a:xfrm>
+      </p:grpSpPr>
+      <p:sp>
+        <p:nvSpPr>
+          <p:cNvPr id="2" name="Τίτλος 1"/>
+          <p:cNvSpPr>
+            <a:spLocks noGrp="1"/>
+          </p:cNvSpPr>
+          <p:nvPr>
+            <p:ph type="title"/>
+          </p:nvPr>
+        </p:nvSpPr>
+        <p:spPr/>
+        <p:txBody>
+          <a:bodyPr/>
+          <a:lstStyle/>
+          <a:p>
+            <a:r>
+              <a:rPr lang="el-GR" dirty="0"/>
+              <a:t>Απόδοση του </a:t>
+            </a:r>
+            <a:r>
+              <a:rPr lang="en-US" dirty="0"/>
+              <a:t>Apache Spark (</a:t>
+            </a:r>
+            <a:r>
+              <a:rPr lang="en-US" dirty="0" err="1"/>
+              <a:t>GraySortMetric</a:t>
+            </a:r>
+            <a:r>
+              <a:rPr lang="en-US" dirty="0"/>
+              <a:t>, </a:t>
+            </a:r>
+            <a:r>
+              <a:rPr lang="en-US" dirty="0" err="1"/>
+              <a:t>CloudSortMetric</a:t>
+            </a:r>
+            <a:r>
+              <a:rPr lang="en-US" dirty="0"/>
+              <a:t>)</a:t>
+            </a:r>
+            <a:endParaRPr lang="el-GR" dirty="0"/>
+          </a:p>
+        </p:txBody>
+      </p:sp>
+      <p:pic>
+        <p:nvPicPr>
+          <p:cNvPr id="5" name="Θέση περιεχομένου 4"/>
+          <p:cNvPicPr>
+            <a:picLocks noGrp="1" noChangeAspect="1"/>
+          </p:cNvPicPr>
+          <p:nvPr>
+            <p:ph sz="half" idx="1"/>
+          </p:nvPr>
+        </p:nvPicPr>
+        <p:blipFill>
+          <a:blip r:embed="rId3"/>
+          <a:stretch>
+            <a:fillRect/>
+          </a:stretch>
+        </p:blipFill>
+        <p:spPr>
+          <a:xfrm>
+            <a:off x="1725569" y="1690688"/>
+            <a:ext cx="3406861" cy="4351338"/>
+          </a:xfrm>
+          <a:prstGeom prst="rect">
+            <a:avLst/>
+          </a:prstGeom>
+        </p:spPr>
+      </p:pic>
+      <p:pic>
+        <p:nvPicPr>
+          <p:cNvPr id="7" name="Θέση περιεχομένου 6"/>
+          <p:cNvPicPr>
+            <a:picLocks noGrp="1" noChangeAspect="1"/>
+          </p:cNvPicPr>
+          <p:nvPr>
+            <p:ph sz="half" idx="2"/>
+          </p:nvPr>
+        </p:nvPicPr>
+        <p:blipFill>
+          <a:blip r:embed="rId4"/>
+          <a:stretch>
+            <a:fillRect/>
+          </a:stretch>
+        </p:blipFill>
+        <p:spPr>
+          <a:xfrm>
+            <a:off x="6172200" y="2397899"/>
+            <a:ext cx="5181600" cy="2558240"/>
+          </a:xfrm>
+          <a:prstGeom prst="rect">
+            <a:avLst/>
+          </a:prstGeom>
+        </p:spPr>
+      </p:pic>
+      <p:sp>
+        <p:nvSpPr>
+          <p:cNvPr id="6" name="Ορθογώνιο 5"/>
+          <p:cNvSpPr/>
+          <p:nvPr/>
+        </p:nvSpPr>
+        <p:spPr>
+          <a:xfrm>
+            <a:off x="380999" y="6181095"/>
+            <a:ext cx="6096000" cy="261610"/>
+          </a:xfrm>
+          <a:prstGeom prst="rect">
+            <a:avLst/>
+          </a:prstGeom>
+        </p:spPr>
+        <p:txBody>
+          <a:bodyPr>
+            <a:spAutoFit/>
+          </a:bodyPr>
+          <a:lstStyle/>
+          <a:p>
+            <a:r>
+              <a:rPr lang="el-GR" sz="1100" dirty="0">
+                <a:hlinkClick r:id="rId5"/>
+              </a:rPr>
+              <a:t>https://databricks.com/blog/2014/11/05/spark-officially-sets-a-new-record-in-large-scale-sorting.html</a:t>
+            </a:r>
+            <a:r>
+              <a:rPr lang="en-US" sz="1100" dirty="0"/>
+              <a:t> </a:t>
+            </a:r>
+            <a:endParaRPr lang="el-GR" sz="1100" dirty="0"/>
+          </a:p>
+        </p:txBody>
+      </p:sp>
+      <p:sp>
+        <p:nvSpPr>
+          <p:cNvPr id="8" name="Ορθογώνιο 7"/>
+          <p:cNvSpPr/>
+          <p:nvPr/>
+        </p:nvSpPr>
+        <p:spPr>
+          <a:xfrm>
+            <a:off x="5969296" y="5330543"/>
+            <a:ext cx="5587408" cy="276999"/>
+          </a:xfrm>
+          <a:prstGeom prst="rect">
+            <a:avLst/>
+          </a:prstGeom>
+        </p:spPr>
+        <p:txBody>
+          <a:bodyPr wrap="square">
+            <a:spAutoFit/>
+          </a:bodyPr>
+          <a:lstStyle/>
+          <a:p>
+            <a:pPr algn="ctr"/>
+            <a:r>
+              <a:rPr lang="el-GR" sz="1200" dirty="0">
+                <a:hlinkClick r:id="rId6"/>
+              </a:rPr>
+              <a:t>https://databricks.com/blog/2016/11/14/setting-new-world-record-apache-spark.html</a:t>
+            </a:r>
+            <a:r>
+              <a:rPr lang="en-US" sz="1200" dirty="0"/>
+              <a:t> </a:t>
+            </a:r>
+            <a:endParaRPr lang="el-GR" sz="1200" dirty="0"/>
+          </a:p>
+        </p:txBody>
+      </p:sp>
+      <p:sp>
+        <p:nvSpPr>
+          <p:cNvPr id="9" name="TextBox 8"/>
+          <p:cNvSpPr txBox="1"/>
+          <p:nvPr/>
+        </p:nvSpPr>
+        <p:spPr>
+          <a:xfrm>
+            <a:off x="1725569" y="1829757"/>
+            <a:ext cx="1180214" cy="276999"/>
+          </a:xfrm>
+          <a:prstGeom prst="rect">
+            <a:avLst/>
+          </a:prstGeom>
+          <a:noFill/>
+        </p:spPr>
+        <p:txBody>
+          <a:bodyPr wrap="square" rtlCol="0">
+            <a:spAutoFit/>
+          </a:bodyPr>
+          <a:lstStyle/>
+          <a:p>
+            <a:r>
+              <a:rPr lang="en-US" sz="1200" dirty="0" err="1">
+                <a:solidFill>
+                  <a:schemeClr val="bg1">
+                    <a:lumMod val="50000"/>
+                  </a:schemeClr>
+                </a:solidFill>
+              </a:rPr>
+              <a:t>GraySort</a:t>
+            </a:r>
+            <a:r>
+              <a:rPr lang="en-US" sz="1200" dirty="0">
+                <a:solidFill>
+                  <a:schemeClr val="bg1">
+                    <a:lumMod val="50000"/>
+                  </a:schemeClr>
+                </a:solidFill>
+              </a:rPr>
+              <a:t> 2014</a:t>
+            </a:r>
+            <a:endParaRPr lang="el-GR" sz="1200" dirty="0">
+              <a:solidFill>
+                <a:schemeClr val="bg1">
+                  <a:lumMod val="50000"/>
+                </a:schemeClr>
+              </a:solidFill>
+            </a:endParaRPr>
+          </a:p>
+        </p:txBody>
+      </p:sp>
+      <p:sp>
+        <p:nvSpPr>
+          <p:cNvPr id="10" name="Θέση αριθμού διαφάνειας 9"/>
+          <p:cNvSpPr>
+            <a:spLocks noGrp="1"/>
+          </p:cNvSpPr>
+          <p:nvPr>
+            <p:ph type="sldNum" sz="quarter" idx="12"/>
+          </p:nvPr>
+        </p:nvSpPr>
+        <p:spPr/>
+        <p:txBody>
+          <a:bodyPr/>
+          <a:lstStyle/>
+          <a:p>
+            <a:fld id="{634CA47B-BB17-47C7-9E60-64B1219A2C73}" type="slidenum">
+              <a:rPr lang="el-GR" smtClean="0"/>
+              <a:t>21</a:t>
+            </a:fld>
+            <a:endParaRPr lang="el-GR"/>
+          </a:p>
+        </p:txBody>
+      </p:sp>
+    </p:spTree>
+    <p:extLst>
+      <p:ext uri="{BB962C8B-B14F-4D97-AF65-F5344CB8AC3E}">
+        <p14:creationId xmlns:p14="http://schemas.microsoft.com/office/powerpoint/2010/main" val="3063638878"/>
+      </p:ext>
+    </p:extLst>
+  </p:cSld>
+  <p:clrMapOvr>
+    <a:masterClrMapping/>
+  </p:clrMapOvr>
+</p:sld>
+</file>
+
+<file path=ppt/slides/slide22.xml><?xml version="1.0" encoding="utf-8"?>
+<p:sld xmlns:a="http://schemas.openxmlformats.org/drawingml/2006/main" xmlns:r="http://schemas.openxmlformats.org/officeDocument/2006/relationships" xmlns:p="http://schemas.openxmlformats.org/presentationml/2006/main">
+  <p:cSld>
+    <p:spTree>
+      <p:nvGrpSpPr>
+        <p:cNvPr id="1" name=""/>
+        <p:cNvGrpSpPr/>
+        <p:nvPr/>
+      </p:nvGrpSpPr>
+      <p:grpSpPr>
+        <a:xfrm>
+          <a:off x="0" y="0"/>
+          <a:ext cx="0" cy="0"/>
+          <a:chOff x="0" y="0"/>
+          <a:chExt cx="0" cy="0"/>
+        </a:xfrm>
+      </p:grpSpPr>
+      <p:sp>
+        <p:nvSpPr>
+          <p:cNvPr id="2" name="Τίτλος 1"/>
+          <p:cNvSpPr>
+            <a:spLocks noGrp="1"/>
+          </p:cNvSpPr>
+          <p:nvPr>
+            <p:ph type="title"/>
+          </p:nvPr>
+        </p:nvSpPr>
+        <p:spPr/>
+        <p:txBody>
+          <a:bodyPr/>
+          <a:lstStyle/>
+          <a:p>
+            <a:r>
+              <a:rPr lang="en-US" dirty="0"/>
+              <a:t>Demo: </a:t>
+            </a:r>
+            <a:r>
+              <a:rPr lang="el-GR" dirty="0"/>
+              <a:t>παράδειγμα επεξεργασίας με το </a:t>
+            </a:r>
+            <a:r>
+              <a:rPr lang="en-US" dirty="0"/>
+              <a:t>Apache Spark</a:t>
+            </a:r>
+            <a:endParaRPr lang="el-GR" dirty="0"/>
+          </a:p>
+        </p:txBody>
+      </p:sp>
+      <p:sp>
+        <p:nvSpPr>
+          <p:cNvPr id="3" name="Θέση περιεχομένου 2"/>
+          <p:cNvSpPr>
+            <a:spLocks noGrp="1"/>
+          </p:cNvSpPr>
+          <p:nvPr>
+            <p:ph sz="half" idx="1"/>
+          </p:nvPr>
+        </p:nvSpPr>
+        <p:spPr/>
+        <p:txBody>
+          <a:bodyPr/>
+          <a:lstStyle/>
+          <a:p>
+            <a:r>
+              <a:rPr lang="el-GR" dirty="0"/>
+              <a:t>Υπολογισμός πλήθους μοναδικών επισκεπτών ιστοσελίδας </a:t>
+            </a:r>
+          </a:p>
+          <a:p>
+            <a:r>
+              <a:rPr lang="el-GR" dirty="0"/>
+              <a:t>Εύρεση </a:t>
+            </a:r>
+            <a:r>
+              <a:rPr lang="en-US" dirty="0"/>
+              <a:t>IP </a:t>
+            </a:r>
+            <a:r>
+              <a:rPr lang="el-GR" dirty="0"/>
+              <a:t>διευθύνσεων από τις οποίες συνδέθηκε ο κάθε μοναδικός χρήστης</a:t>
+            </a:r>
+          </a:p>
+          <a:p>
+            <a:r>
+              <a:rPr lang="el-GR" dirty="0"/>
+              <a:t>Χρήση αρχείων καταγραφής - </a:t>
+            </a:r>
+            <a:r>
+              <a:rPr lang="en-US" dirty="0"/>
+              <a:t>weblogs</a:t>
+            </a:r>
+            <a:r>
+              <a:rPr lang="el-GR" dirty="0"/>
+              <a:t> (82.9ΜΒ)</a:t>
+            </a:r>
+            <a:endParaRPr lang="en-US" dirty="0"/>
+          </a:p>
+          <a:p>
+            <a:endParaRPr lang="en-US" dirty="0"/>
+          </a:p>
+          <a:p>
+            <a:endParaRPr lang="el-GR" dirty="0"/>
+          </a:p>
+        </p:txBody>
+      </p:sp>
+      <p:sp>
+        <p:nvSpPr>
+          <p:cNvPr id="5" name="TextBox 4"/>
+          <p:cNvSpPr txBox="1"/>
+          <p:nvPr/>
+        </p:nvSpPr>
+        <p:spPr>
+          <a:xfrm>
+            <a:off x="6631172" y="3087804"/>
+            <a:ext cx="5092995" cy="923330"/>
+          </a:xfrm>
+          <a:prstGeom prst="rect">
+            <a:avLst/>
+          </a:prstGeom>
+        </p:spPr>
+        <p:style>
+          <a:lnRef idx="2">
+            <a:schemeClr val="accent6">
+              <a:shade val="50000"/>
+            </a:schemeClr>
+          </a:lnRef>
+          <a:fillRef idx="1">
+            <a:schemeClr val="accent6"/>
+          </a:fillRef>
+          <a:effectRef idx="0">
+            <a:schemeClr val="accent6"/>
+          </a:effectRef>
+          <a:fontRef idx="minor">
+            <a:schemeClr val="lt1"/>
+          </a:fontRef>
+        </p:style>
+        <p:txBody>
+          <a:bodyPr wrap="square" rtlCol="0">
+            <a:spAutoFit/>
+          </a:bodyPr>
+          <a:lstStyle/>
+          <a:p>
+            <a:r>
+              <a:rPr lang="en-US" dirty="0"/>
+              <a:t>Java magazine May/June 2016</a:t>
+            </a:r>
+          </a:p>
+          <a:p>
+            <a:r>
+              <a:rPr lang="en-US" dirty="0"/>
+              <a:t>Apache Spark 101: Getting up to speed on the popular big data engine</a:t>
+            </a:r>
+            <a:endParaRPr lang="el-GR" dirty="0"/>
+          </a:p>
+        </p:txBody>
+      </p:sp>
+      <p:sp>
+        <p:nvSpPr>
+          <p:cNvPr id="6" name="Ορθογώνιο 5"/>
+          <p:cNvSpPr/>
+          <p:nvPr/>
+        </p:nvSpPr>
+        <p:spPr>
+          <a:xfrm>
+            <a:off x="6826101" y="4084656"/>
+            <a:ext cx="4527699" cy="307777"/>
+          </a:xfrm>
+          <a:prstGeom prst="rect">
+            <a:avLst/>
+          </a:prstGeom>
+        </p:spPr>
+        <p:txBody>
+          <a:bodyPr wrap="square">
+            <a:spAutoFit/>
+          </a:bodyPr>
+          <a:lstStyle/>
+          <a:p>
+            <a:pPr algn="ctr"/>
+            <a:r>
+              <a:rPr lang="el-GR" sz="1400" dirty="0">
+                <a:hlinkClick r:id="rId3"/>
+              </a:rPr>
+              <a:t>http://www.oracle.com/technetwork/java/javamagazine</a:t>
+            </a:r>
+            <a:r>
+              <a:rPr lang="en-US" sz="1400" dirty="0"/>
+              <a:t> </a:t>
+            </a:r>
+            <a:endParaRPr lang="el-GR" sz="1400" dirty="0"/>
+          </a:p>
+        </p:txBody>
+      </p:sp>
+      <p:pic>
+        <p:nvPicPr>
+          <p:cNvPr id="7" name="Εικόνα 6"/>
+          <p:cNvPicPr>
+            <a:picLocks noChangeAspect="1"/>
+          </p:cNvPicPr>
+          <p:nvPr/>
+        </p:nvPicPr>
+        <p:blipFill>
+          <a:blip r:embed="rId4"/>
+          <a:stretch>
+            <a:fillRect/>
+          </a:stretch>
+        </p:blipFill>
+        <p:spPr>
+          <a:xfrm>
+            <a:off x="6192800" y="4993094"/>
+            <a:ext cx="4591050" cy="933450"/>
+          </a:xfrm>
+          <a:prstGeom prst="rect">
+            <a:avLst/>
+          </a:prstGeom>
+        </p:spPr>
+      </p:pic>
+      <p:sp>
+        <p:nvSpPr>
+          <p:cNvPr id="8" name="Οβάλ 7"/>
+          <p:cNvSpPr/>
+          <p:nvPr/>
+        </p:nvSpPr>
+        <p:spPr>
+          <a:xfrm>
+            <a:off x="6096000" y="4993093"/>
+            <a:ext cx="1070344" cy="259391"/>
+          </a:xfrm>
+          <a:prstGeom prst="ellipse">
+            <a:avLst/>
+          </a:prstGeom>
+          <a:noFill/>
+          <a:ln w="28575">
+            <a:solidFill>
+              <a:srgbClr val="FF0000"/>
+            </a:solidFill>
+            <a:prstDash val="sysDash"/>
+          </a:ln>
+        </p:spPr>
+        <p:style>
+          <a:lnRef idx="2">
+            <a:schemeClr val="accent1">
+              <a:shade val="50000"/>
+            </a:schemeClr>
+          </a:lnRef>
+          <a:fillRef idx="1">
+            <a:schemeClr val="accent1"/>
+          </a:fillRef>
+          <a:effectRef idx="0">
+            <a:schemeClr val="accent1"/>
+          </a:effectRef>
+          <a:fontRef idx="minor">
+            <a:schemeClr val="lt1"/>
+          </a:fontRef>
+        </p:style>
+        <p:txBody>
+          <a:bodyPr rtlCol="0" anchor="ctr"/>
+          <a:lstStyle/>
+          <a:p>
+            <a:pPr algn="ctr"/>
+            <a:endParaRPr lang="el-GR"/>
+          </a:p>
+        </p:txBody>
+      </p:sp>
+      <p:sp>
+        <p:nvSpPr>
+          <p:cNvPr id="9" name="Οβάλ 8"/>
+          <p:cNvSpPr/>
+          <p:nvPr/>
+        </p:nvSpPr>
+        <p:spPr>
+          <a:xfrm>
+            <a:off x="7339344" y="4993092"/>
+            <a:ext cx="592544" cy="259391"/>
+          </a:xfrm>
+          <a:prstGeom prst="ellipse">
+            <a:avLst/>
+          </a:prstGeom>
+          <a:noFill/>
+          <a:ln w="28575">
+            <a:solidFill>
+              <a:srgbClr val="FF0000"/>
+            </a:solidFill>
+            <a:prstDash val="sysDash"/>
+          </a:ln>
+        </p:spPr>
+        <p:style>
+          <a:lnRef idx="2">
+            <a:schemeClr val="accent1">
+              <a:shade val="50000"/>
+            </a:schemeClr>
+          </a:lnRef>
+          <a:fillRef idx="1">
+            <a:schemeClr val="accent1"/>
+          </a:fillRef>
+          <a:effectRef idx="0">
+            <a:schemeClr val="accent1"/>
+          </a:effectRef>
+          <a:fontRef idx="minor">
+            <a:schemeClr val="lt1"/>
+          </a:fontRef>
+        </p:style>
+        <p:txBody>
+          <a:bodyPr rtlCol="0" anchor="ctr"/>
+          <a:lstStyle/>
+          <a:p>
+            <a:pPr algn="ctr"/>
+            <a:endParaRPr lang="el-GR"/>
+          </a:p>
+        </p:txBody>
+      </p:sp>
+      <p:sp>
+        <p:nvSpPr>
+          <p:cNvPr id="10" name="TextBox 9"/>
+          <p:cNvSpPr txBox="1"/>
+          <p:nvPr/>
+        </p:nvSpPr>
+        <p:spPr>
+          <a:xfrm>
+            <a:off x="4040372" y="5730949"/>
+            <a:ext cx="1437060" cy="369332"/>
+          </a:xfrm>
+          <a:prstGeom prst="rect">
+            <a:avLst/>
+          </a:prstGeom>
+          <a:noFill/>
+        </p:spPr>
+        <p:txBody>
+          <a:bodyPr wrap="none" rtlCol="0">
+            <a:spAutoFit/>
+          </a:bodyPr>
+          <a:lstStyle/>
+          <a:p>
+            <a:r>
+              <a:rPr lang="en-US" dirty="0"/>
+              <a:t>IP </a:t>
+            </a:r>
+            <a:r>
+              <a:rPr lang="el-GR" dirty="0"/>
+              <a:t>Διεύθυνση</a:t>
+            </a:r>
+          </a:p>
+        </p:txBody>
+      </p:sp>
+      <p:sp>
+        <p:nvSpPr>
+          <p:cNvPr id="11" name="TextBox 10"/>
+          <p:cNvSpPr txBox="1"/>
+          <p:nvPr/>
+        </p:nvSpPr>
+        <p:spPr>
+          <a:xfrm>
+            <a:off x="8211879" y="4427486"/>
+            <a:ext cx="1095364" cy="369332"/>
+          </a:xfrm>
+          <a:prstGeom prst="rect">
+            <a:avLst/>
+          </a:prstGeom>
+          <a:noFill/>
+        </p:spPr>
+        <p:txBody>
+          <a:bodyPr wrap="none" rtlCol="0">
+            <a:spAutoFit/>
+          </a:bodyPr>
+          <a:lstStyle/>
+          <a:p>
+            <a:r>
+              <a:rPr lang="en-US" dirty="0"/>
+              <a:t>id </a:t>
+            </a:r>
+            <a:r>
+              <a:rPr lang="el-GR" dirty="0"/>
+              <a:t>πελάτη</a:t>
+            </a:r>
+          </a:p>
+        </p:txBody>
+      </p:sp>
+      <p:cxnSp>
+        <p:nvCxnSpPr>
+          <p:cNvPr id="13" name="Ευθύγραμμο βέλος σύνδεσης 12"/>
+          <p:cNvCxnSpPr>
+            <a:stCxn id="10" idx="0"/>
+            <a:endCxn id="8" idx="2"/>
+          </p:cNvCxnSpPr>
+          <p:nvPr/>
+        </p:nvCxnSpPr>
+        <p:spPr>
+          <a:xfrm flipV="1">
+            <a:off x="4758902" y="5122789"/>
+            <a:ext cx="1337098" cy="608160"/>
+          </a:xfrm>
+          <a:prstGeom prst="straightConnector1">
+            <a:avLst/>
+          </a:prstGeom>
+          <a:ln w="28575">
+            <a:solidFill>
+              <a:schemeClr val="tx1"/>
+            </a:solidFill>
+            <a:tailEnd type="triangle"/>
+          </a:ln>
+        </p:spPr>
+        <p:style>
+          <a:lnRef idx="1">
+            <a:schemeClr val="accent1"/>
+          </a:lnRef>
+          <a:fillRef idx="0">
+            <a:schemeClr val="accent1"/>
+          </a:fillRef>
+          <a:effectRef idx="0">
+            <a:schemeClr val="accent1"/>
+          </a:effectRef>
+          <a:fontRef idx="minor">
+            <a:schemeClr val="tx1"/>
+          </a:fontRef>
+        </p:style>
+      </p:cxnSp>
+      <p:cxnSp>
+        <p:nvCxnSpPr>
+          <p:cNvPr id="14" name="Ευθύγραμμο βέλος σύνδεσης 13"/>
+          <p:cNvCxnSpPr>
+            <a:stCxn id="11" idx="1"/>
+            <a:endCxn id="9" idx="0"/>
+          </p:cNvCxnSpPr>
+          <p:nvPr/>
+        </p:nvCxnSpPr>
+        <p:spPr>
+          <a:xfrm flipH="1">
+            <a:off x="7635616" y="4612152"/>
+            <a:ext cx="576263" cy="380940"/>
+          </a:xfrm>
+          <a:prstGeom prst="straightConnector1">
+            <a:avLst/>
+          </a:prstGeom>
+          <a:ln w="28575">
+            <a:solidFill>
+              <a:schemeClr val="tx1"/>
+            </a:solidFill>
+            <a:tailEnd type="triangle"/>
+          </a:ln>
+        </p:spPr>
+        <p:style>
+          <a:lnRef idx="1">
+            <a:schemeClr val="accent1"/>
+          </a:lnRef>
+          <a:fillRef idx="0">
+            <a:schemeClr val="accent1"/>
+          </a:fillRef>
+          <a:effectRef idx="0">
+            <a:schemeClr val="accent1"/>
+          </a:effectRef>
+          <a:fontRef idx="minor">
+            <a:schemeClr val="tx1"/>
+          </a:fontRef>
+        </p:style>
+      </p:cxnSp>
+      <p:sp>
+        <p:nvSpPr>
+          <p:cNvPr id="4" name="Θέση αριθμού διαφάνειας 3"/>
+          <p:cNvSpPr>
+            <a:spLocks noGrp="1"/>
+          </p:cNvSpPr>
+          <p:nvPr>
+            <p:ph type="sldNum" sz="quarter" idx="12"/>
+          </p:nvPr>
+        </p:nvSpPr>
+        <p:spPr/>
+        <p:txBody>
+          <a:bodyPr/>
+          <a:lstStyle/>
+          <a:p>
+            <a:fld id="{634CA47B-BB17-47C7-9E60-64B1219A2C73}" type="slidenum">
+              <a:rPr lang="el-GR" smtClean="0"/>
+              <a:t>22</a:t>
+            </a:fld>
+            <a:endParaRPr lang="el-GR"/>
+          </a:p>
+        </p:txBody>
+      </p:sp>
+    </p:spTree>
+    <p:extLst>
+      <p:ext uri="{BB962C8B-B14F-4D97-AF65-F5344CB8AC3E}">
+        <p14:creationId xmlns:p14="http://schemas.microsoft.com/office/powerpoint/2010/main" val="1889286271"/>
+      </p:ext>
+    </p:extLst>
+  </p:cSld>
+  <p:clrMapOvr>
+    <a:masterClrMapping/>
+  </p:clrMapOvr>
+</p:sld>
+</file>
+
 <file path=ppt/slides/slide3.xml><?xml version="1.0" encoding="utf-8"?>
+<p:sld xmlns:a="http://schemas.openxmlformats.org/drawingml/2006/main" xmlns:r="http://schemas.openxmlformats.org/officeDocument/2006/relationships" xmlns:p="http://schemas.openxmlformats.org/presentationml/2006/main">
+  <p:cSld>
+    <p:spTree>
+      <p:nvGrpSpPr>
+        <p:cNvPr id="1" name=""/>
+        <p:cNvGrpSpPr/>
+        <p:nvPr/>
+      </p:nvGrpSpPr>
+      <p:grpSpPr>
+        <a:xfrm>
+          <a:off x="0" y="0"/>
+          <a:ext cx="0" cy="0"/>
+          <a:chOff x="0" y="0"/>
+          <a:chExt cx="0" cy="0"/>
+        </a:xfrm>
+      </p:grpSpPr>
+      <p:sp>
+        <p:nvSpPr>
+          <p:cNvPr id="2" name="Τίτλος 1">
+            <a:extLst>
+              <a:ext uri="{FF2B5EF4-FFF2-40B4-BE49-F238E27FC236}">
+                <a16:creationId xmlns:a16="http://schemas.microsoft.com/office/drawing/2014/main" id="{0F30095F-AA82-4F27-A622-FCD2652ACA87}"/>
+              </a:ext>
+            </a:extLst>
+          </p:cNvPr>
+          <p:cNvSpPr>
+            <a:spLocks noGrp="1"/>
+          </p:cNvSpPr>
+          <p:nvPr>
+            <p:ph type="title"/>
+          </p:nvPr>
+        </p:nvSpPr>
+        <p:spPr/>
+        <p:txBody>
+          <a:bodyPr/>
+          <a:lstStyle/>
+          <a:p>
+            <a:r>
+              <a:rPr lang="en-US" dirty="0"/>
+              <a:t>Apache Spark</a:t>
+            </a:r>
+            <a:endParaRPr lang="el-GR" dirty="0"/>
+          </a:p>
+        </p:txBody>
+      </p:sp>
+      <p:sp>
+        <p:nvSpPr>
+          <p:cNvPr id="3" name="Θέση περιεχομένου 2">
+            <a:extLst>
+              <a:ext uri="{FF2B5EF4-FFF2-40B4-BE49-F238E27FC236}">
+                <a16:creationId xmlns:a16="http://schemas.microsoft.com/office/drawing/2014/main" id="{46604E55-53C6-49BB-9E3E-4E34477A3DF6}"/>
+              </a:ext>
+            </a:extLst>
+          </p:cNvPr>
+          <p:cNvSpPr>
+            <a:spLocks noGrp="1"/>
+          </p:cNvSpPr>
+          <p:nvPr>
+            <p:ph idx="1"/>
+          </p:nvPr>
+        </p:nvSpPr>
+        <p:spPr/>
+        <p:txBody>
+          <a:bodyPr/>
+          <a:lstStyle/>
+          <a:p>
+            <a:r>
+              <a:rPr lang="en-US" dirty="0"/>
+              <a:t>A </a:t>
+            </a:r>
+            <a:r>
+              <a:rPr lang="en-US" b="1" dirty="0">
+                <a:solidFill>
+                  <a:schemeClr val="accent6"/>
+                </a:solidFill>
+              </a:rPr>
+              <a:t>unified</a:t>
+            </a:r>
+            <a:r>
+              <a:rPr lang="en-US" dirty="0"/>
+              <a:t> </a:t>
+            </a:r>
+            <a:r>
+              <a:rPr lang="en-US" b="1" dirty="0">
+                <a:solidFill>
+                  <a:srgbClr val="FF0000"/>
+                </a:solidFill>
+              </a:rPr>
+              <a:t>computing engine</a:t>
+            </a:r>
+            <a:r>
+              <a:rPr lang="en-US" dirty="0"/>
+              <a:t> and a set of </a:t>
+            </a:r>
+            <a:r>
+              <a:rPr lang="en-US" dirty="0">
+                <a:solidFill>
+                  <a:srgbClr val="7030A0"/>
+                </a:solidFill>
+              </a:rPr>
+              <a:t>libraries</a:t>
+            </a:r>
+            <a:r>
+              <a:rPr lang="en-US" dirty="0"/>
+              <a:t> for big data</a:t>
+            </a:r>
+          </a:p>
+          <a:p>
+            <a:pPr lvl="1"/>
+            <a:r>
+              <a:rPr lang="en-US" b="1" dirty="0">
+                <a:solidFill>
+                  <a:schemeClr val="accent6"/>
+                </a:solidFill>
+              </a:rPr>
+              <a:t>Unified</a:t>
+            </a:r>
+            <a:r>
+              <a:rPr lang="en-US" dirty="0"/>
+              <a:t>: </a:t>
+            </a:r>
+            <a:r>
+              <a:rPr lang="el-GR" dirty="0"/>
+              <a:t>Επιτρέπει τη φόρτωση και επεξεργασία δεδομένων με ενοποιημένο </a:t>
+            </a:r>
+            <a:r>
+              <a:rPr lang="en-US" dirty="0"/>
+              <a:t>API</a:t>
+            </a:r>
+            <a:r>
+              <a:rPr lang="el-GR" dirty="0"/>
+              <a:t>, εύκολο στην κατανόηση</a:t>
+            </a:r>
+          </a:p>
+          <a:p>
+            <a:pPr lvl="2"/>
+            <a:r>
+              <a:rPr lang="el-GR" dirty="0"/>
+              <a:t>Φόρτωση δεδομένων χρησιμοποιώντας ένα </a:t>
+            </a:r>
+            <a:r>
+              <a:rPr lang="en-US" dirty="0"/>
+              <a:t>SQL </a:t>
+            </a:r>
+            <a:r>
+              <a:rPr lang="el-GR" dirty="0"/>
+              <a:t>ερώτημα</a:t>
+            </a:r>
+            <a:r>
+              <a:rPr lang="en-US" dirty="0"/>
+              <a:t> </a:t>
+            </a:r>
+            <a:r>
+              <a:rPr lang="el-GR" dirty="0">
+                <a:sym typeface="Wingdings" panose="05000000000000000000" pitchFamily="2" charset="2"/>
+              </a:rPr>
+              <a:t></a:t>
+            </a:r>
+            <a:r>
+              <a:rPr lang="el-GR" dirty="0"/>
+              <a:t> είσοδος δεδομένων σε μοντέλο μηχανικής μάθησης </a:t>
+            </a:r>
+            <a:r>
+              <a:rPr lang="el-GR" dirty="0">
+                <a:sym typeface="Wingdings" panose="05000000000000000000" pitchFamily="2" charset="2"/>
+              </a:rPr>
+              <a:t> λήψη αποτελεσμάτων </a:t>
+            </a:r>
+            <a:endParaRPr lang="en-US" dirty="0">
+              <a:sym typeface="Wingdings" panose="05000000000000000000" pitchFamily="2" charset="2"/>
+            </a:endParaRPr>
+          </a:p>
+          <a:p>
+            <a:pPr lvl="1"/>
+            <a:r>
+              <a:rPr lang="en-US" b="1" dirty="0">
+                <a:solidFill>
+                  <a:srgbClr val="FF0000"/>
+                </a:solidFill>
+                <a:sym typeface="Wingdings" panose="05000000000000000000" pitchFamily="2" charset="2"/>
+              </a:rPr>
+              <a:t>Computing Engine</a:t>
+            </a:r>
+            <a:r>
+              <a:rPr lang="en-US" dirty="0">
+                <a:sym typeface="Wingdings" panose="05000000000000000000" pitchFamily="2" charset="2"/>
+              </a:rPr>
+              <a:t>: To Apache Spark </a:t>
+            </a:r>
+            <a:r>
+              <a:rPr lang="el-GR" dirty="0">
+                <a:sym typeface="Wingdings" panose="05000000000000000000" pitchFamily="2" charset="2"/>
+              </a:rPr>
+              <a:t>εστιάζει στη φόρτωση δεδομένων από συστήματα αποθήκευσης και στην εκτέλεση υπολογισμών σε αυτά όπου αυτά βρίσκονται</a:t>
+            </a:r>
+          </a:p>
+          <a:p>
+            <a:pPr lvl="1"/>
+            <a:r>
+              <a:rPr lang="en-US" b="1" dirty="0">
+                <a:solidFill>
+                  <a:srgbClr val="7030A0"/>
+                </a:solidFill>
+                <a:sym typeface="Wingdings" panose="05000000000000000000" pitchFamily="2" charset="2"/>
+              </a:rPr>
+              <a:t>Libraries</a:t>
+            </a:r>
+            <a:r>
+              <a:rPr lang="en-US" dirty="0">
+                <a:sym typeface="Wingdings" panose="05000000000000000000" pitchFamily="2" charset="2"/>
+              </a:rPr>
+              <a:t>: </a:t>
+            </a:r>
+            <a:r>
+              <a:rPr lang="el-GR" dirty="0">
+                <a:sym typeface="Wingdings" panose="05000000000000000000" pitchFamily="2" charset="2"/>
+              </a:rPr>
+              <a:t>Παρέχει ένα ενοποιημένο </a:t>
+            </a:r>
+            <a:r>
+              <a:rPr lang="en-US" dirty="0">
+                <a:sym typeface="Wingdings" panose="05000000000000000000" pitchFamily="2" charset="2"/>
+              </a:rPr>
+              <a:t>API </a:t>
+            </a:r>
+            <a:r>
+              <a:rPr lang="el-GR" dirty="0">
+                <a:sym typeface="Wingdings" panose="05000000000000000000" pitchFamily="2" charset="2"/>
+              </a:rPr>
+              <a:t>που εξυπηρετεί κοινές εργασίες ανάλυσης δεδομένων (</a:t>
+            </a:r>
+            <a:r>
+              <a:rPr lang="en-US" dirty="0">
+                <a:sym typeface="Wingdings" panose="05000000000000000000" pitchFamily="2" charset="2"/>
+              </a:rPr>
+              <a:t>standard libraries + 3</a:t>
+            </a:r>
+            <a:r>
+              <a:rPr lang="en-US" baseline="30000" dirty="0">
+                <a:sym typeface="Wingdings" panose="05000000000000000000" pitchFamily="2" charset="2"/>
+              </a:rPr>
+              <a:t>rd</a:t>
+            </a:r>
+            <a:r>
+              <a:rPr lang="en-US" dirty="0">
+                <a:sym typeface="Wingdings" panose="05000000000000000000" pitchFamily="2" charset="2"/>
+              </a:rPr>
+              <a:t> party libraries</a:t>
+            </a:r>
+            <a:r>
+              <a:rPr lang="el-GR" dirty="0">
+                <a:sym typeface="Wingdings" panose="05000000000000000000" pitchFamily="2" charset="2"/>
+              </a:rPr>
+              <a:t>)</a:t>
+            </a:r>
+            <a:endParaRPr lang="el-GR" dirty="0"/>
+          </a:p>
+        </p:txBody>
+      </p:sp>
+    </p:spTree>
+    <p:extLst>
+      <p:ext uri="{BB962C8B-B14F-4D97-AF65-F5344CB8AC3E}">
+        <p14:creationId xmlns:p14="http://schemas.microsoft.com/office/powerpoint/2010/main" val="2536433327"/>
+      </p:ext>
+    </p:extLst>
+  </p:cSld>
+  <p:clrMapOvr>
+    <a:masterClrMapping/>
+  </p:clrMapOvr>
+</p:sld>
+</file>
+
+<file path=ppt/slides/slide4.xml><?xml version="1.0" encoding="utf-8"?>
+<p:sld xmlns:a="http://schemas.openxmlformats.org/drawingml/2006/main" xmlns:r="http://schemas.openxmlformats.org/officeDocument/2006/relationships" xmlns:p="http://schemas.openxmlformats.org/presentationml/2006/main">
+  <p:cSld>
+    <p:spTree>
+      <p:nvGrpSpPr>
+        <p:cNvPr id="1" name=""/>
+        <p:cNvGrpSpPr/>
+        <p:nvPr/>
+      </p:nvGrpSpPr>
+      <p:grpSpPr>
+        <a:xfrm>
+          <a:off x="0" y="0"/>
+          <a:ext cx="0" cy="0"/>
+          <a:chOff x="0" y="0"/>
+          <a:chExt cx="0" cy="0"/>
+        </a:xfrm>
+      </p:grpSpPr>
+      <p:sp>
+        <p:nvSpPr>
+          <p:cNvPr id="2" name="Τίτλος 1">
+            <a:extLst>
+              <a:ext uri="{FF2B5EF4-FFF2-40B4-BE49-F238E27FC236}">
+                <a16:creationId xmlns:a16="http://schemas.microsoft.com/office/drawing/2014/main" id="{736E4F75-6944-451C-B820-09CC649EC03C}"/>
+              </a:ext>
+            </a:extLst>
+          </p:cNvPr>
+          <p:cNvSpPr>
+            <a:spLocks noGrp="1"/>
+          </p:cNvSpPr>
+          <p:nvPr>
+            <p:ph type="title"/>
+          </p:nvPr>
+        </p:nvSpPr>
+        <p:spPr/>
+        <p:txBody>
+          <a:bodyPr/>
+          <a:lstStyle/>
+          <a:p>
+            <a:r>
+              <a:rPr lang="el-GR" dirty="0"/>
+              <a:t>Ιστορία του </a:t>
+            </a:r>
+            <a:r>
+              <a:rPr lang="en-US" dirty="0"/>
+              <a:t>Apache Spark</a:t>
+            </a:r>
+            <a:endParaRPr lang="el-GR" dirty="0"/>
+          </a:p>
+        </p:txBody>
+      </p:sp>
+      <p:sp>
+        <p:nvSpPr>
+          <p:cNvPr id="3" name="Θέση περιεχομένου 2">
+            <a:extLst>
+              <a:ext uri="{FF2B5EF4-FFF2-40B4-BE49-F238E27FC236}">
+                <a16:creationId xmlns:a16="http://schemas.microsoft.com/office/drawing/2014/main" id="{0AC96BA5-C06C-41A7-8718-B5F5F541A70C}"/>
+              </a:ext>
+            </a:extLst>
+          </p:cNvPr>
+          <p:cNvSpPr>
+            <a:spLocks noGrp="1"/>
+          </p:cNvSpPr>
+          <p:nvPr>
+            <p:ph idx="1"/>
+          </p:nvPr>
+        </p:nvSpPr>
+        <p:spPr/>
+        <p:txBody>
+          <a:bodyPr/>
+          <a:lstStyle/>
+          <a:p>
+            <a:r>
+              <a:rPr lang="en-US" dirty="0"/>
+              <a:t>2009: UC Berkeley </a:t>
+            </a:r>
+            <a:r>
+              <a:rPr lang="en-US" dirty="0" err="1"/>
+              <a:t>AMPlab</a:t>
+            </a:r>
+            <a:endParaRPr lang="en-US" dirty="0"/>
+          </a:p>
+          <a:p>
+            <a:r>
+              <a:rPr lang="en-US" dirty="0"/>
+              <a:t>2010: Research Paper (</a:t>
+            </a:r>
+            <a:r>
+              <a:rPr lang="en-US" dirty="0" err="1"/>
+              <a:t>Matei</a:t>
+            </a:r>
+            <a:r>
+              <a:rPr lang="en-US" dirty="0"/>
+              <a:t> </a:t>
+            </a:r>
+            <a:r>
+              <a:rPr lang="en-US" dirty="0" err="1"/>
+              <a:t>Zaharia</a:t>
+            </a:r>
+            <a:r>
+              <a:rPr lang="en-US" dirty="0"/>
+              <a:t>, …)</a:t>
+            </a:r>
+          </a:p>
+          <a:p>
+            <a:r>
+              <a:rPr lang="en-US" dirty="0"/>
+              <a:t>2011: First release </a:t>
+            </a:r>
+          </a:p>
+          <a:p>
+            <a:r>
+              <a:rPr lang="en-US" dirty="0"/>
+              <a:t>2013: </a:t>
+            </a:r>
+            <a:r>
+              <a:rPr lang="en-US" dirty="0" err="1"/>
+              <a:t>AMPlab</a:t>
+            </a:r>
+            <a:r>
+              <a:rPr lang="en-US" dirty="0"/>
+              <a:t> </a:t>
+            </a:r>
+            <a:r>
+              <a:rPr lang="en-US" dirty="0">
+                <a:sym typeface="Wingdings" panose="05000000000000000000" pitchFamily="2" charset="2"/>
+              </a:rPr>
+              <a:t> </a:t>
+            </a:r>
+            <a:r>
+              <a:rPr lang="en-US" dirty="0"/>
+              <a:t>Databricks</a:t>
+            </a:r>
+          </a:p>
+          <a:p>
+            <a:r>
+              <a:rPr lang="en-US" dirty="0"/>
+              <a:t>2014: Spark 1.0</a:t>
+            </a:r>
+          </a:p>
+          <a:p>
+            <a:r>
+              <a:rPr lang="en-US" dirty="0"/>
+              <a:t>2016: Spark 2.0</a:t>
+            </a:r>
+          </a:p>
+          <a:p>
+            <a:r>
+              <a:rPr lang="en-US" dirty="0"/>
+              <a:t>2020: Spark 3.0</a:t>
+            </a:r>
+            <a:endParaRPr lang="el-GR" dirty="0"/>
+          </a:p>
+        </p:txBody>
+      </p:sp>
+    </p:spTree>
+    <p:extLst>
+      <p:ext uri="{BB962C8B-B14F-4D97-AF65-F5344CB8AC3E}">
+        <p14:creationId xmlns:p14="http://schemas.microsoft.com/office/powerpoint/2010/main" val="2981358782"/>
+      </p:ext>
+    </p:extLst>
+  </p:cSld>
+  <p:clrMapOvr>
+    <a:masterClrMapping/>
+  </p:clrMapOvr>
+</p:sld>
+</file>
+
+<file path=ppt/slides/slide5.xml><?xml version="1.0" encoding="utf-8"?>
+<p:sld xmlns:a="http://schemas.openxmlformats.org/drawingml/2006/main" xmlns:r="http://schemas.openxmlformats.org/officeDocument/2006/relationships" xmlns:p="http://schemas.openxmlformats.org/presentationml/2006/main">
+  <p:cSld>
+    <p:spTree>
+      <p:nvGrpSpPr>
+        <p:cNvPr id="1" name=""/>
+        <p:cNvGrpSpPr/>
+        <p:nvPr/>
+      </p:nvGrpSpPr>
+      <p:grpSpPr>
+        <a:xfrm>
+          <a:off x="0" y="0"/>
+          <a:ext cx="0" cy="0"/>
+          <a:chOff x="0" y="0"/>
+          <a:chExt cx="0" cy="0"/>
+        </a:xfrm>
+      </p:grpSpPr>
+      <p:sp>
+        <p:nvSpPr>
+          <p:cNvPr id="2" name="Τίτλος 1">
+            <a:extLst>
+              <a:ext uri="{FF2B5EF4-FFF2-40B4-BE49-F238E27FC236}">
+                <a16:creationId xmlns:a16="http://schemas.microsoft.com/office/drawing/2014/main" id="{287CD36C-0906-4283-BFB1-66C568AB6717}"/>
+              </a:ext>
+            </a:extLst>
+          </p:cNvPr>
+          <p:cNvSpPr>
+            <a:spLocks noGrp="1"/>
+          </p:cNvSpPr>
+          <p:nvPr>
+            <p:ph type="title"/>
+          </p:nvPr>
+        </p:nvSpPr>
+        <p:spPr/>
+        <p:txBody>
+          <a:bodyPr/>
+          <a:lstStyle/>
+          <a:p>
+            <a:r>
+              <a:rPr lang="en-US" dirty="0"/>
+              <a:t>Spark</a:t>
+            </a:r>
+            <a:r>
+              <a:rPr lang="el-GR" dirty="0"/>
+              <a:t> εφαρμογή</a:t>
+            </a:r>
+          </a:p>
+        </p:txBody>
+      </p:sp>
+      <p:sp>
+        <p:nvSpPr>
+          <p:cNvPr id="4" name="Ορθογώνιο 3">
+            <a:extLst>
+              <a:ext uri="{FF2B5EF4-FFF2-40B4-BE49-F238E27FC236}">
+                <a16:creationId xmlns:a16="http://schemas.microsoft.com/office/drawing/2014/main" id="{7BA39FF7-965D-4810-93AA-E1FF24E78F91}"/>
+              </a:ext>
+            </a:extLst>
+          </p:cNvPr>
+          <p:cNvSpPr/>
+          <p:nvPr/>
+        </p:nvSpPr>
+        <p:spPr>
+          <a:xfrm>
+            <a:off x="1367161" y="3071674"/>
+            <a:ext cx="2299317" cy="1189608"/>
+          </a:xfrm>
+          <a:prstGeom prst="rect">
+            <a:avLst/>
+          </a:prstGeom>
+        </p:spPr>
+        <p:style>
+          <a:lnRef idx="2">
+            <a:schemeClr val="accent1">
+              <a:shade val="50000"/>
+            </a:schemeClr>
+          </a:lnRef>
+          <a:fillRef idx="1">
+            <a:schemeClr val="accent1"/>
+          </a:fillRef>
+          <a:effectRef idx="0">
+            <a:schemeClr val="accent1"/>
+          </a:effectRef>
+          <a:fontRef idx="minor">
+            <a:schemeClr val="lt1"/>
+          </a:fontRef>
+        </p:style>
+        <p:txBody>
+          <a:bodyPr rtlCol="0" anchor="ctr"/>
+          <a:lstStyle/>
+          <a:p>
+            <a:pPr algn="ctr"/>
+            <a:r>
+              <a:rPr lang="en-US" dirty="0"/>
+              <a:t>Driver Program</a:t>
+            </a:r>
+            <a:endParaRPr lang="el-GR" dirty="0"/>
+          </a:p>
+        </p:txBody>
+      </p:sp>
+      <p:sp>
+        <p:nvSpPr>
+          <p:cNvPr id="5" name="Ορθογώνιο 4">
+            <a:extLst>
+              <a:ext uri="{FF2B5EF4-FFF2-40B4-BE49-F238E27FC236}">
+                <a16:creationId xmlns:a16="http://schemas.microsoft.com/office/drawing/2014/main" id="{CDF368C2-CF7A-4981-965F-DE4D8310FEBE}"/>
+              </a:ext>
+            </a:extLst>
+          </p:cNvPr>
+          <p:cNvSpPr/>
+          <p:nvPr/>
+        </p:nvSpPr>
+        <p:spPr>
+          <a:xfrm>
+            <a:off x="4573480" y="3071674"/>
+            <a:ext cx="2299317" cy="1189608"/>
+          </a:xfrm>
+          <a:prstGeom prst="rect">
+            <a:avLst/>
+          </a:prstGeom>
+        </p:spPr>
+        <p:style>
+          <a:lnRef idx="2">
+            <a:schemeClr val="accent1">
+              <a:shade val="50000"/>
+            </a:schemeClr>
+          </a:lnRef>
+          <a:fillRef idx="1">
+            <a:schemeClr val="accent1"/>
+          </a:fillRef>
+          <a:effectRef idx="0">
+            <a:schemeClr val="accent1"/>
+          </a:effectRef>
+          <a:fontRef idx="minor">
+            <a:schemeClr val="lt1"/>
+          </a:fontRef>
+        </p:style>
+        <p:txBody>
+          <a:bodyPr rtlCol="0" anchor="ctr"/>
+          <a:lstStyle/>
+          <a:p>
+            <a:pPr algn="ctr"/>
+            <a:r>
+              <a:rPr lang="en-US" dirty="0"/>
+              <a:t>Cluster Manager</a:t>
+            </a:r>
+          </a:p>
+          <a:p>
+            <a:pPr algn="ctr"/>
+            <a:r>
+              <a:rPr lang="en-US" dirty="0"/>
+              <a:t>(Spark’s standalone cluster manager, YARN, Mesos)</a:t>
+            </a:r>
+            <a:endParaRPr lang="el-GR" dirty="0"/>
+          </a:p>
+        </p:txBody>
+      </p:sp>
+      <p:cxnSp>
+        <p:nvCxnSpPr>
+          <p:cNvPr id="7" name="Ευθύγραμμο βέλος σύνδεσης 6">
+            <a:extLst>
+              <a:ext uri="{FF2B5EF4-FFF2-40B4-BE49-F238E27FC236}">
+                <a16:creationId xmlns:a16="http://schemas.microsoft.com/office/drawing/2014/main" id="{F0C0E94C-C14D-4095-82E9-55D018D5208D}"/>
+              </a:ext>
+            </a:extLst>
+          </p:cNvPr>
+          <p:cNvCxnSpPr>
+            <a:stCxn id="4" idx="3"/>
+            <a:endCxn id="5" idx="1"/>
+          </p:cNvCxnSpPr>
+          <p:nvPr/>
+        </p:nvCxnSpPr>
+        <p:spPr>
+          <a:xfrm>
+            <a:off x="3666478" y="3666478"/>
+            <a:ext cx="907002" cy="0"/>
+          </a:xfrm>
+          <a:prstGeom prst="straightConnector1">
+            <a:avLst/>
+          </a:prstGeom>
+          <a:ln w="38100">
+            <a:tailEnd type="triangle"/>
+          </a:ln>
+        </p:spPr>
+        <p:style>
+          <a:lnRef idx="1">
+            <a:schemeClr val="accent1"/>
+          </a:lnRef>
+          <a:fillRef idx="0">
+            <a:schemeClr val="accent1"/>
+          </a:fillRef>
+          <a:effectRef idx="0">
+            <a:schemeClr val="accent1"/>
+          </a:effectRef>
+          <a:fontRef idx="minor">
+            <a:schemeClr val="tx1"/>
+          </a:fontRef>
+        </p:style>
+      </p:cxnSp>
+      <p:sp>
+        <p:nvSpPr>
+          <p:cNvPr id="8" name="Ορθογώνιο 7">
+            <a:extLst>
+              <a:ext uri="{FF2B5EF4-FFF2-40B4-BE49-F238E27FC236}">
+                <a16:creationId xmlns:a16="http://schemas.microsoft.com/office/drawing/2014/main" id="{48BE867C-96CA-4513-91CD-BD89586B3899}"/>
+              </a:ext>
+            </a:extLst>
+          </p:cNvPr>
+          <p:cNvSpPr/>
+          <p:nvPr/>
+        </p:nvSpPr>
+        <p:spPr>
+          <a:xfrm>
+            <a:off x="8427869" y="1288742"/>
+            <a:ext cx="2299317" cy="1189608"/>
+          </a:xfrm>
+          <a:prstGeom prst="rect">
+            <a:avLst/>
+          </a:prstGeom>
+        </p:spPr>
+        <p:style>
+          <a:lnRef idx="2">
+            <a:schemeClr val="accent1">
+              <a:shade val="50000"/>
+            </a:schemeClr>
+          </a:lnRef>
+          <a:fillRef idx="1">
+            <a:schemeClr val="accent1"/>
+          </a:fillRef>
+          <a:effectRef idx="0">
+            <a:schemeClr val="accent1"/>
+          </a:effectRef>
+          <a:fontRef idx="minor">
+            <a:schemeClr val="lt1"/>
+          </a:fontRef>
+        </p:style>
+        <p:txBody>
+          <a:bodyPr rtlCol="0" anchor="ctr"/>
+          <a:lstStyle/>
+          <a:p>
+            <a:pPr algn="ctr"/>
+            <a:r>
+              <a:rPr lang="en-US" dirty="0"/>
+              <a:t>Executor</a:t>
+            </a:r>
+          </a:p>
+        </p:txBody>
+      </p:sp>
+      <p:sp>
+        <p:nvSpPr>
+          <p:cNvPr id="9" name="Ορθογώνιο 8">
+            <a:extLst>
+              <a:ext uri="{FF2B5EF4-FFF2-40B4-BE49-F238E27FC236}">
+                <a16:creationId xmlns:a16="http://schemas.microsoft.com/office/drawing/2014/main" id="{3132D618-ED7C-47D4-81B0-8CE948B13A0A}"/>
+              </a:ext>
+            </a:extLst>
+          </p:cNvPr>
+          <p:cNvSpPr/>
+          <p:nvPr/>
+        </p:nvSpPr>
+        <p:spPr>
+          <a:xfrm>
+            <a:off x="8427868" y="3071674"/>
+            <a:ext cx="2299317" cy="1189608"/>
+          </a:xfrm>
+          <a:prstGeom prst="rect">
+            <a:avLst/>
+          </a:prstGeom>
+        </p:spPr>
+        <p:style>
+          <a:lnRef idx="2">
+            <a:schemeClr val="accent1">
+              <a:shade val="50000"/>
+            </a:schemeClr>
+          </a:lnRef>
+          <a:fillRef idx="1">
+            <a:schemeClr val="accent1"/>
+          </a:fillRef>
+          <a:effectRef idx="0">
+            <a:schemeClr val="accent1"/>
+          </a:effectRef>
+          <a:fontRef idx="minor">
+            <a:schemeClr val="lt1"/>
+          </a:fontRef>
+        </p:style>
+        <p:txBody>
+          <a:bodyPr rtlCol="0" anchor="ctr"/>
+          <a:lstStyle/>
+          <a:p>
+            <a:pPr algn="ctr"/>
+            <a:r>
+              <a:rPr lang="en-US" dirty="0"/>
+              <a:t>Executor</a:t>
+            </a:r>
+          </a:p>
+        </p:txBody>
+      </p:sp>
+      <p:sp>
+        <p:nvSpPr>
+          <p:cNvPr id="10" name="Ορθογώνιο 9">
+            <a:extLst>
+              <a:ext uri="{FF2B5EF4-FFF2-40B4-BE49-F238E27FC236}">
+                <a16:creationId xmlns:a16="http://schemas.microsoft.com/office/drawing/2014/main" id="{49BDDDB3-9150-43B0-A318-516FF3D3285B}"/>
+              </a:ext>
+            </a:extLst>
+          </p:cNvPr>
+          <p:cNvSpPr/>
+          <p:nvPr/>
+        </p:nvSpPr>
+        <p:spPr>
+          <a:xfrm>
+            <a:off x="8427868" y="4665216"/>
+            <a:ext cx="2299317" cy="1189608"/>
+          </a:xfrm>
+          <a:prstGeom prst="rect">
+            <a:avLst/>
+          </a:prstGeom>
+        </p:spPr>
+        <p:style>
+          <a:lnRef idx="2">
+            <a:schemeClr val="accent1">
+              <a:shade val="50000"/>
+            </a:schemeClr>
+          </a:lnRef>
+          <a:fillRef idx="1">
+            <a:schemeClr val="accent1"/>
+          </a:fillRef>
+          <a:effectRef idx="0">
+            <a:schemeClr val="accent1"/>
+          </a:effectRef>
+          <a:fontRef idx="minor">
+            <a:schemeClr val="lt1"/>
+          </a:fontRef>
+        </p:style>
+        <p:txBody>
+          <a:bodyPr rtlCol="0" anchor="ctr"/>
+          <a:lstStyle/>
+          <a:p>
+            <a:pPr algn="ctr"/>
+            <a:r>
+              <a:rPr lang="en-US" dirty="0"/>
+              <a:t>Executor</a:t>
+            </a:r>
+          </a:p>
+        </p:txBody>
+      </p:sp>
+      <p:cxnSp>
+        <p:nvCxnSpPr>
+          <p:cNvPr id="11" name="Ευθύγραμμο βέλος σύνδεσης 10">
+            <a:extLst>
+              <a:ext uri="{FF2B5EF4-FFF2-40B4-BE49-F238E27FC236}">
+                <a16:creationId xmlns:a16="http://schemas.microsoft.com/office/drawing/2014/main" id="{892D3254-C3EE-455A-806E-1C1F7A6C8C87}"/>
+              </a:ext>
+            </a:extLst>
+          </p:cNvPr>
+          <p:cNvCxnSpPr>
+            <a:cxnSpLocks/>
+            <a:stCxn id="5" idx="3"/>
+            <a:endCxn id="8" idx="1"/>
+          </p:cNvCxnSpPr>
+          <p:nvPr/>
+        </p:nvCxnSpPr>
+        <p:spPr>
+          <a:xfrm flipV="1">
+            <a:off x="6872797" y="1883546"/>
+            <a:ext cx="1555072" cy="1782932"/>
+          </a:xfrm>
+          <a:prstGeom prst="straightConnector1">
+            <a:avLst/>
+          </a:prstGeom>
+          <a:ln w="38100">
+            <a:tailEnd type="triangle"/>
+          </a:ln>
+        </p:spPr>
+        <p:style>
+          <a:lnRef idx="1">
+            <a:schemeClr val="accent1"/>
+          </a:lnRef>
+          <a:fillRef idx="0">
+            <a:schemeClr val="accent1"/>
+          </a:fillRef>
+          <a:effectRef idx="0">
+            <a:schemeClr val="accent1"/>
+          </a:effectRef>
+          <a:fontRef idx="minor">
+            <a:schemeClr val="tx1"/>
+          </a:fontRef>
+        </p:style>
+      </p:cxnSp>
+      <p:cxnSp>
+        <p:nvCxnSpPr>
+          <p:cNvPr id="14" name="Ευθύγραμμο βέλος σύνδεσης 13">
+            <a:extLst>
+              <a:ext uri="{FF2B5EF4-FFF2-40B4-BE49-F238E27FC236}">
+                <a16:creationId xmlns:a16="http://schemas.microsoft.com/office/drawing/2014/main" id="{CFB28BF8-B377-4FFD-AD19-CBEF9E830894}"/>
+              </a:ext>
+            </a:extLst>
+          </p:cNvPr>
+          <p:cNvCxnSpPr>
+            <a:cxnSpLocks/>
+            <a:stCxn id="5" idx="3"/>
+            <a:endCxn id="9" idx="1"/>
+          </p:cNvCxnSpPr>
+          <p:nvPr/>
+        </p:nvCxnSpPr>
+        <p:spPr>
+          <a:xfrm>
+            <a:off x="6872797" y="3666478"/>
+            <a:ext cx="1555071" cy="0"/>
+          </a:xfrm>
+          <a:prstGeom prst="straightConnector1">
+            <a:avLst/>
+          </a:prstGeom>
+          <a:ln w="38100">
+            <a:tailEnd type="triangle"/>
+          </a:ln>
+        </p:spPr>
+        <p:style>
+          <a:lnRef idx="1">
+            <a:schemeClr val="accent1"/>
+          </a:lnRef>
+          <a:fillRef idx="0">
+            <a:schemeClr val="accent1"/>
+          </a:fillRef>
+          <a:effectRef idx="0">
+            <a:schemeClr val="accent1"/>
+          </a:effectRef>
+          <a:fontRef idx="minor">
+            <a:schemeClr val="tx1"/>
+          </a:fontRef>
+        </p:style>
+      </p:cxnSp>
+      <p:cxnSp>
+        <p:nvCxnSpPr>
+          <p:cNvPr id="17" name="Ευθύγραμμο βέλος σύνδεσης 16">
+            <a:extLst>
+              <a:ext uri="{FF2B5EF4-FFF2-40B4-BE49-F238E27FC236}">
+                <a16:creationId xmlns:a16="http://schemas.microsoft.com/office/drawing/2014/main" id="{B091C89F-7AD4-47F6-B3E9-0B421210AF7C}"/>
+              </a:ext>
+            </a:extLst>
+          </p:cNvPr>
+          <p:cNvCxnSpPr>
+            <a:cxnSpLocks/>
+            <a:stCxn id="5" idx="3"/>
+            <a:endCxn id="10" idx="1"/>
+          </p:cNvCxnSpPr>
+          <p:nvPr/>
+        </p:nvCxnSpPr>
+        <p:spPr>
+          <a:xfrm>
+            <a:off x="6872797" y="3666478"/>
+            <a:ext cx="1555071" cy="1593542"/>
+          </a:xfrm>
+          <a:prstGeom prst="straightConnector1">
+            <a:avLst/>
+          </a:prstGeom>
+          <a:ln w="38100">
+            <a:tailEnd type="triangle"/>
+          </a:ln>
+        </p:spPr>
+        <p:style>
+          <a:lnRef idx="1">
+            <a:schemeClr val="accent1"/>
+          </a:lnRef>
+          <a:fillRef idx="0">
+            <a:schemeClr val="accent1"/>
+          </a:fillRef>
+          <a:effectRef idx="0">
+            <a:schemeClr val="accent1"/>
+          </a:effectRef>
+          <a:fontRef idx="minor">
+            <a:schemeClr val="tx1"/>
+          </a:fontRef>
+        </p:style>
+      </p:cxnSp>
+      <p:sp>
+        <p:nvSpPr>
+          <p:cNvPr id="20" name="TextBox 19">
+            <a:extLst>
+              <a:ext uri="{FF2B5EF4-FFF2-40B4-BE49-F238E27FC236}">
+                <a16:creationId xmlns:a16="http://schemas.microsoft.com/office/drawing/2014/main" id="{9B29BDAA-1757-47A0-A6D8-7F62724CE4D6}"/>
+              </a:ext>
+            </a:extLst>
+          </p:cNvPr>
+          <p:cNvSpPr txBox="1"/>
+          <p:nvPr/>
+        </p:nvSpPr>
+        <p:spPr>
+          <a:xfrm>
+            <a:off x="1553592" y="5770485"/>
+            <a:ext cx="5082930" cy="369332"/>
+          </a:xfrm>
+          <a:prstGeom prst="rect">
+            <a:avLst/>
+          </a:prstGeom>
+          <a:noFill/>
+        </p:spPr>
+        <p:txBody>
+          <a:bodyPr wrap="none" rtlCol="0">
+            <a:spAutoFit/>
+          </a:bodyPr>
+          <a:lstStyle/>
+          <a:p>
+            <a:r>
+              <a:rPr lang="el-GR" dirty="0"/>
+              <a:t>Κάθε </a:t>
+            </a:r>
+            <a:r>
+              <a:rPr lang="en-US" dirty="0"/>
+              <a:t>Spark </a:t>
+            </a:r>
+            <a:r>
+              <a:rPr lang="el-GR" dirty="0"/>
+              <a:t>εφαρμογή έχει το δικό της </a:t>
+            </a:r>
+            <a:r>
+              <a:rPr lang="en-US" dirty="0" err="1"/>
+              <a:t>SparkSession</a:t>
+            </a:r>
+            <a:endParaRPr lang="el-GR" dirty="0"/>
+          </a:p>
+        </p:txBody>
+      </p:sp>
+    </p:spTree>
+    <p:extLst>
+      <p:ext uri="{BB962C8B-B14F-4D97-AF65-F5344CB8AC3E}">
+        <p14:creationId xmlns:p14="http://schemas.microsoft.com/office/powerpoint/2010/main" val="1172976812"/>
+      </p:ext>
+    </p:extLst>
+  </p:cSld>
+  <p:clrMapOvr>
+    <a:masterClrMapping/>
+  </p:clrMapOvr>
+</p:sld>
+</file>
+
+<file path=ppt/slides/slide6.xml><?xml version="1.0" encoding="utf-8"?>
 <p:sld xmlns:a="http://schemas.openxmlformats.org/drawingml/2006/main" xmlns:r="http://schemas.openxmlformats.org/officeDocument/2006/relationships" xmlns:p="http://schemas.openxmlformats.org/presentationml/2006/main">
   <p:cSld>
     <p:spTree>
@@ -14094,7 +19237,7 @@
           <a:p>
             <a:fld id="{634CA47B-BB17-47C7-9E60-64B1219A2C73}" type="slidenum">
               <a:rPr lang="el-GR" smtClean="0"/>
-              <a:t>3</a:t>
+              <a:t>6</a:t>
             </a:fld>
             <a:endParaRPr lang="el-GR" dirty="0"/>
           </a:p>
@@ -14160,7 +19303,7 @@
 </p:sld>
 </file>
 
-<file path=ppt/slides/slide4.xml><?xml version="1.0" encoding="utf-8"?>
+<file path=ppt/slides/slide7.xml><?xml version="1.0" encoding="utf-8"?>
 <p:sld xmlns:a="http://schemas.openxmlformats.org/drawingml/2006/main" xmlns:r="http://schemas.openxmlformats.org/officeDocument/2006/relationships" xmlns:p="http://schemas.openxmlformats.org/presentationml/2006/main">
   <p:cSld>
     <p:bg>
@@ -14513,7 +19656,7 @@
                   <a:spcPts val="600"/>
                 </a:spcAft>
               </a:pPr>
-              <a:t>4</a:t>
+              <a:t>7</a:t>
             </a:fld>
             <a:endParaRPr lang="en-US">
               <a:solidFill>
@@ -14580,7 +19723,7 @@
 </p:sld>
 </file>
 
-<file path=ppt/slides/slide5.xml><?xml version="1.0" encoding="utf-8"?>
+<file path=ppt/slides/slide8.xml><?xml version="1.0" encoding="utf-8"?>
 <p:sld xmlns:a="http://schemas.openxmlformats.org/drawingml/2006/main" xmlns:r="http://schemas.openxmlformats.org/officeDocument/2006/relationships" xmlns:p="http://schemas.openxmlformats.org/presentationml/2006/main">
   <p:cSld>
     <p:bg>
@@ -14983,7 +20126,7 @@
                   <a:spcPts val="600"/>
                 </a:spcAft>
               </a:pPr>
-              <a:t>5</a:t>
+              <a:t>8</a:t>
             </a:fld>
             <a:endParaRPr lang="el-GR"/>
           </a:p>
@@ -15002,7 +20145,7 @@
 </p:sld>
 </file>
 
-<file path=ppt/slides/slide6.xml><?xml version="1.0" encoding="utf-8"?>
+<file path=ppt/slides/slide9.xml><?xml version="1.0" encoding="utf-8"?>
 <p:sld xmlns:a="http://schemas.openxmlformats.org/drawingml/2006/main" xmlns:r="http://schemas.openxmlformats.org/officeDocument/2006/relationships" xmlns:p="http://schemas.openxmlformats.org/presentationml/2006/main">
   <p:cSld>
     <p:spTree>
@@ -15294,7 +20437,7 @@
           <a:p>
             <a:fld id="{634CA47B-BB17-47C7-9E60-64B1219A2C73}" type="slidenum">
               <a:rPr lang="el-GR" smtClean="0"/>
-              <a:t>6</a:t>
+              <a:t>9</a:t>
             </a:fld>
             <a:endParaRPr lang="el-GR"/>
           </a:p>
@@ -15379,501 +20522,6 @@
     <p:extLst>
       <p:ext uri="{BB962C8B-B14F-4D97-AF65-F5344CB8AC3E}">
         <p14:creationId xmlns:p14="http://schemas.microsoft.com/office/powerpoint/2010/main" val="3727879554"/>
-      </p:ext>
-    </p:extLst>
-  </p:cSld>
-  <p:clrMapOvr>
-    <a:masterClrMapping/>
-  </p:clrMapOvr>
-</p:sld>
-</file>
-
-<file path=ppt/slides/slide7.xml><?xml version="1.0" encoding="utf-8"?>
-<p:sld xmlns:a="http://schemas.openxmlformats.org/drawingml/2006/main" xmlns:r="http://schemas.openxmlformats.org/officeDocument/2006/relationships" xmlns:p="http://schemas.openxmlformats.org/presentationml/2006/main">
-  <p:cSld>
-    <p:spTree>
-      <p:nvGrpSpPr>
-        <p:cNvPr id="1" name=""/>
-        <p:cNvGrpSpPr/>
-        <p:nvPr/>
-      </p:nvGrpSpPr>
-      <p:grpSpPr>
-        <a:xfrm>
-          <a:off x="0" y="0"/>
-          <a:ext cx="0" cy="0"/>
-          <a:chOff x="0" y="0"/>
-          <a:chExt cx="0" cy="0"/>
-        </a:xfrm>
-      </p:grpSpPr>
-      <p:sp>
-        <p:nvSpPr>
-          <p:cNvPr id="2" name="Τίτλος 1"/>
-          <p:cNvSpPr>
-            <a:spLocks noGrp="1"/>
-          </p:cNvSpPr>
-          <p:nvPr>
-            <p:ph type="title"/>
-          </p:nvPr>
-        </p:nvSpPr>
-        <p:spPr/>
-        <p:txBody>
-          <a:bodyPr/>
-          <a:lstStyle/>
-          <a:p>
-            <a:r>
-              <a:rPr lang="el-GR" dirty="0"/>
-              <a:t>Γλώσσες που υποστηρίζει το </a:t>
-            </a:r>
-            <a:r>
-              <a:rPr lang="en-US" dirty="0"/>
-              <a:t>Spark</a:t>
-            </a:r>
-            <a:endParaRPr lang="el-GR" dirty="0"/>
-          </a:p>
-        </p:txBody>
-      </p:sp>
-      <p:sp>
-        <p:nvSpPr>
-          <p:cNvPr id="3" name="Θέση περιεχομένου 2"/>
-          <p:cNvSpPr>
-            <a:spLocks noGrp="1"/>
-          </p:cNvSpPr>
-          <p:nvPr>
-            <p:ph sz="half" idx="1"/>
-          </p:nvPr>
-        </p:nvSpPr>
-        <p:spPr/>
-        <p:txBody>
-          <a:bodyPr/>
-          <a:lstStyle/>
-          <a:p>
-            <a:r>
-              <a:rPr lang="en-US" dirty="0"/>
-              <a:t>Scala</a:t>
-            </a:r>
-          </a:p>
-          <a:p>
-            <a:r>
-              <a:rPr lang="en-US" dirty="0"/>
-              <a:t>Java</a:t>
-            </a:r>
-          </a:p>
-          <a:p>
-            <a:r>
-              <a:rPr lang="en-US" dirty="0"/>
-              <a:t>Python</a:t>
-            </a:r>
-          </a:p>
-          <a:p>
-            <a:r>
-              <a:rPr lang="en-US" dirty="0"/>
-              <a:t>R</a:t>
-            </a:r>
-          </a:p>
-        </p:txBody>
-      </p:sp>
-      <p:sp>
-        <p:nvSpPr>
-          <p:cNvPr id="4" name="Θέση περιεχομένου 3"/>
-          <p:cNvSpPr>
-            <a:spLocks noGrp="1"/>
-          </p:cNvSpPr>
-          <p:nvPr>
-            <p:ph sz="half" idx="2"/>
-          </p:nvPr>
-        </p:nvSpPr>
-        <p:spPr>
-          <a:xfrm>
-            <a:off x="4838330" y="1825625"/>
-            <a:ext cx="6515470" cy="4351338"/>
-          </a:xfrm>
-        </p:spPr>
-        <p:txBody>
-          <a:bodyPr/>
-          <a:lstStyle/>
-          <a:p>
-            <a:r>
-              <a:rPr lang="el-GR" dirty="0"/>
-              <a:t>Διαθέτει </a:t>
-            </a:r>
-            <a:r>
-              <a:rPr lang="en-US" dirty="0"/>
-              <a:t>REPL</a:t>
-            </a:r>
-            <a:r>
-              <a:rPr lang="el-GR" dirty="0"/>
-              <a:t> (</a:t>
-            </a:r>
-            <a:r>
-              <a:rPr lang="en-US" dirty="0"/>
-              <a:t>Read Evaluate Print Loop</a:t>
-            </a:r>
-            <a:r>
-              <a:rPr lang="el-GR" dirty="0"/>
-              <a:t>)</a:t>
-            </a:r>
-            <a:r>
-              <a:rPr lang="en-US" dirty="0"/>
-              <a:t> </a:t>
-            </a:r>
-            <a:r>
-              <a:rPr lang="el-GR" dirty="0"/>
-              <a:t>για: </a:t>
-            </a:r>
-            <a:r>
-              <a:rPr lang="en-US" dirty="0"/>
-              <a:t>Scala</a:t>
-            </a:r>
-            <a:r>
-              <a:rPr lang="el-GR" dirty="0"/>
-              <a:t>, </a:t>
-            </a:r>
-            <a:r>
-              <a:rPr lang="en-US" dirty="0"/>
-              <a:t>Python</a:t>
-            </a:r>
-            <a:r>
-              <a:rPr lang="el-GR" dirty="0"/>
-              <a:t>, </a:t>
-            </a:r>
-            <a:r>
-              <a:rPr lang="en-US" dirty="0"/>
-              <a:t>R</a:t>
-            </a:r>
-          </a:p>
-          <a:p>
-            <a:r>
-              <a:rPr lang="en-US" dirty="0"/>
-              <a:t>Python notebooks</a:t>
-            </a:r>
-          </a:p>
-          <a:p>
-            <a:r>
-              <a:rPr lang="en-US" dirty="0"/>
-              <a:t>R notebooks</a:t>
-            </a:r>
-            <a:endParaRPr lang="el-GR" dirty="0"/>
-          </a:p>
-        </p:txBody>
-      </p:sp>
-      <p:sp>
-        <p:nvSpPr>
-          <p:cNvPr id="5" name="Θέση αριθμού διαφάνειας 4"/>
-          <p:cNvSpPr>
-            <a:spLocks noGrp="1"/>
-          </p:cNvSpPr>
-          <p:nvPr>
-            <p:ph type="sldNum" sz="quarter" idx="12"/>
-          </p:nvPr>
-        </p:nvSpPr>
-        <p:spPr/>
-        <p:txBody>
-          <a:bodyPr/>
-          <a:lstStyle/>
-          <a:p>
-            <a:fld id="{634CA47B-BB17-47C7-9E60-64B1219A2C73}" type="slidenum">
-              <a:rPr lang="el-GR" smtClean="0"/>
-              <a:t>7</a:t>
-            </a:fld>
-            <a:endParaRPr lang="el-GR"/>
-          </a:p>
-        </p:txBody>
-      </p:sp>
-      <p:pic>
-        <p:nvPicPr>
-          <p:cNvPr id="6" name="Εικόνα 5">
-            <a:extLst>
-              <a:ext uri="{FF2B5EF4-FFF2-40B4-BE49-F238E27FC236}">
-                <a16:creationId xmlns:a16="http://schemas.microsoft.com/office/drawing/2014/main" id="{6A12D967-B3EA-4769-86FE-2B4414DAEE9A}"/>
-              </a:ext>
-            </a:extLst>
-          </p:cNvPr>
-          <p:cNvPicPr>
-            <a:picLocks noChangeAspect="1"/>
-          </p:cNvPicPr>
-          <p:nvPr/>
-        </p:nvPicPr>
-        <p:blipFill>
-          <a:blip r:embed="rId3"/>
-          <a:stretch>
-            <a:fillRect/>
-          </a:stretch>
-        </p:blipFill>
-        <p:spPr>
-          <a:xfrm>
-            <a:off x="436478" y="3917992"/>
-            <a:ext cx="5985043" cy="2279805"/>
-          </a:xfrm>
-          <a:prstGeom prst="rect">
-            <a:avLst/>
-          </a:prstGeom>
-        </p:spPr>
-      </p:pic>
-      <p:pic>
-        <p:nvPicPr>
-          <p:cNvPr id="9" name="Picture 2" descr="Get Started with PySpark and Jupyter Notebook in 3 Minutes">
-            <a:extLst>
-              <a:ext uri="{FF2B5EF4-FFF2-40B4-BE49-F238E27FC236}">
-                <a16:creationId xmlns:a16="http://schemas.microsoft.com/office/drawing/2014/main" id="{EBFFE88E-8134-4A29-A484-3CF9C9A3B8EC}"/>
-              </a:ext>
-            </a:extLst>
-          </p:cNvPr>
-          <p:cNvPicPr>
-            <a:picLocks noChangeAspect="1" noChangeArrowheads="1"/>
-          </p:cNvPicPr>
-          <p:nvPr/>
-        </p:nvPicPr>
-        <p:blipFill>
-          <a:blip r:embed="rId4" cstate="print">
-            <a:extLst>
-              <a:ext uri="{28A0092B-C50C-407E-A947-70E740481C1C}">
-                <a14:useLocalDpi xmlns:a14="http://schemas.microsoft.com/office/drawing/2010/main" val="0"/>
-              </a:ext>
-            </a:extLst>
-          </a:blip>
-          <a:srcRect/>
-          <a:stretch>
-            <a:fillRect/>
-          </a:stretch>
-        </p:blipFill>
-        <p:spPr bwMode="auto">
-          <a:xfrm>
-            <a:off x="6709683" y="3759441"/>
-            <a:ext cx="4975694" cy="2596909"/>
-          </a:xfrm>
-          <a:prstGeom prst="rect">
-            <a:avLst/>
-          </a:prstGeom>
-          <a:noFill/>
-          <a:extLst>
-            <a:ext uri="{909E8E84-426E-40DD-AFC4-6F175D3DCCD1}">
-              <a14:hiddenFill xmlns:a14="http://schemas.microsoft.com/office/drawing/2010/main">
-                <a:solidFill>
-                  <a:srgbClr val="FFFFFF"/>
-                </a:solidFill>
-              </a14:hiddenFill>
-            </a:ext>
-          </a:extLst>
-        </p:spPr>
-      </p:pic>
-    </p:spTree>
-    <p:extLst>
-      <p:ext uri="{BB962C8B-B14F-4D97-AF65-F5344CB8AC3E}">
-        <p14:creationId xmlns:p14="http://schemas.microsoft.com/office/powerpoint/2010/main" val="1241952852"/>
-      </p:ext>
-    </p:extLst>
-  </p:cSld>
-  <p:clrMapOvr>
-    <a:masterClrMapping/>
-  </p:clrMapOvr>
-</p:sld>
-</file>
-
-<file path=ppt/slides/slide8.xml><?xml version="1.0" encoding="utf-8"?>
-<p:sld xmlns:a="http://schemas.openxmlformats.org/drawingml/2006/main" xmlns:r="http://schemas.openxmlformats.org/officeDocument/2006/relationships" xmlns:p="http://schemas.openxmlformats.org/presentationml/2006/main">
-  <p:cSld>
-    <p:spTree>
-      <p:nvGrpSpPr>
-        <p:cNvPr id="1" name=""/>
-        <p:cNvGrpSpPr/>
-        <p:nvPr/>
-      </p:nvGrpSpPr>
-      <p:grpSpPr>
-        <a:xfrm>
-          <a:off x="0" y="0"/>
-          <a:ext cx="0" cy="0"/>
-          <a:chOff x="0" y="0"/>
-          <a:chExt cx="0" cy="0"/>
-        </a:xfrm>
-      </p:grpSpPr>
-      <p:sp>
-        <p:nvSpPr>
-          <p:cNvPr id="2" name="Τίτλος 1">
-            <a:extLst>
-              <a:ext uri="{FF2B5EF4-FFF2-40B4-BE49-F238E27FC236}">
-                <a16:creationId xmlns:a16="http://schemas.microsoft.com/office/drawing/2014/main" id="{A643752E-6740-4DE8-BC78-C55B9490178D}"/>
-              </a:ext>
-            </a:extLst>
-          </p:cNvPr>
-          <p:cNvSpPr>
-            <a:spLocks noGrp="1"/>
-          </p:cNvSpPr>
-          <p:nvPr>
-            <p:ph type="title"/>
-          </p:nvPr>
-        </p:nvSpPr>
-        <p:spPr/>
-        <p:txBody>
-          <a:bodyPr/>
-          <a:lstStyle/>
-          <a:p>
-            <a:r>
-              <a:rPr lang="en-US" dirty="0"/>
-              <a:t>Python REPL</a:t>
-            </a:r>
-            <a:endParaRPr lang="el-GR" dirty="0"/>
-          </a:p>
-        </p:txBody>
-      </p:sp>
-      <p:pic>
-        <p:nvPicPr>
-          <p:cNvPr id="6" name="Θέση περιεχομένου 5">
-            <a:extLst>
-              <a:ext uri="{FF2B5EF4-FFF2-40B4-BE49-F238E27FC236}">
-                <a16:creationId xmlns:a16="http://schemas.microsoft.com/office/drawing/2014/main" id="{0FFC187A-4D85-4999-BE27-7B5EC5285817}"/>
-              </a:ext>
-            </a:extLst>
-          </p:cNvPr>
-          <p:cNvPicPr>
-            <a:picLocks noGrp="1" noChangeAspect="1"/>
-          </p:cNvPicPr>
-          <p:nvPr>
-            <p:ph sz="half" idx="2"/>
-          </p:nvPr>
-        </p:nvPicPr>
-        <p:blipFill>
-          <a:blip r:embed="rId2"/>
-          <a:stretch>
-            <a:fillRect/>
-          </a:stretch>
-        </p:blipFill>
-        <p:spPr>
-          <a:xfrm>
-            <a:off x="6172200" y="3170247"/>
-            <a:ext cx="5181600" cy="1662094"/>
-          </a:xfrm>
-          <a:prstGeom prst="rect">
-            <a:avLst/>
-          </a:prstGeom>
-        </p:spPr>
-      </p:pic>
-      <p:pic>
-        <p:nvPicPr>
-          <p:cNvPr id="5" name="Θέση περιεχομένου 4">
-            <a:extLst>
-              <a:ext uri="{FF2B5EF4-FFF2-40B4-BE49-F238E27FC236}">
-                <a16:creationId xmlns:a16="http://schemas.microsoft.com/office/drawing/2014/main" id="{816E81BF-0978-4FA0-9696-FBF2E846FF14}"/>
-              </a:ext>
-            </a:extLst>
-          </p:cNvPr>
-          <p:cNvPicPr>
-            <a:picLocks noGrp="1" noChangeAspect="1"/>
-          </p:cNvPicPr>
-          <p:nvPr>
-            <p:ph sz="half" idx="1"/>
-          </p:nvPr>
-        </p:nvPicPr>
-        <p:blipFill>
-          <a:blip r:embed="rId3"/>
-          <a:stretch>
-            <a:fillRect/>
-          </a:stretch>
-        </p:blipFill>
-        <p:spPr>
-          <a:xfrm>
-            <a:off x="838200" y="3156971"/>
-            <a:ext cx="5181600" cy="1688646"/>
-          </a:xfrm>
-          <a:prstGeom prst="rect">
-            <a:avLst/>
-          </a:prstGeom>
-        </p:spPr>
-      </p:pic>
-    </p:spTree>
-    <p:extLst>
-      <p:ext uri="{BB962C8B-B14F-4D97-AF65-F5344CB8AC3E}">
-        <p14:creationId xmlns:p14="http://schemas.microsoft.com/office/powerpoint/2010/main" val="1611420149"/>
-      </p:ext>
-    </p:extLst>
-  </p:cSld>
-  <p:clrMapOvr>
-    <a:masterClrMapping/>
-  </p:clrMapOvr>
-</p:sld>
-</file>
-
-<file path=ppt/slides/slide9.xml><?xml version="1.0" encoding="utf-8"?>
-<p:sld xmlns:a="http://schemas.openxmlformats.org/drawingml/2006/main" xmlns:r="http://schemas.openxmlformats.org/officeDocument/2006/relationships" xmlns:p="http://schemas.openxmlformats.org/presentationml/2006/main">
-  <p:cSld>
-    <p:spTree>
-      <p:nvGrpSpPr>
-        <p:cNvPr id="1" name=""/>
-        <p:cNvGrpSpPr/>
-        <p:nvPr/>
-      </p:nvGrpSpPr>
-      <p:grpSpPr>
-        <a:xfrm>
-          <a:off x="0" y="0"/>
-          <a:ext cx="0" cy="0"/>
-          <a:chOff x="0" y="0"/>
-          <a:chExt cx="0" cy="0"/>
-        </a:xfrm>
-      </p:grpSpPr>
-      <p:sp>
-        <p:nvSpPr>
-          <p:cNvPr id="2" name="Τίτλος 1">
-            <a:extLst>
-              <a:ext uri="{FF2B5EF4-FFF2-40B4-BE49-F238E27FC236}">
-                <a16:creationId xmlns:a16="http://schemas.microsoft.com/office/drawing/2014/main" id="{FEFEC80A-9FA2-453B-8C07-746AB638AA29}"/>
-              </a:ext>
-            </a:extLst>
-          </p:cNvPr>
-          <p:cNvSpPr>
-            <a:spLocks noGrp="1"/>
-          </p:cNvSpPr>
-          <p:nvPr>
-            <p:ph type="title"/>
-          </p:nvPr>
-        </p:nvSpPr>
-        <p:spPr/>
-        <p:txBody>
-          <a:bodyPr/>
-          <a:lstStyle/>
-          <a:p>
-            <a:r>
-              <a:rPr lang="en-US" dirty="0"/>
-              <a:t>R REPL</a:t>
-            </a:r>
-            <a:endParaRPr lang="el-GR" dirty="0"/>
-          </a:p>
-        </p:txBody>
-      </p:sp>
-      <p:pic>
-        <p:nvPicPr>
-          <p:cNvPr id="6" name="Θέση περιεχομένου 5">
-            <a:extLst>
-              <a:ext uri="{FF2B5EF4-FFF2-40B4-BE49-F238E27FC236}">
-                <a16:creationId xmlns:a16="http://schemas.microsoft.com/office/drawing/2014/main" id="{CA30DB56-9FE4-4033-AEE7-46B21C830B01}"/>
-              </a:ext>
-            </a:extLst>
-          </p:cNvPr>
-          <p:cNvPicPr>
-            <a:picLocks noGrp="1" noChangeAspect="1"/>
-          </p:cNvPicPr>
-          <p:nvPr>
-            <p:ph idx="1"/>
-          </p:nvPr>
-        </p:nvPicPr>
-        <p:blipFill>
-          <a:blip r:embed="rId2"/>
-          <a:stretch>
-            <a:fillRect/>
-          </a:stretch>
-        </p:blipFill>
-        <p:spPr>
-          <a:xfrm>
-            <a:off x="2799458" y="1825625"/>
-            <a:ext cx="6593084" cy="4351338"/>
-          </a:xfrm>
-          <a:prstGeom prst="rect">
-            <a:avLst/>
-          </a:prstGeom>
-        </p:spPr>
-      </p:pic>
-    </p:spTree>
-    <p:extLst>
-      <p:ext uri="{BB962C8B-B14F-4D97-AF65-F5344CB8AC3E}">
-        <p14:creationId xmlns:p14="http://schemas.microsoft.com/office/powerpoint/2010/main" val="4239495160"/>
       </p:ext>
     </p:extLst>
   </p:cSld>

--- a/04. Apache Spark.pptx
+++ b/04. Apache Spark.pptx
@@ -5,15 +5,15 @@
     <p:sldMasterId id="2147483648" r:id="rId1"/>
   </p:sldMasterIdLst>
   <p:notesMasterIdLst>
-    <p:notesMasterId r:id="rId24"/>
+    <p:notesMasterId r:id="rId23"/>
   </p:notesMasterIdLst>
   <p:sldIdLst>
     <p:sldId id="272" r:id="rId2"/>
     <p:sldId id="258" r:id="rId3"/>
-    <p:sldId id="275" r:id="rId4"/>
-    <p:sldId id="277" r:id="rId5"/>
-    <p:sldId id="278" r:id="rId6"/>
-    <p:sldId id="259" r:id="rId7"/>
+    <p:sldId id="277" r:id="rId4"/>
+    <p:sldId id="275" r:id="rId5"/>
+    <p:sldId id="259" r:id="rId6"/>
+    <p:sldId id="278" r:id="rId7"/>
     <p:sldId id="260" r:id="rId8"/>
     <p:sldId id="261" r:id="rId9"/>
     <p:sldId id="262" r:id="rId10"/>
@@ -27,9 +27,8 @@
     <p:sldId id="271" r:id="rId18"/>
     <p:sldId id="269" r:id="rId19"/>
     <p:sldId id="279" r:id="rId20"/>
-    <p:sldId id="276" r:id="rId21"/>
-    <p:sldId id="268" r:id="rId22"/>
-    <p:sldId id="267" r:id="rId23"/>
+    <p:sldId id="268" r:id="rId21"/>
+    <p:sldId id="267" r:id="rId22"/>
   </p:sldIdLst>
   <p:sldSz cx="12192000" cy="6858000"/>
   <p:notesSz cx="6858000" cy="9144000"/>
@@ -2600,7 +2599,23 @@
         <a:p>
           <a:r>
             <a:rPr lang="el-GR" dirty="0"/>
-            <a:t>Δίνει έμφαση στη διατήρηση δεδομένων στη μνήμη (100</a:t>
+            <a:t>Εφόσον είναι δυνατό διατηρεί τα δεδομένα στη κύρια μνήμη των </a:t>
+          </a:r>
+          <a:r>
+            <a:rPr lang="en-US" dirty="0"/>
+            <a:t>executors </a:t>
+          </a:r>
+          <a:r>
+            <a:rPr lang="el-GR" dirty="0"/>
+            <a:t>(</a:t>
+          </a:r>
+          <a:r>
+            <a:rPr lang="en-US" dirty="0"/>
+            <a:t>2x </a:t>
+          </a:r>
+          <a:r>
+            <a:rPr lang="el-GR" dirty="0"/>
+            <a:t>έως 100</a:t>
           </a:r>
           <a:r>
             <a:rPr lang="en-US" dirty="0"/>
@@ -2999,8 +3014,22 @@
         <a:lstStyle/>
         <a:p>
           <a:r>
-            <a:rPr lang="en-US"/>
-            <a:t>AMPlab è Databricks</a:t>
+            <a:rPr lang="en-US" dirty="0" err="1"/>
+            <a:t>AMPlab</a:t>
+          </a:r>
+          <a:r>
+            <a:rPr lang="en-US" dirty="0"/>
+            <a:t> </a:t>
+          </a:r>
+          <a:r>
+            <a:rPr lang="el-GR" dirty="0">
+              <a:sym typeface="Wingdings" panose="05000000000000000000" pitchFamily="2" charset="2"/>
+            </a:rPr>
+            <a:t></a:t>
+          </a:r>
+          <a:r>
+            <a:rPr lang="en-US" dirty="0"/>
+            <a:t> Databricks</a:t>
           </a:r>
         </a:p>
       </dgm:t>
@@ -4198,6 +4227,12 @@
           </a:r>
           <a:endParaRPr lang="en-US" dirty="0"/>
         </a:p>
+        <a:p>
+          <a:r>
+            <a:rPr lang="en-US" dirty="0"/>
+            <a:t>RDDs</a:t>
+          </a:r>
+        </a:p>
       </dgm:t>
     </dgm:pt>
     <dgm:pt modelId="{BDA5FA99-6710-41CC-8C73-5FE13D2FAA85}" type="parTrans" cxnId="{45099A1B-DC71-41CF-83C0-795112220B76}">
@@ -4233,7 +4268,20 @@
             <a:rPr lang="el-GR" dirty="0"/>
             <a:t>Υψηλού επιπέδου</a:t>
           </a:r>
-          <a:endParaRPr lang="en-US" dirty="0"/>
+        </a:p>
+        <a:p>
+          <a:r>
+            <a:rPr lang="en-US" dirty="0"/>
+            <a:t>Datasets, </a:t>
+          </a:r>
+          <a:r>
+            <a:rPr lang="en-US" dirty="0" err="1"/>
+            <a:t>Dataframes</a:t>
+          </a:r>
+          <a:r>
+            <a:rPr lang="en-US" dirty="0"/>
+            <a:t>, SQL</a:t>
+          </a:r>
         </a:p>
         <a:p>
           <a:r>
@@ -4719,7 +4767,23 @@
           </a:pPr>
           <a:r>
             <a:rPr lang="el-GR" sz="1800" kern="1200" dirty="0"/>
-            <a:t>Δίνει έμφαση στη διατήρηση δεδομένων στη μνήμη (100</a:t>
+            <a:t>Εφόσον είναι δυνατό διατηρεί τα δεδομένα στη κύρια μνήμη των </a:t>
+          </a:r>
+          <a:r>
+            <a:rPr lang="en-US" sz="1800" kern="1200" dirty="0"/>
+            <a:t>executors </a:t>
+          </a:r>
+          <a:r>
+            <a:rPr lang="el-GR" sz="1800" kern="1200" dirty="0"/>
+            <a:t>(</a:t>
+          </a:r>
+          <a:r>
+            <a:rPr lang="en-US" sz="1800" kern="1200" dirty="0"/>
+            <a:t>2x </a:t>
+          </a:r>
+          <a:r>
+            <a:rPr lang="el-GR" sz="1800" kern="1200" dirty="0"/>
+            <a:t>έως 100</a:t>
           </a:r>
           <a:r>
             <a:rPr lang="en-US" sz="1800" kern="1200" dirty="0"/>
@@ -5869,8 +5933,22 @@
             <a:buNone/>
           </a:pPr>
           <a:r>
-            <a:rPr lang="en-US" sz="1500" kern="1200"/>
-            <a:t>AMPlab è Databricks</a:t>
+            <a:rPr lang="en-US" sz="1500" kern="1200" dirty="0" err="1"/>
+            <a:t>AMPlab</a:t>
+          </a:r>
+          <a:r>
+            <a:rPr lang="en-US" sz="1500" kern="1200" dirty="0"/>
+            <a:t> </a:t>
+          </a:r>
+          <a:r>
+            <a:rPr lang="el-GR" sz="1500" kern="1200" dirty="0">
+              <a:sym typeface="Wingdings" panose="05000000000000000000" pitchFamily="2" charset="2"/>
+            </a:rPr>
+            <a:t></a:t>
+          </a:r>
+          <a:r>
+            <a:rPr lang="en-US" sz="1500" kern="1200" dirty="0"/>
+            <a:t> Databricks</a:t>
           </a:r>
         </a:p>
       </dsp:txBody>
@@ -7135,12 +7213,12 @@
         </a:fontRef>
       </dsp:style>
       <dsp:txBody>
-        <a:bodyPr spcFirstLastPara="0" vert="horz" wrap="square" lIns="23495" tIns="23495" rIns="23495" bIns="23495" numCol="1" spcCol="1270" anchor="ctr" anchorCtr="0">
+        <a:bodyPr spcFirstLastPara="0" vert="horz" wrap="square" lIns="16510" tIns="16510" rIns="16510" bIns="16510" numCol="1" spcCol="1270" anchor="ctr" anchorCtr="0">
           <a:noAutofit/>
         </a:bodyPr>
         <a:lstStyle/>
         <a:p>
-          <a:pPr marL="0" lvl="0" indent="0" algn="ctr" defTabSz="1644650">
+          <a:pPr marL="0" lvl="0" indent="0" algn="ctr" defTabSz="1155700">
             <a:lnSpc>
               <a:spcPct val="90000"/>
             </a:lnSpc>
@@ -7153,14 +7231,14 @@
             <a:buNone/>
           </a:pPr>
           <a:r>
-            <a:rPr lang="el-GR" sz="3700" kern="1200" dirty="0"/>
+            <a:rPr lang="el-GR" sz="2600" kern="1200" dirty="0"/>
             <a:t>Διαθέσιμα </a:t>
           </a:r>
           <a:r>
-            <a:rPr lang="en-US" sz="3700" kern="1200" dirty="0"/>
+            <a:rPr lang="en-US" sz="2600" kern="1200" dirty="0"/>
             <a:t>APIs</a:t>
           </a:r>
-          <a:endParaRPr lang="el-GR" sz="3700" kern="1200" dirty="0"/>
+          <a:endParaRPr lang="el-GR" sz="2600" kern="1200" dirty="0"/>
         </a:p>
       </dsp:txBody>
       <dsp:txXfrm>
@@ -7218,12 +7296,12 @@
         </a:fontRef>
       </dsp:style>
       <dsp:txBody>
-        <a:bodyPr spcFirstLastPara="0" vert="horz" wrap="square" lIns="23495" tIns="23495" rIns="23495" bIns="23495" numCol="1" spcCol="1270" anchor="ctr" anchorCtr="0">
+        <a:bodyPr spcFirstLastPara="0" vert="horz" wrap="square" lIns="16510" tIns="16510" rIns="16510" bIns="16510" numCol="1" spcCol="1270" anchor="ctr" anchorCtr="0">
           <a:noAutofit/>
         </a:bodyPr>
         <a:lstStyle/>
         <a:p>
-          <a:pPr marL="0" lvl="0" indent="0" algn="ctr" defTabSz="1644650">
+          <a:pPr marL="0" lvl="0" indent="0" algn="ctr" defTabSz="1155700">
             <a:lnSpc>
               <a:spcPct val="90000"/>
             </a:lnSpc>
@@ -7236,10 +7314,28 @@
             <a:buNone/>
           </a:pPr>
           <a:r>
-            <a:rPr lang="el-GR" sz="3700" kern="1200" dirty="0"/>
+            <a:rPr lang="el-GR" sz="2600" kern="1200" dirty="0"/>
             <a:t>Χαμηλού επιπέδου</a:t>
           </a:r>
-          <a:endParaRPr lang="en-US" sz="3700" kern="1200" dirty="0"/>
+          <a:endParaRPr lang="en-US" sz="2600" kern="1200" dirty="0"/>
+        </a:p>
+        <a:p>
+          <a:pPr marL="0" lvl="0" indent="0" algn="ctr" defTabSz="1155700">
+            <a:lnSpc>
+              <a:spcPct val="90000"/>
+            </a:lnSpc>
+            <a:spcBef>
+              <a:spcPct val="0"/>
+            </a:spcBef>
+            <a:spcAft>
+              <a:spcPct val="35000"/>
+            </a:spcAft>
+            <a:buNone/>
+          </a:pPr>
+          <a:r>
+            <a:rPr lang="en-US" sz="2600" kern="1200" dirty="0"/>
+            <a:t>RDDs</a:t>
+          </a:r>
         </a:p>
       </dsp:txBody>
       <dsp:txXfrm>
@@ -7297,12 +7393,12 @@
         </a:fontRef>
       </dsp:style>
       <dsp:txBody>
-        <a:bodyPr spcFirstLastPara="0" vert="horz" wrap="square" lIns="23495" tIns="23495" rIns="23495" bIns="23495" numCol="1" spcCol="1270" anchor="ctr" anchorCtr="0">
+        <a:bodyPr spcFirstLastPara="0" vert="horz" wrap="square" lIns="16510" tIns="16510" rIns="16510" bIns="16510" numCol="1" spcCol="1270" anchor="ctr" anchorCtr="0">
           <a:noAutofit/>
         </a:bodyPr>
         <a:lstStyle/>
         <a:p>
-          <a:pPr marL="0" lvl="0" indent="0" algn="ctr" defTabSz="1644650">
+          <a:pPr marL="0" lvl="0" indent="0" algn="ctr" defTabSz="1155700">
             <a:lnSpc>
               <a:spcPct val="90000"/>
             </a:lnSpc>
@@ -7315,13 +7411,12 @@
             <a:buNone/>
           </a:pPr>
           <a:r>
-            <a:rPr lang="el-GR" sz="3700" kern="1200" dirty="0"/>
+            <a:rPr lang="el-GR" sz="2600" kern="1200" dirty="0"/>
             <a:t>Υψηλού επιπέδου</a:t>
           </a:r>
-          <a:endParaRPr lang="en-US" sz="3700" kern="1200" dirty="0"/>
         </a:p>
         <a:p>
-          <a:pPr marL="0" lvl="0" indent="0" algn="ctr" defTabSz="1644650">
+          <a:pPr marL="0" lvl="0" indent="0" algn="ctr" defTabSz="1155700">
             <a:lnSpc>
               <a:spcPct val="90000"/>
             </a:lnSpc>
@@ -7334,10 +7429,36 @@
             <a:buNone/>
           </a:pPr>
           <a:r>
-            <a:rPr lang="en-US" sz="3700" kern="1200" dirty="0"/>
+            <a:rPr lang="en-US" sz="2600" kern="1200" dirty="0"/>
+            <a:t>Datasets, </a:t>
+          </a:r>
+          <a:r>
+            <a:rPr lang="en-US" sz="2600" kern="1200" dirty="0" err="1"/>
+            <a:t>Dataframes</a:t>
+          </a:r>
+          <a:r>
+            <a:rPr lang="en-US" sz="2600" kern="1200" dirty="0"/>
+            <a:t>, SQL</a:t>
+          </a:r>
+        </a:p>
+        <a:p>
+          <a:pPr marL="0" lvl="0" indent="0" algn="ctr" defTabSz="1155700">
+            <a:lnSpc>
+              <a:spcPct val="90000"/>
+            </a:lnSpc>
+            <a:spcBef>
+              <a:spcPct val="0"/>
+            </a:spcBef>
+            <a:spcAft>
+              <a:spcPct val="35000"/>
+            </a:spcAft>
+            <a:buNone/>
+          </a:pPr>
+          <a:r>
+            <a:rPr lang="en-US" sz="2600" kern="1200" dirty="0"/>
             <a:t>	</a:t>
           </a:r>
-          <a:endParaRPr lang="el-GR" sz="3700" kern="1200" dirty="0"/>
+          <a:endParaRPr lang="el-GR" sz="2600" kern="1200" dirty="0"/>
         </a:p>
       </dsp:txBody>
       <dsp:txXfrm>
@@ -13267,7 +13388,7 @@
           <a:p>
             <a:fld id="{F65C95F2-2AB4-44CC-909A-30EA08F0882A}" type="slidenum">
               <a:rPr lang="el-GR" smtClean="0"/>
-              <a:t>5</a:t>
+              <a:t>6</a:t>
             </a:fld>
             <a:endParaRPr lang="el-GR"/>
           </a:p>
@@ -13797,7 +13918,7 @@
           <a:p>
             <a:fld id="{5F9DBC74-475F-4A83-AC9D-9F7F396082E4}" type="slidenum">
               <a:rPr lang="el-GR" smtClean="0"/>
-              <a:t>21</a:t>
+              <a:t>20</a:t>
             </a:fld>
             <a:endParaRPr lang="el-GR"/>
           </a:p>
@@ -13881,7 +14002,7 @@
           <a:p>
             <a:fld id="{5F9DBC74-475F-4A83-AC9D-9F7F396082E4}" type="slidenum">
               <a:rPr lang="el-GR" smtClean="0"/>
-              <a:t>22</a:t>
+              <a:t>21</a:t>
             </a:fld>
             <a:endParaRPr lang="el-GR"/>
           </a:p>
@@ -19867,11 +19988,19 @@
             </a:r>
             <a:r>
               <a:rPr lang="en-US" sz="2000" dirty="0"/>
-              <a:t>RDD </a:t>
+              <a:t>RDD</a:t>
             </a:r>
             <a:r>
               <a:rPr lang="el-GR" sz="2000" dirty="0"/>
-              <a:t>δύο βασικοί τύποι λειτουργιών μπορούν να γίνουν:</a:t>
+              <a:t>, μπορούν να γίνουν</a:t>
+            </a:r>
+            <a:r>
+              <a:rPr lang="en-US" sz="2000" dirty="0"/>
+              <a:t> </a:t>
+            </a:r>
+            <a:r>
+              <a:rPr lang="el-GR" sz="2000" dirty="0"/>
+              <a:t>δύο βασικοί τύποι λειτουργιών:</a:t>
             </a:r>
           </a:p>
           <a:p>
@@ -20189,8 +20318,8 @@
         </p:nvSpPr>
         <p:spPr>
           <a:xfrm>
-            <a:off x="643468" y="2638044"/>
-            <a:ext cx="3363974" cy="3415622"/>
+            <a:off x="643467" y="2638044"/>
+            <a:ext cx="3484649" cy="3415622"/>
           </a:xfrm>
         </p:spPr>
         <p:txBody>
@@ -20200,22 +20329,62 @@
           <a:lstStyle/>
           <a:p>
             <a:r>
-              <a:rPr lang="en-US" sz="1700">
+              <a:rPr lang="en-US" sz="1700" dirty="0">
                 <a:solidFill>
                   <a:schemeClr val="bg1"/>
                 </a:solidFill>
               </a:rPr>
-              <a:t>To Spark επιτρέπει την ανάπτυξη σύνθετων εργασιών, που αποτελούνται από πολλά επιμέρους βήματα χρησιμοποιώντας το DAG pattern</a:t>
-            </a:r>
-          </a:p>
-          <a:p>
-            <a:r>
-              <a:rPr lang="en-US" sz="1700">
+              <a:t>To Spark επ</a:t>
+            </a:r>
+            <a:r>
+              <a:rPr lang="en-US" sz="1700" dirty="0" err="1">
                 <a:solidFill>
                   <a:schemeClr val="bg1"/>
                 </a:solidFill>
               </a:rPr>
-              <a:t>Το Spark διατηρεί τα ενδιάμεσα αποτελέσματα στη μνήμη αντί να τα εγγράφει στο δίσκο (ιδιαίτερα χρήσιμο όταν χρειάζεται να πραγματοποιηθούν εργασίες στα ίδια δεδομένα πολλές φορές)</a:t>
+              <a:t>ιτρέ</a:t>
+            </a:r>
+            <a:r>
+              <a:rPr lang="en-US" sz="1700" dirty="0">
+                <a:solidFill>
+                  <a:schemeClr val="bg1"/>
+                </a:solidFill>
+              </a:rPr>
+              <a:t>πει την ανάπτυξη σύνθετων εργασιών, που αποτελούνται από πολλά επιμέρους βήματα χρησιμοποιώντας το DAG pattern</a:t>
+            </a:r>
+          </a:p>
+          <a:p>
+            <a:r>
+              <a:rPr lang="en-US" sz="1700" dirty="0" err="1">
+                <a:solidFill>
+                  <a:schemeClr val="bg1"/>
+                </a:solidFill>
+              </a:rPr>
+              <a:t>Το</a:t>
+            </a:r>
+            <a:r>
+              <a:rPr lang="en-US" sz="1700" dirty="0">
+                <a:solidFill>
+                  <a:schemeClr val="bg1"/>
+                </a:solidFill>
+              </a:rPr>
+              <a:t> Spark </a:t>
+            </a:r>
+            <a:r>
+              <a:rPr lang="en-US" sz="1700" dirty="0" err="1">
+                <a:solidFill>
+                  <a:schemeClr val="bg1"/>
+                </a:solidFill>
+              </a:rPr>
+              <a:t>δι</a:t>
+            </a:r>
+            <a:r>
+              <a:rPr lang="en-US" sz="1700" dirty="0">
+                <a:solidFill>
+                  <a:schemeClr val="bg1"/>
+                </a:solidFill>
+              </a:rPr>
+              <a:t>ατηρεί τα ενδιάμεσα αποτελέσματα στη μνήμη αντί να τα εγγράφει στο δίσκο (ιδιαίτερα χρήσιμο όταν χρειάζεται να πραγματοποιηθούν εργασίες στα ίδια δεδομένα πολλές φορές)</a:t>
             </a:r>
           </a:p>
         </p:txBody>
@@ -20242,8 +20411,8 @@
         </p:blipFill>
         <p:spPr bwMode="auto">
           <a:xfrm>
-            <a:off x="5297763" y="1582724"/>
-            <a:ext cx="6250769" cy="3531684"/>
+            <a:off x="4812209" y="1582724"/>
+            <a:ext cx="6736323" cy="3806022"/>
           </a:xfrm>
           <a:prstGeom prst="rect">
             <a:avLst/>
@@ -23033,6 +23202,31 @@
             </a:r>
             <a:endParaRPr lang="el-GR" sz="2000" dirty="0"/>
           </a:p>
+          <a:p>
+            <a:r>
+              <a:rPr lang="en-US" sz="2000" dirty="0"/>
+              <a:t>Spark 2.0 </a:t>
+            </a:r>
+            <a:r>
+              <a:rPr lang="en-US" sz="2000" dirty="0">
+                <a:sym typeface="Wingdings" panose="05000000000000000000" pitchFamily="2" charset="2"/>
+              </a:rPr>
+              <a:t> Structured APIs (Datasets, </a:t>
+            </a:r>
+            <a:r>
+              <a:rPr lang="en-US" sz="2000" dirty="0" err="1">
+                <a:sym typeface="Wingdings" panose="05000000000000000000" pitchFamily="2" charset="2"/>
+              </a:rPr>
+              <a:t>DataFrames</a:t>
+            </a:r>
+            <a:r>
+              <a:rPr lang="en-US" sz="2000" dirty="0">
+                <a:sym typeface="Wingdings" panose="05000000000000000000" pitchFamily="2" charset="2"/>
+              </a:rPr>
+              <a:t>, SQL tables and views) – Schemas</a:t>
+            </a:r>
+            <a:endParaRPr lang="el-GR" sz="2000" dirty="0"/>
+          </a:p>
         </p:txBody>
       </p:sp>
     </p:spTree>
@@ -23110,7 +23304,7 @@
             <p:ph idx="1"/>
             <p:extLst>
               <p:ext uri="{D42A27DB-BD31-4B8C-83A1-F6EECF244321}">
-                <p14:modId xmlns:p14="http://schemas.microsoft.com/office/powerpoint/2010/main" val="2043942394"/>
+                <p14:modId xmlns:p14="http://schemas.microsoft.com/office/powerpoint/2010/main" val="4004969476"/>
               </p:ext>
             </p:extLst>
           </p:nvPr>
@@ -23406,7 +23600,7 @@
             <p:ph idx="1"/>
             <p:extLst>
               <p:ext uri="{D42A27DB-BD31-4B8C-83A1-F6EECF244321}">
-                <p14:modId xmlns:p14="http://schemas.microsoft.com/office/powerpoint/2010/main" val="3995096896"/>
+                <p14:modId xmlns:p14="http://schemas.microsoft.com/office/powerpoint/2010/main" val="1714573532"/>
               </p:ext>
             </p:extLst>
           </p:nvPr>
@@ -23435,90 +23629,6 @@
 </file>
 
 <file path=ppt/slides/slide20.xml><?xml version="1.0" encoding="utf-8"?>
-<p:sld xmlns:a="http://schemas.openxmlformats.org/drawingml/2006/main" xmlns:r="http://schemas.openxmlformats.org/officeDocument/2006/relationships" xmlns:p="http://schemas.openxmlformats.org/presentationml/2006/main">
-  <p:cSld>
-    <p:spTree>
-      <p:nvGrpSpPr>
-        <p:cNvPr id="1" name=""/>
-        <p:cNvGrpSpPr/>
-        <p:nvPr/>
-      </p:nvGrpSpPr>
-      <p:grpSpPr>
-        <a:xfrm>
-          <a:off x="0" y="0"/>
-          <a:ext cx="0" cy="0"/>
-          <a:chOff x="0" y="0"/>
-          <a:chExt cx="0" cy="0"/>
-        </a:xfrm>
-      </p:grpSpPr>
-      <p:sp>
-        <p:nvSpPr>
-          <p:cNvPr id="2" name="Τίτλος 1">
-            <a:extLst>
-              <a:ext uri="{FF2B5EF4-FFF2-40B4-BE49-F238E27FC236}">
-                <a16:creationId xmlns:a16="http://schemas.microsoft.com/office/drawing/2014/main" id="{5F7B8475-E872-41E8-82BA-7D326A776CEA}"/>
-              </a:ext>
-            </a:extLst>
-          </p:cNvPr>
-          <p:cNvSpPr>
-            <a:spLocks noGrp="1"/>
-          </p:cNvSpPr>
-          <p:nvPr>
-            <p:ph type="title"/>
-          </p:nvPr>
-        </p:nvSpPr>
-        <p:spPr/>
-        <p:txBody>
-          <a:bodyPr/>
-          <a:lstStyle/>
-          <a:p>
-            <a:r>
-              <a:rPr lang="en-US" dirty="0"/>
-              <a:t>Spark 2.0 – Structured APIs</a:t>
-            </a:r>
-            <a:endParaRPr lang="el-GR" dirty="0"/>
-          </a:p>
-        </p:txBody>
-      </p:sp>
-      <p:sp>
-        <p:nvSpPr>
-          <p:cNvPr id="3" name="Θέση περιεχομένου 2">
-            <a:extLst>
-              <a:ext uri="{FF2B5EF4-FFF2-40B4-BE49-F238E27FC236}">
-                <a16:creationId xmlns:a16="http://schemas.microsoft.com/office/drawing/2014/main" id="{F74840B3-82D1-44E8-B185-0DF1D3430FD1}"/>
-              </a:ext>
-            </a:extLst>
-          </p:cNvPr>
-          <p:cNvSpPr>
-            <a:spLocks noGrp="1"/>
-          </p:cNvSpPr>
-          <p:nvPr>
-            <p:ph idx="1"/>
-          </p:nvPr>
-        </p:nvSpPr>
-        <p:spPr/>
-        <p:txBody>
-          <a:bodyPr/>
-          <a:lstStyle/>
-          <a:p>
-            <a:endParaRPr lang="el-GR"/>
-          </a:p>
-        </p:txBody>
-      </p:sp>
-    </p:spTree>
-    <p:extLst>
-      <p:ext uri="{BB962C8B-B14F-4D97-AF65-F5344CB8AC3E}">
-        <p14:creationId xmlns:p14="http://schemas.microsoft.com/office/powerpoint/2010/main" val="1860623151"/>
-      </p:ext>
-    </p:extLst>
-  </p:cSld>
-  <p:clrMapOvr>
-    <a:masterClrMapping/>
-  </p:clrMapOvr>
-</p:sld>
-</file>
-
-<file path=ppt/slides/slide21.xml><?xml version="1.0" encoding="utf-8"?>
 <p:sld xmlns:a="http://schemas.openxmlformats.org/drawingml/2006/main" xmlns:r="http://schemas.openxmlformats.org/officeDocument/2006/relationships" xmlns:p="http://schemas.openxmlformats.org/presentationml/2006/main">
   <p:cSld>
     <p:spTree>
@@ -23770,7 +23880,7 @@
           <a:p>
             <a:fld id="{634CA47B-BB17-47C7-9E60-64B1219A2C73}" type="slidenum">
               <a:rPr lang="el-GR" smtClean="0"/>
-              <a:t>21</a:t>
+              <a:t>20</a:t>
             </a:fld>
             <a:endParaRPr lang="el-GR"/>
           </a:p>
@@ -23789,7 +23899,7 @@
 </p:sld>
 </file>
 
-<file path=ppt/slides/slide22.xml><?xml version="1.0" encoding="utf-8"?>
+<file path=ppt/slides/slide21.xml><?xml version="1.0" encoding="utf-8"?>
 <p:sld xmlns:a="http://schemas.openxmlformats.org/drawingml/2006/main" xmlns:r="http://schemas.openxmlformats.org/officeDocument/2006/relationships" xmlns:p="http://schemas.openxmlformats.org/presentationml/2006/main">
   <p:cSld>
     <p:spTree>
@@ -23827,7 +23937,15 @@
             </a:r>
             <a:r>
               <a:rPr lang="el-GR" dirty="0"/>
-              <a:t>παράδειγμα επεξεργασίας με το </a:t>
+              <a:t>παράδειγμα επεξεργασίας με</a:t>
+            </a:r>
+            <a:r>
+              <a:rPr lang="en-US" dirty="0"/>
+              <a:t> RDDs </a:t>
+            </a:r>
+            <a:r>
+              <a:rPr lang="el-GR" dirty="0"/>
+              <a:t>στο </a:t>
             </a:r>
             <a:r>
               <a:rPr lang="en-US" dirty="0"/>
@@ -24260,7 +24378,7 @@
           <a:p>
             <a:fld id="{634CA47B-BB17-47C7-9E60-64B1219A2C73}" type="slidenum">
               <a:rPr lang="el-GR" smtClean="0"/>
-              <a:t>22</a:t>
+              <a:t>21</a:t>
             </a:fld>
             <a:endParaRPr lang="el-GR"/>
           </a:p>
@@ -24280,6 +24398,194 @@
 </file>
 
 <file path=ppt/slides/slide3.xml><?xml version="1.0" encoding="utf-8"?>
+<p:sld xmlns:a="http://schemas.openxmlformats.org/drawingml/2006/main" xmlns:r="http://schemas.openxmlformats.org/officeDocument/2006/relationships" xmlns:p="http://schemas.openxmlformats.org/presentationml/2006/main">
+  <p:cSld>
+    <p:bg>
+      <p:bgPr>
+        <a:solidFill>
+          <a:schemeClr val="bg1"/>
+        </a:solidFill>
+        <a:effectLst/>
+      </p:bgPr>
+    </p:bg>
+    <p:spTree>
+      <p:nvGrpSpPr>
+        <p:cNvPr id="1" name=""/>
+        <p:cNvGrpSpPr/>
+        <p:nvPr/>
+      </p:nvGrpSpPr>
+      <p:grpSpPr>
+        <a:xfrm>
+          <a:off x="0" y="0"/>
+          <a:ext cx="0" cy="0"/>
+          <a:chOff x="0" y="0"/>
+          <a:chExt cx="0" cy="0"/>
+        </a:xfrm>
+      </p:grpSpPr>
+      <p:sp>
+        <p:nvSpPr>
+          <p:cNvPr id="2" name="Τίτλος 1">
+            <a:extLst>
+              <a:ext uri="{FF2B5EF4-FFF2-40B4-BE49-F238E27FC236}">
+                <a16:creationId xmlns:a16="http://schemas.microsoft.com/office/drawing/2014/main" id="{736E4F75-6944-451C-B820-09CC649EC03C}"/>
+              </a:ext>
+            </a:extLst>
+          </p:cNvPr>
+          <p:cNvSpPr>
+            <a:spLocks noGrp="1"/>
+          </p:cNvSpPr>
+          <p:nvPr>
+            <p:ph type="title"/>
+          </p:nvPr>
+        </p:nvSpPr>
+        <p:spPr>
+          <a:xfrm>
+            <a:off x="396573" y="320675"/>
+            <a:ext cx="11407487" cy="1325563"/>
+          </a:xfrm>
+        </p:spPr>
+        <p:txBody>
+          <a:bodyPr>
+            <a:normAutofit/>
+          </a:bodyPr>
+          <a:lstStyle/>
+          <a:p>
+            <a:r>
+              <a:rPr lang="el-GR" sz="5400"/>
+              <a:t>Ιστορία του </a:t>
+            </a:r>
+            <a:r>
+              <a:rPr lang="en-US" sz="5400"/>
+              <a:t>Apache Spark</a:t>
+            </a:r>
+            <a:endParaRPr lang="el-GR" sz="5400"/>
+          </a:p>
+        </p:txBody>
+      </p:sp>
+      <p:sp>
+        <p:nvSpPr>
+          <p:cNvPr id="9" name="Rectangle 8">
+            <a:extLst>
+              <a:ext uri="{FF2B5EF4-FFF2-40B4-BE49-F238E27FC236}">
+                <a16:creationId xmlns:a16="http://schemas.microsoft.com/office/drawing/2014/main" id="{37E32B78-23DD-4E77-8B9C-7779E3BF20C2}"/>
+              </a:ext>
+              <a:ext uri="{C183D7F6-B498-43B3-948B-1728B52AA6E4}">
+                <adec:decorative xmlns:adec="http://schemas.microsoft.com/office/drawing/2017/decorative" val="1"/>
+              </a:ext>
+            </a:extLst>
+          </p:cNvPr>
+          <p:cNvSpPr>
+            <a:spLocks noGrp="1" noRot="1" noChangeAspect="1" noMove="1" noResize="1" noEditPoints="1" noAdjustHandles="1" noChangeArrowheads="1" noChangeShapeType="1" noTextEdit="1"/>
+          </p:cNvSpPr>
+          <p:nvPr>
+            <p:extLst>
+              <p:ext uri="{386F3935-93C4-4BCD-93E2-E3B085C9AB24}">
+                <p16:designElem xmlns:p16="http://schemas.microsoft.com/office/powerpoint/2015/main" val="1"/>
+              </p:ext>
+            </p:extLst>
+          </p:nvPr>
+        </p:nvSpPr>
+        <p:spPr>
+          <a:xfrm>
+            <a:off x="0" y="0"/>
+            <a:ext cx="126124" cy="6858000"/>
+          </a:xfrm>
+          <a:prstGeom prst="rect">
+            <a:avLst/>
+          </a:prstGeom>
+          <a:solidFill>
+            <a:srgbClr val="4472C4"/>
+          </a:solidFill>
+          <a:ln w="12700" cap="flat" cmpd="sng" algn="ctr">
+            <a:noFill/>
+            <a:prstDash val="solid"/>
+            <a:miter lim="800000"/>
+          </a:ln>
+          <a:effectLst/>
+        </p:spPr>
+        <p:txBody>
+          <a:bodyPr rtlCol="0" anchor="ctr"/>
+          <a:lstStyle/>
+          <a:p>
+            <a:pPr marL="0" marR="0" lvl="0" indent="0" algn="ctr" defTabSz="914400" eaLnBrk="1" fontAlgn="auto" latinLnBrk="0" hangingPunct="1">
+              <a:lnSpc>
+                <a:spcPct val="100000"/>
+              </a:lnSpc>
+              <a:spcBef>
+                <a:spcPts val="0"/>
+              </a:spcBef>
+              <a:spcAft>
+                <a:spcPts val="0"/>
+              </a:spcAft>
+              <a:buClrTx/>
+              <a:buSzTx/>
+              <a:buFontTx/>
+              <a:buNone/>
+              <a:tabLst/>
+              <a:defRPr/>
+            </a:pPr>
+            <a:endParaRPr kumimoji="0" lang="en-US" sz="1800" b="0" i="0" u="none" strike="noStrike" kern="0" cap="none" spc="0" normalizeH="0" baseline="0" noProof="0">
+              <a:ln>
+                <a:noFill/>
+              </a:ln>
+              <a:solidFill>
+                <a:prstClr val="white"/>
+              </a:solidFill>
+              <a:effectLst/>
+              <a:uLnTx/>
+              <a:uFillTx/>
+              <a:latin typeface="Calibri" panose="020F0502020204030204"/>
+              <a:ea typeface="+mn-ea"/>
+              <a:cs typeface="+mn-cs"/>
+            </a:endParaRPr>
+          </a:p>
+        </p:txBody>
+      </p:sp>
+      <p:graphicFrame>
+        <p:nvGraphicFramePr>
+          <p:cNvPr id="5" name="Θέση περιεχομένου 2">
+            <a:extLst>
+              <a:ext uri="{FF2B5EF4-FFF2-40B4-BE49-F238E27FC236}">
+                <a16:creationId xmlns:a16="http://schemas.microsoft.com/office/drawing/2014/main" id="{0C38A4BA-E7CD-4495-9D95-ABA12B8E7328}"/>
+              </a:ext>
+            </a:extLst>
+          </p:cNvPr>
+          <p:cNvGraphicFramePr>
+            <a:graphicFrameLocks noGrp="1"/>
+          </p:cNvGraphicFramePr>
+          <p:nvPr>
+            <p:ph idx="1"/>
+            <p:extLst>
+              <p:ext uri="{D42A27DB-BD31-4B8C-83A1-F6EECF244321}">
+                <p14:modId xmlns:p14="http://schemas.microsoft.com/office/powerpoint/2010/main" val="1521054602"/>
+              </p:ext>
+            </p:extLst>
+          </p:nvPr>
+        </p:nvGraphicFramePr>
+        <p:xfrm>
+          <a:off x="396574" y="1825625"/>
+          <a:ext cx="11407487" cy="4351338"/>
+        </p:xfrm>
+        <a:graphic>
+          <a:graphicData uri="http://schemas.openxmlformats.org/drawingml/2006/diagram">
+            <dgm:relIds xmlns:dgm="http://schemas.openxmlformats.org/drawingml/2006/diagram" xmlns:r="http://schemas.openxmlformats.org/officeDocument/2006/relationships" r:dm="rId2" r:lo="rId3" r:qs="rId4" r:cs="rId5"/>
+          </a:graphicData>
+        </a:graphic>
+      </p:graphicFrame>
+    </p:spTree>
+    <p:extLst>
+      <p:ext uri="{BB962C8B-B14F-4D97-AF65-F5344CB8AC3E}">
+        <p14:creationId xmlns:p14="http://schemas.microsoft.com/office/powerpoint/2010/main" val="2981358782"/>
+      </p:ext>
+    </p:extLst>
+  </p:cSld>
+  <p:clrMapOvr>
+    <a:masterClrMapping/>
+  </p:clrMapOvr>
+</p:sld>
+</file>
+
+<file path=ppt/slides/slide4.xml><?xml version="1.0" encoding="utf-8"?>
 <p:sld xmlns:a="http://schemas.openxmlformats.org/drawingml/2006/main" xmlns:r="http://schemas.openxmlformats.org/officeDocument/2006/relationships" xmlns:p="http://schemas.openxmlformats.org/presentationml/2006/main">
   <p:cSld>
     <p:bg>
@@ -27516,14 +27822,77 @@
           <a:lstStyle/>
           <a:p>
             <a:r>
-              <a:rPr lang="en-US" sz="3600">
+              <a:rPr lang="en-US" sz="3600" dirty="0">
                 <a:solidFill>
                   <a:schemeClr val="tx2"/>
                 </a:solidFill>
               </a:rPr>
               <a:t>Apache Spark</a:t>
             </a:r>
-            <a:endParaRPr lang="el-GR" sz="3600">
+            <a:br>
+              <a:rPr lang="en-US" sz="3600" dirty="0">
+                <a:solidFill>
+                  <a:schemeClr val="tx2"/>
+                </a:solidFill>
+              </a:rPr>
+            </a:br>
+            <a:r>
+              <a:rPr lang="en-US" sz="1600" dirty="0">
+                <a:solidFill>
+                  <a:schemeClr val="tx2"/>
+                </a:solidFill>
+              </a:rPr>
+              <a:t>“A </a:t>
+            </a:r>
+            <a:r>
+              <a:rPr lang="en-US" sz="1600" b="1" dirty="0">
+                <a:solidFill>
+                  <a:schemeClr val="tx2"/>
+                </a:solidFill>
+              </a:rPr>
+              <a:t>unified</a:t>
+            </a:r>
+            <a:r>
+              <a:rPr lang="en-US" sz="1600" dirty="0">
+                <a:solidFill>
+                  <a:schemeClr val="tx2"/>
+                </a:solidFill>
+              </a:rPr>
+              <a:t> </a:t>
+            </a:r>
+            <a:r>
+              <a:rPr lang="en-US" sz="1600" b="1" dirty="0">
+                <a:solidFill>
+                  <a:schemeClr val="tx2"/>
+                </a:solidFill>
+              </a:rPr>
+              <a:t>computing engine</a:t>
+            </a:r>
+            <a:r>
+              <a:rPr lang="en-US" sz="1600" dirty="0">
+                <a:solidFill>
+                  <a:schemeClr val="tx2"/>
+                </a:solidFill>
+              </a:rPr>
+              <a:t> and a set of </a:t>
+            </a:r>
+            <a:r>
+              <a:rPr lang="en-US" sz="1600" b="1" dirty="0">
+                <a:solidFill>
+                  <a:schemeClr val="tx2"/>
+                </a:solidFill>
+              </a:rPr>
+              <a:t>libraries</a:t>
+            </a:r>
+            <a:r>
+              <a:rPr lang="en-US" sz="1600" dirty="0">
+                <a:solidFill>
+                  <a:schemeClr val="tx2"/>
+                </a:solidFill>
+              </a:rPr>
+              <a:t> for big data”</a:t>
+            </a:r>
+            <a:endParaRPr lang="el-GR" sz="1600" dirty="0">
               <a:solidFill>
                 <a:schemeClr val="tx2"/>
               </a:solidFill>
@@ -27555,28 +27924,84 @@
         </p:spPr>
         <p:txBody>
           <a:bodyPr anchor="ctr">
-            <a:normAutofit/>
+            <a:normAutofit lnSpcReduction="10000"/>
           </a:bodyPr>
           <a:lstStyle/>
           <a:p>
             <a:r>
-              <a:rPr lang="en-US" sz="1800">
+              <a:rPr lang="en-US" sz="2200" b="1" dirty="0">
                 <a:solidFill>
                   <a:schemeClr val="tx2"/>
                 </a:solidFill>
               </a:rPr>
-              <a:t>“A </a:t>
-            </a:r>
-            <a:r>
-              <a:rPr lang="en-US" sz="1800" b="1">
+              <a:t>Unified</a:t>
+            </a:r>
+            <a:r>
+              <a:rPr lang="en-US" sz="2200" dirty="0">
                 <a:solidFill>
                   <a:schemeClr val="tx2"/>
                 </a:solidFill>
               </a:rPr>
-              <a:t>unified</a:t>
-            </a:r>
-            <a:r>
-              <a:rPr lang="en-US" sz="1800">
+              <a:t>: </a:t>
+            </a:r>
+            <a:r>
+              <a:rPr lang="el-GR" sz="2200" dirty="0">
+                <a:solidFill>
+                  <a:schemeClr val="tx2"/>
+                </a:solidFill>
+              </a:rPr>
+              <a:t>Επιτρέπει τη φόρτωση και επεξεργασία δεδομένων με ενοποιημένο </a:t>
+            </a:r>
+            <a:r>
+              <a:rPr lang="en-US" sz="2200" dirty="0">
+                <a:solidFill>
+                  <a:schemeClr val="tx2"/>
+                </a:solidFill>
+              </a:rPr>
+              <a:t>API</a:t>
+            </a:r>
+            <a:r>
+              <a:rPr lang="el-GR" sz="2200" dirty="0">
+                <a:solidFill>
+                  <a:schemeClr val="tx2"/>
+                </a:solidFill>
+              </a:rPr>
+              <a:t>, εύκολο στην κατανόηση</a:t>
+            </a:r>
+            <a:r>
+              <a:rPr lang="en-US" sz="2200" dirty="0">
+                <a:solidFill>
+                  <a:schemeClr val="tx2"/>
+                </a:solidFill>
+              </a:rPr>
+              <a:t> (</a:t>
+            </a:r>
+            <a:r>
+              <a:rPr lang="el-GR" sz="2200" dirty="0">
+                <a:solidFill>
+                  <a:schemeClr val="tx2"/>
+                </a:solidFill>
+              </a:rPr>
+              <a:t>π.χ. φόρτωση δεδομένων χρησιμοποιώντας ένα </a:t>
+            </a:r>
+            <a:r>
+              <a:rPr lang="en-US" sz="2200" dirty="0">
+                <a:solidFill>
+                  <a:schemeClr val="tx2"/>
+                </a:solidFill>
+              </a:rPr>
+              <a:t>SQL </a:t>
+            </a:r>
+            <a:r>
+              <a:rPr lang="el-GR" sz="2200" dirty="0">
+                <a:solidFill>
+                  <a:schemeClr val="tx2"/>
+                </a:solidFill>
+              </a:rPr>
+              <a:t>ερώτημα</a:t>
+            </a:r>
+            <a:r>
+              <a:rPr lang="en-US" sz="2200" dirty="0">
                 <a:solidFill>
                   <a:schemeClr val="tx2"/>
                 </a:solidFill>
@@ -27584,106 +28009,7 @@
               <a:t> </a:t>
             </a:r>
             <a:r>
-              <a:rPr lang="en-US" sz="1800" b="1">
-                <a:solidFill>
-                  <a:schemeClr val="tx2"/>
-                </a:solidFill>
-              </a:rPr>
-              <a:t>computing engine</a:t>
-            </a:r>
-            <a:r>
-              <a:rPr lang="en-US" sz="1800">
-                <a:solidFill>
-                  <a:schemeClr val="tx2"/>
-                </a:solidFill>
-              </a:rPr>
-              <a:t> and a set of libraries for big data”</a:t>
-            </a:r>
-          </a:p>
-          <a:p>
-            <a:pPr lvl="1"/>
-            <a:r>
-              <a:rPr lang="en-US" sz="1800" b="1">
-                <a:solidFill>
-                  <a:schemeClr val="tx2"/>
-                </a:solidFill>
-              </a:rPr>
-              <a:t>Unified</a:t>
-            </a:r>
-            <a:r>
-              <a:rPr lang="en-US" sz="1800">
-                <a:solidFill>
-                  <a:schemeClr val="tx2"/>
-                </a:solidFill>
-              </a:rPr>
-              <a:t>: </a:t>
-            </a:r>
-            <a:r>
-              <a:rPr lang="el-GR" sz="1800">
-                <a:solidFill>
-                  <a:schemeClr val="tx2"/>
-                </a:solidFill>
-              </a:rPr>
-              <a:t>Επιτρέπει τη φόρτωση και επεξεργασία δεδομένων με ενοποιημένο </a:t>
-            </a:r>
-            <a:r>
-              <a:rPr lang="en-US" sz="1800">
-                <a:solidFill>
-                  <a:schemeClr val="tx2"/>
-                </a:solidFill>
-              </a:rPr>
-              <a:t>API</a:t>
-            </a:r>
-            <a:r>
-              <a:rPr lang="el-GR" sz="1800">
-                <a:solidFill>
-                  <a:schemeClr val="tx2"/>
-                </a:solidFill>
-              </a:rPr>
-              <a:t>, εύκολο στην κατανόηση</a:t>
-            </a:r>
-            <a:r>
-              <a:rPr lang="en-US" sz="1800">
-                <a:solidFill>
-                  <a:schemeClr val="tx2"/>
-                </a:solidFill>
-              </a:rPr>
-              <a:t> (</a:t>
-            </a:r>
-            <a:r>
-              <a:rPr lang="el-GR" sz="1800">
-                <a:solidFill>
-                  <a:schemeClr val="tx2"/>
-                </a:solidFill>
-              </a:rPr>
-              <a:t>π.χ. φόρτωση δεδομένων χρησιμοποιώντας ένα </a:t>
-            </a:r>
-            <a:r>
-              <a:rPr lang="en-US" sz="1800">
-                <a:solidFill>
-                  <a:schemeClr val="tx2"/>
-                </a:solidFill>
-              </a:rPr>
-              <a:t>SQL </a:t>
-            </a:r>
-            <a:r>
-              <a:rPr lang="el-GR" sz="1800">
-                <a:solidFill>
-                  <a:schemeClr val="tx2"/>
-                </a:solidFill>
-              </a:rPr>
-              <a:t>ερώτημα</a:t>
-            </a:r>
-            <a:r>
-              <a:rPr lang="en-US" sz="1800">
-                <a:solidFill>
-                  <a:schemeClr val="tx2"/>
-                </a:solidFill>
-              </a:rPr>
-              <a:t> </a:t>
-            </a:r>
-            <a:r>
-              <a:rPr lang="el-GR" sz="1800">
+              <a:rPr lang="el-GR" sz="2200" dirty="0">
                 <a:solidFill>
                   <a:schemeClr val="tx2"/>
                 </a:solidFill>
@@ -27692,7 +28018,7 @@
               <a:t></a:t>
             </a:r>
             <a:r>
-              <a:rPr lang="el-GR" sz="1800">
+              <a:rPr lang="el-GR" sz="2200" dirty="0">
                 <a:solidFill>
                   <a:schemeClr val="tx2"/>
                 </a:solidFill>
@@ -27700,15 +28026,15 @@
               <a:t> είσοδος δεδομένων σε μοντέλο μηχανικής μάθησης </a:t>
             </a:r>
             <a:r>
-              <a:rPr lang="el-GR" sz="1800">
+              <a:rPr lang="el-GR" sz="2200" dirty="0">
                 <a:solidFill>
                   <a:schemeClr val="tx2"/>
                 </a:solidFill>
                 <a:sym typeface="Wingdings" panose="05000000000000000000" pitchFamily="2" charset="2"/>
               </a:rPr>
-              <a:t> αποθήκευση αποτελεσμάτων σε μια μορφή) </a:t>
-            </a:r>
-            <a:endParaRPr lang="en-US" sz="1800">
+              <a:t> αποθήκευση αποτελεσμάτων σε επιθυμητή μορφή) </a:t>
+            </a:r>
+            <a:endParaRPr lang="en-US" sz="2200" dirty="0">
               <a:solidFill>
                 <a:schemeClr val="tx2"/>
               </a:solidFill>
@@ -27716,9 +28042,8 @@
             </a:endParaRPr>
           </a:p>
           <a:p>
-            <a:pPr lvl="1"/>
-            <a:r>
-              <a:rPr lang="en-US" sz="1800" b="1">
+            <a:r>
+              <a:rPr lang="en-US" sz="2200" b="1" dirty="0">
                 <a:solidFill>
                   <a:schemeClr val="tx2"/>
                 </a:solidFill>
@@ -27727,7 +28052,7 @@
               <a:t>Computing Engine</a:t>
             </a:r>
             <a:r>
-              <a:rPr lang="en-US" sz="1800">
+              <a:rPr lang="en-US" sz="2200" dirty="0">
                 <a:solidFill>
                   <a:schemeClr val="tx2"/>
                 </a:solidFill>
@@ -27736,7 +28061,7 @@
               <a:t>: To Apache Spark </a:t>
             </a:r>
             <a:r>
-              <a:rPr lang="el-GR" sz="1800">
+              <a:rPr lang="el-GR" sz="2200" dirty="0">
                 <a:solidFill>
                   <a:schemeClr val="tx2"/>
                 </a:solidFill>
@@ -27746,9 +28071,8 @@
             </a:r>
           </a:p>
           <a:p>
-            <a:pPr lvl="1"/>
-            <a:r>
-              <a:rPr lang="en-US" sz="1800" b="1">
+            <a:r>
+              <a:rPr lang="en-US" sz="2200" b="1" dirty="0">
                 <a:solidFill>
                   <a:schemeClr val="tx2"/>
                 </a:solidFill>
@@ -27757,7 +28081,7 @@
               <a:t>Libraries</a:t>
             </a:r>
             <a:r>
-              <a:rPr lang="en-US" sz="1800">
+              <a:rPr lang="en-US" sz="2200" dirty="0">
                 <a:solidFill>
                   <a:schemeClr val="tx2"/>
                 </a:solidFill>
@@ -27766,16 +28090,16 @@
               <a:t>: </a:t>
             </a:r>
             <a:r>
-              <a:rPr lang="el-GR" sz="1800">
+              <a:rPr lang="el-GR" sz="2200" dirty="0">
                 <a:solidFill>
                   <a:schemeClr val="tx2"/>
                 </a:solidFill>
                 <a:sym typeface="Wingdings" panose="05000000000000000000" pitchFamily="2" charset="2"/>
               </a:rPr>
-              <a:t>Παρέχει ένα ενοποιημένο </a:t>
-            </a:r>
-            <a:r>
-              <a:rPr lang="en-US" sz="1800">
+              <a:t>Παρέχει </a:t>
+            </a:r>
+            <a:r>
+              <a:rPr lang="en-US" sz="2200" dirty="0">
                 <a:solidFill>
                   <a:schemeClr val="tx2"/>
                 </a:solidFill>
@@ -27784,16 +28108,16 @@
               <a:t>API </a:t>
             </a:r>
             <a:r>
-              <a:rPr lang="el-GR" sz="1800">
+              <a:rPr lang="el-GR" sz="2200" dirty="0">
                 <a:solidFill>
                   <a:schemeClr val="tx2"/>
                 </a:solidFill>
                 <a:sym typeface="Wingdings" panose="05000000000000000000" pitchFamily="2" charset="2"/>
               </a:rPr>
-              <a:t>που εξυπηρετεί κοινές εργασίες ανάλυσης δεδομένων (περιέχει </a:t>
-            </a:r>
-            <a:r>
-              <a:rPr lang="en-US" sz="1800">
+              <a:t>που εξυπηρετεί συχνές εργασίες ανάλυσης δεδομένων (περιέχει </a:t>
+            </a:r>
+            <a:r>
+              <a:rPr lang="en-US" sz="2200" dirty="0">
                 <a:solidFill>
                   <a:schemeClr val="tx2"/>
                 </a:solidFill>
@@ -27802,7 +28126,7 @@
               <a:t>standard libraries + 3</a:t>
             </a:r>
             <a:r>
-              <a:rPr lang="en-US" sz="1800" baseline="30000">
+              <a:rPr lang="en-US" sz="2200" baseline="30000" dirty="0">
                 <a:solidFill>
                   <a:schemeClr val="tx2"/>
                 </a:solidFill>
@@ -27811,7 +28135,7 @@
               <a:t>rd</a:t>
             </a:r>
             <a:r>
-              <a:rPr lang="en-US" sz="1800">
+              <a:rPr lang="en-US" sz="2200" dirty="0">
                 <a:solidFill>
                   <a:schemeClr val="tx2"/>
                 </a:solidFill>
@@ -27820,7 +28144,7 @@
               <a:t> party libraries</a:t>
             </a:r>
             <a:r>
-              <a:rPr lang="el-GR" sz="1800">
+              <a:rPr lang="el-GR" sz="2200" dirty="0">
                 <a:solidFill>
                   <a:schemeClr val="tx2"/>
                 </a:solidFill>
@@ -27828,7 +28152,7 @@
               </a:rPr>
               <a:t>)</a:t>
             </a:r>
-            <a:endParaRPr lang="el-GR" sz="1800">
+            <a:endParaRPr lang="el-GR" sz="2200" dirty="0">
               <a:solidFill>
                 <a:schemeClr val="tx2"/>
               </a:solidFill>
@@ -27849,17 +28173,9 @@
 </p:sld>
 </file>
 
-<file path=ppt/slides/slide4.xml><?xml version="1.0" encoding="utf-8"?>
+<file path=ppt/slides/slide5.xml><?xml version="1.0" encoding="utf-8"?>
 <p:sld xmlns:a="http://schemas.openxmlformats.org/drawingml/2006/main" xmlns:r="http://schemas.openxmlformats.org/officeDocument/2006/relationships" xmlns:p="http://schemas.openxmlformats.org/presentationml/2006/main">
   <p:cSld>
-    <p:bg>
-      <p:bgPr>
-        <a:solidFill>
-          <a:schemeClr val="bg1"/>
-        </a:solidFill>
-        <a:effectLst/>
-      </p:bgPr>
-    </p:bg>
     <p:spTree>
       <p:nvGrpSpPr>
         <p:cNvPr id="1" name=""/>
@@ -27876,13 +28192,7 @@
       </p:grpSpPr>
       <p:sp>
         <p:nvSpPr>
-          <p:cNvPr id="2" name="Τίτλος 1">
-            <a:extLst>
-              <a:ext uri="{FF2B5EF4-FFF2-40B4-BE49-F238E27FC236}">
-                <a16:creationId xmlns:a16="http://schemas.microsoft.com/office/drawing/2014/main" id="{736E4F75-6944-451C-B820-09CC649EC03C}"/>
-              </a:ext>
-            </a:extLst>
-          </p:cNvPr>
+          <p:cNvPr id="2" name="Τίτλος 1"/>
           <p:cNvSpPr>
             <a:spLocks noGrp="1"/>
           </p:cNvSpPr>
@@ -27890,144 +28200,303 @@
             <p:ph type="title"/>
           </p:nvPr>
         </p:nvSpPr>
-        <p:spPr>
-          <a:xfrm>
-            <a:off x="396573" y="320675"/>
-            <a:ext cx="11407487" cy="1325563"/>
-          </a:xfrm>
-        </p:spPr>
+        <p:spPr/>
         <p:txBody>
-          <a:bodyPr>
-            <a:normAutofit/>
-          </a:bodyPr>
+          <a:bodyPr/>
           <a:lstStyle/>
           <a:p>
             <a:r>
-              <a:rPr lang="el-GR" sz="5400"/>
-              <a:t>Ιστορία του </a:t>
-            </a:r>
-            <a:r>
-              <a:rPr lang="en-US" sz="5400"/>
+              <a:rPr lang="en-US" dirty="0"/>
+              <a:t>To Stack </a:t>
+            </a:r>
+            <a:r>
+              <a:rPr lang="el-GR" dirty="0"/>
+              <a:t>του </a:t>
+            </a:r>
+            <a:r>
+              <a:rPr lang="en-US" dirty="0"/>
               <a:t>Apache Spark</a:t>
             </a:r>
-            <a:endParaRPr lang="el-GR" sz="5400"/>
+            <a:endParaRPr lang="el-GR" dirty="0"/>
           </a:p>
         </p:txBody>
       </p:sp>
       <p:sp>
         <p:nvSpPr>
-          <p:cNvPr id="9" name="Rectangle 8">
+          <p:cNvPr id="5" name="Θέση περιεχομένου 4"/>
+          <p:cNvSpPr>
+            <a:spLocks noGrp="1"/>
+          </p:cNvSpPr>
+          <p:nvPr>
+            <p:ph sz="half" idx="1"/>
+          </p:nvPr>
+        </p:nvSpPr>
+        <p:spPr/>
+        <p:txBody>
+          <a:bodyPr>
+            <a:normAutofit fontScale="77500" lnSpcReduction="20000"/>
+          </a:bodyPr>
+          <a:lstStyle/>
+          <a:p>
+            <a:pPr>
+              <a:lnSpc>
+                <a:spcPct val="120000"/>
+              </a:lnSpc>
+            </a:pPr>
+            <a:r>
+              <a:rPr lang="en-US" b="1" dirty="0"/>
+              <a:t>Spark SQL</a:t>
+            </a:r>
+            <a:r>
+              <a:rPr lang="en-US" dirty="0"/>
+              <a:t>: </a:t>
+            </a:r>
+            <a:r>
+              <a:rPr lang="el-GR" dirty="0"/>
+              <a:t>πρόσβαση σε δομημένα δεδομένα – συμβατότητα με </a:t>
+            </a:r>
+            <a:r>
+              <a:rPr lang="en-US" dirty="0" err="1"/>
+              <a:t>HiveQL</a:t>
+            </a:r>
+            <a:endParaRPr lang="en-US" dirty="0"/>
+          </a:p>
+          <a:p>
+            <a:pPr>
+              <a:lnSpc>
+                <a:spcPct val="120000"/>
+              </a:lnSpc>
+            </a:pPr>
+            <a:r>
+              <a:rPr lang="en-US" b="1" dirty="0"/>
+              <a:t>Spark Streaming</a:t>
+            </a:r>
+            <a:r>
+              <a:rPr lang="en-US" dirty="0"/>
+              <a:t>: fault tolerant </a:t>
+            </a:r>
+            <a:r>
+              <a:rPr lang="el-GR" dirty="0"/>
+              <a:t>χειρισμός </a:t>
+            </a:r>
+            <a:r>
+              <a:rPr lang="en-US" dirty="0"/>
+              <a:t>data</a:t>
+            </a:r>
+            <a:r>
+              <a:rPr lang="el-GR" dirty="0"/>
+              <a:t> </a:t>
+            </a:r>
+            <a:r>
+              <a:rPr lang="en-US" dirty="0"/>
+              <a:t>streams (Flume, Kafka,…)</a:t>
+            </a:r>
+          </a:p>
+          <a:p>
+            <a:pPr>
+              <a:lnSpc>
+                <a:spcPct val="120000"/>
+              </a:lnSpc>
+            </a:pPr>
+            <a:r>
+              <a:rPr lang="en-US" b="1" dirty="0" err="1"/>
+              <a:t>MLlib</a:t>
+            </a:r>
+            <a:r>
+              <a:rPr lang="en-US" dirty="0"/>
+              <a:t>:</a:t>
+            </a:r>
+            <a:r>
+              <a:rPr lang="el-GR" dirty="0"/>
+              <a:t> έλεγχος υποθέσεων</a:t>
+            </a:r>
+            <a:r>
+              <a:rPr lang="en-US" dirty="0"/>
+              <a:t>, </a:t>
+            </a:r>
+            <a:r>
+              <a:rPr lang="el-GR" dirty="0"/>
+              <a:t>κατηγοριοποίηση, παλινδρόμηση</a:t>
+            </a:r>
+            <a:r>
+              <a:rPr lang="en-US" dirty="0"/>
+              <a:t>, </a:t>
+            </a:r>
+            <a:r>
+              <a:rPr lang="el-GR" dirty="0" err="1"/>
+              <a:t>συσταδοποίηση</a:t>
+            </a:r>
+            <a:r>
+              <a:rPr lang="en-US" dirty="0"/>
+              <a:t>, </a:t>
+            </a:r>
+            <a:r>
+              <a:rPr lang="el-GR" dirty="0"/>
+              <a:t>ανάλυση κύριων συνιστωσών</a:t>
+            </a:r>
+            <a:r>
+              <a:rPr lang="en-US" dirty="0"/>
+              <a:t> </a:t>
+            </a:r>
+            <a:r>
+              <a:rPr lang="el-GR" dirty="0"/>
+              <a:t>κ.α.</a:t>
+            </a:r>
+          </a:p>
+          <a:p>
+            <a:pPr>
+              <a:lnSpc>
+                <a:spcPct val="120000"/>
+              </a:lnSpc>
+            </a:pPr>
+            <a:r>
+              <a:rPr lang="en-US" b="1" dirty="0" err="1"/>
+              <a:t>GraphX</a:t>
+            </a:r>
+            <a:r>
+              <a:rPr lang="en-US" dirty="0"/>
+              <a:t>: </a:t>
+            </a:r>
+            <a:r>
+              <a:rPr lang="el-GR" dirty="0"/>
+              <a:t>ανάλυση γραφημάτων (π.χ. </a:t>
+            </a:r>
+            <a:r>
+              <a:rPr lang="en-US" dirty="0" err="1"/>
+              <a:t>pagerank</a:t>
+            </a:r>
+            <a:r>
+              <a:rPr lang="el-GR" dirty="0"/>
+              <a:t>), μέσω του </a:t>
+            </a:r>
+            <a:r>
+              <a:rPr lang="en-US" dirty="0" err="1"/>
+              <a:t>Pregel</a:t>
+            </a:r>
+            <a:r>
+              <a:rPr lang="en-US" dirty="0"/>
+              <a:t> API</a:t>
+            </a:r>
+            <a:endParaRPr lang="el-GR" dirty="0"/>
+          </a:p>
+        </p:txBody>
+      </p:sp>
+      <p:pic>
+        <p:nvPicPr>
+          <p:cNvPr id="7" name="Picture 2" descr="http://spark.apache.org/images/spark-stack.png"/>
+          <p:cNvPicPr>
+            <a:picLocks noGrp="1" noChangeAspect="1" noChangeArrowheads="1"/>
+          </p:cNvPicPr>
+          <p:nvPr>
+            <p:ph sz="half" idx="2"/>
+          </p:nvPr>
+        </p:nvPicPr>
+        <p:blipFill>
+          <a:blip r:embed="rId2">
             <a:extLst>
-              <a:ext uri="{FF2B5EF4-FFF2-40B4-BE49-F238E27FC236}">
-                <a16:creationId xmlns:a16="http://schemas.microsoft.com/office/drawing/2014/main" id="{37E32B78-23DD-4E77-8B9C-7779E3BF20C2}"/>
-              </a:ext>
-              <a:ext uri="{C183D7F6-B498-43B3-948B-1728B52AA6E4}">
-                <adec:decorative xmlns:adec="http://schemas.microsoft.com/office/drawing/2017/decorative" val="1"/>
+              <a:ext uri="{28A0092B-C50C-407E-A947-70E740481C1C}">
+                <a14:useLocalDpi xmlns:a14="http://schemas.microsoft.com/office/drawing/2010/main" val="0"/>
               </a:ext>
             </a:extLst>
-          </p:cNvPr>
-          <p:cNvSpPr>
-            <a:spLocks noGrp="1" noRot="1" noChangeAspect="1" noMove="1" noResize="1" noEditPoints="1" noAdjustHandles="1" noChangeArrowheads="1" noChangeShapeType="1" noTextEdit="1"/>
-          </p:cNvSpPr>
-          <p:nvPr>
-            <p:extLst>
-              <p:ext uri="{386F3935-93C4-4BCD-93E2-E3B085C9AB24}">
-                <p16:designElem xmlns:p16="http://schemas.microsoft.com/office/powerpoint/2015/main" val="1"/>
-              </p:ext>
-            </p:extLst>
-          </p:nvPr>
-        </p:nvSpPr>
-        <p:spPr>
+          </a:blip>
+          <a:stretch>
+            <a:fillRect/>
+          </a:stretch>
+        </p:blipFill>
+        <p:spPr bwMode="auto">
           <a:xfrm>
-            <a:off x="0" y="0"/>
-            <a:ext cx="126124" cy="6858000"/>
+            <a:off x="6255207" y="2558374"/>
+            <a:ext cx="4994218" cy="2351149"/>
           </a:xfrm>
           <a:prstGeom prst="rect">
             <a:avLst/>
           </a:prstGeom>
-          <a:solidFill>
-            <a:srgbClr val="4472C4"/>
-          </a:solidFill>
-          <a:ln w="12700" cap="flat" cmpd="sng" algn="ctr">
-            <a:noFill/>
-            <a:prstDash val="solid"/>
-            <a:miter lim="800000"/>
-          </a:ln>
-          <a:effectLst/>
+          <a:noFill/>
+          <a:extLst>
+            <a:ext uri="{909E8E84-426E-40DD-AFC4-6F175D3DCCD1}">
+              <a14:hiddenFill xmlns:a14="http://schemas.microsoft.com/office/drawing/2010/main">
+                <a:solidFill>
+                  <a:srgbClr val="FFFFFF"/>
+                </a:solidFill>
+              </a14:hiddenFill>
+            </a:ext>
+          </a:extLst>
         </p:spPr>
+      </p:pic>
+      <p:sp>
+        <p:nvSpPr>
+          <p:cNvPr id="3" name="Θέση αριθμού διαφάνειας 2"/>
+          <p:cNvSpPr>
+            <a:spLocks noGrp="1"/>
+          </p:cNvSpPr>
+          <p:nvPr>
+            <p:ph type="sldNum" sz="quarter" idx="12"/>
+          </p:nvPr>
+        </p:nvSpPr>
+        <p:spPr/>
         <p:txBody>
-          <a:bodyPr rtlCol="0" anchor="ctr"/>
+          <a:bodyPr/>
           <a:lstStyle/>
           <a:p>
-            <a:pPr marL="0" marR="0" lvl="0" indent="0" algn="ctr" defTabSz="914400" eaLnBrk="1" fontAlgn="auto" latinLnBrk="0" hangingPunct="1">
-              <a:lnSpc>
-                <a:spcPct val="100000"/>
-              </a:lnSpc>
-              <a:spcBef>
-                <a:spcPts val="0"/>
-              </a:spcBef>
-              <a:spcAft>
-                <a:spcPts val="0"/>
-              </a:spcAft>
-              <a:buClrTx/>
-              <a:buSzTx/>
-              <a:buFontTx/>
-              <a:buNone/>
-              <a:tabLst/>
-              <a:defRPr/>
-            </a:pPr>
-            <a:endParaRPr kumimoji="0" lang="en-US" sz="1800" b="0" i="0" u="none" strike="noStrike" kern="0" cap="none" spc="0" normalizeH="0" baseline="0" noProof="0">
-              <a:ln>
-                <a:noFill/>
-              </a:ln>
-              <a:solidFill>
-                <a:prstClr val="white"/>
-              </a:solidFill>
-              <a:effectLst/>
-              <a:uLnTx/>
-              <a:uFillTx/>
-              <a:latin typeface="Calibri" panose="020F0502020204030204"/>
-              <a:ea typeface="+mn-ea"/>
-              <a:cs typeface="+mn-cs"/>
-            </a:endParaRPr>
+            <a:fld id="{634CA47B-BB17-47C7-9E60-64B1219A2C73}" type="slidenum">
+              <a:rPr lang="el-GR" smtClean="0"/>
+              <a:t>5</a:t>
+            </a:fld>
+            <a:endParaRPr lang="el-GR" dirty="0"/>
           </a:p>
         </p:txBody>
       </p:sp>
-      <p:graphicFrame>
-        <p:nvGraphicFramePr>
-          <p:cNvPr id="5" name="Θέση περιεχομένου 2">
+      <p:pic>
+        <p:nvPicPr>
+          <p:cNvPr id="6" name="Picture 2" descr="http://spark.apache.org/images/spark-logo-trademark.png">
             <a:extLst>
               <a:ext uri="{FF2B5EF4-FFF2-40B4-BE49-F238E27FC236}">
-                <a16:creationId xmlns:a16="http://schemas.microsoft.com/office/drawing/2014/main" id="{0C38A4BA-E7CD-4495-9D95-ABA12B8E7328}"/>
+                <a16:creationId xmlns:a16="http://schemas.microsoft.com/office/drawing/2014/main" id="{32E5C28F-6AB3-46C3-A075-1BF8E1F370CB}"/>
               </a:ext>
             </a:extLst>
           </p:cNvPr>
-          <p:cNvGraphicFramePr>
-            <a:graphicFrameLocks noGrp="1"/>
-          </p:cNvGraphicFramePr>
-          <p:nvPr>
-            <p:ph idx="1"/>
-            <p:extLst>
-              <p:ext uri="{D42A27DB-BD31-4B8C-83A1-F6EECF244321}">
-                <p14:modId xmlns:p14="http://schemas.microsoft.com/office/powerpoint/2010/main" val="3693605803"/>
-              </p:ext>
-            </p:extLst>
-          </p:nvPr>
-        </p:nvGraphicFramePr>
-        <p:xfrm>
-          <a:off x="396574" y="1825625"/>
-          <a:ext cx="11407487" cy="4351338"/>
-        </p:xfrm>
-        <a:graphic>
-          <a:graphicData uri="http://schemas.openxmlformats.org/drawingml/2006/diagram">
-            <dgm:relIds xmlns:dgm="http://schemas.openxmlformats.org/drawingml/2006/diagram" xmlns:r="http://schemas.openxmlformats.org/officeDocument/2006/relationships" r:dm="rId2" r:lo="rId3" r:qs="rId4" r:cs="rId5"/>
-          </a:graphicData>
-        </a:graphic>
-      </p:graphicFrame>
+          <p:cNvPicPr>
+            <a:picLocks noChangeAspect="1" noChangeArrowheads="1"/>
+          </p:cNvPicPr>
+          <p:nvPr/>
+        </p:nvPicPr>
+        <p:blipFill>
+          <a:blip r:embed="rId3">
+            <a:extLst>
+              <a:ext uri="{28A0092B-C50C-407E-A947-70E740481C1C}">
+                <a14:useLocalDpi xmlns:a14="http://schemas.microsoft.com/office/drawing/2010/main" val="0"/>
+              </a:ext>
+            </a:extLst>
+          </a:blip>
+          <a:srcRect/>
+          <a:stretch>
+            <a:fillRect/>
+          </a:stretch>
+        </p:blipFill>
+        <p:spPr bwMode="auto">
+          <a:xfrm>
+            <a:off x="8696325" y="530035"/>
+            <a:ext cx="2571750" cy="1304926"/>
+          </a:xfrm>
+          <a:prstGeom prst="rect">
+            <a:avLst/>
+          </a:prstGeom>
+          <a:noFill/>
+          <a:extLst>
+            <a:ext uri="{909E8E84-426E-40DD-AFC4-6F175D3DCCD1}">
+              <a14:hiddenFill xmlns:a14="http://schemas.microsoft.com/office/drawing/2010/main">
+                <a:solidFill>
+                  <a:srgbClr val="FFFFFF"/>
+                </a:solidFill>
+              </a14:hiddenFill>
+            </a:ext>
+          </a:extLst>
+        </p:spPr>
+      </p:pic>
     </p:spTree>
     <p:extLst>
       <p:ext uri="{BB962C8B-B14F-4D97-AF65-F5344CB8AC3E}">
-        <p14:creationId xmlns:p14="http://schemas.microsoft.com/office/powerpoint/2010/main" val="2981358782"/>
+        <p14:creationId xmlns:p14="http://schemas.microsoft.com/office/powerpoint/2010/main" val="3193391390"/>
       </p:ext>
     </p:extLst>
   </p:cSld>
@@ -28037,7 +28506,7 @@
 </p:sld>
 </file>
 
-<file path=ppt/slides/slide5.xml><?xml version="1.0" encoding="utf-8"?>
+<file path=ppt/slides/slide6.xml><?xml version="1.0" encoding="utf-8"?>
 <p:sld xmlns:a="http://schemas.openxmlformats.org/drawingml/2006/main" xmlns:r="http://schemas.openxmlformats.org/officeDocument/2006/relationships" xmlns:p="http://schemas.openxmlformats.org/presentationml/2006/main">
   <p:cSld>
     <p:spTree>
@@ -28524,339 +28993,6 @@
 </p:sld>
 </file>
 
-<file path=ppt/slides/slide6.xml><?xml version="1.0" encoding="utf-8"?>
-<p:sld xmlns:a="http://schemas.openxmlformats.org/drawingml/2006/main" xmlns:r="http://schemas.openxmlformats.org/officeDocument/2006/relationships" xmlns:p="http://schemas.openxmlformats.org/presentationml/2006/main">
-  <p:cSld>
-    <p:spTree>
-      <p:nvGrpSpPr>
-        <p:cNvPr id="1" name=""/>
-        <p:cNvGrpSpPr/>
-        <p:nvPr/>
-      </p:nvGrpSpPr>
-      <p:grpSpPr>
-        <a:xfrm>
-          <a:off x="0" y="0"/>
-          <a:ext cx="0" cy="0"/>
-          <a:chOff x="0" y="0"/>
-          <a:chExt cx="0" cy="0"/>
-        </a:xfrm>
-      </p:grpSpPr>
-      <p:sp>
-        <p:nvSpPr>
-          <p:cNvPr id="2" name="Τίτλος 1"/>
-          <p:cNvSpPr>
-            <a:spLocks noGrp="1"/>
-          </p:cNvSpPr>
-          <p:nvPr>
-            <p:ph type="title"/>
-          </p:nvPr>
-        </p:nvSpPr>
-        <p:spPr/>
-        <p:txBody>
-          <a:bodyPr/>
-          <a:lstStyle/>
-          <a:p>
-            <a:r>
-              <a:rPr lang="en-US" dirty="0"/>
-              <a:t>To Stack </a:t>
-            </a:r>
-            <a:r>
-              <a:rPr lang="el-GR" dirty="0"/>
-              <a:t>του </a:t>
-            </a:r>
-            <a:r>
-              <a:rPr lang="en-US" dirty="0"/>
-              <a:t>Apache Spark</a:t>
-            </a:r>
-            <a:endParaRPr lang="el-GR" dirty="0"/>
-          </a:p>
-        </p:txBody>
-      </p:sp>
-      <p:sp>
-        <p:nvSpPr>
-          <p:cNvPr id="5" name="Θέση περιεχομένου 4"/>
-          <p:cNvSpPr>
-            <a:spLocks noGrp="1"/>
-          </p:cNvSpPr>
-          <p:nvPr>
-            <p:ph sz="half" idx="1"/>
-          </p:nvPr>
-        </p:nvSpPr>
-        <p:spPr/>
-        <p:txBody>
-          <a:bodyPr>
-            <a:normAutofit fontScale="77500" lnSpcReduction="20000"/>
-          </a:bodyPr>
-          <a:lstStyle/>
-          <a:p>
-            <a:pPr>
-              <a:lnSpc>
-                <a:spcPct val="120000"/>
-              </a:lnSpc>
-            </a:pPr>
-            <a:r>
-              <a:rPr lang="en-US" b="1" dirty="0"/>
-              <a:t>Spark SQL</a:t>
-            </a:r>
-            <a:r>
-              <a:rPr lang="en-US" dirty="0"/>
-              <a:t>: </a:t>
-            </a:r>
-            <a:r>
-              <a:rPr lang="el-GR" dirty="0"/>
-              <a:t>πρόσβαση σε δομημένα δεδομένα – συμβατότητα με </a:t>
-            </a:r>
-            <a:r>
-              <a:rPr lang="en-US" dirty="0" err="1"/>
-              <a:t>HiveQL</a:t>
-            </a:r>
-            <a:endParaRPr lang="en-US" dirty="0"/>
-          </a:p>
-          <a:p>
-            <a:pPr>
-              <a:lnSpc>
-                <a:spcPct val="120000"/>
-              </a:lnSpc>
-            </a:pPr>
-            <a:r>
-              <a:rPr lang="en-US" b="1" dirty="0"/>
-              <a:t>Spark Streaming</a:t>
-            </a:r>
-            <a:r>
-              <a:rPr lang="en-US" dirty="0"/>
-              <a:t>: fault tolerant </a:t>
-            </a:r>
-            <a:r>
-              <a:rPr lang="el-GR" dirty="0"/>
-              <a:t>χειρισμός </a:t>
-            </a:r>
-            <a:r>
-              <a:rPr lang="en-US" dirty="0"/>
-              <a:t>data</a:t>
-            </a:r>
-            <a:r>
-              <a:rPr lang="el-GR" dirty="0"/>
-              <a:t> </a:t>
-            </a:r>
-            <a:r>
-              <a:rPr lang="en-US" dirty="0"/>
-              <a:t>streams (Flume, Kafka,…)</a:t>
-            </a:r>
-          </a:p>
-          <a:p>
-            <a:pPr>
-              <a:lnSpc>
-                <a:spcPct val="120000"/>
-              </a:lnSpc>
-            </a:pPr>
-            <a:r>
-              <a:rPr lang="en-US" b="1" dirty="0" err="1"/>
-              <a:t>MLlib</a:t>
-            </a:r>
-            <a:r>
-              <a:rPr lang="en-US" dirty="0"/>
-              <a:t>:</a:t>
-            </a:r>
-            <a:r>
-              <a:rPr lang="el-GR" dirty="0"/>
-              <a:t> έλεγχος υποθέσεων</a:t>
-            </a:r>
-            <a:r>
-              <a:rPr lang="en-US" dirty="0"/>
-              <a:t>, </a:t>
-            </a:r>
-            <a:r>
-              <a:rPr lang="el-GR" dirty="0"/>
-              <a:t>κατηγοριοποίηση, παλινδρόμηση</a:t>
-            </a:r>
-            <a:r>
-              <a:rPr lang="en-US" dirty="0"/>
-              <a:t>, </a:t>
-            </a:r>
-            <a:r>
-              <a:rPr lang="el-GR" dirty="0" err="1"/>
-              <a:t>συσταδοποίηση</a:t>
-            </a:r>
-            <a:r>
-              <a:rPr lang="en-US" dirty="0"/>
-              <a:t>, </a:t>
-            </a:r>
-            <a:r>
-              <a:rPr lang="el-GR" dirty="0"/>
-              <a:t>ανάλυση κύριων συνιστωσών</a:t>
-            </a:r>
-            <a:r>
-              <a:rPr lang="en-US" dirty="0"/>
-              <a:t> </a:t>
-            </a:r>
-            <a:r>
-              <a:rPr lang="el-GR" dirty="0"/>
-              <a:t>κ.α.</a:t>
-            </a:r>
-          </a:p>
-          <a:p>
-            <a:pPr>
-              <a:lnSpc>
-                <a:spcPct val="120000"/>
-              </a:lnSpc>
-            </a:pPr>
-            <a:r>
-              <a:rPr lang="en-US" b="1" dirty="0" err="1"/>
-              <a:t>GraphX</a:t>
-            </a:r>
-            <a:r>
-              <a:rPr lang="en-US" dirty="0"/>
-              <a:t>: </a:t>
-            </a:r>
-            <a:r>
-              <a:rPr lang="el-GR" dirty="0"/>
-              <a:t>ανάλυση γραφημάτων (π.χ. </a:t>
-            </a:r>
-            <a:r>
-              <a:rPr lang="en-US" dirty="0" err="1"/>
-              <a:t>pagerank</a:t>
-            </a:r>
-            <a:r>
-              <a:rPr lang="el-GR" dirty="0"/>
-              <a:t>), μέσω του </a:t>
-            </a:r>
-            <a:r>
-              <a:rPr lang="en-US" dirty="0" err="1"/>
-              <a:t>Pregel</a:t>
-            </a:r>
-            <a:r>
-              <a:rPr lang="en-US" dirty="0"/>
-              <a:t> API</a:t>
-            </a:r>
-            <a:endParaRPr lang="el-GR" dirty="0"/>
-          </a:p>
-        </p:txBody>
-      </p:sp>
-      <p:pic>
-        <p:nvPicPr>
-          <p:cNvPr id="7" name="Picture 2" descr="http://spark.apache.org/images/spark-stack.png"/>
-          <p:cNvPicPr>
-            <a:picLocks noGrp="1" noChangeAspect="1" noChangeArrowheads="1"/>
-          </p:cNvPicPr>
-          <p:nvPr>
-            <p:ph sz="half" idx="2"/>
-          </p:nvPr>
-        </p:nvPicPr>
-        <p:blipFill>
-          <a:blip r:embed="rId2">
-            <a:extLst>
-              <a:ext uri="{28A0092B-C50C-407E-A947-70E740481C1C}">
-                <a14:useLocalDpi xmlns:a14="http://schemas.microsoft.com/office/drawing/2010/main" val="0"/>
-              </a:ext>
-            </a:extLst>
-          </a:blip>
-          <a:stretch>
-            <a:fillRect/>
-          </a:stretch>
-        </p:blipFill>
-        <p:spPr bwMode="auto">
-          <a:xfrm>
-            <a:off x="6255207" y="2558374"/>
-            <a:ext cx="4994218" cy="2351149"/>
-          </a:xfrm>
-          <a:prstGeom prst="rect">
-            <a:avLst/>
-          </a:prstGeom>
-          <a:noFill/>
-          <a:extLst>
-            <a:ext uri="{909E8E84-426E-40DD-AFC4-6F175D3DCCD1}">
-              <a14:hiddenFill xmlns:a14="http://schemas.microsoft.com/office/drawing/2010/main">
-                <a:solidFill>
-                  <a:srgbClr val="FFFFFF"/>
-                </a:solidFill>
-              </a14:hiddenFill>
-            </a:ext>
-          </a:extLst>
-        </p:spPr>
-      </p:pic>
-      <p:sp>
-        <p:nvSpPr>
-          <p:cNvPr id="3" name="Θέση αριθμού διαφάνειας 2"/>
-          <p:cNvSpPr>
-            <a:spLocks noGrp="1"/>
-          </p:cNvSpPr>
-          <p:nvPr>
-            <p:ph type="sldNum" sz="quarter" idx="12"/>
-          </p:nvPr>
-        </p:nvSpPr>
-        <p:spPr/>
-        <p:txBody>
-          <a:bodyPr/>
-          <a:lstStyle/>
-          <a:p>
-            <a:fld id="{634CA47B-BB17-47C7-9E60-64B1219A2C73}" type="slidenum">
-              <a:rPr lang="el-GR" smtClean="0"/>
-              <a:t>6</a:t>
-            </a:fld>
-            <a:endParaRPr lang="el-GR" dirty="0"/>
-          </a:p>
-        </p:txBody>
-      </p:sp>
-      <p:pic>
-        <p:nvPicPr>
-          <p:cNvPr id="6" name="Picture 2" descr="http://spark.apache.org/images/spark-logo-trademark.png">
-            <a:extLst>
-              <a:ext uri="{FF2B5EF4-FFF2-40B4-BE49-F238E27FC236}">
-                <a16:creationId xmlns:a16="http://schemas.microsoft.com/office/drawing/2014/main" id="{32E5C28F-6AB3-46C3-A075-1BF8E1F370CB}"/>
-              </a:ext>
-            </a:extLst>
-          </p:cNvPr>
-          <p:cNvPicPr>
-            <a:picLocks noChangeAspect="1" noChangeArrowheads="1"/>
-          </p:cNvPicPr>
-          <p:nvPr/>
-        </p:nvPicPr>
-        <p:blipFill>
-          <a:blip r:embed="rId3">
-            <a:extLst>
-              <a:ext uri="{28A0092B-C50C-407E-A947-70E740481C1C}">
-                <a14:useLocalDpi xmlns:a14="http://schemas.microsoft.com/office/drawing/2010/main" val="0"/>
-              </a:ext>
-            </a:extLst>
-          </a:blip>
-          <a:srcRect/>
-          <a:stretch>
-            <a:fillRect/>
-          </a:stretch>
-        </p:blipFill>
-        <p:spPr bwMode="auto">
-          <a:xfrm>
-            <a:off x="8696325" y="530035"/>
-            <a:ext cx="2571750" cy="1304926"/>
-          </a:xfrm>
-          <a:prstGeom prst="rect">
-            <a:avLst/>
-          </a:prstGeom>
-          <a:noFill/>
-          <a:extLst>
-            <a:ext uri="{909E8E84-426E-40DD-AFC4-6F175D3DCCD1}">
-              <a14:hiddenFill xmlns:a14="http://schemas.microsoft.com/office/drawing/2010/main">
-                <a:solidFill>
-                  <a:srgbClr val="FFFFFF"/>
-                </a:solidFill>
-              </a14:hiddenFill>
-            </a:ext>
-          </a:extLst>
-        </p:spPr>
-      </p:pic>
-    </p:spTree>
-    <p:extLst>
-      <p:ext uri="{BB962C8B-B14F-4D97-AF65-F5344CB8AC3E}">
-        <p14:creationId xmlns:p14="http://schemas.microsoft.com/office/powerpoint/2010/main" val="3193391390"/>
-      </p:ext>
-    </p:extLst>
-  </p:cSld>
-  <p:clrMapOvr>
-    <a:masterClrMapping/>
-  </p:clrMapOvr>
-</p:sld>
-</file>
-
 <file path=ppt/slides/slide7.xml><?xml version="1.0" encoding="utf-8"?>
 <p:sld xmlns:a="http://schemas.openxmlformats.org/drawingml/2006/main" xmlns:r="http://schemas.openxmlformats.org/officeDocument/2006/relationships" xmlns:p="http://schemas.openxmlformats.org/presentationml/2006/main">
   <p:cSld>
@@ -29093,12 +29229,12 @@
           </a:p>
           <a:p>
             <a:r>
-              <a:rPr lang="en-US" sz="2000" dirty="0" err="1">
+              <a:rPr lang="el-GR" sz="2000" dirty="0">
                 <a:solidFill>
                   <a:schemeClr val="bg1"/>
                 </a:solidFill>
               </a:rPr>
-              <a:t>Εκτέλεση</a:t>
+              <a:t>Ανάπτυξη εφαρμογών</a:t>
             </a:r>
             <a:r>
               <a:rPr lang="en-US" sz="2000" dirty="0">
@@ -29106,23 +29242,7 @@
                   <a:schemeClr val="bg1"/>
                 </a:solidFill>
               </a:rPr>
-              <a:t> </a:t>
-            </a:r>
-            <a:r>
-              <a:rPr lang="en-US" sz="2000" dirty="0" err="1">
-                <a:solidFill>
-                  <a:schemeClr val="bg1"/>
-                </a:solidFill>
-              </a:rPr>
-              <a:t>εργ</a:t>
-            </a:r>
-            <a:r>
-              <a:rPr lang="en-US" sz="2000" dirty="0">
-                <a:solidFill>
-                  <a:schemeClr val="bg1"/>
-                </a:solidFill>
-              </a:rPr>
-              <a:t>ασιών μηχανικής μάθησης σε μεγάλα δεδομένα </a:t>
+              <a:t> μηχανικής μάθησης σε μεγάλα δεδομένα </a:t>
             </a:r>
           </a:p>
         </p:txBody>
@@ -29497,7 +29617,7 @@
             <a:pPr lvl="1"/>
             <a:r>
               <a:rPr lang="el-GR" sz="1800" dirty="0"/>
-              <a:t>πραγματοποιεί λιγότερο ακριβά ανακατέματα (</a:t>
+              <a:t>πραγματοποιεί λιγότερο «ακριβά» ανακατέματα (</a:t>
             </a:r>
             <a:r>
               <a:rPr lang="en-US" sz="1800" dirty="0"/>
@@ -29513,7 +29633,7 @@
             </a:r>
             <a:r>
               <a:rPr lang="el-GR" sz="1800" dirty="0"/>
-              <a:t>κατά την επεξεργασία των δεδομένων</a:t>
+              <a:t>κατά την επεξεργασία δεδομένων</a:t>
             </a:r>
             <a:r>
               <a:rPr lang="en-US" sz="1800" dirty="0"/>

--- a/04. Apache Spark.pptx
+++ b/04. Apache Spark.pptx
@@ -4153,7 +4153,7 @@
   <dgm:whole/>
   <dgm:extLst>
     <a:ext uri="http://schemas.microsoft.com/office/drawing/2008/diagram">
-      <dsp:dataModelExt xmlns:dsp="http://schemas.microsoft.com/office/drawing/2008/diagram" relId="rId6" minVer="http://schemas.openxmlformats.org/drawingml/2006/diagram"/>
+      <dsp:dataModelExt xmlns:dsp="http://schemas.microsoft.com/office/drawing/2008/diagram" relId="rId7" minVer="http://schemas.openxmlformats.org/drawingml/2006/diagram"/>
     </a:ext>
   </dgm:extLst>
 </dgm:dataModel>
@@ -12774,7 +12774,7 @@
           <a:p>
             <a:fld id="{339FF9B1-BC6A-488D-9803-65420610ECB9}" type="datetimeFigureOut">
               <a:rPr lang="el-GR" smtClean="0"/>
-              <a:t>24/11/2020</a:t>
+              <a:t>23/1/2022</a:t>
             </a:fld>
             <a:endParaRPr lang="el-GR"/>
           </a:p>
@@ -13125,6 +13125,90 @@
 </p:notes>
 </file>
 
+<file path=ppt/notesSlides/notesSlide10.xml><?xml version="1.0" encoding="utf-8"?>
+<p:notes xmlns:a="http://schemas.openxmlformats.org/drawingml/2006/main" xmlns:r="http://schemas.openxmlformats.org/officeDocument/2006/relationships" xmlns:p="http://schemas.openxmlformats.org/presentationml/2006/main">
+  <p:cSld>
+    <p:spTree>
+      <p:nvGrpSpPr>
+        <p:cNvPr id="1" name=""/>
+        <p:cNvGrpSpPr/>
+        <p:nvPr/>
+      </p:nvGrpSpPr>
+      <p:grpSpPr>
+        <a:xfrm>
+          <a:off x="0" y="0"/>
+          <a:ext cx="0" cy="0"/>
+          <a:chOff x="0" y="0"/>
+          <a:chExt cx="0" cy="0"/>
+        </a:xfrm>
+      </p:grpSpPr>
+      <p:sp>
+        <p:nvSpPr>
+          <p:cNvPr id="2" name="Θέση εικόνας διαφάνειας 1"/>
+          <p:cNvSpPr>
+            <a:spLocks noGrp="1" noRot="1" noChangeAspect="1"/>
+          </p:cNvSpPr>
+          <p:nvPr>
+            <p:ph type="sldImg"/>
+          </p:nvPr>
+        </p:nvSpPr>
+        <p:spPr/>
+      </p:sp>
+      <p:sp>
+        <p:nvSpPr>
+          <p:cNvPr id="3" name="Θέση σημειώσεων 2"/>
+          <p:cNvSpPr>
+            <a:spLocks noGrp="1"/>
+          </p:cNvSpPr>
+          <p:nvPr>
+            <p:ph type="body" idx="1"/>
+          </p:nvPr>
+        </p:nvSpPr>
+        <p:spPr/>
+        <p:txBody>
+          <a:bodyPr/>
+          <a:lstStyle/>
+          <a:p>
+            <a:endParaRPr lang="el-GR" dirty="0"/>
+          </a:p>
+        </p:txBody>
+      </p:sp>
+      <p:sp>
+        <p:nvSpPr>
+          <p:cNvPr id="4" name="Θέση αριθμού διαφάνειας 3"/>
+          <p:cNvSpPr>
+            <a:spLocks noGrp="1"/>
+          </p:cNvSpPr>
+          <p:nvPr>
+            <p:ph type="sldNum" sz="quarter" idx="10"/>
+          </p:nvPr>
+        </p:nvSpPr>
+        <p:spPr/>
+        <p:txBody>
+          <a:bodyPr/>
+          <a:lstStyle/>
+          <a:p>
+            <a:fld id="{5F9DBC74-475F-4A83-AC9D-9F7F396082E4}" type="slidenum">
+              <a:rPr lang="el-GR" smtClean="0"/>
+              <a:t>21</a:t>
+            </a:fld>
+            <a:endParaRPr lang="el-GR"/>
+          </a:p>
+        </p:txBody>
+      </p:sp>
+    </p:spTree>
+    <p:extLst>
+      <p:ext uri="{BB962C8B-B14F-4D97-AF65-F5344CB8AC3E}">
+        <p14:creationId xmlns:p14="http://schemas.microsoft.com/office/powerpoint/2010/main" val="2012403360"/>
+      </p:ext>
+    </p:extLst>
+  </p:cSld>
+  <p:clrMapOvr>
+    <a:masterClrMapping/>
+  </p:clrMapOvr>
+</p:notes>
+</file>
+
 <file path=ppt/notesSlides/notesSlide2.xml><?xml version="1.0" encoding="utf-8"?>
 <p:notes xmlns:a="http://schemas.openxmlformats.org/drawingml/2006/main" xmlns:r="http://schemas.openxmlformats.org/officeDocument/2006/relationships" xmlns:p="http://schemas.openxmlformats.org/presentationml/2006/main">
   <p:cSld>
@@ -13367,6 +13451,94 @@
           <a:bodyPr/>
           <a:lstStyle/>
           <a:p>
+            <a:r>
+              <a:rPr lang="en-US"/>
+              <a:t>https://spark.apache.org/releases/spark-release-3-0-0.html</a:t>
+            </a:r>
+            <a:endParaRPr lang="el-GR"/>
+          </a:p>
+        </p:txBody>
+      </p:sp>
+      <p:sp>
+        <p:nvSpPr>
+          <p:cNvPr id="4" name="Θέση αριθμού διαφάνειας 3"/>
+          <p:cNvSpPr>
+            <a:spLocks noGrp="1"/>
+          </p:cNvSpPr>
+          <p:nvPr>
+            <p:ph type="sldNum" sz="quarter" idx="5"/>
+          </p:nvPr>
+        </p:nvSpPr>
+        <p:spPr/>
+        <p:txBody>
+          <a:bodyPr/>
+          <a:lstStyle/>
+          <a:p>
+            <a:fld id="{F65C95F2-2AB4-44CC-909A-30EA08F0882A}" type="slidenum">
+              <a:rPr lang="el-GR" smtClean="0"/>
+              <a:t>3</a:t>
+            </a:fld>
+            <a:endParaRPr lang="el-GR"/>
+          </a:p>
+        </p:txBody>
+      </p:sp>
+    </p:spTree>
+    <p:extLst>
+      <p:ext uri="{BB962C8B-B14F-4D97-AF65-F5344CB8AC3E}">
+        <p14:creationId xmlns:p14="http://schemas.microsoft.com/office/powerpoint/2010/main" val="806023173"/>
+      </p:ext>
+    </p:extLst>
+  </p:cSld>
+  <p:clrMapOvr>
+    <a:masterClrMapping/>
+  </p:clrMapOvr>
+</p:notes>
+</file>
+
+<file path=ppt/notesSlides/notesSlide4.xml><?xml version="1.0" encoding="utf-8"?>
+<p:notes xmlns:a="http://schemas.openxmlformats.org/drawingml/2006/main" xmlns:r="http://schemas.openxmlformats.org/officeDocument/2006/relationships" xmlns:p="http://schemas.openxmlformats.org/presentationml/2006/main">
+  <p:cSld>
+    <p:spTree>
+      <p:nvGrpSpPr>
+        <p:cNvPr id="1" name=""/>
+        <p:cNvGrpSpPr/>
+        <p:nvPr/>
+      </p:nvGrpSpPr>
+      <p:grpSpPr>
+        <a:xfrm>
+          <a:off x="0" y="0"/>
+          <a:ext cx="0" cy="0"/>
+          <a:chOff x="0" y="0"/>
+          <a:chExt cx="0" cy="0"/>
+        </a:xfrm>
+      </p:grpSpPr>
+      <p:sp>
+        <p:nvSpPr>
+          <p:cNvPr id="2" name="Θέση εικόνας διαφάνειας 1"/>
+          <p:cNvSpPr>
+            <a:spLocks noGrp="1" noRot="1" noChangeAspect="1"/>
+          </p:cNvSpPr>
+          <p:nvPr>
+            <p:ph type="sldImg"/>
+          </p:nvPr>
+        </p:nvSpPr>
+        <p:spPr/>
+      </p:sp>
+      <p:sp>
+        <p:nvSpPr>
+          <p:cNvPr id="3" name="Θέση σημειώσεων 2"/>
+          <p:cNvSpPr>
+            <a:spLocks noGrp="1"/>
+          </p:cNvSpPr>
+          <p:nvPr>
+            <p:ph type="body" idx="1"/>
+          </p:nvPr>
+        </p:nvSpPr>
+        <p:spPr/>
+        <p:txBody>
+          <a:bodyPr/>
+          <a:lstStyle/>
+          <a:p>
             <a:endParaRPr lang="el-GR" dirty="0"/>
           </a:p>
         </p:txBody>
@@ -13407,7 +13579,7 @@
 </p:notes>
 </file>
 
-<file path=ppt/notesSlides/notesSlide4.xml><?xml version="1.0" encoding="utf-8"?>
+<file path=ppt/notesSlides/notesSlide5.xml><?xml version="1.0" encoding="utf-8"?>
 <p:notes xmlns:a="http://schemas.openxmlformats.org/drawingml/2006/main" xmlns:r="http://schemas.openxmlformats.org/officeDocument/2006/relationships" xmlns:p="http://schemas.openxmlformats.org/presentationml/2006/main">
   <p:cSld>
     <p:spTree>
@@ -13491,98 +13663,6 @@
 </p:notes>
 </file>
 
-<file path=ppt/notesSlides/notesSlide5.xml><?xml version="1.0" encoding="utf-8"?>
-<p:notes xmlns:a="http://schemas.openxmlformats.org/drawingml/2006/main" xmlns:r="http://schemas.openxmlformats.org/officeDocument/2006/relationships" xmlns:p="http://schemas.openxmlformats.org/presentationml/2006/main">
-  <p:cSld>
-    <p:spTree>
-      <p:nvGrpSpPr>
-        <p:cNvPr id="1" name=""/>
-        <p:cNvGrpSpPr/>
-        <p:nvPr/>
-      </p:nvGrpSpPr>
-      <p:grpSpPr>
-        <a:xfrm>
-          <a:off x="0" y="0"/>
-          <a:ext cx="0" cy="0"/>
-          <a:chOff x="0" y="0"/>
-          <a:chExt cx="0" cy="0"/>
-        </a:xfrm>
-      </p:grpSpPr>
-      <p:sp>
-        <p:nvSpPr>
-          <p:cNvPr id="2" name="Θέση εικόνας διαφάνειας 1"/>
-          <p:cNvSpPr>
-            <a:spLocks noGrp="1" noRot="1" noChangeAspect="1"/>
-          </p:cNvSpPr>
-          <p:nvPr>
-            <p:ph type="sldImg"/>
-          </p:nvPr>
-        </p:nvSpPr>
-        <p:spPr/>
-      </p:sp>
-      <p:sp>
-        <p:nvSpPr>
-          <p:cNvPr id="3" name="Θέση σημειώσεων 2"/>
-          <p:cNvSpPr>
-            <a:spLocks noGrp="1"/>
-          </p:cNvSpPr>
-          <p:nvPr>
-            <p:ph type="body" idx="1"/>
-          </p:nvPr>
-        </p:nvSpPr>
-        <p:spPr/>
-        <p:txBody>
-          <a:bodyPr/>
-          <a:lstStyle/>
-          <a:p>
-            <a:r>
-              <a:rPr lang="en-US" dirty="0"/>
-              <a:t>apache</a:t>
-            </a:r>
-            <a:r>
-              <a:rPr lang="en-US" baseline="0" dirty="0"/>
-              <a:t> spark standalone</a:t>
-            </a:r>
-            <a:endParaRPr lang="el-GR" dirty="0"/>
-          </a:p>
-        </p:txBody>
-      </p:sp>
-      <p:sp>
-        <p:nvSpPr>
-          <p:cNvPr id="4" name="Θέση αριθμού διαφάνειας 3"/>
-          <p:cNvSpPr>
-            <a:spLocks noGrp="1"/>
-          </p:cNvSpPr>
-          <p:nvPr>
-            <p:ph type="sldNum" sz="quarter" idx="10"/>
-          </p:nvPr>
-        </p:nvSpPr>
-        <p:spPr/>
-        <p:txBody>
-          <a:bodyPr/>
-          <a:lstStyle/>
-          <a:p>
-            <a:fld id="{5F9DBC74-475F-4A83-AC9D-9F7F396082E4}" type="slidenum">
-              <a:rPr lang="el-GR" smtClean="0"/>
-              <a:t>9</a:t>
-            </a:fld>
-            <a:endParaRPr lang="el-GR"/>
-          </a:p>
-        </p:txBody>
-      </p:sp>
-    </p:spTree>
-    <p:extLst>
-      <p:ext uri="{BB962C8B-B14F-4D97-AF65-F5344CB8AC3E}">
-        <p14:creationId xmlns:p14="http://schemas.microsoft.com/office/powerpoint/2010/main" val="39320882"/>
-      </p:ext>
-    </p:extLst>
-  </p:cSld>
-  <p:clrMapOvr>
-    <a:masterClrMapping/>
-  </p:clrMapOvr>
-</p:notes>
-</file>
-
 <file path=ppt/notesSlides/notesSlide6.xml><?xml version="1.0" encoding="utf-8"?>
 <p:notes xmlns:a="http://schemas.openxmlformats.org/drawingml/2006/main" xmlns:r="http://schemas.openxmlformats.org/officeDocument/2006/relationships" xmlns:p="http://schemas.openxmlformats.org/presentationml/2006/main">
   <p:cSld>
@@ -13629,6 +13709,98 @@
           <a:p>
             <a:r>
               <a:rPr lang="en-US" dirty="0"/>
+              <a:t>apache</a:t>
+            </a:r>
+            <a:r>
+              <a:rPr lang="en-US" baseline="0" dirty="0"/>
+              <a:t> spark standalone</a:t>
+            </a:r>
+            <a:endParaRPr lang="el-GR" dirty="0"/>
+          </a:p>
+        </p:txBody>
+      </p:sp>
+      <p:sp>
+        <p:nvSpPr>
+          <p:cNvPr id="4" name="Θέση αριθμού διαφάνειας 3"/>
+          <p:cNvSpPr>
+            <a:spLocks noGrp="1"/>
+          </p:cNvSpPr>
+          <p:nvPr>
+            <p:ph type="sldNum" sz="quarter" idx="10"/>
+          </p:nvPr>
+        </p:nvSpPr>
+        <p:spPr/>
+        <p:txBody>
+          <a:bodyPr/>
+          <a:lstStyle/>
+          <a:p>
+            <a:fld id="{5F9DBC74-475F-4A83-AC9D-9F7F396082E4}" type="slidenum">
+              <a:rPr lang="el-GR" smtClean="0"/>
+              <a:t>9</a:t>
+            </a:fld>
+            <a:endParaRPr lang="el-GR"/>
+          </a:p>
+        </p:txBody>
+      </p:sp>
+    </p:spTree>
+    <p:extLst>
+      <p:ext uri="{BB962C8B-B14F-4D97-AF65-F5344CB8AC3E}">
+        <p14:creationId xmlns:p14="http://schemas.microsoft.com/office/powerpoint/2010/main" val="39320882"/>
+      </p:ext>
+    </p:extLst>
+  </p:cSld>
+  <p:clrMapOvr>
+    <a:masterClrMapping/>
+  </p:clrMapOvr>
+</p:notes>
+</file>
+
+<file path=ppt/notesSlides/notesSlide7.xml><?xml version="1.0" encoding="utf-8"?>
+<p:notes xmlns:a="http://schemas.openxmlformats.org/drawingml/2006/main" xmlns:r="http://schemas.openxmlformats.org/officeDocument/2006/relationships" xmlns:p="http://schemas.openxmlformats.org/presentationml/2006/main">
+  <p:cSld>
+    <p:spTree>
+      <p:nvGrpSpPr>
+        <p:cNvPr id="1" name=""/>
+        <p:cNvGrpSpPr/>
+        <p:nvPr/>
+      </p:nvGrpSpPr>
+      <p:grpSpPr>
+        <a:xfrm>
+          <a:off x="0" y="0"/>
+          <a:ext cx="0" cy="0"/>
+          <a:chOff x="0" y="0"/>
+          <a:chExt cx="0" cy="0"/>
+        </a:xfrm>
+      </p:grpSpPr>
+      <p:sp>
+        <p:nvSpPr>
+          <p:cNvPr id="2" name="Θέση εικόνας διαφάνειας 1"/>
+          <p:cNvSpPr>
+            <a:spLocks noGrp="1" noRot="1" noChangeAspect="1"/>
+          </p:cNvSpPr>
+          <p:nvPr>
+            <p:ph type="sldImg"/>
+          </p:nvPr>
+        </p:nvSpPr>
+        <p:spPr/>
+      </p:sp>
+      <p:sp>
+        <p:nvSpPr>
+          <p:cNvPr id="3" name="Θέση σημειώσεων 2"/>
+          <p:cNvSpPr>
+            <a:spLocks noGrp="1"/>
+          </p:cNvSpPr>
+          <p:nvPr>
+            <p:ph type="body" idx="1"/>
+          </p:nvPr>
+        </p:nvSpPr>
+        <p:spPr/>
+        <p:txBody>
+          <a:bodyPr/>
+          <a:lstStyle/>
+          <a:p>
+            <a:r>
+              <a:rPr lang="en-US" dirty="0"/>
               <a:t>REPL</a:t>
             </a:r>
             <a:r>
@@ -13683,7 +13855,7 @@
 </p:notes>
 </file>
 
-<file path=ppt/notesSlides/notesSlide7.xml><?xml version="1.0" encoding="utf-8"?>
+<file path=ppt/notesSlides/notesSlide8.xml><?xml version="1.0" encoding="utf-8"?>
 <p:notes xmlns:a="http://schemas.openxmlformats.org/drawingml/2006/main" xmlns:r="http://schemas.openxmlformats.org/officeDocument/2006/relationships" xmlns:p="http://schemas.openxmlformats.org/presentationml/2006/main">
   <p:cSld>
     <p:spTree>
@@ -13767,7 +13939,7 @@
 </p:notes>
 </file>
 
-<file path=ppt/notesSlides/notesSlide8.xml><?xml version="1.0" encoding="utf-8"?>
+<file path=ppt/notesSlides/notesSlide9.xml><?xml version="1.0" encoding="utf-8"?>
 <p:notes xmlns:a="http://schemas.openxmlformats.org/drawingml/2006/main" xmlns:r="http://schemas.openxmlformats.org/officeDocument/2006/relationships" xmlns:p="http://schemas.openxmlformats.org/presentationml/2006/main">
   <p:cSld>
     <p:spTree>
@@ -13874,6 +14046,33 @@
                 <a:cs typeface="+mn-cs"/>
               </a:rPr>
               <a:t>: Minimum cost for sorting a very large amount of data on a public cloud. (currently 100 TB). </a:t>
+            </a:r>
+          </a:p>
+          <a:p>
+            <a:pPr fontAlgn="t"/>
+            <a:endParaRPr lang="en-US" sz="1200" b="0" kern="1200" dirty="0">
+              <a:solidFill>
+                <a:schemeClr val="tx1"/>
+              </a:solidFill>
+              <a:effectLst/>
+              <a:latin typeface="+mn-lt"/>
+              <a:ea typeface="+mn-ea"/>
+              <a:cs typeface="+mn-cs"/>
+            </a:endParaRPr>
+          </a:p>
+          <a:p>
+            <a:pPr fontAlgn="t"/>
+            <a:r>
+              <a:rPr lang="en-US" sz="1200" b="0" kern="1200" dirty="0">
+                <a:solidFill>
+                  <a:schemeClr val="tx1"/>
+                </a:solidFill>
+                <a:effectLst/>
+                <a:latin typeface="+mn-lt"/>
+                <a:ea typeface="+mn-ea"/>
+                <a:cs typeface="+mn-cs"/>
+              </a:rPr>
+              <a:t>https://databricks.com/blog/2020/06/18/introducing-apache-spark-3-0-now-available-in-databricks-runtime-7-0.html</a:t>
             </a:r>
             <a:br>
               <a:rPr lang="en-US" sz="1200" b="0" kern="1200" dirty="0">
@@ -13937,90 +14136,6 @@
 </p:notes>
 </file>
 
-<file path=ppt/notesSlides/notesSlide9.xml><?xml version="1.0" encoding="utf-8"?>
-<p:notes xmlns:a="http://schemas.openxmlformats.org/drawingml/2006/main" xmlns:r="http://schemas.openxmlformats.org/officeDocument/2006/relationships" xmlns:p="http://schemas.openxmlformats.org/presentationml/2006/main">
-  <p:cSld>
-    <p:spTree>
-      <p:nvGrpSpPr>
-        <p:cNvPr id="1" name=""/>
-        <p:cNvGrpSpPr/>
-        <p:nvPr/>
-      </p:nvGrpSpPr>
-      <p:grpSpPr>
-        <a:xfrm>
-          <a:off x="0" y="0"/>
-          <a:ext cx="0" cy="0"/>
-          <a:chOff x="0" y="0"/>
-          <a:chExt cx="0" cy="0"/>
-        </a:xfrm>
-      </p:grpSpPr>
-      <p:sp>
-        <p:nvSpPr>
-          <p:cNvPr id="2" name="Θέση εικόνας διαφάνειας 1"/>
-          <p:cNvSpPr>
-            <a:spLocks noGrp="1" noRot="1" noChangeAspect="1"/>
-          </p:cNvSpPr>
-          <p:nvPr>
-            <p:ph type="sldImg"/>
-          </p:nvPr>
-        </p:nvSpPr>
-        <p:spPr/>
-      </p:sp>
-      <p:sp>
-        <p:nvSpPr>
-          <p:cNvPr id="3" name="Θέση σημειώσεων 2"/>
-          <p:cNvSpPr>
-            <a:spLocks noGrp="1"/>
-          </p:cNvSpPr>
-          <p:nvPr>
-            <p:ph type="body" idx="1"/>
-          </p:nvPr>
-        </p:nvSpPr>
-        <p:spPr/>
-        <p:txBody>
-          <a:bodyPr/>
-          <a:lstStyle/>
-          <a:p>
-            <a:endParaRPr lang="el-GR" dirty="0"/>
-          </a:p>
-        </p:txBody>
-      </p:sp>
-      <p:sp>
-        <p:nvSpPr>
-          <p:cNvPr id="4" name="Θέση αριθμού διαφάνειας 3"/>
-          <p:cNvSpPr>
-            <a:spLocks noGrp="1"/>
-          </p:cNvSpPr>
-          <p:nvPr>
-            <p:ph type="sldNum" sz="quarter" idx="10"/>
-          </p:nvPr>
-        </p:nvSpPr>
-        <p:spPr/>
-        <p:txBody>
-          <a:bodyPr/>
-          <a:lstStyle/>
-          <a:p>
-            <a:fld id="{5F9DBC74-475F-4A83-AC9D-9F7F396082E4}" type="slidenum">
-              <a:rPr lang="el-GR" smtClean="0"/>
-              <a:t>21</a:t>
-            </a:fld>
-            <a:endParaRPr lang="el-GR"/>
-          </a:p>
-        </p:txBody>
-      </p:sp>
-    </p:spTree>
-    <p:extLst>
-      <p:ext uri="{BB962C8B-B14F-4D97-AF65-F5344CB8AC3E}">
-        <p14:creationId xmlns:p14="http://schemas.microsoft.com/office/powerpoint/2010/main" val="2012403360"/>
-      </p:ext>
-    </p:extLst>
-  </p:cSld>
-  <p:clrMapOvr>
-    <a:masterClrMapping/>
-  </p:clrMapOvr>
-</p:notes>
-</file>
-
 <file path=ppt/slideLayouts/slideLayout1.xml><?xml version="1.0" encoding="utf-8"?>
 <p:sldLayout xmlns:a="http://schemas.openxmlformats.org/drawingml/2006/main" xmlns:r="http://schemas.openxmlformats.org/officeDocument/2006/relationships" xmlns:p="http://schemas.openxmlformats.org/presentationml/2006/main" type="title" preserve="1">
   <p:cSld name="Διαφάνεια τίτλου">
@@ -14150,7 +14265,7 @@
           <a:p>
             <a:fld id="{B449E151-0877-461B-8BE5-DA5BD7170C9D}" type="datetimeFigureOut">
               <a:rPr lang="el-GR" smtClean="0"/>
-              <a:t>24/11/2020</a:t>
+              <a:t>23/1/2022</a:t>
             </a:fld>
             <a:endParaRPr lang="el-GR"/>
           </a:p>
@@ -14318,7 +14433,7 @@
           <a:p>
             <a:fld id="{B449E151-0877-461B-8BE5-DA5BD7170C9D}" type="datetimeFigureOut">
               <a:rPr lang="el-GR" smtClean="0"/>
-              <a:t>24/11/2020</a:t>
+              <a:t>23/1/2022</a:t>
             </a:fld>
             <a:endParaRPr lang="el-GR"/>
           </a:p>
@@ -14496,7 +14611,7 @@
           <a:p>
             <a:fld id="{B449E151-0877-461B-8BE5-DA5BD7170C9D}" type="datetimeFigureOut">
               <a:rPr lang="el-GR" smtClean="0"/>
-              <a:t>24/11/2020</a:t>
+              <a:t>23/1/2022</a:t>
             </a:fld>
             <a:endParaRPr lang="el-GR"/>
           </a:p>
@@ -14664,7 +14779,7 @@
           <a:p>
             <a:fld id="{B449E151-0877-461B-8BE5-DA5BD7170C9D}" type="datetimeFigureOut">
               <a:rPr lang="el-GR" smtClean="0"/>
-              <a:t>24/11/2020</a:t>
+              <a:t>23/1/2022</a:t>
             </a:fld>
             <a:endParaRPr lang="el-GR"/>
           </a:p>
@@ -14909,7 +15024,7 @@
           <a:p>
             <a:fld id="{B449E151-0877-461B-8BE5-DA5BD7170C9D}" type="datetimeFigureOut">
               <a:rPr lang="el-GR" smtClean="0"/>
-              <a:t>24/11/2020</a:t>
+              <a:t>23/1/2022</a:t>
             </a:fld>
             <a:endParaRPr lang="el-GR"/>
           </a:p>
@@ -15138,7 +15253,7 @@
           <a:p>
             <a:fld id="{B449E151-0877-461B-8BE5-DA5BD7170C9D}" type="datetimeFigureOut">
               <a:rPr lang="el-GR" smtClean="0"/>
-              <a:t>24/11/2020</a:t>
+              <a:t>23/1/2022</a:t>
             </a:fld>
             <a:endParaRPr lang="el-GR"/>
           </a:p>
@@ -15502,7 +15617,7 @@
           <a:p>
             <a:fld id="{B449E151-0877-461B-8BE5-DA5BD7170C9D}" type="datetimeFigureOut">
               <a:rPr lang="el-GR" smtClean="0"/>
-              <a:t>24/11/2020</a:t>
+              <a:t>23/1/2022</a:t>
             </a:fld>
             <a:endParaRPr lang="el-GR"/>
           </a:p>
@@ -15619,7 +15734,7 @@
           <a:p>
             <a:fld id="{B449E151-0877-461B-8BE5-DA5BD7170C9D}" type="datetimeFigureOut">
               <a:rPr lang="el-GR" smtClean="0"/>
-              <a:t>24/11/2020</a:t>
+              <a:t>23/1/2022</a:t>
             </a:fld>
             <a:endParaRPr lang="el-GR"/>
           </a:p>
@@ -15714,7 +15829,7 @@
           <a:p>
             <a:fld id="{B449E151-0877-461B-8BE5-DA5BD7170C9D}" type="datetimeFigureOut">
               <a:rPr lang="el-GR" smtClean="0"/>
-              <a:t>24/11/2020</a:t>
+              <a:t>23/1/2022</a:t>
             </a:fld>
             <a:endParaRPr lang="el-GR"/>
           </a:p>
@@ -15989,7 +16104,7 @@
           <a:p>
             <a:fld id="{B449E151-0877-461B-8BE5-DA5BD7170C9D}" type="datetimeFigureOut">
               <a:rPr lang="el-GR" smtClean="0"/>
-              <a:t>24/11/2020</a:t>
+              <a:t>23/1/2022</a:t>
             </a:fld>
             <a:endParaRPr lang="el-GR"/>
           </a:p>
@@ -16241,7 +16356,7 @@
           <a:p>
             <a:fld id="{B449E151-0877-461B-8BE5-DA5BD7170C9D}" type="datetimeFigureOut">
               <a:rPr lang="el-GR" smtClean="0"/>
-              <a:t>24/11/2020</a:t>
+              <a:t>23/1/2022</a:t>
             </a:fld>
             <a:endParaRPr lang="el-GR"/>
           </a:p>
@@ -16452,7 +16567,7 @@
           <a:p>
             <a:fld id="{B449E151-0877-461B-8BE5-DA5BD7170C9D}" type="datetimeFigureOut">
               <a:rPr lang="el-GR" smtClean="0"/>
-              <a:t>24/11/2020</a:t>
+              <a:t>23/1/2022</a:t>
             </a:fld>
             <a:endParaRPr lang="el-GR"/>
           </a:p>
@@ -17083,7 +17198,31 @@
                   <a:srgbClr val="000000"/>
                 </a:solidFill>
               </a:rPr>
-              <a:t>24/11/2020</a:t>
+              <a:t>24/</a:t>
+            </a:r>
+            <a:r>
+              <a:rPr lang="el-GR" sz="1800" dirty="0">
+                <a:solidFill>
+                  <a:srgbClr val="000000"/>
+                </a:solidFill>
+              </a:rPr>
+              <a:t>1</a:t>
+            </a:r>
+            <a:r>
+              <a:rPr lang="en-US" sz="1800" dirty="0">
+                <a:solidFill>
+                  <a:srgbClr val="000000"/>
+                </a:solidFill>
+              </a:rPr>
+              <a:t>/202</a:t>
+            </a:r>
+            <a:r>
+              <a:rPr lang="el-GR" sz="1800" dirty="0">
+                <a:solidFill>
+                  <a:srgbClr val="000000"/>
+                </a:solidFill>
+              </a:rPr>
+              <a:t>2</a:t>
             </a:r>
             <a:endParaRPr lang="en-US" dirty="0">
               <a:solidFill>
@@ -20350,7 +20489,23 @@
                   <a:schemeClr val="bg1"/>
                 </a:solidFill>
               </a:rPr>
-              <a:t>πει την ανάπτυξη σύνθετων εργασιών, που αποτελούνται από πολλά επιμέρους βήματα χρησιμοποιώντας το DAG pattern</a:t>
+              <a:t>πει την ανάπτυξη σύνθετων εργασιών, που αποτελούνται από πολλά επιμέρους βήματα χρησιμοποιώντας το </a:t>
+            </a:r>
+            <a:r>
+              <a:rPr lang="el-GR" sz="1700" dirty="0">
+                <a:solidFill>
+                  <a:schemeClr val="bg1"/>
+                </a:solidFill>
+              </a:rPr>
+              <a:t>λεγόμενο </a:t>
+            </a:r>
+            <a:r>
+              <a:rPr lang="en-US" sz="1700" dirty="0">
+                <a:solidFill>
+                  <a:schemeClr val="bg1"/>
+                </a:solidFill>
+              </a:rPr>
+              <a:t>DAG pattern</a:t>
             </a:r>
           </a:p>
           <a:p>
@@ -23225,6 +23380,17 @@
               </a:rPr>
               <a:t>, SQL tables and views) – Schemas</a:t>
             </a:r>
+            <a:endParaRPr lang="el-GR" sz="2000" dirty="0">
+              <a:sym typeface="Wingdings" panose="05000000000000000000" pitchFamily="2" charset="2"/>
+            </a:endParaRPr>
+          </a:p>
+          <a:p>
+            <a:r>
+              <a:rPr lang="en-US" sz="2000" dirty="0">
+                <a:sym typeface="Wingdings" panose="05000000000000000000" pitchFamily="2" charset="2"/>
+              </a:rPr>
+              <a:t>Spark 3.0  adaptive query execution; dynamic partition pruning; ANSI SQL compliance; significant improvements in pandas APIs; new UI for structured streaming; up to 40x speedups for calling R user-defined functions; accelerator-aware scheduler; and SQL reference documentation</a:t>
+            </a:r>
             <a:endParaRPr lang="el-GR" sz="2000" dirty="0"/>
           </a:p>
         </p:txBody>
@@ -23682,7 +23848,7 @@
             </a:r>
             <a:r>
               <a:rPr lang="en-US" dirty="0"/>
-              <a:t>)</a:t>
+              <a:t>, TPC-DS 30TB)</a:t>
             </a:r>
             <a:endParaRPr lang="el-GR" dirty="0"/>
           </a:p>
@@ -23732,7 +23898,7 @@
         </p:blipFill>
         <p:spPr>
           <a:xfrm>
-            <a:off x="6172200" y="2397899"/>
+            <a:off x="6032648" y="1591416"/>
             <a:ext cx="5181600" cy="2558240"/>
           </a:xfrm>
           <a:prstGeom prst="rect">
@@ -23748,15 +23914,15 @@
         </p:nvSpPr>
         <p:spPr>
           <a:xfrm>
-            <a:off x="380999" y="6181095"/>
-            <a:ext cx="6096000" cy="261610"/>
+            <a:off x="1695795" y="6181095"/>
+            <a:ext cx="3436635" cy="430887"/>
           </a:xfrm>
           <a:prstGeom prst="rect">
             <a:avLst/>
           </a:prstGeom>
         </p:spPr>
         <p:txBody>
-          <a:bodyPr>
+          <a:bodyPr wrap="square">
             <a:spAutoFit/>
           </a:bodyPr>
           <a:lstStyle/>
@@ -23783,8 +23949,8 @@
         </p:nvSpPr>
         <p:spPr>
           <a:xfrm>
-            <a:off x="5969296" y="5330543"/>
-            <a:ext cx="5587408" cy="276999"/>
+            <a:off x="6172200" y="4050383"/>
+            <a:ext cx="4692535" cy="461665"/>
           </a:xfrm>
           <a:prstGeom prst="rect">
             <a:avLst/>
@@ -23883,6 +24049,275 @@
               <a:t>20</a:t>
             </a:fld>
             <a:endParaRPr lang="el-GR"/>
+          </a:p>
+        </p:txBody>
+      </p:sp>
+      <p:sp>
+        <p:nvSpPr>
+          <p:cNvPr id="11" name="TextBox 10">
+            <a:extLst>
+              <a:ext uri="{FF2B5EF4-FFF2-40B4-BE49-F238E27FC236}">
+                <a16:creationId xmlns:a16="http://schemas.microsoft.com/office/drawing/2014/main" id="{0A9262A8-AFB4-4788-8D40-484C906336DF}"/>
+              </a:ext>
+            </a:extLst>
+          </p:cNvPr>
+          <p:cNvSpPr txBox="1"/>
+          <p:nvPr/>
+        </p:nvSpPr>
+        <p:spPr>
+          <a:xfrm>
+            <a:off x="5893096" y="4843446"/>
+            <a:ext cx="6095306" cy="646331"/>
+          </a:xfrm>
+          <a:prstGeom prst="rect">
+            <a:avLst/>
+          </a:prstGeom>
+          <a:noFill/>
+        </p:spPr>
+        <p:txBody>
+          <a:bodyPr wrap="square">
+            <a:spAutoFit/>
+          </a:bodyPr>
+          <a:lstStyle/>
+          <a:p>
+            <a:r>
+              <a:rPr lang="en-US" b="1" i="0" dirty="0">
+                <a:solidFill>
+                  <a:srgbClr val="1B3139"/>
+                </a:solidFill>
+                <a:effectLst/>
+                <a:latin typeface="DM Sans"/>
+              </a:rPr>
+              <a:t>Spark 3.0 performed roughly 2x better than Spark 2.4 in total runtime for 30TB TPC-DS benchmark</a:t>
+            </a:r>
+          </a:p>
+        </p:txBody>
+      </p:sp>
+      <p:sp>
+        <p:nvSpPr>
+          <p:cNvPr id="12" name="TextBox 11">
+            <a:extLst>
+              <a:ext uri="{FF2B5EF4-FFF2-40B4-BE49-F238E27FC236}">
+                <a16:creationId xmlns:a16="http://schemas.microsoft.com/office/drawing/2014/main" id="{87331CF1-F6C0-4816-9E26-54C233934181}"/>
+              </a:ext>
+            </a:extLst>
+          </p:cNvPr>
+          <p:cNvSpPr txBox="1"/>
+          <p:nvPr/>
+        </p:nvSpPr>
+        <p:spPr>
+          <a:xfrm>
+            <a:off x="5936326" y="5424643"/>
+            <a:ext cx="5867747" cy="430887"/>
+          </a:xfrm>
+          <a:prstGeom prst="rect">
+            <a:avLst/>
+          </a:prstGeom>
+          <a:noFill/>
+        </p:spPr>
+        <p:txBody>
+          <a:bodyPr wrap="square">
+            <a:spAutoFit/>
+          </a:bodyPr>
+          <a:lstStyle/>
+          <a:p>
+            <a:r>
+              <a:rPr lang="el-GR" sz="1100" dirty="0">
+                <a:hlinkClick r:id="rId7"/>
+              </a:rPr>
+              <a:t>https://databricks.com/blog/2020/06/18/introducing-apache-spark-3-0-now-available-in-databricks-runtime-7-0.html</a:t>
+            </a:r>
+            <a:r>
+              <a:rPr lang="en-US" sz="1100" dirty="0"/>
+              <a:t> </a:t>
+            </a:r>
+            <a:r>
+              <a:rPr lang="el-GR" sz="1100" dirty="0"/>
+              <a:t> </a:t>
+            </a:r>
+          </a:p>
+        </p:txBody>
+      </p:sp>
+      <p:sp>
+        <p:nvSpPr>
+          <p:cNvPr id="14" name="Ορθογώνιο 13">
+            <a:extLst>
+              <a:ext uri="{FF2B5EF4-FFF2-40B4-BE49-F238E27FC236}">
+                <a16:creationId xmlns:a16="http://schemas.microsoft.com/office/drawing/2014/main" id="{D3BA793E-4A20-4922-AFB3-E5D0A789F672}"/>
+              </a:ext>
+            </a:extLst>
+          </p:cNvPr>
+          <p:cNvSpPr/>
+          <p:nvPr/>
+        </p:nvSpPr>
+        <p:spPr>
+          <a:xfrm>
+            <a:off x="989176" y="1554588"/>
+            <a:ext cx="585417" cy="923330"/>
+          </a:xfrm>
+          <a:prstGeom prst="rect">
+            <a:avLst/>
+          </a:prstGeom>
+          <a:noFill/>
+        </p:spPr>
+        <p:txBody>
+          <a:bodyPr wrap="none" lIns="91440" tIns="45720" rIns="91440" bIns="45720">
+            <a:spAutoFit/>
+          </a:bodyPr>
+          <a:lstStyle/>
+          <a:p>
+            <a:pPr algn="ctr"/>
+            <a:r>
+              <a:rPr lang="en-US" sz="5400" b="0" cap="none" spc="0" dirty="0">
+                <a:ln w="0"/>
+                <a:solidFill>
+                  <a:schemeClr val="accent1"/>
+                </a:solidFill>
+                <a:effectLst>
+                  <a:outerShdw blurRad="38100" dist="25400" dir="5400000" algn="ctr" rotWithShape="0">
+                    <a:srgbClr val="6E747A">
+                      <a:alpha val="43000"/>
+                    </a:srgbClr>
+                  </a:outerShdw>
+                </a:effectLst>
+              </a:rPr>
+              <a:t>A</a:t>
+            </a:r>
+            <a:endParaRPr lang="el-GR" sz="5400" b="0" cap="none" spc="0" dirty="0">
+              <a:ln w="0"/>
+              <a:solidFill>
+                <a:schemeClr val="accent1"/>
+              </a:solidFill>
+              <a:effectLst>
+                <a:outerShdw blurRad="38100" dist="25400" dir="5400000" algn="ctr" rotWithShape="0">
+                  <a:srgbClr val="6E747A">
+                    <a:alpha val="43000"/>
+                  </a:srgbClr>
+                </a:outerShdw>
+              </a:effectLst>
+            </a:endParaRPr>
+          </a:p>
+        </p:txBody>
+      </p:sp>
+      <p:sp>
+        <p:nvSpPr>
+          <p:cNvPr id="15" name="Ορθογώνιο 14">
+            <a:extLst>
+              <a:ext uri="{FF2B5EF4-FFF2-40B4-BE49-F238E27FC236}">
+                <a16:creationId xmlns:a16="http://schemas.microsoft.com/office/drawing/2014/main" id="{21C6EC95-FF4E-4601-A530-B058626021AC}"/>
+              </a:ext>
+            </a:extLst>
+          </p:cNvPr>
+          <p:cNvSpPr/>
+          <p:nvPr/>
+        </p:nvSpPr>
+        <p:spPr>
+          <a:xfrm>
+            <a:off x="5342674" y="1560421"/>
+            <a:ext cx="561371" cy="923330"/>
+          </a:xfrm>
+          <a:prstGeom prst="rect">
+            <a:avLst/>
+          </a:prstGeom>
+          <a:noFill/>
+        </p:spPr>
+        <p:txBody>
+          <a:bodyPr wrap="none" lIns="91440" tIns="45720" rIns="91440" bIns="45720">
+            <a:spAutoFit/>
+          </a:bodyPr>
+          <a:lstStyle/>
+          <a:p>
+            <a:pPr algn="ctr"/>
+            <a:r>
+              <a:rPr lang="en-US" sz="5400" b="0" cap="none" spc="0" dirty="0">
+                <a:ln w="0"/>
+                <a:solidFill>
+                  <a:schemeClr val="accent1"/>
+                </a:solidFill>
+                <a:effectLst>
+                  <a:outerShdw blurRad="38100" dist="25400" dir="5400000" algn="ctr" rotWithShape="0">
+                    <a:srgbClr val="6E747A">
+                      <a:alpha val="43000"/>
+                    </a:srgbClr>
+                  </a:outerShdw>
+                </a:effectLst>
+              </a:rPr>
+              <a:t>B</a:t>
+            </a:r>
+            <a:endParaRPr lang="el-GR" sz="5400" b="0" cap="none" spc="0" dirty="0">
+              <a:ln w="0"/>
+              <a:solidFill>
+                <a:schemeClr val="accent1"/>
+              </a:solidFill>
+              <a:effectLst>
+                <a:outerShdw blurRad="38100" dist="25400" dir="5400000" algn="ctr" rotWithShape="0">
+                  <a:srgbClr val="6E747A">
+                    <a:alpha val="43000"/>
+                  </a:srgbClr>
+                </a:outerShdw>
+              </a:effectLst>
+            </a:endParaRPr>
+          </a:p>
+        </p:txBody>
+      </p:sp>
+      <p:sp>
+        <p:nvSpPr>
+          <p:cNvPr id="16" name="Ορθογώνιο 15">
+            <a:extLst>
+              <a:ext uri="{FF2B5EF4-FFF2-40B4-BE49-F238E27FC236}">
+                <a16:creationId xmlns:a16="http://schemas.microsoft.com/office/drawing/2014/main" id="{F06D9E79-5BD8-4049-8619-E9BC491CDF7A}"/>
+              </a:ext>
+            </a:extLst>
+          </p:cNvPr>
+          <p:cNvSpPr/>
+          <p:nvPr/>
+        </p:nvSpPr>
+        <p:spPr>
+          <a:xfrm>
+            <a:off x="5350688" y="4932200"/>
+            <a:ext cx="553357" cy="923330"/>
+          </a:xfrm>
+          <a:prstGeom prst="rect">
+            <a:avLst/>
+          </a:prstGeom>
+          <a:noFill/>
+        </p:spPr>
+        <p:txBody>
+          <a:bodyPr wrap="none" lIns="91440" tIns="45720" rIns="91440" bIns="45720">
+            <a:spAutoFit/>
+          </a:bodyPr>
+          <a:lstStyle/>
+          <a:p>
+            <a:pPr algn="ctr"/>
+            <a:r>
+              <a:rPr lang="en-US" sz="5400" b="0" cap="none" spc="0" dirty="0">
+                <a:ln w="0"/>
+                <a:solidFill>
+                  <a:schemeClr val="accent1"/>
+                </a:solidFill>
+                <a:effectLst>
+                  <a:outerShdw blurRad="38100" dist="25400" dir="5400000" algn="ctr" rotWithShape="0">
+                    <a:srgbClr val="6E747A">
+                      <a:alpha val="43000"/>
+                    </a:srgbClr>
+                  </a:outerShdw>
+                </a:effectLst>
+              </a:rPr>
+              <a:t>C</a:t>
+            </a:r>
+            <a:endParaRPr lang="el-GR" sz="5400" b="0" cap="none" spc="0" dirty="0">
+              <a:ln w="0"/>
+              <a:solidFill>
+                <a:schemeClr val="accent1"/>
+              </a:solidFill>
+              <a:effectLst>
+                <a:outerShdw blurRad="38100" dist="25400" dir="5400000" algn="ctr" rotWithShape="0">
+                  <a:srgbClr val="6E747A">
+                    <a:alpha val="43000"/>
+                  </a:srgbClr>
+                </a:outerShdw>
+              </a:effectLst>
+            </a:endParaRPr>
           </a:p>
         </p:txBody>
       </p:sp>
@@ -24568,10 +25003,59 @@
         </p:xfrm>
         <a:graphic>
           <a:graphicData uri="http://schemas.openxmlformats.org/drawingml/2006/diagram">
-            <dgm:relIds xmlns:dgm="http://schemas.openxmlformats.org/drawingml/2006/diagram" xmlns:r="http://schemas.openxmlformats.org/officeDocument/2006/relationships" r:dm="rId2" r:lo="rId3" r:qs="rId4" r:cs="rId5"/>
+            <dgm:relIds xmlns:dgm="http://schemas.openxmlformats.org/drawingml/2006/diagram" xmlns:r="http://schemas.openxmlformats.org/officeDocument/2006/relationships" r:dm="rId3" r:lo="rId4" r:qs="rId5" r:cs="rId6"/>
           </a:graphicData>
         </a:graphic>
       </p:graphicFrame>
+      <p:sp>
+        <p:nvSpPr>
+          <p:cNvPr id="3" name="TextBox 2">
+            <a:extLst>
+              <a:ext uri="{FF2B5EF4-FFF2-40B4-BE49-F238E27FC236}">
+                <a16:creationId xmlns:a16="http://schemas.microsoft.com/office/drawing/2014/main" id="{9D2AFA2E-966A-42D9-AC15-14ECDF84F4A7}"/>
+              </a:ext>
+            </a:extLst>
+          </p:cNvPr>
+          <p:cNvSpPr txBox="1"/>
+          <p:nvPr/>
+        </p:nvSpPr>
+        <p:spPr>
+          <a:xfrm>
+            <a:off x="9360131" y="4085705"/>
+            <a:ext cx="2527344" cy="307777"/>
+          </a:xfrm>
+          <a:prstGeom prst="rect">
+            <a:avLst/>
+          </a:prstGeom>
+          <a:noFill/>
+        </p:spPr>
+        <p:txBody>
+          <a:bodyPr wrap="square" rtlCol="0">
+            <a:spAutoFit/>
+          </a:bodyPr>
+          <a:lstStyle/>
+          <a:p>
+            <a:pPr algn="r"/>
+            <a:r>
+              <a:rPr lang="el-GR" sz="1400" dirty="0"/>
+              <a:t>Οκτώβριος 2021:</a:t>
+            </a:r>
+            <a:r>
+              <a:rPr lang="el-GR" sz="1400" dirty="0">
+                <a:sym typeface="Wingdings" panose="05000000000000000000" pitchFamily="2" charset="2"/>
+              </a:rPr>
+              <a:t> </a:t>
+            </a:r>
+            <a:r>
+              <a:rPr lang="el-GR" sz="1400" b="1" dirty="0">
+                <a:sym typeface="Wingdings" panose="05000000000000000000" pitchFamily="2" charset="2"/>
+              </a:rPr>
+              <a:t>έκδοση 3.2</a:t>
+            </a:r>
+            <a:endParaRPr lang="el-GR" sz="1400" b="1" dirty="0"/>
+          </a:p>
+        </p:txBody>
+      </p:sp>
     </p:spTree>
     <p:extLst>
       <p:ext uri="{BB962C8B-B14F-4D97-AF65-F5344CB8AC3E}">
@@ -28067,7 +28551,7 @@
                 </a:solidFill>
                 <a:sym typeface="Wingdings" panose="05000000000000000000" pitchFamily="2" charset="2"/>
               </a:rPr>
-              <a:t>εστιάζει στη φόρτωση δεδομένων από συστήματα αποθήκευσης και στην εκτέλεση υπολογισμών σε αυτά όπου αυτά βρίσκονται (δεν είναι το ίδιο λογισμικό αποθήκευσης δεδομένων)</a:t>
+              <a:t>εστιάζει στη φόρτωση δεδομένων από συστήματα αποθήκευσης και στην εκτέλεση υπολογισμών στα δεδομένα όπου αυτά βρίσκονται (δεν αποτελεί το ίδιο λογισμικό αποθήκευσης δεδομένων)</a:t>
             </a:r>
           </a:p>
           <a:p>

--- a/04. Apache Spark.pptx
+++ b/04. Apache Spark.pptx
@@ -12774,7 +12774,7 @@
           <a:p>
             <a:fld id="{339FF9B1-BC6A-488D-9803-65420610ECB9}" type="datetimeFigureOut">
               <a:rPr lang="el-GR" smtClean="0"/>
-              <a:t>23/1/2022</a:t>
+              <a:t>31/5/2022</a:t>
             </a:fld>
             <a:endParaRPr lang="el-GR"/>
           </a:p>
@@ -14265,7 +14265,7 @@
           <a:p>
             <a:fld id="{B449E151-0877-461B-8BE5-DA5BD7170C9D}" type="datetimeFigureOut">
               <a:rPr lang="el-GR" smtClean="0"/>
-              <a:t>23/1/2022</a:t>
+              <a:t>31/5/2022</a:t>
             </a:fld>
             <a:endParaRPr lang="el-GR"/>
           </a:p>
@@ -14433,7 +14433,7 @@
           <a:p>
             <a:fld id="{B449E151-0877-461B-8BE5-DA5BD7170C9D}" type="datetimeFigureOut">
               <a:rPr lang="el-GR" smtClean="0"/>
-              <a:t>23/1/2022</a:t>
+              <a:t>31/5/2022</a:t>
             </a:fld>
             <a:endParaRPr lang="el-GR"/>
           </a:p>
@@ -14611,7 +14611,7 @@
           <a:p>
             <a:fld id="{B449E151-0877-461B-8BE5-DA5BD7170C9D}" type="datetimeFigureOut">
               <a:rPr lang="el-GR" smtClean="0"/>
-              <a:t>23/1/2022</a:t>
+              <a:t>31/5/2022</a:t>
             </a:fld>
             <a:endParaRPr lang="el-GR"/>
           </a:p>
@@ -14779,7 +14779,7 @@
           <a:p>
             <a:fld id="{B449E151-0877-461B-8BE5-DA5BD7170C9D}" type="datetimeFigureOut">
               <a:rPr lang="el-GR" smtClean="0"/>
-              <a:t>23/1/2022</a:t>
+              <a:t>31/5/2022</a:t>
             </a:fld>
             <a:endParaRPr lang="el-GR"/>
           </a:p>
@@ -15024,7 +15024,7 @@
           <a:p>
             <a:fld id="{B449E151-0877-461B-8BE5-DA5BD7170C9D}" type="datetimeFigureOut">
               <a:rPr lang="el-GR" smtClean="0"/>
-              <a:t>23/1/2022</a:t>
+              <a:t>31/5/2022</a:t>
             </a:fld>
             <a:endParaRPr lang="el-GR"/>
           </a:p>
@@ -15253,7 +15253,7 @@
           <a:p>
             <a:fld id="{B449E151-0877-461B-8BE5-DA5BD7170C9D}" type="datetimeFigureOut">
               <a:rPr lang="el-GR" smtClean="0"/>
-              <a:t>23/1/2022</a:t>
+              <a:t>31/5/2022</a:t>
             </a:fld>
             <a:endParaRPr lang="el-GR"/>
           </a:p>
@@ -15617,7 +15617,7 @@
           <a:p>
             <a:fld id="{B449E151-0877-461B-8BE5-DA5BD7170C9D}" type="datetimeFigureOut">
               <a:rPr lang="el-GR" smtClean="0"/>
-              <a:t>23/1/2022</a:t>
+              <a:t>31/5/2022</a:t>
             </a:fld>
             <a:endParaRPr lang="el-GR"/>
           </a:p>
@@ -15734,7 +15734,7 @@
           <a:p>
             <a:fld id="{B449E151-0877-461B-8BE5-DA5BD7170C9D}" type="datetimeFigureOut">
               <a:rPr lang="el-GR" smtClean="0"/>
-              <a:t>23/1/2022</a:t>
+              <a:t>31/5/2022</a:t>
             </a:fld>
             <a:endParaRPr lang="el-GR"/>
           </a:p>
@@ -15829,7 +15829,7 @@
           <a:p>
             <a:fld id="{B449E151-0877-461B-8BE5-DA5BD7170C9D}" type="datetimeFigureOut">
               <a:rPr lang="el-GR" smtClean="0"/>
-              <a:t>23/1/2022</a:t>
+              <a:t>31/5/2022</a:t>
             </a:fld>
             <a:endParaRPr lang="el-GR"/>
           </a:p>
@@ -16104,7 +16104,7 @@
           <a:p>
             <a:fld id="{B449E151-0877-461B-8BE5-DA5BD7170C9D}" type="datetimeFigureOut">
               <a:rPr lang="el-GR" smtClean="0"/>
-              <a:t>23/1/2022</a:t>
+              <a:t>31/5/2022</a:t>
             </a:fld>
             <a:endParaRPr lang="el-GR"/>
           </a:p>
@@ -16356,7 +16356,7 @@
           <a:p>
             <a:fld id="{B449E151-0877-461B-8BE5-DA5BD7170C9D}" type="datetimeFigureOut">
               <a:rPr lang="el-GR" smtClean="0"/>
-              <a:t>23/1/2022</a:t>
+              <a:t>31/5/2022</a:t>
             </a:fld>
             <a:endParaRPr lang="el-GR"/>
           </a:p>
@@ -16567,7 +16567,7 @@
           <a:p>
             <a:fld id="{B449E151-0877-461B-8BE5-DA5BD7170C9D}" type="datetimeFigureOut">
               <a:rPr lang="el-GR" smtClean="0"/>
-              <a:t>23/1/2022</a:t>
+              <a:t>31/5/2022</a:t>
             </a:fld>
             <a:endParaRPr lang="el-GR"/>
           </a:p>
@@ -17198,23 +17198,7 @@
                   <a:srgbClr val="000000"/>
                 </a:solidFill>
               </a:rPr>
-              <a:t>24/</a:t>
-            </a:r>
-            <a:r>
-              <a:rPr lang="el-GR" sz="1800" dirty="0">
-                <a:solidFill>
-                  <a:srgbClr val="000000"/>
-                </a:solidFill>
-              </a:rPr>
-              <a:t>1</a:t>
-            </a:r>
-            <a:r>
-              <a:rPr lang="en-US" sz="1800" dirty="0">
-                <a:solidFill>
-                  <a:srgbClr val="000000"/>
-                </a:solidFill>
-              </a:rPr>
-              <a:t>/202</a:t>
+              <a:t>31/5/202</a:t>
             </a:r>
             <a:r>
               <a:rPr lang="el-GR" sz="1800" dirty="0">
@@ -24887,13 +24871,17 @@
           <a:p>
             <a:r>
               <a:rPr lang="el-GR" sz="5400"/>
-              <a:t>Ιστορία του </a:t>
-            </a:r>
-            <a:r>
-              <a:rPr lang="en-US" sz="5400"/>
+              <a:t>Ιστορική διαδρομή </a:t>
+            </a:r>
+            <a:r>
+              <a:rPr lang="el-GR" sz="5400" dirty="0"/>
+              <a:t>του </a:t>
+            </a:r>
+            <a:r>
+              <a:rPr lang="en-US" sz="5400" dirty="0"/>
               <a:t>Apache Spark</a:t>
             </a:r>
-            <a:endParaRPr lang="el-GR" sz="5400"/>
+            <a:endParaRPr lang="el-GR" sz="5400" dirty="0"/>
           </a:p>
         </p:txBody>
       </p:sp>
@@ -28865,48 +28853,6 @@
           </a:p>
         </p:txBody>
       </p:sp>
-      <p:pic>
-        <p:nvPicPr>
-          <p:cNvPr id="7" name="Picture 2" descr="http://spark.apache.org/images/spark-stack.png"/>
-          <p:cNvPicPr>
-            <a:picLocks noGrp="1" noChangeAspect="1" noChangeArrowheads="1"/>
-          </p:cNvPicPr>
-          <p:nvPr>
-            <p:ph sz="half" idx="2"/>
-          </p:nvPr>
-        </p:nvPicPr>
-        <p:blipFill>
-          <a:blip r:embed="rId2">
-            <a:extLst>
-              <a:ext uri="{28A0092B-C50C-407E-A947-70E740481C1C}">
-                <a14:useLocalDpi xmlns:a14="http://schemas.microsoft.com/office/drawing/2010/main" val="0"/>
-              </a:ext>
-            </a:extLst>
-          </a:blip>
-          <a:stretch>
-            <a:fillRect/>
-          </a:stretch>
-        </p:blipFill>
-        <p:spPr bwMode="auto">
-          <a:xfrm>
-            <a:off x="6255207" y="2558374"/>
-            <a:ext cx="4994218" cy="2351149"/>
-          </a:xfrm>
-          <a:prstGeom prst="rect">
-            <a:avLst/>
-          </a:prstGeom>
-          <a:noFill/>
-          <a:extLst>
-            <a:ext uri="{909E8E84-426E-40DD-AFC4-6F175D3DCCD1}">
-              <a14:hiddenFill xmlns:a14="http://schemas.microsoft.com/office/drawing/2010/main">
-                <a:solidFill>
-                  <a:srgbClr val="FFFFFF"/>
-                </a:solidFill>
-              </a14:hiddenFill>
-            </a:ext>
-          </a:extLst>
-        </p:spPr>
-      </p:pic>
       <p:sp>
         <p:nvSpPr>
           <p:cNvPr id="3" name="Θέση αριθμού διαφάνειας 2"/>
@@ -28945,7 +28891,7 @@
           <p:nvPr/>
         </p:nvPicPr>
         <p:blipFill>
-          <a:blip r:embed="rId3">
+          <a:blip r:embed="rId2">
             <a:extLst>
               <a:ext uri="{28A0092B-C50C-407E-A947-70E740481C1C}">
                 <a14:useLocalDpi xmlns:a14="http://schemas.microsoft.com/office/drawing/2010/main" val="0"/>
@@ -28975,6 +28921,35 @@
               </a14:hiddenFill>
             </a:ext>
           </a:extLst>
+        </p:spPr>
+      </p:pic>
+      <p:pic>
+        <p:nvPicPr>
+          <p:cNvPr id="11" name="Θέση περιεχομένου 10">
+            <a:extLst>
+              <a:ext uri="{FF2B5EF4-FFF2-40B4-BE49-F238E27FC236}">
+                <a16:creationId xmlns:a16="http://schemas.microsoft.com/office/drawing/2014/main" id="{BE2D7972-CDE0-CEC9-4D5B-5868DEB9862F}"/>
+              </a:ext>
+            </a:extLst>
+          </p:cNvPr>
+          <p:cNvPicPr>
+            <a:picLocks noGrp="1" noChangeAspect="1"/>
+          </p:cNvPicPr>
+          <p:nvPr>
+            <p:ph sz="half" idx="2"/>
+          </p:nvPr>
+        </p:nvPicPr>
+        <p:blipFill>
+          <a:blip r:embed="rId3"/>
+          <a:stretch>
+            <a:fillRect/>
+          </a:stretch>
+        </p:blipFill>
+        <p:spPr>
+          <a:xfrm>
+            <a:off x="5903366" y="2532977"/>
+            <a:ext cx="6108192" cy="3136332"/>
+          </a:xfrm>
         </p:spPr>
       </p:pic>
     </p:spTree>

--- a/04. Apache Spark.pptx
+++ b/04. Apache Spark.pptx
@@ -12774,7 +12774,7 @@
           <a:p>
             <a:fld id="{339FF9B1-BC6A-488D-9803-65420610ECB9}" type="datetimeFigureOut">
               <a:rPr lang="el-GR" smtClean="0"/>
-              <a:t>31/5/2022</a:t>
+              <a:t>1/6/2022</a:t>
             </a:fld>
             <a:endParaRPr lang="el-GR"/>
           </a:p>
@@ -14265,7 +14265,7 @@
           <a:p>
             <a:fld id="{B449E151-0877-461B-8BE5-DA5BD7170C9D}" type="datetimeFigureOut">
               <a:rPr lang="el-GR" smtClean="0"/>
-              <a:t>31/5/2022</a:t>
+              <a:t>1/6/2022</a:t>
             </a:fld>
             <a:endParaRPr lang="el-GR"/>
           </a:p>
@@ -14433,7 +14433,7 @@
           <a:p>
             <a:fld id="{B449E151-0877-461B-8BE5-DA5BD7170C9D}" type="datetimeFigureOut">
               <a:rPr lang="el-GR" smtClean="0"/>
-              <a:t>31/5/2022</a:t>
+              <a:t>1/6/2022</a:t>
             </a:fld>
             <a:endParaRPr lang="el-GR"/>
           </a:p>
@@ -14611,7 +14611,7 @@
           <a:p>
             <a:fld id="{B449E151-0877-461B-8BE5-DA5BD7170C9D}" type="datetimeFigureOut">
               <a:rPr lang="el-GR" smtClean="0"/>
-              <a:t>31/5/2022</a:t>
+              <a:t>1/6/2022</a:t>
             </a:fld>
             <a:endParaRPr lang="el-GR"/>
           </a:p>
@@ -14779,7 +14779,7 @@
           <a:p>
             <a:fld id="{B449E151-0877-461B-8BE5-DA5BD7170C9D}" type="datetimeFigureOut">
               <a:rPr lang="el-GR" smtClean="0"/>
-              <a:t>31/5/2022</a:t>
+              <a:t>1/6/2022</a:t>
             </a:fld>
             <a:endParaRPr lang="el-GR"/>
           </a:p>
@@ -15024,7 +15024,7 @@
           <a:p>
             <a:fld id="{B449E151-0877-461B-8BE5-DA5BD7170C9D}" type="datetimeFigureOut">
               <a:rPr lang="el-GR" smtClean="0"/>
-              <a:t>31/5/2022</a:t>
+              <a:t>1/6/2022</a:t>
             </a:fld>
             <a:endParaRPr lang="el-GR"/>
           </a:p>
@@ -15253,7 +15253,7 @@
           <a:p>
             <a:fld id="{B449E151-0877-461B-8BE5-DA5BD7170C9D}" type="datetimeFigureOut">
               <a:rPr lang="el-GR" smtClean="0"/>
-              <a:t>31/5/2022</a:t>
+              <a:t>1/6/2022</a:t>
             </a:fld>
             <a:endParaRPr lang="el-GR"/>
           </a:p>
@@ -15617,7 +15617,7 @@
           <a:p>
             <a:fld id="{B449E151-0877-461B-8BE5-DA5BD7170C9D}" type="datetimeFigureOut">
               <a:rPr lang="el-GR" smtClean="0"/>
-              <a:t>31/5/2022</a:t>
+              <a:t>1/6/2022</a:t>
             </a:fld>
             <a:endParaRPr lang="el-GR"/>
           </a:p>
@@ -15734,7 +15734,7 @@
           <a:p>
             <a:fld id="{B449E151-0877-461B-8BE5-DA5BD7170C9D}" type="datetimeFigureOut">
               <a:rPr lang="el-GR" smtClean="0"/>
-              <a:t>31/5/2022</a:t>
+              <a:t>1/6/2022</a:t>
             </a:fld>
             <a:endParaRPr lang="el-GR"/>
           </a:p>
@@ -15829,7 +15829,7 @@
           <a:p>
             <a:fld id="{B449E151-0877-461B-8BE5-DA5BD7170C9D}" type="datetimeFigureOut">
               <a:rPr lang="el-GR" smtClean="0"/>
-              <a:t>31/5/2022</a:t>
+              <a:t>1/6/2022</a:t>
             </a:fld>
             <a:endParaRPr lang="el-GR"/>
           </a:p>
@@ -16104,7 +16104,7 @@
           <a:p>
             <a:fld id="{B449E151-0877-461B-8BE5-DA5BD7170C9D}" type="datetimeFigureOut">
               <a:rPr lang="el-GR" smtClean="0"/>
-              <a:t>31/5/2022</a:t>
+              <a:t>1/6/2022</a:t>
             </a:fld>
             <a:endParaRPr lang="el-GR"/>
           </a:p>
@@ -16356,7 +16356,7 @@
           <a:p>
             <a:fld id="{B449E151-0877-461B-8BE5-DA5BD7170C9D}" type="datetimeFigureOut">
               <a:rPr lang="el-GR" smtClean="0"/>
-              <a:t>31/5/2022</a:t>
+              <a:t>1/6/2022</a:t>
             </a:fld>
             <a:endParaRPr lang="el-GR"/>
           </a:p>
@@ -16567,7 +16567,7 @@
           <a:p>
             <a:fld id="{B449E151-0877-461B-8BE5-DA5BD7170C9D}" type="datetimeFigureOut">
               <a:rPr lang="el-GR" smtClean="0"/>
-              <a:t>31/5/2022</a:t>
+              <a:t>1/6/2022</a:t>
             </a:fld>
             <a:endParaRPr lang="el-GR"/>
           </a:p>
@@ -23379,6 +23379,35 @@
           </a:p>
         </p:txBody>
       </p:sp>
+      <p:sp>
+        <p:nvSpPr>
+          <p:cNvPr id="4" name="Θέση αριθμού διαφάνειας 3">
+            <a:extLst>
+              <a:ext uri="{FF2B5EF4-FFF2-40B4-BE49-F238E27FC236}">
+                <a16:creationId xmlns:a16="http://schemas.microsoft.com/office/drawing/2014/main" id="{C052F223-18B9-8EB4-A10B-E28F2AAE2909}"/>
+              </a:ext>
+            </a:extLst>
+          </p:cNvPr>
+          <p:cNvSpPr>
+            <a:spLocks noGrp="1"/>
+          </p:cNvSpPr>
+          <p:nvPr>
+            <p:ph type="sldNum" sz="quarter" idx="12"/>
+          </p:nvPr>
+        </p:nvSpPr>
+        <p:spPr/>
+        <p:txBody>
+          <a:bodyPr/>
+          <a:lstStyle/>
+          <a:p>
+            <a:fld id="{AA002072-C902-4FDA-8BD1-381B3038CE66}" type="slidenum">
+              <a:rPr lang="el-GR" smtClean="0"/>
+              <a:t>18</a:t>
+            </a:fld>
+            <a:endParaRPr lang="el-GR"/>
+          </a:p>
+        </p:txBody>
+      </p:sp>
     </p:spTree>
     <p:extLst>
       <p:ext uri="{BB962C8B-B14F-4D97-AF65-F5344CB8AC3E}">
@@ -23469,6 +23498,35 @@
           </a:graphicData>
         </a:graphic>
       </p:graphicFrame>
+      <p:sp>
+        <p:nvSpPr>
+          <p:cNvPr id="3" name="Θέση αριθμού διαφάνειας 2">
+            <a:extLst>
+              <a:ext uri="{FF2B5EF4-FFF2-40B4-BE49-F238E27FC236}">
+                <a16:creationId xmlns:a16="http://schemas.microsoft.com/office/drawing/2014/main" id="{581DC579-9FC0-0E56-BE78-E199DBD14CFF}"/>
+              </a:ext>
+            </a:extLst>
+          </p:cNvPr>
+          <p:cNvSpPr>
+            <a:spLocks noGrp="1"/>
+          </p:cNvSpPr>
+          <p:nvPr>
+            <p:ph type="sldNum" sz="quarter" idx="12"/>
+          </p:nvPr>
+        </p:nvSpPr>
+        <p:spPr/>
+        <p:txBody>
+          <a:bodyPr/>
+          <a:lstStyle/>
+          <a:p>
+            <a:fld id="{AA002072-C902-4FDA-8BD1-381B3038CE66}" type="slidenum">
+              <a:rPr lang="el-GR" smtClean="0"/>
+              <a:t>19</a:t>
+            </a:fld>
+            <a:endParaRPr lang="el-GR"/>
+          </a:p>
+        </p:txBody>
+      </p:sp>
     </p:spTree>
     <p:extLst>
       <p:ext uri="{BB962C8B-B14F-4D97-AF65-F5344CB8AC3E}">
@@ -25026,7 +25084,7 @@
             <a:pPr algn="r"/>
             <a:r>
               <a:rPr lang="el-GR" sz="1400" dirty="0"/>
-              <a:t>Οκτώβριος 2021:</a:t>
+              <a:t>Ιανουάριος 2022:</a:t>
             </a:r>
             <a:r>
               <a:rPr lang="el-GR" sz="1400" dirty="0">
@@ -25038,9 +25096,38 @@
               <a:rPr lang="el-GR" sz="1400" b="1" dirty="0">
                 <a:sym typeface="Wingdings" panose="05000000000000000000" pitchFamily="2" charset="2"/>
               </a:rPr>
-              <a:t>έκδοση 3.2</a:t>
+              <a:t>έκδοση 3.2.1</a:t>
             </a:r>
             <a:endParaRPr lang="el-GR" sz="1400" b="1" dirty="0"/>
+          </a:p>
+        </p:txBody>
+      </p:sp>
+      <p:sp>
+        <p:nvSpPr>
+          <p:cNvPr id="4" name="Θέση αριθμού διαφάνειας 3">
+            <a:extLst>
+              <a:ext uri="{FF2B5EF4-FFF2-40B4-BE49-F238E27FC236}">
+                <a16:creationId xmlns:a16="http://schemas.microsoft.com/office/drawing/2014/main" id="{2A482C51-FC35-6821-BAE5-FF65388A54C2}"/>
+              </a:ext>
+            </a:extLst>
+          </p:cNvPr>
+          <p:cNvSpPr>
+            <a:spLocks noGrp="1"/>
+          </p:cNvSpPr>
+          <p:nvPr>
+            <p:ph type="sldNum" sz="quarter" idx="12"/>
+          </p:nvPr>
+        </p:nvSpPr>
+        <p:spPr/>
+        <p:txBody>
+          <a:bodyPr/>
+          <a:lstStyle/>
+          <a:p>
+            <a:fld id="{AA002072-C902-4FDA-8BD1-381B3038CE66}" type="slidenum">
+              <a:rPr lang="el-GR" smtClean="0"/>
+              <a:t>3</a:t>
+            </a:fld>
+            <a:endParaRPr lang="el-GR"/>
           </a:p>
         </p:txBody>
       </p:sp>
@@ -28294,7 +28381,7 @@
           <a:lstStyle/>
           <a:p>
             <a:r>
-              <a:rPr lang="en-US" sz="3600" dirty="0">
+              <a:rPr lang="en-US" dirty="0">
                 <a:solidFill>
                   <a:schemeClr val="tx2"/>
                 </a:solidFill>
@@ -28302,14 +28389,14 @@
               <a:t>Apache Spark</a:t>
             </a:r>
             <a:br>
-              <a:rPr lang="en-US" sz="3600" dirty="0">
+              <a:rPr lang="en-US" dirty="0">
                 <a:solidFill>
                   <a:schemeClr val="tx2"/>
                 </a:solidFill>
               </a:rPr>
             </a:br>
             <a:r>
-              <a:rPr lang="en-US" sz="1600" dirty="0">
+              <a:rPr lang="en-US" sz="2000" dirty="0">
                 <a:solidFill>
                   <a:schemeClr val="tx2"/>
                 </a:solidFill>
@@ -28317,7 +28404,7 @@
               <a:t>“A </a:t>
             </a:r>
             <a:r>
-              <a:rPr lang="en-US" sz="1600" b="1" dirty="0">
+              <a:rPr lang="en-US" sz="2000" b="1" dirty="0">
                 <a:solidFill>
                   <a:schemeClr val="tx2"/>
                 </a:solidFill>
@@ -28325,7 +28412,7 @@
               <a:t>unified</a:t>
             </a:r>
             <a:r>
-              <a:rPr lang="en-US" sz="1600" dirty="0">
+              <a:rPr lang="en-US" sz="2000" dirty="0">
                 <a:solidFill>
                   <a:schemeClr val="tx2"/>
                 </a:solidFill>
@@ -28333,7 +28420,7 @@
               <a:t> </a:t>
             </a:r>
             <a:r>
-              <a:rPr lang="en-US" sz="1600" b="1" dirty="0">
+              <a:rPr lang="en-US" sz="2000" b="1" dirty="0">
                 <a:solidFill>
                   <a:schemeClr val="tx2"/>
                 </a:solidFill>
@@ -28341,7 +28428,7 @@
               <a:t>computing engine</a:t>
             </a:r>
             <a:r>
-              <a:rPr lang="en-US" sz="1600" dirty="0">
+              <a:rPr lang="en-US" sz="2000" dirty="0">
                 <a:solidFill>
                   <a:schemeClr val="tx2"/>
                 </a:solidFill>
@@ -28349,7 +28436,7 @@
               <a:t> and a set of </a:t>
             </a:r>
             <a:r>
-              <a:rPr lang="en-US" sz="1600" b="1" dirty="0">
+              <a:rPr lang="en-US" sz="2000" b="1" dirty="0">
                 <a:solidFill>
                   <a:schemeClr val="tx2"/>
                 </a:solidFill>
@@ -28357,14 +28444,14 @@
               <a:t>libraries</a:t>
             </a:r>
             <a:r>
-              <a:rPr lang="en-US" sz="1600" dirty="0">
+              <a:rPr lang="en-US" sz="2000" dirty="0">
                 <a:solidFill>
                   <a:schemeClr val="tx2"/>
                 </a:solidFill>
               </a:rPr>
               <a:t> for big data”</a:t>
             </a:r>
-            <a:endParaRPr lang="el-GR" sz="1600" dirty="0">
+            <a:endParaRPr lang="el-GR" sz="2000" dirty="0">
               <a:solidFill>
                 <a:schemeClr val="tx2"/>
               </a:solidFill>
@@ -28595,7 +28682,25 @@
                 </a:solidFill>
                 <a:sym typeface="Wingdings" panose="05000000000000000000" pitchFamily="2" charset="2"/>
               </a:rPr>
-              <a:t>standard libraries + 3</a:t>
+              <a:t>standard libraries </a:t>
+            </a:r>
+            <a:r>
+              <a:rPr lang="el-GR" sz="2200" dirty="0">
+                <a:solidFill>
+                  <a:schemeClr val="tx2"/>
+                </a:solidFill>
+                <a:sym typeface="Wingdings" panose="05000000000000000000" pitchFamily="2" charset="2"/>
+              </a:rPr>
+              <a:t>&amp;</a:t>
+            </a:r>
+            <a:r>
+              <a:rPr lang="en-US" sz="2200" dirty="0">
+                <a:solidFill>
+                  <a:schemeClr val="tx2"/>
+                </a:solidFill>
+                <a:sym typeface="Wingdings" panose="05000000000000000000" pitchFamily="2" charset="2"/>
+              </a:rPr>
+              <a:t> 3</a:t>
             </a:r>
             <a:r>
               <a:rPr lang="en-US" sz="2200" baseline="30000" dirty="0">
@@ -28629,6 +28734,35 @@
                 <a:schemeClr val="tx2"/>
               </a:solidFill>
             </a:endParaRPr>
+          </a:p>
+        </p:txBody>
+      </p:sp>
+      <p:sp>
+        <p:nvSpPr>
+          <p:cNvPr id="4" name="Θέση αριθμού διαφάνειας 3">
+            <a:extLst>
+              <a:ext uri="{FF2B5EF4-FFF2-40B4-BE49-F238E27FC236}">
+                <a16:creationId xmlns:a16="http://schemas.microsoft.com/office/drawing/2014/main" id="{79B55BB5-1CCB-EBDA-5E0E-D601DA4E83E8}"/>
+              </a:ext>
+            </a:extLst>
+          </p:cNvPr>
+          <p:cNvSpPr>
+            <a:spLocks noGrp="1"/>
+          </p:cNvSpPr>
+          <p:nvPr>
+            <p:ph type="sldNum" sz="quarter" idx="12"/>
+          </p:nvPr>
+        </p:nvSpPr>
+        <p:spPr/>
+        <p:txBody>
+          <a:bodyPr/>
+          <a:lstStyle/>
+          <a:p>
+            <a:fld id="{AA002072-C902-4FDA-8BD1-381B3038CE66}" type="slidenum">
+              <a:rPr lang="el-GR" smtClean="0"/>
+              <a:t>4</a:t>
+            </a:fld>
+            <a:endParaRPr lang="el-GR"/>
           </a:p>
         </p:txBody>
       </p:sp>
@@ -29439,6 +29573,35 @@
           </a:fontRef>
         </p:style>
       </p:cxnSp>
+      <p:sp>
+        <p:nvSpPr>
+          <p:cNvPr id="3" name="Θέση αριθμού διαφάνειας 2">
+            <a:extLst>
+              <a:ext uri="{FF2B5EF4-FFF2-40B4-BE49-F238E27FC236}">
+                <a16:creationId xmlns:a16="http://schemas.microsoft.com/office/drawing/2014/main" id="{8C214768-EDA1-9DF3-74E0-BA1ECC4A67D5}"/>
+              </a:ext>
+            </a:extLst>
+          </p:cNvPr>
+          <p:cNvSpPr>
+            <a:spLocks noGrp="1"/>
+          </p:cNvSpPr>
+          <p:nvPr>
+            <p:ph type="sldNum" sz="quarter" idx="12"/>
+          </p:nvPr>
+        </p:nvSpPr>
+        <p:spPr/>
+        <p:txBody>
+          <a:bodyPr/>
+          <a:lstStyle/>
+          <a:p>
+            <a:fld id="{AA002072-C902-4FDA-8BD1-381B3038CE66}" type="slidenum">
+              <a:rPr lang="el-GR" smtClean="0"/>
+              <a:t>6</a:t>
+            </a:fld>
+            <a:endParaRPr lang="el-GR"/>
+          </a:p>
+        </p:txBody>
+      </p:sp>
     </p:spTree>
     <p:extLst>
       <p:ext uri="{BB962C8B-B14F-4D97-AF65-F5344CB8AC3E}">
